--- a/Initial_presentation/Initial presentation.pptx
+++ b/Initial_presentation/Initial presentation.pptx
@@ -397,11 +397,11 @@
           <c:showBubbleSize val="0"/>
         </c:dLbls>
         <c:gapWidth val="150"/>
-        <c:axId val="91653248"/>
-        <c:axId val="91654784"/>
+        <c:axId val="119806976"/>
+        <c:axId val="119808768"/>
       </c:barChart>
       <c:catAx>
-        <c:axId val="91653248"/>
+        <c:axId val="119806976"/>
         <c:scaling>
           <c:orientation val="minMax"/>
         </c:scaling>
@@ -413,7 +413,7 @@
         <c:spPr>
           <a:ln w="6350"/>
         </c:spPr>
-        <c:crossAx val="91654784"/>
+        <c:crossAx val="119808768"/>
         <c:crosses val="autoZero"/>
         <c:auto val="1"/>
         <c:lblAlgn val="ctr"/>
@@ -421,7 +421,7 @@
         <c:noMultiLvlLbl val="0"/>
       </c:catAx>
       <c:valAx>
-        <c:axId val="91654784"/>
+        <c:axId val="119808768"/>
         <c:scaling>
           <c:orientation val="minMax"/>
         </c:scaling>
@@ -445,7 +445,7 @@
             <a:noFill/>
           </a:ln>
         </c:spPr>
-        <c:crossAx val="91653248"/>
+        <c:crossAx val="119806976"/>
         <c:crosses val="autoZero"/>
         <c:crossBetween val="between"/>
       </c:valAx>
@@ -889,7 +889,7 @@
                 <a:cs typeface="Arial" pitchFamily="34" charset="0"/>
               </a:rPr>
               <a:pPr/>
-              <a:t>04/02/2014</a:t>
+              <a:t>09/02/2014</a:t>
             </a:fld>
             <a:endParaRPr lang="en-GB" sz="800" dirty="0">
               <a:latin typeface="Arial" pitchFamily="34" charset="0"/>
@@ -1095,7 +1095,7 @@
             <a:fld id="{FA175E2C-59E1-4EF1-A36A-FD7E50E71E80}" type="datetimeFigureOut">
               <a:rPr lang="en-GB" smtClean="0"/>
               <a:pPr/>
-              <a:t>04/02/2014</a:t>
+              <a:t>09/02/2014</a:t>
             </a:fld>
             <a:endParaRPr lang="en-GB" dirty="0"/>
           </a:p>
@@ -2066,7 +2066,7 @@
             <a:fld id="{9D21D778-B565-4D7E-94D7-64010A445B68}" type="datetimeFigureOut">
               <a:rPr lang="en-US" smtClean="0"/>
               <a:pPr eaLnBrk="1" latinLnBrk="0" hangingPunct="1"/>
-              <a:t>2/4/2014</a:t>
+              <a:t>2/9/2014</a:t>
             </a:fld>
             <a:endParaRPr lang="en-US"/>
           </a:p>
@@ -2603,7 +2603,7 @@
             <a:fld id="{9D21D778-B565-4D7E-94D7-64010A445B68}" type="datetimeFigureOut">
               <a:rPr lang="en-US" smtClean="0"/>
               <a:pPr eaLnBrk="1" latinLnBrk="0" hangingPunct="1"/>
-              <a:t>2/4/2014</a:t>
+              <a:t>2/9/2014</a:t>
             </a:fld>
             <a:endParaRPr lang="en-US"/>
           </a:p>
@@ -2929,7 +2929,7 @@
             <a:fld id="{9D21D778-B565-4D7E-94D7-64010A445B68}" type="datetimeFigureOut">
               <a:rPr lang="en-US" smtClean="0"/>
               <a:pPr eaLnBrk="1" latinLnBrk="0" hangingPunct="1"/>
-              <a:t>2/4/2014</a:t>
+              <a:t>2/9/2014</a:t>
             </a:fld>
             <a:endParaRPr lang="en-US"/>
           </a:p>
@@ -5675,7 +5675,7 @@
             <a:fld id="{9D21D778-B565-4D7E-94D7-64010A445B68}" type="datetimeFigureOut">
               <a:rPr lang="en-US" smtClean="0"/>
               <a:pPr eaLnBrk="1" latinLnBrk="0" hangingPunct="1"/>
-              <a:t>2/4/2014</a:t>
+              <a:t>2/9/2014</a:t>
             </a:fld>
             <a:endParaRPr lang="en-US"/>
           </a:p>
@@ -8395,7 +8395,7 @@
             <a:fld id="{9D21D778-B565-4D7E-94D7-64010A445B68}" type="datetimeFigureOut">
               <a:rPr lang="en-US" smtClean="0"/>
               <a:pPr eaLnBrk="1" latinLnBrk="0" hangingPunct="1"/>
-              <a:t>2/4/2014</a:t>
+              <a:t>2/9/2014</a:t>
             </a:fld>
             <a:endParaRPr lang="en-US"/>
           </a:p>
@@ -8518,7 +8518,7 @@
             <a:fld id="{9D21D778-B565-4D7E-94D7-64010A445B68}" type="datetimeFigureOut">
               <a:rPr lang="en-US" smtClean="0"/>
               <a:pPr eaLnBrk="1" latinLnBrk="0" hangingPunct="1"/>
-              <a:t>2/4/2014</a:t>
+              <a:t>2/9/2014</a:t>
             </a:fld>
             <a:endParaRPr lang="en-US"/>
           </a:p>
@@ -9239,7 +9239,7 @@
             <a:fld id="{9D21D778-B565-4D7E-94D7-64010A445B68}" type="datetimeFigureOut">
               <a:rPr lang="en-US" smtClean="0"/>
               <a:pPr eaLnBrk="1" latinLnBrk="0" hangingPunct="1"/>
-              <a:t>2/4/2014</a:t>
+              <a:t>2/9/2014</a:t>
             </a:fld>
             <a:endParaRPr lang="en-US"/>
           </a:p>
@@ -9503,7 +9503,7 @@
             <a:fld id="{9D21D778-B565-4D7E-94D7-64010A445B68}" type="datetimeFigureOut">
               <a:rPr lang="en-US" smtClean="0"/>
               <a:pPr eaLnBrk="1" latinLnBrk="0" hangingPunct="1"/>
-              <a:t>2/4/2014</a:t>
+              <a:t>2/9/2014</a:t>
             </a:fld>
             <a:endParaRPr lang="en-US"/>
           </a:p>
@@ -9744,7 +9744,7 @@
             <a:fld id="{9D21D778-B565-4D7E-94D7-64010A445B68}" type="datetimeFigureOut">
               <a:rPr lang="en-US" smtClean="0"/>
               <a:pPr eaLnBrk="1" latinLnBrk="0" hangingPunct="1"/>
-              <a:t>2/4/2014</a:t>
+              <a:t>2/9/2014</a:t>
             </a:fld>
             <a:endParaRPr lang="en-US"/>
           </a:p>
@@ -10030,7 +10030,7 @@
             <a:fld id="{9D21D778-B565-4D7E-94D7-64010A445B68}" type="datetimeFigureOut">
               <a:rPr lang="en-US" smtClean="0"/>
               <a:pPr eaLnBrk="1" latinLnBrk="0" hangingPunct="1"/>
-              <a:t>2/4/2014</a:t>
+              <a:t>2/9/2014</a:t>
             </a:fld>
             <a:endParaRPr lang="en-US"/>
           </a:p>
@@ -10328,7 +10328,7 @@
             <a:fld id="{9D21D778-B565-4D7E-94D7-64010A445B68}" type="datetimeFigureOut">
               <a:rPr lang="en-US" smtClean="0"/>
               <a:pPr eaLnBrk="1" latinLnBrk="0" hangingPunct="1"/>
-              <a:t>2/4/2014</a:t>
+              <a:t>2/9/2014</a:t>
             </a:fld>
             <a:endParaRPr lang="en-US" dirty="0"/>
           </a:p>
@@ -10608,7 +10608,7 @@
             <a:fld id="{9D21D778-B565-4D7E-94D7-64010A445B68}" type="datetimeFigureOut">
               <a:rPr lang="en-US" smtClean="0"/>
               <a:pPr algn="r" eaLnBrk="1" latinLnBrk="0" hangingPunct="1"/>
-              <a:t>2/4/2014</a:t>
+              <a:t>2/9/2014</a:t>
             </a:fld>
             <a:endParaRPr lang="en-US" sz="1400" dirty="0">
               <a:solidFill>
@@ -11126,23 +11126,7 @@
                   <a:srgbClr val="FF0000"/>
                 </a:solidFill>
               </a:rPr>
-              <a:t>Android </a:t>
-            </a:r>
-            <a:r>
-              <a:rPr lang="en-GB" sz="3600" b="1" dirty="0" smtClean="0">
-                <a:solidFill>
-                  <a:srgbClr val="FF0000"/>
-                </a:solidFill>
-              </a:rPr>
-              <a:t>Programming Class</a:t>
-            </a:r>
-            <a:r>
-              <a:rPr lang="en-GB" sz="3600" b="1" dirty="0" smtClean="0">
-                <a:solidFill>
-                  <a:srgbClr val="FF0000"/>
-                </a:solidFill>
-              </a:rPr>
-              <a:t>:</a:t>
+              <a:t>Android Programming Class:</a:t>
             </a:r>
             <a:br>
               <a:rPr lang="en-GB" sz="3600" b="1" dirty="0" smtClean="0">
@@ -11432,15 +11416,7 @@
                   <a:srgbClr val="FF0000"/>
                 </a:solidFill>
               </a:rPr>
-              <a:t>Project </a:t>
-            </a:r>
-            <a:r>
-              <a:rPr lang="en-GB" sz="1800" b="1" u="sng" dirty="0" smtClean="0">
-                <a:solidFill>
-                  <a:srgbClr val="FF0000"/>
-                </a:solidFill>
-              </a:rPr>
-              <a:t>Name:</a:t>
+              <a:t>Project Name:</a:t>
             </a:r>
             <a:r>
               <a:rPr lang="en-GB" sz="1800" b="1" dirty="0" smtClean="0">
@@ -11479,7 +11455,6 @@
               <a:rPr lang="en-GB" dirty="0" smtClean="0"/>
               <a:t>    A Dog will herd many Sheep – providing guidance and security </a:t>
             </a:r>
-            <a:endParaRPr lang="en-GB" dirty="0" smtClean="0"/>
           </a:p>
           <a:p>
             <a:pPr marL="0" indent="0">
@@ -11491,15 +11466,7 @@
             </a:r>
             <a:r>
               <a:rPr lang="en-GB" dirty="0" smtClean="0"/>
-              <a:t>    </a:t>
-            </a:r>
-            <a:r>
-              <a:rPr lang="en-GB" dirty="0" smtClean="0"/>
-              <a:t>for </a:t>
-            </a:r>
-            <a:r>
-              <a:rPr lang="en-GB" dirty="0" smtClean="0"/>
-              <a:t>all Sheep. </a:t>
+              <a:t>    for all Sheep. </a:t>
             </a:r>
           </a:p>
           <a:p>
@@ -11590,7 +11557,6 @@
               <a:rPr lang="en-GB" dirty="0" smtClean="0"/>
               <a:t>               -Allow to go in the direction of up, right and left (not backward </a:t>
             </a:r>
-            <a:endParaRPr lang="en-GB" dirty="0" smtClean="0"/>
           </a:p>
           <a:p>
             <a:pPr marL="0" indent="0">
@@ -11602,23 +11568,7 @@
             </a:r>
             <a:r>
               <a:rPr lang="en-GB" dirty="0" smtClean="0"/>
-              <a:t>                 </a:t>
-            </a:r>
-            <a:r>
-              <a:rPr lang="en-GB" dirty="0" smtClean="0"/>
-              <a:t>or </a:t>
-            </a:r>
-            <a:r>
-              <a:rPr lang="en-GB" dirty="0" smtClean="0"/>
-              <a:t>behind </a:t>
-            </a:r>
-            <a:r>
-              <a:rPr lang="en-GB" dirty="0" smtClean="0"/>
-              <a:t>the </a:t>
-            </a:r>
-            <a:r>
-              <a:rPr lang="en-GB" dirty="0" smtClean="0"/>
-              <a:t>dog) </a:t>
+              <a:t>                 or behind the dog) </a:t>
             </a:r>
           </a:p>
           <a:p>
@@ -11770,7 +11720,6 @@
               <a:rPr lang="en-US" dirty="0" smtClean="0"/>
               <a:t>        - Controlled by either touch screen / </a:t>
             </a:r>
-            <a:endParaRPr lang="en-US" dirty="0" smtClean="0"/>
           </a:p>
           <a:p>
             <a:pPr marL="0" indent="0">
@@ -11782,13 +11731,8 @@
             </a:r>
             <a:r>
               <a:rPr lang="en-US" dirty="0" smtClean="0"/>
-              <a:t>        </a:t>
-            </a:r>
-            <a:r>
-              <a:rPr lang="en-US" dirty="0" smtClean="0"/>
-              <a:t>  keyboard</a:t>
-            </a:r>
-            <a:endParaRPr lang="en-US" dirty="0" smtClean="0"/>
+              <a:t>          keyboard</a:t>
+            </a:r>
           </a:p>
           <a:p>
             <a:pPr marL="0" indent="0">
@@ -11944,7 +11888,7 @@
         </p:spPr>
         <p:txBody>
           <a:bodyPr>
-            <a:normAutofit fontScale="77500" lnSpcReduction="20000"/>
+            <a:normAutofit fontScale="70000" lnSpcReduction="20000"/>
           </a:bodyPr>
           <a:lstStyle/>
           <a:p>
@@ -11990,37 +11934,13 @@
           <a:p>
             <a:r>
               <a:rPr lang="en-GB" dirty="0" smtClean="0"/>
-              <a:t>Using Java </a:t>
-            </a:r>
+              <a:t>Using Java API- creating classes; implementing interfaces </a:t>
+            </a:r>
+          </a:p>
+          <a:p>
             <a:r>
               <a:rPr lang="en-GB" dirty="0" smtClean="0"/>
-              <a:t>API- </a:t>
-            </a:r>
-            <a:r>
-              <a:rPr lang="en-GB" dirty="0" smtClean="0"/>
-              <a:t>creating classes; implementing interfaces </a:t>
-            </a:r>
-          </a:p>
-          <a:p>
-            <a:r>
-              <a:rPr lang="en-GB" dirty="0" smtClean="0"/>
-              <a:t>Android </a:t>
-            </a:r>
-            <a:r>
-              <a:rPr lang="en-GB" dirty="0" smtClean="0"/>
-              <a:t>API- </a:t>
-            </a:r>
-            <a:r>
-              <a:rPr lang="en-GB" dirty="0" smtClean="0"/>
-              <a:t>whatever method is and features that </a:t>
-            </a:r>
-            <a:r>
-              <a:rPr lang="en-GB" dirty="0" smtClean="0"/>
-              <a:t>suite our </a:t>
-            </a:r>
-            <a:r>
-              <a:rPr lang="en-GB" dirty="0" smtClean="0"/>
-              <a:t>project.</a:t>
+              <a:t>Android API- whatever method is and features that suite our project.</a:t>
             </a:r>
           </a:p>
           <a:p>
@@ -12070,7 +11990,7 @@
                   <a:schemeClr val="accent4"/>
                 </a:solidFill>
               </a:rPr>
-              <a:t>Week </a:t>
+              <a:t>Week of Feb </a:t>
             </a:r>
             <a:r>
               <a:rPr lang="en-GB" b="1" dirty="0" smtClean="0">
@@ -12078,17 +11998,12 @@
                   <a:schemeClr val="accent4"/>
                 </a:solidFill>
               </a:rPr>
-              <a:t>of Feb 3rd </a:t>
+              <a:t>18th </a:t>
             </a:r>
             <a:r>
               <a:rPr lang="en-GB" dirty="0" smtClean="0"/>
-              <a:t>-   Planning </a:t>
-            </a:r>
-            <a:r>
-              <a:rPr lang="en-GB" dirty="0" smtClean="0"/>
-              <a:t>phase:</a:t>
-            </a:r>
-            <a:endParaRPr lang="en-GB" dirty="0" smtClean="0"/>
+              <a:t>-   Planning phase:</a:t>
+            </a:r>
           </a:p>
           <a:p>
             <a:pPr marL="0" indent="0">
@@ -12100,16 +12015,69 @@
             </a:r>
             <a:r>
               <a:rPr lang="en-GB" dirty="0" smtClean="0"/>
-              <a:t>            </a:t>
+              <a:t>             - </a:t>
             </a:r>
             <a:r>
               <a:rPr lang="en-GB" dirty="0" smtClean="0"/>
+              <a:t>create a simple</a:t>
+            </a:r>
+            <a:r>
+              <a:rPr lang="en-GB" dirty="0" smtClean="0"/>
+              <a:t> specification</a:t>
+            </a:r>
+          </a:p>
+          <a:p>
+            <a:pPr marL="0" indent="0">
+              <a:buNone/>
+            </a:pPr>
+            <a:r>
+              <a:rPr lang="en-GB" dirty="0"/>
               <a:t> </a:t>
             </a:r>
             <a:r>
               <a:rPr lang="en-GB" dirty="0" smtClean="0"/>
-              <a:t>- setup the specification and Use Case diagram</a:t>
-            </a:r>
+              <a:t>             - Create a </a:t>
+            </a:r>
+            <a:r>
+              <a:rPr lang="en-GB" dirty="0" smtClean="0"/>
+              <a:t>Use </a:t>
+            </a:r>
+            <a:r>
+              <a:rPr lang="en-GB" dirty="0" smtClean="0"/>
+              <a:t>Case </a:t>
+            </a:r>
+            <a:r>
+              <a:rPr lang="en-GB" dirty="0" smtClean="0"/>
+              <a:t>diagram</a:t>
+            </a:r>
+          </a:p>
+          <a:p>
+            <a:pPr marL="0" indent="0">
+              <a:buNone/>
+            </a:pPr>
+            <a:r>
+              <a:rPr lang="en-GB" dirty="0"/>
+              <a:t> </a:t>
+            </a:r>
+            <a:r>
+              <a:rPr lang="en-GB" dirty="0" smtClean="0"/>
+              <a:t>             - Create basic Design and navigation process</a:t>
+            </a:r>
+            <a:endParaRPr lang="en-GB" dirty="0" smtClean="0"/>
+          </a:p>
+          <a:p>
+            <a:pPr marL="0" indent="0">
+              <a:buNone/>
+            </a:pPr>
+            <a:r>
+              <a:rPr lang="en-GB" dirty="0"/>
+              <a:t> </a:t>
+            </a:r>
+            <a:r>
+              <a:rPr lang="en-GB" dirty="0" smtClean="0"/>
+              <a:t>             - Create an initial presentation</a:t>
+            </a:r>
+            <a:endParaRPr lang="en-GB" dirty="0" smtClean="0"/>
           </a:p>
           <a:p>
             <a:pPr marL="0" indent="0">
@@ -12135,7 +12103,7 @@
                   <a:schemeClr val="accent4"/>
                 </a:solidFill>
               </a:rPr>
-              <a:t>Week </a:t>
+              <a:t>Week of </a:t>
             </a:r>
             <a:r>
               <a:rPr lang="en-GB" b="1" dirty="0" smtClean="0">
@@ -12143,7 +12111,7 @@
                   <a:schemeClr val="accent4"/>
                 </a:solidFill>
               </a:rPr>
-              <a:t>of Feb 17</a:t>
+              <a:t>March 4</a:t>
             </a:r>
             <a:r>
               <a:rPr lang="en-GB" b="1" baseline="30000" dirty="0" smtClean="0">
@@ -12155,7 +12123,11 @@
             </a:r>
             <a:r>
               <a:rPr lang="en-GB" dirty="0" smtClean="0"/>
-              <a:t> -   Analysis phase: </a:t>
+              <a:t> </a:t>
+            </a:r>
+            <a:r>
+              <a:rPr lang="en-GB" dirty="0" smtClean="0"/>
+              <a:t>-   Analysis phase: </a:t>
             </a:r>
           </a:p>
           <a:p>
@@ -12168,21 +12140,8 @@
             </a:r>
             <a:r>
               <a:rPr lang="en-GB" dirty="0" smtClean="0"/>
-              <a:t>             </a:t>
-            </a:r>
-            <a:r>
-              <a:rPr lang="en-GB" dirty="0" smtClean="0"/>
-              <a:t> </a:t>
-            </a:r>
-            <a:r>
-              <a:rPr lang="en-GB" dirty="0" smtClean="0"/>
-              <a:t>- Re-visiting the </a:t>
-            </a:r>
-            <a:r>
-              <a:rPr lang="en-GB" dirty="0" smtClean="0"/>
-              <a:t>specification</a:t>
-            </a:r>
-            <a:endParaRPr lang="en-GB" dirty="0" smtClean="0"/>
+              <a:t>              - Re-visiting the specification</a:t>
+            </a:r>
           </a:p>
           <a:p>
             <a:pPr marL="0" indent="0">
@@ -12194,15 +12153,15 @@
             </a:r>
             <a:r>
               <a:rPr lang="en-GB" dirty="0" smtClean="0"/>
-              <a:t>              </a:t>
+              <a:t>              -  </a:t>
             </a:r>
             <a:r>
               <a:rPr lang="en-GB" dirty="0" smtClean="0"/>
-              <a:t>-  </a:t>
+              <a:t>Determine </a:t>
             </a:r>
             <a:r>
               <a:rPr lang="en-GB" dirty="0" smtClean="0"/>
-              <a:t>determine the classes, methods and variable</a:t>
+              <a:t>the classes, methods and variable</a:t>
             </a:r>
           </a:p>
           <a:p>
@@ -12215,15 +12174,23 @@
             </a:r>
             <a:r>
               <a:rPr lang="en-GB" dirty="0" smtClean="0"/>
-              <a:t>              </a:t>
+              <a:t>               - </a:t>
             </a:r>
             <a:r>
               <a:rPr lang="en-GB" dirty="0" smtClean="0"/>
-              <a:t> - </a:t>
+              <a:t>Creat</a:t>
             </a:r>
             <a:r>
               <a:rPr lang="en-GB" dirty="0" smtClean="0"/>
-              <a:t>Activity diagram</a:t>
+              <a:t>e a</a:t>
+            </a:r>
+            <a:r>
+              <a:rPr lang="en-GB" dirty="0" smtClean="0"/>
+              <a:t>ctivity </a:t>
+            </a:r>
+            <a:r>
+              <a:rPr lang="en-GB" dirty="0" smtClean="0"/>
+              <a:t>diagram</a:t>
             </a:r>
           </a:p>
           <a:p>
@@ -12321,7 +12288,7 @@
         </p:spPr>
         <p:txBody>
           <a:bodyPr>
-            <a:normAutofit fontScale="85000" lnSpcReduction="10000"/>
+            <a:normAutofit/>
           </a:bodyPr>
           <a:lstStyle/>
           <a:p>
@@ -12338,7 +12305,7 @@
               <a:buNone/>
             </a:pPr>
             <a:r>
-              <a:rPr lang="en-GB" b="1" dirty="0">
+              <a:rPr lang="en-GB" sz="1900" b="1">
                 <a:solidFill>
                   <a:schemeClr val="accent4"/>
                 </a:solidFill>
@@ -12346,15 +12313,23 @@
               <a:t> </a:t>
             </a:r>
             <a:r>
-              <a:rPr lang="en-GB" b="1" dirty="0" smtClean="0">
+              <a:rPr lang="en-GB" sz="1900" b="1" smtClean="0">
                 <a:solidFill>
                   <a:schemeClr val="accent4"/>
                 </a:solidFill>
               </a:rPr>
-              <a:t>       </a:t>
-            </a:r>
-            <a:r>
-              <a:rPr lang="en-GB" b="1" dirty="0" smtClean="0">
+              <a:t>   </a:t>
+            </a:r>
+            <a:r>
+              <a:rPr lang="en-GB" sz="1900" b="1" smtClean="0">
+                <a:solidFill>
+                  <a:schemeClr val="accent4"/>
+                </a:solidFill>
+              </a:rPr>
+              <a:t>     </a:t>
+            </a:r>
+            <a:r>
+              <a:rPr lang="en-GB" sz="1800" b="1" smtClean="0">
                 <a:solidFill>
                   <a:schemeClr val="accent4"/>
                 </a:solidFill>
@@ -12362,7 +12337,7 @@
               <a:t>Week </a:t>
             </a:r>
             <a:r>
-              <a:rPr lang="en-GB" b="1" dirty="0">
+              <a:rPr lang="en-GB" sz="1800" b="1" dirty="0">
                 <a:solidFill>
                   <a:schemeClr val="accent4"/>
                 </a:solidFill>
@@ -12370,76 +12345,244 @@
               <a:t>of March </a:t>
             </a:r>
             <a:r>
-              <a:rPr lang="en-GB" b="1" dirty="0" smtClean="0">
+              <a:rPr lang="en-GB" sz="1800" b="1" dirty="0" smtClean="0">
                 <a:solidFill>
                   <a:schemeClr val="accent4"/>
                 </a:solidFill>
               </a:rPr>
-              <a:t>3rd </a:t>
-            </a:r>
-            <a:r>
-              <a:rPr lang="en-GB" dirty="0"/>
-              <a:t>– pre implementation </a:t>
-            </a:r>
-            <a:r>
-              <a:rPr lang="en-GB" dirty="0" smtClean="0"/>
-              <a:t>phase:</a:t>
-            </a:r>
-            <a:endParaRPr lang="en-GB" dirty="0"/>
-          </a:p>
-          <a:p>
-            <a:pPr marL="0" indent="0">
-              <a:buNone/>
-            </a:pPr>
-            <a:r>
-              <a:rPr lang="en-GB" dirty="0"/>
-              <a:t>                </a:t>
-            </a:r>
-            <a:r>
-              <a:rPr lang="en-GB" dirty="0" smtClean="0"/>
-              <a:t>- </a:t>
-            </a:r>
-            <a:r>
-              <a:rPr lang="en-GB" dirty="0" smtClean="0"/>
-              <a:t>working on project pseudo code and </a:t>
-            </a:r>
-          </a:p>
-          <a:p>
-            <a:pPr marL="0" indent="0">
-              <a:buNone/>
-            </a:pPr>
-            <a:endParaRPr lang="en-GB" dirty="0" smtClean="0"/>
-          </a:p>
-          <a:p>
-            <a:pPr marL="0" indent="0">
-              <a:buNone/>
-            </a:pPr>
-            <a:r>
-              <a:rPr lang="en-GB" dirty="0"/>
-              <a:t> </a:t>
-            </a:r>
-            <a:r>
-              <a:rPr lang="en-GB" dirty="0" smtClean="0"/>
-              <a:t>       </a:t>
-            </a:r>
-            <a:r>
-              <a:rPr lang="en-GB" b="1" dirty="0" smtClean="0">
+              <a:t>18th</a:t>
+            </a:r>
+            <a:r>
+              <a:rPr lang="en-GB" sz="1800" b="1" dirty="0" smtClean="0">
                 <a:solidFill>
                   <a:schemeClr val="accent4"/>
                 </a:solidFill>
               </a:rPr>
-              <a:t>Week </a:t>
-            </a:r>
-            <a:r>
-              <a:rPr lang="en-GB" b="1" dirty="0" smtClean="0">
+              <a:t> </a:t>
+            </a:r>
+            <a:r>
+              <a:rPr lang="en-GB" sz="1800" dirty="0"/>
+              <a:t>– pre implementation </a:t>
+            </a:r>
+            <a:r>
+              <a:rPr lang="en-GB" sz="1800" dirty="0" smtClean="0"/>
+              <a:t>phase:</a:t>
+            </a:r>
+            <a:endParaRPr lang="en-GB" sz="1800" dirty="0"/>
+          </a:p>
+          <a:p>
+            <a:pPr marL="0" indent="0">
+              <a:buNone/>
+            </a:pPr>
+            <a:r>
+              <a:rPr lang="en-GB" sz="1800" dirty="0"/>
+              <a:t>                </a:t>
+            </a:r>
+            <a:r>
+              <a:rPr lang="en-GB" sz="1800" dirty="0" smtClean="0"/>
+              <a:t>- </a:t>
+            </a:r>
+            <a:r>
+              <a:rPr lang="en-GB" sz="1800" dirty="0" smtClean="0"/>
+              <a:t>forming the </a:t>
+            </a:r>
+            <a:r>
+              <a:rPr lang="en-GB" sz="1800" dirty="0" smtClean="0"/>
+              <a:t>project pseudo code </a:t>
+            </a:r>
+            <a:r>
+              <a:rPr lang="en-GB" sz="1800" dirty="0" smtClean="0"/>
+              <a:t> </a:t>
+            </a:r>
+            <a:endParaRPr lang="en-GB" sz="1800" dirty="0" smtClean="0"/>
+          </a:p>
+          <a:p>
+            <a:pPr marL="0" indent="0">
+              <a:buNone/>
+            </a:pPr>
+            <a:endParaRPr lang="en-GB" dirty="0" smtClean="0"/>
+          </a:p>
+          <a:p>
+            <a:pPr marL="0" indent="0">
+              <a:buNone/>
+            </a:pPr>
+            <a:r>
+              <a:rPr lang="en-GB" dirty="0"/>
+              <a:t> </a:t>
+            </a:r>
+            <a:r>
+              <a:rPr lang="en-GB" dirty="0" smtClean="0"/>
+              <a:t>       </a:t>
+            </a:r>
+            <a:r>
+              <a:rPr lang="en-GB" sz="1900" b="1" dirty="0" smtClean="0">
                 <a:solidFill>
                   <a:schemeClr val="accent4"/>
                 </a:solidFill>
               </a:rPr>
-              <a:t>of March  17</a:t>
-            </a:r>
-            <a:r>
-              <a:rPr lang="en-GB" b="1" baseline="30000" dirty="0" smtClean="0">
+              <a:t>Week of </a:t>
+            </a:r>
+            <a:r>
+              <a:rPr lang="en-GB" sz="1900" b="1" dirty="0" smtClean="0">
+                <a:solidFill>
+                  <a:schemeClr val="accent4"/>
+                </a:solidFill>
+              </a:rPr>
+              <a:t>April 1st</a:t>
+            </a:r>
+            <a:r>
+              <a:rPr lang="en-GB" sz="1900" b="1" dirty="0" smtClean="0">
+                <a:solidFill>
+                  <a:schemeClr val="accent4"/>
+                </a:solidFill>
+              </a:rPr>
+              <a:t> </a:t>
+            </a:r>
+            <a:r>
+              <a:rPr lang="en-GB" sz="1900" dirty="0" smtClean="0"/>
+              <a:t>– implementation phase:</a:t>
+            </a:r>
+          </a:p>
+          <a:p>
+            <a:pPr marL="0" indent="0">
+              <a:buNone/>
+            </a:pPr>
+            <a:r>
+              <a:rPr lang="en-GB" sz="1900" dirty="0"/>
+              <a:t> </a:t>
+            </a:r>
+            <a:r>
+              <a:rPr lang="en-GB" sz="1900" dirty="0" smtClean="0"/>
+              <a:t>               - coding and unit testing </a:t>
+            </a:r>
+          </a:p>
+          <a:p>
+            <a:pPr marL="0" indent="0">
+              <a:buNone/>
+            </a:pPr>
+            <a:endParaRPr lang="en-GB" sz="1900" dirty="0" smtClean="0"/>
+          </a:p>
+          <a:p>
+            <a:pPr marL="0" indent="0">
+              <a:buNone/>
+            </a:pPr>
+            <a:r>
+              <a:rPr lang="en-GB" sz="1900" dirty="0"/>
+              <a:t> </a:t>
+            </a:r>
+            <a:r>
+              <a:rPr lang="en-GB" sz="1900" dirty="0" smtClean="0"/>
+              <a:t>       </a:t>
+            </a:r>
+            <a:r>
+              <a:rPr lang="en-GB" sz="1900" b="1" dirty="0" smtClean="0">
+                <a:solidFill>
+                  <a:schemeClr val="accent4"/>
+                </a:solidFill>
+              </a:rPr>
+              <a:t>Week of </a:t>
+            </a:r>
+            <a:r>
+              <a:rPr lang="en-GB" sz="1900" b="1" dirty="0" smtClean="0">
+                <a:solidFill>
+                  <a:schemeClr val="accent4"/>
+                </a:solidFill>
+              </a:rPr>
+              <a:t>April</a:t>
+            </a:r>
+            <a:r>
+              <a:rPr lang="en-GB" sz="1900" b="1" dirty="0" smtClean="0">
+                <a:solidFill>
+                  <a:schemeClr val="accent4"/>
+                </a:solidFill>
+              </a:rPr>
+              <a:t> 15th </a:t>
+            </a:r>
+            <a:r>
+              <a:rPr lang="en-GB" sz="1900" b="1" dirty="0" smtClean="0">
+                <a:solidFill>
+                  <a:schemeClr val="accent4"/>
+                </a:solidFill>
+              </a:rPr>
+              <a:t>– </a:t>
+            </a:r>
+            <a:r>
+              <a:rPr lang="en-GB" sz="1900" dirty="0" smtClean="0"/>
+              <a:t>Source Code:</a:t>
+            </a:r>
+            <a:endParaRPr lang="en-GB" sz="1900" b="1" dirty="0" smtClean="0">
+              <a:solidFill>
+                <a:schemeClr val="accent4"/>
+              </a:solidFill>
+            </a:endParaRPr>
+          </a:p>
+          <a:p>
+            <a:pPr marL="0" indent="0">
+              <a:buNone/>
+            </a:pPr>
+            <a:r>
+              <a:rPr lang="en-GB" sz="1900" dirty="0"/>
+              <a:t> </a:t>
+            </a:r>
+            <a:r>
+              <a:rPr lang="en-GB" sz="1900" dirty="0" smtClean="0"/>
+              <a:t>                 - units integration and </a:t>
+            </a:r>
+            <a:r>
+              <a:rPr lang="en-GB" sz="1900" dirty="0" smtClean="0"/>
+              <a:t>testing</a:t>
+            </a:r>
+            <a:endParaRPr lang="en-GB" sz="1900" b="1" u="sng" dirty="0" smtClean="0">
+              <a:solidFill>
+                <a:schemeClr val="accent4"/>
+              </a:solidFill>
+            </a:endParaRPr>
+          </a:p>
+          <a:p>
+            <a:pPr marL="0" indent="0">
+              <a:buNone/>
+            </a:pPr>
+            <a:r>
+              <a:rPr lang="en-GB" sz="1900" dirty="0" smtClean="0"/>
+              <a:t>                  - Submitting the source code to professor</a:t>
+            </a:r>
+          </a:p>
+          <a:p>
+            <a:pPr marL="0" indent="0">
+              <a:buNone/>
+            </a:pPr>
+            <a:endParaRPr lang="en-GB" sz="1900" dirty="0" smtClean="0"/>
+          </a:p>
+          <a:p>
+            <a:pPr marL="0" indent="0">
+              <a:buNone/>
+            </a:pPr>
+            <a:r>
+              <a:rPr lang="en-GB" sz="1900" dirty="0"/>
+              <a:t> </a:t>
+            </a:r>
+            <a:r>
+              <a:rPr lang="en-GB" sz="1900" dirty="0" smtClean="0"/>
+              <a:t>          </a:t>
+            </a:r>
+            <a:r>
+              <a:rPr lang="en-GB" sz="1900" b="1" dirty="0" smtClean="0">
+                <a:solidFill>
+                  <a:schemeClr val="accent4"/>
+                </a:solidFill>
+              </a:rPr>
+              <a:t>Week of April </a:t>
+            </a:r>
+            <a:r>
+              <a:rPr lang="en-GB" sz="1900" b="1" dirty="0" smtClean="0">
+                <a:solidFill>
+                  <a:schemeClr val="accent4"/>
+                </a:solidFill>
+              </a:rPr>
+              <a:t>29</a:t>
+            </a:r>
+            <a:r>
+              <a:rPr lang="en-GB" sz="1900" b="1" baseline="30000" dirty="0" smtClean="0">
                 <a:solidFill>
                   <a:schemeClr val="accent4"/>
                 </a:solidFill>
@@ -12447,7 +12590,7 @@
               <a:t>th</a:t>
             </a:r>
             <a:r>
-              <a:rPr lang="en-GB" b="1" dirty="0" smtClean="0">
+              <a:rPr lang="en-GB" sz="1900" b="1" dirty="0" smtClean="0">
                 <a:solidFill>
                   <a:schemeClr val="accent4"/>
                 </a:solidFill>
@@ -12455,265 +12598,17 @@
               <a:t> </a:t>
             </a:r>
             <a:r>
-              <a:rPr lang="en-GB" dirty="0" smtClean="0"/>
-              <a:t>– implementation </a:t>
-            </a:r>
-            <a:r>
-              <a:rPr lang="en-GB" dirty="0" smtClean="0"/>
-              <a:t>phase:</a:t>
-            </a:r>
-            <a:endParaRPr lang="en-GB" dirty="0" smtClean="0"/>
+              <a:rPr lang="en-GB" sz="1900" dirty="0" smtClean="0"/>
+              <a:t>– Class presentation:</a:t>
+            </a:r>
           </a:p>
           <a:p>
             <a:pPr marL="0" indent="0">
               <a:buNone/>
             </a:pPr>
             <a:r>
-              <a:rPr lang="en-GB" dirty="0"/>
-              <a:t> </a:t>
-            </a:r>
-            <a:r>
-              <a:rPr lang="en-GB" dirty="0" smtClean="0"/>
-              <a:t>               </a:t>
-            </a:r>
-            <a:r>
-              <a:rPr lang="en-GB" dirty="0" smtClean="0"/>
-              <a:t>- </a:t>
-            </a:r>
-            <a:r>
-              <a:rPr lang="en-GB" dirty="0" smtClean="0"/>
-              <a:t>coding and unit testing </a:t>
-            </a:r>
-          </a:p>
-          <a:p>
-            <a:pPr marL="0" indent="0">
-              <a:buNone/>
-            </a:pPr>
-            <a:endParaRPr lang="en-GB" dirty="0" smtClean="0"/>
-          </a:p>
-          <a:p>
-            <a:pPr marL="0" indent="0">
-              <a:buNone/>
-            </a:pPr>
-            <a:r>
-              <a:rPr lang="en-GB" dirty="0"/>
-              <a:t> </a:t>
-            </a:r>
-            <a:r>
-              <a:rPr lang="en-GB" dirty="0" smtClean="0"/>
-              <a:t>       </a:t>
-            </a:r>
-            <a:r>
-              <a:rPr lang="en-GB" b="1" dirty="0" smtClean="0">
-                <a:solidFill>
-                  <a:schemeClr val="accent4"/>
-                </a:solidFill>
-              </a:rPr>
-              <a:t>Week </a:t>
-            </a:r>
-            <a:r>
-              <a:rPr lang="en-GB" b="1" dirty="0" smtClean="0">
-                <a:solidFill>
-                  <a:schemeClr val="accent4"/>
-                </a:solidFill>
-              </a:rPr>
-              <a:t>of March 31</a:t>
-            </a:r>
-            <a:r>
-              <a:rPr lang="en-GB" b="1" baseline="30000" dirty="0" smtClean="0">
-                <a:solidFill>
-                  <a:schemeClr val="accent4"/>
-                </a:solidFill>
-              </a:rPr>
-              <a:t>st</a:t>
-            </a:r>
-            <a:r>
-              <a:rPr lang="en-GB" b="1" dirty="0" smtClean="0">
-                <a:solidFill>
-                  <a:schemeClr val="accent4"/>
-                </a:solidFill>
-              </a:rPr>
-              <a:t>/ April 1st – </a:t>
-            </a:r>
-            <a:r>
-              <a:rPr lang="en-GB" dirty="0" smtClean="0"/>
-              <a:t>program </a:t>
-            </a:r>
-            <a:r>
-              <a:rPr lang="en-GB" dirty="0" smtClean="0"/>
-              <a:t>testing:</a:t>
-            </a:r>
-            <a:endParaRPr lang="en-GB" b="1" dirty="0" smtClean="0">
-              <a:solidFill>
-                <a:schemeClr val="accent4"/>
-              </a:solidFill>
-            </a:endParaRPr>
-          </a:p>
-          <a:p>
-            <a:pPr marL="0" indent="0">
-              <a:buNone/>
-            </a:pPr>
-            <a:r>
-              <a:rPr lang="en-GB" dirty="0"/>
-              <a:t> </a:t>
-            </a:r>
-            <a:r>
-              <a:rPr lang="en-GB" dirty="0" smtClean="0"/>
-              <a:t>                </a:t>
-            </a:r>
-            <a:r>
-              <a:rPr lang="en-GB" dirty="0" smtClean="0"/>
-              <a:t> </a:t>
-            </a:r>
-            <a:r>
-              <a:rPr lang="en-GB" dirty="0" smtClean="0"/>
-              <a:t>- units integration and testing</a:t>
-            </a:r>
-          </a:p>
-          <a:p>
-            <a:pPr marL="0" indent="0">
-              <a:buNone/>
-            </a:pPr>
-            <a:endParaRPr lang="en-GB" dirty="0" smtClean="0"/>
-          </a:p>
-          <a:p>
-            <a:pPr marL="0" indent="0">
-              <a:buNone/>
-            </a:pPr>
-            <a:r>
-              <a:rPr lang="en-GB" dirty="0"/>
-              <a:t> </a:t>
-            </a:r>
-            <a:r>
-              <a:rPr lang="en-GB" dirty="0" smtClean="0"/>
-              <a:t>         </a:t>
-            </a:r>
-            <a:r>
-              <a:rPr lang="en-GB" b="1" dirty="0" smtClean="0">
-                <a:solidFill>
-                  <a:schemeClr val="accent4"/>
-                </a:solidFill>
-              </a:rPr>
-              <a:t>Week </a:t>
-            </a:r>
-            <a:r>
-              <a:rPr lang="en-GB" b="1" dirty="0" smtClean="0">
-                <a:solidFill>
-                  <a:schemeClr val="accent4"/>
-                </a:solidFill>
-              </a:rPr>
-              <a:t>of April 14th –</a:t>
-            </a:r>
-            <a:r>
-              <a:rPr lang="en-GB" dirty="0" smtClean="0">
-                <a:solidFill>
-                  <a:schemeClr val="accent4"/>
-                </a:solidFill>
-              </a:rPr>
-              <a:t> </a:t>
-            </a:r>
-            <a:r>
-              <a:rPr lang="en-GB" dirty="0" smtClean="0"/>
-              <a:t>Source codes</a:t>
-            </a:r>
-            <a:endParaRPr lang="en-GB" b="1" u="sng" dirty="0" smtClean="0">
-              <a:solidFill>
-                <a:schemeClr val="accent4"/>
-              </a:solidFill>
-            </a:endParaRPr>
-          </a:p>
-          <a:p>
-            <a:pPr marL="0" indent="0">
-              <a:buNone/>
-            </a:pPr>
-            <a:r>
-              <a:rPr lang="en-GB" dirty="0" smtClean="0"/>
-              <a:t>                  </a:t>
-            </a:r>
-            <a:r>
-              <a:rPr lang="en-GB" dirty="0" smtClean="0"/>
-              <a:t>- </a:t>
-            </a:r>
-            <a:r>
-              <a:rPr lang="en-GB" dirty="0" smtClean="0"/>
-              <a:t>Submitting the source code to professor</a:t>
-            </a:r>
-          </a:p>
-          <a:p>
-            <a:pPr marL="0" indent="0">
-              <a:buNone/>
-            </a:pPr>
-            <a:endParaRPr lang="en-GB" dirty="0" smtClean="0"/>
-          </a:p>
-          <a:p>
-            <a:pPr marL="0" indent="0">
-              <a:buNone/>
-            </a:pPr>
-            <a:r>
-              <a:rPr lang="en-GB" dirty="0"/>
-              <a:t> </a:t>
-            </a:r>
-            <a:r>
-              <a:rPr lang="en-GB" dirty="0" smtClean="0"/>
-              <a:t>          </a:t>
-            </a:r>
-            <a:r>
-              <a:rPr lang="en-GB" b="1" dirty="0" smtClean="0">
-                <a:solidFill>
-                  <a:schemeClr val="accent4"/>
-                </a:solidFill>
-              </a:rPr>
-              <a:t>Week </a:t>
-            </a:r>
-            <a:r>
-              <a:rPr lang="en-GB" b="1" dirty="0" smtClean="0">
-                <a:solidFill>
-                  <a:schemeClr val="accent4"/>
-                </a:solidFill>
-              </a:rPr>
-              <a:t>of April 28</a:t>
-            </a:r>
-            <a:r>
-              <a:rPr lang="en-GB" b="1" baseline="30000" dirty="0" smtClean="0">
-                <a:solidFill>
-                  <a:schemeClr val="accent4"/>
-                </a:solidFill>
-              </a:rPr>
-              <a:t>th</a:t>
-            </a:r>
-            <a:r>
-              <a:rPr lang="en-GB" b="1" dirty="0" smtClean="0">
-                <a:solidFill>
-                  <a:schemeClr val="accent4"/>
-                </a:solidFill>
-              </a:rPr>
-              <a:t> </a:t>
-            </a:r>
-            <a:r>
-              <a:rPr lang="en-GB" dirty="0" smtClean="0"/>
-              <a:t>– Class </a:t>
-            </a:r>
-            <a:r>
-              <a:rPr lang="en-GB" dirty="0" smtClean="0"/>
-              <a:t>presentation:</a:t>
-            </a:r>
-            <a:endParaRPr lang="en-GB" dirty="0" smtClean="0"/>
-          </a:p>
-          <a:p>
-            <a:pPr marL="0" indent="0">
-              <a:buNone/>
-            </a:pPr>
-            <a:r>
-              <a:rPr lang="en-GB" dirty="0" smtClean="0"/>
-              <a:t>                   </a:t>
-            </a:r>
-            <a:r>
-              <a:rPr lang="en-GB" dirty="0" smtClean="0"/>
-              <a:t> </a:t>
-            </a:r>
-            <a:r>
-              <a:rPr lang="en-GB" dirty="0" smtClean="0"/>
-              <a:t>-Presenting the program in class</a:t>
+              <a:rPr lang="en-GB" sz="1900" dirty="0" smtClean="0"/>
+              <a:t>                    -Presenting the program in class</a:t>
             </a:r>
           </a:p>
           <a:p>
@@ -12816,7 +12711,7 @@
         </p:spPr>
         <p:txBody>
           <a:bodyPr>
-            <a:normAutofit fontScale="92500" lnSpcReduction="20000"/>
+            <a:normAutofit fontScale="85000" lnSpcReduction="10000"/>
           </a:bodyPr>
           <a:lstStyle/>
           <a:p>
@@ -12861,24 +12756,35 @@
             </a:r>
           </a:p>
           <a:p>
-            <a:endParaRPr lang="en-GB" dirty="0"/>
-          </a:p>
-          <a:p>
             <a:pPr marL="0" indent="0">
               <a:buNone/>
             </a:pPr>
             <a:r>
               <a:rPr lang="en-GB" dirty="0" smtClean="0"/>
-              <a:t>A person playing the game would use the screen  touch to move the dog as needed. The dog would move </a:t>
+              <a:t>A </a:t>
             </a:r>
             <a:r>
               <a:rPr lang="en-GB" dirty="0" smtClean="0"/>
-              <a:t>to restrict </a:t>
+              <a:t>person playing the game would use the screen  touch to move the dog as needed. The dog would move to restrict the sheep movement and keep them together. The dog would also move toward an incoming fox to chase him away from </a:t>
             </a:r>
             <a:r>
               <a:rPr lang="en-GB" dirty="0" smtClean="0"/>
-              <a:t>the sheep movement and keep them together. The dog would also move toward an incoming fox to chase him away from sheep.</a:t>
-            </a:r>
+              <a:t>sheep.</a:t>
+            </a:r>
+          </a:p>
+          <a:p>
+            <a:pPr marL="0" indent="0">
+              <a:buNone/>
+            </a:pPr>
+            <a:r>
+              <a:rPr lang="en-GB" dirty="0"/>
+              <a:t>A</a:t>
+            </a:r>
+            <a:r>
+              <a:rPr lang="en-GB" dirty="0" smtClean="0"/>
+              <a:t>ttached use case and activity diagram explains the navigation process.</a:t>
+            </a:r>
+            <a:endParaRPr lang="en-GB" dirty="0" smtClean="0"/>
           </a:p>
         </p:txBody>
       </p:sp>
@@ -13025,23 +12931,7 @@
                   <a:srgbClr val="FF0000"/>
                 </a:solidFill>
               </a:rPr>
-              <a:t> </a:t>
-            </a:r>
-            <a:r>
-              <a:rPr lang="en-GB" sz="2400" b="1" dirty="0" smtClean="0">
-                <a:solidFill>
-                  <a:srgbClr val="FF0000"/>
-                </a:solidFill>
-              </a:rPr>
-              <a:t>                       Thank </a:t>
-            </a:r>
-            <a:r>
-              <a:rPr lang="en-GB" sz="2400" b="1" dirty="0" smtClean="0">
-                <a:solidFill>
-                  <a:srgbClr val="FF0000"/>
-                </a:solidFill>
-              </a:rPr>
-              <a:t>you all for listening!!</a:t>
+              <a:t>                        Thank you all for listening!!</a:t>
             </a:r>
             <a:endParaRPr lang="en-GB" sz="2400" b="1" dirty="0">
               <a:solidFill>

--- a/Initial_presentation/Initial presentation.pptx
+++ b/Initial_presentation/Initial presentation.pptx
@@ -121,25 +121,13 @@
 
 <file path=ppt/charts/chart1.xml><?xml version="1.0" encoding="utf-8"?>
 <c:chartSpace xmlns:c="http://schemas.openxmlformats.org/drawingml/2006/chart" xmlns:a="http://schemas.openxmlformats.org/drawingml/2006/main" xmlns:r="http://schemas.openxmlformats.org/officeDocument/2006/relationships">
-  <c:date1904 val="0"/>
   <c:lang val="en-US"/>
-  <c:roundedCorners val="0"/>
-  <mc:AlternateContent xmlns:mc="http://schemas.openxmlformats.org/markup-compatibility/2006">
-    <mc:Choice xmlns:c14="http://schemas.microsoft.com/office/drawing/2007/8/2/chart" Requires="c14">
-      <c14:style val="102"/>
-    </mc:Choice>
-    <mc:Fallback>
-      <c:style val="2"/>
-    </mc:Fallback>
-  </mc:AlternateContent>
   <c:chart>
-    <c:autoTitleDeleted val="0"/>
     <c:plotArea>
       <c:layout/>
       <c:barChart>
         <c:barDir val="bar"/>
         <c:grouping val="clustered"/>
-        <c:varyColors val="0"/>
         <c:ser>
           <c:idx val="0"/>
           <c:order val="0"/>
@@ -159,7 +147,6 @@
               <a:schemeClr val="accent1"/>
             </a:solidFill>
           </c:spPr>
-          <c:invertIfNegative val="0"/>
           <c:cat>
             <c:strRef>
               <c:f>Sheet1!$A$2:$A$5</c:f>
@@ -221,7 +208,6 @@
               <a:schemeClr val="accent2"/>
             </a:solidFill>
           </c:spPr>
-          <c:invertIfNegative val="0"/>
           <c:cat>
             <c:strRef>
               <c:f>Sheet1!$A$2:$A$5</c:f>
@@ -283,7 +269,6 @@
               <a:schemeClr val="accent3"/>
             </a:solidFill>
           </c:spPr>
-          <c:invertIfNegative val="0"/>
           <c:cat>
             <c:strRef>
               <c:f>Sheet1!$A$2:$A$5</c:f>
@@ -345,7 +330,6 @@
               <a:schemeClr val="accent4"/>
             </a:solidFill>
           </c:spPr>
-          <c:invertIfNegative val="0"/>
           <c:cat>
             <c:strRef>
               <c:f>Sheet1!$A$2:$A$5</c:f>
@@ -388,44 +372,32 @@
             </c:numRef>
           </c:val>
         </c:ser>
-        <c:dLbls>
-          <c:showLegendKey val="0"/>
-          <c:showVal val="0"/>
-          <c:showCatName val="0"/>
-          <c:showSerName val="0"/>
-          <c:showPercent val="0"/>
-          <c:showBubbleSize val="0"/>
-        </c:dLbls>
-        <c:gapWidth val="150"/>
-        <c:axId val="119806976"/>
-        <c:axId val="119808768"/>
+        <c:dLbls/>
+        <c:axId val="50539904"/>
+        <c:axId val="50558080"/>
       </c:barChart>
       <c:catAx>
-        <c:axId val="119806976"/>
+        <c:axId val="50539904"/>
         <c:scaling>
           <c:orientation val="minMax"/>
         </c:scaling>
-        <c:delete val="0"/>
         <c:axPos val="l"/>
         <c:majorTickMark val="none"/>
-        <c:minorTickMark val="none"/>
         <c:tickLblPos val="nextTo"/>
         <c:spPr>
           <a:ln w="6350"/>
         </c:spPr>
-        <c:crossAx val="119808768"/>
+        <c:crossAx val="50558080"/>
         <c:crosses val="autoZero"/>
         <c:auto val="1"/>
         <c:lblAlgn val="ctr"/>
         <c:lblOffset val="100"/>
-        <c:noMultiLvlLbl val="0"/>
       </c:catAx>
       <c:valAx>
-        <c:axId val="119808768"/>
+        <c:axId val="50558080"/>
         <c:scaling>
           <c:orientation val="minMax"/>
         </c:scaling>
-        <c:delete val="0"/>
         <c:axPos val="b"/>
         <c:majorGridlines>
           <c:spPr>
@@ -438,14 +410,13 @@
         </c:majorGridlines>
         <c:numFmt formatCode="General" sourceLinked="1"/>
         <c:majorTickMark val="in"/>
-        <c:minorTickMark val="none"/>
         <c:tickLblPos val="nextTo"/>
         <c:spPr>
           <a:ln w="6350">
             <a:noFill/>
           </a:ln>
         </c:spPr>
-        <c:crossAx val="119806976"/>
+        <c:crossAx val="50539904"/>
         <c:crosses val="autoZero"/>
         <c:crossBetween val="between"/>
       </c:valAx>
@@ -458,7 +429,6 @@
     </c:plotArea>
     <c:legend>
       <c:legendPos val="t"/>
-      <c:overlay val="0"/>
       <c:spPr>
         <a:ln>
           <a:noFill/>
@@ -467,7 +437,6 @@
     </c:legend>
     <c:plotVisOnly val="1"/>
     <c:dispBlanksAs val="gap"/>
-    <c:showDLblsOverMax val="0"/>
   </c:chart>
   <c:spPr>
     <a:ln>
@@ -487,29 +456,16 @@
       <a:endParaRPr lang="en-US"/>
     </a:p>
   </c:txPr>
-  <c:externalData r:id="rId1">
-    <c:autoUpdate val="0"/>
-  </c:externalData>
+  <c:externalData r:id="rId1"/>
 </c:chartSpace>
 </file>
 
 <file path=ppt/charts/chart2.xml><?xml version="1.0" encoding="utf-8"?>
 <c:chartSpace xmlns:c="http://schemas.openxmlformats.org/drawingml/2006/chart" xmlns:a="http://schemas.openxmlformats.org/drawingml/2006/main" xmlns:r="http://schemas.openxmlformats.org/officeDocument/2006/relationships">
-  <c:date1904 val="0"/>
   <c:lang val="en-US"/>
-  <c:roundedCorners val="0"/>
-  <mc:AlternateContent xmlns:mc="http://schemas.openxmlformats.org/markup-compatibility/2006">
-    <mc:Choice xmlns:c14="http://schemas.microsoft.com/office/drawing/2007/8/2/chart" Requires="c14">
-      <c14:style val="102"/>
-    </mc:Choice>
-    <mc:Fallback>
-      <c:style val="2"/>
-    </mc:Fallback>
-  </mc:AlternateContent>
   <c:clrMapOvr bg1="lt1" tx1="dk1" bg2="lt2" tx2="dk2" accent1="accent1" accent2="accent2" accent3="accent3" accent4="accent4" accent5="accent5" accent6="accent6" hlink="hlink" folHlink="folHlink"/>
   <c:chart>
     <c:title>
-      <c:overlay val="0"/>
       <c:txPr>
         <a:bodyPr/>
         <a:lstStyle/>
@@ -521,7 +477,6 @@
         </a:p>
       </c:txPr>
     </c:title>
-    <c:autoTitleDeleted val="0"/>
     <c:plotArea>
       <c:layout/>
       <c:pieChart>
@@ -547,7 +502,6 @@
           </c:spPr>
           <c:dPt>
             <c:idx val="0"/>
-            <c:bubble3D val="0"/>
             <c:spPr>
               <a:solidFill>
                 <a:srgbClr val="990033"/>
@@ -556,7 +510,6 @@
           </c:dPt>
           <c:dPt>
             <c:idx val="1"/>
-            <c:bubble3D val="0"/>
             <c:spPr>
               <a:solidFill>
                 <a:srgbClr val="99CC00"/>
@@ -565,7 +518,6 @@
           </c:dPt>
           <c:dPt>
             <c:idx val="2"/>
-            <c:bubble3D val="0"/>
             <c:spPr>
               <a:solidFill>
                 <a:srgbClr val="009999"/>
@@ -574,7 +526,6 @@
           </c:dPt>
           <c:dPt>
             <c:idx val="3"/>
-            <c:bubble3D val="0"/>
             <c:spPr>
               <a:solidFill>
                 <a:srgbClr val="3366CC"/>
@@ -745,15 +696,7 @@
             </c:numRef>
           </c:val>
         </c:ser>
-        <c:dLbls>
-          <c:showLegendKey val="0"/>
-          <c:showVal val="0"/>
-          <c:showCatName val="0"/>
-          <c:showSerName val="0"/>
-          <c:showPercent val="0"/>
-          <c:showBubbleSize val="0"/>
-          <c:showLeaderLines val="0"/>
-        </c:dLbls>
+        <c:dLbls/>
         <c:firstSliceAng val="0"/>
       </c:pieChart>
       <c:spPr>
@@ -765,7 +708,6 @@
     </c:plotArea>
     <c:legend>
       <c:legendPos val="t"/>
-      <c:overlay val="0"/>
       <c:spPr>
         <a:ln>
           <a:noFill/>
@@ -774,7 +716,6 @@
     </c:legend>
     <c:plotVisOnly val="1"/>
     <c:dispBlanksAs val="zero"/>
-    <c:showDLblsOverMax val="0"/>
   </c:chart>
   <c:spPr>
     <a:ln>
@@ -794,9 +735,7 @@
       <a:endParaRPr lang="en-US"/>
     </a:p>
   </c:txPr>
-  <c:externalData r:id="rId2">
-    <c:autoUpdate val="0"/>
-  </c:externalData>
+  <c:externalData r:id="rId2"/>
 </c:chartSpace>
 </file>
 
@@ -889,7 +828,7 @@
                 <a:cs typeface="Arial" pitchFamily="34" charset="0"/>
               </a:rPr>
               <a:pPr/>
-              <a:t>09/02/2014</a:t>
+              <a:t>11/02/2014</a:t>
             </a:fld>
             <a:endParaRPr lang="en-GB" sz="800" dirty="0">
               <a:latin typeface="Arial" pitchFamily="34" charset="0"/>
@@ -998,7 +937,7 @@
     </p:spTree>
     <p:extLst>
       <p:ext uri="{BB962C8B-B14F-4D97-AF65-F5344CB8AC3E}">
-        <p14:creationId xmlns:p14="http://schemas.microsoft.com/office/powerpoint/2010/main" val="3319920937"/>
+        <p14:creationId xmlns:p14="http://schemas.microsoft.com/office/powerpoint/2010/main" xmlns="" val="3319920937"/>
       </p:ext>
     </p:extLst>
   </p:cSld>
@@ -1095,7 +1034,7 @@
             <a:fld id="{FA175E2C-59E1-4EF1-A36A-FD7E50E71E80}" type="datetimeFigureOut">
               <a:rPr lang="en-GB" smtClean="0"/>
               <a:pPr/>
-              <a:t>09/02/2014</a:t>
+              <a:t>11/02/2014</a:t>
             </a:fld>
             <a:endParaRPr lang="en-GB" dirty="0"/>
           </a:p>
@@ -1274,7 +1213,7 @@
     </p:spTree>
     <p:extLst>
       <p:ext uri="{BB962C8B-B14F-4D97-AF65-F5344CB8AC3E}">
-        <p14:creationId xmlns:p14="http://schemas.microsoft.com/office/powerpoint/2010/main" val="2500505524"/>
+        <p14:creationId xmlns:p14="http://schemas.microsoft.com/office/powerpoint/2010/main" xmlns="" val="2500505524"/>
       </p:ext>
     </p:extLst>
   </p:cSld>
@@ -1461,7 +1400,7 @@
     </p:spTree>
     <p:extLst>
       <p:ext uri="{BB962C8B-B14F-4D97-AF65-F5344CB8AC3E}">
-        <p14:creationId xmlns:p14="http://schemas.microsoft.com/office/powerpoint/2010/main" val="2376658476"/>
+        <p14:creationId xmlns:p14="http://schemas.microsoft.com/office/powerpoint/2010/main" xmlns="" val="2376658476"/>
       </p:ext>
     </p:extLst>
   </p:cSld>
@@ -2066,7 +2005,7 @@
             <a:fld id="{9D21D778-B565-4D7E-94D7-64010A445B68}" type="datetimeFigureOut">
               <a:rPr lang="en-US" smtClean="0"/>
               <a:pPr eaLnBrk="1" latinLnBrk="0" hangingPunct="1"/>
-              <a:t>2/9/2014</a:t>
+              <a:t>2/11/2014</a:t>
             </a:fld>
             <a:endParaRPr lang="en-US"/>
           </a:p>
@@ -2603,7 +2542,7 @@
             <a:fld id="{9D21D778-B565-4D7E-94D7-64010A445B68}" type="datetimeFigureOut">
               <a:rPr lang="en-US" smtClean="0"/>
               <a:pPr eaLnBrk="1" latinLnBrk="0" hangingPunct="1"/>
-              <a:t>2/9/2014</a:t>
+              <a:t>2/11/2014</a:t>
             </a:fld>
             <a:endParaRPr lang="en-US"/>
           </a:p>
@@ -2929,7 +2868,7 @@
             <a:fld id="{9D21D778-B565-4D7E-94D7-64010A445B68}" type="datetimeFigureOut">
               <a:rPr lang="en-US" smtClean="0"/>
               <a:pPr eaLnBrk="1" latinLnBrk="0" hangingPunct="1"/>
-              <a:t>2/9/2014</a:t>
+              <a:t>2/11/2014</a:t>
             </a:fld>
             <a:endParaRPr lang="en-US"/>
           </a:p>
@@ -3297,7 +3236,7 @@
           <a:blip r:embed="rId2" cstate="print">
             <a:extLst>
               <a:ext uri="{28A0092B-C50C-407E-A947-70E740481C1C}">
-                <a14:useLocalDpi xmlns:a14="http://schemas.microsoft.com/office/drawing/2010/main" val="0"/>
+                <a14:useLocalDpi xmlns:a14="http://schemas.microsoft.com/office/drawing/2010/main" xmlns="" val="0"/>
               </a:ext>
             </a:extLst>
           </a:blip>
@@ -3354,7 +3293,7 @@
     </p:spTree>
     <p:extLst>
       <p:ext uri="{BB962C8B-B14F-4D97-AF65-F5344CB8AC3E}">
-        <p14:creationId xmlns:p14="http://schemas.microsoft.com/office/powerpoint/2010/main" val="4172443058"/>
+        <p14:creationId xmlns:p14="http://schemas.microsoft.com/office/powerpoint/2010/main" xmlns="" val="4172443058"/>
       </p:ext>
     </p:extLst>
   </p:cSld>
@@ -3576,7 +3515,7 @@
           <a:blip r:embed="rId2" cstate="print">
             <a:extLst>
               <a:ext uri="{28A0092B-C50C-407E-A947-70E740481C1C}">
-                <a14:useLocalDpi xmlns:a14="http://schemas.microsoft.com/office/drawing/2010/main" val="0"/>
+                <a14:useLocalDpi xmlns:a14="http://schemas.microsoft.com/office/drawing/2010/main" xmlns="" val="0"/>
               </a:ext>
             </a:extLst>
           </a:blip>
@@ -3633,7 +3572,7 @@
     </p:spTree>
     <p:extLst>
       <p:ext uri="{BB962C8B-B14F-4D97-AF65-F5344CB8AC3E}">
-        <p14:creationId xmlns:p14="http://schemas.microsoft.com/office/powerpoint/2010/main" val="893659651"/>
+        <p14:creationId xmlns:p14="http://schemas.microsoft.com/office/powerpoint/2010/main" xmlns="" val="893659651"/>
       </p:ext>
     </p:extLst>
   </p:cSld>
@@ -3879,7 +3818,7 @@
           <a:blip r:embed="rId2" cstate="print">
             <a:extLst>
               <a:ext uri="{28A0092B-C50C-407E-A947-70E740481C1C}">
-                <a14:useLocalDpi xmlns:a14="http://schemas.microsoft.com/office/drawing/2010/main" val="0"/>
+                <a14:useLocalDpi xmlns:a14="http://schemas.microsoft.com/office/drawing/2010/main" xmlns="" val="0"/>
               </a:ext>
             </a:extLst>
           </a:blip>
@@ -3936,7 +3875,7 @@
     </p:spTree>
     <p:extLst>
       <p:ext uri="{BB962C8B-B14F-4D97-AF65-F5344CB8AC3E}">
-        <p14:creationId xmlns:p14="http://schemas.microsoft.com/office/powerpoint/2010/main" val="1302427574"/>
+        <p14:creationId xmlns:p14="http://schemas.microsoft.com/office/powerpoint/2010/main" xmlns="" val="1302427574"/>
       </p:ext>
     </p:extLst>
   </p:cSld>
@@ -4250,7 +4189,7 @@
           <a:blip r:embed="rId2" cstate="print">
             <a:extLst>
               <a:ext uri="{28A0092B-C50C-407E-A947-70E740481C1C}">
-                <a14:useLocalDpi xmlns:a14="http://schemas.microsoft.com/office/drawing/2010/main" val="0"/>
+                <a14:useLocalDpi xmlns:a14="http://schemas.microsoft.com/office/drawing/2010/main" xmlns="" val="0"/>
               </a:ext>
             </a:extLst>
           </a:blip>
@@ -4307,7 +4246,7 @@
     </p:spTree>
     <p:extLst>
       <p:ext uri="{BB962C8B-B14F-4D97-AF65-F5344CB8AC3E}">
-        <p14:creationId xmlns:p14="http://schemas.microsoft.com/office/powerpoint/2010/main" val="2580853582"/>
+        <p14:creationId xmlns:p14="http://schemas.microsoft.com/office/powerpoint/2010/main" xmlns="" val="2580853582"/>
       </p:ext>
     </p:extLst>
   </p:cSld>
@@ -4525,7 +4464,7 @@
           <a:blip r:embed="rId2" cstate="print">
             <a:extLst>
               <a:ext uri="{28A0092B-C50C-407E-A947-70E740481C1C}">
-                <a14:useLocalDpi xmlns:a14="http://schemas.microsoft.com/office/drawing/2010/main" val="0"/>
+                <a14:useLocalDpi xmlns:a14="http://schemas.microsoft.com/office/drawing/2010/main" xmlns="" val="0"/>
               </a:ext>
             </a:extLst>
           </a:blip>
@@ -4582,7 +4521,7 @@
     </p:spTree>
     <p:extLst>
       <p:ext uri="{BB962C8B-B14F-4D97-AF65-F5344CB8AC3E}">
-        <p14:creationId xmlns:p14="http://schemas.microsoft.com/office/powerpoint/2010/main" val="2782147213"/>
+        <p14:creationId xmlns:p14="http://schemas.microsoft.com/office/powerpoint/2010/main" xmlns="" val="2782147213"/>
       </p:ext>
     </p:extLst>
   </p:cSld>
@@ -4800,7 +4739,7 @@
           <a:blip r:embed="rId2" cstate="print">
             <a:extLst>
               <a:ext uri="{28A0092B-C50C-407E-A947-70E740481C1C}">
-                <a14:useLocalDpi xmlns:a14="http://schemas.microsoft.com/office/drawing/2010/main" val="0"/>
+                <a14:useLocalDpi xmlns:a14="http://schemas.microsoft.com/office/drawing/2010/main" xmlns="" val="0"/>
               </a:ext>
             </a:extLst>
           </a:blip>
@@ -4925,7 +4864,7 @@
     </p:spTree>
     <p:extLst>
       <p:ext uri="{BB962C8B-B14F-4D97-AF65-F5344CB8AC3E}">
-        <p14:creationId xmlns:p14="http://schemas.microsoft.com/office/powerpoint/2010/main" val="2600426393"/>
+        <p14:creationId xmlns:p14="http://schemas.microsoft.com/office/powerpoint/2010/main" xmlns="" val="2600426393"/>
       </p:ext>
     </p:extLst>
   </p:cSld>
@@ -5143,7 +5082,7 @@
           <a:blip r:embed="rId2" cstate="print">
             <a:extLst>
               <a:ext uri="{28A0092B-C50C-407E-A947-70E740481C1C}">
-                <a14:useLocalDpi xmlns:a14="http://schemas.microsoft.com/office/drawing/2010/main" val="0"/>
+                <a14:useLocalDpi xmlns:a14="http://schemas.microsoft.com/office/drawing/2010/main" xmlns="" val="0"/>
               </a:ext>
             </a:extLst>
           </a:blip>
@@ -5268,7 +5207,7 @@
     </p:spTree>
     <p:extLst>
       <p:ext uri="{BB962C8B-B14F-4D97-AF65-F5344CB8AC3E}">
-        <p14:creationId xmlns:p14="http://schemas.microsoft.com/office/powerpoint/2010/main" val="1397017739"/>
+        <p14:creationId xmlns:p14="http://schemas.microsoft.com/office/powerpoint/2010/main" xmlns="" val="1397017739"/>
       </p:ext>
     </p:extLst>
   </p:cSld>
@@ -5475,7 +5414,7 @@
           <a:blip r:embed="rId2" cstate="print">
             <a:extLst>
               <a:ext uri="{28A0092B-C50C-407E-A947-70E740481C1C}">
-                <a14:useLocalDpi xmlns:a14="http://schemas.microsoft.com/office/drawing/2010/main" val="0"/>
+                <a14:useLocalDpi xmlns:a14="http://schemas.microsoft.com/office/drawing/2010/main" xmlns="" val="0"/>
               </a:ext>
             </a:extLst>
           </a:blip>
@@ -5505,7 +5444,7 @@
           <a:blip r:embed="rId3" cstate="print">
             <a:extLst>
               <a:ext uri="{28A0092B-C50C-407E-A947-70E740481C1C}">
-                <a14:useLocalDpi xmlns:a14="http://schemas.microsoft.com/office/drawing/2010/main" val="0"/>
+                <a14:useLocalDpi xmlns:a14="http://schemas.microsoft.com/office/drawing/2010/main" xmlns="" val="0"/>
               </a:ext>
             </a:extLst>
           </a:blip>
@@ -5565,7 +5504,7 @@
     </p:spTree>
     <p:extLst>
       <p:ext uri="{BB962C8B-B14F-4D97-AF65-F5344CB8AC3E}">
-        <p14:creationId xmlns:p14="http://schemas.microsoft.com/office/powerpoint/2010/main" val="224187675"/>
+        <p14:creationId xmlns:p14="http://schemas.microsoft.com/office/powerpoint/2010/main" xmlns="" val="224187675"/>
       </p:ext>
     </p:extLst>
   </p:cSld>
@@ -5675,7 +5614,7 @@
             <a:fld id="{9D21D778-B565-4D7E-94D7-64010A445B68}" type="datetimeFigureOut">
               <a:rPr lang="en-US" smtClean="0"/>
               <a:pPr eaLnBrk="1" latinLnBrk="0" hangingPunct="1"/>
-              <a:t>2/9/2014</a:t>
+              <a:t>2/11/2014</a:t>
             </a:fld>
             <a:endParaRPr lang="en-US"/>
           </a:p>
@@ -6093,7 +6032,7 @@
           <a:blip r:embed="rId2" cstate="print">
             <a:extLst>
               <a:ext uri="{28A0092B-C50C-407E-A947-70E740481C1C}">
-                <a14:useLocalDpi xmlns:a14="http://schemas.microsoft.com/office/drawing/2010/main" val="0"/>
+                <a14:useLocalDpi xmlns:a14="http://schemas.microsoft.com/office/drawing/2010/main" xmlns="" val="0"/>
               </a:ext>
             </a:extLst>
           </a:blip>
@@ -6123,7 +6062,7 @@
           <a:blip r:embed="rId3" cstate="print">
             <a:extLst>
               <a:ext uri="{28A0092B-C50C-407E-A947-70E740481C1C}">
-                <a14:useLocalDpi xmlns:a14="http://schemas.microsoft.com/office/drawing/2010/main" val="0"/>
+                <a14:useLocalDpi xmlns:a14="http://schemas.microsoft.com/office/drawing/2010/main" xmlns="" val="0"/>
               </a:ext>
             </a:extLst>
           </a:blip>
@@ -6183,7 +6122,7 @@
     </p:spTree>
     <p:extLst>
       <p:ext uri="{BB962C8B-B14F-4D97-AF65-F5344CB8AC3E}">
-        <p14:creationId xmlns:p14="http://schemas.microsoft.com/office/powerpoint/2010/main" val="127214035"/>
+        <p14:creationId xmlns:p14="http://schemas.microsoft.com/office/powerpoint/2010/main" xmlns="" val="127214035"/>
       </p:ext>
     </p:extLst>
   </p:cSld>
@@ -6323,7 +6262,7 @@
           <a:blip r:embed="rId2" cstate="print">
             <a:extLst>
               <a:ext uri="{28A0092B-C50C-407E-A947-70E740481C1C}">
-                <a14:useLocalDpi xmlns:a14="http://schemas.microsoft.com/office/drawing/2010/main" val="0"/>
+                <a14:useLocalDpi xmlns:a14="http://schemas.microsoft.com/office/drawing/2010/main" xmlns="" val="0"/>
               </a:ext>
             </a:extLst>
           </a:blip>
@@ -6416,7 +6355,7 @@
     </p:spTree>
     <p:extLst>
       <p:ext uri="{BB962C8B-B14F-4D97-AF65-F5344CB8AC3E}">
-        <p14:creationId xmlns:p14="http://schemas.microsoft.com/office/powerpoint/2010/main" val="3004179911"/>
+        <p14:creationId xmlns:p14="http://schemas.microsoft.com/office/powerpoint/2010/main" xmlns="" val="3004179911"/>
       </p:ext>
     </p:extLst>
   </p:cSld>
@@ -6623,7 +6562,7 @@
           <a:effectLst/>
           <a:extLst>
             <a:ext uri="{AF507438-7753-43E0-B8FC-AC1667EBCBE1}">
-              <a14:hiddenEffects xmlns:a14="http://schemas.microsoft.com/office/drawing/2010/main">
+              <a14:hiddenEffects xmlns:a14="http://schemas.microsoft.com/office/drawing/2010/main" xmlns="">
                 <a:effectLst>
                   <a:outerShdw dist="35921" dir="2700000" algn="ctr" rotWithShape="0">
                     <a:schemeClr val="bg2"/>
@@ -6689,7 +6628,7 @@
           <a:blip r:embed="rId2" cstate="print">
             <a:extLst>
               <a:ext uri="{28A0092B-C50C-407E-A947-70E740481C1C}">
-                <a14:useLocalDpi xmlns:a14="http://schemas.microsoft.com/office/drawing/2010/main" val="0"/>
+                <a14:useLocalDpi xmlns:a14="http://schemas.microsoft.com/office/drawing/2010/main" xmlns="" val="0"/>
               </a:ext>
             </a:extLst>
           </a:blip>
@@ -6746,7 +6685,7 @@
     </p:spTree>
     <p:extLst>
       <p:ext uri="{BB962C8B-B14F-4D97-AF65-F5344CB8AC3E}">
-        <p14:creationId xmlns:p14="http://schemas.microsoft.com/office/powerpoint/2010/main" val="86675937"/>
+        <p14:creationId xmlns:p14="http://schemas.microsoft.com/office/powerpoint/2010/main" xmlns="" val="86675937"/>
       </p:ext>
     </p:extLst>
   </p:cSld>
@@ -6895,7 +6834,7 @@
           <a:blip r:embed="rId2" cstate="print">
             <a:extLst>
               <a:ext uri="{28A0092B-C50C-407E-A947-70E740481C1C}">
-                <a14:useLocalDpi xmlns:a14="http://schemas.microsoft.com/office/drawing/2010/main" val="0"/>
+                <a14:useLocalDpi xmlns:a14="http://schemas.microsoft.com/office/drawing/2010/main" xmlns="" val="0"/>
               </a:ext>
             </a:extLst>
           </a:blip>
@@ -6952,7 +6891,7 @@
     </p:spTree>
     <p:extLst>
       <p:ext uri="{BB962C8B-B14F-4D97-AF65-F5344CB8AC3E}">
-        <p14:creationId xmlns:p14="http://schemas.microsoft.com/office/powerpoint/2010/main" val="8285584"/>
+        <p14:creationId xmlns:p14="http://schemas.microsoft.com/office/powerpoint/2010/main" xmlns="" val="8285584"/>
       </p:ext>
     </p:extLst>
   </p:cSld>
@@ -7077,7 +7016,7 @@
           <a:blip r:embed="rId2" cstate="print">
             <a:extLst>
               <a:ext uri="{28A0092B-C50C-407E-A947-70E740481C1C}">
-                <a14:useLocalDpi xmlns:a14="http://schemas.microsoft.com/office/drawing/2010/main" val="0"/>
+                <a14:useLocalDpi xmlns:a14="http://schemas.microsoft.com/office/drawing/2010/main" xmlns="" val="0"/>
               </a:ext>
             </a:extLst>
           </a:blip>
@@ -7102,7 +7041,7 @@
           <p:nvPr userDrawn="1">
             <p:extLst>
               <p:ext uri="{D42A27DB-BD31-4B8C-83A1-F6EECF244321}">
-                <p14:modId xmlns:p14="http://schemas.microsoft.com/office/powerpoint/2010/main" val="1618250192"/>
+                <p14:modId xmlns:p14="http://schemas.microsoft.com/office/powerpoint/2010/main" xmlns="" val="1618250192"/>
               </p:ext>
             </p:extLst>
           </p:nvPr>
@@ -7156,7 +7095,7 @@
     </p:spTree>
     <p:extLst>
       <p:ext uri="{BB962C8B-B14F-4D97-AF65-F5344CB8AC3E}">
-        <p14:creationId xmlns:p14="http://schemas.microsoft.com/office/powerpoint/2010/main" val="804500376"/>
+        <p14:creationId xmlns:p14="http://schemas.microsoft.com/office/powerpoint/2010/main" xmlns="" val="804500376"/>
       </p:ext>
     </p:extLst>
   </p:cSld>
@@ -7276,7 +7215,7 @@
           <a:blip r:embed="rId2" cstate="print">
             <a:extLst>
               <a:ext uri="{28A0092B-C50C-407E-A947-70E740481C1C}">
-                <a14:useLocalDpi xmlns:a14="http://schemas.microsoft.com/office/drawing/2010/main" val="0"/>
+                <a14:useLocalDpi xmlns:a14="http://schemas.microsoft.com/office/drawing/2010/main" xmlns="" val="0"/>
               </a:ext>
             </a:extLst>
           </a:blip>
@@ -7301,7 +7240,7 @@
           <p:nvPr userDrawn="1">
             <p:extLst>
               <p:ext uri="{D42A27DB-BD31-4B8C-83A1-F6EECF244321}">
-                <p14:modId xmlns:p14="http://schemas.microsoft.com/office/powerpoint/2010/main" val="1658717376"/>
+                <p14:modId xmlns:p14="http://schemas.microsoft.com/office/powerpoint/2010/main" xmlns="" val="1658717376"/>
               </p:ext>
             </p:extLst>
           </p:nvPr>
@@ -7355,7 +7294,7 @@
     </p:spTree>
     <p:extLst>
       <p:ext uri="{BB962C8B-B14F-4D97-AF65-F5344CB8AC3E}">
-        <p14:creationId xmlns:p14="http://schemas.microsoft.com/office/powerpoint/2010/main" val="3472530406"/>
+        <p14:creationId xmlns:p14="http://schemas.microsoft.com/office/powerpoint/2010/main" xmlns="" val="3472530406"/>
       </p:ext>
     </p:extLst>
   </p:cSld>
@@ -7475,7 +7414,7 @@
           <a:blip r:embed="rId2" cstate="print">
             <a:extLst>
               <a:ext uri="{28A0092B-C50C-407E-A947-70E740481C1C}">
-                <a14:useLocalDpi xmlns:a14="http://schemas.microsoft.com/office/drawing/2010/main" val="0"/>
+                <a14:useLocalDpi xmlns:a14="http://schemas.microsoft.com/office/drawing/2010/main" xmlns="" val="0"/>
               </a:ext>
             </a:extLst>
           </a:blip>
@@ -7532,7 +7471,7 @@
     </p:spTree>
     <p:extLst>
       <p:ext uri="{BB962C8B-B14F-4D97-AF65-F5344CB8AC3E}">
-        <p14:creationId xmlns:p14="http://schemas.microsoft.com/office/powerpoint/2010/main" val="2188433489"/>
+        <p14:creationId xmlns:p14="http://schemas.microsoft.com/office/powerpoint/2010/main" xmlns="" val="2188433489"/>
       </p:ext>
     </p:extLst>
   </p:cSld>
@@ -7716,7 +7655,7 @@
           <a:blip r:embed="rId2" cstate="print">
             <a:extLst>
               <a:ext uri="{28A0092B-C50C-407E-A947-70E740481C1C}">
-                <a14:useLocalDpi xmlns:a14="http://schemas.microsoft.com/office/drawing/2010/main" val="0"/>
+                <a14:useLocalDpi xmlns:a14="http://schemas.microsoft.com/office/drawing/2010/main" xmlns="" val="0"/>
               </a:ext>
             </a:extLst>
           </a:blip>
@@ -7773,7 +7712,7 @@
     </p:spTree>
     <p:extLst>
       <p:ext uri="{BB962C8B-B14F-4D97-AF65-F5344CB8AC3E}">
-        <p14:creationId xmlns:p14="http://schemas.microsoft.com/office/powerpoint/2010/main" val="1793845065"/>
+        <p14:creationId xmlns:p14="http://schemas.microsoft.com/office/powerpoint/2010/main" xmlns="" val="1793845065"/>
       </p:ext>
     </p:extLst>
   </p:cSld>
@@ -7962,7 +7901,7 @@
           <a:blip r:embed="rId2" cstate="print">
             <a:extLst>
               <a:ext uri="{28A0092B-C50C-407E-A947-70E740481C1C}">
-                <a14:useLocalDpi xmlns:a14="http://schemas.microsoft.com/office/drawing/2010/main" val="0"/>
+                <a14:useLocalDpi xmlns:a14="http://schemas.microsoft.com/office/drawing/2010/main" xmlns="" val="0"/>
               </a:ext>
             </a:extLst>
           </a:blip>
@@ -8019,7 +7958,7 @@
     </p:spTree>
     <p:extLst>
       <p:ext uri="{BB962C8B-B14F-4D97-AF65-F5344CB8AC3E}">
-        <p14:creationId xmlns:p14="http://schemas.microsoft.com/office/powerpoint/2010/main" val="1669791555"/>
+        <p14:creationId xmlns:p14="http://schemas.microsoft.com/office/powerpoint/2010/main" xmlns="" val="1669791555"/>
       </p:ext>
     </p:extLst>
   </p:cSld>
@@ -8395,7 +8334,7 @@
             <a:fld id="{9D21D778-B565-4D7E-94D7-64010A445B68}" type="datetimeFigureOut">
               <a:rPr lang="en-US" smtClean="0"/>
               <a:pPr eaLnBrk="1" latinLnBrk="0" hangingPunct="1"/>
-              <a:t>2/9/2014</a:t>
+              <a:t>2/11/2014</a:t>
             </a:fld>
             <a:endParaRPr lang="en-US"/>
           </a:p>
@@ -8456,7 +8395,7 @@
           <a:blip r:embed="rId3" cstate="print">
             <a:extLst>
               <a:ext uri="{28A0092B-C50C-407E-A947-70E740481C1C}">
-                <a14:useLocalDpi xmlns:a14="http://schemas.microsoft.com/office/drawing/2010/main" val="0"/>
+                <a14:useLocalDpi xmlns:a14="http://schemas.microsoft.com/office/drawing/2010/main" xmlns="" val="0"/>
               </a:ext>
             </a:extLst>
           </a:blip>
@@ -8518,7 +8457,7 @@
             <a:fld id="{9D21D778-B565-4D7E-94D7-64010A445B68}" type="datetimeFigureOut">
               <a:rPr lang="en-US" smtClean="0"/>
               <a:pPr eaLnBrk="1" latinLnBrk="0" hangingPunct="1"/>
-              <a:t>2/9/2014</a:t>
+              <a:t>2/11/2014</a:t>
             </a:fld>
             <a:endParaRPr lang="en-US"/>
           </a:p>
@@ -9239,7 +9178,7 @@
             <a:fld id="{9D21D778-B565-4D7E-94D7-64010A445B68}" type="datetimeFigureOut">
               <a:rPr lang="en-US" smtClean="0"/>
               <a:pPr eaLnBrk="1" latinLnBrk="0" hangingPunct="1"/>
-              <a:t>2/9/2014</a:t>
+              <a:t>2/11/2014</a:t>
             </a:fld>
             <a:endParaRPr lang="en-US"/>
           </a:p>
@@ -9503,7 +9442,7 @@
             <a:fld id="{9D21D778-B565-4D7E-94D7-64010A445B68}" type="datetimeFigureOut">
               <a:rPr lang="en-US" smtClean="0"/>
               <a:pPr eaLnBrk="1" latinLnBrk="0" hangingPunct="1"/>
-              <a:t>2/9/2014</a:t>
+              <a:t>2/11/2014</a:t>
             </a:fld>
             <a:endParaRPr lang="en-US"/>
           </a:p>
@@ -9744,7 +9683,7 @@
             <a:fld id="{9D21D778-B565-4D7E-94D7-64010A445B68}" type="datetimeFigureOut">
               <a:rPr lang="en-US" smtClean="0"/>
               <a:pPr eaLnBrk="1" latinLnBrk="0" hangingPunct="1"/>
-              <a:t>2/9/2014</a:t>
+              <a:t>2/11/2014</a:t>
             </a:fld>
             <a:endParaRPr lang="en-US"/>
           </a:p>
@@ -10030,7 +9969,7 @@
             <a:fld id="{9D21D778-B565-4D7E-94D7-64010A445B68}" type="datetimeFigureOut">
               <a:rPr lang="en-US" smtClean="0"/>
               <a:pPr eaLnBrk="1" latinLnBrk="0" hangingPunct="1"/>
-              <a:t>2/9/2014</a:t>
+              <a:t>2/11/2014</a:t>
             </a:fld>
             <a:endParaRPr lang="en-US"/>
           </a:p>
@@ -10328,7 +10267,7 @@
             <a:fld id="{9D21D778-B565-4D7E-94D7-64010A445B68}" type="datetimeFigureOut">
               <a:rPr lang="en-US" smtClean="0"/>
               <a:pPr eaLnBrk="1" latinLnBrk="0" hangingPunct="1"/>
-              <a:t>2/9/2014</a:t>
+              <a:t>2/11/2014</a:t>
             </a:fld>
             <a:endParaRPr lang="en-US" dirty="0"/>
           </a:p>
@@ -10608,7 +10547,7 @@
             <a:fld id="{9D21D778-B565-4D7E-94D7-64010A445B68}" type="datetimeFigureOut">
               <a:rPr lang="en-US" smtClean="0"/>
               <a:pPr algn="r" eaLnBrk="1" latinLnBrk="0" hangingPunct="1"/>
-              <a:t>2/9/2014</a:t>
+              <a:t>2/11/2014</a:t>
             </a:fld>
             <a:endParaRPr lang="en-US" sz="1400" dirty="0">
               <a:solidFill>
@@ -11276,7 +11215,7 @@
     </p:spTree>
     <p:extLst>
       <p:ext uri="{BB962C8B-B14F-4D97-AF65-F5344CB8AC3E}">
-        <p14:creationId xmlns:p14="http://schemas.microsoft.com/office/powerpoint/2010/main" val="828821643"/>
+        <p14:creationId xmlns:p14="http://schemas.microsoft.com/office/powerpoint/2010/main" xmlns="" val="828821643"/>
       </p:ext>
     </p:extLst>
   </p:cSld>
@@ -11382,7 +11321,7 @@
         </p:spPr>
         <p:txBody>
           <a:bodyPr>
-            <a:normAutofit fontScale="77500" lnSpcReduction="20000"/>
+            <a:normAutofit fontScale="85000" lnSpcReduction="20000"/>
           </a:bodyPr>
           <a:lstStyle/>
           <a:p>
@@ -11424,8 +11363,21 @@
                   <a:srgbClr val="FF0000"/>
                 </a:solidFill>
               </a:rPr>
-              <a:t>  Herding Sheep</a:t>
-            </a:r>
+              <a:t>  </a:t>
+            </a:r>
+            <a:r>
+              <a:rPr lang="en-GB" sz="1800" b="1" dirty="0" smtClean="0">
+                <a:solidFill>
+                  <a:srgbClr val="FF0000"/>
+                </a:solidFill>
+              </a:rPr>
+              <a:t>Sheep Herder</a:t>
+            </a:r>
+            <a:endParaRPr lang="en-GB" sz="1800" b="1" dirty="0" smtClean="0">
+              <a:solidFill>
+                <a:srgbClr val="FF0000"/>
+              </a:solidFill>
+            </a:endParaRPr>
           </a:p>
           <a:p>
             <a:pPr marL="0" indent="0">
@@ -11446,49 +11398,42 @@
               </a:rPr>
               <a:t>Project overview: </a:t>
             </a:r>
-          </a:p>
-          <a:p>
-            <a:pPr marL="0" indent="0">
+            <a:r>
+              <a:rPr lang="en-GB" dirty="0" smtClean="0"/>
+              <a:t>    </a:t>
+            </a:r>
+          </a:p>
+          <a:p>
+            <a:pPr marL="411480" lvl="1" indent="0">
+              <a:lnSpc>
+                <a:spcPct val="120000"/>
+              </a:lnSpc>
               <a:buNone/>
             </a:pPr>
+            <a:endParaRPr lang="en-GB" dirty="0" smtClean="0"/>
+          </a:p>
+          <a:p>
+            <a:pPr marL="411480" lvl="1" indent="0">
+              <a:lnSpc>
+                <a:spcPct val="120000"/>
+              </a:lnSpc>
+              <a:buNone/>
+            </a:pPr>
             <a:r>
               <a:rPr lang="en-GB" dirty="0" smtClean="0"/>
-              <a:t>    A Dog will herd many Sheep – providing guidance and security </a:t>
-            </a:r>
-          </a:p>
-          <a:p>
-            <a:pPr marL="0" indent="0">
-              <a:buNone/>
-            </a:pPr>
-            <a:r>
-              <a:rPr lang="en-GB" dirty="0"/>
+              <a:t>This project consists of a game where the user controls a dog, the “Sheep </a:t>
+            </a:r>
+            <a:r>
+              <a:rPr lang="en-GB" dirty="0" smtClean="0"/>
+              <a:t>H</a:t>
+            </a:r>
+            <a:r>
+              <a:rPr lang="en-GB" dirty="0" smtClean="0"/>
+              <a:t>erder”, and is responsible for keeping the sheep together, avoiding the perils of the dangerous fox that can come at any time. </a:t>
+            </a:r>
+            <a:r>
+              <a:rPr lang="en-GB" dirty="0" smtClean="0"/>
               <a:t> </a:t>
-            </a:r>
-            <a:r>
-              <a:rPr lang="en-GB" dirty="0" smtClean="0"/>
-              <a:t>    for all Sheep. </a:t>
-            </a:r>
-          </a:p>
-          <a:p>
-            <a:pPr marL="0" indent="0">
-              <a:buNone/>
-            </a:pPr>
-            <a:r>
-              <a:rPr lang="en-GB" dirty="0" smtClean="0"/>
-              <a:t>    The dog must make sure no sheep goes out of sight </a:t>
-            </a:r>
-          </a:p>
-          <a:p>
-            <a:pPr marL="0" indent="0">
-              <a:buNone/>
-            </a:pPr>
-            <a:r>
-              <a:rPr lang="en-GB" dirty="0"/>
-              <a:t> </a:t>
-            </a:r>
-            <a:r>
-              <a:rPr lang="en-GB" dirty="0" smtClean="0"/>
-              <a:t>   The dog must also protect all Sheep from predator – a Fox/ Foxes</a:t>
             </a:r>
           </a:p>
           <a:p>
@@ -11504,25 +11449,23 @@
                   <a:srgbClr val="FF0000"/>
                 </a:solidFill>
               </a:rPr>
-              <a:t>Features the completed project will include are</a:t>
-            </a:r>
-            <a:r>
-              <a:rPr lang="en-GB" dirty="0" smtClean="0"/>
-              <a:t>:</a:t>
-            </a:r>
-          </a:p>
-          <a:p>
-            <a:pPr marL="0" indent="0">
+              <a:t>Characters Definition</a:t>
+            </a:r>
+          </a:p>
+          <a:p>
+            <a:pPr>
               <a:buNone/>
             </a:pPr>
-            <a:r>
-              <a:rPr lang="en-GB" dirty="0"/>
-              <a:t> </a:t>
-            </a:r>
-            <a:r>
-              <a:rPr lang="en-GB" dirty="0" smtClean="0"/>
-              <a:t>  1.) </a:t>
-            </a:r>
+            <a:endParaRPr lang="en-GB" b="1" u="sng" dirty="0" smtClean="0">
+              <a:solidFill>
+                <a:srgbClr val="FF0000"/>
+              </a:solidFill>
+            </a:endParaRPr>
+          </a:p>
+          <a:p>
+            <a:pPr marL="868680" lvl="1" indent="-457200">
+              <a:buNone/>
+            </a:pPr>
             <a:r>
               <a:rPr lang="en-GB" b="1" u="sng" dirty="0" smtClean="0">
                 <a:solidFill>
@@ -11531,66 +11474,44 @@
               </a:rPr>
               <a:t>Sheep</a:t>
             </a:r>
-          </a:p>
-          <a:p>
-            <a:pPr marL="0" indent="0">
-              <a:buNone/>
+            <a:endParaRPr lang="en-GB" b="1" u="sng" dirty="0" smtClean="0">
+              <a:solidFill>
+                <a:schemeClr val="accent4"/>
+              </a:solidFill>
+            </a:endParaRPr>
+          </a:p>
+          <a:p>
+            <a:pPr marL="777240" lvl="2" indent="0">
+              <a:buFont typeface="Courier New" pitchFamily="49" charset="0"/>
+              <a:buChar char="o"/>
             </a:pPr>
             <a:r>
-              <a:rPr lang="en-GB" dirty="0"/>
+              <a:rPr lang="en-GB" dirty="0" smtClean="0"/>
+              <a:t> Is not allowed to go out of screen</a:t>
+            </a:r>
+          </a:p>
+          <a:p>
+            <a:pPr marL="777240" lvl="2" indent="0">
+              <a:buFont typeface="Courier New" pitchFamily="49" charset="0"/>
+              <a:buChar char="o"/>
+            </a:pPr>
+            <a:r>
+              <a:rPr lang="en-GB" dirty="0" smtClean="0"/>
+              <a:t> They can go to any direction, and move by reaction to dog’s or fox’s proximity</a:t>
+            </a:r>
+          </a:p>
+          <a:p>
+            <a:pPr marL="777240" lvl="2" indent="0">
+              <a:buFont typeface="Courier New" pitchFamily="49" charset="0"/>
+              <a:buChar char="o"/>
+            </a:pPr>
+            <a:r>
+              <a:rPr lang="en-GB" dirty="0" smtClean="0"/>
               <a:t> </a:t>
             </a:r>
             <a:r>
               <a:rPr lang="en-GB" dirty="0" smtClean="0"/>
-              <a:t>               - All sheep must remain within the dog’s proximity</a:t>
-            </a:r>
-          </a:p>
-          <a:p>
-            <a:pPr marL="0" indent="0">
-              <a:buNone/>
-            </a:pPr>
-            <a:r>
-              <a:rPr lang="en-GB" dirty="0"/>
-              <a:t> </a:t>
-            </a:r>
-            <a:r>
-              <a:rPr lang="en-GB" dirty="0" smtClean="0"/>
-              <a:t>               -Allow to go in the direction of up, right and left (not backward </a:t>
-            </a:r>
-          </a:p>
-          <a:p>
-            <a:pPr marL="0" indent="0">
-              <a:buNone/>
-            </a:pPr>
-            <a:r>
-              <a:rPr lang="en-GB" dirty="0"/>
-              <a:t> </a:t>
-            </a:r>
-            <a:r>
-              <a:rPr lang="en-GB" dirty="0" smtClean="0"/>
-              <a:t>                 or behind the dog) </a:t>
-            </a:r>
-          </a:p>
-          <a:p>
-            <a:pPr marL="0" indent="0">
-              <a:buNone/>
-            </a:pPr>
-            <a:r>
-              <a:rPr lang="en-GB" dirty="0"/>
-              <a:t> </a:t>
-            </a:r>
-            <a:r>
-              <a:rPr lang="en-GB" dirty="0" smtClean="0"/>
-              <a:t>               - Not allowed to go out of sight</a:t>
-            </a:r>
-          </a:p>
-          <a:p>
-            <a:pPr marL="0" indent="0">
-              <a:buNone/>
-            </a:pPr>
-            <a:r>
-              <a:rPr lang="en-GB" dirty="0"/>
-              <a:t> </a:t>
+              <a:t>They are slower than the other animals</a:t>
             </a:r>
             <a:endParaRPr lang="en-GB" dirty="0" smtClean="0"/>
           </a:p>
@@ -11599,7 +11520,7 @@
     </p:spTree>
     <p:extLst>
       <p:ext uri="{BB962C8B-B14F-4D97-AF65-F5344CB8AC3E}">
-        <p14:creationId xmlns:p14="http://schemas.microsoft.com/office/powerpoint/2010/main" val="4290846282"/>
+        <p14:creationId xmlns:p14="http://schemas.microsoft.com/office/powerpoint/2010/main" xmlns="" val="4290846282"/>
       </p:ext>
     </p:extLst>
   </p:cSld>
@@ -11675,14 +11596,11 @@
         </p:spPr>
         <p:txBody>
           <a:bodyPr>
-            <a:normAutofit fontScale="92500" lnSpcReduction="20000"/>
+            <a:normAutofit fontScale="62500" lnSpcReduction="20000"/>
           </a:bodyPr>
           <a:lstStyle/>
           <a:p>
-            <a:endParaRPr lang="en-US" dirty="0" smtClean="0"/>
-          </a:p>
-          <a:p>
-            <a:pPr marL="0" indent="0">
+            <a:pPr marL="868680" lvl="1" indent="-457200">
               <a:buNone/>
             </a:pPr>
             <a:r>
@@ -11691,73 +11609,53 @@
                   <a:schemeClr val="accent4"/>
                 </a:solidFill>
               </a:rPr>
-              <a:t> Dog</a:t>
-            </a:r>
-          </a:p>
-          <a:p>
-            <a:pPr marL="0" indent="0">
-              <a:buNone/>
+              <a:t>Dog</a:t>
+            </a:r>
+            <a:endParaRPr lang="en-US" b="1" u="sng" dirty="0" smtClean="0">
+              <a:solidFill>
+                <a:schemeClr val="accent4"/>
+              </a:solidFill>
+            </a:endParaRPr>
+          </a:p>
+          <a:p>
+            <a:pPr marL="777240" lvl="2" indent="0">
+              <a:buFont typeface="Courier New" pitchFamily="49" charset="0"/>
+              <a:buChar char="o"/>
             </a:pPr>
             <a:r>
               <a:rPr lang="en-US" dirty="0" smtClean="0"/>
-              <a:t>        - keeps the sheep within his proximity</a:t>
-            </a:r>
-          </a:p>
-          <a:p>
-            <a:pPr marL="0" indent="0">
-              <a:buNone/>
+              <a:t> Keeps the sheep safe</a:t>
+            </a:r>
+          </a:p>
+          <a:p>
+            <a:pPr marL="777240" lvl="2" indent="0">
+              <a:buFont typeface="Courier New" pitchFamily="49" charset="0"/>
+              <a:buChar char="o"/>
             </a:pPr>
-            <a:r>
-              <a:rPr lang="en-US" dirty="0" smtClean="0"/>
-              <a:t>        - Chase the predator (fox) away</a:t>
-            </a:r>
-          </a:p>
-          <a:p>
-            <a:pPr marL="0" indent="0">
-              <a:buNone/>
-            </a:pPr>
-            <a:r>
-              <a:rPr lang="en-US" dirty="0" smtClean="0"/>
-              <a:t>        - Controlled by either touch screen / </a:t>
-            </a:r>
-          </a:p>
-          <a:p>
-            <a:pPr marL="0" indent="0">
-              <a:buNone/>
-            </a:pPr>
-            <a:r>
-              <a:rPr lang="en-US" dirty="0"/>
-              <a:t> </a:t>
-            </a:r>
-            <a:r>
-              <a:rPr lang="en-US" dirty="0" smtClean="0"/>
-              <a:t>          keyboard</a:t>
-            </a:r>
-          </a:p>
-          <a:p>
-            <a:pPr marL="0" indent="0">
-              <a:buNone/>
-            </a:pPr>
-            <a:endParaRPr lang="en-US" dirty="0" smtClean="0"/>
-          </a:p>
-          <a:p>
-            <a:pPr marL="0" indent="0">
-              <a:buNone/>
-            </a:pPr>
-            <a:endParaRPr lang="en-US" dirty="0"/>
-          </a:p>
-          <a:p>
-            <a:pPr marL="0" indent="0">
-              <a:buNone/>
-            </a:pPr>
-            <a:r>
-              <a:rPr lang="en-US" dirty="0"/>
-              <a:t> </a:t>
-            </a:r>
             <a:r>
               <a:rPr lang="en-US" dirty="0" smtClean="0"/>
               <a:t> </a:t>
             </a:r>
+            <a:r>
+              <a:rPr lang="en-US" dirty="0" smtClean="0"/>
+              <a:t>Chases the predator away (fox)</a:t>
+            </a:r>
+            <a:endParaRPr lang="en-US" dirty="0" smtClean="0"/>
+          </a:p>
+          <a:p>
+            <a:pPr marL="411480" lvl="1" indent="0">
+              <a:buNone/>
+            </a:pPr>
+            <a:endParaRPr lang="en-US" b="1" u="sng" dirty="0" smtClean="0">
+              <a:solidFill>
+                <a:schemeClr val="accent4"/>
+              </a:solidFill>
+            </a:endParaRPr>
+          </a:p>
+          <a:p>
+            <a:pPr marL="411480" lvl="1" indent="0">
+              <a:buNone/>
+            </a:pPr>
             <a:r>
               <a:rPr lang="en-US" b="1" u="sng" dirty="0" smtClean="0">
                 <a:solidFill>
@@ -11766,6 +11664,206 @@
               </a:rPr>
               <a:t>Fox</a:t>
             </a:r>
+            <a:endParaRPr lang="en-US" b="1" u="sng" dirty="0" smtClean="0">
+              <a:solidFill>
+                <a:schemeClr val="accent4"/>
+              </a:solidFill>
+            </a:endParaRPr>
+          </a:p>
+          <a:p>
+            <a:pPr marL="777240" lvl="2" indent="0">
+              <a:buFont typeface="Courier New" pitchFamily="49" charset="0"/>
+              <a:buChar char="o"/>
+            </a:pPr>
+            <a:r>
+              <a:rPr lang="en-US" dirty="0" smtClean="0"/>
+              <a:t> Chases sheep to eat them</a:t>
+            </a:r>
+          </a:p>
+          <a:p>
+            <a:pPr marL="777240" lvl="2" indent="0">
+              <a:buFont typeface="Courier New" pitchFamily="49" charset="0"/>
+              <a:buChar char="o"/>
+            </a:pPr>
+            <a:r>
+              <a:rPr lang="en-US" dirty="0" smtClean="0"/>
+              <a:t> </a:t>
+            </a:r>
+            <a:r>
+              <a:rPr lang="en-US" dirty="0" smtClean="0"/>
+              <a:t>Runs away from the dog</a:t>
+            </a:r>
+          </a:p>
+          <a:p>
+            <a:pPr marL="777240" lvl="2" indent="0">
+              <a:buFont typeface="Courier New" pitchFamily="49" charset="0"/>
+              <a:buChar char="o"/>
+            </a:pPr>
+            <a:r>
+              <a:rPr lang="en-US" dirty="0" smtClean="0"/>
+              <a:t> </a:t>
+            </a:r>
+            <a:r>
+              <a:rPr lang="en-US" dirty="0" smtClean="0"/>
+              <a:t>Appears on the game at random</a:t>
+            </a:r>
+          </a:p>
+          <a:p>
+            <a:pPr marL="0" indent="0">
+              <a:buNone/>
+            </a:pPr>
+            <a:endParaRPr lang="en-GB" dirty="0" smtClean="0"/>
+          </a:p>
+          <a:p>
+            <a:r>
+              <a:rPr lang="en-GB" b="1" u="sng" dirty="0" smtClean="0">
+                <a:solidFill>
+                  <a:srgbClr val="FF0000"/>
+                </a:solidFill>
+              </a:rPr>
+              <a:t>Project Features</a:t>
+            </a:r>
+          </a:p>
+          <a:p>
+            <a:pPr marL="411480" lvl="1" indent="0">
+              <a:buNone/>
+            </a:pPr>
+            <a:r>
+              <a:rPr lang="en-GB" b="1" u="sng" dirty="0" smtClean="0">
+                <a:solidFill>
+                  <a:srgbClr val="FF0000"/>
+                </a:solidFill>
+              </a:rPr>
+              <a:t> </a:t>
+            </a:r>
+          </a:p>
+          <a:p>
+            <a:pPr marL="411480" lvl="1" indent="0">
+              <a:buFont typeface="Wingdings" pitchFamily="2" charset="2"/>
+              <a:buChar char="§"/>
+            </a:pPr>
+            <a:r>
+              <a:rPr lang="en-GB" dirty="0" smtClean="0">
+                <a:solidFill>
+                  <a:schemeClr val="tx1"/>
+                </a:solidFill>
+              </a:rPr>
+              <a:t> Representation of each animal and its characteristics</a:t>
+            </a:r>
+          </a:p>
+          <a:p>
+            <a:pPr marL="411480" lvl="1" indent="0">
+              <a:buFont typeface="Wingdings" pitchFamily="2" charset="2"/>
+              <a:buChar char="§"/>
+            </a:pPr>
+            <a:r>
+              <a:rPr lang="en-GB" dirty="0" smtClean="0">
+                <a:solidFill>
+                  <a:schemeClr val="tx1"/>
+                </a:solidFill>
+              </a:rPr>
+              <a:t> Full screen game with independent rendering (for each set of animals)</a:t>
+            </a:r>
+          </a:p>
+          <a:p>
+            <a:pPr marL="411480" lvl="1" indent="0">
+              <a:buFont typeface="Wingdings" pitchFamily="2" charset="2"/>
+              <a:buChar char="§"/>
+            </a:pPr>
+            <a:r>
+              <a:rPr lang="en-GB" dirty="0" smtClean="0">
+                <a:solidFill>
+                  <a:schemeClr val="tx1"/>
+                </a:solidFill>
+              </a:rPr>
+              <a:t> </a:t>
+            </a:r>
+            <a:r>
+              <a:rPr lang="en-GB" dirty="0" smtClean="0">
+                <a:solidFill>
+                  <a:schemeClr val="tx1"/>
+                </a:solidFill>
+              </a:rPr>
+              <a:t>User has full control over the dog</a:t>
+            </a:r>
+          </a:p>
+          <a:p>
+            <a:pPr marL="411480" lvl="1" indent="0">
+              <a:buFont typeface="Wingdings" pitchFamily="2" charset="2"/>
+              <a:buChar char="§"/>
+            </a:pPr>
+            <a:r>
+              <a:rPr lang="en-GB" dirty="0" smtClean="0">
+                <a:solidFill>
+                  <a:schemeClr val="tx1"/>
+                </a:solidFill>
+              </a:rPr>
+              <a:t> </a:t>
+            </a:r>
+            <a:r>
+              <a:rPr lang="en-GB" dirty="0" smtClean="0">
+                <a:solidFill>
+                  <a:schemeClr val="tx1"/>
+                </a:solidFill>
+              </a:rPr>
+              <a:t>Artificial Intelligence for Fox and Sheep to move and react</a:t>
+            </a:r>
+          </a:p>
+          <a:p>
+            <a:pPr marL="411480" lvl="1" indent="0">
+              <a:buFont typeface="Wingdings" pitchFamily="2" charset="2"/>
+              <a:buChar char="§"/>
+            </a:pPr>
+            <a:r>
+              <a:rPr lang="en-GB" dirty="0" smtClean="0">
+                <a:solidFill>
+                  <a:schemeClr val="tx1"/>
+                </a:solidFill>
+              </a:rPr>
+              <a:t> </a:t>
+            </a:r>
+            <a:r>
+              <a:rPr lang="en-GB" dirty="0" smtClean="0">
+                <a:solidFill>
+                  <a:schemeClr val="tx1"/>
+                </a:solidFill>
+              </a:rPr>
+              <a:t>Three main screens: home screen, settings, and game screen</a:t>
+            </a:r>
+          </a:p>
+          <a:p>
+            <a:pPr marL="411480" lvl="1" indent="0">
+              <a:buFont typeface="Wingdings" pitchFamily="2" charset="2"/>
+              <a:buChar char="§"/>
+            </a:pPr>
+            <a:r>
+              <a:rPr lang="en-GB" dirty="0" smtClean="0">
+                <a:solidFill>
+                  <a:schemeClr val="tx1"/>
+                </a:solidFill>
+              </a:rPr>
+              <a:t> </a:t>
+            </a:r>
+            <a:r>
+              <a:rPr lang="en-GB" dirty="0" smtClean="0">
+                <a:solidFill>
+                  <a:schemeClr val="tx1"/>
+                </a:solidFill>
+              </a:rPr>
+              <a:t>Ability to control speed of animals (by default:  fox’s speed &gt; dog’s &gt; sheep’s)</a:t>
+            </a:r>
+            <a:endParaRPr lang="en-GB" b="1" u="sng" dirty="0" smtClean="0">
+              <a:solidFill>
+                <a:srgbClr val="FF0000"/>
+              </a:solidFill>
+            </a:endParaRPr>
+          </a:p>
+          <a:p>
+            <a:pPr marL="777240" lvl="2" indent="0">
+              <a:buFont typeface="Courier New" pitchFamily="49" charset="0"/>
+              <a:buChar char="o"/>
+            </a:pPr>
+            <a:endParaRPr lang="en-US" dirty="0" smtClean="0"/>
           </a:p>
           <a:p>
             <a:pPr marL="0" indent="0">
@@ -11777,33 +11875,7 @@
             </a:r>
             <a:r>
               <a:rPr lang="en-US" dirty="0" smtClean="0"/>
-              <a:t>    - sensitive to the location of dog</a:t>
-            </a:r>
-          </a:p>
-          <a:p>
-            <a:pPr marL="0" indent="0">
-              <a:buNone/>
-            </a:pPr>
-            <a:r>
-              <a:rPr lang="en-US" dirty="0"/>
-              <a:t> </a:t>
-            </a:r>
-            <a:r>
-              <a:rPr lang="en-US" dirty="0" smtClean="0"/>
-              <a:t>    - able to run toward a sheep and eat him</a:t>
-            </a:r>
-          </a:p>
-          <a:p>
-            <a:pPr marL="0" indent="0">
-              <a:buNone/>
-            </a:pPr>
-            <a:r>
-              <a:rPr lang="en-US" dirty="0"/>
-              <a:t> </a:t>
-            </a:r>
-            <a:r>
-              <a:rPr lang="en-US" dirty="0" smtClean="0"/>
-              <a:t>    - able to run away if chased by the dog</a:t>
+              <a:t>   </a:t>
             </a:r>
             <a:endParaRPr lang="en-US" dirty="0"/>
           </a:p>
@@ -11812,7 +11884,7 @@
     </p:spTree>
     <p:extLst>
       <p:ext uri="{BB962C8B-B14F-4D97-AF65-F5344CB8AC3E}">
-        <p14:creationId xmlns:p14="http://schemas.microsoft.com/office/powerpoint/2010/main" val="1595711664"/>
+        <p14:creationId xmlns:p14="http://schemas.microsoft.com/office/powerpoint/2010/main" xmlns="" val="1595711664"/>
       </p:ext>
     </p:extLst>
   </p:cSld>
@@ -11888,7 +11960,7 @@
         </p:spPr>
         <p:txBody>
           <a:bodyPr>
-            <a:normAutofit fontScale="70000" lnSpcReduction="20000"/>
+            <a:normAutofit fontScale="55000" lnSpcReduction="20000"/>
           </a:bodyPr>
           <a:lstStyle/>
           <a:p>
@@ -11905,92 +11977,125 @@
             <a:pPr marL="0" indent="0">
               <a:buNone/>
             </a:pPr>
+            <a:endParaRPr lang="en-GB" dirty="0" smtClean="0"/>
+          </a:p>
+          <a:p>
             <a:r>
               <a:rPr lang="en-GB" b="1" u="sng" dirty="0" smtClean="0">
                 <a:solidFill>
                   <a:srgbClr val="FF0000"/>
                 </a:solidFill>
               </a:rPr>
-              <a:t>Technical </a:t>
-            </a:r>
-            <a:r>
-              <a:rPr lang="en-GB" b="1" u="sng" dirty="0">
-                <a:solidFill>
-                  <a:srgbClr val="FF0000"/>
-                </a:solidFill>
-              </a:rPr>
-              <a:t>details of what will be </a:t>
-            </a:r>
+              <a:t>Technical details</a:t>
+            </a:r>
+            <a:endParaRPr lang="en-GB" b="1" u="sng" dirty="0" smtClean="0">
+              <a:solidFill>
+                <a:srgbClr val="FF0000"/>
+              </a:solidFill>
+            </a:endParaRPr>
+          </a:p>
+          <a:p>
+            <a:pPr lvl="1">
+              <a:buFont typeface="Wingdings" pitchFamily="2" charset="2"/>
+              <a:buChar char="§"/>
+            </a:pPr>
+            <a:r>
+              <a:rPr lang="en-GB" dirty="0" smtClean="0"/>
+              <a:t>Android application that doesn’t need to contact any service</a:t>
+            </a:r>
+          </a:p>
+          <a:p>
+            <a:pPr lvl="1">
+              <a:buFont typeface="Wingdings" pitchFamily="2" charset="2"/>
+              <a:buChar char="§"/>
+            </a:pPr>
+            <a:r>
+              <a:rPr lang="en-GB" dirty="0" smtClean="0"/>
+              <a:t>Implementation of </a:t>
+            </a:r>
+            <a:r>
+              <a:rPr lang="en-GB" dirty="0" err="1" smtClean="0"/>
+              <a:t>SurfaceView</a:t>
+            </a:r>
+            <a:r>
+              <a:rPr lang="en-GB" dirty="0" smtClean="0"/>
+              <a:t> to render in full screen mode</a:t>
+            </a:r>
+          </a:p>
+          <a:p>
+            <a:pPr lvl="1">
+              <a:buFont typeface="Wingdings" pitchFamily="2" charset="2"/>
+              <a:buChar char="§"/>
+            </a:pPr>
+            <a:r>
+              <a:rPr lang="en-GB" dirty="0" smtClean="0"/>
+              <a:t>Use of fragments to render top bar with “Back” option</a:t>
+            </a:r>
+          </a:p>
+          <a:p>
+            <a:pPr lvl="1">
+              <a:buFont typeface="Wingdings" pitchFamily="2" charset="2"/>
+              <a:buChar char="§"/>
+            </a:pPr>
+            <a:r>
+              <a:rPr lang="en-GB" dirty="0" smtClean="0"/>
+              <a:t>Use of multiple types of UI widgets, including buttons, images, seek bars, and </a:t>
+            </a:r>
+            <a:r>
+              <a:rPr lang="en-GB" dirty="0" err="1" smtClean="0"/>
+              <a:t>textViews</a:t>
+            </a:r>
+            <a:r>
+              <a:rPr lang="en-GB" dirty="0" smtClean="0"/>
+              <a:t/>
+            </a:r>
+            <a:br>
+              <a:rPr lang="en-GB" dirty="0" smtClean="0"/>
+            </a:br>
+            <a:endParaRPr lang="en-GB" dirty="0"/>
+          </a:p>
+          <a:p>
+            <a:pPr marL="0" indent="0">
+              <a:buNone/>
+            </a:pPr>
+            <a:endParaRPr lang="en-GB" dirty="0" smtClean="0"/>
+          </a:p>
+          <a:p>
             <a:r>
               <a:rPr lang="en-GB" b="1" u="sng" dirty="0" smtClean="0">
                 <a:solidFill>
                   <a:srgbClr val="FF0000"/>
                 </a:solidFill>
               </a:rPr>
-              <a:t>used:</a:t>
-            </a:r>
-            <a:endParaRPr lang="en-GB" dirty="0"/>
-          </a:p>
-          <a:p>
-            <a:r>
-              <a:rPr lang="en-GB" dirty="0" smtClean="0"/>
-              <a:t>Using Java API- creating classes; implementing interfaces </a:t>
-            </a:r>
-          </a:p>
-          <a:p>
-            <a:r>
-              <a:rPr lang="en-GB" dirty="0" smtClean="0"/>
-              <a:t>Android API- whatever method is and features that suite our project.</a:t>
-            </a:r>
-          </a:p>
-          <a:p>
-            <a:pPr marL="0" indent="0">
+              <a:t>Bi-weekly Schedule</a:t>
+            </a:r>
+            <a:endParaRPr lang="en-GB" b="1" u="sng" dirty="0" smtClean="0">
+              <a:solidFill>
+                <a:srgbClr val="FF0000"/>
+              </a:solidFill>
+            </a:endParaRPr>
+          </a:p>
+          <a:p>
+            <a:pPr marL="411480" lvl="1" indent="0">
               <a:buNone/>
             </a:pPr>
-            <a:endParaRPr lang="en-GB" dirty="0" smtClean="0"/>
-          </a:p>
-          <a:p>
-            <a:pPr marL="0" indent="0">
+            <a:endParaRPr lang="en-GB" b="1" dirty="0" smtClean="0">
+              <a:solidFill>
+                <a:schemeClr val="accent4"/>
+              </a:solidFill>
+            </a:endParaRPr>
+          </a:p>
+          <a:p>
+            <a:pPr marL="411480" lvl="1" indent="0">
               <a:buNone/>
             </a:pPr>
-            <a:endParaRPr lang="en-GB" dirty="0"/>
-          </a:p>
-          <a:p>
-            <a:pPr marL="0" indent="0">
-              <a:buNone/>
-            </a:pPr>
-            <a:r>
-              <a:rPr lang="en-GB" b="1" u="sng" dirty="0" smtClean="0">
-                <a:solidFill>
-                  <a:srgbClr val="FF0000"/>
-                </a:solidFill>
-              </a:rPr>
-              <a:t>Bi - weekly Schedule</a:t>
-            </a:r>
-            <a:r>
-              <a:rPr lang="en-GB" u="sng" dirty="0" smtClean="0"/>
-              <a:t>:</a:t>
-            </a:r>
-          </a:p>
-          <a:p>
-            <a:pPr marL="0" indent="0">
-              <a:buNone/>
-            </a:pPr>
-            <a:r>
-              <a:rPr lang="en-GB" dirty="0"/>
-              <a:t> </a:t>
-            </a:r>
-            <a:r>
-              <a:rPr lang="en-GB" dirty="0" smtClean="0"/>
-              <a:t>       </a:t>
-            </a:r>
             <a:r>
               <a:rPr lang="en-GB" b="1" dirty="0" smtClean="0">
                 <a:solidFill>
                   <a:schemeClr val="accent4"/>
                 </a:solidFill>
               </a:rPr>
-              <a:t>Week of Feb </a:t>
+              <a:t>Week </a:t>
             </a:r>
             <a:r>
               <a:rPr lang="en-GB" b="1" dirty="0" smtClean="0">
@@ -11998,53 +12103,36 @@
                   <a:schemeClr val="accent4"/>
                 </a:solidFill>
               </a:rPr>
-              <a:t>18th </a:t>
-            </a:r>
+              <a:t>of Feb 18th </a:t>
+            </a:r>
+            <a:endParaRPr lang="en-GB" dirty="0" smtClean="0"/>
+          </a:p>
+          <a:p>
+            <a:pPr marL="777240" lvl="2" indent="0">
+              <a:buFont typeface="Wingdings" pitchFamily="2" charset="2"/>
+              <a:buChar char="§"/>
+            </a:pPr>
             <a:r>
               <a:rPr lang="en-GB" dirty="0" smtClean="0"/>
-              <a:t>-   Planning phase:</a:t>
-            </a:r>
-          </a:p>
-          <a:p>
-            <a:pPr marL="0" indent="0">
-              <a:buNone/>
+              <a:t> Define requirements</a:t>
+            </a:r>
+          </a:p>
+          <a:p>
+            <a:pPr marL="777240" lvl="2" indent="0">
+              <a:buFont typeface="Wingdings" pitchFamily="2" charset="2"/>
+              <a:buChar char="§"/>
             </a:pPr>
             <a:r>
-              <a:rPr lang="en-GB" dirty="0"/>
+              <a:rPr lang="en-GB" dirty="0" smtClean="0"/>
               <a:t> </a:t>
             </a:r>
             <a:r>
               <a:rPr lang="en-GB" dirty="0" smtClean="0"/>
-              <a:t>             - </a:t>
+              <a:t>Create </a:t>
             </a:r>
             <a:r>
               <a:rPr lang="en-GB" dirty="0" smtClean="0"/>
-              <a:t>create a simple</a:t>
-            </a:r>
-            <a:r>
-              <a:rPr lang="en-GB" dirty="0" smtClean="0"/>
-              <a:t> specification</a:t>
-            </a:r>
-          </a:p>
-          <a:p>
-            <a:pPr marL="0" indent="0">
-              <a:buNone/>
-            </a:pPr>
-            <a:r>
-              <a:rPr lang="en-GB" dirty="0"/>
-              <a:t> </a:t>
-            </a:r>
-            <a:r>
-              <a:rPr lang="en-GB" dirty="0" smtClean="0"/>
-              <a:t>             - Create a </a:t>
-            </a:r>
-            <a:r>
-              <a:rPr lang="en-GB" dirty="0" smtClean="0"/>
-              <a:t>Use </a:t>
-            </a:r>
-            <a:r>
-              <a:rPr lang="en-GB" dirty="0" smtClean="0"/>
-              <a:t>Case </a:t>
+              <a:t>a Use Case </a:t>
             </a:r>
             <a:r>
               <a:rPr lang="en-GB" dirty="0" smtClean="0"/>
@@ -12052,30 +12140,101 @@
             </a:r>
           </a:p>
           <a:p>
-            <a:pPr marL="0" indent="0">
-              <a:buNone/>
+            <a:pPr marL="777240" lvl="2" indent="0">
+              <a:buFont typeface="Wingdings" pitchFamily="2" charset="2"/>
+              <a:buChar char="§"/>
             </a:pPr>
             <a:r>
-              <a:rPr lang="en-GB" dirty="0"/>
+              <a:rPr lang="en-GB" dirty="0" smtClean="0"/>
               <a:t> </a:t>
             </a:r>
             <a:r>
               <a:rPr lang="en-GB" dirty="0" smtClean="0"/>
-              <a:t>             - Create basic Design and navigation process</a:t>
-            </a:r>
-            <a:endParaRPr lang="en-GB" dirty="0" smtClean="0"/>
-          </a:p>
-          <a:p>
-            <a:pPr marL="0" indent="0">
-              <a:buNone/>
+              <a:t>Create </a:t>
+            </a:r>
+            <a:r>
+              <a:rPr lang="en-GB" dirty="0" smtClean="0"/>
+              <a:t>basic Design and navigation </a:t>
+            </a:r>
+            <a:r>
+              <a:rPr lang="en-GB" dirty="0" smtClean="0"/>
+              <a:t>process</a:t>
+            </a:r>
+          </a:p>
+          <a:p>
+            <a:pPr marL="777240" lvl="2" indent="0">
+              <a:buFont typeface="Wingdings" pitchFamily="2" charset="2"/>
+              <a:buChar char="§"/>
             </a:pPr>
             <a:r>
-              <a:rPr lang="en-GB" dirty="0"/>
+              <a:rPr lang="en-GB" dirty="0" smtClean="0"/>
               <a:t> </a:t>
             </a:r>
             <a:r>
               <a:rPr lang="en-GB" dirty="0" smtClean="0"/>
-              <a:t>             - Create an initial presentation</a:t>
+              <a:t>Create </a:t>
+            </a:r>
+            <a:r>
+              <a:rPr lang="en-GB" dirty="0" smtClean="0"/>
+              <a:t>an initial </a:t>
+            </a:r>
+            <a:r>
+              <a:rPr lang="en-GB" dirty="0" smtClean="0"/>
+              <a:t>presentation</a:t>
+            </a:r>
+          </a:p>
+          <a:p>
+            <a:pPr marL="777240" lvl="2" indent="0">
+              <a:buFont typeface="Wingdings" pitchFamily="2" charset="2"/>
+              <a:buChar char="§"/>
+            </a:pPr>
+            <a:r>
+              <a:rPr lang="en-GB" dirty="0" smtClean="0"/>
+              <a:t> Determine </a:t>
+            </a:r>
+            <a:r>
+              <a:rPr lang="en-GB" dirty="0" smtClean="0"/>
+              <a:t>the classes, methods and </a:t>
+            </a:r>
+            <a:r>
+              <a:rPr lang="en-GB" dirty="0" smtClean="0"/>
+              <a:t>attributes</a:t>
+            </a:r>
+          </a:p>
+          <a:p>
+            <a:pPr marL="777240" lvl="2" indent="0">
+              <a:buFont typeface="Wingdings" pitchFamily="2" charset="2"/>
+              <a:buChar char="§"/>
+            </a:pPr>
+            <a:r>
+              <a:rPr lang="en-GB" dirty="0" smtClean="0"/>
+              <a:t> </a:t>
+            </a:r>
+            <a:r>
+              <a:rPr lang="en-GB" dirty="0" smtClean="0"/>
+              <a:t>Create </a:t>
+            </a:r>
+            <a:r>
+              <a:rPr lang="en-GB" dirty="0" smtClean="0"/>
+              <a:t>activity </a:t>
+            </a:r>
+            <a:r>
+              <a:rPr lang="en-GB" dirty="0" smtClean="0"/>
+              <a:t>diagram</a:t>
+            </a:r>
+          </a:p>
+          <a:p>
+            <a:pPr marL="777240" lvl="2" indent="0">
+              <a:buFont typeface="Wingdings" pitchFamily="2" charset="2"/>
+              <a:buChar char="§"/>
+            </a:pPr>
+            <a:r>
+              <a:rPr lang="en-GB" dirty="0" smtClean="0"/>
+              <a:t> </a:t>
+            </a:r>
+            <a:r>
+              <a:rPr lang="en-GB" dirty="0" smtClean="0"/>
+              <a:t>Start with Proof of concept (POC)</a:t>
             </a:r>
             <a:endParaRPr lang="en-GB" dirty="0" smtClean="0"/>
           </a:p>
@@ -12103,7 +12262,7 @@
                   <a:schemeClr val="accent4"/>
                 </a:solidFill>
               </a:rPr>
-              <a:t>Week of </a:t>
+              <a:t>Week of March </a:t>
             </a:r>
             <a:r>
               <a:rPr lang="en-GB" b="1" dirty="0" smtClean="0">
@@ -12111,7 +12270,7 @@
                   <a:schemeClr val="accent4"/>
                 </a:solidFill>
               </a:rPr>
-              <a:t>March 4</a:t>
+              <a:t>4</a:t>
             </a:r>
             <a:r>
               <a:rPr lang="en-GB" b="1" baseline="30000" dirty="0" smtClean="0">
@@ -12121,18 +12280,12 @@
               </a:rPr>
               <a:t>th</a:t>
             </a:r>
-            <a:r>
-              <a:rPr lang="en-GB" dirty="0" smtClean="0"/>
-              <a:t> </a:t>
-            </a:r>
-            <a:r>
-              <a:rPr lang="en-GB" dirty="0" smtClean="0"/>
-              <a:t>-   Analysis phase: </a:t>
-            </a:r>
-          </a:p>
-          <a:p>
-            <a:pPr marL="0" indent="0">
-              <a:buNone/>
+            <a:endParaRPr lang="en-GB" dirty="0" smtClean="0"/>
+          </a:p>
+          <a:p>
+            <a:pPr marL="777240" lvl="2" indent="0">
+              <a:buFont typeface="Wingdings" pitchFamily="2" charset="2"/>
+              <a:buChar char="§"/>
             </a:pPr>
             <a:r>
               <a:rPr lang="en-GB" dirty="0"/>
@@ -12140,71 +12293,32 @@
             </a:r>
             <a:r>
               <a:rPr lang="en-GB" dirty="0" smtClean="0"/>
-              <a:t>              - Re-visiting the specification</a:t>
-            </a:r>
-          </a:p>
-          <a:p>
-            <a:pPr marL="0" indent="0">
-              <a:buNone/>
+              <a:t>Finish auxiliary screens (settings and main)</a:t>
+            </a:r>
+          </a:p>
+          <a:p>
+            <a:pPr marL="777240" lvl="2" indent="0">
+              <a:buFont typeface="Wingdings" pitchFamily="2" charset="2"/>
+              <a:buChar char="§"/>
             </a:pPr>
             <a:r>
-              <a:rPr lang="en-GB" dirty="0"/>
-              <a:t> </a:t>
-            </a:r>
-            <a:r>
               <a:rPr lang="en-GB" dirty="0" smtClean="0"/>
-              <a:t>              -  </a:t>
+              <a:t> Unit </a:t>
             </a:r>
             <a:r>
               <a:rPr lang="en-GB" dirty="0" smtClean="0"/>
-              <a:t>Determine </a:t>
+              <a:t>and integration </a:t>
             </a:r>
             <a:r>
               <a:rPr lang="en-GB" dirty="0" smtClean="0"/>
-              <a:t>the classes, methods and variable</a:t>
-            </a:r>
-          </a:p>
-          <a:p>
-            <a:pPr marL="0" indent="0">
+              <a:t>testing on these screens</a:t>
+            </a:r>
+            <a:endParaRPr lang="en-GB" dirty="0" smtClean="0"/>
+          </a:p>
+          <a:p>
+            <a:pPr marL="777240" lvl="2" indent="0">
               <a:buNone/>
             </a:pPr>
-            <a:r>
-              <a:rPr lang="en-GB" dirty="0"/>
-              <a:t> </a:t>
-            </a:r>
-            <a:r>
-              <a:rPr lang="en-GB" dirty="0" smtClean="0"/>
-              <a:t>               - </a:t>
-            </a:r>
-            <a:r>
-              <a:rPr lang="en-GB" dirty="0" smtClean="0"/>
-              <a:t>Creat</a:t>
-            </a:r>
-            <a:r>
-              <a:rPr lang="en-GB" dirty="0" smtClean="0"/>
-              <a:t>e a</a:t>
-            </a:r>
-            <a:r>
-              <a:rPr lang="en-GB" dirty="0" smtClean="0"/>
-              <a:t>ctivity </a:t>
-            </a:r>
-            <a:r>
-              <a:rPr lang="en-GB" dirty="0" smtClean="0"/>
-              <a:t>diagram</a:t>
-            </a:r>
-          </a:p>
-          <a:p>
-            <a:pPr marL="0" indent="0">
-              <a:buNone/>
-            </a:pPr>
-            <a:r>
-              <a:rPr lang="en-GB" dirty="0"/>
-              <a:t> </a:t>
-            </a:r>
-            <a:r>
-              <a:rPr lang="en-GB" dirty="0" smtClean="0"/>
-              <a:t>                              </a:t>
-            </a:r>
             <a:endParaRPr lang="en-GB" dirty="0"/>
           </a:p>
         </p:txBody>
@@ -12212,7 +12326,7 @@
     </p:spTree>
     <p:extLst>
       <p:ext uri="{BB962C8B-B14F-4D97-AF65-F5344CB8AC3E}">
-        <p14:creationId xmlns:p14="http://schemas.microsoft.com/office/powerpoint/2010/main" val="1326768430"/>
+        <p14:creationId xmlns:p14="http://schemas.microsoft.com/office/powerpoint/2010/main" xmlns="" val="1326768430"/>
       </p:ext>
     </p:extLst>
   </p:cSld>
@@ -12301,35 +12415,11 @@
             </a:r>
           </a:p>
           <a:p>
-            <a:pPr marL="0" indent="0">
+            <a:pPr marL="411480" lvl="1" indent="0">
               <a:buNone/>
             </a:pPr>
             <a:r>
-              <a:rPr lang="en-GB" sz="1900" b="1">
-                <a:solidFill>
-                  <a:schemeClr val="accent4"/>
-                </a:solidFill>
-              </a:rPr>
-              <a:t> </a:t>
-            </a:r>
-            <a:r>
-              <a:rPr lang="en-GB" sz="1900" b="1" smtClean="0">
-                <a:solidFill>
-                  <a:schemeClr val="accent4"/>
-                </a:solidFill>
-              </a:rPr>
-              <a:t>   </a:t>
-            </a:r>
-            <a:r>
-              <a:rPr lang="en-GB" sz="1900" b="1" smtClean="0">
-                <a:solidFill>
-                  <a:schemeClr val="accent4"/>
-                </a:solidFill>
-              </a:rPr>
-              <a:t>     </a:t>
-            </a:r>
-            <a:r>
-              <a:rPr lang="en-GB" sz="1800" b="1" smtClean="0">
+              <a:rPr lang="en-GB" sz="1600" b="1" dirty="0" smtClean="0">
                 <a:solidFill>
                   <a:schemeClr val="accent4"/>
                 </a:solidFill>
@@ -12337,7 +12427,7 @@
               <a:t>Week </a:t>
             </a:r>
             <a:r>
-              <a:rPr lang="en-GB" sz="1800" b="1" dirty="0">
+              <a:rPr lang="en-GB" sz="1600" b="1" dirty="0">
                 <a:solidFill>
                   <a:schemeClr val="accent4"/>
                 </a:solidFill>
@@ -12345,236 +12435,186 @@
               <a:t>of March </a:t>
             </a:r>
             <a:r>
-              <a:rPr lang="en-GB" sz="1800" b="1" dirty="0" smtClean="0">
+              <a:rPr lang="en-GB" sz="1600" b="1" dirty="0" smtClean="0">
                 <a:solidFill>
                   <a:schemeClr val="accent4"/>
                 </a:solidFill>
               </a:rPr>
               <a:t>18th</a:t>
             </a:r>
-            <a:r>
-              <a:rPr lang="en-GB" sz="1800" b="1" dirty="0" smtClean="0">
+            <a:endParaRPr lang="en-GB" sz="1600" dirty="0"/>
+          </a:p>
+          <a:p>
+            <a:pPr marL="777240" lvl="2" indent="0">
+              <a:buFont typeface="Wingdings" pitchFamily="2" charset="2"/>
+              <a:buChar char="§"/>
+            </a:pPr>
+            <a:r>
+              <a:rPr lang="en-GB" sz="1400" dirty="0"/>
+              <a:t> </a:t>
+            </a:r>
+            <a:r>
+              <a:rPr lang="en-GB" sz="1400" dirty="0" smtClean="0"/>
+              <a:t>Start work on the game screen (control and render the dog)</a:t>
+            </a:r>
+            <a:endParaRPr lang="en-GB" dirty="0" smtClean="0"/>
+          </a:p>
+          <a:p>
+            <a:pPr marL="411480" lvl="1" indent="0">
+              <a:buNone/>
+            </a:pPr>
+            <a:endParaRPr lang="en-GB" sz="1700" b="1" dirty="0" smtClean="0">
+              <a:solidFill>
+                <a:schemeClr val="accent4"/>
+              </a:solidFill>
+            </a:endParaRPr>
+          </a:p>
+          <a:p>
+            <a:pPr marL="411480" lvl="1" indent="0">
+              <a:buNone/>
+            </a:pPr>
+            <a:r>
+              <a:rPr lang="en-GB" sz="1700" b="1" dirty="0" smtClean="0">
                 <a:solidFill>
                   <a:schemeClr val="accent4"/>
                 </a:solidFill>
               </a:rPr>
-              <a:t> </a:t>
-            </a:r>
-            <a:r>
-              <a:rPr lang="en-GB" sz="1800" dirty="0"/>
-              <a:t>– pre implementation </a:t>
-            </a:r>
-            <a:r>
-              <a:rPr lang="en-GB" sz="1800" dirty="0" smtClean="0"/>
-              <a:t>phase:</a:t>
-            </a:r>
-            <a:endParaRPr lang="en-GB" sz="1800" dirty="0"/>
-          </a:p>
-          <a:p>
-            <a:pPr marL="0" indent="0">
-              <a:buNone/>
-            </a:pPr>
-            <a:r>
-              <a:rPr lang="en-GB" sz="1800" dirty="0"/>
-              <a:t>                </a:t>
-            </a:r>
-            <a:r>
-              <a:rPr lang="en-GB" sz="1800" dirty="0" smtClean="0"/>
-              <a:t>- </a:t>
-            </a:r>
-            <a:r>
-              <a:rPr lang="en-GB" sz="1800" dirty="0" smtClean="0"/>
-              <a:t>forming the </a:t>
-            </a:r>
-            <a:r>
-              <a:rPr lang="en-GB" sz="1800" dirty="0" smtClean="0"/>
-              <a:t>project pseudo code </a:t>
-            </a:r>
-            <a:r>
-              <a:rPr lang="en-GB" sz="1800" dirty="0" smtClean="0"/>
-              <a:t> </a:t>
-            </a:r>
-            <a:endParaRPr lang="en-GB" sz="1800" dirty="0" smtClean="0"/>
-          </a:p>
-          <a:p>
-            <a:pPr marL="0" indent="0">
-              <a:buNone/>
-            </a:pPr>
-            <a:endParaRPr lang="en-GB" dirty="0" smtClean="0"/>
-          </a:p>
-          <a:p>
-            <a:pPr marL="0" indent="0">
-              <a:buNone/>
-            </a:pPr>
-            <a:r>
-              <a:rPr lang="en-GB" dirty="0"/>
-              <a:t> </a:t>
-            </a:r>
-            <a:r>
-              <a:rPr lang="en-GB" dirty="0" smtClean="0"/>
-              <a:t>       </a:t>
-            </a:r>
-            <a:r>
-              <a:rPr lang="en-GB" sz="1900" b="1" dirty="0" smtClean="0">
+              <a:t>Week </a:t>
+            </a:r>
+            <a:r>
+              <a:rPr lang="en-GB" sz="1700" b="1" dirty="0" smtClean="0">
                 <a:solidFill>
                   <a:schemeClr val="accent4"/>
                 </a:solidFill>
               </a:rPr>
-              <a:t>Week of </a:t>
-            </a:r>
-            <a:r>
-              <a:rPr lang="en-GB" sz="1900" b="1" dirty="0" smtClean="0">
+              <a:t>of April </a:t>
+            </a:r>
+            <a:r>
+              <a:rPr lang="en-GB" sz="1700" b="1" dirty="0" smtClean="0">
                 <a:solidFill>
                   <a:schemeClr val="accent4"/>
                 </a:solidFill>
               </a:rPr>
-              <a:t>April 1st</a:t>
-            </a:r>
-            <a:r>
-              <a:rPr lang="en-GB" sz="1900" b="1" dirty="0" smtClean="0">
+              <a:t>1st</a:t>
+            </a:r>
+            <a:endParaRPr lang="en-GB" sz="1600" dirty="0" smtClean="0"/>
+          </a:p>
+          <a:p>
+            <a:pPr marL="777240" lvl="2" indent="0">
+              <a:buFont typeface="Wingdings" pitchFamily="2" charset="2"/>
+              <a:buChar char="§"/>
+            </a:pPr>
+            <a:r>
+              <a:rPr lang="en-GB" sz="1400" dirty="0" smtClean="0"/>
+              <a:t> </a:t>
+            </a:r>
+            <a:r>
+              <a:rPr lang="en-GB" sz="1400" dirty="0" smtClean="0"/>
+              <a:t>Continue work </a:t>
+            </a:r>
+            <a:r>
+              <a:rPr lang="en-GB" sz="1400" dirty="0" smtClean="0"/>
+              <a:t>on the game screen </a:t>
+            </a:r>
+            <a:r>
+              <a:rPr lang="en-GB" sz="1400" dirty="0" smtClean="0"/>
+              <a:t>(fox and sheep)</a:t>
+            </a:r>
+            <a:endParaRPr lang="en-GB" dirty="0" smtClean="0"/>
+          </a:p>
+          <a:p>
+            <a:pPr marL="411480" lvl="1" indent="0">
+              <a:buNone/>
+            </a:pPr>
+            <a:endParaRPr lang="en-GB" sz="1700" b="1" dirty="0" smtClean="0">
+              <a:solidFill>
+                <a:schemeClr val="accent4"/>
+              </a:solidFill>
+            </a:endParaRPr>
+          </a:p>
+          <a:p>
+            <a:pPr marL="411480" lvl="1" indent="0">
+              <a:buNone/>
+            </a:pPr>
+            <a:r>
+              <a:rPr lang="en-GB" sz="1700" b="1" dirty="0" smtClean="0">
                 <a:solidFill>
                   <a:schemeClr val="accent4"/>
                 </a:solidFill>
               </a:rPr>
+              <a:t>Week of April 15th</a:t>
+            </a:r>
+          </a:p>
+          <a:p>
+            <a:pPr marL="777240" lvl="2" indent="0">
+              <a:buFont typeface="Wingdings" pitchFamily="2" charset="2"/>
+              <a:buChar char="§"/>
+            </a:pPr>
+            <a:r>
+              <a:rPr lang="en-GB" sz="1500" dirty="0" smtClean="0"/>
               <a:t> </a:t>
             </a:r>
             <a:r>
-              <a:rPr lang="en-GB" sz="1900" dirty="0" smtClean="0"/>
-              <a:t>– implementation phase:</a:t>
-            </a:r>
-          </a:p>
-          <a:p>
-            <a:pPr marL="0" indent="0">
-              <a:buNone/>
+              <a:rPr lang="en-GB" sz="1600" dirty="0" smtClean="0"/>
+              <a:t>Continue work on the game screen (fox and sheep</a:t>
+            </a:r>
+            <a:r>
+              <a:rPr lang="en-GB" sz="1600" dirty="0" smtClean="0"/>
+              <a:t>)</a:t>
+            </a:r>
+          </a:p>
+          <a:p>
+            <a:pPr marL="777240" lvl="2" indent="0">
+              <a:buFont typeface="Wingdings" pitchFamily="2" charset="2"/>
+              <a:buChar char="§"/>
             </a:pPr>
             <a:r>
-              <a:rPr lang="en-GB" sz="1900" dirty="0"/>
+              <a:rPr lang="en-GB" sz="1500" dirty="0" smtClean="0"/>
+              <a:t> Final touches</a:t>
+            </a:r>
+          </a:p>
+          <a:p>
+            <a:pPr marL="777240" lvl="2" indent="0">
+              <a:buFont typeface="Wingdings" pitchFamily="2" charset="2"/>
+              <a:buChar char="§"/>
+            </a:pPr>
+            <a:r>
+              <a:rPr lang="en-GB" sz="1500" dirty="0" smtClean="0"/>
               <a:t> </a:t>
             </a:r>
             <a:r>
-              <a:rPr lang="en-GB" sz="1900" dirty="0" smtClean="0"/>
-              <a:t>               - coding and unit testing </a:t>
-            </a:r>
-          </a:p>
-          <a:p>
-            <a:pPr marL="0" indent="0">
+              <a:rPr lang="en-GB" sz="1500" dirty="0" smtClean="0"/>
+              <a:t>Submit code to professor</a:t>
+            </a:r>
+          </a:p>
+          <a:p>
+            <a:pPr marL="777240" lvl="2" indent="0">
               <a:buNone/>
             </a:pPr>
             <a:endParaRPr lang="en-GB" sz="1900" dirty="0" smtClean="0"/>
           </a:p>
           <a:p>
-            <a:pPr marL="0" indent="0">
+            <a:pPr marL="411480" lvl="1" indent="0">
               <a:buNone/>
             </a:pPr>
             <a:r>
-              <a:rPr lang="en-GB" sz="1900" dirty="0"/>
-              <a:t> </a:t>
-            </a:r>
-            <a:r>
-              <a:rPr lang="en-GB" sz="1900" dirty="0" smtClean="0"/>
-              <a:t>       </a:t>
-            </a:r>
-            <a:r>
-              <a:rPr lang="en-GB" sz="1900" b="1" dirty="0" smtClean="0">
+              <a:rPr lang="en-GB" sz="1700" b="1" dirty="0" smtClean="0">
                 <a:solidFill>
                   <a:schemeClr val="accent4"/>
                 </a:solidFill>
               </a:rPr>
-              <a:t>Week of </a:t>
-            </a:r>
-            <a:r>
-              <a:rPr lang="en-GB" sz="1900" b="1" dirty="0" smtClean="0">
+              <a:t>Week </a:t>
+            </a:r>
+            <a:r>
+              <a:rPr lang="en-GB" sz="1700" b="1" dirty="0" smtClean="0">
                 <a:solidFill>
                   <a:schemeClr val="accent4"/>
                 </a:solidFill>
               </a:rPr>
-              <a:t>April</a:t>
-            </a:r>
-            <a:r>
-              <a:rPr lang="en-GB" sz="1900" b="1" dirty="0" smtClean="0">
-                <a:solidFill>
-                  <a:schemeClr val="accent4"/>
-                </a:solidFill>
-              </a:rPr>
-              <a:t> 15th </a:t>
-            </a:r>
-            <a:r>
-              <a:rPr lang="en-GB" sz="1900" b="1" dirty="0" smtClean="0">
-                <a:solidFill>
-                  <a:schemeClr val="accent4"/>
-                </a:solidFill>
-              </a:rPr>
-              <a:t>– </a:t>
-            </a:r>
-            <a:r>
-              <a:rPr lang="en-GB" sz="1900" dirty="0" smtClean="0"/>
-              <a:t>Source Code:</a:t>
-            </a:r>
-            <a:endParaRPr lang="en-GB" sz="1900" b="1" dirty="0" smtClean="0">
-              <a:solidFill>
-                <a:schemeClr val="accent4"/>
-              </a:solidFill>
-            </a:endParaRPr>
-          </a:p>
-          <a:p>
-            <a:pPr marL="0" indent="0">
-              <a:buNone/>
-            </a:pPr>
-            <a:r>
-              <a:rPr lang="en-GB" sz="1900" dirty="0"/>
-              <a:t> </a:t>
-            </a:r>
-            <a:r>
-              <a:rPr lang="en-GB" sz="1900" dirty="0" smtClean="0"/>
-              <a:t>                 - units integration and </a:t>
-            </a:r>
-            <a:r>
-              <a:rPr lang="en-GB" sz="1900" dirty="0" smtClean="0"/>
-              <a:t>testing</a:t>
-            </a:r>
-            <a:endParaRPr lang="en-GB" sz="1900" b="1" u="sng" dirty="0" smtClean="0">
-              <a:solidFill>
-                <a:schemeClr val="accent4"/>
-              </a:solidFill>
-            </a:endParaRPr>
-          </a:p>
-          <a:p>
-            <a:pPr marL="0" indent="0">
-              <a:buNone/>
-            </a:pPr>
-            <a:r>
-              <a:rPr lang="en-GB" sz="1900" dirty="0" smtClean="0"/>
-              <a:t>                  - Submitting the source code to professor</a:t>
-            </a:r>
-          </a:p>
-          <a:p>
-            <a:pPr marL="0" indent="0">
-              <a:buNone/>
-            </a:pPr>
-            <a:endParaRPr lang="en-GB" sz="1900" dirty="0" smtClean="0"/>
-          </a:p>
-          <a:p>
-            <a:pPr marL="0" indent="0">
-              <a:buNone/>
-            </a:pPr>
-            <a:r>
-              <a:rPr lang="en-GB" sz="1900" dirty="0"/>
-              <a:t> </a:t>
-            </a:r>
-            <a:r>
-              <a:rPr lang="en-GB" sz="1900" dirty="0" smtClean="0"/>
-              <a:t>          </a:t>
-            </a:r>
-            <a:r>
-              <a:rPr lang="en-GB" sz="1900" b="1" dirty="0" smtClean="0">
-                <a:solidFill>
-                  <a:schemeClr val="accent4"/>
-                </a:solidFill>
-              </a:rPr>
-              <a:t>Week of April </a:t>
-            </a:r>
-            <a:r>
-              <a:rPr lang="en-GB" sz="1900" b="1" dirty="0" smtClean="0">
+              <a:t>of April </a:t>
+            </a:r>
+            <a:r>
+              <a:rPr lang="en-GB" sz="1700" b="1" dirty="0" smtClean="0">
                 <a:solidFill>
                   <a:schemeClr val="accent4"/>
                 </a:solidFill>
@@ -12582,33 +12622,27 @@
               <a:t>29</a:t>
             </a:r>
             <a:r>
-              <a:rPr lang="en-GB" sz="1900" b="1" baseline="30000" dirty="0" smtClean="0">
+              <a:rPr lang="en-GB" sz="1700" b="1" baseline="30000" dirty="0" smtClean="0">
                 <a:solidFill>
                   <a:schemeClr val="accent4"/>
                 </a:solidFill>
               </a:rPr>
               <a:t>th</a:t>
             </a:r>
-            <a:r>
-              <a:rPr lang="en-GB" sz="1900" b="1" dirty="0" smtClean="0">
-                <a:solidFill>
-                  <a:schemeClr val="accent4"/>
-                </a:solidFill>
-              </a:rPr>
-              <a:t> </a:t>
-            </a:r>
-            <a:r>
-              <a:rPr lang="en-GB" sz="1900" dirty="0" smtClean="0"/>
-              <a:t>– Class presentation:</a:t>
-            </a:r>
-          </a:p>
-          <a:p>
-            <a:pPr marL="0" indent="0">
-              <a:buNone/>
+            <a:endParaRPr lang="en-GB" sz="1700" dirty="0" smtClean="0"/>
+          </a:p>
+          <a:p>
+            <a:pPr marL="777240" lvl="2" indent="0">
+              <a:buFont typeface="Wingdings" pitchFamily="2" charset="2"/>
+              <a:buChar char="§"/>
             </a:pPr>
             <a:r>
-              <a:rPr lang="en-GB" sz="1900" dirty="0" smtClean="0"/>
-              <a:t>                    -Presenting the program in class</a:t>
+              <a:rPr lang="en-GB" sz="1500" dirty="0" smtClean="0"/>
+              <a:t> Presenting </a:t>
+            </a:r>
+            <a:r>
+              <a:rPr lang="en-GB" sz="1500" dirty="0" smtClean="0"/>
+              <a:t>the program in class</a:t>
             </a:r>
           </a:p>
           <a:p>
@@ -12635,7 +12669,7 @@
     </p:spTree>
     <p:extLst>
       <p:ext uri="{BB962C8B-B14F-4D97-AF65-F5344CB8AC3E}">
-        <p14:creationId xmlns:p14="http://schemas.microsoft.com/office/powerpoint/2010/main" val="3190464469"/>
+        <p14:creationId xmlns:p14="http://schemas.microsoft.com/office/powerpoint/2010/main" xmlns="" val="3190464469"/>
       </p:ext>
     </p:extLst>
   </p:cSld>
@@ -12711,7 +12745,7 @@
         </p:spPr>
         <p:txBody>
           <a:bodyPr>
-            <a:normAutofit fontScale="85000" lnSpcReduction="10000"/>
+            <a:normAutofit fontScale="62500" lnSpcReduction="20000"/>
           </a:bodyPr>
           <a:lstStyle/>
           <a:p>
@@ -12728,36 +12762,37 @@
             <a:pPr marL="0" indent="0">
               <a:buNone/>
             </a:pPr>
+            <a:endParaRPr lang="en-GB" dirty="0" smtClean="0"/>
+          </a:p>
+          <a:p>
             <a:r>
               <a:rPr lang="en-GB" b="1" u="sng" dirty="0" smtClean="0">
                 <a:solidFill>
                   <a:srgbClr val="FF0000"/>
                 </a:solidFill>
               </a:rPr>
-              <a:t>Basic design and navigation:</a:t>
-            </a:r>
-          </a:p>
-          <a:p>
-            <a:r>
-              <a:rPr lang="en-GB" dirty="0" smtClean="0"/>
-              <a:t>A white rectangular figure would represent a sheep</a:t>
-            </a:r>
-          </a:p>
-          <a:p>
-            <a:r>
-              <a:rPr lang="en-GB" dirty="0" smtClean="0"/>
-              <a:t>A brown circular figure would represent the dog</a:t>
-            </a:r>
-          </a:p>
-          <a:p>
-            <a:r>
-              <a:rPr lang="en-GB" dirty="0" smtClean="0"/>
-              <a:t>A triangular figure would represent a fox</a:t>
-            </a:r>
-          </a:p>
-          <a:p>
-            <a:pPr marL="0" indent="0">
-              <a:buNone/>
+              <a:t>Basic </a:t>
+            </a:r>
+            <a:r>
+              <a:rPr lang="en-GB" b="1" u="sng" dirty="0" smtClean="0">
+                <a:solidFill>
+                  <a:srgbClr val="FF0000"/>
+                </a:solidFill>
+              </a:rPr>
+              <a:t>design and navigation:</a:t>
+            </a:r>
+          </a:p>
+          <a:p>
+            <a:pPr lvl="1">
+              <a:buFont typeface="Wingdings" pitchFamily="2" charset="2"/>
+              <a:buChar char="§"/>
+            </a:pPr>
+            <a:endParaRPr lang="en-GB" dirty="0" smtClean="0"/>
+          </a:p>
+          <a:p>
+            <a:pPr lvl="1">
+              <a:buFont typeface="Wingdings" pitchFamily="2" charset="2"/>
+              <a:buChar char="§"/>
             </a:pPr>
             <a:r>
               <a:rPr lang="en-GB" dirty="0" smtClean="0"/>
@@ -12765,12 +12800,77 @@
             </a:r>
             <a:r>
               <a:rPr lang="en-GB" dirty="0" smtClean="0"/>
-              <a:t>person playing the game would use the screen  touch to move the dog as needed. The dog would move to restrict the sheep movement and keep them together. The dog would also move toward an incoming fox to chase him away from </a:t>
+              <a:t>white </a:t>
             </a:r>
             <a:r>
               <a:rPr lang="en-GB" dirty="0" smtClean="0"/>
-              <a:t>sheep.</a:t>
-            </a:r>
+              <a:t>round figure will represent </a:t>
+            </a:r>
+            <a:r>
+              <a:rPr lang="en-GB" dirty="0" smtClean="0"/>
+              <a:t>a sheep</a:t>
+            </a:r>
+          </a:p>
+          <a:p>
+            <a:pPr lvl="1">
+              <a:buFont typeface="Wingdings" pitchFamily="2" charset="2"/>
+              <a:buChar char="§"/>
+            </a:pPr>
+            <a:r>
+              <a:rPr lang="en-GB" dirty="0" smtClean="0"/>
+              <a:t>A </a:t>
+            </a:r>
+            <a:r>
+              <a:rPr lang="en-GB" dirty="0" smtClean="0"/>
+              <a:t>green square figure will represent </a:t>
+            </a:r>
+            <a:r>
+              <a:rPr lang="en-GB" dirty="0" smtClean="0"/>
+              <a:t>the dog</a:t>
+            </a:r>
+          </a:p>
+          <a:p>
+            <a:pPr lvl="1">
+              <a:buFont typeface="Wingdings" pitchFamily="2" charset="2"/>
+              <a:buChar char="§"/>
+            </a:pPr>
+            <a:r>
+              <a:rPr lang="en-GB" dirty="0" smtClean="0"/>
+              <a:t>A </a:t>
+            </a:r>
+            <a:r>
+              <a:rPr lang="en-GB" dirty="0" smtClean="0"/>
+              <a:t>red triangular </a:t>
+            </a:r>
+            <a:r>
+              <a:rPr lang="en-GB" dirty="0" smtClean="0"/>
+              <a:t>figure would represent a fox</a:t>
+            </a:r>
+          </a:p>
+          <a:p>
+            <a:pPr marL="0" indent="0">
+              <a:buNone/>
+            </a:pPr>
+            <a:endParaRPr lang="en-GB" dirty="0" smtClean="0"/>
+          </a:p>
+          <a:p>
+            <a:pPr marL="0" indent="0">
+              <a:buNone/>
+            </a:pPr>
+            <a:r>
+              <a:rPr lang="en-GB" dirty="0" smtClean="0"/>
+              <a:t>Users </a:t>
+            </a:r>
+            <a:r>
+              <a:rPr lang="en-GB" dirty="0" smtClean="0"/>
+              <a:t>can touch the screen on the corners of the screen to represent where they want the dog to move (for example, click anywhere up to move the dog upwards). Keyboard if available is also another type of input (8 moves up, 6 moves right, 2 moves down, and 4 moves left).</a:t>
+            </a:r>
+          </a:p>
+          <a:p>
+            <a:pPr marL="0" indent="0">
+              <a:buNone/>
+            </a:pPr>
+            <a:endParaRPr lang="en-GB" dirty="0" smtClean="0"/>
           </a:p>
           <a:p>
             <a:pPr marL="0" indent="0">
@@ -12782,7 +12882,28 @@
             </a:r>
             <a:r>
               <a:rPr lang="en-GB" dirty="0" smtClean="0"/>
-              <a:t>ttached use case and activity diagram explains the navigation process.</a:t>
+              <a:t>ttached use </a:t>
+            </a:r>
+            <a:r>
+              <a:rPr lang="en-GB" dirty="0" smtClean="0"/>
+              <a:t>case </a:t>
+            </a:r>
+            <a:r>
+              <a:rPr lang="en-GB" dirty="0" smtClean="0"/>
+              <a:t>and activity diagram explains the navigation process</a:t>
+            </a:r>
+            <a:r>
+              <a:rPr lang="en-GB" dirty="0" smtClean="0"/>
+              <a:t>.</a:t>
+            </a:r>
+          </a:p>
+          <a:p>
+            <a:pPr marL="0" indent="0">
+              <a:buNone/>
+            </a:pPr>
+            <a:r>
+              <a:rPr lang="en-GB" dirty="0" smtClean="0"/>
+              <a:t>Also attached is a sketch of how the screens are initially designed to look like.</a:t>
             </a:r>
             <a:endParaRPr lang="en-GB" dirty="0" smtClean="0"/>
           </a:p>
@@ -12791,7 +12912,7 @@
     </p:spTree>
     <p:extLst>
       <p:ext uri="{BB962C8B-B14F-4D97-AF65-F5344CB8AC3E}">
-        <p14:creationId xmlns:p14="http://schemas.microsoft.com/office/powerpoint/2010/main" val="786778175"/>
+        <p14:creationId xmlns:p14="http://schemas.microsoft.com/office/powerpoint/2010/main" xmlns="" val="786778175"/>
       </p:ext>
     </p:extLst>
   </p:cSld>
@@ -12944,7 +13065,7 @@
     </p:spTree>
     <p:extLst>
       <p:ext uri="{BB962C8B-B14F-4D97-AF65-F5344CB8AC3E}">
-        <p14:creationId xmlns:p14="http://schemas.microsoft.com/office/powerpoint/2010/main" val="538637548"/>
+        <p14:creationId xmlns:p14="http://schemas.microsoft.com/office/powerpoint/2010/main" xmlns="" val="538637548"/>
       </p:ext>
     </p:extLst>
   </p:cSld>

--- a/Initial_presentation/Initial presentation.pptx
+++ b/Initial_presentation/Initial presentation.pptx
@@ -5,19 +5,26 @@
     <p:sldMasterId id="2147483774" r:id="rId1"/>
   </p:sldMasterIdLst>
   <p:notesMasterIdLst>
-    <p:notesMasterId r:id="rId9"/>
+    <p:notesMasterId r:id="rId16"/>
   </p:notesMasterIdLst>
   <p:handoutMasterIdLst>
-    <p:handoutMasterId r:id="rId10"/>
+    <p:handoutMasterId r:id="rId17"/>
   </p:handoutMasterIdLst>
   <p:sldIdLst>
     <p:sldId id="258" r:id="rId2"/>
     <p:sldId id="266" r:id="rId3"/>
-    <p:sldId id="268" r:id="rId4"/>
-    <p:sldId id="269" r:id="rId5"/>
-    <p:sldId id="270" r:id="rId6"/>
-    <p:sldId id="271" r:id="rId7"/>
-    <p:sldId id="272" r:id="rId8"/>
+    <p:sldId id="273" r:id="rId4"/>
+    <p:sldId id="274" r:id="rId5"/>
+    <p:sldId id="277" r:id="rId6"/>
+    <p:sldId id="279" r:id="rId7"/>
+    <p:sldId id="283" r:id="rId8"/>
+    <p:sldId id="282" r:id="rId9"/>
+    <p:sldId id="280" r:id="rId10"/>
+    <p:sldId id="281" r:id="rId11"/>
+    <p:sldId id="275" r:id="rId12"/>
+    <p:sldId id="276" r:id="rId13"/>
+    <p:sldId id="272" r:id="rId14"/>
+    <p:sldId id="278" r:id="rId15"/>
   </p:sldIdLst>
   <p:sldSz cx="9144000" cy="6858000" type="screen4x3"/>
   <p:notesSz cx="6858000" cy="9144000"/>
@@ -372,12 +379,11 @@
             </c:numRef>
           </c:val>
         </c:ser>
-        <c:dLbls/>
-        <c:axId val="50539904"/>
-        <c:axId val="50558080"/>
+        <c:axId val="68169088"/>
+        <c:axId val="68187264"/>
       </c:barChart>
       <c:catAx>
-        <c:axId val="50539904"/>
+        <c:axId val="68169088"/>
         <c:scaling>
           <c:orientation val="minMax"/>
         </c:scaling>
@@ -387,14 +393,14 @@
         <c:spPr>
           <a:ln w="6350"/>
         </c:spPr>
-        <c:crossAx val="50558080"/>
+        <c:crossAx val="68187264"/>
         <c:crosses val="autoZero"/>
         <c:auto val="1"/>
         <c:lblAlgn val="ctr"/>
         <c:lblOffset val="100"/>
       </c:catAx>
       <c:valAx>
-        <c:axId val="50558080"/>
+        <c:axId val="68187264"/>
         <c:scaling>
           <c:orientation val="minMax"/>
         </c:scaling>
@@ -416,7 +422,7 @@
             <a:noFill/>
           </a:ln>
         </c:spPr>
-        <c:crossAx val="50539904"/>
+        <c:crossAx val="68169088"/>
         <c:crosses val="autoZero"/>
         <c:crossBetween val="between"/>
       </c:valAx>
@@ -429,6 +435,7 @@
     </c:plotArea>
     <c:legend>
       <c:legendPos val="t"/>
+      <c:layout/>
       <c:spPr>
         <a:ln>
           <a:noFill/>
@@ -462,10 +469,12 @@
 
 <file path=ppt/charts/chart2.xml><?xml version="1.0" encoding="utf-8"?>
 <c:chartSpace xmlns:c="http://schemas.openxmlformats.org/drawingml/2006/chart" xmlns:a="http://schemas.openxmlformats.org/drawingml/2006/main" xmlns:r="http://schemas.openxmlformats.org/officeDocument/2006/relationships">
+  <c:date1904 val="1"/>
   <c:lang val="en-US"/>
   <c:clrMapOvr bg1="lt1" tx1="dk1" bg2="lt2" tx2="dk2" accent1="accent1" accent2="accent2" accent3="accent3" accent4="accent4" accent5="accent5" accent6="accent6" hlink="hlink" folHlink="folHlink"/>
   <c:chart>
     <c:title>
+      <c:layout/>
       <c:txPr>
         <a:bodyPr/>
         <a:lstStyle/>
@@ -696,7 +705,6 @@
             </c:numRef>
           </c:val>
         </c:ser>
-        <c:dLbls/>
         <c:firstSliceAng val="0"/>
       </c:pieChart>
       <c:spPr>
@@ -708,6 +716,7 @@
     </c:plotArea>
     <c:legend>
       <c:legendPos val="t"/>
+      <c:layout/>
       <c:spPr>
         <a:ln>
           <a:noFill/>
@@ -828,7 +837,7 @@
                 <a:cs typeface="Arial" pitchFamily="34" charset="0"/>
               </a:rPr>
               <a:pPr/>
-              <a:t>11/02/2014</a:t>
+              <a:t>15/02/2014</a:t>
             </a:fld>
             <a:endParaRPr lang="en-GB" sz="800" dirty="0">
               <a:latin typeface="Arial" pitchFamily="34" charset="0"/>
@@ -937,7 +946,7 @@
     </p:spTree>
     <p:extLst>
       <p:ext uri="{BB962C8B-B14F-4D97-AF65-F5344CB8AC3E}">
-        <p14:creationId xmlns:p14="http://schemas.microsoft.com/office/powerpoint/2010/main" xmlns="" val="3319920937"/>
+        <p14:creationId xmlns="" xmlns:p14="http://schemas.microsoft.com/office/powerpoint/2010/main" val="3319920937"/>
       </p:ext>
     </p:extLst>
   </p:cSld>
@@ -1034,7 +1043,7 @@
             <a:fld id="{FA175E2C-59E1-4EF1-A36A-FD7E50E71E80}" type="datetimeFigureOut">
               <a:rPr lang="en-GB" smtClean="0"/>
               <a:pPr/>
-              <a:t>11/02/2014</a:t>
+              <a:t>15/02/2014</a:t>
             </a:fld>
             <a:endParaRPr lang="en-GB" dirty="0"/>
           </a:p>
@@ -1213,7 +1222,7 @@
     </p:spTree>
     <p:extLst>
       <p:ext uri="{BB962C8B-B14F-4D97-AF65-F5344CB8AC3E}">
-        <p14:creationId xmlns:p14="http://schemas.microsoft.com/office/powerpoint/2010/main" xmlns="" val="2500505524"/>
+        <p14:creationId xmlns="" xmlns:p14="http://schemas.microsoft.com/office/powerpoint/2010/main" val="2500505524"/>
       </p:ext>
     </p:extLst>
   </p:cSld>
@@ -1400,9 +1409,444 @@
     </p:spTree>
     <p:extLst>
       <p:ext uri="{BB962C8B-B14F-4D97-AF65-F5344CB8AC3E}">
-        <p14:creationId xmlns:p14="http://schemas.microsoft.com/office/powerpoint/2010/main" xmlns="" val="2376658476"/>
+        <p14:creationId xmlns="" xmlns:p14="http://schemas.microsoft.com/office/powerpoint/2010/main" val="2376658476"/>
       </p:ext>
     </p:extLst>
+  </p:cSld>
+  <p:clrMapOvr>
+    <a:masterClrMapping/>
+  </p:clrMapOvr>
+</p:notes>
+</file>
+
+<file path=ppt/notesSlides/notesSlide10.xml><?xml version="1.0" encoding="utf-8"?>
+<p:notes xmlns:a="http://schemas.openxmlformats.org/drawingml/2006/main" xmlns:r="http://schemas.openxmlformats.org/officeDocument/2006/relationships" xmlns:p="http://schemas.openxmlformats.org/presentationml/2006/main">
+  <p:cSld>
+    <p:spTree>
+      <p:nvGrpSpPr>
+        <p:cNvPr id="1" name=""/>
+        <p:cNvGrpSpPr/>
+        <p:nvPr/>
+      </p:nvGrpSpPr>
+      <p:grpSpPr>
+        <a:xfrm>
+          <a:off x="0" y="0"/>
+          <a:ext cx="0" cy="0"/>
+          <a:chOff x="0" y="0"/>
+          <a:chExt cx="0" cy="0"/>
+        </a:xfrm>
+      </p:grpSpPr>
+      <p:sp>
+        <p:nvSpPr>
+          <p:cNvPr id="2" name="Slide Image Placeholder 1"/>
+          <p:cNvSpPr>
+            <a:spLocks noGrp="1" noRot="1" noChangeAspect="1"/>
+          </p:cNvSpPr>
+          <p:nvPr>
+            <p:ph type="sldImg"/>
+          </p:nvPr>
+        </p:nvSpPr>
+        <p:spPr>
+          <a:xfrm>
+            <a:off x="534988" y="611188"/>
+            <a:ext cx="4321175" cy="3240087"/>
+          </a:xfrm>
+        </p:spPr>
+      </p:sp>
+      <p:sp>
+        <p:nvSpPr>
+          <p:cNvPr id="3" name="Notes Placeholder 2"/>
+          <p:cNvSpPr>
+            <a:spLocks noGrp="1"/>
+          </p:cNvSpPr>
+          <p:nvPr>
+            <p:ph type="body" idx="1"/>
+          </p:nvPr>
+        </p:nvSpPr>
+        <p:spPr/>
+        <p:txBody>
+          <a:bodyPr>
+            <a:normAutofit/>
+          </a:bodyPr>
+          <a:lstStyle/>
+          <a:p>
+            <a:endParaRPr lang="nl-NL"/>
+          </a:p>
+        </p:txBody>
+      </p:sp>
+      <p:sp>
+        <p:nvSpPr>
+          <p:cNvPr id="4" name="Slide Number Placeholder 3"/>
+          <p:cNvSpPr>
+            <a:spLocks noGrp="1"/>
+          </p:cNvSpPr>
+          <p:nvPr>
+            <p:ph type="sldNum" sz="quarter" idx="10"/>
+          </p:nvPr>
+        </p:nvSpPr>
+        <p:spPr/>
+        <p:txBody>
+          <a:bodyPr/>
+          <a:lstStyle/>
+          <a:p>
+            <a:fld id="{66A9D088-043F-49E2-A77E-8480DA715595}" type="slidenum">
+              <a:rPr lang="en-GB" smtClean="0"/>
+              <a:pPr/>
+              <a:t>10</a:t>
+            </a:fld>
+            <a:endParaRPr lang="en-GB" dirty="0"/>
+          </a:p>
+        </p:txBody>
+      </p:sp>
+    </p:spTree>
+  </p:cSld>
+  <p:clrMapOvr>
+    <a:masterClrMapping/>
+  </p:clrMapOvr>
+</p:notes>
+</file>
+
+<file path=ppt/notesSlides/notesSlide11.xml><?xml version="1.0" encoding="utf-8"?>
+<p:notes xmlns:a="http://schemas.openxmlformats.org/drawingml/2006/main" xmlns:r="http://schemas.openxmlformats.org/officeDocument/2006/relationships" xmlns:p="http://schemas.openxmlformats.org/presentationml/2006/main">
+  <p:cSld>
+    <p:spTree>
+      <p:nvGrpSpPr>
+        <p:cNvPr id="1" name=""/>
+        <p:cNvGrpSpPr/>
+        <p:nvPr/>
+      </p:nvGrpSpPr>
+      <p:grpSpPr>
+        <a:xfrm>
+          <a:off x="0" y="0"/>
+          <a:ext cx="0" cy="0"/>
+          <a:chOff x="0" y="0"/>
+          <a:chExt cx="0" cy="0"/>
+        </a:xfrm>
+      </p:grpSpPr>
+      <p:sp>
+        <p:nvSpPr>
+          <p:cNvPr id="2" name="Slide Image Placeholder 1"/>
+          <p:cNvSpPr>
+            <a:spLocks noGrp="1" noRot="1" noChangeAspect="1"/>
+          </p:cNvSpPr>
+          <p:nvPr>
+            <p:ph type="sldImg"/>
+          </p:nvPr>
+        </p:nvSpPr>
+        <p:spPr>
+          <a:xfrm>
+            <a:off x="534988" y="611188"/>
+            <a:ext cx="4321175" cy="3240087"/>
+          </a:xfrm>
+        </p:spPr>
+      </p:sp>
+      <p:sp>
+        <p:nvSpPr>
+          <p:cNvPr id="3" name="Notes Placeholder 2"/>
+          <p:cNvSpPr>
+            <a:spLocks noGrp="1"/>
+          </p:cNvSpPr>
+          <p:nvPr>
+            <p:ph type="body" idx="1"/>
+          </p:nvPr>
+        </p:nvSpPr>
+        <p:spPr/>
+        <p:txBody>
+          <a:bodyPr>
+            <a:normAutofit/>
+          </a:bodyPr>
+          <a:lstStyle/>
+          <a:p>
+            <a:endParaRPr lang="nl-NL"/>
+          </a:p>
+        </p:txBody>
+      </p:sp>
+      <p:sp>
+        <p:nvSpPr>
+          <p:cNvPr id="4" name="Slide Number Placeholder 3"/>
+          <p:cNvSpPr>
+            <a:spLocks noGrp="1"/>
+          </p:cNvSpPr>
+          <p:nvPr>
+            <p:ph type="sldNum" sz="quarter" idx="10"/>
+          </p:nvPr>
+        </p:nvSpPr>
+        <p:spPr/>
+        <p:txBody>
+          <a:bodyPr/>
+          <a:lstStyle/>
+          <a:p>
+            <a:fld id="{66A9D088-043F-49E2-A77E-8480DA715595}" type="slidenum">
+              <a:rPr lang="en-GB" smtClean="0"/>
+              <a:pPr/>
+              <a:t>11</a:t>
+            </a:fld>
+            <a:endParaRPr lang="en-GB" dirty="0"/>
+          </a:p>
+        </p:txBody>
+      </p:sp>
+    </p:spTree>
+  </p:cSld>
+  <p:clrMapOvr>
+    <a:masterClrMapping/>
+  </p:clrMapOvr>
+</p:notes>
+</file>
+
+<file path=ppt/notesSlides/notesSlide12.xml><?xml version="1.0" encoding="utf-8"?>
+<p:notes xmlns:a="http://schemas.openxmlformats.org/drawingml/2006/main" xmlns:r="http://schemas.openxmlformats.org/officeDocument/2006/relationships" xmlns:p="http://schemas.openxmlformats.org/presentationml/2006/main">
+  <p:cSld>
+    <p:spTree>
+      <p:nvGrpSpPr>
+        <p:cNvPr id="1" name=""/>
+        <p:cNvGrpSpPr/>
+        <p:nvPr/>
+      </p:nvGrpSpPr>
+      <p:grpSpPr>
+        <a:xfrm>
+          <a:off x="0" y="0"/>
+          <a:ext cx="0" cy="0"/>
+          <a:chOff x="0" y="0"/>
+          <a:chExt cx="0" cy="0"/>
+        </a:xfrm>
+      </p:grpSpPr>
+      <p:sp>
+        <p:nvSpPr>
+          <p:cNvPr id="2" name="Slide Image Placeholder 1"/>
+          <p:cNvSpPr>
+            <a:spLocks noGrp="1" noRot="1" noChangeAspect="1"/>
+          </p:cNvSpPr>
+          <p:nvPr>
+            <p:ph type="sldImg"/>
+          </p:nvPr>
+        </p:nvSpPr>
+        <p:spPr>
+          <a:xfrm>
+            <a:off x="534988" y="611188"/>
+            <a:ext cx="4321175" cy="3240087"/>
+          </a:xfrm>
+        </p:spPr>
+      </p:sp>
+      <p:sp>
+        <p:nvSpPr>
+          <p:cNvPr id="3" name="Notes Placeholder 2"/>
+          <p:cNvSpPr>
+            <a:spLocks noGrp="1"/>
+          </p:cNvSpPr>
+          <p:nvPr>
+            <p:ph type="body" idx="1"/>
+          </p:nvPr>
+        </p:nvSpPr>
+        <p:spPr/>
+        <p:txBody>
+          <a:bodyPr>
+            <a:normAutofit/>
+          </a:bodyPr>
+          <a:lstStyle/>
+          <a:p>
+            <a:endParaRPr lang="nl-NL"/>
+          </a:p>
+        </p:txBody>
+      </p:sp>
+      <p:sp>
+        <p:nvSpPr>
+          <p:cNvPr id="4" name="Slide Number Placeholder 3"/>
+          <p:cNvSpPr>
+            <a:spLocks noGrp="1"/>
+          </p:cNvSpPr>
+          <p:nvPr>
+            <p:ph type="sldNum" sz="quarter" idx="10"/>
+          </p:nvPr>
+        </p:nvSpPr>
+        <p:spPr/>
+        <p:txBody>
+          <a:bodyPr/>
+          <a:lstStyle/>
+          <a:p>
+            <a:fld id="{66A9D088-043F-49E2-A77E-8480DA715595}" type="slidenum">
+              <a:rPr lang="en-GB" smtClean="0"/>
+              <a:pPr/>
+              <a:t>12</a:t>
+            </a:fld>
+            <a:endParaRPr lang="en-GB" dirty="0"/>
+          </a:p>
+        </p:txBody>
+      </p:sp>
+    </p:spTree>
+  </p:cSld>
+  <p:clrMapOvr>
+    <a:masterClrMapping/>
+  </p:clrMapOvr>
+</p:notes>
+</file>
+
+<file path=ppt/notesSlides/notesSlide13.xml><?xml version="1.0" encoding="utf-8"?>
+<p:notes xmlns:a="http://schemas.openxmlformats.org/drawingml/2006/main" xmlns:r="http://schemas.openxmlformats.org/officeDocument/2006/relationships" xmlns:p="http://schemas.openxmlformats.org/presentationml/2006/main">
+  <p:cSld>
+    <p:spTree>
+      <p:nvGrpSpPr>
+        <p:cNvPr id="1" name=""/>
+        <p:cNvGrpSpPr/>
+        <p:nvPr/>
+      </p:nvGrpSpPr>
+      <p:grpSpPr>
+        <a:xfrm>
+          <a:off x="0" y="0"/>
+          <a:ext cx="0" cy="0"/>
+          <a:chOff x="0" y="0"/>
+          <a:chExt cx="0" cy="0"/>
+        </a:xfrm>
+      </p:grpSpPr>
+      <p:sp>
+        <p:nvSpPr>
+          <p:cNvPr id="2" name="Slide Image Placeholder 1"/>
+          <p:cNvSpPr>
+            <a:spLocks noGrp="1" noRot="1" noChangeAspect="1"/>
+          </p:cNvSpPr>
+          <p:nvPr>
+            <p:ph type="sldImg"/>
+          </p:nvPr>
+        </p:nvSpPr>
+        <p:spPr>
+          <a:xfrm>
+            <a:off x="534988" y="611188"/>
+            <a:ext cx="4321175" cy="3240087"/>
+          </a:xfrm>
+        </p:spPr>
+      </p:sp>
+      <p:sp>
+        <p:nvSpPr>
+          <p:cNvPr id="3" name="Notes Placeholder 2"/>
+          <p:cNvSpPr>
+            <a:spLocks noGrp="1"/>
+          </p:cNvSpPr>
+          <p:nvPr>
+            <p:ph type="body" idx="1"/>
+          </p:nvPr>
+        </p:nvSpPr>
+        <p:spPr/>
+        <p:txBody>
+          <a:bodyPr>
+            <a:normAutofit/>
+          </a:bodyPr>
+          <a:lstStyle/>
+          <a:p>
+            <a:endParaRPr lang="nl-NL"/>
+          </a:p>
+        </p:txBody>
+      </p:sp>
+      <p:sp>
+        <p:nvSpPr>
+          <p:cNvPr id="4" name="Slide Number Placeholder 3"/>
+          <p:cNvSpPr>
+            <a:spLocks noGrp="1"/>
+          </p:cNvSpPr>
+          <p:nvPr>
+            <p:ph type="sldNum" sz="quarter" idx="10"/>
+          </p:nvPr>
+        </p:nvSpPr>
+        <p:spPr/>
+        <p:txBody>
+          <a:bodyPr/>
+          <a:lstStyle/>
+          <a:p>
+            <a:fld id="{66A9D088-043F-49E2-A77E-8480DA715595}" type="slidenum">
+              <a:rPr lang="en-GB" smtClean="0"/>
+              <a:pPr/>
+              <a:t>13</a:t>
+            </a:fld>
+            <a:endParaRPr lang="en-GB" dirty="0"/>
+          </a:p>
+        </p:txBody>
+      </p:sp>
+    </p:spTree>
+  </p:cSld>
+  <p:clrMapOvr>
+    <a:masterClrMapping/>
+  </p:clrMapOvr>
+</p:notes>
+</file>
+
+<file path=ppt/notesSlides/notesSlide14.xml><?xml version="1.0" encoding="utf-8"?>
+<p:notes xmlns:a="http://schemas.openxmlformats.org/drawingml/2006/main" xmlns:r="http://schemas.openxmlformats.org/officeDocument/2006/relationships" xmlns:p="http://schemas.openxmlformats.org/presentationml/2006/main">
+  <p:cSld>
+    <p:spTree>
+      <p:nvGrpSpPr>
+        <p:cNvPr id="1" name=""/>
+        <p:cNvGrpSpPr/>
+        <p:nvPr/>
+      </p:nvGrpSpPr>
+      <p:grpSpPr>
+        <a:xfrm>
+          <a:off x="0" y="0"/>
+          <a:ext cx="0" cy="0"/>
+          <a:chOff x="0" y="0"/>
+          <a:chExt cx="0" cy="0"/>
+        </a:xfrm>
+      </p:grpSpPr>
+      <p:sp>
+        <p:nvSpPr>
+          <p:cNvPr id="2" name="Slide Image Placeholder 1"/>
+          <p:cNvSpPr>
+            <a:spLocks noGrp="1" noRot="1" noChangeAspect="1"/>
+          </p:cNvSpPr>
+          <p:nvPr>
+            <p:ph type="sldImg"/>
+          </p:nvPr>
+        </p:nvSpPr>
+        <p:spPr>
+          <a:xfrm>
+            <a:off x="534988" y="611188"/>
+            <a:ext cx="4321175" cy="3240087"/>
+          </a:xfrm>
+        </p:spPr>
+      </p:sp>
+      <p:sp>
+        <p:nvSpPr>
+          <p:cNvPr id="3" name="Notes Placeholder 2"/>
+          <p:cNvSpPr>
+            <a:spLocks noGrp="1"/>
+          </p:cNvSpPr>
+          <p:nvPr>
+            <p:ph type="body" idx="1"/>
+          </p:nvPr>
+        </p:nvSpPr>
+        <p:spPr/>
+        <p:txBody>
+          <a:bodyPr>
+            <a:normAutofit/>
+          </a:bodyPr>
+          <a:lstStyle/>
+          <a:p>
+            <a:endParaRPr lang="nl-NL"/>
+          </a:p>
+        </p:txBody>
+      </p:sp>
+      <p:sp>
+        <p:nvSpPr>
+          <p:cNvPr id="4" name="Slide Number Placeholder 3"/>
+          <p:cNvSpPr>
+            <a:spLocks noGrp="1"/>
+          </p:cNvSpPr>
+          <p:nvPr>
+            <p:ph type="sldNum" sz="quarter" idx="10"/>
+          </p:nvPr>
+        </p:nvSpPr>
+        <p:spPr/>
+        <p:txBody>
+          <a:bodyPr/>
+          <a:lstStyle/>
+          <a:p>
+            <a:fld id="{66A9D088-043F-49E2-A77E-8480DA715595}" type="slidenum">
+              <a:rPr lang="en-GB" smtClean="0"/>
+              <a:pPr/>
+              <a:t>14</a:t>
+            </a:fld>
+            <a:endParaRPr lang="en-GB" dirty="0"/>
+          </a:p>
+        </p:txBody>
+      </p:sp>
+    </p:spTree>
   </p:cSld>
   <p:clrMapOvr>
     <a:masterClrMapping/>
@@ -1919,6 +2363,180 @@
               <a:rPr lang="en-GB" smtClean="0"/>
               <a:pPr/>
               <a:t>7</a:t>
+            </a:fld>
+            <a:endParaRPr lang="en-GB" dirty="0"/>
+          </a:p>
+        </p:txBody>
+      </p:sp>
+    </p:spTree>
+  </p:cSld>
+  <p:clrMapOvr>
+    <a:masterClrMapping/>
+  </p:clrMapOvr>
+</p:notes>
+</file>
+
+<file path=ppt/notesSlides/notesSlide8.xml><?xml version="1.0" encoding="utf-8"?>
+<p:notes xmlns:a="http://schemas.openxmlformats.org/drawingml/2006/main" xmlns:r="http://schemas.openxmlformats.org/officeDocument/2006/relationships" xmlns:p="http://schemas.openxmlformats.org/presentationml/2006/main">
+  <p:cSld>
+    <p:spTree>
+      <p:nvGrpSpPr>
+        <p:cNvPr id="1" name=""/>
+        <p:cNvGrpSpPr/>
+        <p:nvPr/>
+      </p:nvGrpSpPr>
+      <p:grpSpPr>
+        <a:xfrm>
+          <a:off x="0" y="0"/>
+          <a:ext cx="0" cy="0"/>
+          <a:chOff x="0" y="0"/>
+          <a:chExt cx="0" cy="0"/>
+        </a:xfrm>
+      </p:grpSpPr>
+      <p:sp>
+        <p:nvSpPr>
+          <p:cNvPr id="2" name="Slide Image Placeholder 1"/>
+          <p:cNvSpPr>
+            <a:spLocks noGrp="1" noRot="1" noChangeAspect="1"/>
+          </p:cNvSpPr>
+          <p:nvPr>
+            <p:ph type="sldImg"/>
+          </p:nvPr>
+        </p:nvSpPr>
+        <p:spPr>
+          <a:xfrm>
+            <a:off x="534988" y="611188"/>
+            <a:ext cx="4321175" cy="3240087"/>
+          </a:xfrm>
+        </p:spPr>
+      </p:sp>
+      <p:sp>
+        <p:nvSpPr>
+          <p:cNvPr id="3" name="Notes Placeholder 2"/>
+          <p:cNvSpPr>
+            <a:spLocks noGrp="1"/>
+          </p:cNvSpPr>
+          <p:nvPr>
+            <p:ph type="body" idx="1"/>
+          </p:nvPr>
+        </p:nvSpPr>
+        <p:spPr/>
+        <p:txBody>
+          <a:bodyPr>
+            <a:normAutofit/>
+          </a:bodyPr>
+          <a:lstStyle/>
+          <a:p>
+            <a:endParaRPr lang="nl-NL"/>
+          </a:p>
+        </p:txBody>
+      </p:sp>
+      <p:sp>
+        <p:nvSpPr>
+          <p:cNvPr id="4" name="Slide Number Placeholder 3"/>
+          <p:cNvSpPr>
+            <a:spLocks noGrp="1"/>
+          </p:cNvSpPr>
+          <p:nvPr>
+            <p:ph type="sldNum" sz="quarter" idx="10"/>
+          </p:nvPr>
+        </p:nvSpPr>
+        <p:spPr/>
+        <p:txBody>
+          <a:bodyPr/>
+          <a:lstStyle/>
+          <a:p>
+            <a:fld id="{66A9D088-043F-49E2-A77E-8480DA715595}" type="slidenum">
+              <a:rPr lang="en-GB" smtClean="0"/>
+              <a:pPr/>
+              <a:t>8</a:t>
+            </a:fld>
+            <a:endParaRPr lang="en-GB" dirty="0"/>
+          </a:p>
+        </p:txBody>
+      </p:sp>
+    </p:spTree>
+  </p:cSld>
+  <p:clrMapOvr>
+    <a:masterClrMapping/>
+  </p:clrMapOvr>
+</p:notes>
+</file>
+
+<file path=ppt/notesSlides/notesSlide9.xml><?xml version="1.0" encoding="utf-8"?>
+<p:notes xmlns:a="http://schemas.openxmlformats.org/drawingml/2006/main" xmlns:r="http://schemas.openxmlformats.org/officeDocument/2006/relationships" xmlns:p="http://schemas.openxmlformats.org/presentationml/2006/main">
+  <p:cSld>
+    <p:spTree>
+      <p:nvGrpSpPr>
+        <p:cNvPr id="1" name=""/>
+        <p:cNvGrpSpPr/>
+        <p:nvPr/>
+      </p:nvGrpSpPr>
+      <p:grpSpPr>
+        <a:xfrm>
+          <a:off x="0" y="0"/>
+          <a:ext cx="0" cy="0"/>
+          <a:chOff x="0" y="0"/>
+          <a:chExt cx="0" cy="0"/>
+        </a:xfrm>
+      </p:grpSpPr>
+      <p:sp>
+        <p:nvSpPr>
+          <p:cNvPr id="2" name="Slide Image Placeholder 1"/>
+          <p:cNvSpPr>
+            <a:spLocks noGrp="1" noRot="1" noChangeAspect="1"/>
+          </p:cNvSpPr>
+          <p:nvPr>
+            <p:ph type="sldImg"/>
+          </p:nvPr>
+        </p:nvSpPr>
+        <p:spPr>
+          <a:xfrm>
+            <a:off x="534988" y="611188"/>
+            <a:ext cx="4321175" cy="3240087"/>
+          </a:xfrm>
+        </p:spPr>
+      </p:sp>
+      <p:sp>
+        <p:nvSpPr>
+          <p:cNvPr id="3" name="Notes Placeholder 2"/>
+          <p:cNvSpPr>
+            <a:spLocks noGrp="1"/>
+          </p:cNvSpPr>
+          <p:nvPr>
+            <p:ph type="body" idx="1"/>
+          </p:nvPr>
+        </p:nvSpPr>
+        <p:spPr/>
+        <p:txBody>
+          <a:bodyPr>
+            <a:normAutofit/>
+          </a:bodyPr>
+          <a:lstStyle/>
+          <a:p>
+            <a:endParaRPr lang="nl-NL"/>
+          </a:p>
+        </p:txBody>
+      </p:sp>
+      <p:sp>
+        <p:nvSpPr>
+          <p:cNvPr id="4" name="Slide Number Placeholder 3"/>
+          <p:cNvSpPr>
+            <a:spLocks noGrp="1"/>
+          </p:cNvSpPr>
+          <p:nvPr>
+            <p:ph type="sldNum" sz="quarter" idx="10"/>
+          </p:nvPr>
+        </p:nvSpPr>
+        <p:spPr/>
+        <p:txBody>
+          <a:bodyPr/>
+          <a:lstStyle/>
+          <a:p>
+            <a:fld id="{66A9D088-043F-49E2-A77E-8480DA715595}" type="slidenum">
+              <a:rPr lang="en-GB" smtClean="0"/>
+              <a:pPr/>
+              <a:t>9</a:t>
             </a:fld>
             <a:endParaRPr lang="en-GB" dirty="0"/>
           </a:p>
@@ -2005,7 +2623,7 @@
             <a:fld id="{9D21D778-B565-4D7E-94D7-64010A445B68}" type="datetimeFigureOut">
               <a:rPr lang="en-US" smtClean="0"/>
               <a:pPr eaLnBrk="1" latinLnBrk="0" hangingPunct="1"/>
-              <a:t>2/11/2014</a:t>
+              <a:t>2/15/2014</a:t>
             </a:fld>
             <a:endParaRPr lang="en-US"/>
           </a:p>
@@ -2542,7 +3160,7 @@
             <a:fld id="{9D21D778-B565-4D7E-94D7-64010A445B68}" type="datetimeFigureOut">
               <a:rPr lang="en-US" smtClean="0"/>
               <a:pPr eaLnBrk="1" latinLnBrk="0" hangingPunct="1"/>
-              <a:t>2/11/2014</a:t>
+              <a:t>2/15/2014</a:t>
             </a:fld>
             <a:endParaRPr lang="en-US"/>
           </a:p>
@@ -2868,7 +3486,7 @@
             <a:fld id="{9D21D778-B565-4D7E-94D7-64010A445B68}" type="datetimeFigureOut">
               <a:rPr lang="en-US" smtClean="0"/>
               <a:pPr eaLnBrk="1" latinLnBrk="0" hangingPunct="1"/>
-              <a:t>2/11/2014</a:t>
+              <a:t>2/15/2014</a:t>
             </a:fld>
             <a:endParaRPr lang="en-US"/>
           </a:p>
@@ -3236,7 +3854,7 @@
           <a:blip r:embed="rId2" cstate="print">
             <a:extLst>
               <a:ext uri="{28A0092B-C50C-407E-A947-70E740481C1C}">
-                <a14:useLocalDpi xmlns:a14="http://schemas.microsoft.com/office/drawing/2010/main" xmlns="" val="0"/>
+                <a14:useLocalDpi xmlns="" xmlns:a14="http://schemas.microsoft.com/office/drawing/2010/main" val="0"/>
               </a:ext>
             </a:extLst>
           </a:blip>
@@ -3293,7 +3911,7 @@
     </p:spTree>
     <p:extLst>
       <p:ext uri="{BB962C8B-B14F-4D97-AF65-F5344CB8AC3E}">
-        <p14:creationId xmlns:p14="http://schemas.microsoft.com/office/powerpoint/2010/main" xmlns="" val="4172443058"/>
+        <p14:creationId xmlns="" xmlns:p14="http://schemas.microsoft.com/office/powerpoint/2010/main" val="4172443058"/>
       </p:ext>
     </p:extLst>
   </p:cSld>
@@ -3515,7 +4133,7 @@
           <a:blip r:embed="rId2" cstate="print">
             <a:extLst>
               <a:ext uri="{28A0092B-C50C-407E-A947-70E740481C1C}">
-                <a14:useLocalDpi xmlns:a14="http://schemas.microsoft.com/office/drawing/2010/main" xmlns="" val="0"/>
+                <a14:useLocalDpi xmlns="" xmlns:a14="http://schemas.microsoft.com/office/drawing/2010/main" val="0"/>
               </a:ext>
             </a:extLst>
           </a:blip>
@@ -3572,7 +4190,7 @@
     </p:spTree>
     <p:extLst>
       <p:ext uri="{BB962C8B-B14F-4D97-AF65-F5344CB8AC3E}">
-        <p14:creationId xmlns:p14="http://schemas.microsoft.com/office/powerpoint/2010/main" xmlns="" val="893659651"/>
+        <p14:creationId xmlns="" xmlns:p14="http://schemas.microsoft.com/office/powerpoint/2010/main" val="893659651"/>
       </p:ext>
     </p:extLst>
   </p:cSld>
@@ -3591,7 +4209,7 @@
 
 <file path=ppt/slideLayouts/slideLayout14.xml><?xml version="1.0" encoding="utf-8"?>
 <p:sldLayout xmlns:a="http://schemas.openxmlformats.org/drawingml/2006/main" xmlns:r="http://schemas.openxmlformats.org/officeDocument/2006/relationships" xmlns:p="http://schemas.openxmlformats.org/presentationml/2006/main" userDrawn="1">
-  <p:cSld name="1_Two Content">
+  <p:cSld name="Text with Three Pictures Top">
     <p:spTree>
       <p:nvGrpSpPr>
         <p:cNvPr id="1" name=""/>
@@ -3656,7 +4274,7 @@
                 <a:spcPct val="0"/>
               </a:spcAft>
             </a:pPr>
-            <a:endParaRPr lang="en-GB" dirty="0"/>
+            <a:endParaRPr lang="en-GB" noProof="0" dirty="0"/>
           </a:p>
         </p:txBody>
       </p:sp>
@@ -3676,11 +4294,11 @@
           <a:lstStyle/>
           <a:p>
             <a:fld id="{EF789A81-9B9B-445C-8A60-F916862B4649}" type="slidenum">
-              <a:rPr lang="en-GB" smtClean="0"/>
+              <a:rPr lang="en-GB" noProof="0" smtClean="0"/>
               <a:pPr/>
               <a:t>‹#›</a:t>
             </a:fld>
-            <a:endParaRPr lang="en-GB" dirty="0"/>
+            <a:endParaRPr lang="en-GB" noProof="0" dirty="0"/>
           </a:p>
         </p:txBody>
       </p:sp>
@@ -3696,8 +4314,8 @@
         </p:nvSpPr>
         <p:spPr>
           <a:xfrm>
-            <a:off x="539750" y="1844675"/>
-            <a:ext cx="3888000" cy="4032250"/>
+            <a:off x="539750" y="3032957"/>
+            <a:ext cx="8064500" cy="2843968"/>
           </a:xfrm>
         </p:spPr>
         <p:txBody>
@@ -3747,60 +4365,32 @@
       </p:sp>
       <p:sp>
         <p:nvSpPr>
-          <p:cNvPr id="7" name="Text Placeholder 6"/>
-          <p:cNvSpPr>
-            <a:spLocks noGrp="1"/>
-          </p:cNvSpPr>
-          <p:nvPr>
-            <p:ph type="body" sz="quarter" idx="13" hasCustomPrompt="1"/>
+          <p:cNvPr id="10" name="Picture Placeholder 9"/>
+          <p:cNvSpPr>
+            <a:spLocks noGrp="1"/>
+          </p:cNvSpPr>
+          <p:nvPr>
+            <p:ph type="pic" sz="quarter" idx="16" hasCustomPrompt="1"/>
           </p:nvPr>
         </p:nvSpPr>
         <p:spPr>
           <a:xfrm>
-            <a:off x="4719200" y="1844675"/>
-            <a:ext cx="3888000" cy="4032250"/>
+            <a:off x="539750" y="1844675"/>
+            <a:ext cx="2592000" cy="1008000"/>
           </a:xfrm>
         </p:spPr>
         <p:txBody>
           <a:bodyPr/>
           <a:lstStyle>
-            <a:lvl1pPr>
-              <a:defRPr/>
+            <a:lvl1pPr marL="0" indent="0" algn="ctr">
+              <a:buNone/>
+              <a:defRPr sz="1200" baseline="0"/>
             </a:lvl1pPr>
           </a:lstStyle>
           <a:p>
-            <a:pPr lvl="0"/>
             <a:r>
               <a:rPr lang="en-GB" noProof="0" dirty="0" smtClean="0"/>
-              <a:t>Click to add text</a:t>
-            </a:r>
-          </a:p>
-          <a:p>
-            <a:pPr lvl="1"/>
-            <a:r>
-              <a:rPr lang="en-GB" noProof="0" dirty="0" smtClean="0"/>
-              <a:t>Second level</a:t>
-            </a:r>
-          </a:p>
-          <a:p>
-            <a:pPr lvl="2"/>
-            <a:r>
-              <a:rPr lang="en-GB" noProof="0" dirty="0" smtClean="0"/>
-              <a:t>Third level</a:t>
-            </a:r>
-          </a:p>
-          <a:p>
-            <a:pPr lvl="3"/>
-            <a:r>
-              <a:rPr lang="en-GB" noProof="0" dirty="0" smtClean="0"/>
-              <a:t>Fourth level</a:t>
-            </a:r>
-          </a:p>
-          <a:p>
-            <a:pPr lvl="4"/>
-            <a:r>
-              <a:rPr lang="en-GB" noProof="0" dirty="0" smtClean="0"/>
-              <a:t>Fifth level</a:t>
+              <a:t>Click icon to insert image 72x28 mm</a:t>
             </a:r>
             <a:endParaRPr lang="en-GB" noProof="0" dirty="0"/>
           </a:p>
@@ -3808,7 +4398,7 @@
       </p:sp>
       <p:pic>
         <p:nvPicPr>
-          <p:cNvPr id="8" name="Picture 7"/>
+          <p:cNvPr id="11" name="Picture 10"/>
           <p:cNvPicPr>
             <a:picLocks noChangeAspect="1"/>
           </p:cNvPicPr>
@@ -3818,7 +4408,7 @@
           <a:blip r:embed="rId2" cstate="print">
             <a:extLst>
               <a:ext uri="{28A0092B-C50C-407E-A947-70E740481C1C}">
-                <a14:useLocalDpi xmlns:a14="http://schemas.microsoft.com/office/drawing/2010/main" xmlns="" val="0"/>
+                <a14:useLocalDpi xmlns="" xmlns:a14="http://schemas.microsoft.com/office/drawing/2010/main" val="0"/>
               </a:ext>
             </a:extLst>
           </a:blip>
@@ -3838,12 +4428,12 @@
       </p:pic>
       <p:sp>
         <p:nvSpPr>
-          <p:cNvPr id="9" name="Text Placeholder 8"/>
-          <p:cNvSpPr>
-            <a:spLocks noGrp="1"/>
-          </p:cNvSpPr>
-          <p:nvPr>
-            <p:ph type="body" sz="quarter" idx="14" hasCustomPrompt="1"/>
+          <p:cNvPr id="12" name="Text Placeholder 8"/>
+          <p:cNvSpPr>
+            <a:spLocks noGrp="1"/>
+          </p:cNvSpPr>
+          <p:nvPr>
+            <p:ph type="body" sz="quarter" idx="13" hasCustomPrompt="1"/>
           </p:nvPr>
         </p:nvSpPr>
         <p:spPr>
@@ -3872,10 +4462,78 @@
           </a:p>
         </p:txBody>
       </p:sp>
+      <p:sp>
+        <p:nvSpPr>
+          <p:cNvPr id="8" name="Picture Placeholder 7"/>
+          <p:cNvSpPr>
+            <a:spLocks noGrp="1"/>
+          </p:cNvSpPr>
+          <p:nvPr>
+            <p:ph type="pic" sz="quarter" idx="17" hasCustomPrompt="1"/>
+          </p:nvPr>
+        </p:nvSpPr>
+        <p:spPr>
+          <a:xfrm>
+            <a:off x="6012250" y="1839124"/>
+            <a:ext cx="2592000" cy="1008000"/>
+          </a:xfrm>
+        </p:spPr>
+        <p:txBody>
+          <a:bodyPr/>
+          <a:lstStyle>
+            <a:lvl1pPr marL="0" indent="0" algn="ctr">
+              <a:buFontTx/>
+              <a:buNone/>
+              <a:defRPr sz="1200" baseline="0"/>
+            </a:lvl1pPr>
+          </a:lstStyle>
+          <a:p>
+            <a:r>
+              <a:rPr lang="en-US" dirty="0" smtClean="0"/>
+              <a:t>Click icon to insert image 72x28 mm</a:t>
+            </a:r>
+            <a:endParaRPr lang="en-GB" dirty="0"/>
+          </a:p>
+        </p:txBody>
+      </p:sp>
+      <p:sp>
+        <p:nvSpPr>
+          <p:cNvPr id="15" name="Picture Placeholder 7"/>
+          <p:cNvSpPr>
+            <a:spLocks noGrp="1"/>
+          </p:cNvSpPr>
+          <p:nvPr>
+            <p:ph type="pic" sz="quarter" idx="18" hasCustomPrompt="1"/>
+          </p:nvPr>
+        </p:nvSpPr>
+        <p:spPr>
+          <a:xfrm>
+            <a:off x="3276000" y="1844675"/>
+            <a:ext cx="2592000" cy="1008000"/>
+          </a:xfrm>
+        </p:spPr>
+        <p:txBody>
+          <a:bodyPr/>
+          <a:lstStyle>
+            <a:lvl1pPr marL="0" indent="0" algn="ctr">
+              <a:buFontTx/>
+              <a:buNone/>
+              <a:defRPr sz="1200" baseline="0"/>
+            </a:lvl1pPr>
+          </a:lstStyle>
+          <a:p>
+            <a:r>
+              <a:rPr lang="en-US" dirty="0" smtClean="0"/>
+              <a:t>Click icon to insert image 72x28 mm</a:t>
+            </a:r>
+            <a:endParaRPr lang="en-GB" dirty="0"/>
+          </a:p>
+        </p:txBody>
+      </p:sp>
     </p:spTree>
     <p:extLst>
       <p:ext uri="{BB962C8B-B14F-4D97-AF65-F5344CB8AC3E}">
-        <p14:creationId xmlns:p14="http://schemas.microsoft.com/office/powerpoint/2010/main" xmlns="" val="1302427574"/>
+        <p14:creationId xmlns="" xmlns:p14="http://schemas.microsoft.com/office/powerpoint/2010/main" val="1397017739"/>
       </p:ext>
     </p:extLst>
   </p:cSld>
@@ -3893,1338 +4551,6 @@
 </file>
 
 <file path=ppt/slideLayouts/slideLayout15.xml><?xml version="1.0" encoding="utf-8"?>
-<p:sldLayout xmlns:a="http://schemas.openxmlformats.org/drawingml/2006/main" xmlns:r="http://schemas.openxmlformats.org/officeDocument/2006/relationships" xmlns:p="http://schemas.openxmlformats.org/presentationml/2006/main" userDrawn="1">
-  <p:cSld name="Two Content and Title">
-    <p:spTree>
-      <p:nvGrpSpPr>
-        <p:cNvPr id="1" name=""/>
-        <p:cNvGrpSpPr/>
-        <p:nvPr/>
-      </p:nvGrpSpPr>
-      <p:grpSpPr>
-        <a:xfrm>
-          <a:off x="0" y="0"/>
-          <a:ext cx="0" cy="0"/>
-          <a:chOff x="0" y="0"/>
-          <a:chExt cx="0" cy="0"/>
-        </a:xfrm>
-      </p:grpSpPr>
-      <p:sp>
-        <p:nvSpPr>
-          <p:cNvPr id="2" name="Title 1"/>
-          <p:cNvSpPr>
-            <a:spLocks noGrp="1"/>
-          </p:cNvSpPr>
-          <p:nvPr>
-            <p:ph type="title" hasCustomPrompt="1"/>
-          </p:nvPr>
-        </p:nvSpPr>
-        <p:spPr/>
-        <p:txBody>
-          <a:bodyPr/>
-          <a:lstStyle>
-            <a:lvl1pPr>
-              <a:defRPr/>
-            </a:lvl1pPr>
-          </a:lstStyle>
-          <a:p>
-            <a:r>
-              <a:rPr lang="en-GB" noProof="0" dirty="0" smtClean="0"/>
-              <a:t>Click to add title</a:t>
-            </a:r>
-            <a:endParaRPr lang="en-GB" noProof="0" dirty="0"/>
-          </a:p>
-        </p:txBody>
-      </p:sp>
-      <p:sp>
-        <p:nvSpPr>
-          <p:cNvPr id="3" name="Footer Placeholder 2"/>
-          <p:cNvSpPr>
-            <a:spLocks noGrp="1"/>
-          </p:cNvSpPr>
-          <p:nvPr>
-            <p:ph type="ftr" sz="quarter" idx="10"/>
-          </p:nvPr>
-        </p:nvSpPr>
-        <p:spPr/>
-        <p:txBody>
-          <a:bodyPr/>
-          <a:lstStyle/>
-          <a:p>
-            <a:pPr algn="r" eaLnBrk="0" fontAlgn="base" hangingPunct="0">
-              <a:spcBef>
-                <a:spcPct val="0"/>
-              </a:spcBef>
-              <a:spcAft>
-                <a:spcPct val="0"/>
-              </a:spcAft>
-            </a:pPr>
-            <a:endParaRPr lang="en-GB" noProof="0" dirty="0"/>
-          </a:p>
-        </p:txBody>
-      </p:sp>
-      <p:sp>
-        <p:nvSpPr>
-          <p:cNvPr id="4" name="Slide Number Placeholder 3"/>
-          <p:cNvSpPr>
-            <a:spLocks noGrp="1"/>
-          </p:cNvSpPr>
-          <p:nvPr>
-            <p:ph type="sldNum" sz="quarter" idx="11"/>
-          </p:nvPr>
-        </p:nvSpPr>
-        <p:spPr/>
-        <p:txBody>
-          <a:bodyPr/>
-          <a:lstStyle/>
-          <a:p>
-            <a:fld id="{EF789A81-9B9B-445C-8A60-F916862B4649}" type="slidenum">
-              <a:rPr lang="en-GB" noProof="0" smtClean="0"/>
-              <a:pPr/>
-              <a:t>‹#›</a:t>
-            </a:fld>
-            <a:endParaRPr lang="en-GB" noProof="0" dirty="0"/>
-          </a:p>
-        </p:txBody>
-      </p:sp>
-      <p:sp>
-        <p:nvSpPr>
-          <p:cNvPr id="6" name="Text Placeholder 5"/>
-          <p:cNvSpPr>
-            <a:spLocks noGrp="1"/>
-          </p:cNvSpPr>
-          <p:nvPr>
-            <p:ph type="body" sz="quarter" idx="12" hasCustomPrompt="1"/>
-          </p:nvPr>
-        </p:nvSpPr>
-        <p:spPr>
-          <a:xfrm>
-            <a:off x="539750" y="2312875"/>
-            <a:ext cx="3888000" cy="3564049"/>
-          </a:xfrm>
-        </p:spPr>
-        <p:txBody>
-          <a:bodyPr/>
-          <a:lstStyle>
-            <a:lvl1pPr>
-              <a:defRPr/>
-            </a:lvl1pPr>
-          </a:lstStyle>
-          <a:p>
-            <a:pPr lvl="0"/>
-            <a:r>
-              <a:rPr lang="en-GB" noProof="0" dirty="0" smtClean="0"/>
-              <a:t>Click to add text</a:t>
-            </a:r>
-          </a:p>
-          <a:p>
-            <a:pPr lvl="1"/>
-            <a:r>
-              <a:rPr lang="en-GB" noProof="0" dirty="0" smtClean="0"/>
-              <a:t>Second level</a:t>
-            </a:r>
-          </a:p>
-          <a:p>
-            <a:pPr lvl="2"/>
-            <a:r>
-              <a:rPr lang="en-GB" noProof="0" dirty="0" smtClean="0"/>
-              <a:t>Third level</a:t>
-            </a:r>
-          </a:p>
-          <a:p>
-            <a:pPr lvl="3"/>
-            <a:r>
-              <a:rPr lang="en-GB" noProof="0" dirty="0" smtClean="0"/>
-              <a:t>Fourth level</a:t>
-            </a:r>
-          </a:p>
-          <a:p>
-            <a:pPr lvl="4"/>
-            <a:r>
-              <a:rPr lang="en-GB" noProof="0" dirty="0" smtClean="0"/>
-              <a:t>Fifth level</a:t>
-            </a:r>
-            <a:endParaRPr lang="en-GB" noProof="0" dirty="0"/>
-          </a:p>
-        </p:txBody>
-      </p:sp>
-      <p:sp>
-        <p:nvSpPr>
-          <p:cNvPr id="7" name="Text Placeholder 6"/>
-          <p:cNvSpPr>
-            <a:spLocks noGrp="1"/>
-          </p:cNvSpPr>
-          <p:nvPr>
-            <p:ph type="body" sz="quarter" idx="13" hasCustomPrompt="1"/>
-          </p:nvPr>
-        </p:nvSpPr>
-        <p:spPr>
-          <a:xfrm>
-            <a:off x="4716250" y="2312875"/>
-            <a:ext cx="3888000" cy="3564049"/>
-          </a:xfrm>
-        </p:spPr>
-        <p:txBody>
-          <a:bodyPr/>
-          <a:lstStyle>
-            <a:lvl1pPr>
-              <a:defRPr/>
-            </a:lvl1pPr>
-          </a:lstStyle>
-          <a:p>
-            <a:pPr lvl="0"/>
-            <a:r>
-              <a:rPr lang="en-GB" noProof="0" dirty="0" smtClean="0"/>
-              <a:t>Click to add text</a:t>
-            </a:r>
-          </a:p>
-          <a:p>
-            <a:pPr lvl="1"/>
-            <a:r>
-              <a:rPr lang="en-GB" noProof="0" dirty="0" smtClean="0"/>
-              <a:t>Second level</a:t>
-            </a:r>
-          </a:p>
-          <a:p>
-            <a:pPr lvl="2"/>
-            <a:r>
-              <a:rPr lang="en-GB" noProof="0" dirty="0" smtClean="0"/>
-              <a:t>Third level</a:t>
-            </a:r>
-          </a:p>
-          <a:p>
-            <a:pPr lvl="3"/>
-            <a:r>
-              <a:rPr lang="en-GB" noProof="0" dirty="0" smtClean="0"/>
-              <a:t>Fourth level</a:t>
-            </a:r>
-          </a:p>
-          <a:p>
-            <a:pPr lvl="4"/>
-            <a:r>
-              <a:rPr lang="en-GB" noProof="0" dirty="0" smtClean="0"/>
-              <a:t>Fifth level</a:t>
-            </a:r>
-            <a:endParaRPr lang="en-GB" noProof="0" dirty="0"/>
-          </a:p>
-        </p:txBody>
-      </p:sp>
-      <p:sp>
-        <p:nvSpPr>
-          <p:cNvPr id="8" name="Text Placeholder 7"/>
-          <p:cNvSpPr>
-            <a:spLocks noGrp="1"/>
-          </p:cNvSpPr>
-          <p:nvPr>
-            <p:ph type="body" sz="quarter" idx="14" hasCustomPrompt="1"/>
-          </p:nvPr>
-        </p:nvSpPr>
-        <p:spPr>
-          <a:xfrm>
-            <a:off x="539750" y="1844675"/>
-            <a:ext cx="3888000" cy="396875"/>
-          </a:xfrm>
-        </p:spPr>
-        <p:txBody>
-          <a:bodyPr/>
-          <a:lstStyle>
-            <a:lvl1pPr marL="0" indent="0">
-              <a:buNone/>
-              <a:defRPr/>
-            </a:lvl1pPr>
-          </a:lstStyle>
-          <a:p>
-            <a:pPr lvl="0"/>
-            <a:r>
-              <a:rPr lang="en-GB" noProof="0" dirty="0" smtClean="0"/>
-              <a:t>Click to add title</a:t>
-            </a:r>
-            <a:endParaRPr lang="en-GB" noProof="0" dirty="0"/>
-          </a:p>
-        </p:txBody>
-      </p:sp>
-      <p:sp>
-        <p:nvSpPr>
-          <p:cNvPr id="9" name="Text Placeholder 7"/>
-          <p:cNvSpPr>
-            <a:spLocks noGrp="1"/>
-          </p:cNvSpPr>
-          <p:nvPr>
-            <p:ph type="body" sz="quarter" idx="15" hasCustomPrompt="1"/>
-          </p:nvPr>
-        </p:nvSpPr>
-        <p:spPr>
-          <a:xfrm>
-            <a:off x="4716250" y="1844675"/>
-            <a:ext cx="3888000" cy="396875"/>
-          </a:xfrm>
-        </p:spPr>
-        <p:txBody>
-          <a:bodyPr/>
-          <a:lstStyle>
-            <a:lvl1pPr marL="0" indent="0">
-              <a:buNone/>
-              <a:defRPr/>
-            </a:lvl1pPr>
-          </a:lstStyle>
-          <a:p>
-            <a:pPr lvl="0"/>
-            <a:r>
-              <a:rPr lang="en-GB" noProof="0" dirty="0" smtClean="0"/>
-              <a:t>Click to add title</a:t>
-            </a:r>
-            <a:endParaRPr lang="en-GB" noProof="0" dirty="0"/>
-          </a:p>
-        </p:txBody>
-      </p:sp>
-      <p:pic>
-        <p:nvPicPr>
-          <p:cNvPr id="10" name="Picture 9"/>
-          <p:cNvPicPr>
-            <a:picLocks noChangeAspect="1"/>
-          </p:cNvPicPr>
-          <p:nvPr userDrawn="1"/>
-        </p:nvPicPr>
-        <p:blipFill>
-          <a:blip r:embed="rId2" cstate="print">
-            <a:extLst>
-              <a:ext uri="{28A0092B-C50C-407E-A947-70E740481C1C}">
-                <a14:useLocalDpi xmlns:a14="http://schemas.microsoft.com/office/drawing/2010/main" xmlns="" val="0"/>
-              </a:ext>
-            </a:extLst>
-          </a:blip>
-          <a:stretch>
-            <a:fillRect/>
-          </a:stretch>
-        </p:blipFill>
-        <p:spPr>
-          <a:xfrm>
-            <a:off x="4041594" y="6261024"/>
-            <a:ext cx="1188000" cy="289300"/>
-          </a:xfrm>
-          <a:prstGeom prst="rect">
-            <a:avLst/>
-          </a:prstGeom>
-        </p:spPr>
-      </p:pic>
-      <p:sp>
-        <p:nvSpPr>
-          <p:cNvPr id="11" name="Text Placeholder 8"/>
-          <p:cNvSpPr>
-            <a:spLocks noGrp="1"/>
-          </p:cNvSpPr>
-          <p:nvPr>
-            <p:ph type="body" sz="quarter" idx="16" hasCustomPrompt="1"/>
-          </p:nvPr>
-        </p:nvSpPr>
-        <p:spPr>
-          <a:xfrm>
-            <a:off x="539750" y="1089025"/>
-            <a:ext cx="8064500" cy="360363"/>
-          </a:xfrm>
-        </p:spPr>
-        <p:txBody>
-          <a:bodyPr wrap="square"/>
-          <a:lstStyle>
-            <a:lvl1pPr marL="0" indent="0" algn="ctr">
-              <a:buNone/>
-              <a:defRPr sz="1800">
-                <a:latin typeface="+mj-lt"/>
-              </a:defRPr>
-            </a:lvl1pPr>
-          </a:lstStyle>
-          <a:p>
-            <a:pPr lvl="0"/>
-            <a:r>
-              <a:rPr lang="en-GB" noProof="0" dirty="0" smtClean="0"/>
-              <a:t>Click to add optional sub title</a:t>
-            </a:r>
-            <a:endParaRPr lang="en-GB" noProof="0" dirty="0"/>
-          </a:p>
-        </p:txBody>
-      </p:sp>
-    </p:spTree>
-    <p:extLst>
-      <p:ext uri="{BB962C8B-B14F-4D97-AF65-F5344CB8AC3E}">
-        <p14:creationId xmlns:p14="http://schemas.microsoft.com/office/powerpoint/2010/main" xmlns="" val="2580853582"/>
-      </p:ext>
-    </p:extLst>
-  </p:cSld>
-  <p:clrMapOvr>
-    <a:masterClrMapping/>
-  </p:clrMapOvr>
-  <p:timing>
-    <p:tnLst>
-      <p:par>
-        <p:cTn id="1" dur="indefinite" restart="never" nodeType="tmRoot"/>
-      </p:par>
-    </p:tnLst>
-  </p:timing>
-</p:sldLayout>
-</file>
-
-<file path=ppt/slideLayouts/slideLayout16.xml><?xml version="1.0" encoding="utf-8"?>
-<p:sldLayout xmlns:a="http://schemas.openxmlformats.org/drawingml/2006/main" xmlns:r="http://schemas.openxmlformats.org/officeDocument/2006/relationships" xmlns:p="http://schemas.openxmlformats.org/presentationml/2006/main" userDrawn="1">
-  <p:cSld name="Text with One Picture">
-    <p:spTree>
-      <p:nvGrpSpPr>
-        <p:cNvPr id="1" name=""/>
-        <p:cNvGrpSpPr/>
-        <p:nvPr/>
-      </p:nvGrpSpPr>
-      <p:grpSpPr>
-        <a:xfrm>
-          <a:off x="0" y="0"/>
-          <a:ext cx="0" cy="0"/>
-          <a:chOff x="0" y="0"/>
-          <a:chExt cx="0" cy="0"/>
-        </a:xfrm>
-      </p:grpSpPr>
-      <p:sp>
-        <p:nvSpPr>
-          <p:cNvPr id="2" name="Title 1"/>
-          <p:cNvSpPr>
-            <a:spLocks noGrp="1"/>
-          </p:cNvSpPr>
-          <p:nvPr>
-            <p:ph type="title" hasCustomPrompt="1"/>
-          </p:nvPr>
-        </p:nvSpPr>
-        <p:spPr/>
-        <p:txBody>
-          <a:bodyPr/>
-          <a:lstStyle>
-            <a:lvl1pPr>
-              <a:defRPr/>
-            </a:lvl1pPr>
-          </a:lstStyle>
-          <a:p>
-            <a:r>
-              <a:rPr lang="en-GB" noProof="0" dirty="0" smtClean="0"/>
-              <a:t>Click to add title</a:t>
-            </a:r>
-            <a:endParaRPr lang="en-GB" noProof="0" dirty="0"/>
-          </a:p>
-        </p:txBody>
-      </p:sp>
-      <p:sp>
-        <p:nvSpPr>
-          <p:cNvPr id="3" name="Footer Placeholder 2"/>
-          <p:cNvSpPr>
-            <a:spLocks noGrp="1"/>
-          </p:cNvSpPr>
-          <p:nvPr>
-            <p:ph type="ftr" sz="quarter" idx="10"/>
-          </p:nvPr>
-        </p:nvSpPr>
-        <p:spPr/>
-        <p:txBody>
-          <a:bodyPr/>
-          <a:lstStyle/>
-          <a:p>
-            <a:pPr algn="r" eaLnBrk="0" fontAlgn="base" hangingPunct="0">
-              <a:spcBef>
-                <a:spcPct val="0"/>
-              </a:spcBef>
-              <a:spcAft>
-                <a:spcPct val="0"/>
-              </a:spcAft>
-            </a:pPr>
-            <a:endParaRPr lang="en-GB" noProof="0" dirty="0"/>
-          </a:p>
-        </p:txBody>
-      </p:sp>
-      <p:sp>
-        <p:nvSpPr>
-          <p:cNvPr id="4" name="Slide Number Placeholder 3"/>
-          <p:cNvSpPr>
-            <a:spLocks noGrp="1"/>
-          </p:cNvSpPr>
-          <p:nvPr>
-            <p:ph type="sldNum" sz="quarter" idx="11"/>
-          </p:nvPr>
-        </p:nvSpPr>
-        <p:spPr/>
-        <p:txBody>
-          <a:bodyPr/>
-          <a:lstStyle/>
-          <a:p>
-            <a:fld id="{EF789A81-9B9B-445C-8A60-F916862B4649}" type="slidenum">
-              <a:rPr lang="en-GB" noProof="0" smtClean="0"/>
-              <a:pPr/>
-              <a:t>‹#›</a:t>
-            </a:fld>
-            <a:endParaRPr lang="en-GB" noProof="0" dirty="0"/>
-          </a:p>
-        </p:txBody>
-      </p:sp>
-      <p:sp>
-        <p:nvSpPr>
-          <p:cNvPr id="6" name="Text Placeholder 5"/>
-          <p:cNvSpPr>
-            <a:spLocks noGrp="1"/>
-          </p:cNvSpPr>
-          <p:nvPr>
-            <p:ph type="body" sz="quarter" idx="12" hasCustomPrompt="1"/>
-          </p:nvPr>
-        </p:nvSpPr>
-        <p:spPr>
-          <a:xfrm>
-            <a:off x="539750" y="1844675"/>
-            <a:ext cx="3888000" cy="4032249"/>
-          </a:xfrm>
-        </p:spPr>
-        <p:txBody>
-          <a:bodyPr/>
-          <a:lstStyle>
-            <a:lvl1pPr>
-              <a:defRPr/>
-            </a:lvl1pPr>
-          </a:lstStyle>
-          <a:p>
-            <a:pPr lvl="0"/>
-            <a:r>
-              <a:rPr lang="en-GB" noProof="0" dirty="0" smtClean="0"/>
-              <a:t>Click to add text</a:t>
-            </a:r>
-          </a:p>
-          <a:p>
-            <a:pPr lvl="1"/>
-            <a:r>
-              <a:rPr lang="en-GB" noProof="0" dirty="0" smtClean="0"/>
-              <a:t>Second level</a:t>
-            </a:r>
-          </a:p>
-          <a:p>
-            <a:pPr lvl="2"/>
-            <a:r>
-              <a:rPr lang="en-GB" noProof="0" dirty="0" smtClean="0"/>
-              <a:t>Third level</a:t>
-            </a:r>
-          </a:p>
-          <a:p>
-            <a:pPr lvl="3"/>
-            <a:r>
-              <a:rPr lang="en-GB" noProof="0" dirty="0" smtClean="0"/>
-              <a:t>Fourth level</a:t>
-            </a:r>
-          </a:p>
-          <a:p>
-            <a:pPr lvl="4"/>
-            <a:r>
-              <a:rPr lang="en-GB" noProof="0" dirty="0" smtClean="0"/>
-              <a:t>Fifth level</a:t>
-            </a:r>
-            <a:endParaRPr lang="en-GB" noProof="0" dirty="0"/>
-          </a:p>
-        </p:txBody>
-      </p:sp>
-      <p:sp>
-        <p:nvSpPr>
-          <p:cNvPr id="10" name="Picture Placeholder 9"/>
-          <p:cNvSpPr>
-            <a:spLocks noGrp="1"/>
-          </p:cNvSpPr>
-          <p:nvPr>
-            <p:ph type="pic" sz="quarter" idx="16" hasCustomPrompt="1"/>
-          </p:nvPr>
-        </p:nvSpPr>
-        <p:spPr>
-          <a:xfrm>
-            <a:off x="4716250" y="1844675"/>
-            <a:ext cx="3888000" cy="4032250"/>
-          </a:xfrm>
-        </p:spPr>
-        <p:txBody>
-          <a:bodyPr/>
-          <a:lstStyle>
-            <a:lvl1pPr marL="0" indent="0" algn="ctr">
-              <a:buNone/>
-              <a:defRPr baseline="0"/>
-            </a:lvl1pPr>
-          </a:lstStyle>
-          <a:p>
-            <a:r>
-              <a:rPr lang="en-GB" noProof="0" dirty="0" smtClean="0"/>
-              <a:t>Click icon to insert image 112x108 mm</a:t>
-            </a:r>
-            <a:endParaRPr lang="en-GB" noProof="0" dirty="0"/>
-          </a:p>
-        </p:txBody>
-      </p:sp>
-      <p:pic>
-        <p:nvPicPr>
-          <p:cNvPr id="11" name="Picture 10"/>
-          <p:cNvPicPr>
-            <a:picLocks noChangeAspect="1"/>
-          </p:cNvPicPr>
-          <p:nvPr userDrawn="1"/>
-        </p:nvPicPr>
-        <p:blipFill>
-          <a:blip r:embed="rId2" cstate="print">
-            <a:extLst>
-              <a:ext uri="{28A0092B-C50C-407E-A947-70E740481C1C}">
-                <a14:useLocalDpi xmlns:a14="http://schemas.microsoft.com/office/drawing/2010/main" xmlns="" val="0"/>
-              </a:ext>
-            </a:extLst>
-          </a:blip>
-          <a:stretch>
-            <a:fillRect/>
-          </a:stretch>
-        </p:blipFill>
-        <p:spPr>
-          <a:xfrm>
-            <a:off x="4041594" y="6261024"/>
-            <a:ext cx="1188000" cy="289300"/>
-          </a:xfrm>
-          <a:prstGeom prst="rect">
-            <a:avLst/>
-          </a:prstGeom>
-        </p:spPr>
-      </p:pic>
-      <p:sp>
-        <p:nvSpPr>
-          <p:cNvPr id="12" name="Text Placeholder 8"/>
-          <p:cNvSpPr>
-            <a:spLocks noGrp="1"/>
-          </p:cNvSpPr>
-          <p:nvPr>
-            <p:ph type="body" sz="quarter" idx="13" hasCustomPrompt="1"/>
-          </p:nvPr>
-        </p:nvSpPr>
-        <p:spPr>
-          <a:xfrm>
-            <a:off x="539750" y="1089025"/>
-            <a:ext cx="8064500" cy="360363"/>
-          </a:xfrm>
-        </p:spPr>
-        <p:txBody>
-          <a:bodyPr wrap="square"/>
-          <a:lstStyle>
-            <a:lvl1pPr marL="0" indent="0" algn="ctr">
-              <a:buNone/>
-              <a:defRPr sz="1800">
-                <a:latin typeface="+mj-lt"/>
-              </a:defRPr>
-            </a:lvl1pPr>
-          </a:lstStyle>
-          <a:p>
-            <a:pPr lvl="0"/>
-            <a:r>
-              <a:rPr lang="en-GB" noProof="0" dirty="0" smtClean="0"/>
-              <a:t>Click to add optional sub title</a:t>
-            </a:r>
-            <a:endParaRPr lang="en-GB" noProof="0" dirty="0"/>
-          </a:p>
-        </p:txBody>
-      </p:sp>
-    </p:spTree>
-    <p:extLst>
-      <p:ext uri="{BB962C8B-B14F-4D97-AF65-F5344CB8AC3E}">
-        <p14:creationId xmlns:p14="http://schemas.microsoft.com/office/powerpoint/2010/main" xmlns="" val="2782147213"/>
-      </p:ext>
-    </p:extLst>
-  </p:cSld>
-  <p:clrMapOvr>
-    <a:masterClrMapping/>
-  </p:clrMapOvr>
-  <p:timing>
-    <p:tnLst>
-      <p:par>
-        <p:cTn id="1" dur="indefinite" restart="never" nodeType="tmRoot"/>
-      </p:par>
-    </p:tnLst>
-  </p:timing>
-</p:sldLayout>
-</file>
-
-<file path=ppt/slideLayouts/slideLayout17.xml><?xml version="1.0" encoding="utf-8"?>
-<p:sldLayout xmlns:a="http://schemas.openxmlformats.org/drawingml/2006/main" xmlns:r="http://schemas.openxmlformats.org/officeDocument/2006/relationships" xmlns:p="http://schemas.openxmlformats.org/presentationml/2006/main" userDrawn="1">
-  <p:cSld name="Text with Three Pictures Right">
-    <p:spTree>
-      <p:nvGrpSpPr>
-        <p:cNvPr id="1" name=""/>
-        <p:cNvGrpSpPr/>
-        <p:nvPr/>
-      </p:nvGrpSpPr>
-      <p:grpSpPr>
-        <a:xfrm>
-          <a:off x="0" y="0"/>
-          <a:ext cx="0" cy="0"/>
-          <a:chOff x="0" y="0"/>
-          <a:chExt cx="0" cy="0"/>
-        </a:xfrm>
-      </p:grpSpPr>
-      <p:sp>
-        <p:nvSpPr>
-          <p:cNvPr id="2" name="Title 1"/>
-          <p:cNvSpPr>
-            <a:spLocks noGrp="1"/>
-          </p:cNvSpPr>
-          <p:nvPr>
-            <p:ph type="title" hasCustomPrompt="1"/>
-          </p:nvPr>
-        </p:nvSpPr>
-        <p:spPr/>
-        <p:txBody>
-          <a:bodyPr/>
-          <a:lstStyle>
-            <a:lvl1pPr>
-              <a:defRPr/>
-            </a:lvl1pPr>
-          </a:lstStyle>
-          <a:p>
-            <a:r>
-              <a:rPr lang="en-GB" noProof="0" dirty="0" smtClean="0"/>
-              <a:t>Click to add title</a:t>
-            </a:r>
-            <a:endParaRPr lang="en-GB" noProof="0" dirty="0"/>
-          </a:p>
-        </p:txBody>
-      </p:sp>
-      <p:sp>
-        <p:nvSpPr>
-          <p:cNvPr id="3" name="Footer Placeholder 2"/>
-          <p:cNvSpPr>
-            <a:spLocks noGrp="1"/>
-          </p:cNvSpPr>
-          <p:nvPr>
-            <p:ph type="ftr" sz="quarter" idx="10"/>
-          </p:nvPr>
-        </p:nvSpPr>
-        <p:spPr/>
-        <p:txBody>
-          <a:bodyPr/>
-          <a:lstStyle/>
-          <a:p>
-            <a:pPr algn="r" eaLnBrk="0" fontAlgn="base" hangingPunct="0">
-              <a:spcBef>
-                <a:spcPct val="0"/>
-              </a:spcBef>
-              <a:spcAft>
-                <a:spcPct val="0"/>
-              </a:spcAft>
-            </a:pPr>
-            <a:endParaRPr lang="en-GB" noProof="0" dirty="0"/>
-          </a:p>
-        </p:txBody>
-      </p:sp>
-      <p:sp>
-        <p:nvSpPr>
-          <p:cNvPr id="4" name="Slide Number Placeholder 3"/>
-          <p:cNvSpPr>
-            <a:spLocks noGrp="1"/>
-          </p:cNvSpPr>
-          <p:nvPr>
-            <p:ph type="sldNum" sz="quarter" idx="11"/>
-          </p:nvPr>
-        </p:nvSpPr>
-        <p:spPr/>
-        <p:txBody>
-          <a:bodyPr/>
-          <a:lstStyle/>
-          <a:p>
-            <a:fld id="{EF789A81-9B9B-445C-8A60-F916862B4649}" type="slidenum">
-              <a:rPr lang="en-GB" noProof="0" smtClean="0"/>
-              <a:pPr/>
-              <a:t>‹#›</a:t>
-            </a:fld>
-            <a:endParaRPr lang="en-GB" noProof="0" dirty="0"/>
-          </a:p>
-        </p:txBody>
-      </p:sp>
-      <p:sp>
-        <p:nvSpPr>
-          <p:cNvPr id="6" name="Text Placeholder 5"/>
-          <p:cNvSpPr>
-            <a:spLocks noGrp="1"/>
-          </p:cNvSpPr>
-          <p:nvPr>
-            <p:ph type="body" sz="quarter" idx="12" hasCustomPrompt="1"/>
-          </p:nvPr>
-        </p:nvSpPr>
-        <p:spPr>
-          <a:xfrm>
-            <a:off x="539750" y="1844675"/>
-            <a:ext cx="3888000" cy="4032250"/>
-          </a:xfrm>
-        </p:spPr>
-        <p:txBody>
-          <a:bodyPr/>
-          <a:lstStyle>
-            <a:lvl1pPr>
-              <a:defRPr/>
-            </a:lvl1pPr>
-          </a:lstStyle>
-          <a:p>
-            <a:pPr lvl="0"/>
-            <a:r>
-              <a:rPr lang="en-GB" noProof="0" dirty="0" smtClean="0"/>
-              <a:t>Click to add text</a:t>
-            </a:r>
-          </a:p>
-          <a:p>
-            <a:pPr lvl="1"/>
-            <a:r>
-              <a:rPr lang="en-GB" noProof="0" dirty="0" smtClean="0"/>
-              <a:t>Second level</a:t>
-            </a:r>
-          </a:p>
-          <a:p>
-            <a:pPr lvl="2"/>
-            <a:r>
-              <a:rPr lang="en-GB" noProof="0" dirty="0" smtClean="0"/>
-              <a:t>Third level</a:t>
-            </a:r>
-          </a:p>
-          <a:p>
-            <a:pPr lvl="3"/>
-            <a:r>
-              <a:rPr lang="en-GB" noProof="0" dirty="0" smtClean="0"/>
-              <a:t>Fourth level</a:t>
-            </a:r>
-          </a:p>
-          <a:p>
-            <a:pPr lvl="4"/>
-            <a:r>
-              <a:rPr lang="en-GB" noProof="0" dirty="0" smtClean="0"/>
-              <a:t>Fifth level</a:t>
-            </a:r>
-            <a:endParaRPr lang="en-GB" noProof="0" dirty="0"/>
-          </a:p>
-        </p:txBody>
-      </p:sp>
-      <p:sp>
-        <p:nvSpPr>
-          <p:cNvPr id="10" name="Picture Placeholder 9"/>
-          <p:cNvSpPr>
-            <a:spLocks noGrp="1" noChangeAspect="1"/>
-          </p:cNvSpPr>
-          <p:nvPr>
-            <p:ph type="pic" sz="quarter" idx="16" hasCustomPrompt="1"/>
-          </p:nvPr>
-        </p:nvSpPr>
-        <p:spPr>
-          <a:xfrm>
-            <a:off x="4708385" y="1844675"/>
-            <a:ext cx="3888000" cy="1872000"/>
-          </a:xfrm>
-        </p:spPr>
-        <p:txBody>
-          <a:bodyPr/>
-          <a:lstStyle>
-            <a:lvl1pPr marL="0" indent="0" algn="ctr">
-              <a:buNone/>
-              <a:defRPr baseline="0"/>
-            </a:lvl1pPr>
-          </a:lstStyle>
-          <a:p>
-            <a:r>
-              <a:rPr lang="en-GB" noProof="0" dirty="0" smtClean="0"/>
-              <a:t>Click icon to insert image 108x52 mm</a:t>
-            </a:r>
-            <a:endParaRPr lang="en-GB" noProof="0" dirty="0"/>
-          </a:p>
-        </p:txBody>
-      </p:sp>
-      <p:pic>
-        <p:nvPicPr>
-          <p:cNvPr id="11" name="Picture 10"/>
-          <p:cNvPicPr>
-            <a:picLocks noChangeAspect="1"/>
-          </p:cNvPicPr>
-          <p:nvPr userDrawn="1"/>
-        </p:nvPicPr>
-        <p:blipFill>
-          <a:blip r:embed="rId2" cstate="print">
-            <a:extLst>
-              <a:ext uri="{28A0092B-C50C-407E-A947-70E740481C1C}">
-                <a14:useLocalDpi xmlns:a14="http://schemas.microsoft.com/office/drawing/2010/main" xmlns="" val="0"/>
-              </a:ext>
-            </a:extLst>
-          </a:blip>
-          <a:stretch>
-            <a:fillRect/>
-          </a:stretch>
-        </p:blipFill>
-        <p:spPr>
-          <a:xfrm>
-            <a:off x="4041594" y="6261024"/>
-            <a:ext cx="1188000" cy="289300"/>
-          </a:xfrm>
-          <a:prstGeom prst="rect">
-            <a:avLst/>
-          </a:prstGeom>
-        </p:spPr>
-      </p:pic>
-      <p:sp>
-        <p:nvSpPr>
-          <p:cNvPr id="12" name="Text Placeholder 8"/>
-          <p:cNvSpPr>
-            <a:spLocks noGrp="1"/>
-          </p:cNvSpPr>
-          <p:nvPr>
-            <p:ph type="body" sz="quarter" idx="13" hasCustomPrompt="1"/>
-          </p:nvPr>
-        </p:nvSpPr>
-        <p:spPr>
-          <a:xfrm>
-            <a:off x="539750" y="1089025"/>
-            <a:ext cx="8064500" cy="360363"/>
-          </a:xfrm>
-        </p:spPr>
-        <p:txBody>
-          <a:bodyPr wrap="square"/>
-          <a:lstStyle>
-            <a:lvl1pPr marL="0" indent="0" algn="ctr">
-              <a:buNone/>
-              <a:defRPr sz="1800">
-                <a:latin typeface="+mj-lt"/>
-              </a:defRPr>
-            </a:lvl1pPr>
-          </a:lstStyle>
-          <a:p>
-            <a:pPr lvl="0"/>
-            <a:r>
-              <a:rPr lang="en-GB" noProof="0" dirty="0" smtClean="0"/>
-              <a:t>Click to add optional sub title</a:t>
-            </a:r>
-            <a:endParaRPr lang="en-GB" noProof="0" dirty="0"/>
-          </a:p>
-        </p:txBody>
-      </p:sp>
-      <p:sp>
-        <p:nvSpPr>
-          <p:cNvPr id="8" name="Picture Placeholder 7"/>
-          <p:cNvSpPr>
-            <a:spLocks noGrp="1" noChangeAspect="1"/>
-          </p:cNvSpPr>
-          <p:nvPr>
-            <p:ph type="pic" sz="quarter" idx="17" hasCustomPrompt="1"/>
-          </p:nvPr>
-        </p:nvSpPr>
-        <p:spPr>
-          <a:xfrm>
-            <a:off x="6727834" y="3861048"/>
-            <a:ext cx="1872000" cy="1872000"/>
-          </a:xfrm>
-        </p:spPr>
-        <p:txBody>
-          <a:bodyPr/>
-          <a:lstStyle>
-            <a:lvl1pPr marL="0" indent="0" algn="ctr">
-              <a:buFontTx/>
-              <a:buNone/>
-              <a:defRPr sz="1400" baseline="0"/>
-            </a:lvl1pPr>
-          </a:lstStyle>
-          <a:p>
-            <a:r>
-              <a:rPr lang="en-US" dirty="0" smtClean="0"/>
-              <a:t>Click icon to insert image 52x52 mm</a:t>
-            </a:r>
-            <a:endParaRPr lang="en-GB" dirty="0"/>
-          </a:p>
-        </p:txBody>
-      </p:sp>
-      <p:sp>
-        <p:nvSpPr>
-          <p:cNvPr id="15" name="Picture Placeholder 7"/>
-          <p:cNvSpPr>
-            <a:spLocks noGrp="1" noChangeAspect="1"/>
-          </p:cNvSpPr>
-          <p:nvPr>
-            <p:ph type="pic" sz="quarter" idx="18" hasCustomPrompt="1"/>
-          </p:nvPr>
-        </p:nvSpPr>
-        <p:spPr>
-          <a:xfrm>
-            <a:off x="4708385" y="3862945"/>
-            <a:ext cx="1872000" cy="1872000"/>
-          </a:xfrm>
-        </p:spPr>
-        <p:txBody>
-          <a:bodyPr/>
-          <a:lstStyle>
-            <a:lvl1pPr marL="0" indent="0" algn="ctr">
-              <a:buFontTx/>
-              <a:buNone/>
-              <a:defRPr sz="1400" baseline="0"/>
-            </a:lvl1pPr>
-          </a:lstStyle>
-          <a:p>
-            <a:r>
-              <a:rPr lang="en-US" dirty="0" smtClean="0"/>
-              <a:t>Click icon to insert image 52x52 mm</a:t>
-            </a:r>
-            <a:endParaRPr lang="en-GB" dirty="0"/>
-          </a:p>
-        </p:txBody>
-      </p:sp>
-    </p:spTree>
-    <p:extLst>
-      <p:ext uri="{BB962C8B-B14F-4D97-AF65-F5344CB8AC3E}">
-        <p14:creationId xmlns:p14="http://schemas.microsoft.com/office/powerpoint/2010/main" xmlns="" val="2600426393"/>
-      </p:ext>
-    </p:extLst>
-  </p:cSld>
-  <p:clrMapOvr>
-    <a:masterClrMapping/>
-  </p:clrMapOvr>
-  <p:timing>
-    <p:tnLst>
-      <p:par>
-        <p:cTn id="1" dur="indefinite" restart="never" nodeType="tmRoot"/>
-      </p:par>
-    </p:tnLst>
-  </p:timing>
-</p:sldLayout>
-</file>
-
-<file path=ppt/slideLayouts/slideLayout18.xml><?xml version="1.0" encoding="utf-8"?>
-<p:sldLayout xmlns:a="http://schemas.openxmlformats.org/drawingml/2006/main" xmlns:r="http://schemas.openxmlformats.org/officeDocument/2006/relationships" xmlns:p="http://schemas.openxmlformats.org/presentationml/2006/main" userDrawn="1">
-  <p:cSld name="Text with Three Pictures Top">
-    <p:spTree>
-      <p:nvGrpSpPr>
-        <p:cNvPr id="1" name=""/>
-        <p:cNvGrpSpPr/>
-        <p:nvPr/>
-      </p:nvGrpSpPr>
-      <p:grpSpPr>
-        <a:xfrm>
-          <a:off x="0" y="0"/>
-          <a:ext cx="0" cy="0"/>
-          <a:chOff x="0" y="0"/>
-          <a:chExt cx="0" cy="0"/>
-        </a:xfrm>
-      </p:grpSpPr>
-      <p:sp>
-        <p:nvSpPr>
-          <p:cNvPr id="2" name="Title 1"/>
-          <p:cNvSpPr>
-            <a:spLocks noGrp="1"/>
-          </p:cNvSpPr>
-          <p:nvPr>
-            <p:ph type="title" hasCustomPrompt="1"/>
-          </p:nvPr>
-        </p:nvSpPr>
-        <p:spPr/>
-        <p:txBody>
-          <a:bodyPr/>
-          <a:lstStyle>
-            <a:lvl1pPr>
-              <a:defRPr/>
-            </a:lvl1pPr>
-          </a:lstStyle>
-          <a:p>
-            <a:r>
-              <a:rPr lang="en-GB" noProof="0" dirty="0" smtClean="0"/>
-              <a:t>Click to add title</a:t>
-            </a:r>
-            <a:endParaRPr lang="en-GB" noProof="0" dirty="0"/>
-          </a:p>
-        </p:txBody>
-      </p:sp>
-      <p:sp>
-        <p:nvSpPr>
-          <p:cNvPr id="3" name="Footer Placeholder 2"/>
-          <p:cNvSpPr>
-            <a:spLocks noGrp="1"/>
-          </p:cNvSpPr>
-          <p:nvPr>
-            <p:ph type="ftr" sz="quarter" idx="10"/>
-          </p:nvPr>
-        </p:nvSpPr>
-        <p:spPr/>
-        <p:txBody>
-          <a:bodyPr/>
-          <a:lstStyle/>
-          <a:p>
-            <a:pPr algn="r" eaLnBrk="0" fontAlgn="base" hangingPunct="0">
-              <a:spcBef>
-                <a:spcPct val="0"/>
-              </a:spcBef>
-              <a:spcAft>
-                <a:spcPct val="0"/>
-              </a:spcAft>
-            </a:pPr>
-            <a:endParaRPr lang="en-GB" noProof="0" dirty="0"/>
-          </a:p>
-        </p:txBody>
-      </p:sp>
-      <p:sp>
-        <p:nvSpPr>
-          <p:cNvPr id="4" name="Slide Number Placeholder 3"/>
-          <p:cNvSpPr>
-            <a:spLocks noGrp="1"/>
-          </p:cNvSpPr>
-          <p:nvPr>
-            <p:ph type="sldNum" sz="quarter" idx="11"/>
-          </p:nvPr>
-        </p:nvSpPr>
-        <p:spPr/>
-        <p:txBody>
-          <a:bodyPr/>
-          <a:lstStyle/>
-          <a:p>
-            <a:fld id="{EF789A81-9B9B-445C-8A60-F916862B4649}" type="slidenum">
-              <a:rPr lang="en-GB" noProof="0" smtClean="0"/>
-              <a:pPr/>
-              <a:t>‹#›</a:t>
-            </a:fld>
-            <a:endParaRPr lang="en-GB" noProof="0" dirty="0"/>
-          </a:p>
-        </p:txBody>
-      </p:sp>
-      <p:sp>
-        <p:nvSpPr>
-          <p:cNvPr id="6" name="Text Placeholder 5"/>
-          <p:cNvSpPr>
-            <a:spLocks noGrp="1"/>
-          </p:cNvSpPr>
-          <p:nvPr>
-            <p:ph type="body" sz="quarter" idx="12" hasCustomPrompt="1"/>
-          </p:nvPr>
-        </p:nvSpPr>
-        <p:spPr>
-          <a:xfrm>
-            <a:off x="539750" y="3032957"/>
-            <a:ext cx="8064500" cy="2843968"/>
-          </a:xfrm>
-        </p:spPr>
-        <p:txBody>
-          <a:bodyPr/>
-          <a:lstStyle>
-            <a:lvl1pPr>
-              <a:defRPr/>
-            </a:lvl1pPr>
-          </a:lstStyle>
-          <a:p>
-            <a:pPr lvl="0"/>
-            <a:r>
-              <a:rPr lang="en-GB" noProof="0" dirty="0" smtClean="0"/>
-              <a:t>Click to add text</a:t>
-            </a:r>
-          </a:p>
-          <a:p>
-            <a:pPr lvl="1"/>
-            <a:r>
-              <a:rPr lang="en-GB" noProof="0" dirty="0" smtClean="0"/>
-              <a:t>Second level</a:t>
-            </a:r>
-          </a:p>
-          <a:p>
-            <a:pPr lvl="2"/>
-            <a:r>
-              <a:rPr lang="en-GB" noProof="0" dirty="0" smtClean="0"/>
-              <a:t>Third level</a:t>
-            </a:r>
-          </a:p>
-          <a:p>
-            <a:pPr lvl="3"/>
-            <a:r>
-              <a:rPr lang="en-GB" noProof="0" dirty="0" smtClean="0"/>
-              <a:t>Fourth level</a:t>
-            </a:r>
-          </a:p>
-          <a:p>
-            <a:pPr lvl="4"/>
-            <a:r>
-              <a:rPr lang="en-GB" noProof="0" dirty="0" smtClean="0"/>
-              <a:t>Fifth level</a:t>
-            </a:r>
-            <a:endParaRPr lang="en-GB" noProof="0" dirty="0"/>
-          </a:p>
-        </p:txBody>
-      </p:sp>
-      <p:sp>
-        <p:nvSpPr>
-          <p:cNvPr id="10" name="Picture Placeholder 9"/>
-          <p:cNvSpPr>
-            <a:spLocks noGrp="1"/>
-          </p:cNvSpPr>
-          <p:nvPr>
-            <p:ph type="pic" sz="quarter" idx="16" hasCustomPrompt="1"/>
-          </p:nvPr>
-        </p:nvSpPr>
-        <p:spPr>
-          <a:xfrm>
-            <a:off x="539750" y="1844675"/>
-            <a:ext cx="2592000" cy="1008000"/>
-          </a:xfrm>
-        </p:spPr>
-        <p:txBody>
-          <a:bodyPr/>
-          <a:lstStyle>
-            <a:lvl1pPr marL="0" indent="0" algn="ctr">
-              <a:buNone/>
-              <a:defRPr sz="1200" baseline="0"/>
-            </a:lvl1pPr>
-          </a:lstStyle>
-          <a:p>
-            <a:r>
-              <a:rPr lang="en-GB" noProof="0" dirty="0" smtClean="0"/>
-              <a:t>Click icon to insert image 72x28 mm</a:t>
-            </a:r>
-            <a:endParaRPr lang="en-GB" noProof="0" dirty="0"/>
-          </a:p>
-        </p:txBody>
-      </p:sp>
-      <p:pic>
-        <p:nvPicPr>
-          <p:cNvPr id="11" name="Picture 10"/>
-          <p:cNvPicPr>
-            <a:picLocks noChangeAspect="1"/>
-          </p:cNvPicPr>
-          <p:nvPr userDrawn="1"/>
-        </p:nvPicPr>
-        <p:blipFill>
-          <a:blip r:embed="rId2" cstate="print">
-            <a:extLst>
-              <a:ext uri="{28A0092B-C50C-407E-A947-70E740481C1C}">
-                <a14:useLocalDpi xmlns:a14="http://schemas.microsoft.com/office/drawing/2010/main" xmlns="" val="0"/>
-              </a:ext>
-            </a:extLst>
-          </a:blip>
-          <a:stretch>
-            <a:fillRect/>
-          </a:stretch>
-        </p:blipFill>
-        <p:spPr>
-          <a:xfrm>
-            <a:off x="4041594" y="6261024"/>
-            <a:ext cx="1188000" cy="289300"/>
-          </a:xfrm>
-          <a:prstGeom prst="rect">
-            <a:avLst/>
-          </a:prstGeom>
-        </p:spPr>
-      </p:pic>
-      <p:sp>
-        <p:nvSpPr>
-          <p:cNvPr id="12" name="Text Placeholder 8"/>
-          <p:cNvSpPr>
-            <a:spLocks noGrp="1"/>
-          </p:cNvSpPr>
-          <p:nvPr>
-            <p:ph type="body" sz="quarter" idx="13" hasCustomPrompt="1"/>
-          </p:nvPr>
-        </p:nvSpPr>
-        <p:spPr>
-          <a:xfrm>
-            <a:off x="539750" y="1089025"/>
-            <a:ext cx="8064500" cy="360363"/>
-          </a:xfrm>
-        </p:spPr>
-        <p:txBody>
-          <a:bodyPr wrap="square"/>
-          <a:lstStyle>
-            <a:lvl1pPr marL="0" indent="0" algn="ctr">
-              <a:buNone/>
-              <a:defRPr sz="1800">
-                <a:latin typeface="+mj-lt"/>
-              </a:defRPr>
-            </a:lvl1pPr>
-          </a:lstStyle>
-          <a:p>
-            <a:pPr lvl="0"/>
-            <a:r>
-              <a:rPr lang="en-GB" noProof="0" dirty="0" smtClean="0"/>
-              <a:t>Click to add optional sub title</a:t>
-            </a:r>
-            <a:endParaRPr lang="en-GB" noProof="0" dirty="0"/>
-          </a:p>
-        </p:txBody>
-      </p:sp>
-      <p:sp>
-        <p:nvSpPr>
-          <p:cNvPr id="8" name="Picture Placeholder 7"/>
-          <p:cNvSpPr>
-            <a:spLocks noGrp="1"/>
-          </p:cNvSpPr>
-          <p:nvPr>
-            <p:ph type="pic" sz="quarter" idx="17" hasCustomPrompt="1"/>
-          </p:nvPr>
-        </p:nvSpPr>
-        <p:spPr>
-          <a:xfrm>
-            <a:off x="6012250" y="1839124"/>
-            <a:ext cx="2592000" cy="1008000"/>
-          </a:xfrm>
-        </p:spPr>
-        <p:txBody>
-          <a:bodyPr/>
-          <a:lstStyle>
-            <a:lvl1pPr marL="0" indent="0" algn="ctr">
-              <a:buFontTx/>
-              <a:buNone/>
-              <a:defRPr sz="1200" baseline="0"/>
-            </a:lvl1pPr>
-          </a:lstStyle>
-          <a:p>
-            <a:r>
-              <a:rPr lang="en-US" dirty="0" smtClean="0"/>
-              <a:t>Click icon to insert image 72x28 mm</a:t>
-            </a:r>
-            <a:endParaRPr lang="en-GB" dirty="0"/>
-          </a:p>
-        </p:txBody>
-      </p:sp>
-      <p:sp>
-        <p:nvSpPr>
-          <p:cNvPr id="15" name="Picture Placeholder 7"/>
-          <p:cNvSpPr>
-            <a:spLocks noGrp="1"/>
-          </p:cNvSpPr>
-          <p:nvPr>
-            <p:ph type="pic" sz="quarter" idx="18" hasCustomPrompt="1"/>
-          </p:nvPr>
-        </p:nvSpPr>
-        <p:spPr>
-          <a:xfrm>
-            <a:off x="3276000" y="1844675"/>
-            <a:ext cx="2592000" cy="1008000"/>
-          </a:xfrm>
-        </p:spPr>
-        <p:txBody>
-          <a:bodyPr/>
-          <a:lstStyle>
-            <a:lvl1pPr marL="0" indent="0" algn="ctr">
-              <a:buFontTx/>
-              <a:buNone/>
-              <a:defRPr sz="1200" baseline="0"/>
-            </a:lvl1pPr>
-          </a:lstStyle>
-          <a:p>
-            <a:r>
-              <a:rPr lang="en-US" dirty="0" smtClean="0"/>
-              <a:t>Click icon to insert image 72x28 mm</a:t>
-            </a:r>
-            <a:endParaRPr lang="en-GB" dirty="0"/>
-          </a:p>
-        </p:txBody>
-      </p:sp>
-    </p:spTree>
-    <p:extLst>
-      <p:ext uri="{BB962C8B-B14F-4D97-AF65-F5344CB8AC3E}">
-        <p14:creationId xmlns:p14="http://schemas.microsoft.com/office/powerpoint/2010/main" xmlns="" val="1397017739"/>
-      </p:ext>
-    </p:extLst>
-  </p:cSld>
-  <p:clrMapOvr>
-    <a:masterClrMapping/>
-  </p:clrMapOvr>
-  <p:timing>
-    <p:tnLst>
-      <p:par>
-        <p:cTn id="1" dur="indefinite" restart="never" nodeType="tmRoot"/>
-      </p:par>
-    </p:tnLst>
-  </p:timing>
-</p:sldLayout>
-</file>
-
-<file path=ppt/slideLayouts/slideLayout19.xml><?xml version="1.0" encoding="utf-8"?>
 <p:sldLayout xmlns:a="http://schemas.openxmlformats.org/drawingml/2006/main" xmlns:r="http://schemas.openxmlformats.org/officeDocument/2006/relationships" xmlns:p="http://schemas.openxmlformats.org/presentationml/2006/main" preserve="1" userDrawn="1">
   <p:cSld name="Title Slide Flavours or Corporate">
     <p:spTree>
@@ -5414,7 +4740,7 @@
           <a:blip r:embed="rId2" cstate="print">
             <a:extLst>
               <a:ext uri="{28A0092B-C50C-407E-A947-70E740481C1C}">
-                <a14:useLocalDpi xmlns:a14="http://schemas.microsoft.com/office/drawing/2010/main" xmlns="" val="0"/>
+                <a14:useLocalDpi xmlns="" xmlns:a14="http://schemas.microsoft.com/office/drawing/2010/main" val="0"/>
               </a:ext>
             </a:extLst>
           </a:blip>
@@ -5444,7 +4770,7 @@
           <a:blip r:embed="rId3" cstate="print">
             <a:extLst>
               <a:ext uri="{28A0092B-C50C-407E-A947-70E740481C1C}">
-                <a14:useLocalDpi xmlns:a14="http://schemas.microsoft.com/office/drawing/2010/main" xmlns="" val="0"/>
+                <a14:useLocalDpi xmlns="" xmlns:a14="http://schemas.microsoft.com/office/drawing/2010/main" val="0"/>
               </a:ext>
             </a:extLst>
           </a:blip>
@@ -5504,7 +4830,1073 @@
     </p:spTree>
     <p:extLst>
       <p:ext uri="{BB962C8B-B14F-4D97-AF65-F5344CB8AC3E}">
-        <p14:creationId xmlns:p14="http://schemas.microsoft.com/office/powerpoint/2010/main" xmlns="" val="224187675"/>
+        <p14:creationId xmlns="" xmlns:p14="http://schemas.microsoft.com/office/powerpoint/2010/main" val="224187675"/>
+      </p:ext>
+    </p:extLst>
+  </p:cSld>
+  <p:clrMapOvr>
+    <a:masterClrMapping/>
+  </p:clrMapOvr>
+  <p:timing>
+    <p:tnLst>
+      <p:par>
+        <p:cTn id="1" dur="indefinite" restart="never" nodeType="tmRoot"/>
+      </p:par>
+    </p:tnLst>
+  </p:timing>
+</p:sldLayout>
+</file>
+
+<file path=ppt/slideLayouts/slideLayout16.xml><?xml version="1.0" encoding="utf-8"?>
+<p:sldLayout xmlns:a="http://schemas.openxmlformats.org/drawingml/2006/main" xmlns:r="http://schemas.openxmlformats.org/officeDocument/2006/relationships" xmlns:p="http://schemas.openxmlformats.org/presentationml/2006/main" preserve="1" userDrawn="1">
+  <p:cSld name="Title Slide Fragrances">
+    <p:spTree>
+      <p:nvGrpSpPr>
+        <p:cNvPr id="1" name=""/>
+        <p:cNvGrpSpPr/>
+        <p:nvPr/>
+      </p:nvGrpSpPr>
+      <p:grpSpPr>
+        <a:xfrm>
+          <a:off x="0" y="0"/>
+          <a:ext cx="0" cy="0"/>
+          <a:chOff x="0" y="0"/>
+          <a:chExt cx="0" cy="0"/>
+        </a:xfrm>
+      </p:grpSpPr>
+      <p:sp>
+        <p:nvSpPr>
+          <p:cNvPr id="2" name="Title 1"/>
+          <p:cNvSpPr>
+            <a:spLocks noGrp="1"/>
+          </p:cNvSpPr>
+          <p:nvPr>
+            <p:ph type="ctrTitle" hasCustomPrompt="1"/>
+          </p:nvPr>
+        </p:nvSpPr>
+        <p:spPr>
+          <a:xfrm>
+            <a:off x="539750" y="5876924"/>
+            <a:ext cx="8064500" cy="396876"/>
+          </a:xfrm>
+        </p:spPr>
+        <p:txBody>
+          <a:bodyPr lIns="0" tIns="0" rIns="0" bIns="0" anchor="t" anchorCtr="0">
+            <a:noAutofit/>
+          </a:bodyPr>
+          <a:lstStyle>
+            <a:lvl1pPr>
+              <a:defRPr sz="2400">
+                <a:latin typeface="Times New Roman" pitchFamily="18" charset="0"/>
+                <a:cs typeface="Times New Roman" pitchFamily="18" charset="0"/>
+              </a:defRPr>
+            </a:lvl1pPr>
+          </a:lstStyle>
+          <a:p>
+            <a:r>
+              <a:rPr lang="en-GB" noProof="0" dirty="0" smtClean="0"/>
+              <a:t>Click to add title</a:t>
+            </a:r>
+            <a:endParaRPr lang="en-GB" noProof="0" dirty="0"/>
+          </a:p>
+        </p:txBody>
+      </p:sp>
+      <p:sp>
+        <p:nvSpPr>
+          <p:cNvPr id="3" name="Subtitle 2"/>
+          <p:cNvSpPr>
+            <a:spLocks noGrp="1"/>
+          </p:cNvSpPr>
+          <p:nvPr>
+            <p:ph type="subTitle" idx="1" hasCustomPrompt="1"/>
+          </p:nvPr>
+        </p:nvSpPr>
+        <p:spPr>
+          <a:xfrm>
+            <a:off x="539750" y="6273800"/>
+            <a:ext cx="8064500" cy="215540"/>
+          </a:xfrm>
+          <a:prstGeom prst="rect">
+            <a:avLst/>
+          </a:prstGeom>
+        </p:spPr>
+        <p:txBody>
+          <a:bodyPr lIns="0" tIns="0" rIns="0" bIns="0">
+            <a:noAutofit/>
+          </a:bodyPr>
+          <a:lstStyle>
+            <a:lvl1pPr marL="0" indent="0" algn="ctr">
+              <a:buNone/>
+              <a:defRPr sz="1400">
+                <a:solidFill>
+                  <a:schemeClr val="tx1"/>
+                </a:solidFill>
+                <a:latin typeface="Times New Roman" pitchFamily="18" charset="0"/>
+                <a:cs typeface="Times New Roman" pitchFamily="18" charset="0"/>
+              </a:defRPr>
+            </a:lvl1pPr>
+            <a:lvl2pPr marL="457200" indent="0" algn="ctr">
+              <a:buNone/>
+              <a:defRPr>
+                <a:solidFill>
+                  <a:schemeClr val="tx1">
+                    <a:tint val="75000"/>
+                  </a:schemeClr>
+                </a:solidFill>
+              </a:defRPr>
+            </a:lvl2pPr>
+            <a:lvl3pPr marL="914400" indent="0" algn="ctr">
+              <a:buNone/>
+              <a:defRPr>
+                <a:solidFill>
+                  <a:schemeClr val="tx1">
+                    <a:tint val="75000"/>
+                  </a:schemeClr>
+                </a:solidFill>
+              </a:defRPr>
+            </a:lvl3pPr>
+            <a:lvl4pPr marL="1371600" indent="0" algn="ctr">
+              <a:buNone/>
+              <a:defRPr>
+                <a:solidFill>
+                  <a:schemeClr val="tx1">
+                    <a:tint val="75000"/>
+                  </a:schemeClr>
+                </a:solidFill>
+              </a:defRPr>
+            </a:lvl4pPr>
+            <a:lvl5pPr marL="1828800" indent="0" algn="ctr">
+              <a:buNone/>
+              <a:defRPr>
+                <a:solidFill>
+                  <a:schemeClr val="tx1">
+                    <a:tint val="75000"/>
+                  </a:schemeClr>
+                </a:solidFill>
+              </a:defRPr>
+            </a:lvl5pPr>
+            <a:lvl6pPr marL="2286000" indent="0" algn="ctr">
+              <a:buNone/>
+              <a:defRPr>
+                <a:solidFill>
+                  <a:schemeClr val="tx1">
+                    <a:tint val="75000"/>
+                  </a:schemeClr>
+                </a:solidFill>
+              </a:defRPr>
+            </a:lvl6pPr>
+            <a:lvl7pPr marL="2743200" indent="0" algn="ctr">
+              <a:buNone/>
+              <a:defRPr>
+                <a:solidFill>
+                  <a:schemeClr val="tx1">
+                    <a:tint val="75000"/>
+                  </a:schemeClr>
+                </a:solidFill>
+              </a:defRPr>
+            </a:lvl7pPr>
+            <a:lvl8pPr marL="3200400" indent="0" algn="ctr">
+              <a:buNone/>
+              <a:defRPr>
+                <a:solidFill>
+                  <a:schemeClr val="tx1">
+                    <a:tint val="75000"/>
+                  </a:schemeClr>
+                </a:solidFill>
+              </a:defRPr>
+            </a:lvl8pPr>
+            <a:lvl9pPr marL="3657600" indent="0" algn="ctr">
+              <a:buNone/>
+              <a:defRPr>
+                <a:solidFill>
+                  <a:schemeClr val="tx1">
+                    <a:tint val="75000"/>
+                  </a:schemeClr>
+                </a:solidFill>
+              </a:defRPr>
+            </a:lvl9pPr>
+          </a:lstStyle>
+          <a:p>
+            <a:r>
+              <a:rPr lang="en-GB" noProof="0" dirty="0" smtClean="0"/>
+              <a:t>Click to add sub title</a:t>
+            </a:r>
+            <a:endParaRPr lang="en-GB" noProof="0" dirty="0"/>
+          </a:p>
+        </p:txBody>
+      </p:sp>
+      <p:pic>
+        <p:nvPicPr>
+          <p:cNvPr id="8" name="Picture 7"/>
+          <p:cNvPicPr>
+            <a:picLocks noChangeAspect="1"/>
+          </p:cNvPicPr>
+          <p:nvPr userDrawn="1"/>
+        </p:nvPicPr>
+        <p:blipFill>
+          <a:blip r:embed="rId2" cstate="print">
+            <a:extLst>
+              <a:ext uri="{28A0092B-C50C-407E-A947-70E740481C1C}">
+                <a14:useLocalDpi xmlns="" xmlns:a14="http://schemas.microsoft.com/office/drawing/2010/main" val="0"/>
+              </a:ext>
+            </a:extLst>
+          </a:blip>
+          <a:stretch>
+            <a:fillRect/>
+          </a:stretch>
+        </p:blipFill>
+        <p:spPr>
+          <a:xfrm>
+            <a:off x="3912023" y="458672"/>
+            <a:ext cx="1476000" cy="780396"/>
+          </a:xfrm>
+          <a:prstGeom prst="rect">
+            <a:avLst/>
+          </a:prstGeom>
+        </p:spPr>
+      </p:pic>
+      <p:pic>
+        <p:nvPicPr>
+          <p:cNvPr id="6" name="Picture 5"/>
+          <p:cNvPicPr>
+            <a:picLocks noChangeAspect="1"/>
+          </p:cNvPicPr>
+          <p:nvPr userDrawn="1"/>
+        </p:nvPicPr>
+        <p:blipFill>
+          <a:blip r:embed="rId3" cstate="print">
+            <a:extLst>
+              <a:ext uri="{28A0092B-C50C-407E-A947-70E740481C1C}">
+                <a14:useLocalDpi xmlns="" xmlns:a14="http://schemas.microsoft.com/office/drawing/2010/main" val="0"/>
+              </a:ext>
+            </a:extLst>
+          </a:blip>
+          <a:stretch>
+            <a:fillRect/>
+          </a:stretch>
+        </p:blipFill>
+        <p:spPr>
+          <a:xfrm>
+            <a:off x="0" y="1449388"/>
+            <a:ext cx="9144000" cy="3657600"/>
+          </a:xfrm>
+          <a:prstGeom prst="rect">
+            <a:avLst/>
+          </a:prstGeom>
+        </p:spPr>
+      </p:pic>
+      <p:sp>
+        <p:nvSpPr>
+          <p:cNvPr id="7" name="Text Placeholder 4"/>
+          <p:cNvSpPr>
+            <a:spLocks noGrp="1"/>
+          </p:cNvSpPr>
+          <p:nvPr>
+            <p:ph type="body" sz="quarter" idx="10" hasCustomPrompt="1"/>
+          </p:nvPr>
+        </p:nvSpPr>
+        <p:spPr>
+          <a:xfrm>
+            <a:off x="539750" y="6561088"/>
+            <a:ext cx="8064500" cy="216000"/>
+          </a:xfrm>
+        </p:spPr>
+        <p:txBody>
+          <a:bodyPr anchor="ctr" anchorCtr="0"/>
+          <a:lstStyle>
+            <a:lvl1pPr marL="0" indent="0" algn="ctr">
+              <a:buFontTx/>
+              <a:buNone/>
+              <a:defRPr sz="1200" baseline="0">
+                <a:solidFill>
+                  <a:schemeClr val="tx2"/>
+                </a:solidFill>
+              </a:defRPr>
+            </a:lvl1pPr>
+          </a:lstStyle>
+          <a:p>
+            <a:pPr lvl="0"/>
+            <a:r>
+              <a:rPr lang="en-GB" noProof="0" dirty="0" smtClean="0"/>
+              <a:t>Month Year</a:t>
+            </a:r>
+            <a:endParaRPr lang="en-GB" noProof="0" dirty="0"/>
+          </a:p>
+        </p:txBody>
+      </p:sp>
+    </p:spTree>
+    <p:extLst>
+      <p:ext uri="{BB962C8B-B14F-4D97-AF65-F5344CB8AC3E}">
+        <p14:creationId xmlns="" xmlns:p14="http://schemas.microsoft.com/office/powerpoint/2010/main" val="127214035"/>
+      </p:ext>
+    </p:extLst>
+  </p:cSld>
+  <p:clrMapOvr>
+    <a:masterClrMapping/>
+  </p:clrMapOvr>
+  <p:timing>
+    <p:tnLst>
+      <p:par>
+        <p:cTn id="1" dur="indefinite" restart="never" nodeType="tmRoot"/>
+      </p:par>
+    </p:tnLst>
+  </p:timing>
+</p:sldLayout>
+</file>
+
+<file path=ppt/slideLayouts/slideLayout17.xml><?xml version="1.0" encoding="utf-8"?>
+<p:sldLayout xmlns:a="http://schemas.openxmlformats.org/drawingml/2006/main" xmlns:r="http://schemas.openxmlformats.org/officeDocument/2006/relationships" xmlns:p="http://schemas.openxmlformats.org/presentationml/2006/main" preserve="1" userDrawn="1">
+  <p:cSld name="1_Section Header">
+    <p:spTree>
+      <p:nvGrpSpPr>
+        <p:cNvPr id="1" name=""/>
+        <p:cNvGrpSpPr/>
+        <p:nvPr/>
+      </p:nvGrpSpPr>
+      <p:grpSpPr>
+        <a:xfrm>
+          <a:off x="0" y="0"/>
+          <a:ext cx="0" cy="0"/>
+          <a:chOff x="0" y="0"/>
+          <a:chExt cx="0" cy="0"/>
+        </a:xfrm>
+      </p:grpSpPr>
+      <p:sp>
+        <p:nvSpPr>
+          <p:cNvPr id="2" name="Title 1"/>
+          <p:cNvSpPr>
+            <a:spLocks noGrp="1"/>
+          </p:cNvSpPr>
+          <p:nvPr>
+            <p:ph type="title" hasCustomPrompt="1"/>
+          </p:nvPr>
+        </p:nvSpPr>
+        <p:spPr>
+          <a:xfrm>
+            <a:off x="0" y="1449388"/>
+            <a:ext cx="9144000" cy="3657600"/>
+          </a:xfrm>
+          <a:gradFill>
+            <a:gsLst>
+              <a:gs pos="0">
+                <a:schemeClr val="bg2"/>
+              </a:gs>
+              <a:gs pos="100000">
+                <a:schemeClr val="bg2">
+                  <a:alpha val="10000"/>
+                </a:schemeClr>
+              </a:gs>
+            </a:gsLst>
+            <a:lin ang="5400000" scaled="0"/>
+          </a:gradFill>
+        </p:spPr>
+        <p:txBody>
+          <a:bodyPr anchor="ctr" anchorCtr="1">
+            <a:noAutofit/>
+          </a:bodyPr>
+          <a:lstStyle>
+            <a:lvl1pPr algn="ctr">
+              <a:defRPr sz="2800" b="0" cap="none" baseline="0"/>
+            </a:lvl1pPr>
+          </a:lstStyle>
+          <a:p>
+            <a:r>
+              <a:rPr lang="en-GB" noProof="0" dirty="0" smtClean="0"/>
+              <a:t>Click to add title</a:t>
+            </a:r>
+            <a:endParaRPr lang="en-GB" noProof="0" dirty="0"/>
+          </a:p>
+        </p:txBody>
+      </p:sp>
+      <p:sp>
+        <p:nvSpPr>
+          <p:cNvPr id="5" name="Footer Placeholder 4"/>
+          <p:cNvSpPr>
+            <a:spLocks noGrp="1"/>
+          </p:cNvSpPr>
+          <p:nvPr>
+            <p:ph type="ftr" sz="quarter" idx="11"/>
+          </p:nvPr>
+        </p:nvSpPr>
+        <p:spPr/>
+        <p:txBody>
+          <a:bodyPr/>
+          <a:lstStyle>
+            <a:lvl1pPr algn="r">
+              <a:defRPr/>
+            </a:lvl1pPr>
+          </a:lstStyle>
+          <a:p>
+            <a:endParaRPr lang="en-GB" dirty="0"/>
+          </a:p>
+        </p:txBody>
+      </p:sp>
+      <p:sp>
+        <p:nvSpPr>
+          <p:cNvPr id="6" name="Slide Number Placeholder 5"/>
+          <p:cNvSpPr>
+            <a:spLocks noGrp="1"/>
+          </p:cNvSpPr>
+          <p:nvPr>
+            <p:ph type="sldNum" sz="quarter" idx="12"/>
+          </p:nvPr>
+        </p:nvSpPr>
+        <p:spPr/>
+        <p:txBody>
+          <a:bodyPr/>
+          <a:lstStyle/>
+          <a:p>
+            <a:fld id="{EF789A81-9B9B-445C-8A60-F916862B4649}" type="slidenum">
+              <a:rPr lang="en-GB" smtClean="0"/>
+              <a:pPr/>
+              <a:t>‹#›</a:t>
+            </a:fld>
+            <a:endParaRPr lang="en-GB" dirty="0"/>
+          </a:p>
+        </p:txBody>
+      </p:sp>
+      <p:pic>
+        <p:nvPicPr>
+          <p:cNvPr id="8" name="Picture 7"/>
+          <p:cNvPicPr>
+            <a:picLocks noChangeAspect="1"/>
+          </p:cNvPicPr>
+          <p:nvPr userDrawn="1"/>
+        </p:nvPicPr>
+        <p:blipFill>
+          <a:blip r:embed="rId2" cstate="print">
+            <a:extLst>
+              <a:ext uri="{28A0092B-C50C-407E-A947-70E740481C1C}">
+                <a14:useLocalDpi xmlns="" xmlns:a14="http://schemas.microsoft.com/office/drawing/2010/main" val="0"/>
+              </a:ext>
+            </a:extLst>
+          </a:blip>
+          <a:stretch>
+            <a:fillRect/>
+          </a:stretch>
+        </p:blipFill>
+        <p:spPr>
+          <a:xfrm>
+            <a:off x="3912023" y="458672"/>
+            <a:ext cx="1476000" cy="780396"/>
+          </a:xfrm>
+          <a:prstGeom prst="rect">
+            <a:avLst/>
+          </a:prstGeom>
+        </p:spPr>
+      </p:pic>
+      <p:sp>
+        <p:nvSpPr>
+          <p:cNvPr id="12" name="Text Placeholder 11"/>
+          <p:cNvSpPr>
+            <a:spLocks noGrp="1"/>
+          </p:cNvSpPr>
+          <p:nvPr>
+            <p:ph type="body" sz="quarter" idx="14" hasCustomPrompt="1"/>
+          </p:nvPr>
+        </p:nvSpPr>
+        <p:spPr>
+          <a:xfrm>
+            <a:off x="539750" y="5485222"/>
+            <a:ext cx="8063768" cy="396875"/>
+          </a:xfrm>
+          <a:prstGeom prst="rect">
+            <a:avLst/>
+          </a:prstGeom>
+        </p:spPr>
+        <p:txBody>
+          <a:bodyPr/>
+          <a:lstStyle>
+            <a:lvl1pPr marL="0" indent="0" algn="ctr">
+              <a:buFontTx/>
+              <a:buNone/>
+              <a:defRPr sz="1400">
+                <a:latin typeface="Times New Roman" pitchFamily="18" charset="0"/>
+                <a:cs typeface="Times New Roman" pitchFamily="18" charset="0"/>
+              </a:defRPr>
+            </a:lvl1pPr>
+            <a:lvl2pPr marL="362925" indent="0" algn="ctr">
+              <a:buFontTx/>
+              <a:buNone/>
+              <a:defRPr sz="1400">
+                <a:latin typeface="Times New Roman" pitchFamily="18" charset="0"/>
+                <a:cs typeface="Times New Roman" pitchFamily="18" charset="0"/>
+              </a:defRPr>
+            </a:lvl2pPr>
+            <a:lvl3pPr marL="720000" indent="0" algn="ctr">
+              <a:buFontTx/>
+              <a:buNone/>
+              <a:defRPr sz="1400">
+                <a:latin typeface="Times New Roman" pitchFamily="18" charset="0"/>
+                <a:cs typeface="Times New Roman" pitchFamily="18" charset="0"/>
+              </a:defRPr>
+            </a:lvl3pPr>
+            <a:lvl4pPr marL="1078888" indent="0" algn="ctr">
+              <a:buFontTx/>
+              <a:buNone/>
+              <a:defRPr sz="1400">
+                <a:latin typeface="Times New Roman" pitchFamily="18" charset="0"/>
+                <a:cs typeface="Times New Roman" pitchFamily="18" charset="0"/>
+              </a:defRPr>
+            </a:lvl4pPr>
+            <a:lvl5pPr marL="1440000" indent="0" algn="ctr">
+              <a:buFontTx/>
+              <a:buNone/>
+              <a:defRPr sz="1400">
+                <a:latin typeface="Times New Roman" pitchFamily="18" charset="0"/>
+                <a:cs typeface="Times New Roman" pitchFamily="18" charset="0"/>
+              </a:defRPr>
+            </a:lvl5pPr>
+          </a:lstStyle>
+          <a:p>
+            <a:pPr lvl="0"/>
+            <a:r>
+              <a:rPr lang="en-GB" noProof="0" dirty="0" smtClean="0"/>
+              <a:t>Click to add sub title</a:t>
+            </a:r>
+          </a:p>
+        </p:txBody>
+      </p:sp>
+    </p:spTree>
+    <p:extLst>
+      <p:ext uri="{BB962C8B-B14F-4D97-AF65-F5344CB8AC3E}">
+        <p14:creationId xmlns="" xmlns:p14="http://schemas.microsoft.com/office/powerpoint/2010/main" val="3004179911"/>
+      </p:ext>
+    </p:extLst>
+  </p:cSld>
+  <p:clrMapOvr>
+    <a:masterClrMapping/>
+  </p:clrMapOvr>
+  <p:timing>
+    <p:tnLst>
+      <p:par>
+        <p:cTn id="1" dur="indefinite" restart="never" nodeType="tmRoot"/>
+      </p:par>
+    </p:tnLst>
+  </p:timing>
+</p:sldLayout>
+</file>
+
+<file path=ppt/slideLayouts/slideLayout18.xml><?xml version="1.0" encoding="utf-8"?>
+<p:sldLayout xmlns:a="http://schemas.openxmlformats.org/drawingml/2006/main" xmlns:r="http://schemas.openxmlformats.org/officeDocument/2006/relationships" xmlns:p="http://schemas.openxmlformats.org/presentationml/2006/main" preserve="1" userDrawn="1">
+  <p:cSld name="Title, Content and Banner Text">
+    <p:spTree>
+      <p:nvGrpSpPr>
+        <p:cNvPr id="1" name=""/>
+        <p:cNvGrpSpPr/>
+        <p:nvPr/>
+      </p:nvGrpSpPr>
+      <p:grpSpPr>
+        <a:xfrm>
+          <a:off x="0" y="0"/>
+          <a:ext cx="0" cy="0"/>
+          <a:chOff x="0" y="0"/>
+          <a:chExt cx="0" cy="0"/>
+        </a:xfrm>
+      </p:grpSpPr>
+      <p:sp>
+        <p:nvSpPr>
+          <p:cNvPr id="2" name="Title 1"/>
+          <p:cNvSpPr>
+            <a:spLocks noGrp="1"/>
+          </p:cNvSpPr>
+          <p:nvPr>
+            <p:ph type="title" hasCustomPrompt="1"/>
+          </p:nvPr>
+        </p:nvSpPr>
+        <p:spPr/>
+        <p:txBody>
+          <a:bodyPr/>
+          <a:lstStyle>
+            <a:lvl1pPr>
+              <a:defRPr/>
+            </a:lvl1pPr>
+          </a:lstStyle>
+          <a:p>
+            <a:r>
+              <a:rPr lang="en-GB" noProof="0" dirty="0" smtClean="0"/>
+              <a:t>Click to add title</a:t>
+            </a:r>
+            <a:endParaRPr lang="en-GB" noProof="0" dirty="0"/>
+          </a:p>
+        </p:txBody>
+      </p:sp>
+      <p:sp>
+        <p:nvSpPr>
+          <p:cNvPr id="3" name="Footer Placeholder 2"/>
+          <p:cNvSpPr>
+            <a:spLocks noGrp="1"/>
+          </p:cNvSpPr>
+          <p:nvPr>
+            <p:ph type="ftr" sz="quarter" idx="10"/>
+          </p:nvPr>
+        </p:nvSpPr>
+        <p:spPr/>
+        <p:txBody>
+          <a:bodyPr/>
+          <a:lstStyle/>
+          <a:p>
+            <a:pPr algn="r" eaLnBrk="0" fontAlgn="base" hangingPunct="0">
+              <a:spcBef>
+                <a:spcPct val="0"/>
+              </a:spcBef>
+              <a:spcAft>
+                <a:spcPct val="0"/>
+              </a:spcAft>
+            </a:pPr>
+            <a:endParaRPr lang="en-GB" dirty="0"/>
+          </a:p>
+        </p:txBody>
+      </p:sp>
+      <p:sp>
+        <p:nvSpPr>
+          <p:cNvPr id="4" name="Slide Number Placeholder 3"/>
+          <p:cNvSpPr>
+            <a:spLocks noGrp="1"/>
+          </p:cNvSpPr>
+          <p:nvPr>
+            <p:ph type="sldNum" sz="quarter" idx="11"/>
+          </p:nvPr>
+        </p:nvSpPr>
+        <p:spPr/>
+        <p:txBody>
+          <a:bodyPr/>
+          <a:lstStyle/>
+          <a:p>
+            <a:fld id="{EF789A81-9B9B-445C-8A60-F916862B4649}" type="slidenum">
+              <a:rPr lang="en-GB" smtClean="0"/>
+              <a:pPr/>
+              <a:t>‹#›</a:t>
+            </a:fld>
+            <a:endParaRPr lang="en-GB" dirty="0"/>
+          </a:p>
+        </p:txBody>
+      </p:sp>
+      <p:sp>
+        <p:nvSpPr>
+          <p:cNvPr id="6" name="Text Placeholder 5"/>
+          <p:cNvSpPr>
+            <a:spLocks noGrp="1"/>
+          </p:cNvSpPr>
+          <p:nvPr>
+            <p:ph type="body" sz="quarter" idx="12" hasCustomPrompt="1"/>
+          </p:nvPr>
+        </p:nvSpPr>
+        <p:spPr>
+          <a:xfrm>
+            <a:off x="539750" y="1844674"/>
+            <a:ext cx="8064500" cy="3240000"/>
+          </a:xfrm>
+        </p:spPr>
+        <p:txBody>
+          <a:bodyPr/>
+          <a:lstStyle>
+            <a:lvl1pPr>
+              <a:defRPr/>
+            </a:lvl1pPr>
+          </a:lstStyle>
+          <a:p>
+            <a:pPr lvl="0"/>
+            <a:r>
+              <a:rPr lang="en-GB" noProof="0" dirty="0" smtClean="0"/>
+              <a:t>Click to add text</a:t>
+            </a:r>
+          </a:p>
+          <a:p>
+            <a:pPr lvl="1"/>
+            <a:r>
+              <a:rPr lang="en-GB" noProof="0" dirty="0" smtClean="0"/>
+              <a:t>Second level</a:t>
+            </a:r>
+          </a:p>
+          <a:p>
+            <a:pPr lvl="2"/>
+            <a:r>
+              <a:rPr lang="en-GB" noProof="0" dirty="0" smtClean="0"/>
+              <a:t>Third level</a:t>
+            </a:r>
+          </a:p>
+          <a:p>
+            <a:pPr lvl="3"/>
+            <a:r>
+              <a:rPr lang="en-GB" noProof="0" dirty="0" smtClean="0"/>
+              <a:t>Fourth level</a:t>
+            </a:r>
+          </a:p>
+          <a:p>
+            <a:pPr lvl="4"/>
+            <a:r>
+              <a:rPr lang="en-GB" noProof="0" dirty="0" smtClean="0"/>
+              <a:t>Fifth level</a:t>
+            </a:r>
+            <a:endParaRPr lang="en-GB" noProof="0" dirty="0"/>
+          </a:p>
+        </p:txBody>
+      </p:sp>
+      <p:sp>
+        <p:nvSpPr>
+          <p:cNvPr id="8" name="Text Placeholder 7"/>
+          <p:cNvSpPr>
+            <a:spLocks noGrp="1"/>
+          </p:cNvSpPr>
+          <p:nvPr>
+            <p:ph type="body" sz="quarter" idx="14" hasCustomPrompt="1"/>
+          </p:nvPr>
+        </p:nvSpPr>
+        <p:spPr>
+          <a:xfrm>
+            <a:off x="0" y="5075375"/>
+            <a:ext cx="9144000" cy="792000"/>
+          </a:xfrm>
+          <a:gradFill>
+            <a:gsLst>
+              <a:gs pos="0">
+                <a:schemeClr val="bg2"/>
+              </a:gs>
+              <a:gs pos="100000">
+                <a:schemeClr val="bg2">
+                  <a:alpha val="10000"/>
+                </a:schemeClr>
+              </a:gs>
+            </a:gsLst>
+            <a:lin ang="5400000" scaled="0"/>
+          </a:gradFill>
+          <a:ln>
+            <a:noFill/>
+          </a:ln>
+          <a:effectLst/>
+          <a:extLst>
+            <a:ext uri="{AF507438-7753-43E0-B8FC-AC1667EBCBE1}">
+              <a14:hiddenEffects xmlns="" xmlns:a14="http://schemas.microsoft.com/office/drawing/2010/main">
+                <a:effectLst>
+                  <a:outerShdw dist="35921" dir="2700000" algn="ctr" rotWithShape="0">
+                    <a:schemeClr val="bg2"/>
+                  </a:outerShdw>
+                </a:effectLst>
+              </a14:hiddenEffects>
+            </a:ext>
+          </a:extLst>
+        </p:spPr>
+        <p:txBody>
+          <a:bodyPr vert="horz" wrap="square" lIns="0" tIns="0" rIns="0" bIns="0" numCol="1" rtlCol="0" anchor="ctr" anchorCtr="1" compatLnSpc="1">
+            <a:prstTxWarp prst="textNoShape">
+              <a:avLst/>
+            </a:prstTxWarp>
+            <a:normAutofit/>
+          </a:bodyPr>
+          <a:lstStyle>
+            <a:lvl1pPr marL="0" indent="0">
+              <a:buFontTx/>
+              <a:buNone/>
+              <a:defRPr lang="en-US" sz="1600" b="0" cap="none" baseline="0" smtClean="0">
+                <a:latin typeface="+mn-lt"/>
+                <a:ea typeface="+mj-ea"/>
+                <a:cs typeface="Times New Roman" pitchFamily="18" charset="0"/>
+              </a:defRPr>
+            </a:lvl1pPr>
+            <a:lvl2pPr>
+              <a:defRPr lang="en-US" smtClean="0"/>
+            </a:lvl2pPr>
+            <a:lvl3pPr>
+              <a:defRPr lang="en-US" smtClean="0"/>
+            </a:lvl3pPr>
+            <a:lvl4pPr>
+              <a:defRPr lang="en-US" smtClean="0"/>
+            </a:lvl4pPr>
+            <a:lvl5pPr>
+              <a:defRPr lang="en-GB"/>
+            </a:lvl5pPr>
+          </a:lstStyle>
+          <a:p>
+            <a:pPr lvl="0" algn="ctr" defTabSz="914400">
+              <a:spcBef>
+                <a:spcPct val="0"/>
+              </a:spcBef>
+              <a:buNone/>
+            </a:pPr>
+            <a:r>
+              <a:rPr lang="en-GB" noProof="0" dirty="0" smtClean="0"/>
+              <a:t>Click to add banner text</a:t>
+            </a:r>
+          </a:p>
+        </p:txBody>
+      </p:sp>
+      <p:pic>
+        <p:nvPicPr>
+          <p:cNvPr id="9" name="Picture 8"/>
+          <p:cNvPicPr>
+            <a:picLocks noChangeAspect="1"/>
+          </p:cNvPicPr>
+          <p:nvPr userDrawn="1"/>
+        </p:nvPicPr>
+        <p:blipFill>
+          <a:blip r:embed="rId2" cstate="print">
+            <a:extLst>
+              <a:ext uri="{28A0092B-C50C-407E-A947-70E740481C1C}">
+                <a14:useLocalDpi xmlns="" xmlns:a14="http://schemas.microsoft.com/office/drawing/2010/main" val="0"/>
+              </a:ext>
+            </a:extLst>
+          </a:blip>
+          <a:stretch>
+            <a:fillRect/>
+          </a:stretch>
+        </p:blipFill>
+        <p:spPr>
+          <a:xfrm>
+            <a:off x="4041594" y="6261024"/>
+            <a:ext cx="1188000" cy="289300"/>
+          </a:xfrm>
+          <a:prstGeom prst="rect">
+            <a:avLst/>
+          </a:prstGeom>
+        </p:spPr>
+      </p:pic>
+      <p:sp>
+        <p:nvSpPr>
+          <p:cNvPr id="10" name="Text Placeholder 8"/>
+          <p:cNvSpPr>
+            <a:spLocks noGrp="1"/>
+          </p:cNvSpPr>
+          <p:nvPr>
+            <p:ph type="body" sz="quarter" idx="13" hasCustomPrompt="1"/>
+          </p:nvPr>
+        </p:nvSpPr>
+        <p:spPr>
+          <a:xfrm>
+            <a:off x="539750" y="1089025"/>
+            <a:ext cx="8064500" cy="360363"/>
+          </a:xfrm>
+        </p:spPr>
+        <p:txBody>
+          <a:bodyPr wrap="square"/>
+          <a:lstStyle>
+            <a:lvl1pPr marL="0" indent="0" algn="ctr">
+              <a:buNone/>
+              <a:defRPr sz="1800">
+                <a:latin typeface="+mj-lt"/>
+              </a:defRPr>
+            </a:lvl1pPr>
+          </a:lstStyle>
+          <a:p>
+            <a:pPr lvl="0"/>
+            <a:r>
+              <a:rPr lang="en-GB" noProof="0" dirty="0" smtClean="0"/>
+              <a:t>Click to add optional sub title</a:t>
+            </a:r>
+            <a:endParaRPr lang="en-GB" noProof="0" dirty="0"/>
+          </a:p>
+        </p:txBody>
+      </p:sp>
+    </p:spTree>
+    <p:extLst>
+      <p:ext uri="{BB962C8B-B14F-4D97-AF65-F5344CB8AC3E}">
+        <p14:creationId xmlns="" xmlns:p14="http://schemas.microsoft.com/office/powerpoint/2010/main" val="86675937"/>
+      </p:ext>
+    </p:extLst>
+  </p:cSld>
+  <p:clrMapOvr>
+    <a:masterClrMapping/>
+  </p:clrMapOvr>
+  <p:timing>
+    <p:tnLst>
+      <p:par>
+        <p:cTn id="1" dur="indefinite" restart="never" nodeType="tmRoot"/>
+      </p:par>
+    </p:tnLst>
+  </p:timing>
+</p:sldLayout>
+</file>
+
+<file path=ppt/slideLayouts/slideLayout19.xml><?xml version="1.0" encoding="utf-8"?>
+<p:sldLayout xmlns:a="http://schemas.openxmlformats.org/drawingml/2006/main" xmlns:r="http://schemas.openxmlformats.org/officeDocument/2006/relationships" xmlns:p="http://schemas.openxmlformats.org/presentationml/2006/main" preserve="1" userDrawn="1">
+  <p:cSld name="Title and Table">
+    <p:spTree>
+      <p:nvGrpSpPr>
+        <p:cNvPr id="1" name=""/>
+        <p:cNvGrpSpPr/>
+        <p:nvPr/>
+      </p:nvGrpSpPr>
+      <p:grpSpPr>
+        <a:xfrm>
+          <a:off x="0" y="0"/>
+          <a:ext cx="0" cy="0"/>
+          <a:chOff x="0" y="0"/>
+          <a:chExt cx="0" cy="0"/>
+        </a:xfrm>
+      </p:grpSpPr>
+      <p:sp>
+        <p:nvSpPr>
+          <p:cNvPr id="2" name="Title 1"/>
+          <p:cNvSpPr>
+            <a:spLocks noGrp="1"/>
+          </p:cNvSpPr>
+          <p:nvPr>
+            <p:ph type="title"/>
+          </p:nvPr>
+        </p:nvSpPr>
+        <p:spPr/>
+        <p:txBody>
+          <a:bodyPr/>
+          <a:lstStyle/>
+          <a:p>
+            <a:r>
+              <a:rPr lang="en-US" smtClean="0"/>
+              <a:t>Click to edit Master title style</a:t>
+            </a:r>
+            <a:endParaRPr lang="en-GB"/>
+          </a:p>
+        </p:txBody>
+      </p:sp>
+      <p:sp>
+        <p:nvSpPr>
+          <p:cNvPr id="3" name="Footer Placeholder 2"/>
+          <p:cNvSpPr>
+            <a:spLocks noGrp="1"/>
+          </p:cNvSpPr>
+          <p:nvPr>
+            <p:ph type="ftr" sz="quarter" idx="10"/>
+          </p:nvPr>
+        </p:nvSpPr>
+        <p:spPr/>
+        <p:txBody>
+          <a:bodyPr/>
+          <a:lstStyle/>
+          <a:p>
+            <a:pPr algn="r" eaLnBrk="0" fontAlgn="base" hangingPunct="0">
+              <a:spcBef>
+                <a:spcPct val="0"/>
+              </a:spcBef>
+              <a:spcAft>
+                <a:spcPct val="0"/>
+              </a:spcAft>
+            </a:pPr>
+            <a:endParaRPr lang="en-GB" dirty="0"/>
+          </a:p>
+        </p:txBody>
+      </p:sp>
+      <p:sp>
+        <p:nvSpPr>
+          <p:cNvPr id="4" name="Slide Number Placeholder 3"/>
+          <p:cNvSpPr>
+            <a:spLocks noGrp="1"/>
+          </p:cNvSpPr>
+          <p:nvPr>
+            <p:ph type="sldNum" sz="quarter" idx="11"/>
+          </p:nvPr>
+        </p:nvSpPr>
+        <p:spPr/>
+        <p:txBody>
+          <a:bodyPr/>
+          <a:lstStyle/>
+          <a:p>
+            <a:fld id="{EF789A81-9B9B-445C-8A60-F916862B4649}" type="slidenum">
+              <a:rPr lang="en-GB" smtClean="0"/>
+              <a:pPr/>
+              <a:t>‹#›</a:t>
+            </a:fld>
+            <a:endParaRPr lang="en-GB" dirty="0"/>
+          </a:p>
+        </p:txBody>
+      </p:sp>
+      <p:sp>
+        <p:nvSpPr>
+          <p:cNvPr id="6" name="Table Placeholder 5"/>
+          <p:cNvSpPr>
+            <a:spLocks noGrp="1"/>
+          </p:cNvSpPr>
+          <p:nvPr>
+            <p:ph type="tbl" sz="quarter" idx="12"/>
+          </p:nvPr>
+        </p:nvSpPr>
+        <p:spPr/>
+        <p:txBody>
+          <a:bodyPr/>
+          <a:lstStyle>
+            <a:lvl1pPr marL="0" indent="0">
+              <a:buFontTx/>
+              <a:buNone/>
+              <a:defRPr baseline="0"/>
+            </a:lvl1pPr>
+          </a:lstStyle>
+          <a:p>
+            <a:r>
+              <a:rPr lang="en-US" smtClean="0"/>
+              <a:t>Click icon to add table</a:t>
+            </a:r>
+            <a:endParaRPr lang="en-GB" dirty="0"/>
+          </a:p>
+        </p:txBody>
+      </p:sp>
+      <p:pic>
+        <p:nvPicPr>
+          <p:cNvPr id="7" name="Picture 6"/>
+          <p:cNvPicPr>
+            <a:picLocks noChangeAspect="1"/>
+          </p:cNvPicPr>
+          <p:nvPr userDrawn="1"/>
+        </p:nvPicPr>
+        <p:blipFill>
+          <a:blip r:embed="rId2" cstate="print">
+            <a:extLst>
+              <a:ext uri="{28A0092B-C50C-407E-A947-70E740481C1C}">
+                <a14:useLocalDpi xmlns="" xmlns:a14="http://schemas.microsoft.com/office/drawing/2010/main" val="0"/>
+              </a:ext>
+            </a:extLst>
+          </a:blip>
+          <a:stretch>
+            <a:fillRect/>
+          </a:stretch>
+        </p:blipFill>
+        <p:spPr>
+          <a:xfrm>
+            <a:off x="4041594" y="6261024"/>
+            <a:ext cx="1188000" cy="289300"/>
+          </a:xfrm>
+          <a:prstGeom prst="rect">
+            <a:avLst/>
+          </a:prstGeom>
+        </p:spPr>
+      </p:pic>
+      <p:sp>
+        <p:nvSpPr>
+          <p:cNvPr id="8" name="Text Placeholder 8"/>
+          <p:cNvSpPr>
+            <a:spLocks noGrp="1"/>
+          </p:cNvSpPr>
+          <p:nvPr>
+            <p:ph type="body" sz="quarter" idx="13" hasCustomPrompt="1"/>
+          </p:nvPr>
+        </p:nvSpPr>
+        <p:spPr>
+          <a:xfrm>
+            <a:off x="539750" y="1089025"/>
+            <a:ext cx="8064500" cy="360363"/>
+          </a:xfrm>
+        </p:spPr>
+        <p:txBody>
+          <a:bodyPr wrap="square"/>
+          <a:lstStyle>
+            <a:lvl1pPr marL="0" indent="0" algn="ctr">
+              <a:buNone/>
+              <a:defRPr sz="1800">
+                <a:latin typeface="+mj-lt"/>
+              </a:defRPr>
+            </a:lvl1pPr>
+          </a:lstStyle>
+          <a:p>
+            <a:pPr lvl="0"/>
+            <a:r>
+              <a:rPr lang="en-GB" noProof="0" dirty="0" smtClean="0"/>
+              <a:t>Click to add optional sub title</a:t>
+            </a:r>
+            <a:endParaRPr lang="en-GB" noProof="0" dirty="0"/>
+          </a:p>
+        </p:txBody>
+      </p:sp>
+    </p:spTree>
+    <p:extLst>
+      <p:ext uri="{BB962C8B-B14F-4D97-AF65-F5344CB8AC3E}">
+        <p14:creationId xmlns="" xmlns:p14="http://schemas.microsoft.com/office/powerpoint/2010/main" val="8285584"/>
       </p:ext>
     </p:extLst>
   </p:cSld>
@@ -5614,7 +6006,7 @@
             <a:fld id="{9D21D778-B565-4D7E-94D7-64010A445B68}" type="datetimeFigureOut">
               <a:rPr lang="en-US" smtClean="0"/>
               <a:pPr eaLnBrk="1" latinLnBrk="0" hangingPunct="1"/>
-              <a:t>2/11/2014</a:t>
+              <a:t>2/15/2014</a:t>
             </a:fld>
             <a:endParaRPr lang="en-US"/>
           </a:p>
@@ -5844,1072 +6236,6 @@
 
 <file path=ppt/slideLayouts/slideLayout20.xml><?xml version="1.0" encoding="utf-8"?>
 <p:sldLayout xmlns:a="http://schemas.openxmlformats.org/drawingml/2006/main" xmlns:r="http://schemas.openxmlformats.org/officeDocument/2006/relationships" xmlns:p="http://schemas.openxmlformats.org/presentationml/2006/main" preserve="1" userDrawn="1">
-  <p:cSld name="Title Slide Fragrances">
-    <p:spTree>
-      <p:nvGrpSpPr>
-        <p:cNvPr id="1" name=""/>
-        <p:cNvGrpSpPr/>
-        <p:nvPr/>
-      </p:nvGrpSpPr>
-      <p:grpSpPr>
-        <a:xfrm>
-          <a:off x="0" y="0"/>
-          <a:ext cx="0" cy="0"/>
-          <a:chOff x="0" y="0"/>
-          <a:chExt cx="0" cy="0"/>
-        </a:xfrm>
-      </p:grpSpPr>
-      <p:sp>
-        <p:nvSpPr>
-          <p:cNvPr id="2" name="Title 1"/>
-          <p:cNvSpPr>
-            <a:spLocks noGrp="1"/>
-          </p:cNvSpPr>
-          <p:nvPr>
-            <p:ph type="ctrTitle" hasCustomPrompt="1"/>
-          </p:nvPr>
-        </p:nvSpPr>
-        <p:spPr>
-          <a:xfrm>
-            <a:off x="539750" y="5876924"/>
-            <a:ext cx="8064500" cy="396876"/>
-          </a:xfrm>
-        </p:spPr>
-        <p:txBody>
-          <a:bodyPr lIns="0" tIns="0" rIns="0" bIns="0" anchor="t" anchorCtr="0">
-            <a:noAutofit/>
-          </a:bodyPr>
-          <a:lstStyle>
-            <a:lvl1pPr>
-              <a:defRPr sz="2400">
-                <a:latin typeface="Times New Roman" pitchFamily="18" charset="0"/>
-                <a:cs typeface="Times New Roman" pitchFamily="18" charset="0"/>
-              </a:defRPr>
-            </a:lvl1pPr>
-          </a:lstStyle>
-          <a:p>
-            <a:r>
-              <a:rPr lang="en-GB" noProof="0" dirty="0" smtClean="0"/>
-              <a:t>Click to add title</a:t>
-            </a:r>
-            <a:endParaRPr lang="en-GB" noProof="0" dirty="0"/>
-          </a:p>
-        </p:txBody>
-      </p:sp>
-      <p:sp>
-        <p:nvSpPr>
-          <p:cNvPr id="3" name="Subtitle 2"/>
-          <p:cNvSpPr>
-            <a:spLocks noGrp="1"/>
-          </p:cNvSpPr>
-          <p:nvPr>
-            <p:ph type="subTitle" idx="1" hasCustomPrompt="1"/>
-          </p:nvPr>
-        </p:nvSpPr>
-        <p:spPr>
-          <a:xfrm>
-            <a:off x="539750" y="6273800"/>
-            <a:ext cx="8064500" cy="215540"/>
-          </a:xfrm>
-          <a:prstGeom prst="rect">
-            <a:avLst/>
-          </a:prstGeom>
-        </p:spPr>
-        <p:txBody>
-          <a:bodyPr lIns="0" tIns="0" rIns="0" bIns="0">
-            <a:noAutofit/>
-          </a:bodyPr>
-          <a:lstStyle>
-            <a:lvl1pPr marL="0" indent="0" algn="ctr">
-              <a:buNone/>
-              <a:defRPr sz="1400">
-                <a:solidFill>
-                  <a:schemeClr val="tx1"/>
-                </a:solidFill>
-                <a:latin typeface="Times New Roman" pitchFamily="18" charset="0"/>
-                <a:cs typeface="Times New Roman" pitchFamily="18" charset="0"/>
-              </a:defRPr>
-            </a:lvl1pPr>
-            <a:lvl2pPr marL="457200" indent="0" algn="ctr">
-              <a:buNone/>
-              <a:defRPr>
-                <a:solidFill>
-                  <a:schemeClr val="tx1">
-                    <a:tint val="75000"/>
-                  </a:schemeClr>
-                </a:solidFill>
-              </a:defRPr>
-            </a:lvl2pPr>
-            <a:lvl3pPr marL="914400" indent="0" algn="ctr">
-              <a:buNone/>
-              <a:defRPr>
-                <a:solidFill>
-                  <a:schemeClr val="tx1">
-                    <a:tint val="75000"/>
-                  </a:schemeClr>
-                </a:solidFill>
-              </a:defRPr>
-            </a:lvl3pPr>
-            <a:lvl4pPr marL="1371600" indent="0" algn="ctr">
-              <a:buNone/>
-              <a:defRPr>
-                <a:solidFill>
-                  <a:schemeClr val="tx1">
-                    <a:tint val="75000"/>
-                  </a:schemeClr>
-                </a:solidFill>
-              </a:defRPr>
-            </a:lvl4pPr>
-            <a:lvl5pPr marL="1828800" indent="0" algn="ctr">
-              <a:buNone/>
-              <a:defRPr>
-                <a:solidFill>
-                  <a:schemeClr val="tx1">
-                    <a:tint val="75000"/>
-                  </a:schemeClr>
-                </a:solidFill>
-              </a:defRPr>
-            </a:lvl5pPr>
-            <a:lvl6pPr marL="2286000" indent="0" algn="ctr">
-              <a:buNone/>
-              <a:defRPr>
-                <a:solidFill>
-                  <a:schemeClr val="tx1">
-                    <a:tint val="75000"/>
-                  </a:schemeClr>
-                </a:solidFill>
-              </a:defRPr>
-            </a:lvl6pPr>
-            <a:lvl7pPr marL="2743200" indent="0" algn="ctr">
-              <a:buNone/>
-              <a:defRPr>
-                <a:solidFill>
-                  <a:schemeClr val="tx1">
-                    <a:tint val="75000"/>
-                  </a:schemeClr>
-                </a:solidFill>
-              </a:defRPr>
-            </a:lvl7pPr>
-            <a:lvl8pPr marL="3200400" indent="0" algn="ctr">
-              <a:buNone/>
-              <a:defRPr>
-                <a:solidFill>
-                  <a:schemeClr val="tx1">
-                    <a:tint val="75000"/>
-                  </a:schemeClr>
-                </a:solidFill>
-              </a:defRPr>
-            </a:lvl8pPr>
-            <a:lvl9pPr marL="3657600" indent="0" algn="ctr">
-              <a:buNone/>
-              <a:defRPr>
-                <a:solidFill>
-                  <a:schemeClr val="tx1">
-                    <a:tint val="75000"/>
-                  </a:schemeClr>
-                </a:solidFill>
-              </a:defRPr>
-            </a:lvl9pPr>
-          </a:lstStyle>
-          <a:p>
-            <a:r>
-              <a:rPr lang="en-GB" noProof="0" dirty="0" smtClean="0"/>
-              <a:t>Click to add sub title</a:t>
-            </a:r>
-            <a:endParaRPr lang="en-GB" noProof="0" dirty="0"/>
-          </a:p>
-        </p:txBody>
-      </p:sp>
-      <p:pic>
-        <p:nvPicPr>
-          <p:cNvPr id="8" name="Picture 7"/>
-          <p:cNvPicPr>
-            <a:picLocks noChangeAspect="1"/>
-          </p:cNvPicPr>
-          <p:nvPr userDrawn="1"/>
-        </p:nvPicPr>
-        <p:blipFill>
-          <a:blip r:embed="rId2" cstate="print">
-            <a:extLst>
-              <a:ext uri="{28A0092B-C50C-407E-A947-70E740481C1C}">
-                <a14:useLocalDpi xmlns:a14="http://schemas.microsoft.com/office/drawing/2010/main" xmlns="" val="0"/>
-              </a:ext>
-            </a:extLst>
-          </a:blip>
-          <a:stretch>
-            <a:fillRect/>
-          </a:stretch>
-        </p:blipFill>
-        <p:spPr>
-          <a:xfrm>
-            <a:off x="3912023" y="458672"/>
-            <a:ext cx="1476000" cy="780396"/>
-          </a:xfrm>
-          <a:prstGeom prst="rect">
-            <a:avLst/>
-          </a:prstGeom>
-        </p:spPr>
-      </p:pic>
-      <p:pic>
-        <p:nvPicPr>
-          <p:cNvPr id="6" name="Picture 5"/>
-          <p:cNvPicPr>
-            <a:picLocks noChangeAspect="1"/>
-          </p:cNvPicPr>
-          <p:nvPr userDrawn="1"/>
-        </p:nvPicPr>
-        <p:blipFill>
-          <a:blip r:embed="rId3" cstate="print">
-            <a:extLst>
-              <a:ext uri="{28A0092B-C50C-407E-A947-70E740481C1C}">
-                <a14:useLocalDpi xmlns:a14="http://schemas.microsoft.com/office/drawing/2010/main" xmlns="" val="0"/>
-              </a:ext>
-            </a:extLst>
-          </a:blip>
-          <a:stretch>
-            <a:fillRect/>
-          </a:stretch>
-        </p:blipFill>
-        <p:spPr>
-          <a:xfrm>
-            <a:off x="0" y="1449388"/>
-            <a:ext cx="9144000" cy="3657600"/>
-          </a:xfrm>
-          <a:prstGeom prst="rect">
-            <a:avLst/>
-          </a:prstGeom>
-        </p:spPr>
-      </p:pic>
-      <p:sp>
-        <p:nvSpPr>
-          <p:cNvPr id="7" name="Text Placeholder 4"/>
-          <p:cNvSpPr>
-            <a:spLocks noGrp="1"/>
-          </p:cNvSpPr>
-          <p:nvPr>
-            <p:ph type="body" sz="quarter" idx="10" hasCustomPrompt="1"/>
-          </p:nvPr>
-        </p:nvSpPr>
-        <p:spPr>
-          <a:xfrm>
-            <a:off x="539750" y="6561088"/>
-            <a:ext cx="8064500" cy="216000"/>
-          </a:xfrm>
-        </p:spPr>
-        <p:txBody>
-          <a:bodyPr anchor="ctr" anchorCtr="0"/>
-          <a:lstStyle>
-            <a:lvl1pPr marL="0" indent="0" algn="ctr">
-              <a:buFontTx/>
-              <a:buNone/>
-              <a:defRPr sz="1200" baseline="0">
-                <a:solidFill>
-                  <a:schemeClr val="tx2"/>
-                </a:solidFill>
-              </a:defRPr>
-            </a:lvl1pPr>
-          </a:lstStyle>
-          <a:p>
-            <a:pPr lvl="0"/>
-            <a:r>
-              <a:rPr lang="en-GB" noProof="0" dirty="0" smtClean="0"/>
-              <a:t>Month Year</a:t>
-            </a:r>
-            <a:endParaRPr lang="en-GB" noProof="0" dirty="0"/>
-          </a:p>
-        </p:txBody>
-      </p:sp>
-    </p:spTree>
-    <p:extLst>
-      <p:ext uri="{BB962C8B-B14F-4D97-AF65-F5344CB8AC3E}">
-        <p14:creationId xmlns:p14="http://schemas.microsoft.com/office/powerpoint/2010/main" xmlns="" val="127214035"/>
-      </p:ext>
-    </p:extLst>
-  </p:cSld>
-  <p:clrMapOvr>
-    <a:masterClrMapping/>
-  </p:clrMapOvr>
-  <p:timing>
-    <p:tnLst>
-      <p:par>
-        <p:cTn id="1" dur="indefinite" restart="never" nodeType="tmRoot"/>
-      </p:par>
-    </p:tnLst>
-  </p:timing>
-</p:sldLayout>
-</file>
-
-<file path=ppt/slideLayouts/slideLayout21.xml><?xml version="1.0" encoding="utf-8"?>
-<p:sldLayout xmlns:a="http://schemas.openxmlformats.org/drawingml/2006/main" xmlns:r="http://schemas.openxmlformats.org/officeDocument/2006/relationships" xmlns:p="http://schemas.openxmlformats.org/presentationml/2006/main" preserve="1" userDrawn="1">
-  <p:cSld name="1_Section Header">
-    <p:spTree>
-      <p:nvGrpSpPr>
-        <p:cNvPr id="1" name=""/>
-        <p:cNvGrpSpPr/>
-        <p:nvPr/>
-      </p:nvGrpSpPr>
-      <p:grpSpPr>
-        <a:xfrm>
-          <a:off x="0" y="0"/>
-          <a:ext cx="0" cy="0"/>
-          <a:chOff x="0" y="0"/>
-          <a:chExt cx="0" cy="0"/>
-        </a:xfrm>
-      </p:grpSpPr>
-      <p:sp>
-        <p:nvSpPr>
-          <p:cNvPr id="2" name="Title 1"/>
-          <p:cNvSpPr>
-            <a:spLocks noGrp="1"/>
-          </p:cNvSpPr>
-          <p:nvPr>
-            <p:ph type="title" hasCustomPrompt="1"/>
-          </p:nvPr>
-        </p:nvSpPr>
-        <p:spPr>
-          <a:xfrm>
-            <a:off x="0" y="1449388"/>
-            <a:ext cx="9144000" cy="3657600"/>
-          </a:xfrm>
-          <a:gradFill>
-            <a:gsLst>
-              <a:gs pos="0">
-                <a:schemeClr val="bg2"/>
-              </a:gs>
-              <a:gs pos="100000">
-                <a:schemeClr val="bg2">
-                  <a:alpha val="10000"/>
-                </a:schemeClr>
-              </a:gs>
-            </a:gsLst>
-            <a:lin ang="5400000" scaled="0"/>
-          </a:gradFill>
-        </p:spPr>
-        <p:txBody>
-          <a:bodyPr anchor="ctr" anchorCtr="1">
-            <a:noAutofit/>
-          </a:bodyPr>
-          <a:lstStyle>
-            <a:lvl1pPr algn="ctr">
-              <a:defRPr sz="2800" b="0" cap="none" baseline="0"/>
-            </a:lvl1pPr>
-          </a:lstStyle>
-          <a:p>
-            <a:r>
-              <a:rPr lang="en-GB" noProof="0" dirty="0" smtClean="0"/>
-              <a:t>Click to add title</a:t>
-            </a:r>
-            <a:endParaRPr lang="en-GB" noProof="0" dirty="0"/>
-          </a:p>
-        </p:txBody>
-      </p:sp>
-      <p:sp>
-        <p:nvSpPr>
-          <p:cNvPr id="5" name="Footer Placeholder 4"/>
-          <p:cNvSpPr>
-            <a:spLocks noGrp="1"/>
-          </p:cNvSpPr>
-          <p:nvPr>
-            <p:ph type="ftr" sz="quarter" idx="11"/>
-          </p:nvPr>
-        </p:nvSpPr>
-        <p:spPr/>
-        <p:txBody>
-          <a:bodyPr/>
-          <a:lstStyle>
-            <a:lvl1pPr algn="r">
-              <a:defRPr/>
-            </a:lvl1pPr>
-          </a:lstStyle>
-          <a:p>
-            <a:endParaRPr lang="en-GB" dirty="0"/>
-          </a:p>
-        </p:txBody>
-      </p:sp>
-      <p:sp>
-        <p:nvSpPr>
-          <p:cNvPr id="6" name="Slide Number Placeholder 5"/>
-          <p:cNvSpPr>
-            <a:spLocks noGrp="1"/>
-          </p:cNvSpPr>
-          <p:nvPr>
-            <p:ph type="sldNum" sz="quarter" idx="12"/>
-          </p:nvPr>
-        </p:nvSpPr>
-        <p:spPr/>
-        <p:txBody>
-          <a:bodyPr/>
-          <a:lstStyle/>
-          <a:p>
-            <a:fld id="{EF789A81-9B9B-445C-8A60-F916862B4649}" type="slidenum">
-              <a:rPr lang="en-GB" smtClean="0"/>
-              <a:pPr/>
-              <a:t>‹#›</a:t>
-            </a:fld>
-            <a:endParaRPr lang="en-GB" dirty="0"/>
-          </a:p>
-        </p:txBody>
-      </p:sp>
-      <p:pic>
-        <p:nvPicPr>
-          <p:cNvPr id="8" name="Picture 7"/>
-          <p:cNvPicPr>
-            <a:picLocks noChangeAspect="1"/>
-          </p:cNvPicPr>
-          <p:nvPr userDrawn="1"/>
-        </p:nvPicPr>
-        <p:blipFill>
-          <a:blip r:embed="rId2" cstate="print">
-            <a:extLst>
-              <a:ext uri="{28A0092B-C50C-407E-A947-70E740481C1C}">
-                <a14:useLocalDpi xmlns:a14="http://schemas.microsoft.com/office/drawing/2010/main" xmlns="" val="0"/>
-              </a:ext>
-            </a:extLst>
-          </a:blip>
-          <a:stretch>
-            <a:fillRect/>
-          </a:stretch>
-        </p:blipFill>
-        <p:spPr>
-          <a:xfrm>
-            <a:off x="3912023" y="458672"/>
-            <a:ext cx="1476000" cy="780396"/>
-          </a:xfrm>
-          <a:prstGeom prst="rect">
-            <a:avLst/>
-          </a:prstGeom>
-        </p:spPr>
-      </p:pic>
-      <p:sp>
-        <p:nvSpPr>
-          <p:cNvPr id="12" name="Text Placeholder 11"/>
-          <p:cNvSpPr>
-            <a:spLocks noGrp="1"/>
-          </p:cNvSpPr>
-          <p:nvPr>
-            <p:ph type="body" sz="quarter" idx="14" hasCustomPrompt="1"/>
-          </p:nvPr>
-        </p:nvSpPr>
-        <p:spPr>
-          <a:xfrm>
-            <a:off x="539750" y="5485222"/>
-            <a:ext cx="8063768" cy="396875"/>
-          </a:xfrm>
-          <a:prstGeom prst="rect">
-            <a:avLst/>
-          </a:prstGeom>
-        </p:spPr>
-        <p:txBody>
-          <a:bodyPr/>
-          <a:lstStyle>
-            <a:lvl1pPr marL="0" indent="0" algn="ctr">
-              <a:buFontTx/>
-              <a:buNone/>
-              <a:defRPr sz="1400">
-                <a:latin typeface="Times New Roman" pitchFamily="18" charset="0"/>
-                <a:cs typeface="Times New Roman" pitchFamily="18" charset="0"/>
-              </a:defRPr>
-            </a:lvl1pPr>
-            <a:lvl2pPr marL="362925" indent="0" algn="ctr">
-              <a:buFontTx/>
-              <a:buNone/>
-              <a:defRPr sz="1400">
-                <a:latin typeface="Times New Roman" pitchFamily="18" charset="0"/>
-                <a:cs typeface="Times New Roman" pitchFamily="18" charset="0"/>
-              </a:defRPr>
-            </a:lvl2pPr>
-            <a:lvl3pPr marL="720000" indent="0" algn="ctr">
-              <a:buFontTx/>
-              <a:buNone/>
-              <a:defRPr sz="1400">
-                <a:latin typeface="Times New Roman" pitchFamily="18" charset="0"/>
-                <a:cs typeface="Times New Roman" pitchFamily="18" charset="0"/>
-              </a:defRPr>
-            </a:lvl3pPr>
-            <a:lvl4pPr marL="1078888" indent="0" algn="ctr">
-              <a:buFontTx/>
-              <a:buNone/>
-              <a:defRPr sz="1400">
-                <a:latin typeface="Times New Roman" pitchFamily="18" charset="0"/>
-                <a:cs typeface="Times New Roman" pitchFamily="18" charset="0"/>
-              </a:defRPr>
-            </a:lvl4pPr>
-            <a:lvl5pPr marL="1440000" indent="0" algn="ctr">
-              <a:buFontTx/>
-              <a:buNone/>
-              <a:defRPr sz="1400">
-                <a:latin typeface="Times New Roman" pitchFamily="18" charset="0"/>
-                <a:cs typeface="Times New Roman" pitchFamily="18" charset="0"/>
-              </a:defRPr>
-            </a:lvl5pPr>
-          </a:lstStyle>
-          <a:p>
-            <a:pPr lvl="0"/>
-            <a:r>
-              <a:rPr lang="en-GB" noProof="0" dirty="0" smtClean="0"/>
-              <a:t>Click to add sub title</a:t>
-            </a:r>
-          </a:p>
-        </p:txBody>
-      </p:sp>
-    </p:spTree>
-    <p:extLst>
-      <p:ext uri="{BB962C8B-B14F-4D97-AF65-F5344CB8AC3E}">
-        <p14:creationId xmlns:p14="http://schemas.microsoft.com/office/powerpoint/2010/main" xmlns="" val="3004179911"/>
-      </p:ext>
-    </p:extLst>
-  </p:cSld>
-  <p:clrMapOvr>
-    <a:masterClrMapping/>
-  </p:clrMapOvr>
-  <p:timing>
-    <p:tnLst>
-      <p:par>
-        <p:cTn id="1" dur="indefinite" restart="never" nodeType="tmRoot"/>
-      </p:par>
-    </p:tnLst>
-  </p:timing>
-</p:sldLayout>
-</file>
-
-<file path=ppt/slideLayouts/slideLayout22.xml><?xml version="1.0" encoding="utf-8"?>
-<p:sldLayout xmlns:a="http://schemas.openxmlformats.org/drawingml/2006/main" xmlns:r="http://schemas.openxmlformats.org/officeDocument/2006/relationships" xmlns:p="http://schemas.openxmlformats.org/presentationml/2006/main" preserve="1" userDrawn="1">
-  <p:cSld name="Title, Content and Banner Text">
-    <p:spTree>
-      <p:nvGrpSpPr>
-        <p:cNvPr id="1" name=""/>
-        <p:cNvGrpSpPr/>
-        <p:nvPr/>
-      </p:nvGrpSpPr>
-      <p:grpSpPr>
-        <a:xfrm>
-          <a:off x="0" y="0"/>
-          <a:ext cx="0" cy="0"/>
-          <a:chOff x="0" y="0"/>
-          <a:chExt cx="0" cy="0"/>
-        </a:xfrm>
-      </p:grpSpPr>
-      <p:sp>
-        <p:nvSpPr>
-          <p:cNvPr id="2" name="Title 1"/>
-          <p:cNvSpPr>
-            <a:spLocks noGrp="1"/>
-          </p:cNvSpPr>
-          <p:nvPr>
-            <p:ph type="title" hasCustomPrompt="1"/>
-          </p:nvPr>
-        </p:nvSpPr>
-        <p:spPr/>
-        <p:txBody>
-          <a:bodyPr/>
-          <a:lstStyle>
-            <a:lvl1pPr>
-              <a:defRPr/>
-            </a:lvl1pPr>
-          </a:lstStyle>
-          <a:p>
-            <a:r>
-              <a:rPr lang="en-GB" noProof="0" dirty="0" smtClean="0"/>
-              <a:t>Click to add title</a:t>
-            </a:r>
-            <a:endParaRPr lang="en-GB" noProof="0" dirty="0"/>
-          </a:p>
-        </p:txBody>
-      </p:sp>
-      <p:sp>
-        <p:nvSpPr>
-          <p:cNvPr id="3" name="Footer Placeholder 2"/>
-          <p:cNvSpPr>
-            <a:spLocks noGrp="1"/>
-          </p:cNvSpPr>
-          <p:nvPr>
-            <p:ph type="ftr" sz="quarter" idx="10"/>
-          </p:nvPr>
-        </p:nvSpPr>
-        <p:spPr/>
-        <p:txBody>
-          <a:bodyPr/>
-          <a:lstStyle/>
-          <a:p>
-            <a:pPr algn="r" eaLnBrk="0" fontAlgn="base" hangingPunct="0">
-              <a:spcBef>
-                <a:spcPct val="0"/>
-              </a:spcBef>
-              <a:spcAft>
-                <a:spcPct val="0"/>
-              </a:spcAft>
-            </a:pPr>
-            <a:endParaRPr lang="en-GB" dirty="0"/>
-          </a:p>
-        </p:txBody>
-      </p:sp>
-      <p:sp>
-        <p:nvSpPr>
-          <p:cNvPr id="4" name="Slide Number Placeholder 3"/>
-          <p:cNvSpPr>
-            <a:spLocks noGrp="1"/>
-          </p:cNvSpPr>
-          <p:nvPr>
-            <p:ph type="sldNum" sz="quarter" idx="11"/>
-          </p:nvPr>
-        </p:nvSpPr>
-        <p:spPr/>
-        <p:txBody>
-          <a:bodyPr/>
-          <a:lstStyle/>
-          <a:p>
-            <a:fld id="{EF789A81-9B9B-445C-8A60-F916862B4649}" type="slidenum">
-              <a:rPr lang="en-GB" smtClean="0"/>
-              <a:pPr/>
-              <a:t>‹#›</a:t>
-            </a:fld>
-            <a:endParaRPr lang="en-GB" dirty="0"/>
-          </a:p>
-        </p:txBody>
-      </p:sp>
-      <p:sp>
-        <p:nvSpPr>
-          <p:cNvPr id="6" name="Text Placeholder 5"/>
-          <p:cNvSpPr>
-            <a:spLocks noGrp="1"/>
-          </p:cNvSpPr>
-          <p:nvPr>
-            <p:ph type="body" sz="quarter" idx="12" hasCustomPrompt="1"/>
-          </p:nvPr>
-        </p:nvSpPr>
-        <p:spPr>
-          <a:xfrm>
-            <a:off x="539750" y="1844674"/>
-            <a:ext cx="8064500" cy="3240000"/>
-          </a:xfrm>
-        </p:spPr>
-        <p:txBody>
-          <a:bodyPr/>
-          <a:lstStyle>
-            <a:lvl1pPr>
-              <a:defRPr/>
-            </a:lvl1pPr>
-          </a:lstStyle>
-          <a:p>
-            <a:pPr lvl="0"/>
-            <a:r>
-              <a:rPr lang="en-GB" noProof="0" dirty="0" smtClean="0"/>
-              <a:t>Click to add text</a:t>
-            </a:r>
-          </a:p>
-          <a:p>
-            <a:pPr lvl="1"/>
-            <a:r>
-              <a:rPr lang="en-GB" noProof="0" dirty="0" smtClean="0"/>
-              <a:t>Second level</a:t>
-            </a:r>
-          </a:p>
-          <a:p>
-            <a:pPr lvl="2"/>
-            <a:r>
-              <a:rPr lang="en-GB" noProof="0" dirty="0" smtClean="0"/>
-              <a:t>Third level</a:t>
-            </a:r>
-          </a:p>
-          <a:p>
-            <a:pPr lvl="3"/>
-            <a:r>
-              <a:rPr lang="en-GB" noProof="0" dirty="0" smtClean="0"/>
-              <a:t>Fourth level</a:t>
-            </a:r>
-          </a:p>
-          <a:p>
-            <a:pPr lvl="4"/>
-            <a:r>
-              <a:rPr lang="en-GB" noProof="0" dirty="0" smtClean="0"/>
-              <a:t>Fifth level</a:t>
-            </a:r>
-            <a:endParaRPr lang="en-GB" noProof="0" dirty="0"/>
-          </a:p>
-        </p:txBody>
-      </p:sp>
-      <p:sp>
-        <p:nvSpPr>
-          <p:cNvPr id="8" name="Text Placeholder 7"/>
-          <p:cNvSpPr>
-            <a:spLocks noGrp="1"/>
-          </p:cNvSpPr>
-          <p:nvPr>
-            <p:ph type="body" sz="quarter" idx="14" hasCustomPrompt="1"/>
-          </p:nvPr>
-        </p:nvSpPr>
-        <p:spPr>
-          <a:xfrm>
-            <a:off x="0" y="5075375"/>
-            <a:ext cx="9144000" cy="792000"/>
-          </a:xfrm>
-          <a:gradFill>
-            <a:gsLst>
-              <a:gs pos="0">
-                <a:schemeClr val="bg2"/>
-              </a:gs>
-              <a:gs pos="100000">
-                <a:schemeClr val="bg2">
-                  <a:alpha val="10000"/>
-                </a:schemeClr>
-              </a:gs>
-            </a:gsLst>
-            <a:lin ang="5400000" scaled="0"/>
-          </a:gradFill>
-          <a:ln>
-            <a:noFill/>
-          </a:ln>
-          <a:effectLst/>
-          <a:extLst>
-            <a:ext uri="{AF507438-7753-43E0-B8FC-AC1667EBCBE1}">
-              <a14:hiddenEffects xmlns:a14="http://schemas.microsoft.com/office/drawing/2010/main" xmlns="">
-                <a:effectLst>
-                  <a:outerShdw dist="35921" dir="2700000" algn="ctr" rotWithShape="0">
-                    <a:schemeClr val="bg2"/>
-                  </a:outerShdw>
-                </a:effectLst>
-              </a14:hiddenEffects>
-            </a:ext>
-          </a:extLst>
-        </p:spPr>
-        <p:txBody>
-          <a:bodyPr vert="horz" wrap="square" lIns="0" tIns="0" rIns="0" bIns="0" numCol="1" rtlCol="0" anchor="ctr" anchorCtr="1" compatLnSpc="1">
-            <a:prstTxWarp prst="textNoShape">
-              <a:avLst/>
-            </a:prstTxWarp>
-            <a:normAutofit/>
-          </a:bodyPr>
-          <a:lstStyle>
-            <a:lvl1pPr marL="0" indent="0">
-              <a:buFontTx/>
-              <a:buNone/>
-              <a:defRPr lang="en-US" sz="1600" b="0" cap="none" baseline="0" smtClean="0">
-                <a:latin typeface="+mn-lt"/>
-                <a:ea typeface="+mj-ea"/>
-                <a:cs typeface="Times New Roman" pitchFamily="18" charset="0"/>
-              </a:defRPr>
-            </a:lvl1pPr>
-            <a:lvl2pPr>
-              <a:defRPr lang="en-US" smtClean="0"/>
-            </a:lvl2pPr>
-            <a:lvl3pPr>
-              <a:defRPr lang="en-US" smtClean="0"/>
-            </a:lvl3pPr>
-            <a:lvl4pPr>
-              <a:defRPr lang="en-US" smtClean="0"/>
-            </a:lvl4pPr>
-            <a:lvl5pPr>
-              <a:defRPr lang="en-GB"/>
-            </a:lvl5pPr>
-          </a:lstStyle>
-          <a:p>
-            <a:pPr lvl="0" algn="ctr" defTabSz="914400">
-              <a:spcBef>
-                <a:spcPct val="0"/>
-              </a:spcBef>
-              <a:buNone/>
-            </a:pPr>
-            <a:r>
-              <a:rPr lang="en-GB" noProof="0" dirty="0" smtClean="0"/>
-              <a:t>Click to add banner text</a:t>
-            </a:r>
-          </a:p>
-        </p:txBody>
-      </p:sp>
-      <p:pic>
-        <p:nvPicPr>
-          <p:cNvPr id="9" name="Picture 8"/>
-          <p:cNvPicPr>
-            <a:picLocks noChangeAspect="1"/>
-          </p:cNvPicPr>
-          <p:nvPr userDrawn="1"/>
-        </p:nvPicPr>
-        <p:blipFill>
-          <a:blip r:embed="rId2" cstate="print">
-            <a:extLst>
-              <a:ext uri="{28A0092B-C50C-407E-A947-70E740481C1C}">
-                <a14:useLocalDpi xmlns:a14="http://schemas.microsoft.com/office/drawing/2010/main" xmlns="" val="0"/>
-              </a:ext>
-            </a:extLst>
-          </a:blip>
-          <a:stretch>
-            <a:fillRect/>
-          </a:stretch>
-        </p:blipFill>
-        <p:spPr>
-          <a:xfrm>
-            <a:off x="4041594" y="6261024"/>
-            <a:ext cx="1188000" cy="289300"/>
-          </a:xfrm>
-          <a:prstGeom prst="rect">
-            <a:avLst/>
-          </a:prstGeom>
-        </p:spPr>
-      </p:pic>
-      <p:sp>
-        <p:nvSpPr>
-          <p:cNvPr id="10" name="Text Placeholder 8"/>
-          <p:cNvSpPr>
-            <a:spLocks noGrp="1"/>
-          </p:cNvSpPr>
-          <p:nvPr>
-            <p:ph type="body" sz="quarter" idx="13" hasCustomPrompt="1"/>
-          </p:nvPr>
-        </p:nvSpPr>
-        <p:spPr>
-          <a:xfrm>
-            <a:off x="539750" y="1089025"/>
-            <a:ext cx="8064500" cy="360363"/>
-          </a:xfrm>
-        </p:spPr>
-        <p:txBody>
-          <a:bodyPr wrap="square"/>
-          <a:lstStyle>
-            <a:lvl1pPr marL="0" indent="0" algn="ctr">
-              <a:buNone/>
-              <a:defRPr sz="1800">
-                <a:latin typeface="+mj-lt"/>
-              </a:defRPr>
-            </a:lvl1pPr>
-          </a:lstStyle>
-          <a:p>
-            <a:pPr lvl="0"/>
-            <a:r>
-              <a:rPr lang="en-GB" noProof="0" dirty="0" smtClean="0"/>
-              <a:t>Click to add optional sub title</a:t>
-            </a:r>
-            <a:endParaRPr lang="en-GB" noProof="0" dirty="0"/>
-          </a:p>
-        </p:txBody>
-      </p:sp>
-    </p:spTree>
-    <p:extLst>
-      <p:ext uri="{BB962C8B-B14F-4D97-AF65-F5344CB8AC3E}">
-        <p14:creationId xmlns:p14="http://schemas.microsoft.com/office/powerpoint/2010/main" xmlns="" val="86675937"/>
-      </p:ext>
-    </p:extLst>
-  </p:cSld>
-  <p:clrMapOvr>
-    <a:masterClrMapping/>
-  </p:clrMapOvr>
-  <p:timing>
-    <p:tnLst>
-      <p:par>
-        <p:cTn id="1" dur="indefinite" restart="never" nodeType="tmRoot"/>
-      </p:par>
-    </p:tnLst>
-  </p:timing>
-</p:sldLayout>
-</file>
-
-<file path=ppt/slideLayouts/slideLayout23.xml><?xml version="1.0" encoding="utf-8"?>
-<p:sldLayout xmlns:a="http://schemas.openxmlformats.org/drawingml/2006/main" xmlns:r="http://schemas.openxmlformats.org/officeDocument/2006/relationships" xmlns:p="http://schemas.openxmlformats.org/presentationml/2006/main" preserve="1" userDrawn="1">
-  <p:cSld name="Title and Table">
-    <p:spTree>
-      <p:nvGrpSpPr>
-        <p:cNvPr id="1" name=""/>
-        <p:cNvGrpSpPr/>
-        <p:nvPr/>
-      </p:nvGrpSpPr>
-      <p:grpSpPr>
-        <a:xfrm>
-          <a:off x="0" y="0"/>
-          <a:ext cx="0" cy="0"/>
-          <a:chOff x="0" y="0"/>
-          <a:chExt cx="0" cy="0"/>
-        </a:xfrm>
-      </p:grpSpPr>
-      <p:sp>
-        <p:nvSpPr>
-          <p:cNvPr id="2" name="Title 1"/>
-          <p:cNvSpPr>
-            <a:spLocks noGrp="1"/>
-          </p:cNvSpPr>
-          <p:nvPr>
-            <p:ph type="title"/>
-          </p:nvPr>
-        </p:nvSpPr>
-        <p:spPr/>
-        <p:txBody>
-          <a:bodyPr/>
-          <a:lstStyle/>
-          <a:p>
-            <a:r>
-              <a:rPr lang="en-US" smtClean="0"/>
-              <a:t>Click to edit Master title style</a:t>
-            </a:r>
-            <a:endParaRPr lang="en-GB"/>
-          </a:p>
-        </p:txBody>
-      </p:sp>
-      <p:sp>
-        <p:nvSpPr>
-          <p:cNvPr id="3" name="Footer Placeholder 2"/>
-          <p:cNvSpPr>
-            <a:spLocks noGrp="1"/>
-          </p:cNvSpPr>
-          <p:nvPr>
-            <p:ph type="ftr" sz="quarter" idx="10"/>
-          </p:nvPr>
-        </p:nvSpPr>
-        <p:spPr/>
-        <p:txBody>
-          <a:bodyPr/>
-          <a:lstStyle/>
-          <a:p>
-            <a:pPr algn="r" eaLnBrk="0" fontAlgn="base" hangingPunct="0">
-              <a:spcBef>
-                <a:spcPct val="0"/>
-              </a:spcBef>
-              <a:spcAft>
-                <a:spcPct val="0"/>
-              </a:spcAft>
-            </a:pPr>
-            <a:endParaRPr lang="en-GB" dirty="0"/>
-          </a:p>
-        </p:txBody>
-      </p:sp>
-      <p:sp>
-        <p:nvSpPr>
-          <p:cNvPr id="4" name="Slide Number Placeholder 3"/>
-          <p:cNvSpPr>
-            <a:spLocks noGrp="1"/>
-          </p:cNvSpPr>
-          <p:nvPr>
-            <p:ph type="sldNum" sz="quarter" idx="11"/>
-          </p:nvPr>
-        </p:nvSpPr>
-        <p:spPr/>
-        <p:txBody>
-          <a:bodyPr/>
-          <a:lstStyle/>
-          <a:p>
-            <a:fld id="{EF789A81-9B9B-445C-8A60-F916862B4649}" type="slidenum">
-              <a:rPr lang="en-GB" smtClean="0"/>
-              <a:pPr/>
-              <a:t>‹#›</a:t>
-            </a:fld>
-            <a:endParaRPr lang="en-GB" dirty="0"/>
-          </a:p>
-        </p:txBody>
-      </p:sp>
-      <p:sp>
-        <p:nvSpPr>
-          <p:cNvPr id="6" name="Table Placeholder 5"/>
-          <p:cNvSpPr>
-            <a:spLocks noGrp="1"/>
-          </p:cNvSpPr>
-          <p:nvPr>
-            <p:ph type="tbl" sz="quarter" idx="12"/>
-          </p:nvPr>
-        </p:nvSpPr>
-        <p:spPr/>
-        <p:txBody>
-          <a:bodyPr/>
-          <a:lstStyle>
-            <a:lvl1pPr marL="0" indent="0">
-              <a:buFontTx/>
-              <a:buNone/>
-              <a:defRPr baseline="0"/>
-            </a:lvl1pPr>
-          </a:lstStyle>
-          <a:p>
-            <a:r>
-              <a:rPr lang="en-US" smtClean="0"/>
-              <a:t>Click icon to add table</a:t>
-            </a:r>
-            <a:endParaRPr lang="en-GB" dirty="0"/>
-          </a:p>
-        </p:txBody>
-      </p:sp>
-      <p:pic>
-        <p:nvPicPr>
-          <p:cNvPr id="7" name="Picture 6"/>
-          <p:cNvPicPr>
-            <a:picLocks noChangeAspect="1"/>
-          </p:cNvPicPr>
-          <p:nvPr userDrawn="1"/>
-        </p:nvPicPr>
-        <p:blipFill>
-          <a:blip r:embed="rId2" cstate="print">
-            <a:extLst>
-              <a:ext uri="{28A0092B-C50C-407E-A947-70E740481C1C}">
-                <a14:useLocalDpi xmlns:a14="http://schemas.microsoft.com/office/drawing/2010/main" xmlns="" val="0"/>
-              </a:ext>
-            </a:extLst>
-          </a:blip>
-          <a:stretch>
-            <a:fillRect/>
-          </a:stretch>
-        </p:blipFill>
-        <p:spPr>
-          <a:xfrm>
-            <a:off x="4041594" y="6261024"/>
-            <a:ext cx="1188000" cy="289300"/>
-          </a:xfrm>
-          <a:prstGeom prst="rect">
-            <a:avLst/>
-          </a:prstGeom>
-        </p:spPr>
-      </p:pic>
-      <p:sp>
-        <p:nvSpPr>
-          <p:cNvPr id="8" name="Text Placeholder 8"/>
-          <p:cNvSpPr>
-            <a:spLocks noGrp="1"/>
-          </p:cNvSpPr>
-          <p:nvPr>
-            <p:ph type="body" sz="quarter" idx="13" hasCustomPrompt="1"/>
-          </p:nvPr>
-        </p:nvSpPr>
-        <p:spPr>
-          <a:xfrm>
-            <a:off x="539750" y="1089025"/>
-            <a:ext cx="8064500" cy="360363"/>
-          </a:xfrm>
-        </p:spPr>
-        <p:txBody>
-          <a:bodyPr wrap="square"/>
-          <a:lstStyle>
-            <a:lvl1pPr marL="0" indent="0" algn="ctr">
-              <a:buNone/>
-              <a:defRPr sz="1800">
-                <a:latin typeface="+mj-lt"/>
-              </a:defRPr>
-            </a:lvl1pPr>
-          </a:lstStyle>
-          <a:p>
-            <a:pPr lvl="0"/>
-            <a:r>
-              <a:rPr lang="en-GB" noProof="0" dirty="0" smtClean="0"/>
-              <a:t>Click to add optional sub title</a:t>
-            </a:r>
-            <a:endParaRPr lang="en-GB" noProof="0" dirty="0"/>
-          </a:p>
-        </p:txBody>
-      </p:sp>
-    </p:spTree>
-    <p:extLst>
-      <p:ext uri="{BB962C8B-B14F-4D97-AF65-F5344CB8AC3E}">
-        <p14:creationId xmlns:p14="http://schemas.microsoft.com/office/powerpoint/2010/main" xmlns="" val="8285584"/>
-      </p:ext>
-    </p:extLst>
-  </p:cSld>
-  <p:clrMapOvr>
-    <a:masterClrMapping/>
-  </p:clrMapOvr>
-  <p:timing>
-    <p:tnLst>
-      <p:par>
-        <p:cTn id="1" dur="indefinite" restart="never" nodeType="tmRoot"/>
-      </p:par>
-    </p:tnLst>
-  </p:timing>
-</p:sldLayout>
-</file>
-
-<file path=ppt/slideLayouts/slideLayout24.xml><?xml version="1.0" encoding="utf-8"?>
-<p:sldLayout xmlns:a="http://schemas.openxmlformats.org/drawingml/2006/main" xmlns:r="http://schemas.openxmlformats.org/officeDocument/2006/relationships" xmlns:p="http://schemas.openxmlformats.org/presentationml/2006/main" preserve="1" userDrawn="1">
   <p:cSld name="Bar Chart">
     <p:spTree>
       <p:nvGrpSpPr>
@@ -7016,7 +6342,7 @@
           <a:blip r:embed="rId2" cstate="print">
             <a:extLst>
               <a:ext uri="{28A0092B-C50C-407E-A947-70E740481C1C}">
-                <a14:useLocalDpi xmlns:a14="http://schemas.microsoft.com/office/drawing/2010/main" xmlns="" val="0"/>
+                <a14:useLocalDpi xmlns="" xmlns:a14="http://schemas.microsoft.com/office/drawing/2010/main" val="0"/>
               </a:ext>
             </a:extLst>
           </a:blip>
@@ -7041,7 +6367,7 @@
           <p:nvPr userDrawn="1">
             <p:extLst>
               <p:ext uri="{D42A27DB-BD31-4B8C-83A1-F6EECF244321}">
-                <p14:modId xmlns:p14="http://schemas.microsoft.com/office/powerpoint/2010/main" xmlns="" val="1618250192"/>
+                <p14:modId xmlns="" xmlns:p14="http://schemas.microsoft.com/office/powerpoint/2010/main" val="1618250192"/>
               </p:ext>
             </p:extLst>
           </p:nvPr>
@@ -7095,7 +6421,7 @@
     </p:spTree>
     <p:extLst>
       <p:ext uri="{BB962C8B-B14F-4D97-AF65-F5344CB8AC3E}">
-        <p14:creationId xmlns:p14="http://schemas.microsoft.com/office/powerpoint/2010/main" xmlns="" val="804500376"/>
+        <p14:creationId xmlns="" xmlns:p14="http://schemas.microsoft.com/office/powerpoint/2010/main" val="804500376"/>
       </p:ext>
     </p:extLst>
   </p:cSld>
@@ -7112,7 +6438,7 @@
 </p:sldLayout>
 </file>
 
-<file path=ppt/slideLayouts/slideLayout25.xml><?xml version="1.0" encoding="utf-8"?>
+<file path=ppt/slideLayouts/slideLayout21.xml><?xml version="1.0" encoding="utf-8"?>
 <p:sldLayout xmlns:a="http://schemas.openxmlformats.org/drawingml/2006/main" xmlns:r="http://schemas.openxmlformats.org/officeDocument/2006/relationships" xmlns:p="http://schemas.openxmlformats.org/presentationml/2006/main" preserve="1" userDrawn="1">
   <p:cSld name="Pie Chart">
     <p:spTree>
@@ -7215,7 +6541,7 @@
           <a:blip r:embed="rId2" cstate="print">
             <a:extLst>
               <a:ext uri="{28A0092B-C50C-407E-A947-70E740481C1C}">
-                <a14:useLocalDpi xmlns:a14="http://schemas.microsoft.com/office/drawing/2010/main" xmlns="" val="0"/>
+                <a14:useLocalDpi xmlns="" xmlns:a14="http://schemas.microsoft.com/office/drawing/2010/main" val="0"/>
               </a:ext>
             </a:extLst>
           </a:blip>
@@ -7240,7 +6566,7 @@
           <p:nvPr userDrawn="1">
             <p:extLst>
               <p:ext uri="{D42A27DB-BD31-4B8C-83A1-F6EECF244321}">
-                <p14:modId xmlns:p14="http://schemas.microsoft.com/office/powerpoint/2010/main" xmlns="" val="1658717376"/>
+                <p14:modId xmlns="" xmlns:p14="http://schemas.microsoft.com/office/powerpoint/2010/main" val="1658717376"/>
               </p:ext>
             </p:extLst>
           </p:nvPr>
@@ -7294,7 +6620,7 @@
     </p:spTree>
     <p:extLst>
       <p:ext uri="{BB962C8B-B14F-4D97-AF65-F5344CB8AC3E}">
-        <p14:creationId xmlns:p14="http://schemas.microsoft.com/office/powerpoint/2010/main" xmlns="" val="3472530406"/>
+        <p14:creationId xmlns="" xmlns:p14="http://schemas.microsoft.com/office/powerpoint/2010/main" val="3472530406"/>
       </p:ext>
     </p:extLst>
   </p:cSld>
@@ -7311,7 +6637,7 @@
 </p:sldLayout>
 </file>
 
-<file path=ppt/slideLayouts/slideLayout26.xml><?xml version="1.0" encoding="utf-8"?>
+<file path=ppt/slideLayouts/slideLayout22.xml><?xml version="1.0" encoding="utf-8"?>
 <p:sldLayout xmlns:a="http://schemas.openxmlformats.org/drawingml/2006/main" xmlns:r="http://schemas.openxmlformats.org/officeDocument/2006/relationships" xmlns:p="http://schemas.openxmlformats.org/presentationml/2006/main" preserve="1" userDrawn="1">
   <p:cSld name="1_Title Only">
     <p:spTree>
@@ -7414,7 +6740,7 @@
           <a:blip r:embed="rId2" cstate="print">
             <a:extLst>
               <a:ext uri="{28A0092B-C50C-407E-A947-70E740481C1C}">
-                <a14:useLocalDpi xmlns:a14="http://schemas.microsoft.com/office/drawing/2010/main" xmlns="" val="0"/>
+                <a14:useLocalDpi xmlns="" xmlns:a14="http://schemas.microsoft.com/office/drawing/2010/main" val="0"/>
               </a:ext>
             </a:extLst>
           </a:blip>
@@ -7471,7 +6797,7 @@
     </p:spTree>
     <p:extLst>
       <p:ext uri="{BB962C8B-B14F-4D97-AF65-F5344CB8AC3E}">
-        <p14:creationId xmlns:p14="http://schemas.microsoft.com/office/powerpoint/2010/main" xmlns="" val="2188433489"/>
+        <p14:creationId xmlns="" xmlns:p14="http://schemas.microsoft.com/office/powerpoint/2010/main" val="2188433489"/>
       </p:ext>
     </p:extLst>
   </p:cSld>
@@ -7488,7 +6814,7 @@
 </p:sldLayout>
 </file>
 
-<file path=ppt/slideLayouts/slideLayout27.xml><?xml version="1.0" encoding="utf-8"?>
+<file path=ppt/slideLayouts/slideLayout23.xml><?xml version="1.0" encoding="utf-8"?>
 <p:sldLayout xmlns:a="http://schemas.openxmlformats.org/drawingml/2006/main" xmlns:r="http://schemas.openxmlformats.org/officeDocument/2006/relationships" xmlns:p="http://schemas.openxmlformats.org/presentationml/2006/main" preserve="1" userDrawn="1">
   <p:cSld name="1_Title and Vertical Text">
     <p:spTree>
@@ -7655,7 +6981,7 @@
           <a:blip r:embed="rId2" cstate="print">
             <a:extLst>
               <a:ext uri="{28A0092B-C50C-407E-A947-70E740481C1C}">
-                <a14:useLocalDpi xmlns:a14="http://schemas.microsoft.com/office/drawing/2010/main" xmlns="" val="0"/>
+                <a14:useLocalDpi xmlns="" xmlns:a14="http://schemas.microsoft.com/office/drawing/2010/main" val="0"/>
               </a:ext>
             </a:extLst>
           </a:blip>
@@ -7712,7 +7038,7 @@
     </p:spTree>
     <p:extLst>
       <p:ext uri="{BB962C8B-B14F-4D97-AF65-F5344CB8AC3E}">
-        <p14:creationId xmlns:p14="http://schemas.microsoft.com/office/powerpoint/2010/main" xmlns="" val="1793845065"/>
+        <p14:creationId xmlns="" xmlns:p14="http://schemas.microsoft.com/office/powerpoint/2010/main" val="1793845065"/>
       </p:ext>
     </p:extLst>
   </p:cSld>
@@ -7729,7 +7055,7 @@
 </p:sldLayout>
 </file>
 
-<file path=ppt/slideLayouts/slideLayout28.xml><?xml version="1.0" encoding="utf-8"?>
+<file path=ppt/slideLayouts/slideLayout24.xml><?xml version="1.0" encoding="utf-8"?>
 <p:sldLayout xmlns:a="http://schemas.openxmlformats.org/drawingml/2006/main" xmlns:r="http://schemas.openxmlformats.org/officeDocument/2006/relationships" xmlns:p="http://schemas.openxmlformats.org/presentationml/2006/main" preserve="1" userDrawn="1">
   <p:cSld name="1_Vertical Title and Text">
     <p:spTree>
@@ -7901,7 +7227,7 @@
           <a:blip r:embed="rId2" cstate="print">
             <a:extLst>
               <a:ext uri="{28A0092B-C50C-407E-A947-70E740481C1C}">
-                <a14:useLocalDpi xmlns:a14="http://schemas.microsoft.com/office/drawing/2010/main" xmlns="" val="0"/>
+                <a14:useLocalDpi xmlns="" xmlns:a14="http://schemas.microsoft.com/office/drawing/2010/main" val="0"/>
               </a:ext>
             </a:extLst>
           </a:blip>
@@ -7958,7 +7284,7 @@
     </p:spTree>
     <p:extLst>
       <p:ext uri="{BB962C8B-B14F-4D97-AF65-F5344CB8AC3E}">
-        <p14:creationId xmlns:p14="http://schemas.microsoft.com/office/powerpoint/2010/main" xmlns="" val="1669791555"/>
+        <p14:creationId xmlns="" xmlns:p14="http://schemas.microsoft.com/office/powerpoint/2010/main" val="1669791555"/>
       </p:ext>
     </p:extLst>
   </p:cSld>
@@ -8334,7 +7660,7 @@
             <a:fld id="{9D21D778-B565-4D7E-94D7-64010A445B68}" type="datetimeFigureOut">
               <a:rPr lang="en-US" smtClean="0"/>
               <a:pPr eaLnBrk="1" latinLnBrk="0" hangingPunct="1"/>
-              <a:t>2/11/2014</a:t>
+              <a:t>2/15/2014</a:t>
             </a:fld>
             <a:endParaRPr lang="en-US"/>
           </a:p>
@@ -8395,7 +7721,7 @@
           <a:blip r:embed="rId3" cstate="print">
             <a:extLst>
               <a:ext uri="{28A0092B-C50C-407E-A947-70E740481C1C}">
-                <a14:useLocalDpi xmlns:a14="http://schemas.microsoft.com/office/drawing/2010/main" xmlns="" val="0"/>
+                <a14:useLocalDpi xmlns="" xmlns:a14="http://schemas.microsoft.com/office/drawing/2010/main" val="0"/>
               </a:ext>
             </a:extLst>
           </a:blip>
@@ -8457,7 +7783,7 @@
             <a:fld id="{9D21D778-B565-4D7E-94D7-64010A445B68}" type="datetimeFigureOut">
               <a:rPr lang="en-US" smtClean="0"/>
               <a:pPr eaLnBrk="1" latinLnBrk="0" hangingPunct="1"/>
-              <a:t>2/11/2014</a:t>
+              <a:t>2/15/2014</a:t>
             </a:fld>
             <a:endParaRPr lang="en-US"/>
           </a:p>
@@ -9178,7 +8504,7 @@
             <a:fld id="{9D21D778-B565-4D7E-94D7-64010A445B68}" type="datetimeFigureOut">
               <a:rPr lang="en-US" smtClean="0"/>
               <a:pPr eaLnBrk="1" latinLnBrk="0" hangingPunct="1"/>
-              <a:t>2/11/2014</a:t>
+              <a:t>2/15/2014</a:t>
             </a:fld>
             <a:endParaRPr lang="en-US"/>
           </a:p>
@@ -9442,7 +8768,7 @@
             <a:fld id="{9D21D778-B565-4D7E-94D7-64010A445B68}" type="datetimeFigureOut">
               <a:rPr lang="en-US" smtClean="0"/>
               <a:pPr eaLnBrk="1" latinLnBrk="0" hangingPunct="1"/>
-              <a:t>2/11/2014</a:t>
+              <a:t>2/15/2014</a:t>
             </a:fld>
             <a:endParaRPr lang="en-US"/>
           </a:p>
@@ -9683,7 +9009,7 @@
             <a:fld id="{9D21D778-B565-4D7E-94D7-64010A445B68}" type="datetimeFigureOut">
               <a:rPr lang="en-US" smtClean="0"/>
               <a:pPr eaLnBrk="1" latinLnBrk="0" hangingPunct="1"/>
-              <a:t>2/11/2014</a:t>
+              <a:t>2/15/2014</a:t>
             </a:fld>
             <a:endParaRPr lang="en-US"/>
           </a:p>
@@ -9969,7 +9295,7 @@
             <a:fld id="{9D21D778-B565-4D7E-94D7-64010A445B68}" type="datetimeFigureOut">
               <a:rPr lang="en-US" smtClean="0"/>
               <a:pPr eaLnBrk="1" latinLnBrk="0" hangingPunct="1"/>
-              <a:t>2/11/2014</a:t>
+              <a:t>2/15/2014</a:t>
             </a:fld>
             <a:endParaRPr lang="en-US"/>
           </a:p>
@@ -10267,7 +9593,7 @@
             <a:fld id="{9D21D778-B565-4D7E-94D7-64010A445B68}" type="datetimeFigureOut">
               <a:rPr lang="en-US" smtClean="0"/>
               <a:pPr eaLnBrk="1" latinLnBrk="0" hangingPunct="1"/>
-              <a:t>2/11/2014</a:t>
+              <a:t>2/15/2014</a:t>
             </a:fld>
             <a:endParaRPr lang="en-US" dirty="0"/>
           </a:p>
@@ -10547,7 +9873,7 @@
             <a:fld id="{9D21D778-B565-4D7E-94D7-64010A445B68}" type="datetimeFigureOut">
               <a:rPr lang="en-US" smtClean="0"/>
               <a:pPr algn="r" eaLnBrk="1" latinLnBrk="0" hangingPunct="1"/>
-              <a:t>2/11/2014</a:t>
+              <a:t>2/15/2014</a:t>
             </a:fld>
             <a:endParaRPr lang="en-US" sz="1400" dirty="0">
               <a:solidFill>
@@ -10657,21 +9983,17 @@
     <p:sldLayoutId id="2147483785" r:id="rId11"/>
     <p:sldLayoutId id="2147483786" r:id="rId12"/>
     <p:sldLayoutId id="2147483787" r:id="rId13"/>
-    <p:sldLayoutId id="2147483788" r:id="rId14"/>
-    <p:sldLayoutId id="2147483789" r:id="rId15"/>
-    <p:sldLayoutId id="2147483790" r:id="rId16"/>
-    <p:sldLayoutId id="2147483791" r:id="rId17"/>
-    <p:sldLayoutId id="2147483792" r:id="rId18"/>
-    <p:sldLayoutId id="2147483649" r:id="rId19"/>
-    <p:sldLayoutId id="2147483705" r:id="rId20"/>
-    <p:sldLayoutId id="2147483651" r:id="rId21"/>
-    <p:sldLayoutId id="2147483713" r:id="rId22"/>
-    <p:sldLayoutId id="2147483716" r:id="rId23"/>
-    <p:sldLayoutId id="2147483687" r:id="rId24"/>
-    <p:sldLayoutId id="2147483688" r:id="rId25"/>
-    <p:sldLayoutId id="2147483654" r:id="rId26"/>
-    <p:sldLayoutId id="2147483658" r:id="rId27"/>
-    <p:sldLayoutId id="2147483659" r:id="rId28"/>
+    <p:sldLayoutId id="2147483792" r:id="rId14"/>
+    <p:sldLayoutId id="2147483649" r:id="rId15"/>
+    <p:sldLayoutId id="2147483705" r:id="rId16"/>
+    <p:sldLayoutId id="2147483651" r:id="rId17"/>
+    <p:sldLayoutId id="2147483713" r:id="rId18"/>
+    <p:sldLayoutId id="2147483716" r:id="rId19"/>
+    <p:sldLayoutId id="2147483687" r:id="rId20"/>
+    <p:sldLayoutId id="2147483688" r:id="rId21"/>
+    <p:sldLayoutId id="2147483654" r:id="rId22"/>
+    <p:sldLayoutId id="2147483658" r:id="rId23"/>
+    <p:sldLayoutId id="2147483659" r:id="rId24"/>
   </p:sldLayoutIdLst>
   <p:hf hdr="0" dt="0"/>
   <p:txStyles>
@@ -11044,54 +10366,6 @@
       </p:grpSpPr>
       <p:sp>
         <p:nvSpPr>
-          <p:cNvPr id="16" name="Title 15"/>
-          <p:cNvSpPr>
-            <a:spLocks noGrp="1"/>
-          </p:cNvSpPr>
-          <p:nvPr>
-            <p:ph type="title"/>
-          </p:nvPr>
-        </p:nvSpPr>
-        <p:spPr/>
-        <p:txBody>
-          <a:bodyPr>
-            <a:noAutofit/>
-          </a:bodyPr>
-          <a:lstStyle/>
-          <a:p>
-            <a:r>
-              <a:rPr lang="en-GB" sz="3600" b="1" dirty="0" smtClean="0">
-                <a:solidFill>
-                  <a:srgbClr val="FF0000"/>
-                </a:solidFill>
-              </a:rPr>
-              <a:t>Android Programming Class:</a:t>
-            </a:r>
-            <a:br>
-              <a:rPr lang="en-GB" sz="3600" b="1" dirty="0" smtClean="0">
-                <a:solidFill>
-                  <a:srgbClr val="FF0000"/>
-                </a:solidFill>
-              </a:rPr>
-            </a:br>
-            <a:r>
-              <a:rPr lang="en-GB" sz="3600" b="1" u="sng" dirty="0" smtClean="0">
-                <a:solidFill>
-                  <a:srgbClr val="FF0000"/>
-                </a:solidFill>
-              </a:rPr>
-              <a:t>Graduate Term Project – Team 1</a:t>
-            </a:r>
-            <a:endParaRPr lang="en-GB" sz="3600" b="1" u="sng" dirty="0">
-              <a:solidFill>
-                <a:srgbClr val="FF0000"/>
-              </a:solidFill>
-            </a:endParaRPr>
-          </a:p>
-        </p:txBody>
-      </p:sp>
-      <p:sp>
-        <p:nvSpPr>
           <p:cNvPr id="13" name="Slide Number Placeholder 12"/>
           <p:cNvSpPr>
             <a:spLocks noGrp="1"/>
@@ -11134,45 +10408,54 @@
           <a:bodyPr/>
           <a:lstStyle/>
           <a:p>
+            <a:pPr>
+              <a:buNone/>
+            </a:pPr>
             <a:endParaRPr lang="en-GB" dirty="0" smtClean="0"/>
           </a:p>
           <a:p>
+            <a:pPr>
+              <a:buNone/>
+            </a:pPr>
+            <a:endParaRPr lang="en-GB" dirty="0" smtClean="0"/>
+          </a:p>
+          <a:p>
             <a:endParaRPr lang="en-GB" dirty="0"/>
           </a:p>
           <a:p>
             <a:r>
-              <a:rPr lang="en-GB" sz="1800" dirty="0" smtClean="0"/>
+              <a:rPr lang="en-GB" sz="1600" dirty="0" smtClean="0"/>
               <a:t>Prince </a:t>
             </a:r>
             <a:r>
-              <a:rPr lang="en-GB" sz="1800" dirty="0" err="1" smtClean="0"/>
+              <a:rPr lang="en-GB" sz="1600" dirty="0" err="1" smtClean="0"/>
               <a:t>Oladimeji</a:t>
             </a:r>
-            <a:endParaRPr lang="en-GB" sz="1800" dirty="0" smtClean="0"/>
-          </a:p>
-          <a:p>
-            <a:endParaRPr lang="en-GB" sz="1800" dirty="0" smtClean="0"/>
-          </a:p>
-          <a:p>
-            <a:r>
-              <a:rPr lang="en-GB" sz="1800" dirty="0" smtClean="0"/>
+            <a:endParaRPr lang="en-GB" sz="1600" dirty="0" smtClean="0"/>
+          </a:p>
+          <a:p>
+            <a:endParaRPr lang="en-GB" sz="1600" dirty="0" smtClean="0"/>
+          </a:p>
+          <a:p>
+            <a:r>
+              <a:rPr lang="en-GB" sz="1600" dirty="0" smtClean="0"/>
               <a:t>Marcus </a:t>
             </a:r>
             <a:r>
-              <a:rPr lang="en-GB" sz="1800" dirty="0" err="1" smtClean="0"/>
+              <a:rPr lang="en-GB" sz="1600" dirty="0" err="1" smtClean="0"/>
               <a:t>Silveira</a:t>
             </a:r>
-            <a:endParaRPr lang="en-GB" sz="1800" dirty="0" smtClean="0"/>
-          </a:p>
-          <a:p>
-            <a:endParaRPr lang="en-GB" sz="1800" dirty="0" smtClean="0"/>
-          </a:p>
-          <a:p>
-            <a:r>
-              <a:rPr lang="en-GB" sz="1800" dirty="0" smtClean="0"/>
+            <a:endParaRPr lang="en-GB" sz="1600" dirty="0" smtClean="0"/>
+          </a:p>
+          <a:p>
+            <a:endParaRPr lang="en-GB" sz="1600" dirty="0" smtClean="0"/>
+          </a:p>
+          <a:p>
+            <a:r>
+              <a:rPr lang="en-GB" sz="1600" dirty="0" smtClean="0"/>
               <a:t>Marcus Davila</a:t>
             </a:r>
-            <a:endParaRPr lang="en-GB" sz="1800" dirty="0"/>
+            <a:endParaRPr lang="en-GB" sz="1600" dirty="0"/>
           </a:p>
         </p:txBody>
       </p:sp>
@@ -11188,23 +10471,26 @@
         </p:nvSpPr>
         <p:spPr>
           <a:xfrm>
-            <a:off x="539750" y="1828800"/>
-            <a:ext cx="3194050" cy="457200"/>
+            <a:off x="533400" y="2133600"/>
+            <a:ext cx="3048000" cy="457200"/>
           </a:xfrm>
         </p:spPr>
         <p:txBody>
-          <a:bodyPr/>
+          <a:bodyPr>
+            <a:normAutofit/>
+          </a:bodyPr>
           <a:lstStyle/>
           <a:p>
-            <a:r>
-              <a:rPr lang="en-GB" sz="2000" b="1" dirty="0" smtClean="0">
+            <a:pPr algn="l"/>
+            <a:r>
+              <a:rPr lang="en-GB" b="1" dirty="0" smtClean="0">
                 <a:solidFill>
                   <a:schemeClr val="accent4"/>
                 </a:solidFill>
               </a:rPr>
               <a:t>Team_1 members are:</a:t>
             </a:r>
-            <a:endParaRPr lang="en-GB" sz="2000" b="1" dirty="0">
+            <a:endParaRPr lang="en-GB" b="1" dirty="0">
               <a:solidFill>
                 <a:schemeClr val="accent4"/>
               </a:solidFill>
@@ -11212,10 +10498,1316 @@
           </a:p>
         </p:txBody>
       </p:sp>
+      <p:sp>
+        <p:nvSpPr>
+          <p:cNvPr id="6" name="Title 6"/>
+          <p:cNvSpPr txBox="1">
+            <a:spLocks/>
+          </p:cNvSpPr>
+          <p:nvPr/>
+        </p:nvSpPr>
+        <p:spPr>
+          <a:xfrm>
+            <a:off x="539750" y="685800"/>
+            <a:ext cx="8064500" cy="762000"/>
+          </a:xfrm>
+          <a:prstGeom prst="rect">
+            <a:avLst/>
+          </a:prstGeom>
+        </p:spPr>
+        <p:txBody>
+          <a:bodyPr vert="horz" lIns="91440" tIns="45720" rIns="91440" bIns="45720" rtlCol="0" anchor="ctr">
+            <a:noAutofit/>
+          </a:bodyPr>
+          <a:lstStyle/>
+          <a:p>
+            <a:pPr marL="0" marR="0" lvl="0" indent="0" algn="ctr" defTabSz="914400" rtl="0" eaLnBrk="1" fontAlgn="auto" latinLnBrk="0" hangingPunct="1">
+              <a:lnSpc>
+                <a:spcPct val="100000"/>
+              </a:lnSpc>
+              <a:spcBef>
+                <a:spcPct val="0"/>
+              </a:spcBef>
+              <a:spcAft>
+                <a:spcPts val="0"/>
+              </a:spcAft>
+              <a:buClrTx/>
+              <a:buSzTx/>
+              <a:buFontTx/>
+              <a:buNone/>
+              <a:tabLst/>
+              <a:defRPr/>
+            </a:pPr>
+            <a:r>
+              <a:rPr kumimoji="0" lang="en-GB" sz="2800" b="1" i="0" u="sng" strike="noStrike" kern="1200" cap="none" spc="0" normalizeH="0" baseline="0" noProof="0" dirty="0" smtClean="0">
+                <a:ln>
+                  <a:noFill/>
+                </a:ln>
+                <a:solidFill>
+                  <a:schemeClr val="tx2"/>
+                </a:solidFill>
+                <a:effectLst/>
+                <a:uLnTx/>
+                <a:uFillTx/>
+                <a:latin typeface="+mj-lt"/>
+                <a:ea typeface="+mj-ea"/>
+                <a:cs typeface="+mj-cs"/>
+              </a:rPr>
+              <a:t/>
+            </a:r>
+            <a:br>
+              <a:rPr kumimoji="0" lang="en-GB" sz="2800" b="1" i="0" u="sng" strike="noStrike" kern="1200" cap="none" spc="0" normalizeH="0" baseline="0" noProof="0" dirty="0" smtClean="0">
+                <a:ln>
+                  <a:noFill/>
+                </a:ln>
+                <a:solidFill>
+                  <a:schemeClr val="tx2"/>
+                </a:solidFill>
+                <a:effectLst/>
+                <a:uLnTx/>
+                <a:uFillTx/>
+                <a:latin typeface="+mj-lt"/>
+                <a:ea typeface="+mj-ea"/>
+                <a:cs typeface="+mj-cs"/>
+              </a:rPr>
+            </a:br>
+            <a:r>
+              <a:rPr lang="en-GB" sz="2800" b="1" u="sng" dirty="0" smtClean="0">
+                <a:solidFill>
+                  <a:schemeClr val="tx2"/>
+                </a:solidFill>
+                <a:latin typeface="+mj-lt"/>
+                <a:ea typeface="+mj-ea"/>
+                <a:cs typeface="+mj-cs"/>
+              </a:rPr>
+              <a:t>Android Programming Class: </a:t>
+            </a:r>
+          </a:p>
+          <a:p>
+            <a:pPr marL="0" marR="0" lvl="0" indent="0" algn="ctr" defTabSz="914400" rtl="0" eaLnBrk="1" fontAlgn="auto" latinLnBrk="0" hangingPunct="1">
+              <a:lnSpc>
+                <a:spcPct val="100000"/>
+              </a:lnSpc>
+              <a:spcBef>
+                <a:spcPct val="0"/>
+              </a:spcBef>
+              <a:spcAft>
+                <a:spcPts val="0"/>
+              </a:spcAft>
+              <a:buClrTx/>
+              <a:buSzTx/>
+              <a:buFontTx/>
+              <a:buNone/>
+              <a:tabLst/>
+              <a:defRPr/>
+            </a:pPr>
+            <a:r>
+              <a:rPr lang="en-GB" sz="2800" b="1" u="sng" dirty="0" smtClean="0">
+                <a:solidFill>
+                  <a:schemeClr val="tx2"/>
+                </a:solidFill>
+                <a:latin typeface="+mj-lt"/>
+                <a:ea typeface="+mj-ea"/>
+                <a:cs typeface="+mj-cs"/>
+              </a:rPr>
+              <a:t>Graduate Term Project – Team 1</a:t>
+            </a:r>
+            <a:endParaRPr kumimoji="0" lang="en-GB" sz="2800" b="1" i="0" u="sng" strike="noStrike" kern="1200" cap="none" spc="0" normalizeH="0" baseline="0" noProof="0" dirty="0">
+              <a:ln>
+                <a:noFill/>
+              </a:ln>
+              <a:solidFill>
+                <a:schemeClr val="tx2"/>
+              </a:solidFill>
+              <a:effectLst/>
+              <a:uLnTx/>
+              <a:uFillTx/>
+              <a:latin typeface="+mj-lt"/>
+              <a:ea typeface="+mj-ea"/>
+              <a:cs typeface="+mj-cs"/>
+            </a:endParaRPr>
+          </a:p>
+        </p:txBody>
+      </p:sp>
     </p:spTree>
     <p:extLst>
       <p:ext uri="{BB962C8B-B14F-4D97-AF65-F5344CB8AC3E}">
-        <p14:creationId xmlns:p14="http://schemas.microsoft.com/office/powerpoint/2010/main" xmlns="" val="828821643"/>
+        <p14:creationId xmlns="" xmlns:p14="http://schemas.microsoft.com/office/powerpoint/2010/main" val="828821643"/>
+      </p:ext>
+    </p:extLst>
+  </p:cSld>
+  <p:clrMapOvr>
+    <a:masterClrMapping/>
+  </p:clrMapOvr>
+  <p:timing>
+    <p:tnLst>
+      <p:par>
+        <p:cTn id="1" dur="indefinite" restart="never" nodeType="tmRoot"/>
+      </p:par>
+    </p:tnLst>
+  </p:timing>
+</p:sld>
+</file>
+
+<file path=ppt/slides/slide10.xml><?xml version="1.0" encoding="utf-8"?>
+<p:sld xmlns:a="http://schemas.openxmlformats.org/drawingml/2006/main" xmlns:r="http://schemas.openxmlformats.org/officeDocument/2006/relationships" xmlns:p="http://schemas.openxmlformats.org/presentationml/2006/main">
+  <p:cSld>
+    <p:spTree>
+      <p:nvGrpSpPr>
+        <p:cNvPr id="1" name=""/>
+        <p:cNvGrpSpPr/>
+        <p:nvPr/>
+      </p:nvGrpSpPr>
+      <p:grpSpPr>
+        <a:xfrm>
+          <a:off x="0" y="0"/>
+          <a:ext cx="0" cy="0"/>
+          <a:chOff x="0" y="0"/>
+          <a:chExt cx="0" cy="0"/>
+        </a:xfrm>
+      </p:grpSpPr>
+      <p:sp>
+        <p:nvSpPr>
+          <p:cNvPr id="7" name="Title 6"/>
+          <p:cNvSpPr>
+            <a:spLocks noGrp="1"/>
+          </p:cNvSpPr>
+          <p:nvPr>
+            <p:ph type="title"/>
+          </p:nvPr>
+        </p:nvSpPr>
+        <p:spPr>
+          <a:xfrm>
+            <a:off x="539750" y="838200"/>
+            <a:ext cx="8064500" cy="609600"/>
+          </a:xfrm>
+        </p:spPr>
+        <p:txBody>
+          <a:bodyPr>
+            <a:noAutofit/>
+          </a:bodyPr>
+          <a:lstStyle/>
+          <a:p>
+            <a:r>
+              <a:rPr lang="en-GB" sz="2800" b="1" u="sng" dirty="0" smtClean="0"/>
+              <a:t>Project Design and Navigation</a:t>
+            </a:r>
+            <a:endParaRPr lang="en-GB" sz="2800" b="1" u="sng" dirty="0"/>
+          </a:p>
+        </p:txBody>
+      </p:sp>
+      <p:sp>
+        <p:nvSpPr>
+          <p:cNvPr id="4" name="Slide Number Placeholder 3"/>
+          <p:cNvSpPr>
+            <a:spLocks noGrp="1"/>
+          </p:cNvSpPr>
+          <p:nvPr>
+            <p:ph type="sldNum" sz="quarter" idx="11"/>
+          </p:nvPr>
+        </p:nvSpPr>
+        <p:spPr/>
+        <p:txBody>
+          <a:bodyPr/>
+          <a:lstStyle/>
+          <a:p>
+            <a:fld id="{EF789A81-9B9B-445C-8A60-F916862B4649}" type="slidenum">
+              <a:rPr lang="en-GB" smtClean="0"/>
+              <a:pPr/>
+              <a:t>10</a:t>
+            </a:fld>
+            <a:endParaRPr lang="en-GB" dirty="0"/>
+          </a:p>
+        </p:txBody>
+      </p:sp>
+      <p:pic>
+        <p:nvPicPr>
+          <p:cNvPr id="3074" name="Picture 2"/>
+          <p:cNvPicPr>
+            <a:picLocks noChangeAspect="1" noChangeArrowheads="1"/>
+          </p:cNvPicPr>
+          <p:nvPr/>
+        </p:nvPicPr>
+        <p:blipFill>
+          <a:blip r:embed="rId3" cstate="print"/>
+          <a:srcRect/>
+          <a:stretch>
+            <a:fillRect/>
+          </a:stretch>
+        </p:blipFill>
+        <p:spPr bwMode="auto">
+          <a:xfrm>
+            <a:off x="2219325" y="1905000"/>
+            <a:ext cx="4705350" cy="3781425"/>
+          </a:xfrm>
+          <a:prstGeom prst="rect">
+            <a:avLst/>
+          </a:prstGeom>
+          <a:noFill/>
+          <a:ln w="9525">
+            <a:noFill/>
+            <a:miter lim="800000"/>
+            <a:headEnd/>
+            <a:tailEnd/>
+          </a:ln>
+        </p:spPr>
+      </p:pic>
+    </p:spTree>
+    <p:extLst>
+      <p:ext uri="{BB962C8B-B14F-4D97-AF65-F5344CB8AC3E}">
+        <p14:creationId xmlns="" xmlns:p14="http://schemas.microsoft.com/office/powerpoint/2010/main" val="4290846282"/>
+      </p:ext>
+    </p:extLst>
+  </p:cSld>
+  <p:clrMapOvr>
+    <a:masterClrMapping/>
+  </p:clrMapOvr>
+  <p:timing>
+    <p:tnLst>
+      <p:par>
+        <p:cTn id="1" dur="indefinite" restart="never" nodeType="tmRoot"/>
+      </p:par>
+    </p:tnLst>
+  </p:timing>
+</p:sld>
+</file>
+
+<file path=ppt/slides/slide11.xml><?xml version="1.0" encoding="utf-8"?>
+<p:sld xmlns:a="http://schemas.openxmlformats.org/drawingml/2006/main" xmlns:r="http://schemas.openxmlformats.org/officeDocument/2006/relationships" xmlns:p="http://schemas.openxmlformats.org/presentationml/2006/main">
+  <p:cSld>
+    <p:spTree>
+      <p:nvGrpSpPr>
+        <p:cNvPr id="1" name=""/>
+        <p:cNvGrpSpPr/>
+        <p:nvPr/>
+      </p:nvGrpSpPr>
+      <p:grpSpPr>
+        <a:xfrm>
+          <a:off x="0" y="0"/>
+          <a:ext cx="0" cy="0"/>
+          <a:chOff x="0" y="0"/>
+          <a:chExt cx="0" cy="0"/>
+        </a:xfrm>
+      </p:grpSpPr>
+      <p:sp>
+        <p:nvSpPr>
+          <p:cNvPr id="7" name="Title 6"/>
+          <p:cNvSpPr>
+            <a:spLocks noGrp="1"/>
+          </p:cNvSpPr>
+          <p:nvPr>
+            <p:ph type="title"/>
+          </p:nvPr>
+        </p:nvSpPr>
+        <p:spPr>
+          <a:xfrm>
+            <a:off x="539750" y="838200"/>
+            <a:ext cx="8064500" cy="609600"/>
+          </a:xfrm>
+        </p:spPr>
+        <p:txBody>
+          <a:bodyPr>
+            <a:noAutofit/>
+          </a:bodyPr>
+          <a:lstStyle/>
+          <a:p>
+            <a:r>
+              <a:rPr lang="en-GB" sz="2800" b="1" u="sng" dirty="0" smtClean="0"/>
+              <a:t>Project Schedule</a:t>
+            </a:r>
+            <a:endParaRPr lang="en-GB" sz="2800" b="1" u="sng" dirty="0"/>
+          </a:p>
+        </p:txBody>
+      </p:sp>
+      <p:sp>
+        <p:nvSpPr>
+          <p:cNvPr id="4" name="Slide Number Placeholder 3"/>
+          <p:cNvSpPr>
+            <a:spLocks noGrp="1"/>
+          </p:cNvSpPr>
+          <p:nvPr>
+            <p:ph type="sldNum" sz="quarter" idx="11"/>
+          </p:nvPr>
+        </p:nvSpPr>
+        <p:spPr/>
+        <p:txBody>
+          <a:bodyPr/>
+          <a:lstStyle/>
+          <a:p>
+            <a:fld id="{EF789A81-9B9B-445C-8A60-F916862B4649}" type="slidenum">
+              <a:rPr lang="en-GB" smtClean="0"/>
+              <a:pPr/>
+              <a:t>11</a:t>
+            </a:fld>
+            <a:endParaRPr lang="en-GB" dirty="0"/>
+          </a:p>
+        </p:txBody>
+      </p:sp>
+      <p:sp>
+        <p:nvSpPr>
+          <p:cNvPr id="8" name="Text Placeholder 7"/>
+          <p:cNvSpPr>
+            <a:spLocks noGrp="1"/>
+          </p:cNvSpPr>
+          <p:nvPr>
+            <p:ph type="body" sz="quarter" idx="12"/>
+          </p:nvPr>
+        </p:nvSpPr>
+        <p:spPr>
+          <a:xfrm>
+            <a:off x="539750" y="1524000"/>
+            <a:ext cx="8064500" cy="4800600"/>
+          </a:xfrm>
+        </p:spPr>
+        <p:txBody>
+          <a:bodyPr>
+            <a:normAutofit fontScale="92500" lnSpcReduction="10000"/>
+          </a:bodyPr>
+          <a:lstStyle/>
+          <a:p>
+            <a:pPr marL="411480" lvl="1" indent="0">
+              <a:buNone/>
+            </a:pPr>
+            <a:endParaRPr lang="en-GB" b="1" dirty="0" smtClean="0">
+              <a:solidFill>
+                <a:schemeClr val="accent4"/>
+              </a:solidFill>
+            </a:endParaRPr>
+          </a:p>
+          <a:p>
+            <a:pPr marL="411480" lvl="1" indent="0">
+              <a:buNone/>
+            </a:pPr>
+            <a:r>
+              <a:rPr lang="en-GB" sz="1900" b="1" dirty="0" smtClean="0">
+                <a:solidFill>
+                  <a:schemeClr val="accent4"/>
+                </a:solidFill>
+              </a:rPr>
+              <a:t>Week of Feb 18</a:t>
+            </a:r>
+            <a:r>
+              <a:rPr lang="en-GB" sz="1900" b="1" baseline="30000" dirty="0" smtClean="0">
+                <a:solidFill>
+                  <a:schemeClr val="accent4"/>
+                </a:solidFill>
+              </a:rPr>
+              <a:t>th</a:t>
+            </a:r>
+            <a:r>
+              <a:rPr lang="en-GB" sz="1900" b="1" dirty="0" smtClean="0">
+                <a:solidFill>
+                  <a:schemeClr val="accent4"/>
+                </a:solidFill>
+              </a:rPr>
+              <a:t> </a:t>
+            </a:r>
+            <a:endParaRPr lang="en-GB" sz="1900" dirty="0" smtClean="0"/>
+          </a:p>
+          <a:p>
+            <a:pPr marL="777240" lvl="2" indent="0">
+              <a:buFont typeface="Wingdings" pitchFamily="2" charset="2"/>
+              <a:buChar char="§"/>
+            </a:pPr>
+            <a:r>
+              <a:rPr lang="en-GB" sz="1900" dirty="0" smtClean="0"/>
+              <a:t> </a:t>
+            </a:r>
+            <a:r>
+              <a:rPr lang="en-GB" sz="1800" dirty="0" smtClean="0"/>
+              <a:t>   </a:t>
+            </a:r>
+            <a:r>
+              <a:rPr lang="en-GB" sz="1600" dirty="0" smtClean="0"/>
+              <a:t>Define </a:t>
+            </a:r>
+            <a:r>
+              <a:rPr lang="en-GB" sz="1600" dirty="0" smtClean="0"/>
+              <a:t>requirements</a:t>
+            </a:r>
+          </a:p>
+          <a:p>
+            <a:pPr marL="777240" lvl="2" indent="0">
+              <a:buFont typeface="Wingdings" pitchFamily="2" charset="2"/>
+              <a:buChar char="§"/>
+            </a:pPr>
+            <a:r>
+              <a:rPr lang="en-GB" sz="1600" dirty="0" smtClean="0"/>
+              <a:t>     </a:t>
+            </a:r>
+            <a:r>
+              <a:rPr lang="en-GB" sz="1600" dirty="0" smtClean="0"/>
+              <a:t>Create </a:t>
+            </a:r>
+            <a:r>
+              <a:rPr lang="en-GB" sz="1600" dirty="0" smtClean="0"/>
+              <a:t>a Use Case diagram</a:t>
+            </a:r>
+          </a:p>
+          <a:p>
+            <a:pPr marL="777240" lvl="2" indent="0">
+              <a:buFont typeface="Wingdings" pitchFamily="2" charset="2"/>
+              <a:buChar char="§"/>
+            </a:pPr>
+            <a:r>
+              <a:rPr lang="en-GB" sz="1600" dirty="0" smtClean="0"/>
+              <a:t>     </a:t>
+            </a:r>
+            <a:r>
+              <a:rPr lang="en-GB" sz="1600" dirty="0" smtClean="0"/>
+              <a:t>Create </a:t>
+            </a:r>
+            <a:r>
+              <a:rPr lang="en-GB" sz="1600" dirty="0" smtClean="0"/>
+              <a:t>basic Design and navigation process</a:t>
+            </a:r>
+          </a:p>
+          <a:p>
+            <a:pPr marL="777240" lvl="2" indent="0">
+              <a:buFont typeface="Wingdings" pitchFamily="2" charset="2"/>
+              <a:buChar char="§"/>
+            </a:pPr>
+            <a:r>
+              <a:rPr lang="en-GB" sz="1600" dirty="0" smtClean="0"/>
+              <a:t>     </a:t>
+            </a:r>
+            <a:r>
+              <a:rPr lang="en-GB" sz="1600" dirty="0" smtClean="0"/>
+              <a:t>Create </a:t>
+            </a:r>
+            <a:r>
+              <a:rPr lang="en-GB" sz="1600" dirty="0" smtClean="0"/>
+              <a:t>an initial presentation</a:t>
+            </a:r>
+          </a:p>
+          <a:p>
+            <a:pPr marL="777240" lvl="2" indent="0">
+              <a:buFont typeface="Wingdings" pitchFamily="2" charset="2"/>
+              <a:buChar char="§"/>
+            </a:pPr>
+            <a:r>
+              <a:rPr lang="en-GB" sz="1600" dirty="0" smtClean="0"/>
+              <a:t>     </a:t>
+            </a:r>
+            <a:r>
+              <a:rPr lang="en-GB" sz="1600" dirty="0" smtClean="0"/>
+              <a:t>Determine </a:t>
+            </a:r>
+            <a:r>
+              <a:rPr lang="en-GB" sz="1600" dirty="0" smtClean="0"/>
+              <a:t>the classes, methods and attributes</a:t>
+            </a:r>
+          </a:p>
+          <a:p>
+            <a:pPr marL="777240" lvl="2" indent="0">
+              <a:buFont typeface="Wingdings" pitchFamily="2" charset="2"/>
+              <a:buChar char="§"/>
+            </a:pPr>
+            <a:r>
+              <a:rPr lang="en-GB" sz="1600" dirty="0" smtClean="0"/>
+              <a:t>     </a:t>
+            </a:r>
+            <a:r>
+              <a:rPr lang="en-GB" sz="1600" dirty="0" smtClean="0"/>
+              <a:t>Create </a:t>
+            </a:r>
+            <a:r>
+              <a:rPr lang="en-GB" sz="1600" dirty="0" smtClean="0"/>
+              <a:t>activity diagram</a:t>
+            </a:r>
+          </a:p>
+          <a:p>
+            <a:pPr marL="777240" lvl="2" indent="0">
+              <a:buFont typeface="Wingdings" pitchFamily="2" charset="2"/>
+              <a:buChar char="§"/>
+            </a:pPr>
+            <a:r>
+              <a:rPr lang="en-GB" sz="1600" dirty="0" smtClean="0"/>
+              <a:t>     </a:t>
+            </a:r>
+            <a:r>
+              <a:rPr lang="en-GB" sz="1600" dirty="0" smtClean="0"/>
+              <a:t>Start </a:t>
+            </a:r>
+            <a:r>
+              <a:rPr lang="en-GB" sz="1600" dirty="0" smtClean="0"/>
+              <a:t>with Proof of concept (POC)</a:t>
+            </a:r>
+          </a:p>
+          <a:p>
+            <a:pPr marL="0" indent="0">
+              <a:buNone/>
+            </a:pPr>
+            <a:endParaRPr lang="en-GB" sz="1900" dirty="0" smtClean="0"/>
+          </a:p>
+          <a:p>
+            <a:pPr marL="0" indent="0">
+              <a:buNone/>
+            </a:pPr>
+            <a:r>
+              <a:rPr lang="en-GB" sz="1900" dirty="0" smtClean="0"/>
+              <a:t>       </a:t>
+            </a:r>
+            <a:r>
+              <a:rPr lang="en-GB" sz="1900" b="1" dirty="0" smtClean="0">
+                <a:solidFill>
+                  <a:schemeClr val="accent4"/>
+                </a:solidFill>
+              </a:rPr>
+              <a:t>Week </a:t>
+            </a:r>
+            <a:r>
+              <a:rPr lang="en-GB" sz="1900" b="1" dirty="0" smtClean="0">
+                <a:solidFill>
+                  <a:schemeClr val="accent4"/>
+                </a:solidFill>
+              </a:rPr>
+              <a:t>of March 4</a:t>
+            </a:r>
+            <a:r>
+              <a:rPr lang="en-GB" sz="1900" b="1" baseline="30000" dirty="0" smtClean="0">
+                <a:solidFill>
+                  <a:schemeClr val="accent4"/>
+                </a:solidFill>
+              </a:rPr>
+              <a:t>th</a:t>
+            </a:r>
+            <a:endParaRPr lang="en-GB" sz="1900" dirty="0" smtClean="0"/>
+          </a:p>
+          <a:p>
+            <a:pPr marL="777240" lvl="2" indent="0">
+              <a:buFont typeface="Wingdings" pitchFamily="2" charset="2"/>
+              <a:buChar char="§"/>
+            </a:pPr>
+            <a:r>
+              <a:rPr lang="en-GB" sz="1900" dirty="0" smtClean="0"/>
+              <a:t> </a:t>
+            </a:r>
+            <a:r>
+              <a:rPr lang="en-GB" sz="1800" dirty="0" smtClean="0"/>
+              <a:t>   </a:t>
+            </a:r>
+            <a:r>
+              <a:rPr lang="en-GB" sz="1600" dirty="0" smtClean="0"/>
+              <a:t>Finish </a:t>
+            </a:r>
+            <a:r>
+              <a:rPr lang="en-GB" sz="1600" dirty="0" smtClean="0"/>
+              <a:t>auxiliary screens (settings and main)</a:t>
+            </a:r>
+          </a:p>
+          <a:p>
+            <a:pPr marL="777240" lvl="2" indent="0">
+              <a:buFont typeface="Wingdings" pitchFamily="2" charset="2"/>
+              <a:buChar char="§"/>
+            </a:pPr>
+            <a:r>
+              <a:rPr lang="en-GB" sz="1600" dirty="0" smtClean="0"/>
+              <a:t>     </a:t>
+            </a:r>
+            <a:r>
+              <a:rPr lang="en-GB" sz="1600" dirty="0" smtClean="0"/>
+              <a:t>Unit </a:t>
+            </a:r>
+            <a:r>
+              <a:rPr lang="en-GB" sz="1600" dirty="0" smtClean="0"/>
+              <a:t>and integration testing on these </a:t>
+            </a:r>
+            <a:r>
+              <a:rPr lang="en-GB" sz="1600" dirty="0" smtClean="0"/>
+              <a:t>screens</a:t>
+            </a:r>
+          </a:p>
+          <a:p>
+            <a:pPr marL="777240" lvl="2" indent="0">
+              <a:buFont typeface="Wingdings" pitchFamily="2" charset="2"/>
+              <a:buChar char="§"/>
+            </a:pPr>
+            <a:endParaRPr lang="en-GB" sz="1900" dirty="0" smtClean="0"/>
+          </a:p>
+          <a:p>
+            <a:pPr marL="411480" lvl="1" indent="0">
+              <a:buNone/>
+            </a:pPr>
+            <a:r>
+              <a:rPr lang="en-GB" sz="1900" b="1" dirty="0" smtClean="0">
+                <a:solidFill>
+                  <a:schemeClr val="accent4"/>
+                </a:solidFill>
+              </a:rPr>
+              <a:t>Week of March 18</a:t>
+            </a:r>
+            <a:r>
+              <a:rPr lang="en-GB" sz="1900" b="1" baseline="30000" dirty="0" smtClean="0">
+                <a:solidFill>
+                  <a:schemeClr val="accent4"/>
+                </a:solidFill>
+              </a:rPr>
+              <a:t>th</a:t>
+            </a:r>
+            <a:endParaRPr lang="en-GB" sz="1900" baseline="30000" dirty="0" smtClean="0"/>
+          </a:p>
+          <a:p>
+            <a:pPr marL="777240" lvl="2" indent="0">
+              <a:buFont typeface="Wingdings" pitchFamily="2" charset="2"/>
+              <a:buChar char="§"/>
+            </a:pPr>
+            <a:r>
+              <a:rPr lang="en-GB" sz="1900" dirty="0" smtClean="0"/>
+              <a:t> </a:t>
+            </a:r>
+            <a:r>
+              <a:rPr lang="en-GB" sz="1800" dirty="0" smtClean="0"/>
+              <a:t>   </a:t>
+            </a:r>
+            <a:r>
+              <a:rPr lang="en-GB" sz="1600" dirty="0" smtClean="0"/>
+              <a:t>Start </a:t>
+            </a:r>
+            <a:r>
+              <a:rPr lang="en-GB" sz="1600" dirty="0" smtClean="0"/>
+              <a:t>work on the game screen (control and render the dog)</a:t>
+            </a:r>
+          </a:p>
+          <a:p>
+            <a:pPr marL="777240" lvl="2" indent="0">
+              <a:buNone/>
+            </a:pPr>
+            <a:endParaRPr lang="en-GB" sz="1600" dirty="0" smtClean="0"/>
+          </a:p>
+        </p:txBody>
+      </p:sp>
+    </p:spTree>
+    <p:extLst>
+      <p:ext uri="{BB962C8B-B14F-4D97-AF65-F5344CB8AC3E}">
+        <p14:creationId xmlns="" xmlns:p14="http://schemas.microsoft.com/office/powerpoint/2010/main" val="4290846282"/>
+      </p:ext>
+    </p:extLst>
+  </p:cSld>
+  <p:clrMapOvr>
+    <a:masterClrMapping/>
+  </p:clrMapOvr>
+  <p:timing>
+    <p:tnLst>
+      <p:par>
+        <p:cTn id="1" dur="indefinite" restart="never" nodeType="tmRoot"/>
+      </p:par>
+    </p:tnLst>
+  </p:timing>
+</p:sld>
+</file>
+
+<file path=ppt/slides/slide12.xml><?xml version="1.0" encoding="utf-8"?>
+<p:sld xmlns:a="http://schemas.openxmlformats.org/drawingml/2006/main" xmlns:r="http://schemas.openxmlformats.org/officeDocument/2006/relationships" xmlns:p="http://schemas.openxmlformats.org/presentationml/2006/main">
+  <p:cSld>
+    <p:spTree>
+      <p:nvGrpSpPr>
+        <p:cNvPr id="1" name=""/>
+        <p:cNvGrpSpPr/>
+        <p:nvPr/>
+      </p:nvGrpSpPr>
+      <p:grpSpPr>
+        <a:xfrm>
+          <a:off x="0" y="0"/>
+          <a:ext cx="0" cy="0"/>
+          <a:chOff x="0" y="0"/>
+          <a:chExt cx="0" cy="0"/>
+        </a:xfrm>
+      </p:grpSpPr>
+      <p:sp>
+        <p:nvSpPr>
+          <p:cNvPr id="7" name="Title 6"/>
+          <p:cNvSpPr>
+            <a:spLocks noGrp="1"/>
+          </p:cNvSpPr>
+          <p:nvPr>
+            <p:ph type="title"/>
+          </p:nvPr>
+        </p:nvSpPr>
+        <p:spPr>
+          <a:xfrm>
+            <a:off x="539750" y="838200"/>
+            <a:ext cx="8064500" cy="609600"/>
+          </a:xfrm>
+        </p:spPr>
+        <p:txBody>
+          <a:bodyPr>
+            <a:noAutofit/>
+          </a:bodyPr>
+          <a:lstStyle/>
+          <a:p>
+            <a:r>
+              <a:rPr lang="en-GB" sz="2800" b="1" u="sng" dirty="0" smtClean="0"/>
+              <a:t>Project Schedule</a:t>
+            </a:r>
+            <a:endParaRPr lang="en-GB" sz="2800" b="1" u="sng" dirty="0"/>
+          </a:p>
+        </p:txBody>
+      </p:sp>
+      <p:sp>
+        <p:nvSpPr>
+          <p:cNvPr id="4" name="Slide Number Placeholder 3"/>
+          <p:cNvSpPr>
+            <a:spLocks noGrp="1"/>
+          </p:cNvSpPr>
+          <p:nvPr>
+            <p:ph type="sldNum" sz="quarter" idx="11"/>
+          </p:nvPr>
+        </p:nvSpPr>
+        <p:spPr/>
+        <p:txBody>
+          <a:bodyPr/>
+          <a:lstStyle/>
+          <a:p>
+            <a:fld id="{EF789A81-9B9B-445C-8A60-F916862B4649}" type="slidenum">
+              <a:rPr lang="en-GB" smtClean="0"/>
+              <a:pPr/>
+              <a:t>12</a:t>
+            </a:fld>
+            <a:endParaRPr lang="en-GB" dirty="0"/>
+          </a:p>
+        </p:txBody>
+      </p:sp>
+      <p:sp>
+        <p:nvSpPr>
+          <p:cNvPr id="8" name="Text Placeholder 7"/>
+          <p:cNvSpPr>
+            <a:spLocks noGrp="1"/>
+          </p:cNvSpPr>
+          <p:nvPr>
+            <p:ph type="body" sz="quarter" idx="12"/>
+          </p:nvPr>
+        </p:nvSpPr>
+        <p:spPr>
+          <a:xfrm>
+            <a:off x="539750" y="1524000"/>
+            <a:ext cx="8064500" cy="4800600"/>
+          </a:xfrm>
+        </p:spPr>
+        <p:txBody>
+          <a:bodyPr>
+            <a:normAutofit/>
+          </a:bodyPr>
+          <a:lstStyle/>
+          <a:p>
+            <a:pPr marL="411480" lvl="1" indent="0">
+              <a:buNone/>
+            </a:pPr>
+            <a:r>
+              <a:rPr lang="en-GB" sz="1700" b="1" dirty="0" smtClean="0">
+                <a:solidFill>
+                  <a:schemeClr val="accent4"/>
+                </a:solidFill>
+              </a:rPr>
+              <a:t>Week of April 1</a:t>
+            </a:r>
+            <a:r>
+              <a:rPr lang="en-GB" sz="1700" b="1" baseline="30000" dirty="0" smtClean="0">
+                <a:solidFill>
+                  <a:schemeClr val="accent4"/>
+                </a:solidFill>
+              </a:rPr>
+              <a:t>st</a:t>
+            </a:r>
+            <a:endParaRPr lang="en-GB" sz="1600" baseline="30000" dirty="0" smtClean="0"/>
+          </a:p>
+          <a:p>
+            <a:pPr marL="777240" lvl="2" indent="0">
+              <a:buFont typeface="Wingdings" pitchFamily="2" charset="2"/>
+              <a:buChar char="§"/>
+            </a:pPr>
+            <a:r>
+              <a:rPr lang="en-GB" sz="1400" dirty="0" smtClean="0"/>
+              <a:t>     </a:t>
+            </a:r>
+            <a:r>
+              <a:rPr lang="en-GB" sz="1500" dirty="0" smtClean="0"/>
+              <a:t>Continue </a:t>
+            </a:r>
+            <a:r>
+              <a:rPr lang="en-GB" sz="1500" dirty="0" smtClean="0"/>
+              <a:t>work on the game screen (fox and sheep)</a:t>
+            </a:r>
+          </a:p>
+          <a:p>
+            <a:pPr marL="411480" lvl="1" indent="0">
+              <a:buNone/>
+            </a:pPr>
+            <a:endParaRPr lang="en-GB" sz="1700" b="1" dirty="0" smtClean="0">
+              <a:solidFill>
+                <a:schemeClr val="accent4"/>
+              </a:solidFill>
+            </a:endParaRPr>
+          </a:p>
+          <a:p>
+            <a:pPr marL="411480" lvl="1" indent="0">
+              <a:buNone/>
+            </a:pPr>
+            <a:r>
+              <a:rPr lang="en-GB" sz="1700" b="1" dirty="0" smtClean="0">
+                <a:solidFill>
+                  <a:schemeClr val="accent4"/>
+                </a:solidFill>
+              </a:rPr>
+              <a:t>Week of April 15</a:t>
+            </a:r>
+            <a:r>
+              <a:rPr lang="en-GB" sz="1700" b="1" baseline="30000" dirty="0" smtClean="0">
+                <a:solidFill>
+                  <a:schemeClr val="accent4"/>
+                </a:solidFill>
+              </a:rPr>
+              <a:t>th</a:t>
+            </a:r>
+          </a:p>
+          <a:p>
+            <a:pPr marL="777240" lvl="2" indent="0">
+              <a:buFont typeface="Wingdings" pitchFamily="2" charset="2"/>
+              <a:buChar char="§"/>
+            </a:pPr>
+            <a:r>
+              <a:rPr lang="en-GB" sz="1500" dirty="0" smtClean="0"/>
+              <a:t>     </a:t>
+            </a:r>
+            <a:r>
+              <a:rPr lang="en-GB" sz="1500" dirty="0" smtClean="0"/>
+              <a:t>Continue </a:t>
+            </a:r>
+            <a:r>
+              <a:rPr lang="en-GB" sz="1500" dirty="0" smtClean="0"/>
+              <a:t>work on the game screen (fox and sheep)</a:t>
+            </a:r>
+          </a:p>
+          <a:p>
+            <a:pPr marL="777240" lvl="2" indent="0">
+              <a:buFont typeface="Wingdings" pitchFamily="2" charset="2"/>
+              <a:buChar char="§"/>
+            </a:pPr>
+            <a:r>
+              <a:rPr lang="en-GB" sz="1500" dirty="0" smtClean="0"/>
+              <a:t> </a:t>
+            </a:r>
+            <a:r>
+              <a:rPr lang="en-GB" sz="1400" dirty="0" smtClean="0"/>
+              <a:t>    </a:t>
+            </a:r>
+            <a:r>
+              <a:rPr lang="en-GB" sz="1500" dirty="0" smtClean="0"/>
+              <a:t>Final </a:t>
+            </a:r>
+            <a:r>
+              <a:rPr lang="en-GB" sz="1500" dirty="0" smtClean="0"/>
+              <a:t>touches</a:t>
+            </a:r>
+          </a:p>
+          <a:p>
+            <a:pPr marL="777240" lvl="2" indent="0">
+              <a:buFont typeface="Wingdings" pitchFamily="2" charset="2"/>
+              <a:buChar char="§"/>
+            </a:pPr>
+            <a:r>
+              <a:rPr lang="en-GB" sz="1500" dirty="0" smtClean="0"/>
+              <a:t> </a:t>
+            </a:r>
+            <a:r>
+              <a:rPr lang="en-GB" sz="1400" dirty="0" smtClean="0"/>
+              <a:t>    </a:t>
+            </a:r>
+            <a:r>
+              <a:rPr lang="en-GB" sz="1500" dirty="0" smtClean="0"/>
+              <a:t>Submit </a:t>
+            </a:r>
+            <a:r>
+              <a:rPr lang="en-GB" sz="1500" dirty="0" smtClean="0"/>
+              <a:t>code to professor</a:t>
+            </a:r>
+          </a:p>
+          <a:p>
+            <a:pPr marL="777240" lvl="2" indent="0">
+              <a:buNone/>
+            </a:pPr>
+            <a:endParaRPr lang="en-GB" sz="1900" dirty="0" smtClean="0"/>
+          </a:p>
+          <a:p>
+            <a:pPr marL="411480" lvl="1" indent="0">
+              <a:buNone/>
+            </a:pPr>
+            <a:r>
+              <a:rPr lang="en-GB" sz="1700" b="1" dirty="0" smtClean="0">
+                <a:solidFill>
+                  <a:schemeClr val="accent4"/>
+                </a:solidFill>
+              </a:rPr>
+              <a:t>Week of April 29</a:t>
+            </a:r>
+            <a:r>
+              <a:rPr lang="en-GB" sz="1700" b="1" baseline="30000" dirty="0" smtClean="0">
+                <a:solidFill>
+                  <a:schemeClr val="accent4"/>
+                </a:solidFill>
+              </a:rPr>
+              <a:t>th</a:t>
+            </a:r>
+            <a:endParaRPr lang="en-GB" sz="1700" dirty="0" smtClean="0"/>
+          </a:p>
+          <a:p>
+            <a:pPr marL="777240" lvl="2" indent="0">
+              <a:buFont typeface="Wingdings" pitchFamily="2" charset="2"/>
+              <a:buChar char="§"/>
+            </a:pPr>
+            <a:r>
+              <a:rPr lang="en-GB" sz="1500" dirty="0" smtClean="0"/>
+              <a:t> </a:t>
+            </a:r>
+            <a:r>
+              <a:rPr lang="en-GB" sz="1400" dirty="0" smtClean="0"/>
+              <a:t>    </a:t>
+            </a:r>
+            <a:r>
+              <a:rPr lang="en-GB" sz="1500" dirty="0" smtClean="0"/>
+              <a:t>Presenting </a:t>
+            </a:r>
+            <a:r>
+              <a:rPr lang="en-GB" sz="1500" dirty="0" smtClean="0"/>
+              <a:t>the program in class</a:t>
+            </a:r>
+          </a:p>
+          <a:p>
+            <a:pPr marL="777240" lvl="2" indent="0">
+              <a:buFont typeface="Wingdings" pitchFamily="2" charset="2"/>
+              <a:buChar char="§"/>
+            </a:pPr>
+            <a:r>
+              <a:rPr lang="en-GB" sz="1500" dirty="0" smtClean="0"/>
+              <a:t> </a:t>
+            </a:r>
+            <a:r>
+              <a:rPr lang="en-GB" sz="1400" dirty="0" smtClean="0"/>
+              <a:t>    </a:t>
+            </a:r>
+            <a:r>
+              <a:rPr lang="en-GB" sz="1500" dirty="0" smtClean="0"/>
+              <a:t>Preparing </a:t>
+            </a:r>
+            <a:r>
+              <a:rPr lang="en-GB" sz="1500" dirty="0" smtClean="0"/>
+              <a:t>to package / release</a:t>
+            </a:r>
+          </a:p>
+          <a:p>
+            <a:pPr marL="777240" lvl="2" indent="0">
+              <a:buNone/>
+            </a:pPr>
+            <a:endParaRPr lang="en-GB" sz="1900" dirty="0" smtClean="0"/>
+          </a:p>
+          <a:p>
+            <a:pPr marL="411480" lvl="1" indent="0">
+              <a:buNone/>
+            </a:pPr>
+            <a:r>
+              <a:rPr lang="en-GB" sz="1700" b="1" dirty="0" smtClean="0">
+                <a:solidFill>
+                  <a:schemeClr val="accent4"/>
+                </a:solidFill>
+              </a:rPr>
+              <a:t>Week of May 13</a:t>
+            </a:r>
+            <a:r>
+              <a:rPr lang="en-GB" sz="1700" b="1" baseline="30000" dirty="0" smtClean="0">
+                <a:solidFill>
+                  <a:schemeClr val="accent4"/>
+                </a:solidFill>
+              </a:rPr>
+              <a:t>th</a:t>
+            </a:r>
+          </a:p>
+          <a:p>
+            <a:pPr marL="777240" lvl="2" indent="0">
+              <a:buFont typeface="Wingdings" pitchFamily="2" charset="2"/>
+              <a:buChar char="§"/>
+            </a:pPr>
+            <a:r>
+              <a:rPr lang="en-GB" sz="1500" dirty="0" smtClean="0"/>
+              <a:t> </a:t>
+            </a:r>
+            <a:r>
+              <a:rPr lang="en-GB" sz="1400" dirty="0" smtClean="0"/>
+              <a:t>    </a:t>
+            </a:r>
+            <a:r>
+              <a:rPr lang="en-GB" sz="1500" dirty="0" smtClean="0"/>
+              <a:t>Publishing </a:t>
+            </a:r>
+            <a:r>
+              <a:rPr lang="en-GB" sz="1500" dirty="0" smtClean="0"/>
+              <a:t>to the store</a:t>
+            </a:r>
+            <a:endParaRPr lang="en-GB" sz="1700" dirty="0" smtClean="0"/>
+          </a:p>
+          <a:p>
+            <a:pPr marL="777240" lvl="2" indent="0">
+              <a:buNone/>
+            </a:pPr>
+            <a:endParaRPr lang="en-GB" sz="1600" dirty="0" smtClean="0"/>
+          </a:p>
+        </p:txBody>
+      </p:sp>
+    </p:spTree>
+    <p:extLst>
+      <p:ext uri="{BB962C8B-B14F-4D97-AF65-F5344CB8AC3E}">
+        <p14:creationId xmlns="" xmlns:p14="http://schemas.microsoft.com/office/powerpoint/2010/main" val="4290846282"/>
+      </p:ext>
+    </p:extLst>
+  </p:cSld>
+  <p:clrMapOvr>
+    <a:masterClrMapping/>
+  </p:clrMapOvr>
+  <p:timing>
+    <p:tnLst>
+      <p:par>
+        <p:cTn id="1" dur="indefinite" restart="never" nodeType="tmRoot"/>
+      </p:par>
+    </p:tnLst>
+  </p:timing>
+</p:sld>
+</file>
+
+<file path=ppt/slides/slide13.xml><?xml version="1.0" encoding="utf-8"?>
+<p:sld xmlns:a="http://schemas.openxmlformats.org/drawingml/2006/main" xmlns:r="http://schemas.openxmlformats.org/officeDocument/2006/relationships" xmlns:p="http://schemas.openxmlformats.org/presentationml/2006/main">
+  <p:cSld>
+    <p:spTree>
+      <p:nvGrpSpPr>
+        <p:cNvPr id="1" name=""/>
+        <p:cNvGrpSpPr/>
+        <p:nvPr/>
+      </p:nvGrpSpPr>
+      <p:grpSpPr>
+        <a:xfrm>
+          <a:off x="0" y="0"/>
+          <a:ext cx="0" cy="0"/>
+          <a:chOff x="0" y="0"/>
+          <a:chExt cx="0" cy="0"/>
+        </a:xfrm>
+      </p:grpSpPr>
+      <p:sp>
+        <p:nvSpPr>
+          <p:cNvPr id="4" name="Slide Number Placeholder 3"/>
+          <p:cNvSpPr>
+            <a:spLocks noGrp="1"/>
+          </p:cNvSpPr>
+          <p:nvPr>
+            <p:ph type="sldNum" sz="quarter" idx="11"/>
+          </p:nvPr>
+        </p:nvSpPr>
+        <p:spPr/>
+        <p:txBody>
+          <a:bodyPr/>
+          <a:lstStyle/>
+          <a:p>
+            <a:fld id="{EF789A81-9B9B-445C-8A60-F916862B4649}" type="slidenum">
+              <a:rPr lang="en-GB" smtClean="0"/>
+              <a:pPr/>
+              <a:t>13</a:t>
+            </a:fld>
+            <a:endParaRPr lang="en-GB" dirty="0"/>
+          </a:p>
+        </p:txBody>
+      </p:sp>
+      <p:sp>
+        <p:nvSpPr>
+          <p:cNvPr id="11" name="Text Placeholder 10"/>
+          <p:cNvSpPr>
+            <a:spLocks noGrp="1"/>
+          </p:cNvSpPr>
+          <p:nvPr>
+            <p:ph type="body" sz="quarter" idx="12"/>
+          </p:nvPr>
+        </p:nvSpPr>
+        <p:spPr>
+          <a:xfrm>
+            <a:off x="539750" y="1905000"/>
+            <a:ext cx="8064500" cy="3971925"/>
+          </a:xfrm>
+        </p:spPr>
+        <p:txBody>
+          <a:bodyPr/>
+          <a:lstStyle/>
+          <a:p>
+            <a:pPr marL="137160" indent="0">
+              <a:buNone/>
+            </a:pPr>
+            <a:endParaRPr lang="en-GB" dirty="0"/>
+          </a:p>
+          <a:p>
+            <a:pPr marL="137160" indent="0">
+              <a:buNone/>
+            </a:pPr>
+            <a:endParaRPr lang="en-GB" sz="2400" b="1" dirty="0" smtClean="0">
+              <a:solidFill>
+                <a:srgbClr val="FF0000"/>
+              </a:solidFill>
+            </a:endParaRPr>
+          </a:p>
+          <a:p>
+            <a:pPr marL="137160" indent="0" algn="ctr">
+              <a:buNone/>
+            </a:pPr>
+            <a:endParaRPr lang="en-GB" sz="2400" b="1" dirty="0" smtClean="0">
+              <a:solidFill>
+                <a:srgbClr val="FF0000"/>
+              </a:solidFill>
+            </a:endParaRPr>
+          </a:p>
+          <a:p>
+            <a:pPr marL="137160" indent="0" algn="ctr">
+              <a:buNone/>
+            </a:pPr>
+            <a:r>
+              <a:rPr lang="en-GB" sz="2400" b="1" dirty="0" smtClean="0">
+                <a:solidFill>
+                  <a:srgbClr val="FF0000"/>
+                </a:solidFill>
+              </a:rPr>
+              <a:t>QA</a:t>
+            </a:r>
+            <a:endParaRPr lang="en-GB" sz="2400" b="1" dirty="0">
+              <a:solidFill>
+                <a:srgbClr val="FF0000"/>
+              </a:solidFill>
+            </a:endParaRPr>
+          </a:p>
+        </p:txBody>
+      </p:sp>
+    </p:spTree>
+    <p:extLst>
+      <p:ext uri="{BB962C8B-B14F-4D97-AF65-F5344CB8AC3E}">
+        <p14:creationId xmlns="" xmlns:p14="http://schemas.microsoft.com/office/powerpoint/2010/main" val="538637548"/>
+      </p:ext>
+    </p:extLst>
+  </p:cSld>
+  <p:clrMapOvr>
+    <a:masterClrMapping/>
+  </p:clrMapOvr>
+  <p:timing>
+    <p:tnLst>
+      <p:par>
+        <p:cTn id="1" dur="indefinite" restart="never" nodeType="tmRoot"/>
+      </p:par>
+    </p:tnLst>
+  </p:timing>
+</p:sld>
+</file>
+
+<file path=ppt/slides/slide14.xml><?xml version="1.0" encoding="utf-8"?>
+<p:sld xmlns:a="http://schemas.openxmlformats.org/drawingml/2006/main" xmlns:r="http://schemas.openxmlformats.org/officeDocument/2006/relationships" xmlns:p="http://schemas.openxmlformats.org/presentationml/2006/main">
+  <p:cSld>
+    <p:spTree>
+      <p:nvGrpSpPr>
+        <p:cNvPr id="1" name=""/>
+        <p:cNvGrpSpPr/>
+        <p:nvPr/>
+      </p:nvGrpSpPr>
+      <p:grpSpPr>
+        <a:xfrm>
+          <a:off x="0" y="0"/>
+          <a:ext cx="0" cy="0"/>
+          <a:chOff x="0" y="0"/>
+          <a:chExt cx="0" cy="0"/>
+        </a:xfrm>
+      </p:grpSpPr>
+      <p:sp>
+        <p:nvSpPr>
+          <p:cNvPr id="4" name="Slide Number Placeholder 3"/>
+          <p:cNvSpPr>
+            <a:spLocks noGrp="1"/>
+          </p:cNvSpPr>
+          <p:nvPr>
+            <p:ph type="sldNum" sz="quarter" idx="11"/>
+          </p:nvPr>
+        </p:nvSpPr>
+        <p:spPr/>
+        <p:txBody>
+          <a:bodyPr/>
+          <a:lstStyle/>
+          <a:p>
+            <a:fld id="{EF789A81-9B9B-445C-8A60-F916862B4649}" type="slidenum">
+              <a:rPr lang="en-GB" smtClean="0"/>
+              <a:pPr/>
+              <a:t>14</a:t>
+            </a:fld>
+            <a:endParaRPr lang="en-GB" dirty="0"/>
+          </a:p>
+        </p:txBody>
+      </p:sp>
+      <p:sp>
+        <p:nvSpPr>
+          <p:cNvPr id="11" name="Text Placeholder 10"/>
+          <p:cNvSpPr>
+            <a:spLocks noGrp="1"/>
+          </p:cNvSpPr>
+          <p:nvPr>
+            <p:ph type="body" sz="quarter" idx="12"/>
+          </p:nvPr>
+        </p:nvSpPr>
+        <p:spPr>
+          <a:xfrm>
+            <a:off x="539750" y="1905000"/>
+            <a:ext cx="8064500" cy="3971925"/>
+          </a:xfrm>
+        </p:spPr>
+        <p:txBody>
+          <a:bodyPr/>
+          <a:lstStyle/>
+          <a:p>
+            <a:pPr marL="137160" indent="0">
+              <a:buNone/>
+            </a:pPr>
+            <a:endParaRPr lang="en-GB" dirty="0"/>
+          </a:p>
+          <a:p>
+            <a:pPr marL="137160" indent="0">
+              <a:buNone/>
+            </a:pPr>
+            <a:endParaRPr lang="en-GB" sz="2400" b="1" dirty="0" smtClean="0">
+              <a:solidFill>
+                <a:srgbClr val="FF0000"/>
+              </a:solidFill>
+            </a:endParaRPr>
+          </a:p>
+          <a:p>
+            <a:pPr marL="137160" indent="0">
+              <a:buNone/>
+            </a:pPr>
+            <a:endParaRPr lang="en-GB" sz="2400" b="1" dirty="0">
+              <a:solidFill>
+                <a:srgbClr val="FF0000"/>
+              </a:solidFill>
+            </a:endParaRPr>
+          </a:p>
+          <a:p>
+            <a:pPr marL="137160" indent="0">
+              <a:buNone/>
+            </a:pPr>
+            <a:r>
+              <a:rPr lang="en-GB" sz="2400" b="1" dirty="0" smtClean="0">
+                <a:solidFill>
+                  <a:srgbClr val="FF0000"/>
+                </a:solidFill>
+              </a:rPr>
+              <a:t>                        Thank you all for listening!!</a:t>
+            </a:r>
+            <a:endParaRPr lang="en-GB" sz="2400" b="1" dirty="0">
+              <a:solidFill>
+                <a:srgbClr val="FF0000"/>
+              </a:solidFill>
+            </a:endParaRPr>
+          </a:p>
+        </p:txBody>
+      </p:sp>
+    </p:spTree>
+    <p:extLst>
+      <p:ext uri="{BB962C8B-B14F-4D97-AF65-F5344CB8AC3E}">
+        <p14:creationId xmlns="" xmlns:p14="http://schemas.microsoft.com/office/powerpoint/2010/main" val="538637548"/>
       </p:ext>
     </p:extLst>
   </p:cSld>
@@ -11267,15 +11859,15 @@
         </p:spPr>
         <p:txBody>
           <a:bodyPr>
-            <a:normAutofit fontScale="90000"/>
+            <a:normAutofit/>
           </a:bodyPr>
           <a:lstStyle/>
           <a:p>
             <a:r>
-              <a:rPr lang="en-GB" b="1" u="sng" dirty="0" smtClean="0"/>
-              <a:t>Description of the Project</a:t>
-            </a:r>
-            <a:endParaRPr lang="en-GB" b="1" u="sng" dirty="0"/>
+              <a:rPr lang="en-GB" sz="2800" b="1" u="sng" dirty="0" smtClean="0"/>
+              <a:t>Project Overview</a:t>
+            </a:r>
+            <a:endParaRPr lang="en-GB" sz="2800" b="1" u="sng" dirty="0"/>
           </a:p>
         </p:txBody>
       </p:sp>
@@ -11321,7 +11913,7 @@
         </p:spPr>
         <p:txBody>
           <a:bodyPr>
-            <a:normAutofit fontScale="85000" lnSpcReduction="20000"/>
+            <a:normAutofit/>
           </a:bodyPr>
           <a:lstStyle/>
           <a:p>
@@ -11329,25 +11921,15 @@
               <a:buNone/>
             </a:pPr>
             <a:r>
-              <a:rPr lang="en-GB" dirty="0"/>
-              <a:t> </a:t>
-            </a:r>
-            <a:r>
               <a:rPr lang="en-GB" dirty="0" smtClean="0"/>
               <a:t>                                 </a:t>
             </a:r>
-          </a:p>
-          <a:p>
-            <a:pPr marL="0" indent="0">
-              <a:buNone/>
-            </a:pPr>
-            <a:r>
-              <a:rPr lang="en-GB" sz="1800" dirty="0"/>
+            <a:endParaRPr lang="en-GB" sz="1800" dirty="0" smtClean="0"/>
+          </a:p>
+          <a:p>
+            <a:r>
+              <a:rPr lang="en-GB" dirty="0" smtClean="0"/>
               <a:t> </a:t>
-            </a:r>
-            <a:r>
-              <a:rPr lang="en-GB" sz="1800" dirty="0" smtClean="0"/>
-              <a:t>  </a:t>
             </a:r>
             <a:r>
               <a:rPr lang="en-GB" sz="1800" b="1" u="sng" dirty="0" smtClean="0">
@@ -11355,7 +11937,7 @@
                   <a:srgbClr val="FF0000"/>
                 </a:solidFill>
               </a:rPr>
-              <a:t>Project Name:</a:t>
+              <a:t>Project Name</a:t>
             </a:r>
             <a:r>
               <a:rPr lang="en-GB" sz="1800" b="1" dirty="0" smtClean="0">
@@ -11363,45 +11945,9 @@
                   <a:srgbClr val="FF0000"/>
                 </a:solidFill>
               </a:rPr>
-              <a:t>  </a:t>
-            </a:r>
-            <a:r>
-              <a:rPr lang="en-GB" sz="1800" b="1" dirty="0" smtClean="0">
-                <a:solidFill>
-                  <a:srgbClr val="FF0000"/>
-                </a:solidFill>
-              </a:rPr>
-              <a:t>Sheep Herder</a:t>
-            </a:r>
-            <a:endParaRPr lang="en-GB" sz="1800" b="1" dirty="0" smtClean="0">
-              <a:solidFill>
-                <a:srgbClr val="FF0000"/>
-              </a:solidFill>
-            </a:endParaRPr>
-          </a:p>
-          <a:p>
-            <a:pPr marL="0" indent="0">
-              <a:buNone/>
-            </a:pPr>
+              <a:t>: Sheep Herder</a:t>
+            </a:r>
             <a:endParaRPr lang="en-GB" sz="1800" dirty="0" smtClean="0"/>
-          </a:p>
-          <a:p>
-            <a:r>
-              <a:rPr lang="en-GB" dirty="0" smtClean="0"/>
-              <a:t> </a:t>
-            </a:r>
-            <a:r>
-              <a:rPr lang="en-GB" b="1" u="sng" dirty="0" smtClean="0">
-                <a:solidFill>
-                  <a:srgbClr val="FF0000"/>
-                </a:solidFill>
-              </a:rPr>
-              <a:t>Project overview: </a:t>
-            </a:r>
-            <a:r>
-              <a:rPr lang="en-GB" dirty="0" smtClean="0"/>
-              <a:t>    </a:t>
-            </a:r>
           </a:p>
           <a:p>
             <a:pPr marL="411480" lvl="1" indent="0">
@@ -11420,20 +11966,8 @@
               <a:buNone/>
             </a:pPr>
             <a:r>
-              <a:rPr lang="en-GB" dirty="0" smtClean="0"/>
-              <a:t>This project consists of a game where the user controls a dog, the “Sheep </a:t>
-            </a:r>
-            <a:r>
-              <a:rPr lang="en-GB" dirty="0" smtClean="0"/>
-              <a:t>H</a:t>
-            </a:r>
-            <a:r>
-              <a:rPr lang="en-GB" dirty="0" smtClean="0"/>
-              <a:t>erder”, and is responsible for keeping the sheep together, avoiding the perils of the dangerous fox that can come at any time. </a:t>
-            </a:r>
-            <a:r>
-              <a:rPr lang="en-GB" dirty="0" smtClean="0"/>
-              <a:t> </a:t>
+              <a:rPr lang="en-GB" sz="1600" dirty="0" smtClean="0"/>
+              <a:t>This project consists of a game where the user controls a dog, the “Sheep Herder”, and is responsible for keeping the sheep together, avoiding the perils of the dangerous fox that can come at any time.  </a:t>
             </a:r>
           </a:p>
           <a:p>
@@ -11442,85 +11976,12 @@
             </a:pPr>
             <a:endParaRPr lang="en-GB" dirty="0"/>
           </a:p>
-          <a:p>
-            <a:r>
-              <a:rPr lang="en-GB" b="1" u="sng" dirty="0" smtClean="0">
-                <a:solidFill>
-                  <a:srgbClr val="FF0000"/>
-                </a:solidFill>
-              </a:rPr>
-              <a:t>Characters Definition</a:t>
-            </a:r>
-          </a:p>
-          <a:p>
-            <a:pPr>
-              <a:buNone/>
-            </a:pPr>
-            <a:endParaRPr lang="en-GB" b="1" u="sng" dirty="0" smtClean="0">
-              <a:solidFill>
-                <a:srgbClr val="FF0000"/>
-              </a:solidFill>
-            </a:endParaRPr>
-          </a:p>
-          <a:p>
-            <a:pPr marL="868680" lvl="1" indent="-457200">
-              <a:buNone/>
-            </a:pPr>
-            <a:r>
-              <a:rPr lang="en-GB" b="1" u="sng" dirty="0" smtClean="0">
-                <a:solidFill>
-                  <a:schemeClr val="accent4"/>
-                </a:solidFill>
-              </a:rPr>
-              <a:t>Sheep</a:t>
-            </a:r>
-            <a:endParaRPr lang="en-GB" b="1" u="sng" dirty="0" smtClean="0">
-              <a:solidFill>
-                <a:schemeClr val="accent4"/>
-              </a:solidFill>
-            </a:endParaRPr>
-          </a:p>
-          <a:p>
-            <a:pPr marL="777240" lvl="2" indent="0">
-              <a:buFont typeface="Courier New" pitchFamily="49" charset="0"/>
-              <a:buChar char="o"/>
-            </a:pPr>
-            <a:r>
-              <a:rPr lang="en-GB" dirty="0" smtClean="0"/>
-              <a:t> Is not allowed to go out of screen</a:t>
-            </a:r>
-          </a:p>
-          <a:p>
-            <a:pPr marL="777240" lvl="2" indent="0">
-              <a:buFont typeface="Courier New" pitchFamily="49" charset="0"/>
-              <a:buChar char="o"/>
-            </a:pPr>
-            <a:r>
-              <a:rPr lang="en-GB" dirty="0" smtClean="0"/>
-              <a:t> They can go to any direction, and move by reaction to dog’s or fox’s proximity</a:t>
-            </a:r>
-          </a:p>
-          <a:p>
-            <a:pPr marL="777240" lvl="2" indent="0">
-              <a:buFont typeface="Courier New" pitchFamily="49" charset="0"/>
-              <a:buChar char="o"/>
-            </a:pPr>
-            <a:r>
-              <a:rPr lang="en-GB" dirty="0" smtClean="0"/>
-              <a:t> </a:t>
-            </a:r>
-            <a:r>
-              <a:rPr lang="en-GB" dirty="0" smtClean="0"/>
-              <a:t>They are slower than the other animals</a:t>
-            </a:r>
-            <a:endParaRPr lang="en-GB" dirty="0" smtClean="0"/>
-          </a:p>
         </p:txBody>
       </p:sp>
     </p:spTree>
     <p:extLst>
       <p:ext uri="{BB962C8B-B14F-4D97-AF65-F5344CB8AC3E}">
-        <p14:creationId xmlns:p14="http://schemas.microsoft.com/office/powerpoint/2010/main" xmlns="" val="4290846282"/>
+        <p14:creationId xmlns="" xmlns:p14="http://schemas.microsoft.com/office/powerpoint/2010/main" val="4290846282"/>
       </p:ext>
     </p:extLst>
   </p:cSld>
@@ -11556,6 +12017,36 @@
       </p:grpSpPr>
       <p:sp>
         <p:nvSpPr>
+          <p:cNvPr id="7" name="Title 6"/>
+          <p:cNvSpPr>
+            <a:spLocks noGrp="1"/>
+          </p:cNvSpPr>
+          <p:nvPr>
+            <p:ph type="title"/>
+          </p:nvPr>
+        </p:nvSpPr>
+        <p:spPr>
+          <a:xfrm>
+            <a:off x="539750" y="838200"/>
+            <a:ext cx="8064500" cy="609600"/>
+          </a:xfrm>
+        </p:spPr>
+        <p:txBody>
+          <a:bodyPr>
+            <a:noAutofit/>
+          </a:bodyPr>
+          <a:lstStyle/>
+          <a:p>
+            <a:r>
+              <a:rPr lang="en-GB" sz="2800" b="1" u="sng" dirty="0" smtClean="0"/>
+              <a:t>Description of the Project</a:t>
+            </a:r>
+            <a:endParaRPr lang="en-GB" sz="2800" b="1" u="sng" dirty="0"/>
+          </a:p>
+        </p:txBody>
+      </p:sp>
+      <p:sp>
+        <p:nvSpPr>
           <p:cNvPr id="4" name="Slide Number Placeholder 3"/>
           <p:cNvSpPr>
             <a:spLocks noGrp="1"/>
@@ -11580,7 +12071,7 @@
       </p:sp>
       <p:sp>
         <p:nvSpPr>
-          <p:cNvPr id="2" name="Text Placeholder 1"/>
+          <p:cNvPr id="8" name="Text Placeholder 7"/>
           <p:cNvSpPr>
             <a:spLocks noGrp="1"/>
           </p:cNvSpPr>
@@ -11590,28 +12081,108 @@
         </p:nvSpPr>
         <p:spPr>
           <a:xfrm>
-            <a:off x="539750" y="457201"/>
-            <a:ext cx="6699250" cy="4419600"/>
+            <a:off x="539750" y="1524000"/>
+            <a:ext cx="8064500" cy="4800600"/>
           </a:xfrm>
         </p:spPr>
         <p:txBody>
           <a:bodyPr>
-            <a:normAutofit fontScale="62500" lnSpcReduction="20000"/>
+            <a:normAutofit/>
           </a:bodyPr>
           <a:lstStyle/>
+          <a:p>
+            <a:r>
+              <a:rPr lang="en-GB" sz="1800" b="1" u="sng" dirty="0" smtClean="0">
+                <a:solidFill>
+                  <a:srgbClr val="FF0000"/>
+                </a:solidFill>
+              </a:rPr>
+              <a:t>Characters Definition</a:t>
+            </a:r>
+          </a:p>
+          <a:p>
+            <a:pPr>
+              <a:buNone/>
+            </a:pPr>
+            <a:endParaRPr lang="en-GB" sz="1600" b="1" u="sng" dirty="0" smtClean="0">
+              <a:solidFill>
+                <a:srgbClr val="FF0000"/>
+              </a:solidFill>
+            </a:endParaRPr>
+          </a:p>
           <a:p>
             <a:pPr marL="868680" lvl="1" indent="-457200">
               <a:buNone/>
             </a:pPr>
             <a:r>
-              <a:rPr lang="en-US" b="1" u="sng" dirty="0" smtClean="0">
+              <a:rPr lang="en-GB" sz="1600" b="1" u="sng" dirty="0" smtClean="0">
+                <a:solidFill>
+                  <a:schemeClr val="accent4"/>
+                </a:solidFill>
+              </a:rPr>
+              <a:t>Sheep</a:t>
+            </a:r>
+          </a:p>
+          <a:p>
+            <a:pPr marL="777240" lvl="2" indent="0">
+              <a:buFont typeface="Wingdings" pitchFamily="2" charset="2"/>
+              <a:buChar char="§"/>
+            </a:pPr>
+            <a:r>
+              <a:rPr lang="en-GB" sz="1600" dirty="0" smtClean="0"/>
+              <a:t>     Is not allowed to go off the screen</a:t>
+            </a:r>
+          </a:p>
+          <a:p>
+            <a:pPr marL="777240" lvl="2" indent="0">
+              <a:buFont typeface="Wingdings" pitchFamily="2" charset="2"/>
+              <a:buChar char="§"/>
+            </a:pPr>
+            <a:r>
+              <a:rPr lang="en-GB" sz="1600" dirty="0" smtClean="0"/>
+              <a:t>  </a:t>
+            </a:r>
+            <a:r>
+              <a:rPr lang="en-GB" sz="1600" dirty="0" smtClean="0"/>
+              <a:t>   They </a:t>
+            </a:r>
+            <a:r>
+              <a:rPr lang="en-GB" sz="1600" dirty="0" smtClean="0"/>
+              <a:t>can go </a:t>
+            </a:r>
+            <a:r>
+              <a:rPr lang="en-GB" sz="1600" dirty="0" smtClean="0"/>
+              <a:t>in</a:t>
+            </a:r>
+            <a:r>
+              <a:rPr lang="en-GB" sz="1600" dirty="0" smtClean="0"/>
+              <a:t> any direction, and move by reaction to dog’s or fox’s    	    proximity</a:t>
+            </a:r>
+          </a:p>
+          <a:p>
+            <a:pPr marL="777240" lvl="2" indent="0">
+              <a:buFont typeface="Wingdings" pitchFamily="2" charset="2"/>
+              <a:buChar char="§"/>
+            </a:pPr>
+            <a:r>
+              <a:rPr lang="en-GB" sz="1600" dirty="0" smtClean="0"/>
+              <a:t>     They are slower than the other animals</a:t>
+            </a:r>
+            <a:endParaRPr lang="en-GB" sz="1600" dirty="0" smtClean="0"/>
+          </a:p>
+          <a:p>
+            <a:pPr marL="868680" lvl="1" indent="-457200">
+              <a:buNone/>
+            </a:pPr>
+            <a:r>
+              <a:rPr lang="en-US" sz="1600" b="1" u="sng" dirty="0" smtClean="0">
                 <a:solidFill>
                   <a:schemeClr val="accent4"/>
                 </a:solidFill>
               </a:rPr>
               <a:t>Dog</a:t>
             </a:r>
-            <a:endParaRPr lang="en-US" b="1" u="sng" dirty="0" smtClean="0">
+            <a:endParaRPr lang="en-US" sz="1600" b="1" u="sng" dirty="0" smtClean="0">
               <a:solidFill>
                 <a:schemeClr val="accent4"/>
               </a:solidFill>
@@ -11619,34 +12190,62 @@
           </a:p>
           <a:p>
             <a:pPr marL="777240" lvl="2" indent="0">
-              <a:buFont typeface="Courier New" pitchFamily="49" charset="0"/>
-              <a:buChar char="o"/>
+              <a:buFont typeface="Wingdings" pitchFamily="2" charset="2"/>
+              <a:buChar char="§"/>
             </a:pPr>
             <a:r>
-              <a:rPr lang="en-US" dirty="0" smtClean="0"/>
-              <a:t> Keeps the sheep safe</a:t>
+              <a:rPr lang="en-US" sz="1600" dirty="0" smtClean="0"/>
+              <a:t> </a:t>
+            </a:r>
+            <a:r>
+              <a:rPr lang="en-US" sz="1600" dirty="0" smtClean="0"/>
+              <a:t>    Keeps </a:t>
+            </a:r>
+            <a:r>
+              <a:rPr lang="en-US" sz="1600" dirty="0" smtClean="0"/>
+              <a:t>the sheep safe</a:t>
             </a:r>
           </a:p>
           <a:p>
             <a:pPr marL="777240" lvl="2" indent="0">
-              <a:buFont typeface="Courier New" pitchFamily="49" charset="0"/>
-              <a:buChar char="o"/>
+              <a:buFont typeface="Wingdings" pitchFamily="2" charset="2"/>
+              <a:buChar char="§"/>
             </a:pPr>
             <a:r>
-              <a:rPr lang="en-US" dirty="0" smtClean="0"/>
+              <a:rPr lang="en-US" sz="1600" dirty="0" smtClean="0"/>
               <a:t> </a:t>
             </a:r>
             <a:r>
-              <a:rPr lang="en-US" dirty="0" smtClean="0"/>
-              <a:t>Chases the predator away (fox)</a:t>
-            </a:r>
-            <a:endParaRPr lang="en-US" dirty="0" smtClean="0"/>
-          </a:p>
-          <a:p>
-            <a:pPr marL="411480" lvl="1" indent="0">
-              <a:buNone/>
+              <a:rPr lang="en-US" sz="1600" dirty="0" smtClean="0"/>
+              <a:t>    Chases </a:t>
+            </a:r>
+            <a:r>
+              <a:rPr lang="en-US" sz="1600" dirty="0" smtClean="0"/>
+              <a:t>the predator away (fox)</a:t>
+            </a:r>
+          </a:p>
+          <a:p>
+            <a:pPr marL="777240" lvl="2" indent="0">
+              <a:buFont typeface="Wingdings" pitchFamily="2" charset="2"/>
+              <a:buChar char="§"/>
             </a:pPr>
-            <a:endParaRPr lang="en-US" b="1" u="sng" dirty="0" smtClean="0">
+            <a:r>
+              <a:rPr lang="en-US" sz="1600" dirty="0" smtClean="0"/>
+              <a:t> </a:t>
+            </a:r>
+            <a:r>
+              <a:rPr lang="en-US" sz="1600" dirty="0" smtClean="0"/>
+              <a:t>    Controlled </a:t>
+            </a:r>
+            <a:r>
+              <a:rPr lang="en-US" sz="1600" dirty="0" smtClean="0"/>
+              <a:t>by the </a:t>
+            </a:r>
+            <a:r>
+              <a:rPr lang="en-US" sz="1600" dirty="0" smtClean="0"/>
+              <a:t>user</a:t>
+            </a:r>
+            <a:endParaRPr lang="en-US" sz="1600" b="1" u="sng" dirty="0" smtClean="0">
               <a:solidFill>
                 <a:schemeClr val="accent4"/>
               </a:solidFill>
@@ -11657,234 +12256,80 @@
               <a:buNone/>
             </a:pPr>
             <a:r>
-              <a:rPr lang="en-US" b="1" u="sng" dirty="0" smtClean="0">
+              <a:rPr lang="en-US" sz="1600" b="1" u="sng" dirty="0" smtClean="0">
                 <a:solidFill>
                   <a:schemeClr val="accent4"/>
                 </a:solidFill>
               </a:rPr>
               <a:t>Fox</a:t>
             </a:r>
-            <a:endParaRPr lang="en-US" b="1" u="sng" dirty="0" smtClean="0">
-              <a:solidFill>
-                <a:schemeClr val="accent4"/>
-              </a:solidFill>
-            </a:endParaRPr>
           </a:p>
           <a:p>
             <a:pPr marL="777240" lvl="2" indent="0">
-              <a:buFont typeface="Courier New" pitchFamily="49" charset="0"/>
-              <a:buChar char="o"/>
-            </a:pPr>
-            <a:r>
-              <a:rPr lang="en-US" dirty="0" smtClean="0"/>
-              <a:t> Chases sheep to eat them</a:t>
-            </a:r>
-          </a:p>
-          <a:p>
-            <a:pPr marL="777240" lvl="2" indent="0">
-              <a:buFont typeface="Courier New" pitchFamily="49" charset="0"/>
-              <a:buChar char="o"/>
-            </a:pPr>
-            <a:r>
-              <a:rPr lang="en-US" dirty="0" smtClean="0"/>
-              <a:t> </a:t>
-            </a:r>
-            <a:r>
-              <a:rPr lang="en-US" dirty="0" smtClean="0"/>
-              <a:t>Runs away from the dog</a:t>
-            </a:r>
-          </a:p>
-          <a:p>
-            <a:pPr marL="777240" lvl="2" indent="0">
-              <a:buFont typeface="Courier New" pitchFamily="49" charset="0"/>
-              <a:buChar char="o"/>
-            </a:pPr>
-            <a:r>
-              <a:rPr lang="en-US" dirty="0" smtClean="0"/>
-              <a:t> </a:t>
-            </a:r>
-            <a:r>
-              <a:rPr lang="en-US" dirty="0" smtClean="0"/>
-              <a:t>Appears on the game at random</a:t>
-            </a:r>
-          </a:p>
-          <a:p>
-            <a:pPr marL="0" indent="0">
-              <a:buNone/>
-            </a:pPr>
-            <a:endParaRPr lang="en-GB" dirty="0" smtClean="0"/>
-          </a:p>
-          <a:p>
-            <a:r>
-              <a:rPr lang="en-GB" b="1" u="sng" dirty="0" smtClean="0">
-                <a:solidFill>
-                  <a:srgbClr val="FF0000"/>
-                </a:solidFill>
-              </a:rPr>
-              <a:t>Project Features</a:t>
-            </a:r>
-          </a:p>
-          <a:p>
-            <a:pPr marL="411480" lvl="1" indent="0">
-              <a:buNone/>
-            </a:pPr>
-            <a:r>
-              <a:rPr lang="en-GB" b="1" u="sng" dirty="0" smtClean="0">
-                <a:solidFill>
-                  <a:srgbClr val="FF0000"/>
-                </a:solidFill>
-              </a:rPr>
-              <a:t> </a:t>
-            </a:r>
-          </a:p>
-          <a:p>
-            <a:pPr marL="411480" lvl="1" indent="0">
               <a:buFont typeface="Wingdings" pitchFamily="2" charset="2"/>
               <a:buChar char="§"/>
             </a:pPr>
             <a:r>
-              <a:rPr lang="en-GB" dirty="0" smtClean="0">
-                <a:solidFill>
-                  <a:schemeClr val="tx1"/>
-                </a:solidFill>
-              </a:rPr>
-              <a:t> Representation of each animal and its characteristics</a:t>
-            </a:r>
-          </a:p>
-          <a:p>
-            <a:pPr marL="411480" lvl="1" indent="0">
+              <a:rPr lang="en-US" sz="1600" dirty="0" smtClean="0"/>
+              <a:t> </a:t>
+            </a:r>
+            <a:r>
+              <a:rPr lang="en-US" sz="1600" dirty="0" smtClean="0"/>
+              <a:t>    Chases </a:t>
+            </a:r>
+            <a:r>
+              <a:rPr lang="en-US" sz="1600" dirty="0" smtClean="0"/>
+              <a:t>sheep to eat them</a:t>
+            </a:r>
+          </a:p>
+          <a:p>
+            <a:pPr marL="777240" lvl="2" indent="0">
               <a:buFont typeface="Wingdings" pitchFamily="2" charset="2"/>
               <a:buChar char="§"/>
             </a:pPr>
             <a:r>
-              <a:rPr lang="en-GB" dirty="0" smtClean="0">
-                <a:solidFill>
-                  <a:schemeClr val="tx1"/>
-                </a:solidFill>
-              </a:rPr>
-              <a:t> Full screen game with independent rendering (for each set of animals)</a:t>
-            </a:r>
-          </a:p>
-          <a:p>
-            <a:pPr marL="411480" lvl="1" indent="0">
+              <a:rPr lang="en-US" sz="1600" dirty="0" smtClean="0"/>
+              <a:t> </a:t>
+            </a:r>
+            <a:r>
+              <a:rPr lang="en-US" sz="1600" dirty="0" smtClean="0"/>
+              <a:t>    Runs </a:t>
+            </a:r>
+            <a:r>
+              <a:rPr lang="en-US" sz="1600" dirty="0" smtClean="0"/>
+              <a:t>away from the dog</a:t>
+            </a:r>
+          </a:p>
+          <a:p>
+            <a:pPr marL="777240" lvl="2" indent="0">
               <a:buFont typeface="Wingdings" pitchFamily="2" charset="2"/>
               <a:buChar char="§"/>
             </a:pPr>
             <a:r>
-              <a:rPr lang="en-GB" dirty="0" smtClean="0">
-                <a:solidFill>
-                  <a:schemeClr val="tx1"/>
-                </a:solidFill>
-              </a:rPr>
+              <a:rPr lang="en-US" sz="1600" dirty="0" smtClean="0"/>
               <a:t> </a:t>
             </a:r>
             <a:r>
-              <a:rPr lang="en-GB" dirty="0" smtClean="0">
-                <a:solidFill>
-                  <a:schemeClr val="tx1"/>
-                </a:solidFill>
-              </a:rPr>
-              <a:t>User has full control over the dog</a:t>
-            </a:r>
-          </a:p>
-          <a:p>
-            <a:pPr marL="411480" lvl="1" indent="0">
-              <a:buFont typeface="Wingdings" pitchFamily="2" charset="2"/>
-              <a:buChar char="§"/>
-            </a:pPr>
-            <a:r>
-              <a:rPr lang="en-GB" dirty="0" smtClean="0">
-                <a:solidFill>
-                  <a:schemeClr val="tx1"/>
-                </a:solidFill>
-              </a:rPr>
-              <a:t> </a:t>
-            </a:r>
-            <a:r>
-              <a:rPr lang="en-GB" dirty="0" smtClean="0">
-                <a:solidFill>
-                  <a:schemeClr val="tx1"/>
-                </a:solidFill>
-              </a:rPr>
-              <a:t>Artificial Intelligence for Fox and Sheep to move and react</a:t>
-            </a:r>
-          </a:p>
-          <a:p>
-            <a:pPr marL="411480" lvl="1" indent="0">
-              <a:buFont typeface="Wingdings" pitchFamily="2" charset="2"/>
-              <a:buChar char="§"/>
-            </a:pPr>
-            <a:r>
-              <a:rPr lang="en-GB" dirty="0" smtClean="0">
-                <a:solidFill>
-                  <a:schemeClr val="tx1"/>
-                </a:solidFill>
-              </a:rPr>
-              <a:t> </a:t>
-            </a:r>
-            <a:r>
-              <a:rPr lang="en-GB" dirty="0" smtClean="0">
-                <a:solidFill>
-                  <a:schemeClr val="tx1"/>
-                </a:solidFill>
-              </a:rPr>
-              <a:t>Three main screens: home screen, settings, and game screen</a:t>
-            </a:r>
-          </a:p>
-          <a:p>
-            <a:pPr marL="411480" lvl="1" indent="0">
-              <a:buFont typeface="Wingdings" pitchFamily="2" charset="2"/>
-              <a:buChar char="§"/>
-            </a:pPr>
-            <a:r>
-              <a:rPr lang="en-GB" dirty="0" smtClean="0">
-                <a:solidFill>
-                  <a:schemeClr val="tx1"/>
-                </a:solidFill>
-              </a:rPr>
-              <a:t> </a:t>
-            </a:r>
-            <a:r>
-              <a:rPr lang="en-GB" dirty="0" smtClean="0">
-                <a:solidFill>
-                  <a:schemeClr val="tx1"/>
-                </a:solidFill>
-              </a:rPr>
-              <a:t>Ability to control speed of animals (by default:  fox’s speed &gt; dog’s &gt; sheep’s)</a:t>
-            </a:r>
-            <a:endParaRPr lang="en-GB" b="1" u="sng" dirty="0" smtClean="0">
-              <a:solidFill>
-                <a:srgbClr val="FF0000"/>
-              </a:solidFill>
-            </a:endParaRPr>
+              <a:rPr lang="en-US" sz="1600" dirty="0" smtClean="0"/>
+              <a:t>    Appears </a:t>
+            </a:r>
+            <a:r>
+              <a:rPr lang="en-US" sz="1600" dirty="0" smtClean="0"/>
+              <a:t>on the game at random</a:t>
+            </a:r>
           </a:p>
           <a:p>
             <a:pPr marL="777240" lvl="2" indent="0">
-              <a:buFont typeface="Courier New" pitchFamily="49" charset="0"/>
-              <a:buChar char="o"/>
-            </a:pPr>
-            <a:endParaRPr lang="en-US" dirty="0" smtClean="0"/>
-          </a:p>
-          <a:p>
-            <a:pPr marL="0" indent="0">
               <a:buNone/>
             </a:pPr>
-            <a:r>
-              <a:rPr lang="en-US" dirty="0"/>
-              <a:t> </a:t>
-            </a:r>
-            <a:r>
-              <a:rPr lang="en-US" dirty="0" smtClean="0"/>
-              <a:t>   </a:t>
-            </a:r>
-            <a:endParaRPr lang="en-US" dirty="0"/>
+            <a:endParaRPr lang="en-GB" sz="1600" dirty="0" smtClean="0"/>
           </a:p>
         </p:txBody>
       </p:sp>
     </p:spTree>
     <p:extLst>
       <p:ext uri="{BB962C8B-B14F-4D97-AF65-F5344CB8AC3E}">
-        <p14:creationId xmlns:p14="http://schemas.microsoft.com/office/powerpoint/2010/main" xmlns="" val="1595711664"/>
+        <p14:creationId xmlns="" xmlns:p14="http://schemas.microsoft.com/office/powerpoint/2010/main" val="4290846282"/>
       </p:ext>
     </p:extLst>
   </p:cSld>
@@ -11920,6 +12365,36 @@
       </p:grpSpPr>
       <p:sp>
         <p:nvSpPr>
+          <p:cNvPr id="7" name="Title 6"/>
+          <p:cNvSpPr>
+            <a:spLocks noGrp="1"/>
+          </p:cNvSpPr>
+          <p:nvPr>
+            <p:ph type="title"/>
+          </p:nvPr>
+        </p:nvSpPr>
+        <p:spPr>
+          <a:xfrm>
+            <a:off x="539750" y="838200"/>
+            <a:ext cx="8064500" cy="609600"/>
+          </a:xfrm>
+        </p:spPr>
+        <p:txBody>
+          <a:bodyPr>
+            <a:noAutofit/>
+          </a:bodyPr>
+          <a:lstStyle/>
+          <a:p>
+            <a:r>
+              <a:rPr lang="en-GB" sz="2800" b="1" u="sng" dirty="0" smtClean="0"/>
+              <a:t>Description of the Project</a:t>
+            </a:r>
+            <a:endParaRPr lang="en-GB" sz="2800" b="1" u="sng" dirty="0"/>
+          </a:p>
+        </p:txBody>
+      </p:sp>
+      <p:sp>
+        <p:nvSpPr>
           <p:cNvPr id="4" name="Slide Number Placeholder 3"/>
           <p:cNvSpPr>
             <a:spLocks noGrp="1"/>
@@ -11944,7 +12419,7 @@
       </p:sp>
       <p:sp>
         <p:nvSpPr>
-          <p:cNvPr id="5" name="Text Placeholder 4"/>
+          <p:cNvPr id="8" name="Text Placeholder 7"/>
           <p:cNvSpPr>
             <a:spLocks noGrp="1"/>
           </p:cNvSpPr>
@@ -11954,379 +12429,385 @@
         </p:nvSpPr>
         <p:spPr>
           <a:xfrm>
-            <a:off x="381000" y="838200"/>
-            <a:ext cx="6324600" cy="5038724"/>
+            <a:off x="539750" y="1524000"/>
+            <a:ext cx="8064500" cy="4800600"/>
           </a:xfrm>
         </p:spPr>
         <p:txBody>
           <a:bodyPr>
-            <a:normAutofit fontScale="55000" lnSpcReduction="20000"/>
+            <a:normAutofit fontScale="47500" lnSpcReduction="20000"/>
           </a:bodyPr>
           <a:lstStyle/>
           <a:p>
-            <a:pPr marL="0" indent="0">
+            <a:r>
+              <a:rPr lang="en-GB" sz="3600" b="1" u="sng" dirty="0" smtClean="0">
+                <a:solidFill>
+                  <a:srgbClr val="FF0000"/>
+                </a:solidFill>
+              </a:rPr>
+              <a:t>Project Features</a:t>
+            </a:r>
+          </a:p>
+          <a:p>
+            <a:pPr marL="411480" lvl="1" indent="0">
               <a:buNone/>
             </a:pPr>
-            <a:endParaRPr lang="en-GB" b="1" u="sng" dirty="0" smtClean="0">
+            <a:r>
+              <a:rPr lang="en-GB" sz="3600" b="1" u="sng" dirty="0" smtClean="0">
+                <a:solidFill>
+                  <a:srgbClr val="FF0000"/>
+                </a:solidFill>
+              </a:rPr>
+              <a:t> </a:t>
+            </a:r>
+          </a:p>
+          <a:p>
+            <a:pPr marL="411480" lvl="1" indent="0">
+              <a:buFont typeface="Wingdings" pitchFamily="2" charset="2"/>
+              <a:buChar char="§"/>
+            </a:pPr>
+            <a:r>
+              <a:rPr lang="en-GB" sz="2900" dirty="0" smtClean="0">
+                <a:solidFill>
+                  <a:schemeClr val="tx1"/>
+                </a:solidFill>
+              </a:rPr>
+              <a:t>  </a:t>
+            </a:r>
+            <a:r>
+              <a:rPr lang="en-GB" sz="2900" dirty="0" smtClean="0">
+                <a:solidFill>
+                  <a:schemeClr val="tx1"/>
+                </a:solidFill>
+              </a:rPr>
+              <a:t>   </a:t>
+            </a:r>
+            <a:r>
+              <a:rPr lang="en-GB" sz="2700" dirty="0" smtClean="0">
+                <a:solidFill>
+                  <a:schemeClr val="tx1"/>
+                </a:solidFill>
+              </a:rPr>
+              <a:t>Representation </a:t>
+            </a:r>
+            <a:r>
+              <a:rPr lang="en-GB" sz="2700" dirty="0" smtClean="0">
+                <a:solidFill>
+                  <a:schemeClr val="tx1"/>
+                </a:solidFill>
+              </a:rPr>
+              <a:t>of each animal and its characteristics</a:t>
+            </a:r>
+          </a:p>
+          <a:p>
+            <a:pPr marL="411480" lvl="1" indent="0">
+              <a:buFont typeface="Wingdings" pitchFamily="2" charset="2"/>
+              <a:buChar char="§"/>
+            </a:pPr>
+            <a:r>
+              <a:rPr lang="en-GB" sz="2900" dirty="0" smtClean="0">
+                <a:solidFill>
+                  <a:schemeClr val="tx1"/>
+                </a:solidFill>
+              </a:rPr>
+              <a:t> </a:t>
+            </a:r>
+            <a:r>
+              <a:rPr lang="en-GB" sz="2900" dirty="0" smtClean="0">
+                <a:solidFill>
+                  <a:schemeClr val="tx1"/>
+                </a:solidFill>
+              </a:rPr>
+              <a:t>    Full </a:t>
+            </a:r>
+            <a:r>
+              <a:rPr lang="en-GB" sz="2900" dirty="0" smtClean="0">
+                <a:solidFill>
+                  <a:schemeClr val="tx1"/>
+                </a:solidFill>
+              </a:rPr>
+              <a:t>screen game with independent rendering (for each set of animals)</a:t>
+            </a:r>
+          </a:p>
+          <a:p>
+            <a:pPr marL="411480" lvl="1" indent="0">
+              <a:buFont typeface="Wingdings" pitchFamily="2" charset="2"/>
+              <a:buChar char="§"/>
+            </a:pPr>
+            <a:r>
+              <a:rPr lang="en-GB" sz="2900" dirty="0" smtClean="0">
+                <a:solidFill>
+                  <a:schemeClr val="tx1"/>
+                </a:solidFill>
+              </a:rPr>
+              <a:t> </a:t>
+            </a:r>
+            <a:r>
+              <a:rPr lang="en-GB" sz="2900" dirty="0" smtClean="0">
+                <a:solidFill>
+                  <a:schemeClr val="tx1"/>
+                </a:solidFill>
+              </a:rPr>
+              <a:t>    User </a:t>
+            </a:r>
+            <a:r>
+              <a:rPr lang="en-GB" sz="2900" dirty="0" smtClean="0">
+                <a:solidFill>
+                  <a:schemeClr val="tx1"/>
+                </a:solidFill>
+              </a:rPr>
+              <a:t>has full control over the dog</a:t>
+            </a:r>
+          </a:p>
+          <a:p>
+            <a:pPr marL="411480" lvl="1" indent="0">
+              <a:buFont typeface="Wingdings" pitchFamily="2" charset="2"/>
+              <a:buChar char="§"/>
+            </a:pPr>
+            <a:r>
+              <a:rPr lang="en-GB" sz="2900" dirty="0" smtClean="0">
+                <a:solidFill>
+                  <a:schemeClr val="tx1"/>
+                </a:solidFill>
+              </a:rPr>
+              <a:t> </a:t>
+            </a:r>
+            <a:r>
+              <a:rPr lang="en-GB" sz="2900" dirty="0" smtClean="0">
+                <a:solidFill>
+                  <a:schemeClr val="tx1"/>
+                </a:solidFill>
+              </a:rPr>
+              <a:t>    Artificial </a:t>
+            </a:r>
+            <a:r>
+              <a:rPr lang="en-GB" sz="2900" dirty="0" smtClean="0">
+                <a:solidFill>
+                  <a:schemeClr val="tx1"/>
+                </a:solidFill>
+              </a:rPr>
+              <a:t>Intelligence for Fox and Sheep to move and react</a:t>
+            </a:r>
+          </a:p>
+          <a:p>
+            <a:pPr marL="411480" lvl="1" indent="0">
+              <a:buFont typeface="Wingdings" pitchFamily="2" charset="2"/>
+              <a:buChar char="§"/>
+            </a:pPr>
+            <a:r>
+              <a:rPr lang="en-GB" sz="2900" dirty="0" smtClean="0">
+                <a:solidFill>
+                  <a:schemeClr val="tx1"/>
+                </a:solidFill>
+              </a:rPr>
+              <a:t>  </a:t>
+            </a:r>
+            <a:r>
+              <a:rPr lang="en-GB" sz="2900" dirty="0" smtClean="0">
+                <a:solidFill>
+                  <a:schemeClr val="tx1"/>
+                </a:solidFill>
+              </a:rPr>
+              <a:t>   Three </a:t>
+            </a:r>
+            <a:r>
+              <a:rPr lang="en-GB" sz="2900" dirty="0" smtClean="0">
+                <a:solidFill>
+                  <a:schemeClr val="tx1"/>
+                </a:solidFill>
+              </a:rPr>
+              <a:t>main screens: home screen, settings, and game screen</a:t>
+            </a:r>
+          </a:p>
+          <a:p>
+            <a:pPr marL="411480" lvl="1" indent="0">
+              <a:buFont typeface="Wingdings" pitchFamily="2" charset="2"/>
+              <a:buChar char="§"/>
+            </a:pPr>
+            <a:r>
+              <a:rPr lang="en-GB" sz="2900" dirty="0" smtClean="0">
+                <a:solidFill>
+                  <a:schemeClr val="tx1"/>
+                </a:solidFill>
+              </a:rPr>
+              <a:t>  </a:t>
+            </a:r>
+            <a:r>
+              <a:rPr lang="en-GB" sz="2900" dirty="0" smtClean="0">
+                <a:solidFill>
+                  <a:schemeClr val="tx1"/>
+                </a:solidFill>
+              </a:rPr>
+              <a:t>   Ability </a:t>
+            </a:r>
+            <a:r>
+              <a:rPr lang="en-GB" sz="2900" dirty="0" smtClean="0">
+                <a:solidFill>
+                  <a:schemeClr val="tx1"/>
+                </a:solidFill>
+              </a:rPr>
+              <a:t>to control speed of animals (by default:  fox’s speed &gt; dog’s &gt; sheep’s</a:t>
+            </a:r>
+            <a:r>
+              <a:rPr lang="en-GB" sz="2900" dirty="0" smtClean="0">
+                <a:solidFill>
+                  <a:schemeClr val="tx1"/>
+                </a:solidFill>
+              </a:rPr>
+              <a:t>)</a:t>
+            </a:r>
+          </a:p>
+          <a:p>
+            <a:pPr marL="411480" lvl="1" indent="0">
+              <a:buFont typeface="Wingdings" pitchFamily="2" charset="2"/>
+              <a:buChar char="§"/>
+            </a:pPr>
+            <a:endParaRPr lang="en-GB" sz="3600" b="1" u="sng" dirty="0" smtClean="0">
+              <a:solidFill>
+                <a:schemeClr val="tx1"/>
+              </a:solidFill>
+            </a:endParaRPr>
+          </a:p>
+          <a:p>
+            <a:r>
+              <a:rPr lang="en-GB" sz="3600" b="1" u="sng" dirty="0" smtClean="0">
+                <a:solidFill>
+                  <a:srgbClr val="FF0000"/>
+                </a:solidFill>
+              </a:rPr>
+              <a:t>Technical Details</a:t>
+            </a:r>
+          </a:p>
+          <a:p>
+            <a:pPr>
+              <a:buNone/>
+            </a:pPr>
+            <a:endParaRPr lang="en-GB" sz="3600" b="1" u="sng" dirty="0" smtClean="0">
               <a:solidFill>
                 <a:srgbClr val="FF0000"/>
               </a:solidFill>
             </a:endParaRPr>
           </a:p>
           <a:p>
-            <a:pPr marL="0" indent="0">
-              <a:buNone/>
+            <a:pPr lvl="1">
+              <a:buFont typeface="Wingdings" pitchFamily="2" charset="2"/>
+              <a:buChar char="§"/>
             </a:pPr>
-            <a:endParaRPr lang="en-GB" dirty="0" smtClean="0"/>
-          </a:p>
-          <a:p>
-            <a:r>
-              <a:rPr lang="en-GB" b="1" u="sng" dirty="0" smtClean="0">
-                <a:solidFill>
-                  <a:srgbClr val="FF0000"/>
-                </a:solidFill>
-              </a:rPr>
-              <a:t>Technical details</a:t>
-            </a:r>
-            <a:endParaRPr lang="en-GB" b="1" u="sng" dirty="0" smtClean="0">
+            <a:r>
+              <a:rPr lang="en-GB" sz="2900" dirty="0" smtClean="0"/>
+              <a:t>Android application that doesn’t need to contact any external service</a:t>
+            </a:r>
+          </a:p>
+          <a:p>
+            <a:pPr lvl="1">
+              <a:buFont typeface="Wingdings" pitchFamily="2" charset="2"/>
+              <a:buChar char="§"/>
+            </a:pPr>
+            <a:r>
+              <a:rPr lang="en-GB" sz="2900" dirty="0" smtClean="0"/>
+              <a:t>Implementation of </a:t>
+            </a:r>
+            <a:r>
+              <a:rPr lang="en-GB" sz="2900" dirty="0" err="1" smtClean="0"/>
+              <a:t>SurfaceView</a:t>
+            </a:r>
+            <a:r>
+              <a:rPr lang="en-GB" sz="2900" dirty="0" smtClean="0"/>
+              <a:t> to render in full screen mode</a:t>
+            </a:r>
+          </a:p>
+          <a:p>
+            <a:pPr lvl="1">
+              <a:buFont typeface="Wingdings" pitchFamily="2" charset="2"/>
+              <a:buChar char="§"/>
+            </a:pPr>
+            <a:r>
+              <a:rPr lang="en-GB" sz="2900" dirty="0" smtClean="0"/>
+              <a:t>Use of fragments to render top bar with “Back” option</a:t>
+            </a:r>
+          </a:p>
+          <a:p>
+            <a:pPr lvl="1">
+              <a:buFont typeface="Wingdings" pitchFamily="2" charset="2"/>
+              <a:buChar char="§"/>
+            </a:pPr>
+            <a:r>
+              <a:rPr lang="en-GB" sz="2900" dirty="0" smtClean="0"/>
+              <a:t>Use of multiple types of UI widgets, including buttons, images, seek bars, and </a:t>
+            </a:r>
+            <a:r>
+              <a:rPr lang="en-GB" sz="2900" dirty="0" err="1" smtClean="0"/>
+              <a:t>textViews</a:t>
+            </a:r>
+            <a:endParaRPr lang="en-GB" sz="2900" dirty="0" smtClean="0"/>
+          </a:p>
+          <a:p>
+            <a:pPr lvl="1">
+              <a:buFont typeface="Wingdings" pitchFamily="2" charset="2"/>
+              <a:buChar char="§"/>
+            </a:pPr>
+            <a:r>
+              <a:rPr lang="en-GB" sz="2900" dirty="0" smtClean="0"/>
+              <a:t>Use of </a:t>
+            </a:r>
+            <a:r>
+              <a:rPr lang="en-GB" sz="2900" dirty="0" err="1" smtClean="0"/>
+              <a:t>SharedPreferences</a:t>
+            </a:r>
+            <a:r>
+              <a:rPr lang="en-GB" sz="2900" dirty="0" smtClean="0"/>
+              <a:t> to store information among screens</a:t>
+            </a:r>
+          </a:p>
+          <a:p>
+            <a:pPr lvl="1">
+              <a:buFont typeface="Wingdings" pitchFamily="2" charset="2"/>
+              <a:buChar char="§"/>
+            </a:pPr>
+            <a:r>
+              <a:rPr lang="en-GB" sz="2900" dirty="0" smtClean="0"/>
+              <a:t>Internationalization (support for Spanish</a:t>
+            </a:r>
+            <a:r>
+              <a:rPr lang="en-GB" sz="2900" dirty="0" smtClean="0"/>
+              <a:t>)</a:t>
+            </a:r>
+          </a:p>
+          <a:p>
+            <a:pPr lvl="1">
+              <a:buFont typeface="Wingdings" pitchFamily="2" charset="2"/>
+              <a:buChar char="§"/>
+            </a:pPr>
+            <a:r>
+              <a:rPr lang="en-GB" sz="2900" dirty="0" smtClean="0"/>
+              <a:t>Unit and integration tests will use Android </a:t>
+            </a:r>
+            <a:r>
+              <a:rPr lang="en-GB" sz="2900" dirty="0" err="1" smtClean="0"/>
+              <a:t>Junit</a:t>
+            </a:r>
+            <a:r>
+              <a:rPr lang="en-GB" sz="2900" smtClean="0"/>
+              <a:t> Tests / Robotium</a:t>
+            </a:r>
+            <a:endParaRPr lang="en-GB" sz="2900" b="1" u="sng" dirty="0" smtClean="0">
               <a:solidFill>
                 <a:srgbClr val="FF0000"/>
               </a:solidFill>
             </a:endParaRPr>
           </a:p>
           <a:p>
-            <a:pPr lvl="1">
-              <a:buFont typeface="Wingdings" pitchFamily="2" charset="2"/>
-              <a:buChar char="§"/>
-            </a:pPr>
-            <a:r>
-              <a:rPr lang="en-GB" dirty="0" smtClean="0"/>
-              <a:t>Android application that doesn’t need to contact any service</a:t>
-            </a:r>
-          </a:p>
-          <a:p>
-            <a:pPr lvl="1">
-              <a:buFont typeface="Wingdings" pitchFamily="2" charset="2"/>
-              <a:buChar char="§"/>
-            </a:pPr>
-            <a:r>
-              <a:rPr lang="en-GB" dirty="0" smtClean="0"/>
-              <a:t>Implementation of </a:t>
-            </a:r>
-            <a:r>
-              <a:rPr lang="en-GB" dirty="0" err="1" smtClean="0"/>
-              <a:t>SurfaceView</a:t>
-            </a:r>
-            <a:r>
-              <a:rPr lang="en-GB" dirty="0" smtClean="0"/>
-              <a:t> to render in full screen mode</a:t>
-            </a:r>
-          </a:p>
-          <a:p>
-            <a:pPr lvl="1">
-              <a:buFont typeface="Wingdings" pitchFamily="2" charset="2"/>
-              <a:buChar char="§"/>
-            </a:pPr>
-            <a:r>
-              <a:rPr lang="en-GB" dirty="0" smtClean="0"/>
-              <a:t>Use of fragments to render top bar with “Back” option</a:t>
-            </a:r>
-          </a:p>
-          <a:p>
-            <a:pPr lvl="1">
-              <a:buFont typeface="Wingdings" pitchFamily="2" charset="2"/>
-              <a:buChar char="§"/>
-            </a:pPr>
-            <a:r>
-              <a:rPr lang="en-GB" dirty="0" smtClean="0"/>
-              <a:t>Use of multiple types of UI widgets, including buttons, images, seek bars, and </a:t>
-            </a:r>
-            <a:r>
-              <a:rPr lang="en-GB" dirty="0" err="1" smtClean="0"/>
-              <a:t>textViews</a:t>
-            </a:r>
-            <a:r>
-              <a:rPr lang="en-GB" dirty="0" smtClean="0"/>
-              <a:t/>
-            </a:r>
-            <a:br>
-              <a:rPr lang="en-GB" dirty="0" smtClean="0"/>
-            </a:br>
-            <a:endParaRPr lang="en-GB" dirty="0"/>
-          </a:p>
-          <a:p>
-            <a:pPr marL="0" indent="0">
-              <a:buNone/>
-            </a:pPr>
-            <a:endParaRPr lang="en-GB" dirty="0" smtClean="0"/>
-          </a:p>
-          <a:p>
-            <a:r>
-              <a:rPr lang="en-GB" b="1" u="sng" dirty="0" smtClean="0">
-                <a:solidFill>
-                  <a:srgbClr val="FF0000"/>
-                </a:solidFill>
-              </a:rPr>
-              <a:t>Bi-weekly Schedule</a:t>
-            </a:r>
-            <a:endParaRPr lang="en-GB" b="1" u="sng" dirty="0" smtClean="0">
-              <a:solidFill>
-                <a:srgbClr val="FF0000"/>
-              </a:solidFill>
-            </a:endParaRPr>
-          </a:p>
-          <a:p>
-            <a:pPr marL="411480" lvl="1" indent="0">
-              <a:buNone/>
-            </a:pPr>
-            <a:endParaRPr lang="en-GB" b="1" dirty="0" smtClean="0">
-              <a:solidFill>
-                <a:schemeClr val="accent4"/>
-              </a:solidFill>
-            </a:endParaRPr>
-          </a:p>
-          <a:p>
-            <a:pPr marL="411480" lvl="1" indent="0">
-              <a:buNone/>
-            </a:pPr>
-            <a:r>
-              <a:rPr lang="en-GB" b="1" dirty="0" smtClean="0">
-                <a:solidFill>
-                  <a:schemeClr val="accent4"/>
-                </a:solidFill>
-              </a:rPr>
-              <a:t>Week </a:t>
-            </a:r>
-            <a:r>
-              <a:rPr lang="en-GB" b="1" dirty="0" smtClean="0">
-                <a:solidFill>
-                  <a:schemeClr val="accent4"/>
-                </a:solidFill>
-              </a:rPr>
-              <a:t>of Feb 18th </a:t>
-            </a:r>
-            <a:endParaRPr lang="en-GB" dirty="0" smtClean="0"/>
-          </a:p>
-          <a:p>
-            <a:pPr marL="777240" lvl="2" indent="0">
-              <a:buFont typeface="Wingdings" pitchFamily="2" charset="2"/>
-              <a:buChar char="§"/>
-            </a:pPr>
-            <a:r>
-              <a:rPr lang="en-GB" dirty="0" smtClean="0"/>
-              <a:t> Define requirements</a:t>
-            </a:r>
-          </a:p>
-          <a:p>
-            <a:pPr marL="777240" lvl="2" indent="0">
-              <a:buFont typeface="Wingdings" pitchFamily="2" charset="2"/>
-              <a:buChar char="§"/>
-            </a:pPr>
-            <a:r>
-              <a:rPr lang="en-GB" dirty="0" smtClean="0"/>
-              <a:t> </a:t>
-            </a:r>
-            <a:r>
-              <a:rPr lang="en-GB" dirty="0" smtClean="0"/>
-              <a:t>Create </a:t>
-            </a:r>
-            <a:r>
-              <a:rPr lang="en-GB" dirty="0" smtClean="0"/>
-              <a:t>a Use Case </a:t>
-            </a:r>
-            <a:r>
-              <a:rPr lang="en-GB" dirty="0" smtClean="0"/>
-              <a:t>diagram</a:t>
-            </a:r>
-          </a:p>
-          <a:p>
-            <a:pPr marL="777240" lvl="2" indent="0">
-              <a:buFont typeface="Wingdings" pitchFamily="2" charset="2"/>
-              <a:buChar char="§"/>
-            </a:pPr>
-            <a:r>
-              <a:rPr lang="en-GB" dirty="0" smtClean="0"/>
-              <a:t> </a:t>
-            </a:r>
-            <a:r>
-              <a:rPr lang="en-GB" dirty="0" smtClean="0"/>
-              <a:t>Create </a:t>
-            </a:r>
-            <a:r>
-              <a:rPr lang="en-GB" dirty="0" smtClean="0"/>
-              <a:t>basic Design and navigation </a:t>
-            </a:r>
-            <a:r>
-              <a:rPr lang="en-GB" dirty="0" smtClean="0"/>
-              <a:t>process</a:t>
-            </a:r>
-          </a:p>
-          <a:p>
-            <a:pPr marL="777240" lvl="2" indent="0">
-              <a:buFont typeface="Wingdings" pitchFamily="2" charset="2"/>
-              <a:buChar char="§"/>
-            </a:pPr>
-            <a:r>
-              <a:rPr lang="en-GB" dirty="0" smtClean="0"/>
-              <a:t> </a:t>
-            </a:r>
-            <a:r>
-              <a:rPr lang="en-GB" dirty="0" smtClean="0"/>
-              <a:t>Create </a:t>
-            </a:r>
-            <a:r>
-              <a:rPr lang="en-GB" dirty="0" smtClean="0"/>
-              <a:t>an initial </a:t>
-            </a:r>
-            <a:r>
-              <a:rPr lang="en-GB" dirty="0" smtClean="0"/>
-              <a:t>presentation</a:t>
-            </a:r>
-          </a:p>
-          <a:p>
-            <a:pPr marL="777240" lvl="2" indent="0">
-              <a:buFont typeface="Wingdings" pitchFamily="2" charset="2"/>
-              <a:buChar char="§"/>
-            </a:pPr>
-            <a:r>
-              <a:rPr lang="en-GB" dirty="0" smtClean="0"/>
-              <a:t> Determine </a:t>
-            </a:r>
-            <a:r>
-              <a:rPr lang="en-GB" dirty="0" smtClean="0"/>
-              <a:t>the classes, methods and </a:t>
-            </a:r>
-            <a:r>
-              <a:rPr lang="en-GB" dirty="0" smtClean="0"/>
-              <a:t>attributes</a:t>
-            </a:r>
-          </a:p>
-          <a:p>
-            <a:pPr marL="777240" lvl="2" indent="0">
-              <a:buFont typeface="Wingdings" pitchFamily="2" charset="2"/>
-              <a:buChar char="§"/>
-            </a:pPr>
-            <a:r>
-              <a:rPr lang="en-GB" dirty="0" smtClean="0"/>
-              <a:t> </a:t>
-            </a:r>
-            <a:r>
-              <a:rPr lang="en-GB" dirty="0" smtClean="0"/>
-              <a:t>Create </a:t>
-            </a:r>
-            <a:r>
-              <a:rPr lang="en-GB" dirty="0" smtClean="0"/>
-              <a:t>activity </a:t>
-            </a:r>
-            <a:r>
-              <a:rPr lang="en-GB" dirty="0" smtClean="0"/>
-              <a:t>diagram</a:t>
-            </a:r>
-          </a:p>
-          <a:p>
-            <a:pPr marL="777240" lvl="2" indent="0">
-              <a:buFont typeface="Wingdings" pitchFamily="2" charset="2"/>
-              <a:buChar char="§"/>
-            </a:pPr>
-            <a:r>
-              <a:rPr lang="en-GB" dirty="0" smtClean="0"/>
-              <a:t> </a:t>
-            </a:r>
-            <a:r>
-              <a:rPr lang="en-GB" dirty="0" smtClean="0"/>
-              <a:t>Start with Proof of concept (POC)</a:t>
-            </a:r>
-            <a:endParaRPr lang="en-GB" dirty="0" smtClean="0"/>
-          </a:p>
-          <a:p>
-            <a:pPr marL="0" indent="0">
-              <a:buNone/>
-            </a:pPr>
-            <a:endParaRPr lang="en-GB" dirty="0" smtClean="0"/>
-          </a:p>
-          <a:p>
-            <a:pPr marL="0" indent="0">
-              <a:buNone/>
-            </a:pPr>
-            <a:r>
-              <a:rPr lang="en-GB" dirty="0"/>
-              <a:t> </a:t>
-            </a:r>
-            <a:r>
-              <a:rPr lang="en-GB" dirty="0" smtClean="0"/>
-              <a:t>        </a:t>
-            </a:r>
-            <a:r>
-              <a:rPr lang="en-GB" b="1" dirty="0" smtClean="0">
-                <a:solidFill>
-                  <a:schemeClr val="accent4"/>
-                </a:solidFill>
-              </a:rPr>
-              <a:t>Week of March </a:t>
-            </a:r>
-            <a:r>
-              <a:rPr lang="en-GB" b="1" dirty="0" smtClean="0">
-                <a:solidFill>
-                  <a:schemeClr val="accent4"/>
-                </a:solidFill>
-              </a:rPr>
-              <a:t>4</a:t>
-            </a:r>
-            <a:r>
-              <a:rPr lang="en-GB" b="1" baseline="30000" dirty="0" smtClean="0">
-                <a:solidFill>
-                  <a:schemeClr val="accent4"/>
-                </a:solidFill>
-              </a:rPr>
-              <a:t>th</a:t>
-            </a:r>
-            <a:endParaRPr lang="en-GB" dirty="0" smtClean="0"/>
-          </a:p>
-          <a:p>
-            <a:pPr marL="777240" lvl="2" indent="0">
-              <a:buFont typeface="Wingdings" pitchFamily="2" charset="2"/>
-              <a:buChar char="§"/>
-            </a:pPr>
-            <a:r>
-              <a:rPr lang="en-GB" dirty="0"/>
-              <a:t> </a:t>
-            </a:r>
-            <a:r>
-              <a:rPr lang="en-GB" dirty="0" smtClean="0"/>
-              <a:t>Finish auxiliary screens (settings and main)</a:t>
-            </a:r>
-          </a:p>
-          <a:p>
-            <a:pPr marL="777240" lvl="2" indent="0">
-              <a:buFont typeface="Wingdings" pitchFamily="2" charset="2"/>
-              <a:buChar char="§"/>
-            </a:pPr>
-            <a:r>
-              <a:rPr lang="en-GB" dirty="0" smtClean="0"/>
-              <a:t> Unit </a:t>
-            </a:r>
-            <a:r>
-              <a:rPr lang="en-GB" dirty="0" smtClean="0"/>
-              <a:t>and integration </a:t>
-            </a:r>
-            <a:r>
-              <a:rPr lang="en-GB" dirty="0" smtClean="0"/>
-              <a:t>testing on these screens</a:t>
-            </a:r>
-            <a:endParaRPr lang="en-GB" dirty="0" smtClean="0"/>
-          </a:p>
-          <a:p>
             <a:pPr marL="777240" lvl="2" indent="0">
               <a:buNone/>
             </a:pPr>
-            <a:endParaRPr lang="en-GB" dirty="0"/>
+            <a:endParaRPr lang="en-GB" sz="1600" dirty="0" smtClean="0"/>
           </a:p>
         </p:txBody>
       </p:sp>
     </p:spTree>
     <p:extLst>
       <p:ext uri="{BB962C8B-B14F-4D97-AF65-F5344CB8AC3E}">
-        <p14:creationId xmlns:p14="http://schemas.microsoft.com/office/powerpoint/2010/main" xmlns="" val="1326768430"/>
+        <p14:creationId xmlns="" xmlns:p14="http://schemas.microsoft.com/office/powerpoint/2010/main" val="4290846282"/>
       </p:ext>
     </p:extLst>
   </p:cSld>
@@ -12362,6 +12843,36 @@
       </p:grpSpPr>
       <p:sp>
         <p:nvSpPr>
+          <p:cNvPr id="7" name="Title 6"/>
+          <p:cNvSpPr>
+            <a:spLocks noGrp="1"/>
+          </p:cNvSpPr>
+          <p:nvPr>
+            <p:ph type="title"/>
+          </p:nvPr>
+        </p:nvSpPr>
+        <p:spPr>
+          <a:xfrm>
+            <a:off x="539750" y="838200"/>
+            <a:ext cx="8064500" cy="609600"/>
+          </a:xfrm>
+        </p:spPr>
+        <p:txBody>
+          <a:bodyPr>
+            <a:noAutofit/>
+          </a:bodyPr>
+          <a:lstStyle/>
+          <a:p>
+            <a:r>
+              <a:rPr lang="en-GB" sz="2800" b="1" u="sng" dirty="0" smtClean="0"/>
+              <a:t>Project Design and Navigation</a:t>
+            </a:r>
+            <a:endParaRPr lang="en-GB" sz="2800" b="1" u="sng" dirty="0"/>
+          </a:p>
+        </p:txBody>
+      </p:sp>
+      <p:sp>
+        <p:nvSpPr>
           <p:cNvPr id="4" name="Slide Number Placeholder 3"/>
           <p:cNvSpPr>
             <a:spLocks noGrp="1"/>
@@ -12386,7 +12897,7 @@
       </p:sp>
       <p:sp>
         <p:nvSpPr>
-          <p:cNvPr id="16" name="Text Placeholder 15"/>
+          <p:cNvPr id="8" name="Text Placeholder 7"/>
           <p:cNvSpPr>
             <a:spLocks noGrp="1"/>
           </p:cNvSpPr>
@@ -12396,8 +12907,8 @@
         </p:nvSpPr>
         <p:spPr>
           <a:xfrm>
-            <a:off x="539750" y="609601"/>
-            <a:ext cx="6699250" cy="5267324"/>
+            <a:off x="539750" y="1524000"/>
+            <a:ext cx="8064500" cy="4800600"/>
           </a:xfrm>
         </p:spPr>
         <p:txBody>
@@ -12406,243 +12917,39 @@
           </a:bodyPr>
           <a:lstStyle/>
           <a:p>
-            <a:pPr marL="0" indent="0">
+            <a:pPr lvl="1">
               <a:buNone/>
             </a:pPr>
-            <a:r>
-              <a:rPr lang="en-GB" dirty="0" smtClean="0"/>
-              <a:t>                   </a:t>
-            </a:r>
-          </a:p>
-          <a:p>
-            <a:pPr marL="411480" lvl="1" indent="0">
-              <a:buNone/>
-            </a:pPr>
-            <a:r>
-              <a:rPr lang="en-GB" sz="1600" b="1" dirty="0" smtClean="0">
-                <a:solidFill>
-                  <a:schemeClr val="accent4"/>
-                </a:solidFill>
-              </a:rPr>
-              <a:t>Week </a:t>
-            </a:r>
-            <a:r>
-              <a:rPr lang="en-GB" sz="1600" b="1" dirty="0">
-                <a:solidFill>
-                  <a:schemeClr val="accent4"/>
-                </a:solidFill>
-              </a:rPr>
-              <a:t>of March </a:t>
-            </a:r>
-            <a:r>
-              <a:rPr lang="en-GB" sz="1600" b="1" dirty="0" smtClean="0">
-                <a:solidFill>
-                  <a:schemeClr val="accent4"/>
-                </a:solidFill>
-              </a:rPr>
-              <a:t>18th</a:t>
-            </a:r>
-            <a:endParaRPr lang="en-GB" sz="1600" dirty="0"/>
-          </a:p>
-          <a:p>
-            <a:pPr marL="777240" lvl="2" indent="0">
+            <a:endParaRPr lang="en-GB" dirty="0" smtClean="0"/>
+          </a:p>
+          <a:p>
+            <a:pPr lvl="1">
               <a:buFont typeface="Wingdings" pitchFamily="2" charset="2"/>
               <a:buChar char="§"/>
             </a:pPr>
             <a:r>
-              <a:rPr lang="en-GB" sz="1400" dirty="0"/>
-              <a:t> </a:t>
-            </a:r>
-            <a:r>
-              <a:rPr lang="en-GB" sz="1400" dirty="0" smtClean="0"/>
-              <a:t>Start work on the game screen (control and render the dog)</a:t>
-            </a:r>
-            <a:endParaRPr lang="en-GB" dirty="0" smtClean="0"/>
-          </a:p>
-          <a:p>
-            <a:pPr marL="411480" lvl="1" indent="0">
-              <a:buNone/>
-            </a:pPr>
-            <a:endParaRPr lang="en-GB" sz="1700" b="1" dirty="0" smtClean="0">
-              <a:solidFill>
-                <a:schemeClr val="accent4"/>
-              </a:solidFill>
-            </a:endParaRPr>
-          </a:p>
-          <a:p>
-            <a:pPr marL="411480" lvl="1" indent="0">
-              <a:buNone/>
-            </a:pPr>
-            <a:r>
-              <a:rPr lang="en-GB" sz="1700" b="1" dirty="0" smtClean="0">
-                <a:solidFill>
-                  <a:schemeClr val="accent4"/>
-                </a:solidFill>
-              </a:rPr>
-              <a:t>Week </a:t>
-            </a:r>
-            <a:r>
-              <a:rPr lang="en-GB" sz="1700" b="1" dirty="0" smtClean="0">
-                <a:solidFill>
-                  <a:schemeClr val="accent4"/>
-                </a:solidFill>
-              </a:rPr>
-              <a:t>of April </a:t>
-            </a:r>
-            <a:r>
-              <a:rPr lang="en-GB" sz="1700" b="1" dirty="0" smtClean="0">
-                <a:solidFill>
-                  <a:schemeClr val="accent4"/>
-                </a:solidFill>
-              </a:rPr>
-              <a:t>1st</a:t>
-            </a:r>
-            <a:endParaRPr lang="en-GB" sz="1600" dirty="0" smtClean="0"/>
-          </a:p>
-          <a:p>
-            <a:pPr marL="777240" lvl="2" indent="0">
+              <a:rPr lang="en-GB" sz="1600" dirty="0" smtClean="0"/>
+              <a:t>A white round figure will represent a sheep</a:t>
+            </a:r>
+          </a:p>
+          <a:p>
+            <a:pPr lvl="1">
               <a:buFont typeface="Wingdings" pitchFamily="2" charset="2"/>
               <a:buChar char="§"/>
             </a:pPr>
             <a:r>
-              <a:rPr lang="en-GB" sz="1400" dirty="0" smtClean="0"/>
-              <a:t> </a:t>
-            </a:r>
-            <a:r>
-              <a:rPr lang="en-GB" sz="1400" dirty="0" smtClean="0"/>
-              <a:t>Continue work </a:t>
-            </a:r>
-            <a:r>
-              <a:rPr lang="en-GB" sz="1400" dirty="0" smtClean="0"/>
-              <a:t>on the game screen </a:t>
-            </a:r>
-            <a:r>
-              <a:rPr lang="en-GB" sz="1400" dirty="0" smtClean="0"/>
-              <a:t>(fox and sheep)</a:t>
-            </a:r>
-            <a:endParaRPr lang="en-GB" dirty="0" smtClean="0"/>
-          </a:p>
-          <a:p>
-            <a:pPr marL="411480" lvl="1" indent="0">
-              <a:buNone/>
-            </a:pPr>
-            <a:endParaRPr lang="en-GB" sz="1700" b="1" dirty="0" smtClean="0">
-              <a:solidFill>
-                <a:schemeClr val="accent4"/>
-              </a:solidFill>
-            </a:endParaRPr>
-          </a:p>
-          <a:p>
-            <a:pPr marL="411480" lvl="1" indent="0">
-              <a:buNone/>
-            </a:pPr>
-            <a:r>
-              <a:rPr lang="en-GB" sz="1700" b="1" dirty="0" smtClean="0">
-                <a:solidFill>
-                  <a:schemeClr val="accent4"/>
-                </a:solidFill>
-              </a:rPr>
-              <a:t>Week of April 15th</a:t>
-            </a:r>
-          </a:p>
-          <a:p>
-            <a:pPr marL="777240" lvl="2" indent="0">
+              <a:rPr lang="en-GB" sz="1600" dirty="0" smtClean="0"/>
+              <a:t>A green square figure will represent the dog</a:t>
+            </a:r>
+          </a:p>
+          <a:p>
+            <a:pPr lvl="1">
               <a:buFont typeface="Wingdings" pitchFamily="2" charset="2"/>
               <a:buChar char="§"/>
             </a:pPr>
             <a:r>
-              <a:rPr lang="en-GB" sz="1500" dirty="0" smtClean="0"/>
-              <a:t> </a:t>
-            </a:r>
-            <a:r>
               <a:rPr lang="en-GB" sz="1600" dirty="0" smtClean="0"/>
-              <a:t>Continue work on the game screen (fox and sheep</a:t>
-            </a:r>
-            <a:r>
-              <a:rPr lang="en-GB" sz="1600" dirty="0" smtClean="0"/>
-              <a:t>)</a:t>
-            </a:r>
-          </a:p>
-          <a:p>
-            <a:pPr marL="777240" lvl="2" indent="0">
-              <a:buFont typeface="Wingdings" pitchFamily="2" charset="2"/>
-              <a:buChar char="§"/>
-            </a:pPr>
-            <a:r>
-              <a:rPr lang="en-GB" sz="1500" dirty="0" smtClean="0"/>
-              <a:t> Final touches</a:t>
-            </a:r>
-          </a:p>
-          <a:p>
-            <a:pPr marL="777240" lvl="2" indent="0">
-              <a:buFont typeface="Wingdings" pitchFamily="2" charset="2"/>
-              <a:buChar char="§"/>
-            </a:pPr>
-            <a:r>
-              <a:rPr lang="en-GB" sz="1500" dirty="0" smtClean="0"/>
-              <a:t> </a:t>
-            </a:r>
-            <a:r>
-              <a:rPr lang="en-GB" sz="1500" dirty="0" smtClean="0"/>
-              <a:t>Submit code to professor</a:t>
-            </a:r>
-          </a:p>
-          <a:p>
-            <a:pPr marL="777240" lvl="2" indent="0">
-              <a:buNone/>
-            </a:pPr>
-            <a:endParaRPr lang="en-GB" sz="1900" dirty="0" smtClean="0"/>
-          </a:p>
-          <a:p>
-            <a:pPr marL="411480" lvl="1" indent="0">
-              <a:buNone/>
-            </a:pPr>
-            <a:r>
-              <a:rPr lang="en-GB" sz="1700" b="1" dirty="0" smtClean="0">
-                <a:solidFill>
-                  <a:schemeClr val="accent4"/>
-                </a:solidFill>
-              </a:rPr>
-              <a:t>Week </a:t>
-            </a:r>
-            <a:r>
-              <a:rPr lang="en-GB" sz="1700" b="1" dirty="0" smtClean="0">
-                <a:solidFill>
-                  <a:schemeClr val="accent4"/>
-                </a:solidFill>
-              </a:rPr>
-              <a:t>of April </a:t>
-            </a:r>
-            <a:r>
-              <a:rPr lang="en-GB" sz="1700" b="1" dirty="0" smtClean="0">
-                <a:solidFill>
-                  <a:schemeClr val="accent4"/>
-                </a:solidFill>
-              </a:rPr>
-              <a:t>29</a:t>
-            </a:r>
-            <a:r>
-              <a:rPr lang="en-GB" sz="1700" b="1" baseline="30000" dirty="0" smtClean="0">
-                <a:solidFill>
-                  <a:schemeClr val="accent4"/>
-                </a:solidFill>
-              </a:rPr>
-              <a:t>th</a:t>
-            </a:r>
-            <a:endParaRPr lang="en-GB" sz="1700" dirty="0" smtClean="0"/>
-          </a:p>
-          <a:p>
-            <a:pPr marL="777240" lvl="2" indent="0">
-              <a:buFont typeface="Wingdings" pitchFamily="2" charset="2"/>
-              <a:buChar char="§"/>
-            </a:pPr>
-            <a:r>
-              <a:rPr lang="en-GB" sz="1500" dirty="0" smtClean="0"/>
-              <a:t> Presenting </a:t>
-            </a:r>
-            <a:r>
-              <a:rPr lang="en-GB" sz="1500" dirty="0" smtClean="0"/>
-              <a:t>the program in class</a:t>
+              <a:t>A red triangular figure would represent a fox</a:t>
             </a:r>
           </a:p>
           <a:p>
@@ -12655,21 +12962,43 @@
             <a:pPr marL="0" indent="0">
               <a:buNone/>
             </a:pPr>
-            <a:endParaRPr lang="en-GB" b="1" dirty="0">
-              <a:solidFill>
-                <a:schemeClr val="accent4"/>
-              </a:solidFill>
-            </a:endParaRPr>
-          </a:p>
-          <a:p>
-            <a:endParaRPr lang="en-GB" dirty="0"/>
+            <a:endParaRPr lang="en-GB" sz="1600" dirty="0" smtClean="0"/>
+          </a:p>
+          <a:p>
+            <a:pPr marL="0" indent="0">
+              <a:buNone/>
+            </a:pPr>
+            <a:r>
+              <a:rPr lang="en-GB" sz="1600" dirty="0" smtClean="0"/>
+              <a:t>Users </a:t>
+            </a:r>
+            <a:r>
+              <a:rPr lang="en-GB" sz="1600" dirty="0" smtClean="0"/>
+              <a:t>can touch the screen on the </a:t>
+            </a:r>
+            <a:r>
+              <a:rPr lang="en-GB" sz="1600" dirty="0" smtClean="0"/>
+              <a:t>corners to </a:t>
+            </a:r>
+            <a:r>
+              <a:rPr lang="en-GB" sz="1600" dirty="0" smtClean="0"/>
+              <a:t>represent where they want the dog to move (for example, </a:t>
+            </a:r>
+            <a:r>
+              <a:rPr lang="en-GB" sz="1600" dirty="0" smtClean="0"/>
+              <a:t>tap anywhere </a:t>
+            </a:r>
+            <a:r>
+              <a:rPr lang="en-GB" sz="1600" dirty="0" smtClean="0"/>
+              <a:t>up to move the dog upwards). </a:t>
+            </a:r>
           </a:p>
         </p:txBody>
       </p:sp>
     </p:spTree>
     <p:extLst>
       <p:ext uri="{BB962C8B-B14F-4D97-AF65-F5344CB8AC3E}">
-        <p14:creationId xmlns:p14="http://schemas.microsoft.com/office/powerpoint/2010/main" xmlns="" val="3190464469"/>
+        <p14:creationId xmlns="" xmlns:p14="http://schemas.microsoft.com/office/powerpoint/2010/main" val="4290846282"/>
       </p:ext>
     </p:extLst>
   </p:cSld>
@@ -12705,6 +13034,36 @@
       </p:grpSpPr>
       <p:sp>
         <p:nvSpPr>
+          <p:cNvPr id="7" name="Title 6"/>
+          <p:cNvSpPr>
+            <a:spLocks noGrp="1"/>
+          </p:cNvSpPr>
+          <p:nvPr>
+            <p:ph type="title"/>
+          </p:nvPr>
+        </p:nvSpPr>
+        <p:spPr>
+          <a:xfrm>
+            <a:off x="539750" y="838200"/>
+            <a:ext cx="8064500" cy="609600"/>
+          </a:xfrm>
+        </p:spPr>
+        <p:txBody>
+          <a:bodyPr>
+            <a:noAutofit/>
+          </a:bodyPr>
+          <a:lstStyle/>
+          <a:p>
+            <a:r>
+              <a:rPr lang="en-GB" sz="2800" b="1" u="sng" dirty="0" smtClean="0"/>
+              <a:t>Project Design and Navigation</a:t>
+            </a:r>
+            <a:endParaRPr lang="en-GB" sz="2800" b="1" u="sng" dirty="0"/>
+          </a:p>
+        </p:txBody>
+      </p:sp>
+      <p:sp>
+        <p:nvSpPr>
           <p:cNvPr id="4" name="Slide Number Placeholder 3"/>
           <p:cNvSpPr>
             <a:spLocks noGrp="1"/>
@@ -12727,192 +13086,34 @@
           </a:p>
         </p:txBody>
       </p:sp>
-      <p:sp>
-        <p:nvSpPr>
-          <p:cNvPr id="5" name="Text Placeholder 4"/>
-          <p:cNvSpPr>
-            <a:spLocks noGrp="1"/>
-          </p:cNvSpPr>
-          <p:nvPr>
-            <p:ph type="body" sz="quarter" idx="12"/>
-          </p:nvPr>
-        </p:nvSpPr>
+      <p:pic>
+        <p:nvPicPr>
+          <p:cNvPr id="12" name="Picture 11" descr="sketches5.png"/>
+          <p:cNvPicPr>
+            <a:picLocks noChangeAspect="1"/>
+          </p:cNvPicPr>
+          <p:nvPr/>
+        </p:nvPicPr>
+        <p:blipFill>
+          <a:blip r:embed="rId3" cstate="print"/>
+          <a:stretch>
+            <a:fillRect/>
+          </a:stretch>
+        </p:blipFill>
         <p:spPr>
           <a:xfrm>
-            <a:off x="539750" y="609601"/>
-            <a:ext cx="6242050" cy="4267200"/>
+            <a:off x="1005478" y="1999470"/>
+            <a:ext cx="6843122" cy="3791730"/>
           </a:xfrm>
+          <a:prstGeom prst="rect">
+            <a:avLst/>
+          </a:prstGeom>
         </p:spPr>
-        <p:txBody>
-          <a:bodyPr>
-            <a:normAutofit fontScale="62500" lnSpcReduction="20000"/>
-          </a:bodyPr>
-          <a:lstStyle/>
-          <a:p>
-            <a:pPr marL="0" indent="0">
-              <a:buNone/>
-            </a:pPr>
-            <a:endParaRPr lang="en-GB" b="1" u="sng" dirty="0" smtClean="0">
-              <a:solidFill>
-                <a:srgbClr val="FF0000"/>
-              </a:solidFill>
-            </a:endParaRPr>
-          </a:p>
-          <a:p>
-            <a:pPr marL="0" indent="0">
-              <a:buNone/>
-            </a:pPr>
-            <a:endParaRPr lang="en-GB" dirty="0" smtClean="0"/>
-          </a:p>
-          <a:p>
-            <a:r>
-              <a:rPr lang="en-GB" b="1" u="sng" dirty="0" smtClean="0">
-                <a:solidFill>
-                  <a:srgbClr val="FF0000"/>
-                </a:solidFill>
-              </a:rPr>
-              <a:t>Basic </a:t>
-            </a:r>
-            <a:r>
-              <a:rPr lang="en-GB" b="1" u="sng" dirty="0" smtClean="0">
-                <a:solidFill>
-                  <a:srgbClr val="FF0000"/>
-                </a:solidFill>
-              </a:rPr>
-              <a:t>design and navigation:</a:t>
-            </a:r>
-          </a:p>
-          <a:p>
-            <a:pPr lvl="1">
-              <a:buFont typeface="Wingdings" pitchFamily="2" charset="2"/>
-              <a:buChar char="§"/>
-            </a:pPr>
-            <a:endParaRPr lang="en-GB" dirty="0" smtClean="0"/>
-          </a:p>
-          <a:p>
-            <a:pPr lvl="1">
-              <a:buFont typeface="Wingdings" pitchFamily="2" charset="2"/>
-              <a:buChar char="§"/>
-            </a:pPr>
-            <a:r>
-              <a:rPr lang="en-GB" dirty="0" smtClean="0"/>
-              <a:t>A </a:t>
-            </a:r>
-            <a:r>
-              <a:rPr lang="en-GB" dirty="0" smtClean="0"/>
-              <a:t>white </a:t>
-            </a:r>
-            <a:r>
-              <a:rPr lang="en-GB" dirty="0" smtClean="0"/>
-              <a:t>round figure will represent </a:t>
-            </a:r>
-            <a:r>
-              <a:rPr lang="en-GB" dirty="0" smtClean="0"/>
-              <a:t>a sheep</a:t>
-            </a:r>
-          </a:p>
-          <a:p>
-            <a:pPr lvl="1">
-              <a:buFont typeface="Wingdings" pitchFamily="2" charset="2"/>
-              <a:buChar char="§"/>
-            </a:pPr>
-            <a:r>
-              <a:rPr lang="en-GB" dirty="0" smtClean="0"/>
-              <a:t>A </a:t>
-            </a:r>
-            <a:r>
-              <a:rPr lang="en-GB" dirty="0" smtClean="0"/>
-              <a:t>green square figure will represent </a:t>
-            </a:r>
-            <a:r>
-              <a:rPr lang="en-GB" dirty="0" smtClean="0"/>
-              <a:t>the dog</a:t>
-            </a:r>
-          </a:p>
-          <a:p>
-            <a:pPr lvl="1">
-              <a:buFont typeface="Wingdings" pitchFamily="2" charset="2"/>
-              <a:buChar char="§"/>
-            </a:pPr>
-            <a:r>
-              <a:rPr lang="en-GB" dirty="0" smtClean="0"/>
-              <a:t>A </a:t>
-            </a:r>
-            <a:r>
-              <a:rPr lang="en-GB" dirty="0" smtClean="0"/>
-              <a:t>red triangular </a:t>
-            </a:r>
-            <a:r>
-              <a:rPr lang="en-GB" dirty="0" smtClean="0"/>
-              <a:t>figure would represent a fox</a:t>
-            </a:r>
-          </a:p>
-          <a:p>
-            <a:pPr marL="0" indent="0">
-              <a:buNone/>
-            </a:pPr>
-            <a:endParaRPr lang="en-GB" dirty="0" smtClean="0"/>
-          </a:p>
-          <a:p>
-            <a:pPr marL="0" indent="0">
-              <a:buNone/>
-            </a:pPr>
-            <a:r>
-              <a:rPr lang="en-GB" dirty="0" smtClean="0"/>
-              <a:t>Users </a:t>
-            </a:r>
-            <a:r>
-              <a:rPr lang="en-GB" dirty="0" smtClean="0"/>
-              <a:t>can touch the screen on the corners of the screen to represent where they want the dog to move (for example, click anywhere up to move the dog upwards). Keyboard if available is also another type of input (8 moves up, 6 moves right, 2 moves down, and 4 moves left).</a:t>
-            </a:r>
-          </a:p>
-          <a:p>
-            <a:pPr marL="0" indent="0">
-              <a:buNone/>
-            </a:pPr>
-            <a:endParaRPr lang="en-GB" dirty="0" smtClean="0"/>
-          </a:p>
-          <a:p>
-            <a:pPr marL="0" indent="0">
-              <a:buNone/>
-            </a:pPr>
-            <a:r>
-              <a:rPr lang="en-GB" dirty="0"/>
-              <a:t>A</a:t>
-            </a:r>
-            <a:r>
-              <a:rPr lang="en-GB" dirty="0" smtClean="0"/>
-              <a:t>ttached use </a:t>
-            </a:r>
-            <a:r>
-              <a:rPr lang="en-GB" dirty="0" smtClean="0"/>
-              <a:t>case </a:t>
-            </a:r>
-            <a:r>
-              <a:rPr lang="en-GB" dirty="0" smtClean="0"/>
-              <a:t>and activity diagram explains the navigation process</a:t>
-            </a:r>
-            <a:r>
-              <a:rPr lang="en-GB" dirty="0" smtClean="0"/>
-              <a:t>.</a:t>
-            </a:r>
-          </a:p>
-          <a:p>
-            <a:pPr marL="0" indent="0">
-              <a:buNone/>
-            </a:pPr>
-            <a:r>
-              <a:rPr lang="en-GB" dirty="0" smtClean="0"/>
-              <a:t>Also attached is a sketch of how the screens are initially designed to look like.</a:t>
-            </a:r>
-            <a:endParaRPr lang="en-GB" dirty="0" smtClean="0"/>
-          </a:p>
-        </p:txBody>
-      </p:sp>
+      </p:pic>
     </p:spTree>
     <p:extLst>
       <p:ext uri="{BB962C8B-B14F-4D97-AF65-F5344CB8AC3E}">
-        <p14:creationId xmlns:p14="http://schemas.microsoft.com/office/powerpoint/2010/main" xmlns="" val="786778175"/>
+        <p14:creationId xmlns="" xmlns:p14="http://schemas.microsoft.com/office/powerpoint/2010/main" val="4290846282"/>
       </p:ext>
     </p:extLst>
   </p:cSld>
@@ -12948,28 +13149,31 @@
       </p:grpSpPr>
       <p:sp>
         <p:nvSpPr>
-          <p:cNvPr id="3" name="Footer Placeholder 2"/>
-          <p:cNvSpPr>
-            <a:spLocks noGrp="1"/>
-          </p:cNvSpPr>
-          <p:nvPr>
-            <p:ph type="ftr" sz="quarter" idx="10"/>
-          </p:nvPr>
-        </p:nvSpPr>
-        <p:spPr/>
-        <p:txBody>
-          <a:bodyPr/>
+          <p:cNvPr id="7" name="Title 6"/>
+          <p:cNvSpPr>
+            <a:spLocks noGrp="1"/>
+          </p:cNvSpPr>
+          <p:nvPr>
+            <p:ph type="title"/>
+          </p:nvPr>
+        </p:nvSpPr>
+        <p:spPr>
+          <a:xfrm>
+            <a:off x="539750" y="838200"/>
+            <a:ext cx="8064500" cy="609600"/>
+          </a:xfrm>
+        </p:spPr>
+        <p:txBody>
+          <a:bodyPr>
+            <a:noAutofit/>
+          </a:bodyPr>
           <a:lstStyle/>
           <a:p>
-            <a:pPr algn="r" eaLnBrk="0" fontAlgn="base" hangingPunct="0">
-              <a:spcBef>
-                <a:spcPct val="0"/>
-              </a:spcBef>
-              <a:spcAft>
-                <a:spcPct val="0"/>
-              </a:spcAft>
-            </a:pPr>
-            <a:endParaRPr lang="en-GB" dirty="0"/>
+            <a:r>
+              <a:rPr lang="en-GB" sz="2800" b="1" u="sng" dirty="0" smtClean="0"/>
+              <a:t>Project Design and Navigation</a:t>
+            </a:r>
+            <a:endParaRPr lang="en-GB" sz="2800" b="1" u="sng" dirty="0"/>
           </a:p>
         </p:txBody>
       </p:sp>
@@ -12997,75 +13201,288 @@
           </a:p>
         </p:txBody>
       </p:sp>
-      <p:sp>
-        <p:nvSpPr>
-          <p:cNvPr id="11" name="Text Placeholder 10"/>
-          <p:cNvSpPr>
-            <a:spLocks noGrp="1"/>
-          </p:cNvSpPr>
-          <p:nvPr>
-            <p:ph type="body" sz="quarter" idx="12"/>
-          </p:nvPr>
-        </p:nvSpPr>
-        <p:spPr>
+      <p:pic>
+        <p:nvPicPr>
+          <p:cNvPr id="1031" name="Picture 7"/>
+          <p:cNvPicPr>
+            <a:picLocks noChangeAspect="1" noChangeArrowheads="1"/>
+          </p:cNvPicPr>
+          <p:nvPr/>
+        </p:nvPicPr>
+        <p:blipFill>
+          <a:blip r:embed="rId3" cstate="print"/>
+          <a:srcRect/>
+          <a:stretch>
+            <a:fillRect/>
+          </a:stretch>
+        </p:blipFill>
+        <p:spPr bwMode="auto">
           <a:xfrm>
-            <a:off x="539750" y="1905000"/>
-            <a:ext cx="8064500" cy="3971925"/>
+            <a:off x="2714625" y="1790700"/>
+            <a:ext cx="3714750" cy="4076700"/>
           </a:xfrm>
+          <a:prstGeom prst="rect">
+            <a:avLst/>
+          </a:prstGeom>
+          <a:noFill/>
+          <a:ln w="9525">
+            <a:noFill/>
+            <a:miter lim="800000"/>
+            <a:headEnd/>
+            <a:tailEnd/>
+          </a:ln>
         </p:spPr>
-        <p:txBody>
-          <a:bodyPr/>
-          <a:lstStyle/>
-          <a:p>
-            <a:pPr marL="137160" indent="0">
-              <a:buNone/>
-            </a:pPr>
-            <a:endParaRPr lang="en-GB" dirty="0"/>
-          </a:p>
-          <a:p>
-            <a:pPr marL="137160" indent="0">
-              <a:buNone/>
-            </a:pPr>
-            <a:endParaRPr lang="en-GB" sz="2400" b="1" dirty="0" smtClean="0">
-              <a:solidFill>
-                <a:srgbClr val="FF0000"/>
-              </a:solidFill>
-            </a:endParaRPr>
-          </a:p>
-          <a:p>
-            <a:pPr marL="137160" indent="0">
-              <a:buNone/>
-            </a:pPr>
-            <a:endParaRPr lang="en-GB" sz="2400" b="1" dirty="0">
-              <a:solidFill>
-                <a:srgbClr val="FF0000"/>
-              </a:solidFill>
-            </a:endParaRPr>
-          </a:p>
-          <a:p>
-            <a:pPr marL="137160" indent="0">
-              <a:buNone/>
-            </a:pPr>
-            <a:r>
-              <a:rPr lang="en-GB" sz="2400" b="1" dirty="0" smtClean="0">
-                <a:solidFill>
-                  <a:srgbClr val="FF0000"/>
-                </a:solidFill>
-              </a:rPr>
-              <a:t>                        Thank you all for listening!!</a:t>
-            </a:r>
-            <a:endParaRPr lang="en-GB" sz="2400" b="1" dirty="0">
-              <a:solidFill>
-                <a:srgbClr val="FF0000"/>
-              </a:solidFill>
-            </a:endParaRPr>
-          </a:p>
-        </p:txBody>
-      </p:sp>
+      </p:pic>
     </p:spTree>
     <p:extLst>
       <p:ext uri="{BB962C8B-B14F-4D97-AF65-F5344CB8AC3E}">
-        <p14:creationId xmlns:p14="http://schemas.microsoft.com/office/powerpoint/2010/main" xmlns="" val="538637548"/>
+        <p14:creationId xmlns="" xmlns:p14="http://schemas.microsoft.com/office/powerpoint/2010/main" val="4290846282"/>
+      </p:ext>
+    </p:extLst>
+  </p:cSld>
+  <p:clrMapOvr>
+    <a:masterClrMapping/>
+  </p:clrMapOvr>
+  <p:timing>
+    <p:tnLst>
+      <p:par>
+        <p:cTn id="1" dur="indefinite" restart="never" nodeType="tmRoot"/>
+      </p:par>
+    </p:tnLst>
+  </p:timing>
+</p:sld>
+</file>
+
+<file path=ppt/slides/slide8.xml><?xml version="1.0" encoding="utf-8"?>
+<p:sld xmlns:a="http://schemas.openxmlformats.org/drawingml/2006/main" xmlns:r="http://schemas.openxmlformats.org/officeDocument/2006/relationships" xmlns:p="http://schemas.openxmlformats.org/presentationml/2006/main">
+  <p:cSld>
+    <p:spTree>
+      <p:nvGrpSpPr>
+        <p:cNvPr id="1" name=""/>
+        <p:cNvGrpSpPr/>
+        <p:nvPr/>
+      </p:nvGrpSpPr>
+      <p:grpSpPr>
+        <a:xfrm>
+          <a:off x="0" y="0"/>
+          <a:ext cx="0" cy="0"/>
+          <a:chOff x="0" y="0"/>
+          <a:chExt cx="0" cy="0"/>
+        </a:xfrm>
+      </p:grpSpPr>
+      <p:sp>
+        <p:nvSpPr>
+          <p:cNvPr id="7" name="Title 6"/>
+          <p:cNvSpPr>
+            <a:spLocks noGrp="1"/>
+          </p:cNvSpPr>
+          <p:nvPr>
+            <p:ph type="title"/>
+          </p:nvPr>
+        </p:nvSpPr>
+        <p:spPr>
+          <a:xfrm>
+            <a:off x="539750" y="838200"/>
+            <a:ext cx="8064500" cy="609600"/>
+          </a:xfrm>
+        </p:spPr>
+        <p:txBody>
+          <a:bodyPr>
+            <a:noAutofit/>
+          </a:bodyPr>
+          <a:lstStyle/>
+          <a:p>
+            <a:r>
+              <a:rPr lang="en-GB" sz="2800" b="1" u="sng" dirty="0" smtClean="0"/>
+              <a:t>Project Design and Navigation</a:t>
+            </a:r>
+            <a:endParaRPr lang="en-GB" sz="2800" b="1" u="sng" dirty="0"/>
+          </a:p>
+        </p:txBody>
+      </p:sp>
+      <p:sp>
+        <p:nvSpPr>
+          <p:cNvPr id="4" name="Slide Number Placeholder 3"/>
+          <p:cNvSpPr>
+            <a:spLocks noGrp="1"/>
+          </p:cNvSpPr>
+          <p:nvPr>
+            <p:ph type="sldNum" sz="quarter" idx="11"/>
+          </p:nvPr>
+        </p:nvSpPr>
+        <p:spPr/>
+        <p:txBody>
+          <a:bodyPr/>
+          <a:lstStyle/>
+          <a:p>
+            <a:fld id="{EF789A81-9B9B-445C-8A60-F916862B4649}" type="slidenum">
+              <a:rPr lang="en-GB" smtClean="0"/>
+              <a:pPr/>
+              <a:t>8</a:t>
+            </a:fld>
+            <a:endParaRPr lang="en-GB" dirty="0"/>
+          </a:p>
+        </p:txBody>
+      </p:sp>
+      <p:pic>
+        <p:nvPicPr>
+          <p:cNvPr id="1030" name="Picture 6"/>
+          <p:cNvPicPr>
+            <a:picLocks noChangeAspect="1" noChangeArrowheads="1"/>
+          </p:cNvPicPr>
+          <p:nvPr/>
+        </p:nvPicPr>
+        <p:blipFill>
+          <a:blip r:embed="rId3" cstate="print"/>
+          <a:srcRect/>
+          <a:stretch>
+            <a:fillRect/>
+          </a:stretch>
+        </p:blipFill>
+        <p:spPr bwMode="auto">
+          <a:xfrm>
+            <a:off x="3124200" y="2209800"/>
+            <a:ext cx="2943225" cy="3524250"/>
+          </a:xfrm>
+          <a:prstGeom prst="rect">
+            <a:avLst/>
+          </a:prstGeom>
+          <a:noFill/>
+          <a:ln w="9525">
+            <a:noFill/>
+            <a:miter lim="800000"/>
+            <a:headEnd/>
+            <a:tailEnd/>
+          </a:ln>
+        </p:spPr>
+      </p:pic>
+    </p:spTree>
+    <p:extLst>
+      <p:ext uri="{BB962C8B-B14F-4D97-AF65-F5344CB8AC3E}">
+        <p14:creationId xmlns="" xmlns:p14="http://schemas.microsoft.com/office/powerpoint/2010/main" val="4290846282"/>
+      </p:ext>
+    </p:extLst>
+  </p:cSld>
+  <p:clrMapOvr>
+    <a:masterClrMapping/>
+  </p:clrMapOvr>
+  <p:timing>
+    <p:tnLst>
+      <p:par>
+        <p:cTn id="1" dur="indefinite" restart="never" nodeType="tmRoot"/>
+      </p:par>
+    </p:tnLst>
+  </p:timing>
+</p:sld>
+</file>
+
+<file path=ppt/slides/slide9.xml><?xml version="1.0" encoding="utf-8"?>
+<p:sld xmlns:a="http://schemas.openxmlformats.org/drawingml/2006/main" xmlns:r="http://schemas.openxmlformats.org/officeDocument/2006/relationships" xmlns:p="http://schemas.openxmlformats.org/presentationml/2006/main">
+  <p:cSld>
+    <p:spTree>
+      <p:nvGrpSpPr>
+        <p:cNvPr id="1" name=""/>
+        <p:cNvGrpSpPr/>
+        <p:nvPr/>
+      </p:nvGrpSpPr>
+      <p:grpSpPr>
+        <a:xfrm>
+          <a:off x="0" y="0"/>
+          <a:ext cx="0" cy="0"/>
+          <a:chOff x="0" y="0"/>
+          <a:chExt cx="0" cy="0"/>
+        </a:xfrm>
+      </p:grpSpPr>
+      <p:sp>
+        <p:nvSpPr>
+          <p:cNvPr id="7" name="Title 6"/>
+          <p:cNvSpPr>
+            <a:spLocks noGrp="1"/>
+          </p:cNvSpPr>
+          <p:nvPr>
+            <p:ph type="title"/>
+          </p:nvPr>
+        </p:nvSpPr>
+        <p:spPr>
+          <a:xfrm>
+            <a:off x="539750" y="838200"/>
+            <a:ext cx="8064500" cy="609600"/>
+          </a:xfrm>
+        </p:spPr>
+        <p:txBody>
+          <a:bodyPr>
+            <a:noAutofit/>
+          </a:bodyPr>
+          <a:lstStyle/>
+          <a:p>
+            <a:r>
+              <a:rPr lang="en-GB" sz="2800" b="1" u="sng" dirty="0" smtClean="0"/>
+              <a:t>Project Design and Navigation</a:t>
+            </a:r>
+            <a:endParaRPr lang="en-GB" sz="2800" b="1" u="sng" dirty="0"/>
+          </a:p>
+        </p:txBody>
+      </p:sp>
+      <p:sp>
+        <p:nvSpPr>
+          <p:cNvPr id="4" name="Slide Number Placeholder 3"/>
+          <p:cNvSpPr>
+            <a:spLocks noGrp="1"/>
+          </p:cNvSpPr>
+          <p:nvPr>
+            <p:ph type="sldNum" sz="quarter" idx="11"/>
+          </p:nvPr>
+        </p:nvSpPr>
+        <p:spPr/>
+        <p:txBody>
+          <a:bodyPr/>
+          <a:lstStyle/>
+          <a:p>
+            <a:fld id="{EF789A81-9B9B-445C-8A60-F916862B4649}" type="slidenum">
+              <a:rPr lang="en-GB" smtClean="0"/>
+              <a:pPr/>
+              <a:t>9</a:t>
+            </a:fld>
+            <a:endParaRPr lang="en-GB" dirty="0"/>
+          </a:p>
+        </p:txBody>
+      </p:sp>
+      <p:pic>
+        <p:nvPicPr>
+          <p:cNvPr id="2050" name="Picture 2"/>
+          <p:cNvPicPr>
+            <a:picLocks noChangeAspect="1" noChangeArrowheads="1"/>
+          </p:cNvPicPr>
+          <p:nvPr/>
+        </p:nvPicPr>
+        <p:blipFill>
+          <a:blip r:embed="rId3" cstate="print"/>
+          <a:srcRect/>
+          <a:stretch>
+            <a:fillRect/>
+          </a:stretch>
+        </p:blipFill>
+        <p:spPr bwMode="auto">
+          <a:xfrm>
+            <a:off x="2538413" y="2057400"/>
+            <a:ext cx="4067175" cy="3609975"/>
+          </a:xfrm>
+          <a:prstGeom prst="rect">
+            <a:avLst/>
+          </a:prstGeom>
+          <a:noFill/>
+          <a:ln w="9525">
+            <a:noFill/>
+            <a:miter lim="800000"/>
+            <a:headEnd/>
+            <a:tailEnd/>
+          </a:ln>
+        </p:spPr>
+      </p:pic>
+    </p:spTree>
+    <p:extLst>
+      <p:ext uri="{BB962C8B-B14F-4D97-AF65-F5344CB8AC3E}">
+        <p14:creationId xmlns="" xmlns:p14="http://schemas.microsoft.com/office/powerpoint/2010/main" val="4290846282"/>
       </p:ext>
     </p:extLst>
   </p:cSld>

--- a/Initial_presentation/Initial presentation.pptx
+++ b/Initial_presentation/Initial presentation.pptx
@@ -2,29 +2,30 @@
 <file path=ppt/presentation.xml><?xml version="1.0" encoding="utf-8"?>
 <p:presentation xmlns:a="http://schemas.openxmlformats.org/drawingml/2006/main" xmlns:r="http://schemas.openxmlformats.org/officeDocument/2006/relationships" xmlns:p="http://schemas.openxmlformats.org/presentationml/2006/main" showSpecialPlsOnTitleSld="0" saveSubsetFonts="1">
   <p:sldMasterIdLst>
-    <p:sldMasterId id="2147483774" r:id="rId1"/>
+    <p:sldMasterId id="2147483907" r:id="rId1"/>
   </p:sldMasterIdLst>
   <p:notesMasterIdLst>
-    <p:notesMasterId r:id="rId16"/>
+    <p:notesMasterId r:id="rId17"/>
   </p:notesMasterIdLst>
   <p:handoutMasterIdLst>
-    <p:handoutMasterId r:id="rId17"/>
+    <p:handoutMasterId r:id="rId18"/>
   </p:handoutMasterIdLst>
   <p:sldIdLst>
     <p:sldId id="258" r:id="rId2"/>
     <p:sldId id="266" r:id="rId3"/>
     <p:sldId id="273" r:id="rId4"/>
     <p:sldId id="274" r:id="rId5"/>
-    <p:sldId id="277" r:id="rId6"/>
-    <p:sldId id="279" r:id="rId7"/>
-    <p:sldId id="283" r:id="rId8"/>
-    <p:sldId id="282" r:id="rId9"/>
-    <p:sldId id="280" r:id="rId10"/>
-    <p:sldId id="281" r:id="rId11"/>
-    <p:sldId id="275" r:id="rId12"/>
-    <p:sldId id="276" r:id="rId13"/>
-    <p:sldId id="272" r:id="rId14"/>
-    <p:sldId id="278" r:id="rId15"/>
+    <p:sldId id="284" r:id="rId6"/>
+    <p:sldId id="277" r:id="rId7"/>
+    <p:sldId id="279" r:id="rId8"/>
+    <p:sldId id="283" r:id="rId9"/>
+    <p:sldId id="282" r:id="rId10"/>
+    <p:sldId id="280" r:id="rId11"/>
+    <p:sldId id="281" r:id="rId12"/>
+    <p:sldId id="275" r:id="rId13"/>
+    <p:sldId id="276" r:id="rId14"/>
+    <p:sldId id="272" r:id="rId15"/>
+    <p:sldId id="285" r:id="rId16"/>
   </p:sldIdLst>
   <p:sldSz cx="9144000" cy="6858000" type="screen4x3"/>
   <p:notesSz cx="6858000" cy="9144000"/>
@@ -128,13 +129,25 @@
 
 <file path=ppt/charts/chart1.xml><?xml version="1.0" encoding="utf-8"?>
 <c:chartSpace xmlns:c="http://schemas.openxmlformats.org/drawingml/2006/chart" xmlns:a="http://schemas.openxmlformats.org/drawingml/2006/main" xmlns:r="http://schemas.openxmlformats.org/officeDocument/2006/relationships">
+  <c:date1904 val="0"/>
   <c:lang val="en-US"/>
+  <c:roundedCorners val="0"/>
+  <mc:AlternateContent xmlns:mc="http://schemas.openxmlformats.org/markup-compatibility/2006">
+    <mc:Choice xmlns:c14="http://schemas.microsoft.com/office/drawing/2007/8/2/chart" Requires="c14">
+      <c14:style val="102"/>
+    </mc:Choice>
+    <mc:Fallback>
+      <c:style val="2"/>
+    </mc:Fallback>
+  </mc:AlternateContent>
   <c:chart>
+    <c:autoTitleDeleted val="0"/>
     <c:plotArea>
       <c:layout/>
       <c:barChart>
         <c:barDir val="bar"/>
         <c:grouping val="clustered"/>
+        <c:varyColors val="0"/>
         <c:ser>
           <c:idx val="0"/>
           <c:order val="0"/>
@@ -154,6 +167,7 @@
               <a:schemeClr val="accent1"/>
             </a:solidFill>
           </c:spPr>
+          <c:invertIfNegative val="0"/>
           <c:cat>
             <c:strRef>
               <c:f>Sheet1!$A$2:$A$5</c:f>
@@ -215,6 +229,7 @@
               <a:schemeClr val="accent2"/>
             </a:solidFill>
           </c:spPr>
+          <c:invertIfNegative val="0"/>
           <c:cat>
             <c:strRef>
               <c:f>Sheet1!$A$2:$A$5</c:f>
@@ -245,7 +260,7 @@
                   <c:v>2.4</c:v>
                 </c:pt>
                 <c:pt idx="1">
-                  <c:v>4.4000000000000004</c:v>
+                  <c:v>4.4</c:v>
                 </c:pt>
                 <c:pt idx="2">
                   <c:v>1.8</c:v>
@@ -276,6 +291,7 @@
               <a:schemeClr val="accent3"/>
             </a:solidFill>
           </c:spPr>
+          <c:invertIfNegative val="0"/>
           <c:cat>
             <c:strRef>
               <c:f>Sheet1!$A$2:$A$5</c:f>
@@ -303,16 +319,16 @@
                 <c:formatCode>General</c:formatCode>
                 <c:ptCount val="4"/>
                 <c:pt idx="0">
-                  <c:v>2</c:v>
+                  <c:v>2.0</c:v>
                 </c:pt>
                 <c:pt idx="1">
-                  <c:v>2</c:v>
+                  <c:v>2.0</c:v>
                 </c:pt>
                 <c:pt idx="2">
-                  <c:v>3</c:v>
+                  <c:v>3.0</c:v>
                 </c:pt>
                 <c:pt idx="3">
-                  <c:v>5</c:v>
+                  <c:v>5.0</c:v>
                 </c:pt>
               </c:numCache>
             </c:numRef>
@@ -337,6 +353,7 @@
               <a:schemeClr val="accent4"/>
             </a:solidFill>
           </c:spPr>
+          <c:invertIfNegative val="0"/>
           <c:cat>
             <c:strRef>
               <c:f>Sheet1!$A$2:$A$5</c:f>
@@ -364,46 +381,59 @@
                 <c:formatCode>General</c:formatCode>
                 <c:ptCount val="4"/>
                 <c:pt idx="0">
-                  <c:v>5</c:v>
+                  <c:v>5.0</c:v>
                 </c:pt>
                 <c:pt idx="1">
-                  <c:v>4</c:v>
+                  <c:v>4.0</c:v>
                 </c:pt>
                 <c:pt idx="2">
-                  <c:v>3</c:v>
+                  <c:v>3.0</c:v>
                 </c:pt>
                 <c:pt idx="3">
-                  <c:v>2</c:v>
+                  <c:v>2.0</c:v>
                 </c:pt>
               </c:numCache>
             </c:numRef>
           </c:val>
         </c:ser>
-        <c:axId val="68169088"/>
-        <c:axId val="68187264"/>
+        <c:dLbls>
+          <c:showLegendKey val="0"/>
+          <c:showVal val="0"/>
+          <c:showCatName val="0"/>
+          <c:showSerName val="0"/>
+          <c:showPercent val="0"/>
+          <c:showBubbleSize val="0"/>
+        </c:dLbls>
+        <c:gapWidth val="150"/>
+        <c:axId val="2095669368"/>
+        <c:axId val="2095672632"/>
       </c:barChart>
       <c:catAx>
-        <c:axId val="68169088"/>
+        <c:axId val="2095669368"/>
         <c:scaling>
           <c:orientation val="minMax"/>
         </c:scaling>
+        <c:delete val="0"/>
         <c:axPos val="l"/>
         <c:majorTickMark val="none"/>
+        <c:minorTickMark val="none"/>
         <c:tickLblPos val="nextTo"/>
         <c:spPr>
           <a:ln w="6350"/>
         </c:spPr>
-        <c:crossAx val="68187264"/>
+        <c:crossAx val="2095672632"/>
         <c:crosses val="autoZero"/>
         <c:auto val="1"/>
         <c:lblAlgn val="ctr"/>
         <c:lblOffset val="100"/>
+        <c:noMultiLvlLbl val="0"/>
       </c:catAx>
       <c:valAx>
-        <c:axId val="68187264"/>
+        <c:axId val="2095672632"/>
         <c:scaling>
           <c:orientation val="minMax"/>
         </c:scaling>
+        <c:delete val="0"/>
         <c:axPos val="b"/>
         <c:majorGridlines>
           <c:spPr>
@@ -416,13 +446,14 @@
         </c:majorGridlines>
         <c:numFmt formatCode="General" sourceLinked="1"/>
         <c:majorTickMark val="in"/>
+        <c:minorTickMark val="none"/>
         <c:tickLblPos val="nextTo"/>
         <c:spPr>
           <a:ln w="6350">
             <a:noFill/>
           </a:ln>
         </c:spPr>
-        <c:crossAx val="68169088"/>
+        <c:crossAx val="2095669368"/>
         <c:crosses val="autoZero"/>
         <c:crossBetween val="between"/>
       </c:valAx>
@@ -435,7 +466,7 @@
     </c:plotArea>
     <c:legend>
       <c:legendPos val="t"/>
-      <c:layout/>
+      <c:overlay val="0"/>
       <c:spPr>
         <a:ln>
           <a:noFill/>
@@ -444,6 +475,7 @@
     </c:legend>
     <c:plotVisOnly val="1"/>
     <c:dispBlanksAs val="gap"/>
+    <c:showDLblsOverMax val="0"/>
   </c:chart>
   <c:spPr>
     <a:ln>
@@ -463,18 +495,29 @@
       <a:endParaRPr lang="en-US"/>
     </a:p>
   </c:txPr>
-  <c:externalData r:id="rId1"/>
+  <c:externalData r:id="rId1">
+    <c:autoUpdate val="0"/>
+  </c:externalData>
 </c:chartSpace>
 </file>
 
 <file path=ppt/charts/chart2.xml><?xml version="1.0" encoding="utf-8"?>
 <c:chartSpace xmlns:c="http://schemas.openxmlformats.org/drawingml/2006/chart" xmlns:a="http://schemas.openxmlformats.org/drawingml/2006/main" xmlns:r="http://schemas.openxmlformats.org/officeDocument/2006/relationships">
-  <c:date1904 val="1"/>
+  <c:date1904 val="0"/>
   <c:lang val="en-US"/>
+  <c:roundedCorners val="0"/>
+  <mc:AlternateContent xmlns:mc="http://schemas.openxmlformats.org/markup-compatibility/2006">
+    <mc:Choice xmlns:c14="http://schemas.microsoft.com/office/drawing/2007/8/2/chart" Requires="c14">
+      <c14:style val="102"/>
+    </mc:Choice>
+    <mc:Fallback>
+      <c:style val="2"/>
+    </mc:Fallback>
+  </mc:AlternateContent>
   <c:clrMapOvr bg1="lt1" tx1="dk1" bg2="lt2" tx2="dk2" accent1="accent1" accent2="accent2" accent3="accent3" accent4="accent4" accent5="accent5" accent6="accent6" hlink="hlink" folHlink="folHlink"/>
   <c:chart>
     <c:title>
-      <c:layout/>
+      <c:overlay val="0"/>
       <c:txPr>
         <a:bodyPr/>
         <a:lstStyle/>
@@ -486,6 +529,7 @@
         </a:p>
       </c:txPr>
     </c:title>
+    <c:autoTitleDeleted val="0"/>
     <c:plotArea>
       <c:layout/>
       <c:pieChart>
@@ -511,6 +555,7 @@
           </c:spPr>
           <c:dPt>
             <c:idx val="0"/>
+            <c:bubble3D val="0"/>
             <c:spPr>
               <a:solidFill>
                 <a:srgbClr val="990033"/>
@@ -519,6 +564,7 @@
           </c:dPt>
           <c:dPt>
             <c:idx val="1"/>
+            <c:bubble3D val="0"/>
             <c:spPr>
               <a:solidFill>
                 <a:srgbClr val="99CC00"/>
@@ -527,6 +573,7 @@
           </c:dPt>
           <c:dPt>
             <c:idx val="2"/>
+            <c:bubble3D val="0"/>
             <c:spPr>
               <a:solidFill>
                 <a:srgbClr val="009999"/>
@@ -535,6 +582,7 @@
           </c:dPt>
           <c:dPt>
             <c:idx val="3"/>
+            <c:bubble3D val="0"/>
             <c:spPr>
               <a:solidFill>
                 <a:srgbClr val="3366CC"/>
@@ -632,7 +680,7 @@
                   <c:v>2.4</c:v>
                 </c:pt>
                 <c:pt idx="1">
-                  <c:v>4.4000000000000004</c:v>
+                  <c:v>4.4</c:v>
                 </c:pt>
                 <c:pt idx="2">
                   <c:v>1.8</c:v>
@@ -690,21 +738,30 @@
                 <c:formatCode>General</c:formatCode>
                 <c:ptCount val="4"/>
                 <c:pt idx="0">
-                  <c:v>2</c:v>
+                  <c:v>2.0</c:v>
                 </c:pt>
                 <c:pt idx="1">
-                  <c:v>2</c:v>
+                  <c:v>2.0</c:v>
                 </c:pt>
                 <c:pt idx="2">
-                  <c:v>3</c:v>
+                  <c:v>3.0</c:v>
                 </c:pt>
                 <c:pt idx="3">
-                  <c:v>5</c:v>
+                  <c:v>5.0</c:v>
                 </c:pt>
               </c:numCache>
             </c:numRef>
           </c:val>
         </c:ser>
+        <c:dLbls>
+          <c:showLegendKey val="0"/>
+          <c:showVal val="0"/>
+          <c:showCatName val="0"/>
+          <c:showSerName val="0"/>
+          <c:showPercent val="0"/>
+          <c:showBubbleSize val="0"/>
+          <c:showLeaderLines val="1"/>
+        </c:dLbls>
         <c:firstSliceAng val="0"/>
       </c:pieChart>
       <c:spPr>
@@ -716,7 +773,7 @@
     </c:plotArea>
     <c:legend>
       <c:legendPos val="t"/>
-      <c:layout/>
+      <c:overlay val="0"/>
       <c:spPr>
         <a:ln>
           <a:noFill/>
@@ -725,6 +782,7 @@
     </c:legend>
     <c:plotVisOnly val="1"/>
     <c:dispBlanksAs val="zero"/>
+    <c:showDLblsOverMax val="0"/>
   </c:chart>
   <c:spPr>
     <a:ln>
@@ -744,7 +802,9 @@
       <a:endParaRPr lang="en-US"/>
     </a:p>
   </c:txPr>
-  <c:externalData r:id="rId2"/>
+  <c:externalData r:id="rId2">
+    <c:autoUpdate val="0"/>
+  </c:externalData>
 </c:chartSpace>
 </file>
 
@@ -837,7 +897,7 @@
                 <a:cs typeface="Arial" pitchFamily="34" charset="0"/>
               </a:rPr>
               <a:pPr/>
-              <a:t>15/02/2014</a:t>
+              <a:t>2/16/14</a:t>
             </a:fld>
             <a:endParaRPr lang="en-GB" sz="800" dirty="0">
               <a:latin typeface="Arial" pitchFamily="34" charset="0"/>
@@ -946,7 +1006,7 @@
     </p:spTree>
     <p:extLst>
       <p:ext uri="{BB962C8B-B14F-4D97-AF65-F5344CB8AC3E}">
-        <p14:creationId xmlns="" xmlns:p14="http://schemas.microsoft.com/office/powerpoint/2010/main" val="3319920937"/>
+        <p14:creationId xmlns:p14="http://schemas.microsoft.com/office/powerpoint/2010/main" val="3319920937"/>
       </p:ext>
     </p:extLst>
   </p:cSld>
@@ -1043,7 +1103,7 @@
             <a:fld id="{FA175E2C-59E1-4EF1-A36A-FD7E50E71E80}" type="datetimeFigureOut">
               <a:rPr lang="en-GB" smtClean="0"/>
               <a:pPr/>
-              <a:t>15/02/2014</a:t>
+              <a:t>2/16/14</a:t>
             </a:fld>
             <a:endParaRPr lang="en-GB" dirty="0"/>
           </a:p>
@@ -1222,7 +1282,7 @@
     </p:spTree>
     <p:extLst>
       <p:ext uri="{BB962C8B-B14F-4D97-AF65-F5344CB8AC3E}">
-        <p14:creationId xmlns="" xmlns:p14="http://schemas.microsoft.com/office/powerpoint/2010/main" val="2500505524"/>
+        <p14:creationId xmlns:p14="http://schemas.microsoft.com/office/powerpoint/2010/main" val="2500505524"/>
       </p:ext>
     </p:extLst>
   </p:cSld>
@@ -1409,7 +1469,7 @@
     </p:spTree>
     <p:extLst>
       <p:ext uri="{BB962C8B-B14F-4D97-AF65-F5344CB8AC3E}">
-        <p14:creationId xmlns="" xmlns:p14="http://schemas.microsoft.com/office/powerpoint/2010/main" val="2376658476"/>
+        <p14:creationId xmlns:p14="http://schemas.microsoft.com/office/powerpoint/2010/main" val="2376658476"/>
       </p:ext>
     </p:extLst>
   </p:cSld>
@@ -1854,6 +1914,93 @@
 </p:notes>
 </file>
 
+<file path=ppt/notesSlides/notesSlide15.xml><?xml version="1.0" encoding="utf-8"?>
+<p:notes xmlns:a="http://schemas.openxmlformats.org/drawingml/2006/main" xmlns:r="http://schemas.openxmlformats.org/officeDocument/2006/relationships" xmlns:p="http://schemas.openxmlformats.org/presentationml/2006/main">
+  <p:cSld>
+    <p:spTree>
+      <p:nvGrpSpPr>
+        <p:cNvPr id="1" name=""/>
+        <p:cNvGrpSpPr/>
+        <p:nvPr/>
+      </p:nvGrpSpPr>
+      <p:grpSpPr>
+        <a:xfrm>
+          <a:off x="0" y="0"/>
+          <a:ext cx="0" cy="0"/>
+          <a:chOff x="0" y="0"/>
+          <a:chExt cx="0" cy="0"/>
+        </a:xfrm>
+      </p:grpSpPr>
+      <p:sp>
+        <p:nvSpPr>
+          <p:cNvPr id="2" name="Slide Image Placeholder 1"/>
+          <p:cNvSpPr>
+            <a:spLocks noGrp="1" noRot="1" noChangeAspect="1"/>
+          </p:cNvSpPr>
+          <p:nvPr>
+            <p:ph type="sldImg"/>
+          </p:nvPr>
+        </p:nvSpPr>
+        <p:spPr>
+          <a:xfrm>
+            <a:off x="534988" y="611188"/>
+            <a:ext cx="4321175" cy="3240087"/>
+          </a:xfrm>
+        </p:spPr>
+      </p:sp>
+      <p:sp>
+        <p:nvSpPr>
+          <p:cNvPr id="3" name="Notes Placeholder 2"/>
+          <p:cNvSpPr>
+            <a:spLocks noGrp="1"/>
+          </p:cNvSpPr>
+          <p:nvPr>
+            <p:ph type="body" idx="1"/>
+          </p:nvPr>
+        </p:nvSpPr>
+        <p:spPr/>
+        <p:txBody>
+          <a:bodyPr>
+            <a:normAutofit/>
+          </a:bodyPr>
+          <a:lstStyle/>
+          <a:p>
+            <a:endParaRPr lang="nl-NL"/>
+          </a:p>
+        </p:txBody>
+      </p:sp>
+      <p:sp>
+        <p:nvSpPr>
+          <p:cNvPr id="4" name="Slide Number Placeholder 3"/>
+          <p:cNvSpPr>
+            <a:spLocks noGrp="1"/>
+          </p:cNvSpPr>
+          <p:nvPr>
+            <p:ph type="sldNum" sz="quarter" idx="10"/>
+          </p:nvPr>
+        </p:nvSpPr>
+        <p:spPr/>
+        <p:txBody>
+          <a:bodyPr/>
+          <a:lstStyle/>
+          <a:p>
+            <a:fld id="{66A9D088-043F-49E2-A77E-8480DA715595}" type="slidenum">
+              <a:rPr lang="en-GB" smtClean="0"/>
+              <a:pPr/>
+              <a:t>15</a:t>
+            </a:fld>
+            <a:endParaRPr lang="en-GB" dirty="0"/>
+          </a:p>
+        </p:txBody>
+      </p:sp>
+    </p:spTree>
+  </p:cSld>
+  <p:clrMapOvr>
+    <a:masterClrMapping/>
+  </p:clrMapOvr>
+</p:notes>
+</file>
+
 <file path=ppt/notesSlides/notesSlide2.xml><?xml version="1.0" encoding="utf-8"?>
 <p:notes xmlns:a="http://schemas.openxmlformats.org/drawingml/2006/main" xmlns:r="http://schemas.openxmlformats.org/officeDocument/2006/relationships" xmlns:p="http://schemas.openxmlformats.org/presentationml/2006/main">
   <p:cSld>
@@ -2553,11 +2700,6 @@
 <file path=ppt/slideLayouts/slideLayout1.xml><?xml version="1.0" encoding="utf-8"?>
 <p:sldLayout xmlns:a="http://schemas.openxmlformats.org/drawingml/2006/main" xmlns:r="http://schemas.openxmlformats.org/officeDocument/2006/relationships" xmlns:p="http://schemas.openxmlformats.org/presentationml/2006/main" showMasterSp="0" type="title" preserve="1">
   <p:cSld name="Title Slide">
-    <p:bg>
-      <p:bgRef idx="1003">
-        <a:schemeClr val="bg2"/>
-      </p:bgRef>
-    </p:bg>
     <p:spTree>
       <p:nvGrpSpPr>
         <p:cNvPr id="1" name=""/>
@@ -2572,58 +2714,275 @@
           <a:chExt cx="0" cy="0"/>
         </a:xfrm>
       </p:grpSpPr>
-      <p:pic>
-        <p:nvPicPr>
-          <p:cNvPr id="7" name="Picture 6" descr="CoverOverlay.png"/>
-          <p:cNvPicPr>
-            <a:picLocks noChangeAspect="1"/>
-          </p:cNvPicPr>
+      <p:sp>
+        <p:nvSpPr>
+          <p:cNvPr id="7" name="Rectangle 6"/>
+          <p:cNvSpPr/>
           <p:nvPr/>
-        </p:nvPicPr>
-        <p:blipFill>
-          <a:blip r:embed="rId2" cstate="print"/>
-          <a:stretch>
-            <a:fillRect/>
-          </a:stretch>
-        </p:blipFill>
+        </p:nvSpPr>
         <p:spPr>
           <a:xfrm>
-            <a:off x="0" y="0"/>
-            <a:ext cx="9144000" cy="6858000"/>
+            <a:off x="1328166" y="1295400"/>
+            <a:ext cx="6487668" cy="3152887"/>
           </a:xfrm>
           <a:prstGeom prst="rect">
             <a:avLst/>
           </a:prstGeom>
+          <a:ln w="3175">
+            <a:solidFill>
+              <a:schemeClr val="bg1"/>
+            </a:solidFill>
+          </a:ln>
+          <a:effectLst>
+            <a:outerShdw blurRad="63500" sx="100500" sy="100500" algn="ctr" rotWithShape="0">
+              <a:prstClr val="black">
+                <a:alpha val="50000"/>
+              </a:prstClr>
+            </a:outerShdw>
+          </a:effectLst>
         </p:spPr>
-      </p:pic>
-      <p:sp>
-        <p:nvSpPr>
-          <p:cNvPr id="4" name="Date Placeholder 3"/>
-          <p:cNvSpPr>
-            <a:spLocks noGrp="1"/>
-          </p:cNvSpPr>
-          <p:nvPr>
-            <p:ph type="dt" sz="half" idx="10"/>
-          </p:nvPr>
-        </p:nvSpPr>
-        <p:spPr/>
-        <p:txBody>
-          <a:bodyPr/>
+        <p:txBody>
+          <a:bodyPr vert="horz" lIns="91440" tIns="45720" rIns="91440" bIns="45720" rtlCol="0">
+            <a:normAutofit/>
+          </a:bodyPr>
+          <a:lstStyle/>
+          <a:p>
+            <a:pPr marL="0" indent="0" algn="l" defTabSz="914400" rtl="0" eaLnBrk="1" latinLnBrk="0" hangingPunct="1">
+              <a:spcBef>
+                <a:spcPts val="2000"/>
+              </a:spcBef>
+              <a:buClr>
+                <a:schemeClr val="accent1">
+                  <a:lumMod val="60000"/>
+                  <a:lumOff val="40000"/>
+                </a:schemeClr>
+              </a:buClr>
+              <a:buSzPct val="110000"/>
+              <a:buFont typeface="Wingdings 2" pitchFamily="18" charset="2"/>
+              <a:buNone/>
+            </a:pPr>
+            <a:endParaRPr sz="3200" kern="1200">
+              <a:solidFill>
+                <a:schemeClr val="tx1">
+                  <a:lumMod val="65000"/>
+                  <a:lumOff val="35000"/>
+                </a:schemeClr>
+              </a:solidFill>
+              <a:latin typeface="+mn-lt"/>
+              <a:ea typeface="+mn-ea"/>
+              <a:cs typeface="+mn-cs"/>
+            </a:endParaRPr>
+          </a:p>
+        </p:txBody>
+      </p:sp>
+      <p:sp>
+        <p:nvSpPr>
+          <p:cNvPr id="2" name="Title 1"/>
+          <p:cNvSpPr>
+            <a:spLocks noGrp="1"/>
+          </p:cNvSpPr>
+          <p:nvPr>
+            <p:ph type="ctrTitle"/>
+          </p:nvPr>
+        </p:nvSpPr>
+        <p:spPr>
+          <a:xfrm>
+            <a:off x="1322921" y="1523999"/>
+            <a:ext cx="6498158" cy="1724867"/>
+          </a:xfrm>
+        </p:spPr>
+        <p:txBody>
+          <a:bodyPr vert="horz" lIns="91440" tIns="45720" rIns="91440" bIns="45720" rtlCol="0" anchor="b" anchorCtr="0">
+            <a:noAutofit/>
+          </a:bodyPr>
           <a:lstStyle>
-            <a:lvl1pPr>
-              <a:defRPr>
+            <a:lvl1pPr marL="0" indent="0" algn="ctr" defTabSz="914400" rtl="0" eaLnBrk="1" latinLnBrk="0" hangingPunct="1">
+              <a:spcBef>
+                <a:spcPct val="0"/>
+              </a:spcBef>
+              <a:buClr>
+                <a:schemeClr val="accent1">
+                  <a:lumMod val="60000"/>
+                  <a:lumOff val="40000"/>
+                </a:schemeClr>
+              </a:buClr>
+              <a:buSzPct val="110000"/>
+              <a:buFont typeface="Wingdings 2" pitchFamily="18" charset="2"/>
+              <a:buNone/>
+              <a:defRPr sz="4600" kern="1200">
                 <a:solidFill>
-                  <a:schemeClr val="tx2"/>
+                  <a:schemeClr val="accent1"/>
                 </a:solidFill>
+                <a:latin typeface="+mj-lt"/>
+                <a:ea typeface="+mj-ea"/>
+                <a:cs typeface="+mj-cs"/>
               </a:defRPr>
             </a:lvl1pPr>
           </a:lstStyle>
+          <a:p>
+            <a:r>
+              <a:rPr lang="x-none" smtClean="0"/>
+              <a:t>Click to edit Master title style</a:t>
+            </a:r>
+            <a:endParaRPr/>
+          </a:p>
+        </p:txBody>
+      </p:sp>
+      <p:sp>
+        <p:nvSpPr>
+          <p:cNvPr id="3" name="Subtitle 2"/>
+          <p:cNvSpPr>
+            <a:spLocks noGrp="1"/>
+          </p:cNvSpPr>
+          <p:nvPr>
+            <p:ph type="subTitle" idx="1"/>
+          </p:nvPr>
+        </p:nvSpPr>
+        <p:spPr>
+          <a:xfrm>
+            <a:off x="1322921" y="3299012"/>
+            <a:ext cx="6498159" cy="916641"/>
+          </a:xfrm>
+        </p:spPr>
+        <p:txBody>
+          <a:bodyPr vert="horz" lIns="91440" tIns="45720" rIns="91440" bIns="45720" rtlCol="0">
+            <a:normAutofit/>
+          </a:bodyPr>
+          <a:lstStyle>
+            <a:lvl1pPr marL="0" indent="0" algn="ctr" defTabSz="914400" rtl="0" eaLnBrk="1" latinLnBrk="0" hangingPunct="1">
+              <a:spcBef>
+                <a:spcPts val="300"/>
+              </a:spcBef>
+              <a:buClr>
+                <a:schemeClr val="accent1">
+                  <a:lumMod val="60000"/>
+                  <a:lumOff val="40000"/>
+                </a:schemeClr>
+              </a:buClr>
+              <a:buSzPct val="110000"/>
+              <a:buFont typeface="Wingdings 2" pitchFamily="18" charset="2"/>
+              <a:buNone/>
+              <a:defRPr sz="1800" kern="1200">
+                <a:solidFill>
+                  <a:schemeClr val="tx1">
+                    <a:tint val="75000"/>
+                  </a:schemeClr>
+                </a:solidFill>
+                <a:latin typeface="+mn-lt"/>
+                <a:ea typeface="+mn-ea"/>
+                <a:cs typeface="+mn-cs"/>
+              </a:defRPr>
+            </a:lvl1pPr>
+            <a:lvl2pPr marL="457200" indent="0" algn="ctr">
+              <a:buNone/>
+              <a:defRPr>
+                <a:solidFill>
+                  <a:schemeClr val="tx1">
+                    <a:tint val="75000"/>
+                  </a:schemeClr>
+                </a:solidFill>
+              </a:defRPr>
+            </a:lvl2pPr>
+            <a:lvl3pPr marL="914400" indent="0" algn="ctr">
+              <a:buNone/>
+              <a:defRPr>
+                <a:solidFill>
+                  <a:schemeClr val="tx1">
+                    <a:tint val="75000"/>
+                  </a:schemeClr>
+                </a:solidFill>
+              </a:defRPr>
+            </a:lvl3pPr>
+            <a:lvl4pPr marL="1371600" indent="0" algn="ctr">
+              <a:buNone/>
+              <a:defRPr>
+                <a:solidFill>
+                  <a:schemeClr val="tx1">
+                    <a:tint val="75000"/>
+                  </a:schemeClr>
+                </a:solidFill>
+              </a:defRPr>
+            </a:lvl4pPr>
+            <a:lvl5pPr marL="1828800" indent="0" algn="ctr">
+              <a:buNone/>
+              <a:defRPr>
+                <a:solidFill>
+                  <a:schemeClr val="tx1">
+                    <a:tint val="75000"/>
+                  </a:schemeClr>
+                </a:solidFill>
+              </a:defRPr>
+            </a:lvl5pPr>
+            <a:lvl6pPr marL="2286000" indent="0" algn="ctr">
+              <a:buNone/>
+              <a:defRPr>
+                <a:solidFill>
+                  <a:schemeClr val="tx1">
+                    <a:tint val="75000"/>
+                  </a:schemeClr>
+                </a:solidFill>
+              </a:defRPr>
+            </a:lvl6pPr>
+            <a:lvl7pPr marL="2743200" indent="0" algn="ctr">
+              <a:buNone/>
+              <a:defRPr>
+                <a:solidFill>
+                  <a:schemeClr val="tx1">
+                    <a:tint val="75000"/>
+                  </a:schemeClr>
+                </a:solidFill>
+              </a:defRPr>
+            </a:lvl7pPr>
+            <a:lvl8pPr marL="3200400" indent="0" algn="ctr">
+              <a:buNone/>
+              <a:defRPr>
+                <a:solidFill>
+                  <a:schemeClr val="tx1">
+                    <a:tint val="75000"/>
+                  </a:schemeClr>
+                </a:solidFill>
+              </a:defRPr>
+            </a:lvl8pPr>
+            <a:lvl9pPr marL="3657600" indent="0" algn="ctr">
+              <a:buNone/>
+              <a:defRPr>
+                <a:solidFill>
+                  <a:schemeClr val="tx1">
+                    <a:tint val="75000"/>
+                  </a:schemeClr>
+                </a:solidFill>
+              </a:defRPr>
+            </a:lvl9pPr>
+          </a:lstStyle>
+          <a:p>
+            <a:r>
+              <a:rPr lang="x-none" smtClean="0"/>
+              <a:t>Click to edit Master subtitle style</a:t>
+            </a:r>
+            <a:endParaRPr dirty="0"/>
+          </a:p>
+        </p:txBody>
+      </p:sp>
+      <p:sp>
+        <p:nvSpPr>
+          <p:cNvPr id="4" name="Date Placeholder 3"/>
+          <p:cNvSpPr>
+            <a:spLocks noGrp="1"/>
+          </p:cNvSpPr>
+          <p:nvPr>
+            <p:ph type="dt" sz="half" idx="10"/>
+          </p:nvPr>
+        </p:nvSpPr>
+        <p:spPr/>
+        <p:txBody>
+          <a:bodyPr/>
+          <a:lstStyle/>
           <a:p>
             <a:pPr eaLnBrk="1" latinLnBrk="0" hangingPunct="1"/>
             <a:fld id="{9D21D778-B565-4D7E-94D7-64010A445B68}" type="datetimeFigureOut">
               <a:rPr lang="en-US" smtClean="0"/>
               <a:pPr eaLnBrk="1" latinLnBrk="0" hangingPunct="1"/>
-              <a:t>2/15/2014</a:t>
+              <a:t>2/16/14</a:t>
             </a:fld>
             <a:endParaRPr lang="en-US"/>
           </a:p>
@@ -2642,15 +3001,7 @@
         <p:spPr/>
         <p:txBody>
           <a:bodyPr/>
-          <a:lstStyle>
-            <a:lvl1pPr>
-              <a:defRPr>
-                <a:solidFill>
-                  <a:schemeClr val="tx2"/>
-                </a:solidFill>
-              </a:defRPr>
-            </a:lvl1pPr>
-          </a:lstStyle>
+          <a:lstStyle/>
           <a:p>
             <a:pPr algn="r" eaLnBrk="0" fontAlgn="base" hangingPunct="0">
               <a:spcBef>
@@ -2677,15 +3028,211 @@
         <p:spPr/>
         <p:txBody>
           <a:bodyPr/>
+          <a:lstStyle/>
+          <a:p>
+            <a:fld id="{5744759D-0EFF-4FB2-9CCE-04E00944F0FE}" type="slidenum">
+              <a:rPr lang="en-US" smtClean="0"/>
+              <a:pPr/>
+              <a:t>‹#›</a:t>
+            </a:fld>
+            <a:endParaRPr lang="en-US" dirty="0"/>
+          </a:p>
+        </p:txBody>
+      </p:sp>
+    </p:spTree>
+  </p:cSld>
+  <p:clrMapOvr>
+    <a:masterClrMapping/>
+  </p:clrMapOvr>
+  <p:hf hdr="0" dt="0"/>
+</p:sldLayout>
+</file>
+
+<file path=ppt/slideLayouts/slideLayout10.xml><?xml version="1.0" encoding="utf-8"?>
+<p:sldLayout xmlns:a="http://schemas.openxmlformats.org/drawingml/2006/main" xmlns:r="http://schemas.openxmlformats.org/officeDocument/2006/relationships" xmlns:p="http://schemas.openxmlformats.org/presentationml/2006/main" showMasterSp="0" preserve="1">
+  <p:cSld name="Picture with Caption">
+    <p:spTree>
+      <p:nvGrpSpPr>
+        <p:cNvPr id="1" name=""/>
+        <p:cNvGrpSpPr/>
+        <p:nvPr/>
+      </p:nvGrpSpPr>
+      <p:grpSpPr>
+        <a:xfrm>
+          <a:off x="0" y="0"/>
+          <a:ext cx="0" cy="0"/>
+          <a:chOff x="0" y="0"/>
+          <a:chExt cx="0" cy="0"/>
+        </a:xfrm>
+      </p:grpSpPr>
+      <p:sp>
+        <p:nvSpPr>
+          <p:cNvPr id="2" name="Title 1"/>
+          <p:cNvSpPr>
+            <a:spLocks noGrp="1"/>
+          </p:cNvSpPr>
+          <p:nvPr>
+            <p:ph type="title"/>
+          </p:nvPr>
+        </p:nvSpPr>
+        <p:spPr>
+          <a:xfrm>
+            <a:off x="533398" y="611872"/>
+            <a:ext cx="4079545" cy="1162050"/>
+          </a:xfrm>
+        </p:spPr>
+        <p:txBody>
+          <a:bodyPr anchor="b"/>
           <a:lstStyle>
-            <a:lvl1pPr>
-              <a:defRPr>
-                <a:solidFill>
-                  <a:schemeClr val="tx2"/>
-                </a:solidFill>
-              </a:defRPr>
+            <a:lvl1pPr algn="ctr">
+              <a:defRPr sz="3600" b="0"/>
             </a:lvl1pPr>
           </a:lstStyle>
+          <a:p>
+            <a:r>
+              <a:rPr lang="x-none" smtClean="0"/>
+              <a:t>Click to edit Master title style</a:t>
+            </a:r>
+            <a:endParaRPr/>
+          </a:p>
+        </p:txBody>
+      </p:sp>
+      <p:sp>
+        <p:nvSpPr>
+          <p:cNvPr id="4" name="Text Placeholder 3"/>
+          <p:cNvSpPr>
+            <a:spLocks noGrp="1"/>
+          </p:cNvSpPr>
+          <p:nvPr>
+            <p:ph type="body" sz="half" idx="2"/>
+          </p:nvPr>
+        </p:nvSpPr>
+        <p:spPr>
+          <a:xfrm>
+            <a:off x="533398" y="1787856"/>
+            <a:ext cx="4079545" cy="3720152"/>
+          </a:xfrm>
+        </p:spPr>
+        <p:txBody>
+          <a:bodyPr>
+            <a:normAutofit/>
+          </a:bodyPr>
+          <a:lstStyle>
+            <a:lvl1pPr marL="0" indent="0" algn="ctr">
+              <a:spcBef>
+                <a:spcPts val="600"/>
+              </a:spcBef>
+              <a:buNone/>
+              <a:defRPr sz="1800"/>
+            </a:lvl1pPr>
+            <a:lvl2pPr marL="457200" indent="0">
+              <a:buNone/>
+              <a:defRPr sz="1200"/>
+            </a:lvl2pPr>
+            <a:lvl3pPr marL="914400" indent="0">
+              <a:buNone/>
+              <a:defRPr sz="1000"/>
+            </a:lvl3pPr>
+            <a:lvl4pPr marL="1371600" indent="0">
+              <a:buNone/>
+              <a:defRPr sz="900"/>
+            </a:lvl4pPr>
+            <a:lvl5pPr marL="1828800" indent="0">
+              <a:buNone/>
+              <a:defRPr sz="900"/>
+            </a:lvl5pPr>
+            <a:lvl6pPr marL="2286000" indent="0">
+              <a:buNone/>
+              <a:defRPr sz="900"/>
+            </a:lvl6pPr>
+            <a:lvl7pPr marL="2743200" indent="0">
+              <a:buNone/>
+              <a:defRPr sz="900"/>
+            </a:lvl7pPr>
+            <a:lvl8pPr marL="3200400" indent="0">
+              <a:buNone/>
+              <a:defRPr sz="900"/>
+            </a:lvl8pPr>
+            <a:lvl9pPr marL="3657600" indent="0">
+              <a:buNone/>
+              <a:defRPr sz="900"/>
+            </a:lvl9pPr>
+          </a:lstStyle>
+          <a:p>
+            <a:pPr lvl="0"/>
+            <a:r>
+              <a:rPr lang="x-none" smtClean="0"/>
+              <a:t>Click to edit Master text styles</a:t>
+            </a:r>
+          </a:p>
+        </p:txBody>
+      </p:sp>
+      <p:sp>
+        <p:nvSpPr>
+          <p:cNvPr id="5" name="Date Placeholder 4"/>
+          <p:cNvSpPr>
+            <a:spLocks noGrp="1"/>
+          </p:cNvSpPr>
+          <p:nvPr>
+            <p:ph type="dt" sz="half" idx="10"/>
+          </p:nvPr>
+        </p:nvSpPr>
+        <p:spPr/>
+        <p:txBody>
+          <a:bodyPr/>
+          <a:lstStyle/>
+          <a:p>
+            <a:pPr eaLnBrk="1" latinLnBrk="0" hangingPunct="1"/>
+            <a:fld id="{9D21D778-B565-4D7E-94D7-64010A445B68}" type="datetimeFigureOut">
+              <a:rPr lang="en-US" smtClean="0"/>
+              <a:pPr eaLnBrk="1" latinLnBrk="0" hangingPunct="1"/>
+              <a:t>2/16/14</a:t>
+            </a:fld>
+            <a:endParaRPr lang="en-US" dirty="0"/>
+          </a:p>
+        </p:txBody>
+      </p:sp>
+      <p:sp>
+        <p:nvSpPr>
+          <p:cNvPr id="6" name="Footer Placeholder 5"/>
+          <p:cNvSpPr>
+            <a:spLocks noGrp="1"/>
+          </p:cNvSpPr>
+          <p:nvPr>
+            <p:ph type="ftr" sz="quarter" idx="11"/>
+          </p:nvPr>
+        </p:nvSpPr>
+        <p:spPr/>
+        <p:txBody>
+          <a:bodyPr/>
+          <a:lstStyle/>
+          <a:p>
+            <a:pPr algn="r" eaLnBrk="0" fontAlgn="base" hangingPunct="0">
+              <a:spcBef>
+                <a:spcPct val="0"/>
+              </a:spcBef>
+              <a:spcAft>
+                <a:spcPct val="0"/>
+              </a:spcAft>
+            </a:pPr>
+            <a:endParaRPr lang="en-GB" dirty="0"/>
+          </a:p>
+        </p:txBody>
+      </p:sp>
+      <p:sp>
+        <p:nvSpPr>
+          <p:cNvPr id="7" name="Slide Number Placeholder 6"/>
+          <p:cNvSpPr>
+            <a:spLocks noGrp="1"/>
+          </p:cNvSpPr>
+          <p:nvPr>
+            <p:ph type="sldNum" sz="quarter" idx="12"/>
+          </p:nvPr>
+        </p:nvSpPr>
+        <p:spPr/>
+        <p:txBody>
+          <a:bodyPr/>
+          <a:lstStyle/>
           <a:p>
             <a:fld id="{EF789A81-9B9B-445C-8A60-F916862B4649}" type="slidenum">
               <a:rPr lang="en-GB" smtClean="0"/>
@@ -2696,361 +3243,117 @@
           </a:p>
         </p:txBody>
       </p:sp>
-      <p:grpSp>
-        <p:nvGrpSpPr>
-          <p:cNvPr id="8" name="Group 7"/>
-          <p:cNvGrpSpPr/>
-          <p:nvPr/>
-        </p:nvGrpSpPr>
-        <p:grpSpPr>
+      <p:sp>
+        <p:nvSpPr>
+          <p:cNvPr id="8" name="Picture Placeholder 2"/>
+          <p:cNvSpPr>
+            <a:spLocks noGrp="1"/>
+          </p:cNvSpPr>
+          <p:nvPr>
+            <p:ph type="pic" idx="1"/>
+          </p:nvPr>
+        </p:nvSpPr>
+        <p:spPr>
           <a:xfrm>
-            <a:off x="1194101" y="2887530"/>
-            <a:ext cx="6779110" cy="923330"/>
-            <a:chOff x="1172584" y="1381459"/>
-            <a:chExt cx="6779110" cy="923330"/>
+            <a:off x="5090617" y="359392"/>
+            <a:ext cx="3657600" cy="5318077"/>
           </a:xfrm>
+          <a:ln w="3175">
+            <a:solidFill>
+              <a:schemeClr val="bg1"/>
+            </a:solidFill>
+          </a:ln>
           <a:effectLst>
-            <a:outerShdw blurRad="38100" dist="12700" dir="16200000" rotWithShape="0">
+            <a:outerShdw blurRad="63500" sx="100500" sy="100500" algn="ctr" rotWithShape="0">
               <a:prstClr val="black">
-                <a:alpha val="30000"/>
+                <a:alpha val="50000"/>
               </a:prstClr>
             </a:outerShdw>
           </a:effectLst>
-        </p:grpSpPr>
-        <p:sp>
-          <p:nvSpPr>
-            <p:cNvPr id="9" name="TextBox 8"/>
-            <p:cNvSpPr txBox="1"/>
-            <p:nvPr/>
-          </p:nvSpPr>
-          <p:spPr>
-            <a:xfrm>
-              <a:off x="4147073" y="1381459"/>
-              <a:ext cx="877163" cy="923330"/>
-            </a:xfrm>
-            <a:prstGeom prst="rect">
-              <a:avLst/>
-            </a:prstGeom>
-            <a:noFill/>
-          </p:spPr>
-          <p:txBody>
-            <a:bodyPr wrap="none" rtlCol="0">
-              <a:spAutoFit/>
-            </a:bodyPr>
-            <a:lstStyle/>
-            <a:p>
-              <a:r>
-                <a:rPr lang="en-US" sz="5400" dirty="0" smtClean="0">
-                  <a:ln w="3175">
-                    <a:solidFill>
-                      <a:schemeClr val="tx2">
-                        <a:alpha val="60000"/>
-                      </a:schemeClr>
-                    </a:solidFill>
-                  </a:ln>
-                  <a:solidFill>
-                    <a:schemeClr val="tx2">
-                      <a:lumMod val="90000"/>
-                    </a:schemeClr>
-                  </a:solidFill>
-                  <a:effectLst>
-                    <a:outerShdw blurRad="34925" dist="12700" dir="14400000" algn="ctr" rotWithShape="0">
-                      <a:srgbClr val="000000">
-                        <a:alpha val="21000"/>
-                      </a:srgbClr>
-                    </a:outerShdw>
-                  </a:effectLst>
-                  <a:latin typeface="Wingdings" pitchFamily="2" charset="2"/>
-                </a:rPr>
-                <a:t></a:t>
-              </a:r>
-              <a:endParaRPr lang="en-US" sz="5400" dirty="0">
-                <a:ln w="3175">
-                  <a:solidFill>
-                    <a:schemeClr val="tx2">
-                      <a:alpha val="60000"/>
-                    </a:schemeClr>
-                  </a:solidFill>
-                </a:ln>
+        </p:spPr>
+        <p:txBody>
+          <a:bodyPr vert="horz" lIns="91440" tIns="45720" rIns="91440" bIns="45720" rtlCol="0">
+            <a:normAutofit/>
+          </a:bodyPr>
+          <a:lstStyle>
+            <a:lvl1pPr marL="0" indent="0" algn="l" defTabSz="914400" rtl="0" eaLnBrk="1" latinLnBrk="0" hangingPunct="1">
+              <a:spcBef>
+                <a:spcPts val="2000"/>
+              </a:spcBef>
+              <a:buClr>
+                <a:schemeClr val="accent1">
+                  <a:lumMod val="60000"/>
+                  <a:lumOff val="40000"/>
+                </a:schemeClr>
+              </a:buClr>
+              <a:buSzPct val="110000"/>
+              <a:buFont typeface="Wingdings 2" pitchFamily="18" charset="2"/>
+              <a:buNone/>
+              <a:defRPr sz="3200" kern="1200">
                 <a:solidFill>
-                  <a:schemeClr val="tx2">
-                    <a:lumMod val="90000"/>
+                  <a:schemeClr val="tx1">
+                    <a:lumMod val="65000"/>
+                    <a:lumOff val="35000"/>
                   </a:schemeClr>
                 </a:solidFill>
-                <a:effectLst>
-                  <a:outerShdw blurRad="34925" dist="12700" dir="14400000" algn="ctr" rotWithShape="0">
-                    <a:srgbClr val="000000">
-                      <a:alpha val="21000"/>
-                    </a:srgbClr>
-                  </a:outerShdw>
-                </a:effectLst>
-                <a:latin typeface="Wingdings" pitchFamily="2" charset="2"/>
-              </a:endParaRPr>
-            </a:p>
-          </p:txBody>
-        </p:sp>
-        <p:cxnSp>
-          <p:nvCxnSpPr>
-            <p:cNvPr id="10" name="Straight Connector 9"/>
-            <p:cNvCxnSpPr/>
-            <p:nvPr/>
-          </p:nvCxnSpPr>
-          <p:spPr>
-            <a:xfrm rot="10800000">
-              <a:off x="1172584" y="1925620"/>
-              <a:ext cx="3119718" cy="1588"/>
-            </a:xfrm>
-            <a:prstGeom prst="line">
-              <a:avLst/>
-            </a:prstGeom>
-            <a:ln>
-              <a:solidFill>
-                <a:schemeClr val="tx2">
-                  <a:lumMod val="90000"/>
-                </a:schemeClr>
-              </a:solidFill>
-            </a:ln>
-            <a:effectLst/>
-          </p:spPr>
-          <p:style>
-            <a:lnRef idx="1">
-              <a:schemeClr val="accent1"/>
-            </a:lnRef>
-            <a:fillRef idx="0">
-              <a:schemeClr val="accent1"/>
-            </a:fillRef>
-            <a:effectRef idx="0">
-              <a:schemeClr val="accent1"/>
-            </a:effectRef>
-            <a:fontRef idx="minor">
-              <a:schemeClr val="tx1"/>
-            </a:fontRef>
-          </p:style>
-        </p:cxnSp>
-        <p:cxnSp>
-          <p:nvCxnSpPr>
-            <p:cNvPr id="11" name="Straight Connector 10"/>
-            <p:cNvCxnSpPr/>
-            <p:nvPr/>
-          </p:nvCxnSpPr>
-          <p:spPr>
-            <a:xfrm rot="10800000">
-              <a:off x="4831976" y="1922930"/>
-              <a:ext cx="3119718" cy="1588"/>
-            </a:xfrm>
-            <a:prstGeom prst="line">
-              <a:avLst/>
-            </a:prstGeom>
-            <a:ln>
-              <a:solidFill>
-                <a:schemeClr val="tx2">
-                  <a:lumMod val="90000"/>
-                </a:schemeClr>
-              </a:solidFill>
-            </a:ln>
-            <a:effectLst/>
-          </p:spPr>
-          <p:style>
-            <a:lnRef idx="1">
-              <a:schemeClr val="accent1"/>
-            </a:lnRef>
-            <a:fillRef idx="0">
-              <a:schemeClr val="accent1"/>
-            </a:fillRef>
-            <a:effectRef idx="0">
-              <a:schemeClr val="accent1"/>
-            </a:effectRef>
-            <a:fontRef idx="minor">
-              <a:schemeClr val="tx1"/>
-            </a:fontRef>
-          </p:style>
-        </p:cxnSp>
-      </p:grpSp>
-      <p:sp>
-        <p:nvSpPr>
-          <p:cNvPr id="2" name="Title 1"/>
-          <p:cNvSpPr>
-            <a:spLocks noGrp="1"/>
-          </p:cNvSpPr>
-          <p:nvPr>
-            <p:ph type="ctrTitle"/>
-          </p:nvPr>
-        </p:nvSpPr>
-        <p:spPr>
-          <a:xfrm>
-            <a:off x="1183341" y="1387737"/>
-            <a:ext cx="6777318" cy="1731982"/>
-          </a:xfrm>
-        </p:spPr>
-        <p:txBody>
-          <a:bodyPr anchor="b"/>
-          <a:lstStyle>
-            <a:lvl1pPr>
-              <a:defRPr>
-                <a:ln w="3175">
-                  <a:solidFill>
-                    <a:schemeClr val="tx1">
-                      <a:alpha val="65000"/>
-                    </a:schemeClr>
-                  </a:solidFill>
-                </a:ln>
-                <a:solidFill>
-                  <a:schemeClr val="tx1"/>
-                </a:solidFill>
-                <a:effectLst>
-                  <a:outerShdw blurRad="25400" dist="12700" dir="14220000" rotWithShape="0">
-                    <a:prstClr val="black">
-                      <a:alpha val="50000"/>
-                    </a:prstClr>
-                  </a:outerShdw>
-                </a:effectLst>
+                <a:latin typeface="+mn-lt"/>
+                <a:ea typeface="+mn-ea"/>
+                <a:cs typeface="+mn-cs"/>
               </a:defRPr>
             </a:lvl1pPr>
-          </a:lstStyle>
-          <a:p>
-            <a:r>
-              <a:rPr lang="en-US" smtClean="0"/>
-              <a:t>Click to edit Master title style</a:t>
-            </a:r>
-            <a:endParaRPr lang="en-US" dirty="0"/>
-          </a:p>
-        </p:txBody>
-      </p:sp>
-      <p:sp>
-        <p:nvSpPr>
-          <p:cNvPr id="3" name="Subtitle 2"/>
-          <p:cNvSpPr>
-            <a:spLocks noGrp="1"/>
-          </p:cNvSpPr>
-          <p:nvPr>
-            <p:ph type="subTitle" idx="1"/>
-          </p:nvPr>
-        </p:nvSpPr>
-        <p:spPr>
-          <a:xfrm>
-            <a:off x="1371600" y="3767862"/>
-            <a:ext cx="6400800" cy="1752600"/>
-          </a:xfrm>
-        </p:spPr>
-        <p:txBody>
-          <a:bodyPr/>
-          <a:lstStyle>
-            <a:lvl1pPr marL="0" indent="0" algn="ctr">
-              <a:buNone/>
-              <a:defRPr>
-                <a:solidFill>
-                  <a:schemeClr val="tx1"/>
-                </a:solidFill>
-                <a:effectLst>
-                  <a:outerShdw blurRad="34925" dist="12700" dir="14400000" rotWithShape="0">
-                    <a:prstClr val="black">
-                      <a:alpha val="21000"/>
-                    </a:prstClr>
-                  </a:outerShdw>
-                </a:effectLst>
-              </a:defRPr>
-            </a:lvl1pPr>
-            <a:lvl2pPr marL="457200" indent="0" algn="ctr">
-              <a:buNone/>
-              <a:defRPr>
-                <a:solidFill>
-                  <a:schemeClr val="tx1">
-                    <a:tint val="75000"/>
-                  </a:schemeClr>
-                </a:solidFill>
-              </a:defRPr>
+            <a:lvl2pPr marL="457200" indent="0">
+              <a:buNone/>
+              <a:defRPr sz="2800"/>
             </a:lvl2pPr>
-            <a:lvl3pPr marL="914400" indent="0" algn="ctr">
-              <a:buNone/>
-              <a:defRPr>
-                <a:solidFill>
-                  <a:schemeClr val="tx1">
-                    <a:tint val="75000"/>
-                  </a:schemeClr>
-                </a:solidFill>
-              </a:defRPr>
+            <a:lvl3pPr marL="914400" indent="0">
+              <a:buNone/>
+              <a:defRPr sz="2400"/>
             </a:lvl3pPr>
-            <a:lvl4pPr marL="1371600" indent="0" algn="ctr">
-              <a:buNone/>
-              <a:defRPr>
-                <a:solidFill>
-                  <a:schemeClr val="tx1">
-                    <a:tint val="75000"/>
-                  </a:schemeClr>
-                </a:solidFill>
-              </a:defRPr>
+            <a:lvl4pPr marL="1371600" indent="0">
+              <a:buNone/>
+              <a:defRPr sz="2000"/>
             </a:lvl4pPr>
-            <a:lvl5pPr marL="1828800" indent="0" algn="ctr">
-              <a:buNone/>
-              <a:defRPr>
-                <a:solidFill>
-                  <a:schemeClr val="tx1">
-                    <a:tint val="75000"/>
-                  </a:schemeClr>
-                </a:solidFill>
-              </a:defRPr>
+            <a:lvl5pPr marL="1828800" indent="0">
+              <a:buNone/>
+              <a:defRPr sz="2000"/>
             </a:lvl5pPr>
-            <a:lvl6pPr marL="2286000" indent="0" algn="ctr">
-              <a:buNone/>
-              <a:defRPr>
-                <a:solidFill>
-                  <a:schemeClr val="tx1">
-                    <a:tint val="75000"/>
-                  </a:schemeClr>
-                </a:solidFill>
-              </a:defRPr>
+            <a:lvl6pPr marL="2286000" indent="0">
+              <a:buNone/>
+              <a:defRPr sz="2000"/>
             </a:lvl6pPr>
-            <a:lvl7pPr marL="2743200" indent="0" algn="ctr">
-              <a:buNone/>
-              <a:defRPr>
-                <a:solidFill>
-                  <a:schemeClr val="tx1">
-                    <a:tint val="75000"/>
-                  </a:schemeClr>
-                </a:solidFill>
-              </a:defRPr>
+            <a:lvl7pPr marL="2743200" indent="0">
+              <a:buNone/>
+              <a:defRPr sz="2000"/>
             </a:lvl7pPr>
-            <a:lvl8pPr marL="3200400" indent="0" algn="ctr">
-              <a:buNone/>
-              <a:defRPr>
-                <a:solidFill>
-                  <a:schemeClr val="tx1">
-                    <a:tint val="75000"/>
-                  </a:schemeClr>
-                </a:solidFill>
-              </a:defRPr>
+            <a:lvl8pPr marL="3200400" indent="0">
+              <a:buNone/>
+              <a:defRPr sz="2000"/>
             </a:lvl8pPr>
-            <a:lvl9pPr marL="3657600" indent="0" algn="ctr">
-              <a:buNone/>
-              <a:defRPr>
-                <a:solidFill>
-                  <a:schemeClr val="tx1">
-                    <a:tint val="75000"/>
-                  </a:schemeClr>
-                </a:solidFill>
-              </a:defRPr>
+            <a:lvl9pPr marL="3657600" indent="0">
+              <a:buNone/>
+              <a:defRPr sz="2000"/>
             </a:lvl9pPr>
           </a:lstStyle>
           <a:p>
             <a:r>
-              <a:rPr lang="en-US" smtClean="0"/>
-              <a:t>Click to edit Master subtitle style</a:t>
-            </a:r>
-            <a:endParaRPr lang="en-US" dirty="0"/>
+              <a:rPr lang="x-none" smtClean="0"/>
+              <a:t>Drag picture to placeholder or click icon to add</a:t>
+            </a:r>
+            <a:endParaRPr/>
           </a:p>
         </p:txBody>
       </p:sp>
     </p:spTree>
   </p:cSld>
   <p:clrMapOvr>
-    <a:overrideClrMapping bg1="dk1" tx1="lt1" bg2="dk2" tx2="lt2" accent1="accent1" accent2="accent2" accent3="accent3" accent4="accent4" accent5="accent5" accent6="accent6" hlink="hlink" folHlink="folHlink"/>
+    <a:masterClrMapping/>
   </p:clrMapOvr>
   <p:hf hdr="0" dt="0"/>
 </p:sldLayout>
 </file>
 
-<file path=ppt/slideLayouts/slideLayout10.xml><?xml version="1.0" encoding="utf-8"?>
-<p:sldLayout xmlns:a="http://schemas.openxmlformats.org/drawingml/2006/main" xmlns:r="http://schemas.openxmlformats.org/officeDocument/2006/relationships" xmlns:p="http://schemas.openxmlformats.org/presentationml/2006/main" type="vertTx" preserve="1">
+<file path=ppt/slideLayouts/slideLayout11.xml><?xml version="1.0" encoding="utf-8"?>
+<p:sldLayout xmlns:a="http://schemas.openxmlformats.org/drawingml/2006/main" xmlns:r="http://schemas.openxmlformats.org/officeDocument/2006/relationships" xmlns:p="http://schemas.openxmlformats.org/presentationml/2006/main" showMasterSp="0" type="vertTx" preserve="1">
   <p:cSld name="Title and Vertical Text">
     <p:spTree>
       <p:nvGrpSpPr>
@@ -3082,10 +3385,10 @@
           <a:lstStyle/>
           <a:p>
             <a:r>
-              <a:rPr lang="en-US" smtClean="0"/>
+              <a:rPr lang="x-none" smtClean="0"/>
               <a:t>Click to edit Master title style</a:t>
             </a:r>
-            <a:endParaRPr lang="en-US"/>
+            <a:endParaRPr/>
           </a:p>
         </p:txBody>
       </p:sp>
@@ -3101,43 +3404,47 @@
         </p:nvSpPr>
         <p:spPr/>
         <p:txBody>
-          <a:bodyPr vert="eaVert" anchor="ctr"/>
-          <a:lstStyle/>
+          <a:bodyPr vert="eaVert"/>
+          <a:lstStyle>
+            <a:lvl5pPr>
+              <a:defRPr/>
+            </a:lvl5pPr>
+          </a:lstStyle>
           <a:p>
             <a:pPr lvl="0"/>
             <a:r>
-              <a:rPr lang="en-US" smtClean="0"/>
+              <a:rPr lang="x-none" smtClean="0"/>
               <a:t>Click to edit Master text styles</a:t>
             </a:r>
           </a:p>
           <a:p>
             <a:pPr lvl="1"/>
             <a:r>
-              <a:rPr lang="en-US" smtClean="0"/>
+              <a:rPr lang="x-none" smtClean="0"/>
               <a:t>Second level</a:t>
             </a:r>
           </a:p>
           <a:p>
             <a:pPr lvl="2"/>
             <a:r>
-              <a:rPr lang="en-US" smtClean="0"/>
+              <a:rPr lang="x-none" smtClean="0"/>
               <a:t>Third level</a:t>
             </a:r>
           </a:p>
           <a:p>
             <a:pPr lvl="3"/>
             <a:r>
-              <a:rPr lang="en-US" smtClean="0"/>
+              <a:rPr lang="x-none" smtClean="0"/>
               <a:t>Fourth level</a:t>
             </a:r>
           </a:p>
           <a:p>
             <a:pPr lvl="4"/>
             <a:r>
-              <a:rPr lang="en-US" smtClean="0"/>
+              <a:rPr lang="x-none" smtClean="0"/>
               <a:t>Fifth level</a:t>
             </a:r>
-            <a:endParaRPr lang="en-US"/>
+            <a:endParaRPr dirty="0"/>
           </a:p>
         </p:txBody>
       </p:sp>
@@ -3160,7 +3467,7 @@
             <a:fld id="{9D21D778-B565-4D7E-94D7-64010A445B68}" type="datetimeFigureOut">
               <a:rPr lang="en-US" smtClean="0"/>
               <a:pPr eaLnBrk="1" latinLnBrk="0" hangingPunct="1"/>
-              <a:t>2/15/2014</a:t>
+              <a:t>2/16/14</a:t>
             </a:fld>
             <a:endParaRPr lang="en-US"/>
           </a:p>
@@ -3217,145 +3524,6 @@
           </a:p>
         </p:txBody>
       </p:sp>
-      <p:grpSp>
-        <p:nvGrpSpPr>
-          <p:cNvPr id="11" name="Group 10"/>
-          <p:cNvGrpSpPr/>
-          <p:nvPr/>
-        </p:nvGrpSpPr>
-        <p:grpSpPr>
-          <a:xfrm>
-            <a:off x="1172584" y="1392217"/>
-            <a:ext cx="6779110" cy="923330"/>
-            <a:chOff x="1172584" y="1381459"/>
-            <a:chExt cx="6779110" cy="923330"/>
-          </a:xfrm>
-        </p:grpSpPr>
-        <p:sp>
-          <p:nvSpPr>
-            <p:cNvPr id="15" name="TextBox 14"/>
-            <p:cNvSpPr txBox="1"/>
-            <p:nvPr/>
-          </p:nvSpPr>
-          <p:spPr>
-            <a:xfrm>
-              <a:off x="4147073" y="1381459"/>
-              <a:ext cx="877163" cy="923330"/>
-            </a:xfrm>
-            <a:prstGeom prst="rect">
-              <a:avLst/>
-            </a:prstGeom>
-            <a:noFill/>
-          </p:spPr>
-          <p:txBody>
-            <a:bodyPr wrap="none" rtlCol="0">
-              <a:spAutoFit/>
-            </a:bodyPr>
-            <a:lstStyle/>
-            <a:p>
-              <a:r>
-                <a:rPr lang="en-US" sz="5400" dirty="0" smtClean="0">
-                  <a:solidFill>
-                    <a:schemeClr val="tx2">
-                      <a:lumMod val="60000"/>
-                      <a:lumOff val="40000"/>
-                    </a:schemeClr>
-                  </a:solidFill>
-                  <a:latin typeface="Wingdings" pitchFamily="2" charset="2"/>
-                </a:rPr>
-                <a:t></a:t>
-              </a:r>
-              <a:endParaRPr lang="en-US" sz="5400" dirty="0">
-                <a:solidFill>
-                  <a:schemeClr val="tx2">
-                    <a:lumMod val="60000"/>
-                    <a:lumOff val="40000"/>
-                  </a:schemeClr>
-                </a:solidFill>
-                <a:latin typeface="Wingdings" pitchFamily="2" charset="2"/>
-              </a:endParaRPr>
-            </a:p>
-          </p:txBody>
-        </p:sp>
-        <p:cxnSp>
-          <p:nvCxnSpPr>
-            <p:cNvPr id="16" name="Straight Connector 15"/>
-            <p:cNvCxnSpPr/>
-            <p:nvPr/>
-          </p:nvCxnSpPr>
-          <p:spPr>
-            <a:xfrm rot="10800000">
-              <a:off x="1172584" y="1925620"/>
-              <a:ext cx="3119718" cy="1588"/>
-            </a:xfrm>
-            <a:prstGeom prst="line">
-              <a:avLst/>
-            </a:prstGeom>
-            <a:ln>
-              <a:solidFill>
-                <a:schemeClr val="tx2">
-                  <a:lumMod val="60000"/>
-                  <a:lumOff val="40000"/>
-                </a:schemeClr>
-              </a:solidFill>
-            </a:ln>
-            <a:effectLst/>
-          </p:spPr>
-          <p:style>
-            <a:lnRef idx="1">
-              <a:schemeClr val="accent1"/>
-            </a:lnRef>
-            <a:fillRef idx="0">
-              <a:schemeClr val="accent1"/>
-            </a:fillRef>
-            <a:effectRef idx="0">
-              <a:schemeClr val="accent1"/>
-            </a:effectRef>
-            <a:fontRef idx="minor">
-              <a:schemeClr val="tx1"/>
-            </a:fontRef>
-          </p:style>
-        </p:cxnSp>
-        <p:cxnSp>
-          <p:nvCxnSpPr>
-            <p:cNvPr id="17" name="Straight Connector 16"/>
-            <p:cNvCxnSpPr/>
-            <p:nvPr/>
-          </p:nvCxnSpPr>
-          <p:spPr>
-            <a:xfrm rot="10800000">
-              <a:off x="4831976" y="1922650"/>
-              <a:ext cx="3119718" cy="1588"/>
-            </a:xfrm>
-            <a:prstGeom prst="line">
-              <a:avLst/>
-            </a:prstGeom>
-            <a:ln>
-              <a:solidFill>
-                <a:schemeClr val="tx2">
-                  <a:lumMod val="60000"/>
-                  <a:lumOff val="40000"/>
-                </a:schemeClr>
-              </a:solidFill>
-            </a:ln>
-            <a:effectLst/>
-          </p:spPr>
-          <p:style>
-            <a:lnRef idx="1">
-              <a:schemeClr val="accent1"/>
-            </a:lnRef>
-            <a:fillRef idx="0">
-              <a:schemeClr val="accent1"/>
-            </a:fillRef>
-            <a:effectRef idx="0">
-              <a:schemeClr val="accent1"/>
-            </a:effectRef>
-            <a:fontRef idx="minor">
-              <a:schemeClr val="tx1"/>
-            </a:fontRef>
-          </p:style>
-        </p:cxnSp>
-      </p:grpSp>
     </p:spTree>
   </p:cSld>
   <p:clrMapOvr>
@@ -3365,8 +3533,8 @@
 </p:sldLayout>
 </file>
 
-<file path=ppt/slideLayouts/slideLayout11.xml><?xml version="1.0" encoding="utf-8"?>
-<p:sldLayout xmlns:a="http://schemas.openxmlformats.org/drawingml/2006/main" xmlns:r="http://schemas.openxmlformats.org/officeDocument/2006/relationships" xmlns:p="http://schemas.openxmlformats.org/presentationml/2006/main" type="vertTitleAndTx" preserve="1">
+<file path=ppt/slideLayouts/slideLayout12.xml><?xml version="1.0" encoding="utf-8"?>
+<p:sldLayout xmlns:a="http://schemas.openxmlformats.org/drawingml/2006/main" xmlns:r="http://schemas.openxmlformats.org/officeDocument/2006/relationships" xmlns:p="http://schemas.openxmlformats.org/presentationml/2006/main" showMasterSp="0" type="vertTitleAndTx" preserve="1">
   <p:cSld name="Vertical Title and Text">
     <p:spTree>
       <p:nvGrpSpPr>
@@ -3394,8 +3562,8 @@
         </p:nvSpPr>
         <p:spPr>
           <a:xfrm>
-            <a:off x="6766560" y="559398"/>
-            <a:ext cx="1678193" cy="5566765"/>
+            <a:off x="7369792" y="368301"/>
+            <a:ext cx="1524000" cy="5575300"/>
           </a:xfrm>
         </p:spPr>
         <p:txBody>
@@ -3403,10 +3571,10 @@
           <a:lstStyle/>
           <a:p>
             <a:r>
-              <a:rPr lang="en-US" smtClean="0"/>
+              <a:rPr lang="x-none" smtClean="0"/>
               <a:t>Click to edit Master title style</a:t>
             </a:r>
-            <a:endParaRPr lang="en-US" dirty="0"/>
+            <a:endParaRPr/>
           </a:p>
         </p:txBody>
       </p:sp>
@@ -3422,48 +3590,52 @@
         </p:nvSpPr>
         <p:spPr>
           <a:xfrm>
-            <a:off x="688488" y="849854"/>
-            <a:ext cx="5507917" cy="5023821"/>
+            <a:off x="549274" y="368301"/>
+            <a:ext cx="6689726" cy="5575300"/>
           </a:xfrm>
         </p:spPr>
         <p:txBody>
           <a:bodyPr vert="eaVert"/>
-          <a:lstStyle/>
+          <a:lstStyle>
+            <a:lvl5pPr>
+              <a:defRPr/>
+            </a:lvl5pPr>
+          </a:lstStyle>
           <a:p>
             <a:pPr lvl="0"/>
             <a:r>
-              <a:rPr lang="en-US" smtClean="0"/>
+              <a:rPr lang="x-none" smtClean="0"/>
               <a:t>Click to edit Master text styles</a:t>
             </a:r>
           </a:p>
           <a:p>
             <a:pPr lvl="1"/>
             <a:r>
-              <a:rPr lang="en-US" smtClean="0"/>
+              <a:rPr lang="x-none" smtClean="0"/>
               <a:t>Second level</a:t>
             </a:r>
           </a:p>
           <a:p>
             <a:pPr lvl="2"/>
             <a:r>
-              <a:rPr lang="en-US" smtClean="0"/>
+              <a:rPr lang="x-none" smtClean="0"/>
               <a:t>Third level</a:t>
             </a:r>
           </a:p>
           <a:p>
             <a:pPr lvl="3"/>
             <a:r>
-              <a:rPr lang="en-US" smtClean="0"/>
+              <a:rPr lang="x-none" smtClean="0"/>
               <a:t>Fourth level</a:t>
             </a:r>
           </a:p>
           <a:p>
             <a:pPr lvl="4"/>
             <a:r>
-              <a:rPr lang="en-US" smtClean="0"/>
+              <a:rPr lang="x-none" smtClean="0"/>
               <a:t>Fifth level</a:t>
             </a:r>
-            <a:endParaRPr lang="en-US"/>
+            <a:endParaRPr dirty="0"/>
           </a:p>
         </p:txBody>
       </p:sp>
@@ -3486,7 +3658,7 @@
             <a:fld id="{9D21D778-B565-4D7E-94D7-64010A445B68}" type="datetimeFigureOut">
               <a:rPr lang="en-US" smtClean="0"/>
               <a:pPr eaLnBrk="1" latinLnBrk="0" hangingPunct="1"/>
-              <a:t>2/15/2014</a:t>
+              <a:t>2/16/14</a:t>
             </a:fld>
             <a:endParaRPr lang="en-US"/>
           </a:p>
@@ -3543,145 +3715,6 @@
           </a:p>
         </p:txBody>
       </p:sp>
-      <p:grpSp>
-        <p:nvGrpSpPr>
-          <p:cNvPr id="11" name="Group 10"/>
-          <p:cNvGrpSpPr/>
-          <p:nvPr/>
-        </p:nvGrpSpPr>
-        <p:grpSpPr>
-          <a:xfrm rot="5400000">
-            <a:off x="3909050" y="2880823"/>
-            <a:ext cx="5480154" cy="923330"/>
-            <a:chOff x="1815339" y="1381459"/>
-            <a:chExt cx="5480154" cy="923330"/>
-          </a:xfrm>
-        </p:grpSpPr>
-        <p:sp>
-          <p:nvSpPr>
-            <p:cNvPr id="12" name="TextBox 11"/>
-            <p:cNvSpPr txBox="1"/>
-            <p:nvPr/>
-          </p:nvSpPr>
-          <p:spPr>
-            <a:xfrm>
-              <a:off x="4147073" y="1381459"/>
-              <a:ext cx="877163" cy="923330"/>
-            </a:xfrm>
-            <a:prstGeom prst="rect">
-              <a:avLst/>
-            </a:prstGeom>
-            <a:noFill/>
-          </p:spPr>
-          <p:txBody>
-            <a:bodyPr wrap="none" rtlCol="0">
-              <a:spAutoFit/>
-            </a:bodyPr>
-            <a:lstStyle/>
-            <a:p>
-              <a:r>
-                <a:rPr lang="en-US" sz="5400" dirty="0" smtClean="0">
-                  <a:solidFill>
-                    <a:schemeClr val="tx2">
-                      <a:lumMod val="60000"/>
-                      <a:lumOff val="40000"/>
-                    </a:schemeClr>
-                  </a:solidFill>
-                  <a:latin typeface="Wingdings" pitchFamily="2" charset="2"/>
-                </a:rPr>
-                <a:t></a:t>
-              </a:r>
-              <a:endParaRPr lang="en-US" sz="5400" dirty="0">
-                <a:solidFill>
-                  <a:schemeClr val="tx2">
-                    <a:lumMod val="60000"/>
-                    <a:lumOff val="40000"/>
-                  </a:schemeClr>
-                </a:solidFill>
-                <a:latin typeface="Wingdings" pitchFamily="2" charset="2"/>
-              </a:endParaRPr>
-            </a:p>
-          </p:txBody>
-        </p:sp>
-        <p:cxnSp>
-          <p:nvCxnSpPr>
-            <p:cNvPr id="13" name="Straight Connector 12"/>
-            <p:cNvCxnSpPr/>
-            <p:nvPr/>
-          </p:nvCxnSpPr>
-          <p:spPr>
-            <a:xfrm flipH="1" flipV="1">
-              <a:off x="1815339" y="1924709"/>
-              <a:ext cx="2468880" cy="2505"/>
-            </a:xfrm>
-            <a:prstGeom prst="line">
-              <a:avLst/>
-            </a:prstGeom>
-            <a:ln>
-              <a:solidFill>
-                <a:schemeClr val="tx2">
-                  <a:lumMod val="60000"/>
-                  <a:lumOff val="40000"/>
-                </a:schemeClr>
-              </a:solidFill>
-            </a:ln>
-            <a:effectLst/>
-          </p:spPr>
-          <p:style>
-            <a:lnRef idx="1">
-              <a:schemeClr val="accent1"/>
-            </a:lnRef>
-            <a:fillRef idx="0">
-              <a:schemeClr val="accent1"/>
-            </a:fillRef>
-            <a:effectRef idx="0">
-              <a:schemeClr val="accent1"/>
-            </a:effectRef>
-            <a:fontRef idx="minor">
-              <a:schemeClr val="tx1"/>
-            </a:fontRef>
-          </p:style>
-        </p:cxnSp>
-        <p:cxnSp>
-          <p:nvCxnSpPr>
-            <p:cNvPr id="14" name="Straight Connector 13"/>
-            <p:cNvCxnSpPr/>
-            <p:nvPr/>
-          </p:nvCxnSpPr>
-          <p:spPr>
-            <a:xfrm rot="10800000">
-              <a:off x="4826613" y="1927417"/>
-              <a:ext cx="2468880" cy="1588"/>
-            </a:xfrm>
-            <a:prstGeom prst="line">
-              <a:avLst/>
-            </a:prstGeom>
-            <a:ln>
-              <a:solidFill>
-                <a:schemeClr val="tx2">
-                  <a:lumMod val="60000"/>
-                  <a:lumOff val="40000"/>
-                </a:schemeClr>
-              </a:solidFill>
-            </a:ln>
-            <a:effectLst/>
-          </p:spPr>
-          <p:style>
-            <a:lnRef idx="1">
-              <a:schemeClr val="accent1"/>
-            </a:lnRef>
-            <a:fillRef idx="0">
-              <a:schemeClr val="accent1"/>
-            </a:fillRef>
-            <a:effectRef idx="0">
-              <a:schemeClr val="accent1"/>
-            </a:effectRef>
-            <a:fontRef idx="minor">
-              <a:schemeClr val="tx1"/>
-            </a:fontRef>
-          </p:style>
-        </p:cxnSp>
-      </p:grpSp>
     </p:spTree>
   </p:cSld>
   <p:clrMapOvr>
@@ -3691,8 +3724,8 @@
 </p:sldLayout>
 </file>
 
-<file path=ppt/slideLayouts/slideLayout12.xml><?xml version="1.0" encoding="utf-8"?>
-<p:sldLayout xmlns:a="http://schemas.openxmlformats.org/drawingml/2006/main" xmlns:r="http://schemas.openxmlformats.org/officeDocument/2006/relationships" xmlns:p="http://schemas.openxmlformats.org/presentationml/2006/main" userDrawn="1">
+<file path=ppt/slideLayouts/slideLayout13.xml><?xml version="1.0" encoding="utf-8"?>
+<p:sldLayout xmlns:a="http://schemas.openxmlformats.org/drawingml/2006/main" xmlns:r="http://schemas.openxmlformats.org/officeDocument/2006/relationships" xmlns:p="http://schemas.openxmlformats.org/presentationml/2006/main" showMasterSp="0" userDrawn="1">
   <p:cSld name="1_Title and Content">
     <p:spTree>
       <p:nvGrpSpPr>
@@ -3854,7 +3887,7 @@
           <a:blip r:embed="rId2" cstate="print">
             <a:extLst>
               <a:ext uri="{28A0092B-C50C-407E-A947-70E740481C1C}">
-                <a14:useLocalDpi xmlns="" xmlns:a14="http://schemas.microsoft.com/office/drawing/2010/main" val="0"/>
+                <a14:useLocalDpi xmlns:a14="http://schemas.microsoft.com/office/drawing/2010/main" val="0"/>
               </a:ext>
             </a:extLst>
           </a:blip>
@@ -3911,7 +3944,7 @@
     </p:spTree>
     <p:extLst>
       <p:ext uri="{BB962C8B-B14F-4D97-AF65-F5344CB8AC3E}">
-        <p14:creationId xmlns="" xmlns:p14="http://schemas.microsoft.com/office/powerpoint/2010/main" val="4172443058"/>
+        <p14:creationId xmlns:p14="http://schemas.microsoft.com/office/powerpoint/2010/main" val="4172443058"/>
       </p:ext>
     </p:extLst>
   </p:cSld>
@@ -3921,15 +3954,15 @@
   <p:timing>
     <p:tnLst>
       <p:par>
-        <p:cTn id="1" dur="indefinite" restart="never" nodeType="tmRoot"/>
+        <p:cTn xmlns:p14="http://schemas.microsoft.com/office/powerpoint/2010/main" id="1" dur="indefinite" restart="never" nodeType="tmRoot"/>
       </p:par>
     </p:tnLst>
   </p:timing>
 </p:sldLayout>
 </file>
 
-<file path=ppt/slideLayouts/slideLayout13.xml><?xml version="1.0" encoding="utf-8"?>
-<p:sldLayout xmlns:a="http://schemas.openxmlformats.org/drawingml/2006/main" xmlns:r="http://schemas.openxmlformats.org/officeDocument/2006/relationships" xmlns:p="http://schemas.openxmlformats.org/presentationml/2006/main" userDrawn="1">
+<file path=ppt/slideLayouts/slideLayout14.xml><?xml version="1.0" encoding="utf-8"?>
+<p:sldLayout xmlns:a="http://schemas.openxmlformats.org/drawingml/2006/main" xmlns:r="http://schemas.openxmlformats.org/officeDocument/2006/relationships" xmlns:p="http://schemas.openxmlformats.org/presentationml/2006/main" showMasterSp="0" userDrawn="1">
   <p:cSld name="Title, Content and Banner Image">
     <p:spTree>
       <p:nvGrpSpPr>
@@ -4133,7 +4166,7 @@
           <a:blip r:embed="rId2" cstate="print">
             <a:extLst>
               <a:ext uri="{28A0092B-C50C-407E-A947-70E740481C1C}">
-                <a14:useLocalDpi xmlns="" xmlns:a14="http://schemas.microsoft.com/office/drawing/2010/main" val="0"/>
+                <a14:useLocalDpi xmlns:a14="http://schemas.microsoft.com/office/drawing/2010/main" val="0"/>
               </a:ext>
             </a:extLst>
           </a:blip>
@@ -4190,7 +4223,7 @@
     </p:spTree>
     <p:extLst>
       <p:ext uri="{BB962C8B-B14F-4D97-AF65-F5344CB8AC3E}">
-        <p14:creationId xmlns="" xmlns:p14="http://schemas.microsoft.com/office/powerpoint/2010/main" val="893659651"/>
+        <p14:creationId xmlns:p14="http://schemas.microsoft.com/office/powerpoint/2010/main" val="893659651"/>
       </p:ext>
     </p:extLst>
   </p:cSld>
@@ -4200,15 +4233,15 @@
   <p:timing>
     <p:tnLst>
       <p:par>
-        <p:cTn id="1" dur="indefinite" restart="never" nodeType="tmRoot"/>
+        <p:cTn xmlns:p14="http://schemas.microsoft.com/office/powerpoint/2010/main" id="1" dur="indefinite" restart="never" nodeType="tmRoot"/>
       </p:par>
     </p:tnLst>
   </p:timing>
 </p:sldLayout>
 </file>
 
-<file path=ppt/slideLayouts/slideLayout14.xml><?xml version="1.0" encoding="utf-8"?>
-<p:sldLayout xmlns:a="http://schemas.openxmlformats.org/drawingml/2006/main" xmlns:r="http://schemas.openxmlformats.org/officeDocument/2006/relationships" xmlns:p="http://schemas.openxmlformats.org/presentationml/2006/main" userDrawn="1">
+<file path=ppt/slideLayouts/slideLayout15.xml><?xml version="1.0" encoding="utf-8"?>
+<p:sldLayout xmlns:a="http://schemas.openxmlformats.org/drawingml/2006/main" xmlns:r="http://schemas.openxmlformats.org/officeDocument/2006/relationships" xmlns:p="http://schemas.openxmlformats.org/presentationml/2006/main" showMasterSp="0" userDrawn="1">
   <p:cSld name="Text with Three Pictures Top">
     <p:spTree>
       <p:nvGrpSpPr>
@@ -4408,7 +4441,7 @@
           <a:blip r:embed="rId2" cstate="print">
             <a:extLst>
               <a:ext uri="{28A0092B-C50C-407E-A947-70E740481C1C}">
-                <a14:useLocalDpi xmlns="" xmlns:a14="http://schemas.microsoft.com/office/drawing/2010/main" val="0"/>
+                <a14:useLocalDpi xmlns:a14="http://schemas.microsoft.com/office/drawing/2010/main" val="0"/>
               </a:ext>
             </a:extLst>
           </a:blip>
@@ -4533,7 +4566,7 @@
     </p:spTree>
     <p:extLst>
       <p:ext uri="{BB962C8B-B14F-4D97-AF65-F5344CB8AC3E}">
-        <p14:creationId xmlns="" xmlns:p14="http://schemas.microsoft.com/office/powerpoint/2010/main" val="1397017739"/>
+        <p14:creationId xmlns:p14="http://schemas.microsoft.com/office/powerpoint/2010/main" val="1397017739"/>
       </p:ext>
     </p:extLst>
   </p:cSld>
@@ -4543,15 +4576,15 @@
   <p:timing>
     <p:tnLst>
       <p:par>
-        <p:cTn id="1" dur="indefinite" restart="never" nodeType="tmRoot"/>
+        <p:cTn xmlns:p14="http://schemas.microsoft.com/office/powerpoint/2010/main" id="1" dur="indefinite" restart="never" nodeType="tmRoot"/>
       </p:par>
     </p:tnLst>
   </p:timing>
 </p:sldLayout>
 </file>
 
-<file path=ppt/slideLayouts/slideLayout15.xml><?xml version="1.0" encoding="utf-8"?>
-<p:sldLayout xmlns:a="http://schemas.openxmlformats.org/drawingml/2006/main" xmlns:r="http://schemas.openxmlformats.org/officeDocument/2006/relationships" xmlns:p="http://schemas.openxmlformats.org/presentationml/2006/main" preserve="1" userDrawn="1">
+<file path=ppt/slideLayouts/slideLayout16.xml><?xml version="1.0" encoding="utf-8"?>
+<p:sldLayout xmlns:a="http://schemas.openxmlformats.org/drawingml/2006/main" xmlns:r="http://schemas.openxmlformats.org/officeDocument/2006/relationships" xmlns:p="http://schemas.openxmlformats.org/presentationml/2006/main" showMasterSp="0" preserve="1" userDrawn="1">
   <p:cSld name="Title Slide Flavours or Corporate">
     <p:spTree>
       <p:nvGrpSpPr>
@@ -4740,7 +4773,7 @@
           <a:blip r:embed="rId2" cstate="print">
             <a:extLst>
               <a:ext uri="{28A0092B-C50C-407E-A947-70E740481C1C}">
-                <a14:useLocalDpi xmlns="" xmlns:a14="http://schemas.microsoft.com/office/drawing/2010/main" val="0"/>
+                <a14:useLocalDpi xmlns:a14="http://schemas.microsoft.com/office/drawing/2010/main" val="0"/>
               </a:ext>
             </a:extLst>
           </a:blip>
@@ -4770,7 +4803,7 @@
           <a:blip r:embed="rId3" cstate="print">
             <a:extLst>
               <a:ext uri="{28A0092B-C50C-407E-A947-70E740481C1C}">
-                <a14:useLocalDpi xmlns="" xmlns:a14="http://schemas.microsoft.com/office/drawing/2010/main" val="0"/>
+                <a14:useLocalDpi xmlns:a14="http://schemas.microsoft.com/office/drawing/2010/main" val="0"/>
               </a:ext>
             </a:extLst>
           </a:blip>
@@ -4830,7 +4863,7 @@
     </p:spTree>
     <p:extLst>
       <p:ext uri="{BB962C8B-B14F-4D97-AF65-F5344CB8AC3E}">
-        <p14:creationId xmlns="" xmlns:p14="http://schemas.microsoft.com/office/powerpoint/2010/main" val="224187675"/>
+        <p14:creationId xmlns:p14="http://schemas.microsoft.com/office/powerpoint/2010/main" val="224187675"/>
       </p:ext>
     </p:extLst>
   </p:cSld>
@@ -4840,15 +4873,15 @@
   <p:timing>
     <p:tnLst>
       <p:par>
-        <p:cTn id="1" dur="indefinite" restart="never" nodeType="tmRoot"/>
+        <p:cTn xmlns:p14="http://schemas.microsoft.com/office/powerpoint/2010/main" id="1" dur="indefinite" restart="never" nodeType="tmRoot"/>
       </p:par>
     </p:tnLst>
   </p:timing>
 </p:sldLayout>
 </file>
 
-<file path=ppt/slideLayouts/slideLayout16.xml><?xml version="1.0" encoding="utf-8"?>
-<p:sldLayout xmlns:a="http://schemas.openxmlformats.org/drawingml/2006/main" xmlns:r="http://schemas.openxmlformats.org/officeDocument/2006/relationships" xmlns:p="http://schemas.openxmlformats.org/presentationml/2006/main" preserve="1" userDrawn="1">
+<file path=ppt/slideLayouts/slideLayout17.xml><?xml version="1.0" encoding="utf-8"?>
+<p:sldLayout xmlns:a="http://schemas.openxmlformats.org/drawingml/2006/main" xmlns:r="http://schemas.openxmlformats.org/officeDocument/2006/relationships" xmlns:p="http://schemas.openxmlformats.org/presentationml/2006/main" showMasterSp="0" preserve="1" userDrawn="1">
   <p:cSld name="Title Slide Fragrances">
     <p:spTree>
       <p:nvGrpSpPr>
@@ -5037,7 +5070,7 @@
           <a:blip r:embed="rId2" cstate="print">
             <a:extLst>
               <a:ext uri="{28A0092B-C50C-407E-A947-70E740481C1C}">
-                <a14:useLocalDpi xmlns="" xmlns:a14="http://schemas.microsoft.com/office/drawing/2010/main" val="0"/>
+                <a14:useLocalDpi xmlns:a14="http://schemas.microsoft.com/office/drawing/2010/main" val="0"/>
               </a:ext>
             </a:extLst>
           </a:blip>
@@ -5067,7 +5100,7 @@
           <a:blip r:embed="rId3" cstate="print">
             <a:extLst>
               <a:ext uri="{28A0092B-C50C-407E-A947-70E740481C1C}">
-                <a14:useLocalDpi xmlns="" xmlns:a14="http://schemas.microsoft.com/office/drawing/2010/main" val="0"/>
+                <a14:useLocalDpi xmlns:a14="http://schemas.microsoft.com/office/drawing/2010/main" val="0"/>
               </a:ext>
             </a:extLst>
           </a:blip>
@@ -5127,7 +5160,7 @@
     </p:spTree>
     <p:extLst>
       <p:ext uri="{BB962C8B-B14F-4D97-AF65-F5344CB8AC3E}">
-        <p14:creationId xmlns="" xmlns:p14="http://schemas.microsoft.com/office/powerpoint/2010/main" val="127214035"/>
+        <p14:creationId xmlns:p14="http://schemas.microsoft.com/office/powerpoint/2010/main" val="127214035"/>
       </p:ext>
     </p:extLst>
   </p:cSld>
@@ -5137,15 +5170,15 @@
   <p:timing>
     <p:tnLst>
       <p:par>
-        <p:cTn id="1" dur="indefinite" restart="never" nodeType="tmRoot"/>
+        <p:cTn xmlns:p14="http://schemas.microsoft.com/office/powerpoint/2010/main" id="1" dur="indefinite" restart="never" nodeType="tmRoot"/>
       </p:par>
     </p:tnLst>
   </p:timing>
 </p:sldLayout>
 </file>
 
-<file path=ppt/slideLayouts/slideLayout17.xml><?xml version="1.0" encoding="utf-8"?>
-<p:sldLayout xmlns:a="http://schemas.openxmlformats.org/drawingml/2006/main" xmlns:r="http://schemas.openxmlformats.org/officeDocument/2006/relationships" xmlns:p="http://schemas.openxmlformats.org/presentationml/2006/main" preserve="1" userDrawn="1">
+<file path=ppt/slideLayouts/slideLayout18.xml><?xml version="1.0" encoding="utf-8"?>
+<p:sldLayout xmlns:a="http://schemas.openxmlformats.org/drawingml/2006/main" xmlns:r="http://schemas.openxmlformats.org/officeDocument/2006/relationships" xmlns:p="http://schemas.openxmlformats.org/presentationml/2006/main" showMasterSp="0" preserve="1" userDrawn="1">
   <p:cSld name="1_Section Header">
     <p:spTree>
       <p:nvGrpSpPr>
@@ -5267,7 +5300,7 @@
           <a:blip r:embed="rId2" cstate="print">
             <a:extLst>
               <a:ext uri="{28A0092B-C50C-407E-A947-70E740481C1C}">
-                <a14:useLocalDpi xmlns="" xmlns:a14="http://schemas.microsoft.com/office/drawing/2010/main" val="0"/>
+                <a14:useLocalDpi xmlns:a14="http://schemas.microsoft.com/office/drawing/2010/main" val="0"/>
               </a:ext>
             </a:extLst>
           </a:blip>
@@ -5360,7 +5393,7 @@
     </p:spTree>
     <p:extLst>
       <p:ext uri="{BB962C8B-B14F-4D97-AF65-F5344CB8AC3E}">
-        <p14:creationId xmlns="" xmlns:p14="http://schemas.microsoft.com/office/powerpoint/2010/main" val="3004179911"/>
+        <p14:creationId xmlns:p14="http://schemas.microsoft.com/office/powerpoint/2010/main" val="3004179911"/>
       </p:ext>
     </p:extLst>
   </p:cSld>
@@ -5370,15 +5403,15 @@
   <p:timing>
     <p:tnLst>
       <p:par>
-        <p:cTn id="1" dur="indefinite" restart="never" nodeType="tmRoot"/>
+        <p:cTn xmlns:p14="http://schemas.microsoft.com/office/powerpoint/2010/main" id="1" dur="indefinite" restart="never" nodeType="tmRoot"/>
       </p:par>
     </p:tnLst>
   </p:timing>
 </p:sldLayout>
 </file>
 
-<file path=ppt/slideLayouts/slideLayout18.xml><?xml version="1.0" encoding="utf-8"?>
-<p:sldLayout xmlns:a="http://schemas.openxmlformats.org/drawingml/2006/main" xmlns:r="http://schemas.openxmlformats.org/officeDocument/2006/relationships" xmlns:p="http://schemas.openxmlformats.org/presentationml/2006/main" preserve="1" userDrawn="1">
+<file path=ppt/slideLayouts/slideLayout19.xml><?xml version="1.0" encoding="utf-8"?>
+<p:sldLayout xmlns:a="http://schemas.openxmlformats.org/drawingml/2006/main" xmlns:r="http://schemas.openxmlformats.org/officeDocument/2006/relationships" xmlns:p="http://schemas.openxmlformats.org/presentationml/2006/main" showMasterSp="0" preserve="1" userDrawn="1">
   <p:cSld name="Title, Content and Banner Text">
     <p:spTree>
       <p:nvGrpSpPr>
@@ -5566,8 +5599,8 @@
           </a:ln>
           <a:effectLst/>
           <a:extLst>
-            <a:ext uri="{AF507438-7753-43E0-B8FC-AC1667EBCBE1}">
-              <a14:hiddenEffects xmlns="" xmlns:a14="http://schemas.microsoft.com/office/drawing/2010/main">
+            <a:ext uri="{AF507438-7753-43e0-B8FC-AC1667EBCBE1}">
+              <a14:hiddenEffects xmlns:a14="http://schemas.microsoft.com/office/drawing/2010/main">
                 <a:effectLst>
                   <a:outerShdw dist="35921" dir="2700000" algn="ctr" rotWithShape="0">
                     <a:schemeClr val="bg2"/>
@@ -5633,7 +5666,7 @@
           <a:blip r:embed="rId2" cstate="print">
             <a:extLst>
               <a:ext uri="{28A0092B-C50C-407E-A947-70E740481C1C}">
-                <a14:useLocalDpi xmlns="" xmlns:a14="http://schemas.microsoft.com/office/drawing/2010/main" val="0"/>
+                <a14:useLocalDpi xmlns:a14="http://schemas.microsoft.com/office/drawing/2010/main" val="0"/>
               </a:ext>
             </a:extLst>
           </a:blip>
@@ -5690,7 +5723,7 @@
     </p:spTree>
     <p:extLst>
       <p:ext uri="{BB962C8B-B14F-4D97-AF65-F5344CB8AC3E}">
-        <p14:creationId xmlns="" xmlns:p14="http://schemas.microsoft.com/office/powerpoint/2010/main" val="86675937"/>
+        <p14:creationId xmlns:p14="http://schemas.microsoft.com/office/powerpoint/2010/main" val="86675937"/>
       </p:ext>
     </p:extLst>
   </p:cSld>
@@ -5700,15 +5733,196 @@
   <p:timing>
     <p:tnLst>
       <p:par>
-        <p:cTn id="1" dur="indefinite" restart="never" nodeType="tmRoot"/>
+        <p:cTn xmlns:p14="http://schemas.microsoft.com/office/powerpoint/2010/main" id="1" dur="indefinite" restart="never" nodeType="tmRoot"/>
       </p:par>
     </p:tnLst>
   </p:timing>
 </p:sldLayout>
 </file>
 
-<file path=ppt/slideLayouts/slideLayout19.xml><?xml version="1.0" encoding="utf-8"?>
-<p:sldLayout xmlns:a="http://schemas.openxmlformats.org/drawingml/2006/main" xmlns:r="http://schemas.openxmlformats.org/officeDocument/2006/relationships" xmlns:p="http://schemas.openxmlformats.org/presentationml/2006/main" preserve="1" userDrawn="1">
+<file path=ppt/slideLayouts/slideLayout2.xml><?xml version="1.0" encoding="utf-8"?>
+<p:sldLayout xmlns:a="http://schemas.openxmlformats.org/drawingml/2006/main" xmlns:r="http://schemas.openxmlformats.org/officeDocument/2006/relationships" xmlns:p="http://schemas.openxmlformats.org/presentationml/2006/main" showMasterSp="0" type="obj" preserve="1">
+  <p:cSld name="Title and Content">
+    <p:spTree>
+      <p:nvGrpSpPr>
+        <p:cNvPr id="1" name=""/>
+        <p:cNvGrpSpPr/>
+        <p:nvPr/>
+      </p:nvGrpSpPr>
+      <p:grpSpPr>
+        <a:xfrm>
+          <a:off x="0" y="0"/>
+          <a:ext cx="0" cy="0"/>
+          <a:chOff x="0" y="0"/>
+          <a:chExt cx="0" cy="0"/>
+        </a:xfrm>
+      </p:grpSpPr>
+      <p:sp>
+        <p:nvSpPr>
+          <p:cNvPr id="2" name="Title 1"/>
+          <p:cNvSpPr>
+            <a:spLocks noGrp="1"/>
+          </p:cNvSpPr>
+          <p:nvPr>
+            <p:ph type="title"/>
+          </p:nvPr>
+        </p:nvSpPr>
+        <p:spPr/>
+        <p:txBody>
+          <a:bodyPr/>
+          <a:lstStyle/>
+          <a:p>
+            <a:r>
+              <a:rPr lang="x-none" smtClean="0"/>
+              <a:t>Click to edit Master title style</a:t>
+            </a:r>
+            <a:endParaRPr/>
+          </a:p>
+        </p:txBody>
+      </p:sp>
+      <p:sp>
+        <p:nvSpPr>
+          <p:cNvPr id="3" name="Content Placeholder 2"/>
+          <p:cNvSpPr>
+            <a:spLocks noGrp="1"/>
+          </p:cNvSpPr>
+          <p:nvPr>
+            <p:ph idx="1"/>
+          </p:nvPr>
+        </p:nvSpPr>
+        <p:spPr/>
+        <p:txBody>
+          <a:bodyPr/>
+          <a:lstStyle>
+            <a:lvl5pPr>
+              <a:defRPr/>
+            </a:lvl5pPr>
+          </a:lstStyle>
+          <a:p>
+            <a:pPr lvl="0"/>
+            <a:r>
+              <a:rPr lang="x-none" smtClean="0"/>
+              <a:t>Click to edit Master text styles</a:t>
+            </a:r>
+          </a:p>
+          <a:p>
+            <a:pPr lvl="1"/>
+            <a:r>
+              <a:rPr lang="x-none" smtClean="0"/>
+              <a:t>Second level</a:t>
+            </a:r>
+          </a:p>
+          <a:p>
+            <a:pPr lvl="2"/>
+            <a:r>
+              <a:rPr lang="x-none" smtClean="0"/>
+              <a:t>Third level</a:t>
+            </a:r>
+          </a:p>
+          <a:p>
+            <a:pPr lvl="3"/>
+            <a:r>
+              <a:rPr lang="x-none" smtClean="0"/>
+              <a:t>Fourth level</a:t>
+            </a:r>
+          </a:p>
+          <a:p>
+            <a:pPr lvl="4"/>
+            <a:r>
+              <a:rPr lang="x-none" smtClean="0"/>
+              <a:t>Fifth level</a:t>
+            </a:r>
+            <a:endParaRPr dirty="0"/>
+          </a:p>
+        </p:txBody>
+      </p:sp>
+      <p:sp>
+        <p:nvSpPr>
+          <p:cNvPr id="4" name="Date Placeholder 3"/>
+          <p:cNvSpPr>
+            <a:spLocks noGrp="1"/>
+          </p:cNvSpPr>
+          <p:nvPr>
+            <p:ph type="dt" sz="half" idx="10"/>
+          </p:nvPr>
+        </p:nvSpPr>
+        <p:spPr/>
+        <p:txBody>
+          <a:bodyPr/>
+          <a:lstStyle/>
+          <a:p>
+            <a:pPr eaLnBrk="1" latinLnBrk="0" hangingPunct="1"/>
+            <a:fld id="{9D21D778-B565-4D7E-94D7-64010A445B68}" type="datetimeFigureOut">
+              <a:rPr lang="en-US" smtClean="0"/>
+              <a:pPr eaLnBrk="1" latinLnBrk="0" hangingPunct="1"/>
+              <a:t>2/16/14</a:t>
+            </a:fld>
+            <a:endParaRPr lang="en-US"/>
+          </a:p>
+        </p:txBody>
+      </p:sp>
+      <p:sp>
+        <p:nvSpPr>
+          <p:cNvPr id="5" name="Footer Placeholder 4"/>
+          <p:cNvSpPr>
+            <a:spLocks noGrp="1"/>
+          </p:cNvSpPr>
+          <p:nvPr>
+            <p:ph type="ftr" sz="quarter" idx="11"/>
+          </p:nvPr>
+        </p:nvSpPr>
+        <p:spPr/>
+        <p:txBody>
+          <a:bodyPr/>
+          <a:lstStyle/>
+          <a:p>
+            <a:pPr algn="r" eaLnBrk="0" fontAlgn="base" hangingPunct="0">
+              <a:spcBef>
+                <a:spcPct val="0"/>
+              </a:spcBef>
+              <a:spcAft>
+                <a:spcPct val="0"/>
+              </a:spcAft>
+            </a:pPr>
+            <a:endParaRPr lang="en-GB" dirty="0"/>
+          </a:p>
+        </p:txBody>
+      </p:sp>
+      <p:sp>
+        <p:nvSpPr>
+          <p:cNvPr id="6" name="Slide Number Placeholder 5"/>
+          <p:cNvSpPr>
+            <a:spLocks noGrp="1"/>
+          </p:cNvSpPr>
+          <p:nvPr>
+            <p:ph type="sldNum" sz="quarter" idx="12"/>
+          </p:nvPr>
+        </p:nvSpPr>
+        <p:spPr/>
+        <p:txBody>
+          <a:bodyPr/>
+          <a:lstStyle/>
+          <a:p>
+            <a:fld id="{EF789A81-9B9B-445C-8A60-F916862B4649}" type="slidenum">
+              <a:rPr lang="en-GB" smtClean="0"/>
+              <a:pPr/>
+              <a:t>‹#›</a:t>
+            </a:fld>
+            <a:endParaRPr lang="en-GB" dirty="0"/>
+          </a:p>
+        </p:txBody>
+      </p:sp>
+    </p:spTree>
+  </p:cSld>
+  <p:clrMapOvr>
+    <a:masterClrMapping/>
+  </p:clrMapOvr>
+  <p:hf hdr="0" dt="0"/>
+</p:sldLayout>
+</file>
+
+<file path=ppt/slideLayouts/slideLayout20.xml><?xml version="1.0" encoding="utf-8"?>
+<p:sldLayout xmlns:a="http://schemas.openxmlformats.org/drawingml/2006/main" xmlns:r="http://schemas.openxmlformats.org/officeDocument/2006/relationships" xmlns:p="http://schemas.openxmlformats.org/presentationml/2006/main" showMasterSp="0" preserve="1" userDrawn="1">
   <p:cSld name="Title and Table">
     <p:spTree>
       <p:nvGrpSpPr>
@@ -5839,7 +6053,7 @@
           <a:blip r:embed="rId2" cstate="print">
             <a:extLst>
               <a:ext uri="{28A0092B-C50C-407E-A947-70E740481C1C}">
-                <a14:useLocalDpi xmlns="" xmlns:a14="http://schemas.microsoft.com/office/drawing/2010/main" val="0"/>
+                <a14:useLocalDpi xmlns:a14="http://schemas.microsoft.com/office/drawing/2010/main" val="0"/>
               </a:ext>
             </a:extLst>
           </a:blip>
@@ -5896,7 +6110,7 @@
     </p:spTree>
     <p:extLst>
       <p:ext uri="{BB962C8B-B14F-4D97-AF65-F5344CB8AC3E}">
-        <p14:creationId xmlns="" xmlns:p14="http://schemas.microsoft.com/office/powerpoint/2010/main" val="8285584"/>
+        <p14:creationId xmlns:p14="http://schemas.microsoft.com/office/powerpoint/2010/main" val="8285584"/>
       </p:ext>
     </p:extLst>
   </p:cSld>
@@ -5906,336 +6120,15 @@
   <p:timing>
     <p:tnLst>
       <p:par>
-        <p:cTn id="1" dur="indefinite" restart="never" nodeType="tmRoot"/>
+        <p:cTn xmlns:p14="http://schemas.microsoft.com/office/powerpoint/2010/main" id="1" dur="indefinite" restart="never" nodeType="tmRoot"/>
       </p:par>
     </p:tnLst>
   </p:timing>
 </p:sldLayout>
 </file>
 
-<file path=ppt/slideLayouts/slideLayout2.xml><?xml version="1.0" encoding="utf-8"?>
-<p:sldLayout xmlns:a="http://schemas.openxmlformats.org/drawingml/2006/main" xmlns:r="http://schemas.openxmlformats.org/officeDocument/2006/relationships" xmlns:p="http://schemas.openxmlformats.org/presentationml/2006/main" type="obj" preserve="1">
-  <p:cSld name="Title and Content">
-    <p:bg>
-      <p:bgRef idx="1002">
-        <a:schemeClr val="bg1"/>
-      </p:bgRef>
-    </p:bg>
-    <p:spTree>
-      <p:nvGrpSpPr>
-        <p:cNvPr id="1" name=""/>
-        <p:cNvGrpSpPr/>
-        <p:nvPr/>
-      </p:nvGrpSpPr>
-      <p:grpSpPr>
-        <a:xfrm>
-          <a:off x="0" y="0"/>
-          <a:ext cx="0" cy="0"/>
-          <a:chOff x="0" y="0"/>
-          <a:chExt cx="0" cy="0"/>
-        </a:xfrm>
-      </p:grpSpPr>
-      <p:sp>
-        <p:nvSpPr>
-          <p:cNvPr id="3" name="Content Placeholder 2"/>
-          <p:cNvSpPr>
-            <a:spLocks noGrp="1"/>
-          </p:cNvSpPr>
-          <p:nvPr>
-            <p:ph idx="1"/>
-          </p:nvPr>
-        </p:nvSpPr>
-        <p:spPr/>
-        <p:txBody>
-          <a:bodyPr/>
-          <a:lstStyle/>
-          <a:p>
-            <a:pPr lvl="0"/>
-            <a:r>
-              <a:rPr lang="en-US" smtClean="0"/>
-              <a:t>Click to edit Master text styles</a:t>
-            </a:r>
-          </a:p>
-          <a:p>
-            <a:pPr lvl="1"/>
-            <a:r>
-              <a:rPr lang="en-US" smtClean="0"/>
-              <a:t>Second level</a:t>
-            </a:r>
-          </a:p>
-          <a:p>
-            <a:pPr lvl="2"/>
-            <a:r>
-              <a:rPr lang="en-US" smtClean="0"/>
-              <a:t>Third level</a:t>
-            </a:r>
-          </a:p>
-          <a:p>
-            <a:pPr lvl="3"/>
-            <a:r>
-              <a:rPr lang="en-US" smtClean="0"/>
-              <a:t>Fourth level</a:t>
-            </a:r>
-          </a:p>
-          <a:p>
-            <a:pPr lvl="4"/>
-            <a:r>
-              <a:rPr lang="en-US" smtClean="0"/>
-              <a:t>Fifth level</a:t>
-            </a:r>
-            <a:endParaRPr lang="en-US"/>
-          </a:p>
-        </p:txBody>
-      </p:sp>
-      <p:sp>
-        <p:nvSpPr>
-          <p:cNvPr id="4" name="Date Placeholder 3"/>
-          <p:cNvSpPr>
-            <a:spLocks noGrp="1"/>
-          </p:cNvSpPr>
-          <p:nvPr>
-            <p:ph type="dt" sz="half" idx="10"/>
-          </p:nvPr>
-        </p:nvSpPr>
-        <p:spPr/>
-        <p:txBody>
-          <a:bodyPr/>
-          <a:lstStyle/>
-          <a:p>
-            <a:pPr eaLnBrk="1" latinLnBrk="0" hangingPunct="1"/>
-            <a:fld id="{9D21D778-B565-4D7E-94D7-64010A445B68}" type="datetimeFigureOut">
-              <a:rPr lang="en-US" smtClean="0"/>
-              <a:pPr eaLnBrk="1" latinLnBrk="0" hangingPunct="1"/>
-              <a:t>2/15/2014</a:t>
-            </a:fld>
-            <a:endParaRPr lang="en-US"/>
-          </a:p>
-        </p:txBody>
-      </p:sp>
-      <p:sp>
-        <p:nvSpPr>
-          <p:cNvPr id="5" name="Footer Placeholder 4"/>
-          <p:cNvSpPr>
-            <a:spLocks noGrp="1"/>
-          </p:cNvSpPr>
-          <p:nvPr>
-            <p:ph type="ftr" sz="quarter" idx="11"/>
-          </p:nvPr>
-        </p:nvSpPr>
-        <p:spPr/>
-        <p:txBody>
-          <a:bodyPr/>
-          <a:lstStyle/>
-          <a:p>
-            <a:pPr algn="r" eaLnBrk="0" fontAlgn="base" hangingPunct="0">
-              <a:spcBef>
-                <a:spcPct val="0"/>
-              </a:spcBef>
-              <a:spcAft>
-                <a:spcPct val="0"/>
-              </a:spcAft>
-            </a:pPr>
-            <a:endParaRPr lang="en-GB" dirty="0"/>
-          </a:p>
-        </p:txBody>
-      </p:sp>
-      <p:sp>
-        <p:nvSpPr>
-          <p:cNvPr id="6" name="Slide Number Placeholder 5"/>
-          <p:cNvSpPr>
-            <a:spLocks noGrp="1"/>
-          </p:cNvSpPr>
-          <p:nvPr>
-            <p:ph type="sldNum" sz="quarter" idx="12"/>
-          </p:nvPr>
-        </p:nvSpPr>
-        <p:spPr/>
-        <p:txBody>
-          <a:bodyPr/>
-          <a:lstStyle/>
-          <a:p>
-            <a:fld id="{EF789A81-9B9B-445C-8A60-F916862B4649}" type="slidenum">
-              <a:rPr lang="en-GB" smtClean="0"/>
-              <a:pPr/>
-              <a:t>‹#›</a:t>
-            </a:fld>
-            <a:endParaRPr lang="en-GB" dirty="0"/>
-          </a:p>
-        </p:txBody>
-      </p:sp>
-      <p:sp>
-        <p:nvSpPr>
-          <p:cNvPr id="11" name="Title 10"/>
-          <p:cNvSpPr>
-            <a:spLocks noGrp="1"/>
-          </p:cNvSpPr>
-          <p:nvPr>
-            <p:ph type="title"/>
-          </p:nvPr>
-        </p:nvSpPr>
-        <p:spPr/>
-        <p:txBody>
-          <a:bodyPr/>
-          <a:lstStyle/>
-          <a:p>
-            <a:r>
-              <a:rPr lang="en-US" smtClean="0"/>
-              <a:t>Click to edit Master title style</a:t>
-            </a:r>
-            <a:endParaRPr lang="en-US"/>
-          </a:p>
-        </p:txBody>
-      </p:sp>
-      <p:grpSp>
-        <p:nvGrpSpPr>
-          <p:cNvPr id="12" name="Group 11"/>
-          <p:cNvGrpSpPr/>
-          <p:nvPr/>
-        </p:nvGrpSpPr>
-        <p:grpSpPr>
-          <a:xfrm>
-            <a:off x="1172584" y="1392217"/>
-            <a:ext cx="6779110" cy="923330"/>
-            <a:chOff x="1172584" y="1381459"/>
-            <a:chExt cx="6779110" cy="923330"/>
-          </a:xfrm>
-        </p:grpSpPr>
-        <p:sp>
-          <p:nvSpPr>
-            <p:cNvPr id="13" name="TextBox 12"/>
-            <p:cNvSpPr txBox="1"/>
-            <p:nvPr/>
-          </p:nvSpPr>
-          <p:spPr>
-            <a:xfrm>
-              <a:off x="4147073" y="1381459"/>
-              <a:ext cx="877163" cy="923330"/>
-            </a:xfrm>
-            <a:prstGeom prst="rect">
-              <a:avLst/>
-            </a:prstGeom>
-            <a:noFill/>
-          </p:spPr>
-          <p:txBody>
-            <a:bodyPr wrap="none" rtlCol="0">
-              <a:spAutoFit/>
-            </a:bodyPr>
-            <a:lstStyle/>
-            <a:p>
-              <a:r>
-                <a:rPr lang="en-US" sz="5400" dirty="0" smtClean="0">
-                  <a:solidFill>
-                    <a:schemeClr val="tx2">
-                      <a:lumMod val="60000"/>
-                      <a:lumOff val="40000"/>
-                    </a:schemeClr>
-                  </a:solidFill>
-                  <a:latin typeface="Wingdings" pitchFamily="2" charset="2"/>
-                </a:rPr>
-                <a:t></a:t>
-              </a:r>
-              <a:endParaRPr lang="en-US" sz="5400" dirty="0">
-                <a:solidFill>
-                  <a:schemeClr val="tx2">
-                    <a:lumMod val="60000"/>
-                    <a:lumOff val="40000"/>
-                  </a:schemeClr>
-                </a:solidFill>
-                <a:latin typeface="Wingdings" pitchFamily="2" charset="2"/>
-              </a:endParaRPr>
-            </a:p>
-          </p:txBody>
-        </p:sp>
-        <p:cxnSp>
-          <p:nvCxnSpPr>
-            <p:cNvPr id="14" name="Straight Connector 13"/>
-            <p:cNvCxnSpPr/>
-            <p:nvPr/>
-          </p:nvCxnSpPr>
-          <p:spPr>
-            <a:xfrm rot="10800000">
-              <a:off x="1172584" y="1925620"/>
-              <a:ext cx="3119718" cy="1588"/>
-            </a:xfrm>
-            <a:prstGeom prst="line">
-              <a:avLst/>
-            </a:prstGeom>
-            <a:ln>
-              <a:solidFill>
-                <a:schemeClr val="tx2">
-                  <a:lumMod val="60000"/>
-                  <a:lumOff val="40000"/>
-                </a:schemeClr>
-              </a:solidFill>
-            </a:ln>
-            <a:effectLst/>
-          </p:spPr>
-          <p:style>
-            <a:lnRef idx="1">
-              <a:schemeClr val="accent1"/>
-            </a:lnRef>
-            <a:fillRef idx="0">
-              <a:schemeClr val="accent1"/>
-            </a:fillRef>
-            <a:effectRef idx="0">
-              <a:schemeClr val="accent1"/>
-            </a:effectRef>
-            <a:fontRef idx="minor">
-              <a:schemeClr val="tx1"/>
-            </a:fontRef>
-          </p:style>
-        </p:cxnSp>
-        <p:cxnSp>
-          <p:nvCxnSpPr>
-            <p:cNvPr id="15" name="Straight Connector 14"/>
-            <p:cNvCxnSpPr/>
-            <p:nvPr/>
-          </p:nvCxnSpPr>
-          <p:spPr>
-            <a:xfrm rot="10800000">
-              <a:off x="4831976" y="1922650"/>
-              <a:ext cx="3119718" cy="1588"/>
-            </a:xfrm>
-            <a:prstGeom prst="line">
-              <a:avLst/>
-            </a:prstGeom>
-            <a:ln>
-              <a:solidFill>
-                <a:schemeClr val="tx2">
-                  <a:lumMod val="60000"/>
-                  <a:lumOff val="40000"/>
-                </a:schemeClr>
-              </a:solidFill>
-            </a:ln>
-            <a:effectLst/>
-          </p:spPr>
-          <p:style>
-            <a:lnRef idx="1">
-              <a:schemeClr val="accent1"/>
-            </a:lnRef>
-            <a:fillRef idx="0">
-              <a:schemeClr val="accent1"/>
-            </a:fillRef>
-            <a:effectRef idx="0">
-              <a:schemeClr val="accent1"/>
-            </a:effectRef>
-            <a:fontRef idx="minor">
-              <a:schemeClr val="tx1"/>
-            </a:fontRef>
-          </p:style>
-        </p:cxnSp>
-      </p:grpSp>
-    </p:spTree>
-  </p:cSld>
-  <p:clrMapOvr>
-    <a:overrideClrMapping bg1="lt1" tx1="dk1" bg2="lt2" tx2="dk2" accent1="accent1" accent2="accent2" accent3="accent3" accent4="accent4" accent5="accent5" accent6="accent6" hlink="hlink" folHlink="folHlink"/>
-  </p:clrMapOvr>
-  <p:hf hdr="0" dt="0"/>
-</p:sldLayout>
-</file>
-
-<file path=ppt/slideLayouts/slideLayout20.xml><?xml version="1.0" encoding="utf-8"?>
-<p:sldLayout xmlns:a="http://schemas.openxmlformats.org/drawingml/2006/main" xmlns:r="http://schemas.openxmlformats.org/officeDocument/2006/relationships" xmlns:p="http://schemas.openxmlformats.org/presentationml/2006/main" preserve="1" userDrawn="1">
+<file path=ppt/slideLayouts/slideLayout21.xml><?xml version="1.0" encoding="utf-8"?>
+<p:sldLayout xmlns:a="http://schemas.openxmlformats.org/drawingml/2006/main" xmlns:r="http://schemas.openxmlformats.org/officeDocument/2006/relationships" xmlns:p="http://schemas.openxmlformats.org/presentationml/2006/main" showMasterSp="0" preserve="1" userDrawn="1">
   <p:cSld name="Bar Chart">
     <p:spTree>
       <p:nvGrpSpPr>
@@ -6342,7 +6235,7 @@
           <a:blip r:embed="rId2" cstate="print">
             <a:extLst>
               <a:ext uri="{28A0092B-C50C-407E-A947-70E740481C1C}">
-                <a14:useLocalDpi xmlns="" xmlns:a14="http://schemas.microsoft.com/office/drawing/2010/main" val="0"/>
+                <a14:useLocalDpi xmlns:a14="http://schemas.microsoft.com/office/drawing/2010/main" val="0"/>
               </a:ext>
             </a:extLst>
           </a:blip>
@@ -6367,7 +6260,7 @@
           <p:nvPr userDrawn="1">
             <p:extLst>
               <p:ext uri="{D42A27DB-BD31-4B8C-83A1-F6EECF244321}">
-                <p14:modId xmlns="" xmlns:p14="http://schemas.microsoft.com/office/powerpoint/2010/main" val="1618250192"/>
+                <p14:modId xmlns:p14="http://schemas.microsoft.com/office/powerpoint/2010/main" val="1618250192"/>
               </p:ext>
             </p:extLst>
           </p:nvPr>
@@ -6421,7 +6314,7 @@
     </p:spTree>
     <p:extLst>
       <p:ext uri="{BB962C8B-B14F-4D97-AF65-F5344CB8AC3E}">
-        <p14:creationId xmlns="" xmlns:p14="http://schemas.microsoft.com/office/powerpoint/2010/main" val="804500376"/>
+        <p14:creationId xmlns:p14="http://schemas.microsoft.com/office/powerpoint/2010/main" val="804500376"/>
       </p:ext>
     </p:extLst>
   </p:cSld>
@@ -6431,15 +6324,15 @@
   <p:timing>
     <p:tnLst>
       <p:par>
-        <p:cTn id="1" dur="indefinite" restart="never" nodeType="tmRoot"/>
+        <p:cTn xmlns:p14="http://schemas.microsoft.com/office/powerpoint/2010/main" id="1" dur="indefinite" restart="never" nodeType="tmRoot"/>
       </p:par>
     </p:tnLst>
   </p:timing>
 </p:sldLayout>
 </file>
 
-<file path=ppt/slideLayouts/slideLayout21.xml><?xml version="1.0" encoding="utf-8"?>
-<p:sldLayout xmlns:a="http://schemas.openxmlformats.org/drawingml/2006/main" xmlns:r="http://schemas.openxmlformats.org/officeDocument/2006/relationships" xmlns:p="http://schemas.openxmlformats.org/presentationml/2006/main" preserve="1" userDrawn="1">
+<file path=ppt/slideLayouts/slideLayout22.xml><?xml version="1.0" encoding="utf-8"?>
+<p:sldLayout xmlns:a="http://schemas.openxmlformats.org/drawingml/2006/main" xmlns:r="http://schemas.openxmlformats.org/officeDocument/2006/relationships" xmlns:p="http://schemas.openxmlformats.org/presentationml/2006/main" showMasterSp="0" preserve="1" userDrawn="1">
   <p:cSld name="Pie Chart">
     <p:spTree>
       <p:nvGrpSpPr>
@@ -6541,7 +6434,7 @@
           <a:blip r:embed="rId2" cstate="print">
             <a:extLst>
               <a:ext uri="{28A0092B-C50C-407E-A947-70E740481C1C}">
-                <a14:useLocalDpi xmlns="" xmlns:a14="http://schemas.microsoft.com/office/drawing/2010/main" val="0"/>
+                <a14:useLocalDpi xmlns:a14="http://schemas.microsoft.com/office/drawing/2010/main" val="0"/>
               </a:ext>
             </a:extLst>
           </a:blip>
@@ -6566,7 +6459,7 @@
           <p:nvPr userDrawn="1">
             <p:extLst>
               <p:ext uri="{D42A27DB-BD31-4B8C-83A1-F6EECF244321}">
-                <p14:modId xmlns="" xmlns:p14="http://schemas.microsoft.com/office/powerpoint/2010/main" val="1658717376"/>
+                <p14:modId xmlns:p14="http://schemas.microsoft.com/office/powerpoint/2010/main" val="1658717376"/>
               </p:ext>
             </p:extLst>
           </p:nvPr>
@@ -6620,7 +6513,7 @@
     </p:spTree>
     <p:extLst>
       <p:ext uri="{BB962C8B-B14F-4D97-AF65-F5344CB8AC3E}">
-        <p14:creationId xmlns="" xmlns:p14="http://schemas.microsoft.com/office/powerpoint/2010/main" val="3472530406"/>
+        <p14:creationId xmlns:p14="http://schemas.microsoft.com/office/powerpoint/2010/main" val="3472530406"/>
       </p:ext>
     </p:extLst>
   </p:cSld>
@@ -6630,15 +6523,15 @@
   <p:timing>
     <p:tnLst>
       <p:par>
-        <p:cTn id="1" dur="indefinite" restart="never" nodeType="tmRoot"/>
+        <p:cTn xmlns:p14="http://schemas.microsoft.com/office/powerpoint/2010/main" id="1" dur="indefinite" restart="never" nodeType="tmRoot"/>
       </p:par>
     </p:tnLst>
   </p:timing>
 </p:sldLayout>
 </file>
 
-<file path=ppt/slideLayouts/slideLayout22.xml><?xml version="1.0" encoding="utf-8"?>
-<p:sldLayout xmlns:a="http://schemas.openxmlformats.org/drawingml/2006/main" xmlns:r="http://schemas.openxmlformats.org/officeDocument/2006/relationships" xmlns:p="http://schemas.openxmlformats.org/presentationml/2006/main" preserve="1" userDrawn="1">
+<file path=ppt/slideLayouts/slideLayout23.xml><?xml version="1.0" encoding="utf-8"?>
+<p:sldLayout xmlns:a="http://schemas.openxmlformats.org/drawingml/2006/main" xmlns:r="http://schemas.openxmlformats.org/officeDocument/2006/relationships" xmlns:p="http://schemas.openxmlformats.org/presentationml/2006/main" showMasterSp="0" preserve="1" userDrawn="1">
   <p:cSld name="1_Title Only">
     <p:spTree>
       <p:nvGrpSpPr>
@@ -6740,7 +6633,7 @@
           <a:blip r:embed="rId2" cstate="print">
             <a:extLst>
               <a:ext uri="{28A0092B-C50C-407E-A947-70E740481C1C}">
-                <a14:useLocalDpi xmlns="" xmlns:a14="http://schemas.microsoft.com/office/drawing/2010/main" val="0"/>
+                <a14:useLocalDpi xmlns:a14="http://schemas.microsoft.com/office/drawing/2010/main" val="0"/>
               </a:ext>
             </a:extLst>
           </a:blip>
@@ -6797,7 +6690,7 @@
     </p:spTree>
     <p:extLst>
       <p:ext uri="{BB962C8B-B14F-4D97-AF65-F5344CB8AC3E}">
-        <p14:creationId xmlns="" xmlns:p14="http://schemas.microsoft.com/office/powerpoint/2010/main" val="2188433489"/>
+        <p14:creationId xmlns:p14="http://schemas.microsoft.com/office/powerpoint/2010/main" val="2188433489"/>
       </p:ext>
     </p:extLst>
   </p:cSld>
@@ -6807,15 +6700,15 @@
   <p:timing>
     <p:tnLst>
       <p:par>
-        <p:cTn id="1" dur="indefinite" restart="never" nodeType="tmRoot"/>
+        <p:cTn xmlns:p14="http://schemas.microsoft.com/office/powerpoint/2010/main" id="1" dur="indefinite" restart="never" nodeType="tmRoot"/>
       </p:par>
     </p:tnLst>
   </p:timing>
 </p:sldLayout>
 </file>
 
-<file path=ppt/slideLayouts/slideLayout23.xml><?xml version="1.0" encoding="utf-8"?>
-<p:sldLayout xmlns:a="http://schemas.openxmlformats.org/drawingml/2006/main" xmlns:r="http://schemas.openxmlformats.org/officeDocument/2006/relationships" xmlns:p="http://schemas.openxmlformats.org/presentationml/2006/main" preserve="1" userDrawn="1">
+<file path=ppt/slideLayouts/slideLayout24.xml><?xml version="1.0" encoding="utf-8"?>
+<p:sldLayout xmlns:a="http://schemas.openxmlformats.org/drawingml/2006/main" xmlns:r="http://schemas.openxmlformats.org/officeDocument/2006/relationships" xmlns:p="http://schemas.openxmlformats.org/presentationml/2006/main" showMasterSp="0" preserve="1" userDrawn="1">
   <p:cSld name="1_Title and Vertical Text">
     <p:spTree>
       <p:nvGrpSpPr>
@@ -6981,7 +6874,7 @@
           <a:blip r:embed="rId2" cstate="print">
             <a:extLst>
               <a:ext uri="{28A0092B-C50C-407E-A947-70E740481C1C}">
-                <a14:useLocalDpi xmlns="" xmlns:a14="http://schemas.microsoft.com/office/drawing/2010/main" val="0"/>
+                <a14:useLocalDpi xmlns:a14="http://schemas.microsoft.com/office/drawing/2010/main" val="0"/>
               </a:ext>
             </a:extLst>
           </a:blip>
@@ -7038,7 +6931,7 @@
     </p:spTree>
     <p:extLst>
       <p:ext uri="{BB962C8B-B14F-4D97-AF65-F5344CB8AC3E}">
-        <p14:creationId xmlns="" xmlns:p14="http://schemas.microsoft.com/office/powerpoint/2010/main" val="1793845065"/>
+        <p14:creationId xmlns:p14="http://schemas.microsoft.com/office/powerpoint/2010/main" val="1793845065"/>
       </p:ext>
     </p:extLst>
   </p:cSld>
@@ -7048,15 +6941,15 @@
   <p:timing>
     <p:tnLst>
       <p:par>
-        <p:cTn id="1" dur="indefinite" restart="never" nodeType="tmRoot"/>
+        <p:cTn xmlns:p14="http://schemas.microsoft.com/office/powerpoint/2010/main" id="1" dur="indefinite" restart="never" nodeType="tmRoot"/>
       </p:par>
     </p:tnLst>
   </p:timing>
 </p:sldLayout>
 </file>
 
-<file path=ppt/slideLayouts/slideLayout24.xml><?xml version="1.0" encoding="utf-8"?>
-<p:sldLayout xmlns:a="http://schemas.openxmlformats.org/drawingml/2006/main" xmlns:r="http://schemas.openxmlformats.org/officeDocument/2006/relationships" xmlns:p="http://schemas.openxmlformats.org/presentationml/2006/main" preserve="1" userDrawn="1">
+<file path=ppt/slideLayouts/slideLayout25.xml><?xml version="1.0" encoding="utf-8"?>
+<p:sldLayout xmlns:a="http://schemas.openxmlformats.org/drawingml/2006/main" xmlns:r="http://schemas.openxmlformats.org/officeDocument/2006/relationships" xmlns:p="http://schemas.openxmlformats.org/presentationml/2006/main" showMasterSp="0" preserve="1" userDrawn="1">
   <p:cSld name="1_Vertical Title and Text">
     <p:spTree>
       <p:nvGrpSpPr>
@@ -7227,7 +7120,7 @@
           <a:blip r:embed="rId2" cstate="print">
             <a:extLst>
               <a:ext uri="{28A0092B-C50C-407E-A947-70E740481C1C}">
-                <a14:useLocalDpi xmlns="" xmlns:a14="http://schemas.microsoft.com/office/drawing/2010/main" val="0"/>
+                <a14:useLocalDpi xmlns:a14="http://schemas.microsoft.com/office/drawing/2010/main" val="0"/>
               </a:ext>
             </a:extLst>
           </a:blip>
@@ -7284,7 +7177,7 @@
     </p:spTree>
     <p:extLst>
       <p:ext uri="{BB962C8B-B14F-4D97-AF65-F5344CB8AC3E}">
-        <p14:creationId xmlns="" xmlns:p14="http://schemas.microsoft.com/office/powerpoint/2010/main" val="1669791555"/>
+        <p14:creationId xmlns:p14="http://schemas.microsoft.com/office/powerpoint/2010/main" val="1669791555"/>
       </p:ext>
     </p:extLst>
   </p:cSld>
@@ -7294,7 +7187,7 @@
   <p:timing>
     <p:tnLst>
       <p:par>
-        <p:cTn id="1" dur="indefinite" restart="never" nodeType="tmRoot"/>
+        <p:cTn xmlns:p14="http://schemas.microsoft.com/office/powerpoint/2010/main" id="1" dur="indefinite" restart="never" nodeType="tmRoot"/>
       </p:par>
     </p:tnLst>
   </p:timing>
@@ -7302,13 +7195,8 @@
 </file>
 
 <file path=ppt/slideLayouts/slideLayout3.xml><?xml version="1.0" encoding="utf-8"?>
-<p:sldLayout xmlns:a="http://schemas.openxmlformats.org/drawingml/2006/main" xmlns:r="http://schemas.openxmlformats.org/officeDocument/2006/relationships" xmlns:p="http://schemas.openxmlformats.org/presentationml/2006/main" type="secHead" preserve="1">
-  <p:cSld name="Section Header">
-    <p:bg>
-      <p:bgRef idx="1002">
-        <a:schemeClr val="bg2"/>
-      </p:bgRef>
-    </p:bg>
+<p:sldLayout xmlns:a="http://schemas.openxmlformats.org/drawingml/2006/main" xmlns:r="http://schemas.openxmlformats.org/officeDocument/2006/relationships" xmlns:p="http://schemas.openxmlformats.org/presentationml/2006/main" showMasterSp="0" preserve="1">
+  <p:cSld name="Title Slide with Picture">
     <p:spTree>
       <p:nvGrpSpPr>
         <p:cNvPr id="1" name=""/>
@@ -7323,231 +7211,404 @@
           <a:chExt cx="0" cy="0"/>
         </a:xfrm>
       </p:grpSpPr>
-      <p:pic>
-        <p:nvPicPr>
-          <p:cNvPr id="12" name="Picture 11" descr="CoverOverlay.png"/>
-          <p:cNvPicPr>
-            <a:picLocks noChangeAspect="1"/>
-          </p:cNvPicPr>
-          <p:nvPr/>
-        </p:nvPicPr>
-        <p:blipFill>
-          <a:blip r:embed="rId2" cstate="print">
-            <a:lum/>
-          </a:blip>
-          <a:stretch>
-            <a:fillRect/>
-          </a:stretch>
-        </p:blipFill>
+      <p:sp>
+        <p:nvSpPr>
+          <p:cNvPr id="2" name="Title 1"/>
+          <p:cNvSpPr>
+            <a:spLocks noGrp="1"/>
+          </p:cNvSpPr>
+          <p:nvPr>
+            <p:ph type="ctrTitle"/>
+          </p:nvPr>
+        </p:nvSpPr>
         <p:spPr>
           <a:xfrm>
-            <a:off x="0" y="0"/>
-            <a:ext cx="9144000" cy="6858000"/>
+            <a:off x="363538" y="3352801"/>
+            <a:ext cx="8416925" cy="1470025"/>
           </a:xfrm>
-          <a:prstGeom prst="rect">
-            <a:avLst/>
-          </a:prstGeom>
         </p:spPr>
-      </p:pic>
-      <p:grpSp>
-        <p:nvGrpSpPr>
-          <p:cNvPr id="7" name="Group 7"/>
-          <p:cNvGrpSpPr/>
-          <p:nvPr/>
-        </p:nvGrpSpPr>
-        <p:grpSpPr>
-          <a:xfrm>
-            <a:off x="1172584" y="2887579"/>
-            <a:ext cx="6779110" cy="923330"/>
-            <a:chOff x="1172584" y="1381459"/>
-            <a:chExt cx="6779110" cy="923330"/>
-          </a:xfrm>
-        </p:grpSpPr>
-        <p:sp>
-          <p:nvSpPr>
-            <p:cNvPr id="9" name="TextBox 8"/>
-            <p:cNvSpPr txBox="1"/>
-            <p:nvPr/>
-          </p:nvSpPr>
-          <p:spPr>
-            <a:xfrm>
-              <a:off x="4147073" y="1381459"/>
-              <a:ext cx="877163" cy="923330"/>
-            </a:xfrm>
-            <a:prstGeom prst="rect">
-              <a:avLst/>
-            </a:prstGeom>
-            <a:noFill/>
-          </p:spPr>
-          <p:txBody>
-            <a:bodyPr wrap="none" rtlCol="0">
-              <a:spAutoFit/>
-            </a:bodyPr>
-            <a:lstStyle/>
-            <a:p>
-              <a:r>
-                <a:rPr lang="en-US" sz="5400" dirty="0" smtClean="0">
-                  <a:solidFill>
-                    <a:schemeClr val="tx2">
-                      <a:lumMod val="60000"/>
-                      <a:lumOff val="40000"/>
-                    </a:schemeClr>
-                  </a:solidFill>
-                  <a:latin typeface="Wingdings" pitchFamily="2" charset="2"/>
-                </a:rPr>
-                <a:t></a:t>
-              </a:r>
-              <a:endParaRPr lang="en-US" sz="5400" dirty="0">
-                <a:solidFill>
-                  <a:schemeClr val="tx2">
-                    <a:lumMod val="60000"/>
-                    <a:lumOff val="40000"/>
-                  </a:schemeClr>
-                </a:solidFill>
-                <a:latin typeface="Wingdings" pitchFamily="2" charset="2"/>
-              </a:endParaRPr>
-            </a:p>
-          </p:txBody>
-        </p:sp>
-        <p:cxnSp>
-          <p:nvCxnSpPr>
-            <p:cNvPr id="10" name="Straight Connector 9"/>
-            <p:cNvCxnSpPr/>
-            <p:nvPr/>
-          </p:nvCxnSpPr>
-          <p:spPr>
-            <a:xfrm rot="10800000">
-              <a:off x="1172584" y="1925620"/>
-              <a:ext cx="3119718" cy="1588"/>
-            </a:xfrm>
-            <a:prstGeom prst="line">
-              <a:avLst/>
-            </a:prstGeom>
-            <a:ln>
-              <a:solidFill>
-                <a:schemeClr val="tx2">
-                  <a:lumMod val="60000"/>
-                  <a:lumOff val="40000"/>
-                </a:schemeClr>
-              </a:solidFill>
-            </a:ln>
-            <a:effectLst/>
-          </p:spPr>
-          <p:style>
-            <a:lnRef idx="1">
-              <a:schemeClr val="accent1"/>
-            </a:lnRef>
-            <a:fillRef idx="0">
-              <a:schemeClr val="accent1"/>
-            </a:fillRef>
-            <a:effectRef idx="0">
-              <a:schemeClr val="accent1"/>
-            </a:effectRef>
-            <a:fontRef idx="minor">
-              <a:schemeClr val="tx1"/>
-            </a:fontRef>
-          </p:style>
-        </p:cxnSp>
-        <p:cxnSp>
-          <p:nvCxnSpPr>
-            <p:cNvPr id="11" name="Straight Connector 10"/>
-            <p:cNvCxnSpPr/>
-            <p:nvPr/>
-          </p:nvCxnSpPr>
-          <p:spPr>
-            <a:xfrm rot="10800000">
-              <a:off x="4831976" y="1927412"/>
-              <a:ext cx="3119718" cy="1588"/>
-            </a:xfrm>
-            <a:prstGeom prst="line">
-              <a:avLst/>
-            </a:prstGeom>
-            <a:ln>
-              <a:solidFill>
-                <a:schemeClr val="tx2">
-                  <a:lumMod val="60000"/>
-                  <a:lumOff val="40000"/>
-                </a:schemeClr>
-              </a:solidFill>
-            </a:ln>
-            <a:effectLst/>
-          </p:spPr>
-          <p:style>
-            <a:lnRef idx="1">
-              <a:schemeClr val="accent1"/>
-            </a:lnRef>
-            <a:fillRef idx="0">
-              <a:schemeClr val="accent1"/>
-            </a:fillRef>
-            <a:effectRef idx="0">
-              <a:schemeClr val="accent1"/>
-            </a:effectRef>
-            <a:fontRef idx="minor">
-              <a:schemeClr val="tx1"/>
-            </a:fontRef>
-          </p:style>
-        </p:cxnSp>
-      </p:grpSp>
-      <p:sp>
-        <p:nvSpPr>
-          <p:cNvPr id="2" name="Title 1"/>
-          <p:cNvSpPr>
-            <a:spLocks noGrp="1"/>
-          </p:cNvSpPr>
-          <p:nvPr>
-            <p:ph type="title"/>
+        <p:txBody>
+          <a:bodyPr/>
+          <a:lstStyle/>
+          <a:p>
+            <a:r>
+              <a:rPr lang="x-none" smtClean="0"/>
+              <a:t>Click to edit Master title style</a:t>
+            </a:r>
+            <a:endParaRPr dirty="0"/>
+          </a:p>
+        </p:txBody>
+      </p:sp>
+      <p:sp>
+        <p:nvSpPr>
+          <p:cNvPr id="3" name="Subtitle 2"/>
+          <p:cNvSpPr>
+            <a:spLocks noGrp="1"/>
+          </p:cNvSpPr>
+          <p:nvPr>
+            <p:ph type="subTitle" idx="1"/>
           </p:nvPr>
         </p:nvSpPr>
         <p:spPr>
           <a:xfrm>
-            <a:off x="690040" y="1204857"/>
-            <a:ext cx="7754713" cy="1910716"/>
+            <a:off x="363538" y="4771029"/>
+            <a:ext cx="8416925" cy="972671"/>
           </a:xfrm>
         </p:spPr>
         <p:txBody>
-          <a:bodyPr anchor="b"/>
+          <a:bodyPr>
+            <a:normAutofit/>
+          </a:bodyPr>
           <a:lstStyle>
-            <a:lvl1pPr algn="ctr">
-              <a:defRPr sz="5400" b="0" cap="none" baseline="0">
+            <a:lvl1pPr marL="0" indent="0" algn="ctr">
+              <a:spcBef>
+                <a:spcPts val="300"/>
+              </a:spcBef>
+              <a:buNone/>
+              <a:defRPr sz="1800">
                 <a:solidFill>
-                  <a:schemeClr val="tx2"/>
+                  <a:schemeClr val="tx1">
+                    <a:tint val="75000"/>
+                  </a:schemeClr>
                 </a:solidFill>
               </a:defRPr>
             </a:lvl1pPr>
+            <a:lvl2pPr marL="457200" indent="0" algn="ctr">
+              <a:buNone/>
+              <a:defRPr>
+                <a:solidFill>
+                  <a:schemeClr val="tx1">
+                    <a:tint val="75000"/>
+                  </a:schemeClr>
+                </a:solidFill>
+              </a:defRPr>
+            </a:lvl2pPr>
+            <a:lvl3pPr marL="914400" indent="0" algn="ctr">
+              <a:buNone/>
+              <a:defRPr>
+                <a:solidFill>
+                  <a:schemeClr val="tx1">
+                    <a:tint val="75000"/>
+                  </a:schemeClr>
+                </a:solidFill>
+              </a:defRPr>
+            </a:lvl3pPr>
+            <a:lvl4pPr marL="1371600" indent="0" algn="ctr">
+              <a:buNone/>
+              <a:defRPr>
+                <a:solidFill>
+                  <a:schemeClr val="tx1">
+                    <a:tint val="75000"/>
+                  </a:schemeClr>
+                </a:solidFill>
+              </a:defRPr>
+            </a:lvl4pPr>
+            <a:lvl5pPr marL="1828800" indent="0" algn="ctr">
+              <a:buNone/>
+              <a:defRPr>
+                <a:solidFill>
+                  <a:schemeClr val="tx1">
+                    <a:tint val="75000"/>
+                  </a:schemeClr>
+                </a:solidFill>
+              </a:defRPr>
+            </a:lvl5pPr>
+            <a:lvl6pPr marL="2286000" indent="0" algn="ctr">
+              <a:buNone/>
+              <a:defRPr>
+                <a:solidFill>
+                  <a:schemeClr val="tx1">
+                    <a:tint val="75000"/>
+                  </a:schemeClr>
+                </a:solidFill>
+              </a:defRPr>
+            </a:lvl6pPr>
+            <a:lvl7pPr marL="2743200" indent="0" algn="ctr">
+              <a:buNone/>
+              <a:defRPr>
+                <a:solidFill>
+                  <a:schemeClr val="tx1">
+                    <a:tint val="75000"/>
+                  </a:schemeClr>
+                </a:solidFill>
+              </a:defRPr>
+            </a:lvl7pPr>
+            <a:lvl8pPr marL="3200400" indent="0" algn="ctr">
+              <a:buNone/>
+              <a:defRPr>
+                <a:solidFill>
+                  <a:schemeClr val="tx1">
+                    <a:tint val="75000"/>
+                  </a:schemeClr>
+                </a:solidFill>
+              </a:defRPr>
+            </a:lvl8pPr>
+            <a:lvl9pPr marL="3657600" indent="0" algn="ctr">
+              <a:buNone/>
+              <a:defRPr>
+                <a:solidFill>
+                  <a:schemeClr val="tx1">
+                    <a:tint val="75000"/>
+                  </a:schemeClr>
+                </a:solidFill>
+              </a:defRPr>
+            </a:lvl9pPr>
           </a:lstStyle>
           <a:p>
             <a:r>
+              <a:rPr lang="x-none" smtClean="0"/>
+              <a:t>Click to edit Master subtitle style</a:t>
+            </a:r>
+            <a:endParaRPr dirty="0"/>
+          </a:p>
+        </p:txBody>
+      </p:sp>
+      <p:sp>
+        <p:nvSpPr>
+          <p:cNvPr id="4" name="Date Placeholder 3"/>
+          <p:cNvSpPr>
+            <a:spLocks noGrp="1"/>
+          </p:cNvSpPr>
+          <p:nvPr>
+            <p:ph type="dt" sz="half" idx="10"/>
+          </p:nvPr>
+        </p:nvSpPr>
+        <p:spPr/>
+        <p:txBody>
+          <a:bodyPr/>
+          <a:lstStyle/>
+          <a:p>
+            <a:pPr algn="r" eaLnBrk="1" latinLnBrk="0" hangingPunct="1"/>
+            <a:fld id="{9D21D778-B565-4D7E-94D7-64010A445B68}" type="datetimeFigureOut">
               <a:rPr lang="en-US" smtClean="0"/>
-              <a:t>Click to edit Master title style</a:t>
-            </a:r>
-            <a:endParaRPr lang="en-US" dirty="0"/>
-          </a:p>
-        </p:txBody>
-      </p:sp>
-      <p:sp>
-        <p:nvSpPr>
-          <p:cNvPr id="3" name="Text Placeholder 2"/>
-          <p:cNvSpPr>
-            <a:spLocks noGrp="1"/>
-          </p:cNvSpPr>
-          <p:nvPr>
-            <p:ph type="body" idx="1"/>
+              <a:pPr algn="r" eaLnBrk="1" latinLnBrk="0" hangingPunct="1"/>
+              <a:t>2/16/14</a:t>
+            </a:fld>
+            <a:endParaRPr lang="en-US" sz="1400" dirty="0">
+              <a:solidFill>
+                <a:srgbClr val="FFFFFF"/>
+              </a:solidFill>
+            </a:endParaRPr>
+          </a:p>
+        </p:txBody>
+      </p:sp>
+      <p:sp>
+        <p:nvSpPr>
+          <p:cNvPr id="5" name="Footer Placeholder 4"/>
+          <p:cNvSpPr>
+            <a:spLocks noGrp="1"/>
+          </p:cNvSpPr>
+          <p:nvPr>
+            <p:ph type="ftr" sz="quarter" idx="11"/>
+          </p:nvPr>
+        </p:nvSpPr>
+        <p:spPr/>
+        <p:txBody>
+          <a:bodyPr/>
+          <a:lstStyle/>
+          <a:p>
+            <a:pPr algn="r" eaLnBrk="0" fontAlgn="base" hangingPunct="0">
+              <a:spcBef>
+                <a:spcPct val="0"/>
+              </a:spcBef>
+              <a:spcAft>
+                <a:spcPct val="0"/>
+              </a:spcAft>
+            </a:pPr>
+            <a:endParaRPr lang="en-GB" dirty="0"/>
+          </a:p>
+        </p:txBody>
+      </p:sp>
+      <p:sp>
+        <p:nvSpPr>
+          <p:cNvPr id="6" name="Slide Number Placeholder 5"/>
+          <p:cNvSpPr>
+            <a:spLocks noGrp="1"/>
+          </p:cNvSpPr>
+          <p:nvPr>
+            <p:ph type="sldNum" sz="quarter" idx="12"/>
+          </p:nvPr>
+        </p:nvSpPr>
+        <p:spPr/>
+        <p:txBody>
+          <a:bodyPr/>
+          <a:lstStyle/>
+          <a:p>
+            <a:fld id="{EF789A81-9B9B-445C-8A60-F916862B4649}" type="slidenum">
+              <a:rPr lang="en-GB" smtClean="0"/>
+              <a:pPr/>
+              <a:t>‹#›</a:t>
+            </a:fld>
+            <a:endParaRPr lang="en-GB" dirty="0"/>
+          </a:p>
+        </p:txBody>
+      </p:sp>
+      <p:sp>
+        <p:nvSpPr>
+          <p:cNvPr id="9" name="Picture Placeholder 2"/>
+          <p:cNvSpPr>
+            <a:spLocks noGrp="1"/>
+          </p:cNvSpPr>
+          <p:nvPr>
+            <p:ph type="pic" idx="13"/>
           </p:nvPr>
         </p:nvSpPr>
         <p:spPr>
           <a:xfrm>
-            <a:off x="699248" y="3767316"/>
-            <a:ext cx="7734747" cy="1500187"/>
+            <a:off x="370980" y="363538"/>
+            <a:ext cx="8402040" cy="2836862"/>
+          </a:xfrm>
+          <a:ln w="3175">
+            <a:solidFill>
+              <a:schemeClr val="bg1"/>
+            </a:solidFill>
+          </a:ln>
+          <a:effectLst>
+            <a:outerShdw blurRad="63500" sx="100500" sy="100500" algn="ctr" rotWithShape="0">
+              <a:prstClr val="black">
+                <a:alpha val="50000"/>
+              </a:prstClr>
+            </a:outerShdw>
+          </a:effectLst>
+        </p:spPr>
+        <p:txBody>
+          <a:bodyPr/>
+          <a:lstStyle>
+            <a:lvl1pPr marL="0" indent="0">
+              <a:buNone/>
+              <a:defRPr sz="3200"/>
+            </a:lvl1pPr>
+            <a:lvl2pPr marL="457200" indent="0">
+              <a:buNone/>
+              <a:defRPr sz="2800"/>
+            </a:lvl2pPr>
+            <a:lvl3pPr marL="914400" indent="0">
+              <a:buNone/>
+              <a:defRPr sz="2400"/>
+            </a:lvl3pPr>
+            <a:lvl4pPr marL="1371600" indent="0">
+              <a:buNone/>
+              <a:defRPr sz="2000"/>
+            </a:lvl4pPr>
+            <a:lvl5pPr marL="1828800" indent="0">
+              <a:buNone/>
+              <a:defRPr sz="2000"/>
+            </a:lvl5pPr>
+            <a:lvl6pPr marL="2286000" indent="0">
+              <a:buNone/>
+              <a:defRPr sz="2000"/>
+            </a:lvl6pPr>
+            <a:lvl7pPr marL="2743200" indent="0">
+              <a:buNone/>
+              <a:defRPr sz="2000"/>
+            </a:lvl7pPr>
+            <a:lvl8pPr marL="3200400" indent="0">
+              <a:buNone/>
+              <a:defRPr sz="2000"/>
+            </a:lvl8pPr>
+            <a:lvl9pPr marL="3657600" indent="0">
+              <a:buNone/>
+              <a:defRPr sz="2000"/>
+            </a:lvl9pPr>
+          </a:lstStyle>
+          <a:p>
+            <a:r>
+              <a:rPr lang="x-none" smtClean="0"/>
+              <a:t>Drag picture to placeholder or click icon to add</a:t>
+            </a:r>
+            <a:endParaRPr/>
+          </a:p>
+        </p:txBody>
+      </p:sp>
+    </p:spTree>
+  </p:cSld>
+  <p:clrMapOvr>
+    <a:masterClrMapping/>
+  </p:clrMapOvr>
+  <p:hf hdr="0" dt="0"/>
+</p:sldLayout>
+</file>
+
+<file path=ppt/slideLayouts/slideLayout4.xml><?xml version="1.0" encoding="utf-8"?>
+<p:sldLayout xmlns:a="http://schemas.openxmlformats.org/drawingml/2006/main" xmlns:r="http://schemas.openxmlformats.org/officeDocument/2006/relationships" xmlns:p="http://schemas.openxmlformats.org/presentationml/2006/main" showMasterSp="0" type="secHead" preserve="1">
+  <p:cSld name="Section Header">
+    <p:spTree>
+      <p:nvGrpSpPr>
+        <p:cNvPr id="1" name=""/>
+        <p:cNvGrpSpPr/>
+        <p:nvPr/>
+      </p:nvGrpSpPr>
+      <p:grpSpPr>
+        <a:xfrm>
+          <a:off x="0" y="0"/>
+          <a:ext cx="0" cy="0"/>
+          <a:chOff x="0" y="0"/>
+          <a:chExt cx="0" cy="0"/>
+        </a:xfrm>
+      </p:grpSpPr>
+      <p:sp>
+        <p:nvSpPr>
+          <p:cNvPr id="2" name="Title 1"/>
+          <p:cNvSpPr>
+            <a:spLocks noGrp="1"/>
+          </p:cNvSpPr>
+          <p:nvPr>
+            <p:ph type="title"/>
+          </p:nvPr>
+        </p:nvSpPr>
+        <p:spPr>
+          <a:xfrm>
+            <a:off x="549275" y="2403144"/>
+            <a:ext cx="8056563" cy="1362075"/>
           </a:xfrm>
         </p:spPr>
         <p:txBody>
-          <a:bodyPr anchor="t"/>
+          <a:bodyPr anchor="b" anchorCtr="0"/>
+          <a:lstStyle>
+            <a:lvl1pPr algn="ctr">
+              <a:defRPr sz="4600" b="0" cap="none" baseline="0"/>
+            </a:lvl1pPr>
+          </a:lstStyle>
+          <a:p>
+            <a:r>
+              <a:rPr lang="x-none" smtClean="0"/>
+              <a:t>Click to edit Master title style</a:t>
+            </a:r>
+            <a:endParaRPr/>
+          </a:p>
+        </p:txBody>
+      </p:sp>
+      <p:sp>
+        <p:nvSpPr>
+          <p:cNvPr id="3" name="Text Placeholder 2"/>
+          <p:cNvSpPr>
+            <a:spLocks noGrp="1"/>
+          </p:cNvSpPr>
+          <p:nvPr>
+            <p:ph type="body" idx="1"/>
+          </p:nvPr>
+        </p:nvSpPr>
+        <p:spPr>
+          <a:xfrm>
+            <a:off x="549275" y="3736005"/>
+            <a:ext cx="8056563" cy="1500187"/>
+          </a:xfrm>
+        </p:spPr>
+        <p:txBody>
+          <a:bodyPr anchor="t" anchorCtr="0">
+            <a:normAutofit/>
+          </a:bodyPr>
           <a:lstStyle>
             <a:lvl1pPr marL="0" indent="0" algn="ctr">
-              <a:buNone/>
-              <a:defRPr sz="2000">
+              <a:spcBef>
+                <a:spcPts val="300"/>
+              </a:spcBef>
+              <a:buNone/>
+              <a:defRPr sz="1800">
                 <a:solidFill>
-                  <a:schemeClr val="tx2"/>
+                  <a:schemeClr val="tx1">
+                    <a:tint val="75000"/>
+                  </a:schemeClr>
                 </a:solidFill>
               </a:defRPr>
             </a:lvl1pPr>
@@ -7635,7 +7696,7 @@
           <a:p>
             <a:pPr lvl="0"/>
             <a:r>
-              <a:rPr lang="en-US" smtClean="0"/>
+              <a:rPr lang="x-none" smtClean="0"/>
               <a:t>Click to edit Master text styles</a:t>
             </a:r>
           </a:p>
@@ -7660,7 +7721,7 @@
             <a:fld id="{9D21D778-B565-4D7E-94D7-64010A445B68}" type="datetimeFigureOut">
               <a:rPr lang="en-US" smtClean="0"/>
               <a:pPr eaLnBrk="1" latinLnBrk="0" hangingPunct="1"/>
-              <a:t>2/15/2014</a:t>
+              <a:t>2/16/14</a:t>
             </a:fld>
             <a:endParaRPr lang="en-US"/>
           </a:p>
@@ -7711,17 +7772,17 @@
       </p:sp>
       <p:pic>
         <p:nvPicPr>
-          <p:cNvPr id="13" name="Picture 12"/>
+          <p:cNvPr id="7" name="Picture 6"/>
           <p:cNvPicPr>
             <a:picLocks noChangeAspect="1"/>
           </p:cNvPicPr>
           <p:nvPr userDrawn="1"/>
         </p:nvPicPr>
         <p:blipFill>
-          <a:blip r:embed="rId3" cstate="print">
+          <a:blip r:embed="rId2" cstate="print">
             <a:extLst>
               <a:ext uri="{28A0092B-C50C-407E-A947-70E740481C1C}">
-                <a14:useLocalDpi xmlns="" xmlns:a14="http://schemas.microsoft.com/office/drawing/2010/main" val="0"/>
+                <a14:useLocalDpi xmlns:a14="http://schemas.microsoft.com/office/drawing/2010/main" val="0"/>
               </a:ext>
             </a:extLst>
           </a:blip>
@@ -7742,13 +7803,13 @@
     </p:spTree>
   </p:cSld>
   <p:clrMapOvr>
-    <a:overrideClrMapping bg1="lt1" tx1="dk1" bg2="lt2" tx2="dk2" accent1="accent1" accent2="accent2" accent3="accent3" accent4="accent4" accent5="accent5" accent6="accent6" hlink="hlink" folHlink="folHlink"/>
+    <a:masterClrMapping/>
   </p:clrMapOvr>
 </p:sldLayout>
 </file>
 
-<file path=ppt/slideLayouts/slideLayout4.xml><?xml version="1.0" encoding="utf-8"?>
-<p:sldLayout xmlns:a="http://schemas.openxmlformats.org/drawingml/2006/main" xmlns:r="http://schemas.openxmlformats.org/officeDocument/2006/relationships" xmlns:p="http://schemas.openxmlformats.org/presentationml/2006/main" type="twoObj" preserve="1">
+<file path=ppt/slideLayouts/slideLayout5.xml><?xml version="1.0" encoding="utf-8"?>
+<p:sldLayout xmlns:a="http://schemas.openxmlformats.org/drawingml/2006/main" xmlns:r="http://schemas.openxmlformats.org/officeDocument/2006/relationships" xmlns:p="http://schemas.openxmlformats.org/presentationml/2006/main" showMasterSp="0" type="twoObj" preserve="1">
   <p:cSld name="Two Content">
     <p:spTree>
       <p:nvGrpSpPr>
@@ -7766,6 +7827,214 @@
       </p:grpSpPr>
       <p:sp>
         <p:nvSpPr>
+          <p:cNvPr id="2" name="Title 1"/>
+          <p:cNvSpPr>
+            <a:spLocks noGrp="1"/>
+          </p:cNvSpPr>
+          <p:nvPr>
+            <p:ph type="title"/>
+          </p:nvPr>
+        </p:nvSpPr>
+        <p:spPr>
+          <a:xfrm>
+            <a:off x="549275" y="107576"/>
+            <a:ext cx="8042276" cy="1336956"/>
+          </a:xfrm>
+        </p:spPr>
+        <p:txBody>
+          <a:bodyPr/>
+          <a:lstStyle/>
+          <a:p>
+            <a:r>
+              <a:rPr lang="x-none" smtClean="0"/>
+              <a:t>Click to edit Master title style</a:t>
+            </a:r>
+            <a:endParaRPr/>
+          </a:p>
+        </p:txBody>
+      </p:sp>
+      <p:sp>
+        <p:nvSpPr>
+          <p:cNvPr id="3" name="Content Placeholder 2"/>
+          <p:cNvSpPr>
+            <a:spLocks noGrp="1"/>
+          </p:cNvSpPr>
+          <p:nvPr>
+            <p:ph sz="half" idx="1"/>
+          </p:nvPr>
+        </p:nvSpPr>
+        <p:spPr>
+          <a:xfrm>
+            <a:off x="549275" y="1600201"/>
+            <a:ext cx="3840480" cy="4343400"/>
+          </a:xfrm>
+        </p:spPr>
+        <p:txBody>
+          <a:bodyPr>
+            <a:normAutofit/>
+          </a:bodyPr>
+          <a:lstStyle>
+            <a:lvl1pPr>
+              <a:spcBef>
+                <a:spcPts val="1600"/>
+              </a:spcBef>
+              <a:defRPr sz="2000"/>
+            </a:lvl1pPr>
+            <a:lvl2pPr>
+              <a:defRPr sz="1800"/>
+            </a:lvl2pPr>
+            <a:lvl3pPr>
+              <a:defRPr sz="1800"/>
+            </a:lvl3pPr>
+            <a:lvl4pPr>
+              <a:defRPr sz="1800"/>
+            </a:lvl4pPr>
+            <a:lvl5pPr>
+              <a:defRPr sz="1800"/>
+            </a:lvl5pPr>
+            <a:lvl6pPr>
+              <a:defRPr sz="1800"/>
+            </a:lvl6pPr>
+            <a:lvl7pPr>
+              <a:defRPr sz="1800"/>
+            </a:lvl7pPr>
+            <a:lvl8pPr>
+              <a:defRPr sz="1800"/>
+            </a:lvl8pPr>
+            <a:lvl9pPr>
+              <a:defRPr sz="1800"/>
+            </a:lvl9pPr>
+          </a:lstStyle>
+          <a:p>
+            <a:pPr lvl="0"/>
+            <a:r>
+              <a:rPr lang="x-none" smtClean="0"/>
+              <a:t>Click to edit Master text styles</a:t>
+            </a:r>
+          </a:p>
+          <a:p>
+            <a:pPr lvl="1"/>
+            <a:r>
+              <a:rPr lang="x-none" smtClean="0"/>
+              <a:t>Second level</a:t>
+            </a:r>
+          </a:p>
+          <a:p>
+            <a:pPr lvl="2"/>
+            <a:r>
+              <a:rPr lang="x-none" smtClean="0"/>
+              <a:t>Third level</a:t>
+            </a:r>
+          </a:p>
+          <a:p>
+            <a:pPr lvl="3"/>
+            <a:r>
+              <a:rPr lang="x-none" smtClean="0"/>
+              <a:t>Fourth level</a:t>
+            </a:r>
+          </a:p>
+          <a:p>
+            <a:pPr lvl="4"/>
+            <a:r>
+              <a:rPr lang="x-none" smtClean="0"/>
+              <a:t>Fifth level</a:t>
+            </a:r>
+            <a:endParaRPr dirty="0"/>
+          </a:p>
+        </p:txBody>
+      </p:sp>
+      <p:sp>
+        <p:nvSpPr>
+          <p:cNvPr id="4" name="Content Placeholder 3"/>
+          <p:cNvSpPr>
+            <a:spLocks noGrp="1"/>
+          </p:cNvSpPr>
+          <p:nvPr>
+            <p:ph sz="half" idx="2"/>
+          </p:nvPr>
+        </p:nvSpPr>
+        <p:spPr>
+          <a:xfrm>
+            <a:off x="4751071" y="1600201"/>
+            <a:ext cx="3840480" cy="4343400"/>
+          </a:xfrm>
+        </p:spPr>
+        <p:txBody>
+          <a:bodyPr>
+            <a:normAutofit/>
+          </a:bodyPr>
+          <a:lstStyle>
+            <a:lvl1pPr>
+              <a:spcBef>
+                <a:spcPts val="1600"/>
+              </a:spcBef>
+              <a:defRPr sz="2000"/>
+            </a:lvl1pPr>
+            <a:lvl2pPr>
+              <a:defRPr sz="1800"/>
+            </a:lvl2pPr>
+            <a:lvl3pPr>
+              <a:defRPr sz="1800"/>
+            </a:lvl3pPr>
+            <a:lvl4pPr>
+              <a:defRPr sz="1800"/>
+            </a:lvl4pPr>
+            <a:lvl5pPr>
+              <a:defRPr sz="1800"/>
+            </a:lvl5pPr>
+            <a:lvl6pPr>
+              <a:defRPr sz="1800"/>
+            </a:lvl6pPr>
+            <a:lvl7pPr>
+              <a:defRPr sz="1800"/>
+            </a:lvl7pPr>
+            <a:lvl8pPr>
+              <a:defRPr sz="1800"/>
+            </a:lvl8pPr>
+            <a:lvl9pPr>
+              <a:defRPr sz="1800"/>
+            </a:lvl9pPr>
+          </a:lstStyle>
+          <a:p>
+            <a:pPr lvl="0"/>
+            <a:r>
+              <a:rPr lang="x-none" smtClean="0"/>
+              <a:t>Click to edit Master text styles</a:t>
+            </a:r>
+          </a:p>
+          <a:p>
+            <a:pPr lvl="1"/>
+            <a:r>
+              <a:rPr lang="x-none" smtClean="0"/>
+              <a:t>Second level</a:t>
+            </a:r>
+          </a:p>
+          <a:p>
+            <a:pPr lvl="2"/>
+            <a:r>
+              <a:rPr lang="x-none" smtClean="0"/>
+              <a:t>Third level</a:t>
+            </a:r>
+          </a:p>
+          <a:p>
+            <a:pPr lvl="3"/>
+            <a:r>
+              <a:rPr lang="x-none" smtClean="0"/>
+              <a:t>Fourth level</a:t>
+            </a:r>
+          </a:p>
+          <a:p>
+            <a:pPr lvl="4"/>
+            <a:r>
+              <a:rPr lang="x-none" smtClean="0"/>
+              <a:t>Fifth level</a:t>
+            </a:r>
+            <a:endParaRPr dirty="0"/>
+          </a:p>
+        </p:txBody>
+      </p:sp>
+      <p:sp>
+        <p:nvSpPr>
           <p:cNvPr id="5" name="Date Placeholder 4"/>
           <p:cNvSpPr>
             <a:spLocks noGrp="1"/>
@@ -7783,7 +8052,7 @@
             <a:fld id="{9D21D778-B565-4D7E-94D7-64010A445B68}" type="datetimeFigureOut">
               <a:rPr lang="en-US" smtClean="0"/>
               <a:pPr eaLnBrk="1" latinLnBrk="0" hangingPunct="1"/>
-              <a:t>2/15/2014</a:t>
+              <a:t>2/16/14</a:t>
             </a:fld>
             <a:endParaRPr lang="en-US"/>
           </a:p>
@@ -7840,290 +8109,6 @@
           </a:p>
         </p:txBody>
       </p:sp>
-      <p:sp>
-        <p:nvSpPr>
-          <p:cNvPr id="12" name="Title 11"/>
-          <p:cNvSpPr>
-            <a:spLocks noGrp="1"/>
-          </p:cNvSpPr>
-          <p:nvPr>
-            <p:ph type="title"/>
-          </p:nvPr>
-        </p:nvSpPr>
-        <p:spPr/>
-        <p:txBody>
-          <a:bodyPr/>
-          <a:lstStyle>
-            <a:lvl1pPr>
-              <a:defRPr>
-                <a:solidFill>
-                  <a:schemeClr val="tx2"/>
-                </a:solidFill>
-              </a:defRPr>
-            </a:lvl1pPr>
-          </a:lstStyle>
-          <a:p>
-            <a:r>
-              <a:rPr lang="en-US" smtClean="0"/>
-              <a:t>Click to edit Master title style</a:t>
-            </a:r>
-            <a:endParaRPr lang="en-US" dirty="0"/>
-          </a:p>
-        </p:txBody>
-      </p:sp>
-      <p:grpSp>
-        <p:nvGrpSpPr>
-          <p:cNvPr id="13" name="Group 12"/>
-          <p:cNvGrpSpPr/>
-          <p:nvPr/>
-        </p:nvGrpSpPr>
-        <p:grpSpPr>
-          <a:xfrm>
-            <a:off x="1172584" y="1392217"/>
-            <a:ext cx="6779110" cy="923330"/>
-            <a:chOff x="1172584" y="1381459"/>
-            <a:chExt cx="6779110" cy="923330"/>
-          </a:xfrm>
-        </p:grpSpPr>
-        <p:sp>
-          <p:nvSpPr>
-            <p:cNvPr id="14" name="TextBox 13"/>
-            <p:cNvSpPr txBox="1"/>
-            <p:nvPr/>
-          </p:nvSpPr>
-          <p:spPr>
-            <a:xfrm>
-              <a:off x="4147073" y="1381459"/>
-              <a:ext cx="877163" cy="923330"/>
-            </a:xfrm>
-            <a:prstGeom prst="rect">
-              <a:avLst/>
-            </a:prstGeom>
-            <a:noFill/>
-          </p:spPr>
-          <p:txBody>
-            <a:bodyPr wrap="none" rtlCol="0">
-              <a:spAutoFit/>
-            </a:bodyPr>
-            <a:lstStyle/>
-            <a:p>
-              <a:r>
-                <a:rPr lang="en-US" sz="5400" dirty="0" smtClean="0">
-                  <a:solidFill>
-                    <a:schemeClr val="tx2">
-                      <a:lumMod val="60000"/>
-                      <a:lumOff val="40000"/>
-                    </a:schemeClr>
-                  </a:solidFill>
-                  <a:latin typeface="Wingdings" pitchFamily="2" charset="2"/>
-                </a:rPr>
-                <a:t></a:t>
-              </a:r>
-              <a:endParaRPr lang="en-US" sz="5400" dirty="0">
-                <a:solidFill>
-                  <a:schemeClr val="tx2">
-                    <a:lumMod val="60000"/>
-                    <a:lumOff val="40000"/>
-                  </a:schemeClr>
-                </a:solidFill>
-                <a:latin typeface="Wingdings" pitchFamily="2" charset="2"/>
-              </a:endParaRPr>
-            </a:p>
-          </p:txBody>
-        </p:sp>
-        <p:cxnSp>
-          <p:nvCxnSpPr>
-            <p:cNvPr id="15" name="Straight Connector 14"/>
-            <p:cNvCxnSpPr/>
-            <p:nvPr/>
-          </p:nvCxnSpPr>
-          <p:spPr>
-            <a:xfrm rot="10800000">
-              <a:off x="1172584" y="1925620"/>
-              <a:ext cx="3119718" cy="1588"/>
-            </a:xfrm>
-            <a:prstGeom prst="line">
-              <a:avLst/>
-            </a:prstGeom>
-            <a:ln>
-              <a:solidFill>
-                <a:schemeClr val="tx2">
-                  <a:lumMod val="60000"/>
-                  <a:lumOff val="40000"/>
-                </a:schemeClr>
-              </a:solidFill>
-            </a:ln>
-            <a:effectLst/>
-          </p:spPr>
-          <p:style>
-            <a:lnRef idx="1">
-              <a:schemeClr val="accent1"/>
-            </a:lnRef>
-            <a:fillRef idx="0">
-              <a:schemeClr val="accent1"/>
-            </a:fillRef>
-            <a:effectRef idx="0">
-              <a:schemeClr val="accent1"/>
-            </a:effectRef>
-            <a:fontRef idx="minor">
-              <a:schemeClr val="tx1"/>
-            </a:fontRef>
-          </p:style>
-        </p:cxnSp>
-        <p:cxnSp>
-          <p:nvCxnSpPr>
-            <p:cNvPr id="16" name="Straight Connector 15"/>
-            <p:cNvCxnSpPr/>
-            <p:nvPr/>
-          </p:nvCxnSpPr>
-          <p:spPr>
-            <a:xfrm rot="10800000">
-              <a:off x="4831976" y="1922650"/>
-              <a:ext cx="3119718" cy="1588"/>
-            </a:xfrm>
-            <a:prstGeom prst="line">
-              <a:avLst/>
-            </a:prstGeom>
-            <a:ln>
-              <a:solidFill>
-                <a:schemeClr val="tx2">
-                  <a:lumMod val="60000"/>
-                  <a:lumOff val="40000"/>
-                </a:schemeClr>
-              </a:solidFill>
-            </a:ln>
-            <a:effectLst/>
-          </p:spPr>
-          <p:style>
-            <a:lnRef idx="1">
-              <a:schemeClr val="accent1"/>
-            </a:lnRef>
-            <a:fillRef idx="0">
-              <a:schemeClr val="accent1"/>
-            </a:fillRef>
-            <a:effectRef idx="0">
-              <a:schemeClr val="accent1"/>
-            </a:effectRef>
-            <a:fontRef idx="minor">
-              <a:schemeClr val="tx1"/>
-            </a:fontRef>
-          </p:style>
-        </p:cxnSp>
-      </p:grpSp>
-      <p:sp>
-        <p:nvSpPr>
-          <p:cNvPr id="8" name="Content Placeholder 7"/>
-          <p:cNvSpPr>
-            <a:spLocks noGrp="1"/>
-          </p:cNvSpPr>
-          <p:nvPr>
-            <p:ph sz="quarter" idx="13"/>
-          </p:nvPr>
-        </p:nvSpPr>
-        <p:spPr>
-          <a:xfrm>
-            <a:off x="685800" y="2240280"/>
-            <a:ext cx="3803904" cy="3877056"/>
-          </a:xfrm>
-        </p:spPr>
-        <p:txBody>
-          <a:bodyPr/>
-          <a:lstStyle/>
-          <a:p>
-            <a:pPr lvl="0"/>
-            <a:r>
-              <a:rPr lang="en-US" smtClean="0"/>
-              <a:t>Click to edit Master text styles</a:t>
-            </a:r>
-          </a:p>
-          <a:p>
-            <a:pPr lvl="1"/>
-            <a:r>
-              <a:rPr lang="en-US" smtClean="0"/>
-              <a:t>Second level</a:t>
-            </a:r>
-          </a:p>
-          <a:p>
-            <a:pPr lvl="2"/>
-            <a:r>
-              <a:rPr lang="en-US" smtClean="0"/>
-              <a:t>Third level</a:t>
-            </a:r>
-          </a:p>
-          <a:p>
-            <a:pPr lvl="3"/>
-            <a:r>
-              <a:rPr lang="en-US" smtClean="0"/>
-              <a:t>Fourth level</a:t>
-            </a:r>
-          </a:p>
-          <a:p>
-            <a:pPr lvl="4"/>
-            <a:r>
-              <a:rPr lang="en-US" smtClean="0"/>
-              <a:t>Fifth level</a:t>
-            </a:r>
-            <a:endParaRPr lang="en-US"/>
-          </a:p>
-        </p:txBody>
-      </p:sp>
-      <p:sp>
-        <p:nvSpPr>
-          <p:cNvPr id="10" name="Content Placeholder 9"/>
-          <p:cNvSpPr>
-            <a:spLocks noGrp="1"/>
-          </p:cNvSpPr>
-          <p:nvPr>
-            <p:ph sz="quarter" idx="14"/>
-          </p:nvPr>
-        </p:nvSpPr>
-        <p:spPr>
-          <a:xfrm>
-            <a:off x="4645151" y="2240280"/>
-            <a:ext cx="3803904" cy="3877056"/>
-          </a:xfrm>
-        </p:spPr>
-        <p:txBody>
-          <a:bodyPr/>
-          <a:lstStyle/>
-          <a:p>
-            <a:pPr lvl="0"/>
-            <a:r>
-              <a:rPr lang="en-US" smtClean="0"/>
-              <a:t>Click to edit Master text styles</a:t>
-            </a:r>
-          </a:p>
-          <a:p>
-            <a:pPr lvl="1"/>
-            <a:r>
-              <a:rPr lang="en-US" smtClean="0"/>
-              <a:t>Second level</a:t>
-            </a:r>
-          </a:p>
-          <a:p>
-            <a:pPr lvl="2"/>
-            <a:r>
-              <a:rPr lang="en-US" smtClean="0"/>
-              <a:t>Third level</a:t>
-            </a:r>
-          </a:p>
-          <a:p>
-            <a:pPr lvl="3"/>
-            <a:r>
-              <a:rPr lang="en-US" smtClean="0"/>
-              <a:t>Fourth level</a:t>
-            </a:r>
-          </a:p>
-          <a:p>
-            <a:pPr lvl="4"/>
-            <a:r>
-              <a:rPr lang="en-US" smtClean="0"/>
-              <a:t>Fifth level</a:t>
-            </a:r>
-            <a:endParaRPr lang="en-US"/>
-          </a:p>
-        </p:txBody>
-      </p:sp>
     </p:spTree>
   </p:cSld>
   <p:clrMapOvr>
@@ -8133,8 +8118,8 @@
 </p:sldLayout>
 </file>
 
-<file path=ppt/slideLayouts/slideLayout5.xml><?xml version="1.0" encoding="utf-8"?>
-<p:sldLayout xmlns:a="http://schemas.openxmlformats.org/drawingml/2006/main" xmlns:r="http://schemas.openxmlformats.org/officeDocument/2006/relationships" xmlns:p="http://schemas.openxmlformats.org/presentationml/2006/main" type="twoTxTwoObj" preserve="1">
+<file path=ppt/slideLayouts/slideLayout6.xml><?xml version="1.0" encoding="utf-8"?>
+<p:sldLayout xmlns:a="http://schemas.openxmlformats.org/drawingml/2006/main" xmlns:r="http://schemas.openxmlformats.org/officeDocument/2006/relationships" xmlns:p="http://schemas.openxmlformats.org/presentationml/2006/main" showMasterSp="0" type="twoTxTwoObj" preserve="1">
   <p:cSld name="Comparison">
     <p:spTree>
       <p:nvGrpSpPr>
@@ -8160,7 +8145,12 @@
             <p:ph type="title"/>
           </p:nvPr>
         </p:nvSpPr>
-        <p:spPr/>
+        <p:spPr>
+          <a:xfrm>
+            <a:off x="549274" y="107576"/>
+            <a:ext cx="8042276" cy="1336956"/>
+          </a:xfrm>
+        </p:spPr>
         <p:txBody>
           <a:bodyPr/>
           <a:lstStyle>
@@ -8170,10 +8160,10 @@
           </a:lstStyle>
           <a:p>
             <a:r>
-              <a:rPr lang="en-US" smtClean="0"/>
+              <a:rPr lang="x-none" smtClean="0"/>
               <a:t>Click to edit Master title style</a:t>
             </a:r>
-            <a:endParaRPr lang="en-US"/>
+            <a:endParaRPr/>
           </a:p>
         </p:txBody>
       </p:sp>
@@ -8189,18 +8179,26 @@
         </p:nvSpPr>
         <p:spPr>
           <a:xfrm>
-            <a:off x="1051560" y="2240280"/>
-            <a:ext cx="3442446" cy="658368"/>
+            <a:off x="549274" y="1453224"/>
+            <a:ext cx="3840480" cy="750887"/>
           </a:xfrm>
         </p:spPr>
         <p:txBody>
-          <a:bodyPr anchor="b"/>
+          <a:bodyPr anchor="b">
+            <a:noAutofit/>
+          </a:bodyPr>
           <a:lstStyle>
             <a:lvl1pPr marL="0" indent="0" algn="ctr">
+              <a:spcBef>
+                <a:spcPts val="0"/>
+              </a:spcBef>
               <a:buNone/>
               <a:defRPr sz="2400" b="0">
                 <a:solidFill>
-                  <a:schemeClr val="tx2"/>
+                  <a:schemeClr val="accent1">
+                    <a:lumMod val="60000"/>
+                    <a:lumOff val="40000"/>
+                  </a:schemeClr>
                 </a:solidFill>
               </a:defRPr>
             </a:lvl1pPr>
@@ -8240,7 +8238,7 @@
           <a:p>
             <a:pPr lvl="0"/>
             <a:r>
-              <a:rPr lang="en-US" smtClean="0"/>
+              <a:rPr lang="x-none" smtClean="0"/>
               <a:t>Click to edit Master text styles</a:t>
             </a:r>
           </a:p>
@@ -8258,27 +8256,32 @@
         </p:nvSpPr>
         <p:spPr>
           <a:xfrm>
-            <a:off x="688488" y="2947595"/>
-            <a:ext cx="3803904" cy="3172968"/>
+            <a:off x="549274" y="2347415"/>
+            <a:ext cx="3840480" cy="3596185"/>
           </a:xfrm>
         </p:spPr>
         <p:txBody>
-          <a:bodyPr/>
+          <a:bodyPr>
+            <a:normAutofit/>
+          </a:bodyPr>
           <a:lstStyle>
             <a:lvl1pPr>
-              <a:defRPr sz="2400"/>
+              <a:spcBef>
+                <a:spcPts val="1600"/>
+              </a:spcBef>
+              <a:defRPr sz="2000"/>
             </a:lvl1pPr>
             <a:lvl2pPr>
-              <a:defRPr sz="2000"/>
+              <a:defRPr sz="1800"/>
             </a:lvl2pPr>
             <a:lvl3pPr>
               <a:defRPr sz="1800"/>
             </a:lvl3pPr>
             <a:lvl4pPr>
-              <a:defRPr sz="1600"/>
+              <a:defRPr sz="1800"/>
             </a:lvl4pPr>
             <a:lvl5pPr>
-              <a:defRPr sz="1600"/>
+              <a:defRPr sz="1800"/>
             </a:lvl5pPr>
             <a:lvl6pPr>
               <a:defRPr sz="1600"/>
@@ -8296,38 +8299,38 @@
           <a:p>
             <a:pPr lvl="0"/>
             <a:r>
-              <a:rPr lang="en-US" smtClean="0"/>
+              <a:rPr lang="x-none" smtClean="0"/>
               <a:t>Click to edit Master text styles</a:t>
             </a:r>
           </a:p>
           <a:p>
             <a:pPr lvl="1"/>
             <a:r>
-              <a:rPr lang="en-US" smtClean="0"/>
+              <a:rPr lang="x-none" smtClean="0"/>
               <a:t>Second level</a:t>
             </a:r>
           </a:p>
           <a:p>
             <a:pPr lvl="2"/>
             <a:r>
-              <a:rPr lang="en-US" smtClean="0"/>
+              <a:rPr lang="x-none" smtClean="0"/>
               <a:t>Third level</a:t>
             </a:r>
           </a:p>
           <a:p>
             <a:pPr lvl="3"/>
             <a:r>
-              <a:rPr lang="en-US" smtClean="0"/>
+              <a:rPr lang="x-none" smtClean="0"/>
               <a:t>Fourth level</a:t>
             </a:r>
           </a:p>
           <a:p>
             <a:pPr lvl="4"/>
             <a:r>
-              <a:rPr lang="en-US" smtClean="0"/>
+              <a:rPr lang="x-none" smtClean="0"/>
               <a:t>Fifth level</a:t>
             </a:r>
-            <a:endParaRPr lang="en-US" dirty="0"/>
+            <a:endParaRPr dirty="0"/>
           </a:p>
         </p:txBody>
       </p:sp>
@@ -8343,18 +8346,26 @@
         </p:nvSpPr>
         <p:spPr>
           <a:xfrm>
-            <a:off x="5002306" y="2240280"/>
-            <a:ext cx="3447288" cy="658368"/>
+            <a:off x="4751070" y="1453224"/>
+            <a:ext cx="3840480" cy="750887"/>
           </a:xfrm>
         </p:spPr>
         <p:txBody>
-          <a:bodyPr anchor="b"/>
+          <a:bodyPr anchor="b">
+            <a:noAutofit/>
+          </a:bodyPr>
           <a:lstStyle>
             <a:lvl1pPr marL="0" indent="0" algn="ctr">
+              <a:spcBef>
+                <a:spcPts val="0"/>
+              </a:spcBef>
               <a:buNone/>
               <a:defRPr sz="2400" b="0">
                 <a:solidFill>
-                  <a:schemeClr val="tx2"/>
+                  <a:schemeClr val="accent1">
+                    <a:lumMod val="60000"/>
+                    <a:lumOff val="40000"/>
+                  </a:schemeClr>
                 </a:solidFill>
               </a:defRPr>
             </a:lvl1pPr>
@@ -8394,7 +8405,7 @@
           <a:p>
             <a:pPr lvl="0"/>
             <a:r>
-              <a:rPr lang="en-US" smtClean="0"/>
+              <a:rPr lang="x-none" smtClean="0"/>
               <a:t>Click to edit Master text styles</a:t>
             </a:r>
           </a:p>
@@ -8412,27 +8423,32 @@
         </p:nvSpPr>
         <p:spPr>
           <a:xfrm>
-            <a:off x="4645026" y="2944368"/>
-            <a:ext cx="3799728" cy="3172968"/>
+            <a:off x="4751070" y="2347415"/>
+            <a:ext cx="3840480" cy="3596185"/>
           </a:xfrm>
         </p:spPr>
         <p:txBody>
-          <a:bodyPr/>
+          <a:bodyPr>
+            <a:normAutofit/>
+          </a:bodyPr>
           <a:lstStyle>
             <a:lvl1pPr>
-              <a:defRPr sz="2400"/>
+              <a:spcBef>
+                <a:spcPts val="1600"/>
+              </a:spcBef>
+              <a:defRPr sz="2000"/>
             </a:lvl1pPr>
             <a:lvl2pPr>
-              <a:defRPr sz="2000"/>
+              <a:defRPr sz="1800"/>
             </a:lvl2pPr>
             <a:lvl3pPr>
               <a:defRPr sz="1800"/>
             </a:lvl3pPr>
             <a:lvl4pPr>
-              <a:defRPr sz="1600"/>
+              <a:defRPr sz="1800"/>
             </a:lvl4pPr>
             <a:lvl5pPr>
-              <a:defRPr sz="1600"/>
+              <a:defRPr sz="1800"/>
             </a:lvl5pPr>
             <a:lvl6pPr>
               <a:defRPr sz="1600"/>
@@ -8450,38 +8466,38 @@
           <a:p>
             <a:pPr lvl="0"/>
             <a:r>
-              <a:rPr lang="en-US" smtClean="0"/>
+              <a:rPr lang="x-none" smtClean="0"/>
               <a:t>Click to edit Master text styles</a:t>
             </a:r>
           </a:p>
           <a:p>
             <a:pPr lvl="1"/>
             <a:r>
-              <a:rPr lang="en-US" smtClean="0"/>
+              <a:rPr lang="x-none" smtClean="0"/>
               <a:t>Second level</a:t>
             </a:r>
           </a:p>
           <a:p>
             <a:pPr lvl="2"/>
             <a:r>
-              <a:rPr lang="en-US" smtClean="0"/>
+              <a:rPr lang="x-none" smtClean="0"/>
               <a:t>Third level</a:t>
             </a:r>
           </a:p>
           <a:p>
             <a:pPr lvl="3"/>
             <a:r>
-              <a:rPr lang="en-US" smtClean="0"/>
+              <a:rPr lang="x-none" smtClean="0"/>
               <a:t>Fourth level</a:t>
             </a:r>
           </a:p>
           <a:p>
             <a:pPr lvl="4"/>
             <a:r>
-              <a:rPr lang="en-US" smtClean="0"/>
+              <a:rPr lang="x-none" smtClean="0"/>
               <a:t>Fifth level</a:t>
             </a:r>
-            <a:endParaRPr lang="en-US" dirty="0"/>
+            <a:endParaRPr dirty="0"/>
           </a:p>
         </p:txBody>
       </p:sp>
@@ -8504,7 +8520,7 @@
             <a:fld id="{9D21D778-B565-4D7E-94D7-64010A445B68}" type="datetimeFigureOut">
               <a:rPr lang="en-US" smtClean="0"/>
               <a:pPr eaLnBrk="1" latinLnBrk="0" hangingPunct="1"/>
-              <a:t>2/15/2014</a:t>
+              <a:t>2/16/14</a:t>
             </a:fld>
             <a:endParaRPr lang="en-US"/>
           </a:p>
@@ -8561,145 +8577,6 @@
           </a:p>
         </p:txBody>
       </p:sp>
-      <p:grpSp>
-        <p:nvGrpSpPr>
-          <p:cNvPr id="14" name="Group 13"/>
-          <p:cNvGrpSpPr/>
-          <p:nvPr/>
-        </p:nvGrpSpPr>
-        <p:grpSpPr>
-          <a:xfrm>
-            <a:off x="1172584" y="1392217"/>
-            <a:ext cx="6779110" cy="923330"/>
-            <a:chOff x="1172584" y="1381459"/>
-            <a:chExt cx="6779110" cy="923330"/>
-          </a:xfrm>
-        </p:grpSpPr>
-        <p:sp>
-          <p:nvSpPr>
-            <p:cNvPr id="16" name="TextBox 15"/>
-            <p:cNvSpPr txBox="1"/>
-            <p:nvPr/>
-          </p:nvSpPr>
-          <p:spPr>
-            <a:xfrm>
-              <a:off x="4147073" y="1381459"/>
-              <a:ext cx="877163" cy="923330"/>
-            </a:xfrm>
-            <a:prstGeom prst="rect">
-              <a:avLst/>
-            </a:prstGeom>
-            <a:noFill/>
-          </p:spPr>
-          <p:txBody>
-            <a:bodyPr wrap="none" rtlCol="0">
-              <a:spAutoFit/>
-            </a:bodyPr>
-            <a:lstStyle/>
-            <a:p>
-              <a:r>
-                <a:rPr lang="en-US" sz="5400" dirty="0" smtClean="0">
-                  <a:solidFill>
-                    <a:schemeClr val="tx2">
-                      <a:lumMod val="60000"/>
-                      <a:lumOff val="40000"/>
-                    </a:schemeClr>
-                  </a:solidFill>
-                  <a:latin typeface="Wingdings" pitchFamily="2" charset="2"/>
-                </a:rPr>
-                <a:t></a:t>
-              </a:r>
-              <a:endParaRPr lang="en-US" sz="5400" dirty="0">
-                <a:solidFill>
-                  <a:schemeClr val="tx2">
-                    <a:lumMod val="60000"/>
-                    <a:lumOff val="40000"/>
-                  </a:schemeClr>
-                </a:solidFill>
-                <a:latin typeface="Wingdings" pitchFamily="2" charset="2"/>
-              </a:endParaRPr>
-            </a:p>
-          </p:txBody>
-        </p:sp>
-        <p:cxnSp>
-          <p:nvCxnSpPr>
-            <p:cNvPr id="17" name="Straight Connector 16"/>
-            <p:cNvCxnSpPr/>
-            <p:nvPr/>
-          </p:nvCxnSpPr>
-          <p:spPr>
-            <a:xfrm rot="10800000">
-              <a:off x="1172584" y="1925620"/>
-              <a:ext cx="3119718" cy="1588"/>
-            </a:xfrm>
-            <a:prstGeom prst="line">
-              <a:avLst/>
-            </a:prstGeom>
-            <a:ln>
-              <a:solidFill>
-                <a:schemeClr val="tx2">
-                  <a:lumMod val="60000"/>
-                  <a:lumOff val="40000"/>
-                </a:schemeClr>
-              </a:solidFill>
-            </a:ln>
-            <a:effectLst/>
-          </p:spPr>
-          <p:style>
-            <a:lnRef idx="1">
-              <a:schemeClr val="accent1"/>
-            </a:lnRef>
-            <a:fillRef idx="0">
-              <a:schemeClr val="accent1"/>
-            </a:fillRef>
-            <a:effectRef idx="0">
-              <a:schemeClr val="accent1"/>
-            </a:effectRef>
-            <a:fontRef idx="minor">
-              <a:schemeClr val="tx1"/>
-            </a:fontRef>
-          </p:style>
-        </p:cxnSp>
-        <p:cxnSp>
-          <p:nvCxnSpPr>
-            <p:cNvPr id="18" name="Straight Connector 17"/>
-            <p:cNvCxnSpPr/>
-            <p:nvPr/>
-          </p:nvCxnSpPr>
-          <p:spPr>
-            <a:xfrm rot="10800000">
-              <a:off x="4831976" y="1922650"/>
-              <a:ext cx="3119718" cy="1588"/>
-            </a:xfrm>
-            <a:prstGeom prst="line">
-              <a:avLst/>
-            </a:prstGeom>
-            <a:ln>
-              <a:solidFill>
-                <a:schemeClr val="tx2">
-                  <a:lumMod val="60000"/>
-                  <a:lumOff val="40000"/>
-                </a:schemeClr>
-              </a:solidFill>
-            </a:ln>
-            <a:effectLst/>
-          </p:spPr>
-          <p:style>
-            <a:lnRef idx="1">
-              <a:schemeClr val="accent1"/>
-            </a:lnRef>
-            <a:fillRef idx="0">
-              <a:schemeClr val="accent1"/>
-            </a:fillRef>
-            <a:effectRef idx="0">
-              <a:schemeClr val="accent1"/>
-            </a:effectRef>
-            <a:fontRef idx="minor">
-              <a:schemeClr val="tx1"/>
-            </a:fontRef>
-          </p:style>
-        </p:cxnSp>
-      </p:grpSp>
     </p:spTree>
   </p:cSld>
   <p:clrMapOvr>
@@ -8709,8 +8586,8 @@
 </p:sldLayout>
 </file>
 
-<file path=ppt/slideLayouts/slideLayout6.xml><?xml version="1.0" encoding="utf-8"?>
-<p:sldLayout xmlns:a="http://schemas.openxmlformats.org/drawingml/2006/main" xmlns:r="http://schemas.openxmlformats.org/officeDocument/2006/relationships" xmlns:p="http://schemas.openxmlformats.org/presentationml/2006/main" type="titleOnly" preserve="1">
+<file path=ppt/slideLayouts/slideLayout7.xml><?xml version="1.0" encoding="utf-8"?>
+<p:sldLayout xmlns:a="http://schemas.openxmlformats.org/drawingml/2006/main" xmlns:r="http://schemas.openxmlformats.org/officeDocument/2006/relationships" xmlns:p="http://schemas.openxmlformats.org/presentationml/2006/main" showMasterSp="0" type="titleOnly" preserve="1">
   <p:cSld name="Title Only">
     <p:spTree>
       <p:nvGrpSpPr>
@@ -8742,10 +8619,10 @@
           <a:lstStyle/>
           <a:p>
             <a:r>
-              <a:rPr lang="en-US" smtClean="0"/>
+              <a:rPr lang="x-none" smtClean="0"/>
               <a:t>Click to edit Master title style</a:t>
             </a:r>
-            <a:endParaRPr lang="en-US" dirty="0"/>
+            <a:endParaRPr/>
           </a:p>
         </p:txBody>
       </p:sp>
@@ -8768,7 +8645,7 @@
             <a:fld id="{9D21D778-B565-4D7E-94D7-64010A445B68}" type="datetimeFigureOut">
               <a:rPr lang="en-US" smtClean="0"/>
               <a:pPr eaLnBrk="1" latinLnBrk="0" hangingPunct="1"/>
-              <a:t>2/15/2014</a:t>
+              <a:t>2/16/14</a:t>
             </a:fld>
             <a:endParaRPr lang="en-US"/>
           </a:p>
@@ -8825,145 +8702,6 @@
           </a:p>
         </p:txBody>
       </p:sp>
-      <p:grpSp>
-        <p:nvGrpSpPr>
-          <p:cNvPr id="10" name="Group 9"/>
-          <p:cNvGrpSpPr/>
-          <p:nvPr/>
-        </p:nvGrpSpPr>
-        <p:grpSpPr>
-          <a:xfrm>
-            <a:off x="1172584" y="1392217"/>
-            <a:ext cx="6779110" cy="923330"/>
-            <a:chOff x="1172584" y="1381459"/>
-            <a:chExt cx="6779110" cy="923330"/>
-          </a:xfrm>
-        </p:grpSpPr>
-        <p:sp>
-          <p:nvSpPr>
-            <p:cNvPr id="14" name="TextBox 13"/>
-            <p:cNvSpPr txBox="1"/>
-            <p:nvPr/>
-          </p:nvSpPr>
-          <p:spPr>
-            <a:xfrm>
-              <a:off x="4147073" y="1381459"/>
-              <a:ext cx="877163" cy="923330"/>
-            </a:xfrm>
-            <a:prstGeom prst="rect">
-              <a:avLst/>
-            </a:prstGeom>
-            <a:noFill/>
-          </p:spPr>
-          <p:txBody>
-            <a:bodyPr wrap="none" rtlCol="0">
-              <a:spAutoFit/>
-            </a:bodyPr>
-            <a:lstStyle/>
-            <a:p>
-              <a:r>
-                <a:rPr lang="en-US" sz="5400" dirty="0" smtClean="0">
-                  <a:solidFill>
-                    <a:schemeClr val="tx2">
-                      <a:lumMod val="60000"/>
-                      <a:lumOff val="40000"/>
-                    </a:schemeClr>
-                  </a:solidFill>
-                  <a:latin typeface="Wingdings" pitchFamily="2" charset="2"/>
-                </a:rPr>
-                <a:t></a:t>
-              </a:r>
-              <a:endParaRPr lang="en-US" sz="5400" dirty="0">
-                <a:solidFill>
-                  <a:schemeClr val="tx2">
-                    <a:lumMod val="60000"/>
-                    <a:lumOff val="40000"/>
-                  </a:schemeClr>
-                </a:solidFill>
-                <a:latin typeface="Wingdings" pitchFamily="2" charset="2"/>
-              </a:endParaRPr>
-            </a:p>
-          </p:txBody>
-        </p:sp>
-        <p:cxnSp>
-          <p:nvCxnSpPr>
-            <p:cNvPr id="15" name="Straight Connector 14"/>
-            <p:cNvCxnSpPr/>
-            <p:nvPr/>
-          </p:nvCxnSpPr>
-          <p:spPr>
-            <a:xfrm rot="10800000">
-              <a:off x="1172584" y="1925620"/>
-              <a:ext cx="3119718" cy="1588"/>
-            </a:xfrm>
-            <a:prstGeom prst="line">
-              <a:avLst/>
-            </a:prstGeom>
-            <a:ln>
-              <a:solidFill>
-                <a:schemeClr val="tx2">
-                  <a:lumMod val="60000"/>
-                  <a:lumOff val="40000"/>
-                </a:schemeClr>
-              </a:solidFill>
-            </a:ln>
-            <a:effectLst/>
-          </p:spPr>
-          <p:style>
-            <a:lnRef idx="1">
-              <a:schemeClr val="accent1"/>
-            </a:lnRef>
-            <a:fillRef idx="0">
-              <a:schemeClr val="accent1"/>
-            </a:fillRef>
-            <a:effectRef idx="0">
-              <a:schemeClr val="accent1"/>
-            </a:effectRef>
-            <a:fontRef idx="minor">
-              <a:schemeClr val="tx1"/>
-            </a:fontRef>
-          </p:style>
-        </p:cxnSp>
-        <p:cxnSp>
-          <p:nvCxnSpPr>
-            <p:cNvPr id="16" name="Straight Connector 15"/>
-            <p:cNvCxnSpPr/>
-            <p:nvPr/>
-          </p:nvCxnSpPr>
-          <p:spPr>
-            <a:xfrm rot="10800000">
-              <a:off x="4831976" y="1922650"/>
-              <a:ext cx="3119718" cy="1588"/>
-            </a:xfrm>
-            <a:prstGeom prst="line">
-              <a:avLst/>
-            </a:prstGeom>
-            <a:ln>
-              <a:solidFill>
-                <a:schemeClr val="tx2">
-                  <a:lumMod val="60000"/>
-                  <a:lumOff val="40000"/>
-                </a:schemeClr>
-              </a:solidFill>
-            </a:ln>
-            <a:effectLst/>
-          </p:spPr>
-          <p:style>
-            <a:lnRef idx="1">
-              <a:schemeClr val="accent1"/>
-            </a:lnRef>
-            <a:fillRef idx="0">
-              <a:schemeClr val="accent1"/>
-            </a:fillRef>
-            <a:effectRef idx="0">
-              <a:schemeClr val="accent1"/>
-            </a:effectRef>
-            <a:fontRef idx="minor">
-              <a:schemeClr val="tx1"/>
-            </a:fontRef>
-          </p:style>
-        </p:cxnSp>
-      </p:grpSp>
     </p:spTree>
   </p:cSld>
   <p:clrMapOvr>
@@ -8973,8 +8711,8 @@
 </p:sldLayout>
 </file>
 
-<file path=ppt/slideLayouts/slideLayout7.xml><?xml version="1.0" encoding="utf-8"?>
-<p:sldLayout xmlns:a="http://schemas.openxmlformats.org/drawingml/2006/main" xmlns:r="http://schemas.openxmlformats.org/officeDocument/2006/relationships" xmlns:p="http://schemas.openxmlformats.org/presentationml/2006/main" type="blank" preserve="1">
+<file path=ppt/slideLayouts/slideLayout8.xml><?xml version="1.0" encoding="utf-8"?>
+<p:sldLayout xmlns:a="http://schemas.openxmlformats.org/drawingml/2006/main" xmlns:r="http://schemas.openxmlformats.org/officeDocument/2006/relationships" xmlns:p="http://schemas.openxmlformats.org/presentationml/2006/main" showMasterSp="0" type="blank" preserve="1">
   <p:cSld name="Blank">
     <p:spTree>
       <p:nvGrpSpPr>
@@ -9009,7 +8747,7 @@
             <a:fld id="{9D21D778-B565-4D7E-94D7-64010A445B68}" type="datetimeFigureOut">
               <a:rPr lang="en-US" smtClean="0"/>
               <a:pPr eaLnBrk="1" latinLnBrk="0" hangingPunct="1"/>
-              <a:t>2/15/2014</a:t>
+              <a:t>2/16/14</a:t>
             </a:fld>
             <a:endParaRPr lang="en-US"/>
           </a:p>
@@ -9075,8 +8813,8 @@
 </p:sldLayout>
 </file>
 
-<file path=ppt/slideLayouts/slideLayout8.xml><?xml version="1.0" encoding="utf-8"?>
-<p:sldLayout xmlns:a="http://schemas.openxmlformats.org/drawingml/2006/main" xmlns:r="http://schemas.openxmlformats.org/officeDocument/2006/relationships" xmlns:p="http://schemas.openxmlformats.org/presentationml/2006/main" type="objTx" preserve="1">
+<file path=ppt/slideLayouts/slideLayout9.xml><?xml version="1.0" encoding="utf-8"?>
+<p:sldLayout xmlns:a="http://schemas.openxmlformats.org/drawingml/2006/main" xmlns:r="http://schemas.openxmlformats.org/officeDocument/2006/relationships" xmlns:p="http://schemas.openxmlformats.org/presentationml/2006/main" showMasterSp="0" type="objTx" preserve="1">
   <p:cSld name="Content with Caption">
     <p:spTree>
       <p:nvGrpSpPr>
@@ -9104,23 +8842,23 @@
         </p:nvSpPr>
         <p:spPr>
           <a:xfrm>
-            <a:off x="5034579" y="1678195"/>
-            <a:ext cx="3422483" cy="1886921"/>
+            <a:off x="533399" y="611872"/>
+            <a:ext cx="3840480" cy="1162050"/>
           </a:xfrm>
         </p:spPr>
         <p:txBody>
           <a:bodyPr anchor="b"/>
           <a:lstStyle>
-            <a:lvl1pPr algn="l">
-              <a:defRPr sz="2800" b="0"/>
+            <a:lvl1pPr algn="ctr">
+              <a:defRPr sz="3600" b="0"/>
             </a:lvl1pPr>
           </a:lstStyle>
           <a:p>
             <a:r>
-              <a:rPr lang="en-US" smtClean="0"/>
+              <a:rPr lang="x-none" smtClean="0"/>
               <a:t>Click to edit Master title style</a:t>
             </a:r>
-            <a:endParaRPr lang="en-US"/>
+            <a:endParaRPr/>
           </a:p>
         </p:txBody>
       </p:sp>
@@ -9136,27 +8874,32 @@
         </p:nvSpPr>
         <p:spPr>
           <a:xfrm>
-            <a:off x="692001" y="559398"/>
-            <a:ext cx="4116667" cy="5566765"/>
+            <a:off x="4742824" y="368300"/>
+            <a:ext cx="3840480" cy="5575300"/>
           </a:xfrm>
         </p:spPr>
         <p:txBody>
-          <a:bodyPr anchor="ctr"/>
+          <a:bodyPr>
+            <a:normAutofit/>
+          </a:bodyPr>
           <a:lstStyle>
             <a:lvl1pPr>
-              <a:defRPr sz="2400"/>
+              <a:spcBef>
+                <a:spcPts val="2000"/>
+              </a:spcBef>
+              <a:defRPr sz="2200"/>
             </a:lvl1pPr>
             <a:lvl2pPr>
-              <a:defRPr sz="2200"/>
+              <a:defRPr sz="2000"/>
             </a:lvl2pPr>
             <a:lvl3pPr>
-              <a:defRPr sz="2000"/>
+              <a:defRPr sz="1800"/>
             </a:lvl3pPr>
             <a:lvl4pPr>
               <a:defRPr sz="1800"/>
             </a:lvl4pPr>
             <a:lvl5pPr>
-              <a:defRPr sz="1600"/>
+              <a:defRPr sz="1800"/>
             </a:lvl5pPr>
             <a:lvl6pPr>
               <a:defRPr sz="2000"/>
@@ -9174,38 +8917,38 @@
           <a:p>
             <a:pPr lvl="0"/>
             <a:r>
-              <a:rPr lang="en-US" smtClean="0"/>
+              <a:rPr lang="x-none" smtClean="0"/>
               <a:t>Click to edit Master text styles</a:t>
             </a:r>
           </a:p>
           <a:p>
             <a:pPr lvl="1"/>
             <a:r>
-              <a:rPr lang="en-US" smtClean="0"/>
+              <a:rPr lang="x-none" smtClean="0"/>
               <a:t>Second level</a:t>
             </a:r>
           </a:p>
           <a:p>
             <a:pPr lvl="2"/>
             <a:r>
-              <a:rPr lang="en-US" smtClean="0"/>
+              <a:rPr lang="x-none" smtClean="0"/>
               <a:t>Third level</a:t>
             </a:r>
           </a:p>
           <a:p>
             <a:pPr lvl="3"/>
             <a:r>
-              <a:rPr lang="en-US" smtClean="0"/>
+              <a:rPr lang="x-none" smtClean="0"/>
               <a:t>Fourth level</a:t>
             </a:r>
           </a:p>
           <a:p>
             <a:pPr lvl="4"/>
             <a:r>
-              <a:rPr lang="en-US" smtClean="0"/>
+              <a:rPr lang="x-none" smtClean="0"/>
               <a:t>Fifth level</a:t>
             </a:r>
-            <a:endParaRPr lang="en-US" dirty="0"/>
+            <a:endParaRPr dirty="0"/>
           </a:p>
         </p:txBody>
       </p:sp>
@@ -9221,8 +8964,8 @@
         </p:nvSpPr>
         <p:spPr>
           <a:xfrm>
-            <a:off x="5034579" y="3603812"/>
-            <a:ext cx="3411725" cy="2517289"/>
+            <a:off x="533399" y="1787856"/>
+            <a:ext cx="3840480" cy="3720152"/>
           </a:xfrm>
         </p:spPr>
         <p:txBody>
@@ -9230,9 +8973,12 @@
             <a:normAutofit/>
           </a:bodyPr>
           <a:lstStyle>
-            <a:lvl1pPr marL="0" indent="0">
-              <a:buNone/>
-              <a:defRPr sz="1600"/>
+            <a:lvl1pPr marL="0" indent="0" algn="ctr">
+              <a:spcBef>
+                <a:spcPts val="600"/>
+              </a:spcBef>
+              <a:buNone/>
+              <a:defRPr sz="1800"/>
             </a:lvl1pPr>
             <a:lvl2pPr marL="457200" indent="0">
               <a:buNone/>
@@ -9270,7 +9016,7 @@
           <a:p>
             <a:pPr lvl="0"/>
             <a:r>
-              <a:rPr lang="en-US" smtClean="0"/>
+              <a:rPr lang="x-none" smtClean="0"/>
               <a:t>Click to edit Master text styles</a:t>
             </a:r>
           </a:p>
@@ -9295,7 +9041,7 @@
             <a:fld id="{9D21D778-B565-4D7E-94D7-64010A445B68}" type="datetimeFigureOut">
               <a:rPr lang="en-US" smtClean="0"/>
               <a:pPr eaLnBrk="1" latinLnBrk="0" hangingPunct="1"/>
-              <a:t>2/15/2014</a:t>
+              <a:t>2/16/14</a:t>
             </a:fld>
             <a:endParaRPr lang="en-US"/>
           </a:p>
@@ -9343,310 +9089,12 @@
           <a:bodyPr/>
           <a:lstStyle/>
           <a:p>
-            <a:fld id="{EF789A81-9B9B-445C-8A60-F916862B4649}" type="slidenum">
-              <a:rPr lang="en-GB" smtClean="0"/>
+            <a:fld id="{5744759D-0EFF-4FB2-9CCE-04E00944F0FE}" type="slidenum">
+              <a:rPr lang="en-US" smtClean="0"/>
               <a:pPr/>
               <a:t>‹#›</a:t>
             </a:fld>
-            <a:endParaRPr lang="en-GB" dirty="0"/>
-          </a:p>
-        </p:txBody>
-      </p:sp>
-    </p:spTree>
-  </p:cSld>
-  <p:clrMapOvr>
-    <a:masterClrMapping/>
-  </p:clrMapOvr>
-  <p:hf hdr="0" dt="0"/>
-</p:sldLayout>
-</file>
-
-<file path=ppt/slideLayouts/slideLayout9.xml><?xml version="1.0" encoding="utf-8"?>
-<p:sldLayout xmlns:a="http://schemas.openxmlformats.org/drawingml/2006/main" xmlns:r="http://schemas.openxmlformats.org/officeDocument/2006/relationships" xmlns:p="http://schemas.openxmlformats.org/presentationml/2006/main" type="picTx" preserve="1">
-  <p:cSld name="Picture with Caption">
-    <p:spTree>
-      <p:nvGrpSpPr>
-        <p:cNvPr id="1" name=""/>
-        <p:cNvGrpSpPr/>
-        <p:nvPr/>
-      </p:nvGrpSpPr>
-      <p:grpSpPr>
-        <a:xfrm>
-          <a:off x="0" y="0"/>
-          <a:ext cx="0" cy="0"/>
-          <a:chOff x="0" y="0"/>
-          <a:chExt cx="0" cy="0"/>
-        </a:xfrm>
-      </p:grpSpPr>
-      <p:sp>
-        <p:nvSpPr>
-          <p:cNvPr id="2" name="Title 1"/>
-          <p:cNvSpPr>
-            <a:spLocks noGrp="1"/>
-          </p:cNvSpPr>
-          <p:nvPr>
-            <p:ph type="title"/>
-          </p:nvPr>
-        </p:nvSpPr>
-        <p:spPr>
-          <a:xfrm>
-            <a:off x="677731" y="4668818"/>
-            <a:ext cx="7767021" cy="644729"/>
-          </a:xfrm>
-        </p:spPr>
-        <p:txBody>
-          <a:bodyPr anchor="b"/>
-          <a:lstStyle>
-            <a:lvl1pPr algn="ctr">
-              <a:defRPr sz="2800" b="0"/>
-            </a:lvl1pPr>
-          </a:lstStyle>
-          <a:p>
-            <a:r>
-              <a:rPr lang="en-US" smtClean="0"/>
-              <a:t>Click to edit Master title style</a:t>
-            </a:r>
-            <a:endParaRPr lang="en-US"/>
-          </a:p>
-        </p:txBody>
-      </p:sp>
-      <p:sp>
-        <p:nvSpPr>
-          <p:cNvPr id="3" name="Picture Placeholder 2"/>
-          <p:cNvSpPr>
-            <a:spLocks noGrp="1"/>
-          </p:cNvSpPr>
-          <p:nvPr>
-            <p:ph type="pic" idx="1"/>
-          </p:nvPr>
-        </p:nvSpPr>
-        <p:spPr>
-          <a:xfrm rot="240000">
-            <a:off x="2183792" y="666965"/>
-            <a:ext cx="4772156" cy="3598016"/>
-          </a:xfrm>
-          <a:solidFill>
-            <a:srgbClr val="FFFFFF">
-              <a:shade val="85000"/>
-            </a:srgbClr>
-          </a:solidFill>
-          <a:ln w="190500" cap="sq">
-            <a:solidFill>
-              <a:srgbClr val="FFFFFF"/>
-            </a:solidFill>
-            <a:miter lim="800000"/>
-          </a:ln>
-          <a:effectLst>
-            <a:outerShdw blurRad="65000" dist="50800" dir="12900000" kx="195000" ky="145000" algn="tl" rotWithShape="0">
-              <a:srgbClr val="000000">
-                <a:alpha val="24000"/>
-              </a:srgbClr>
-            </a:outerShdw>
-          </a:effectLst>
-          <a:scene3d>
-            <a:camera prst="orthographicFront">
-              <a:rot lat="0" lon="0" rev="360000"/>
-            </a:camera>
-            <a:lightRig rig="twoPt" dir="t">
-              <a:rot lat="0" lon="0" rev="7200000"/>
-            </a:lightRig>
-          </a:scene3d>
-          <a:sp3d contourW="12700">
-            <a:bevelT w="25400" h="19050"/>
-            <a:contourClr>
-              <a:srgbClr val="969696"/>
-            </a:contourClr>
-          </a:sp3d>
-        </p:spPr>
-        <p:txBody>
-          <a:bodyPr/>
-          <a:lstStyle>
-            <a:lvl1pPr marL="0" indent="0">
-              <a:buNone/>
-              <a:defRPr sz="3200"/>
-            </a:lvl1pPr>
-            <a:lvl2pPr marL="457200" indent="0">
-              <a:buNone/>
-              <a:defRPr sz="2800"/>
-            </a:lvl2pPr>
-            <a:lvl3pPr marL="914400" indent="0">
-              <a:buNone/>
-              <a:defRPr sz="2400"/>
-            </a:lvl3pPr>
-            <a:lvl4pPr marL="1371600" indent="0">
-              <a:buNone/>
-              <a:defRPr sz="2000"/>
-            </a:lvl4pPr>
-            <a:lvl5pPr marL="1828800" indent="0">
-              <a:buNone/>
-              <a:defRPr sz="2000"/>
-            </a:lvl5pPr>
-            <a:lvl6pPr marL="2286000" indent="0">
-              <a:buNone/>
-              <a:defRPr sz="2000"/>
-            </a:lvl6pPr>
-            <a:lvl7pPr marL="2743200" indent="0">
-              <a:buNone/>
-              <a:defRPr sz="2000"/>
-            </a:lvl7pPr>
-            <a:lvl8pPr marL="3200400" indent="0">
-              <a:buNone/>
-              <a:defRPr sz="2000"/>
-            </a:lvl8pPr>
-            <a:lvl9pPr marL="3657600" indent="0">
-              <a:buNone/>
-              <a:defRPr sz="2000"/>
-            </a:lvl9pPr>
-          </a:lstStyle>
-          <a:p>
-            <a:r>
-              <a:rPr lang="en-US" smtClean="0"/>
-              <a:t>Click icon to add picture</a:t>
-            </a:r>
             <a:endParaRPr lang="en-US" dirty="0"/>
-          </a:p>
-        </p:txBody>
-      </p:sp>
-      <p:sp>
-        <p:nvSpPr>
-          <p:cNvPr id="4" name="Text Placeholder 3"/>
-          <p:cNvSpPr>
-            <a:spLocks noGrp="1"/>
-          </p:cNvSpPr>
-          <p:nvPr>
-            <p:ph type="body" sz="half" idx="2"/>
-          </p:nvPr>
-        </p:nvSpPr>
-        <p:spPr>
-          <a:xfrm>
-            <a:off x="688489" y="5324306"/>
-            <a:ext cx="7756264" cy="804862"/>
-          </a:xfrm>
-        </p:spPr>
-        <p:txBody>
-          <a:bodyPr>
-            <a:normAutofit/>
-          </a:bodyPr>
-          <a:lstStyle>
-            <a:lvl1pPr marL="0" indent="0" algn="ctr">
-              <a:buNone/>
-              <a:defRPr sz="1600"/>
-            </a:lvl1pPr>
-            <a:lvl2pPr marL="457200" indent="0">
-              <a:buNone/>
-              <a:defRPr sz="1200"/>
-            </a:lvl2pPr>
-            <a:lvl3pPr marL="914400" indent="0">
-              <a:buNone/>
-              <a:defRPr sz="1000"/>
-            </a:lvl3pPr>
-            <a:lvl4pPr marL="1371600" indent="0">
-              <a:buNone/>
-              <a:defRPr sz="900"/>
-            </a:lvl4pPr>
-            <a:lvl5pPr marL="1828800" indent="0">
-              <a:buNone/>
-              <a:defRPr sz="900"/>
-            </a:lvl5pPr>
-            <a:lvl6pPr marL="2286000" indent="0">
-              <a:buNone/>
-              <a:defRPr sz="900"/>
-            </a:lvl6pPr>
-            <a:lvl7pPr marL="2743200" indent="0">
-              <a:buNone/>
-              <a:defRPr sz="900"/>
-            </a:lvl7pPr>
-            <a:lvl8pPr marL="3200400" indent="0">
-              <a:buNone/>
-              <a:defRPr sz="900"/>
-            </a:lvl8pPr>
-            <a:lvl9pPr marL="3657600" indent="0">
-              <a:buNone/>
-              <a:defRPr sz="900"/>
-            </a:lvl9pPr>
-          </a:lstStyle>
-          <a:p>
-            <a:pPr lvl="0"/>
-            <a:r>
-              <a:rPr lang="en-US" smtClean="0"/>
-              <a:t>Click to edit Master text styles</a:t>
-            </a:r>
-          </a:p>
-        </p:txBody>
-      </p:sp>
-      <p:sp>
-        <p:nvSpPr>
-          <p:cNvPr id="5" name="Date Placeholder 4"/>
-          <p:cNvSpPr>
-            <a:spLocks noGrp="1"/>
-          </p:cNvSpPr>
-          <p:nvPr>
-            <p:ph type="dt" sz="half" idx="10"/>
-          </p:nvPr>
-        </p:nvSpPr>
-        <p:spPr/>
-        <p:txBody>
-          <a:bodyPr/>
-          <a:lstStyle/>
-          <a:p>
-            <a:pPr eaLnBrk="1" latinLnBrk="0" hangingPunct="1"/>
-            <a:fld id="{9D21D778-B565-4D7E-94D7-64010A445B68}" type="datetimeFigureOut">
-              <a:rPr lang="en-US" smtClean="0"/>
-              <a:pPr eaLnBrk="1" latinLnBrk="0" hangingPunct="1"/>
-              <a:t>2/15/2014</a:t>
-            </a:fld>
-            <a:endParaRPr lang="en-US" dirty="0"/>
-          </a:p>
-        </p:txBody>
-      </p:sp>
-      <p:sp>
-        <p:nvSpPr>
-          <p:cNvPr id="6" name="Footer Placeholder 5"/>
-          <p:cNvSpPr>
-            <a:spLocks noGrp="1"/>
-          </p:cNvSpPr>
-          <p:nvPr>
-            <p:ph type="ftr" sz="quarter" idx="11"/>
-          </p:nvPr>
-        </p:nvSpPr>
-        <p:spPr/>
-        <p:txBody>
-          <a:bodyPr/>
-          <a:lstStyle/>
-          <a:p>
-            <a:pPr algn="r" eaLnBrk="0" fontAlgn="base" hangingPunct="0">
-              <a:spcBef>
-                <a:spcPct val="0"/>
-              </a:spcBef>
-              <a:spcAft>
-                <a:spcPct val="0"/>
-              </a:spcAft>
-            </a:pPr>
-            <a:endParaRPr lang="en-GB" dirty="0"/>
-          </a:p>
-        </p:txBody>
-      </p:sp>
-      <p:sp>
-        <p:nvSpPr>
-          <p:cNvPr id="7" name="Slide Number Placeholder 6"/>
-          <p:cNvSpPr>
-            <a:spLocks noGrp="1"/>
-          </p:cNvSpPr>
-          <p:nvPr>
-            <p:ph type="sldNum" sz="quarter" idx="12"/>
-          </p:nvPr>
-        </p:nvSpPr>
-        <p:spPr/>
-        <p:txBody>
-          <a:bodyPr/>
-          <a:lstStyle/>
-          <a:p>
-            <a:fld id="{EF789A81-9B9B-445C-8A60-F916862B4649}" type="slidenum">
-              <a:rPr lang="en-GB" smtClean="0"/>
-              <a:pPr/>
-              <a:t>‹#›</a:t>
-            </a:fld>
-            <a:endParaRPr lang="en-GB" dirty="0"/>
           </a:p>
         </p:txBody>
       </p:sp>
@@ -9663,8 +9111,8 @@
 <p:sldMaster xmlns:a="http://schemas.openxmlformats.org/drawingml/2006/main" xmlns:r="http://schemas.openxmlformats.org/officeDocument/2006/relationships" xmlns:p="http://schemas.openxmlformats.org/presentationml/2006/main">
   <p:cSld>
     <p:bg>
-      <p:bgRef idx="1002">
-        <a:schemeClr val="bg1"/>
+      <p:bgRef idx="1003">
+        <a:schemeClr val="bg2"/>
       </p:bgRef>
     </p:bg>
     <p:spTree>
@@ -9683,96 +9131,34 @@
       </p:grpSpPr>
       <p:sp>
         <p:nvSpPr>
-          <p:cNvPr id="7" name="Rectangle 6"/>
-          <p:cNvSpPr/>
-          <p:nvPr/>
+          <p:cNvPr id="2" name="Title Placeholder 1"/>
+          <p:cNvSpPr>
+            <a:spLocks noGrp="1"/>
+          </p:cNvSpPr>
+          <p:nvPr>
+            <p:ph type="title"/>
+          </p:nvPr>
         </p:nvSpPr>
         <p:spPr>
           <a:xfrm>
-            <a:off x="0" y="0"/>
-            <a:ext cx="9144000" cy="6858000"/>
-          </a:xfrm>
-          <a:prstGeom prst="rect">
-            <a:avLst/>
-          </a:prstGeom>
-          <a:gradFill flip="none" rotWithShape="1">
-            <a:gsLst>
-              <a:gs pos="83000">
-                <a:schemeClr val="bg1">
-                  <a:alpha val="11000"/>
-                </a:schemeClr>
-              </a:gs>
-              <a:gs pos="100000">
-                <a:schemeClr val="bg2">
-                  <a:lumMod val="75000"/>
-                  <a:alpha val="23000"/>
-                </a:schemeClr>
-              </a:gs>
-            </a:gsLst>
-            <a:path path="rect">
-              <a:fillToRect l="50000" t="50000" r="50000" b="50000"/>
-            </a:path>
-            <a:tileRect/>
-          </a:gradFill>
-          <a:ln>
-            <a:noFill/>
-          </a:ln>
-        </p:spPr>
-        <p:style>
-          <a:lnRef idx="2">
-            <a:schemeClr val="accent1">
-              <a:shade val="50000"/>
-            </a:schemeClr>
-          </a:lnRef>
-          <a:fillRef idx="1">
-            <a:schemeClr val="accent1"/>
-          </a:fillRef>
-          <a:effectRef idx="0">
-            <a:schemeClr val="accent1"/>
-          </a:effectRef>
-          <a:fontRef idx="minor">
-            <a:schemeClr val="lt1"/>
-          </a:fontRef>
-        </p:style>
-        <p:txBody>
-          <a:bodyPr rtlCol="0" anchor="ctr"/>
-          <a:lstStyle/>
-          <a:p>
-            <a:pPr algn="ctr"/>
-            <a:endParaRPr lang="en-US"/>
-          </a:p>
-        </p:txBody>
-      </p:sp>
-      <p:sp>
-        <p:nvSpPr>
-          <p:cNvPr id="2" name="Title Placeholder 1"/>
-          <p:cNvSpPr>
-            <a:spLocks noGrp="1"/>
-          </p:cNvSpPr>
-          <p:nvPr>
-            <p:ph type="title"/>
-          </p:nvPr>
-        </p:nvSpPr>
-        <p:spPr>
-          <a:xfrm>
-            <a:off x="688490" y="570156"/>
-            <a:ext cx="7756263" cy="1054250"/>
+            <a:off x="549275" y="107576"/>
+            <a:ext cx="8042276" cy="1336956"/>
           </a:xfrm>
           <a:prstGeom prst="rect">
             <a:avLst/>
           </a:prstGeom>
         </p:spPr>
         <p:txBody>
-          <a:bodyPr vert="horz" lIns="91440" tIns="45720" rIns="91440" bIns="45720" rtlCol="0" anchor="ctr">
+          <a:bodyPr vert="horz" lIns="91440" tIns="45720" rIns="91440" bIns="45720" rtlCol="0" anchor="b" anchorCtr="0">
             <a:noAutofit/>
           </a:bodyPr>
           <a:lstStyle/>
           <a:p>
             <a:r>
-              <a:rPr lang="en-US" smtClean="0"/>
+              <a:rPr lang="x-none" smtClean="0"/>
               <a:t>Click to edit Master title style</a:t>
             </a:r>
-            <a:endParaRPr lang="en-US" dirty="0"/>
+            <a:endParaRPr/>
           </a:p>
         </p:txBody>
       </p:sp>
@@ -9788,8 +9174,8 @@
         </p:nvSpPr>
         <p:spPr>
           <a:xfrm>
-            <a:off x="699247" y="2248347"/>
-            <a:ext cx="7745505" cy="3877815"/>
+            <a:off x="549275" y="1600201"/>
+            <a:ext cx="8042276" cy="4343400"/>
           </a:xfrm>
           <a:prstGeom prst="rect">
             <a:avLst/>
@@ -9803,38 +9189,38 @@
           <a:p>
             <a:pPr lvl="0"/>
             <a:r>
-              <a:rPr lang="en-US" smtClean="0"/>
+              <a:rPr lang="x-none" smtClean="0"/>
               <a:t>Click to edit Master text styles</a:t>
             </a:r>
           </a:p>
           <a:p>
             <a:pPr lvl="1"/>
             <a:r>
-              <a:rPr lang="en-US" smtClean="0"/>
+              <a:rPr lang="x-none" smtClean="0"/>
               <a:t>Second level</a:t>
             </a:r>
           </a:p>
           <a:p>
             <a:pPr lvl="2"/>
             <a:r>
-              <a:rPr lang="en-US" smtClean="0"/>
+              <a:rPr lang="x-none" smtClean="0"/>
               <a:t>Third level</a:t>
             </a:r>
           </a:p>
           <a:p>
             <a:pPr lvl="3"/>
             <a:r>
-              <a:rPr lang="en-US" smtClean="0"/>
+              <a:rPr lang="x-none" smtClean="0"/>
               <a:t>Fourth level</a:t>
             </a:r>
           </a:p>
           <a:p>
             <a:pPr lvl="4"/>
             <a:r>
-              <a:rPr lang="en-US" smtClean="0"/>
+              <a:rPr lang="x-none" smtClean="0"/>
               <a:t>Fifth level</a:t>
             </a:r>
-            <a:endParaRPr lang="en-US" dirty="0"/>
+            <a:endParaRPr dirty="0"/>
           </a:p>
         </p:txBody>
       </p:sp>
@@ -9850,7 +9236,7 @@
         </p:nvSpPr>
         <p:spPr>
           <a:xfrm>
-            <a:off x="360378" y="6161442"/>
+            <a:off x="5629835" y="6275668"/>
             <a:ext cx="2133600" cy="365125"/>
           </a:xfrm>
           <a:prstGeom prst="rect">
@@ -9860,10 +9246,10 @@
         <p:txBody>
           <a:bodyPr vert="horz" lIns="91440" tIns="45720" rIns="91440" bIns="45720" rtlCol="0" anchor="ctr"/>
           <a:lstStyle>
-            <a:lvl1pPr algn="l">
+            <a:lvl1pPr algn="r">
               <a:defRPr sz="1200">
                 <a:solidFill>
-                  <a:schemeClr val="tx2"/>
+                  <a:schemeClr val="bg1"/>
                 </a:solidFill>
               </a:defRPr>
             </a:lvl1pPr>
@@ -9873,7 +9259,7 @@
             <a:fld id="{9D21D778-B565-4D7E-94D7-64010A445B68}" type="datetimeFigureOut">
               <a:rPr lang="en-US" smtClean="0"/>
               <a:pPr algn="r" eaLnBrk="1" latinLnBrk="0" hangingPunct="1"/>
-              <a:t>2/15/2014</a:t>
+              <a:t>2/16/14</a:t>
             </a:fld>
             <a:endParaRPr lang="en-US" sz="1400" dirty="0">
               <a:solidFill>
@@ -9895,8 +9281,8 @@
         </p:nvSpPr>
         <p:spPr>
           <a:xfrm>
-            <a:off x="3124200" y="6161442"/>
-            <a:ext cx="2895600" cy="365125"/>
+            <a:off x="264458" y="6275668"/>
+            <a:ext cx="4840941" cy="365125"/>
           </a:xfrm>
           <a:prstGeom prst="rect">
             <a:avLst/>
@@ -9905,10 +9291,10 @@
         <p:txBody>
           <a:bodyPr vert="horz" lIns="91440" tIns="45720" rIns="91440" bIns="45720" rtlCol="0" anchor="ctr"/>
           <a:lstStyle>
-            <a:lvl1pPr algn="ctr">
+            <a:lvl1pPr algn="l">
               <a:defRPr sz="1200">
                 <a:solidFill>
-                  <a:schemeClr val="tx2"/>
+                  <a:schemeClr val="bg1"/>
                 </a:solidFill>
               </a:defRPr>
             </a:lvl1pPr>
@@ -9938,8 +9324,8 @@
         </p:nvSpPr>
         <p:spPr>
           <a:xfrm>
-            <a:off x="6639264" y="6161442"/>
-            <a:ext cx="2133600" cy="365125"/>
+            <a:off x="7897906" y="6275668"/>
+            <a:ext cx="990600" cy="365125"/>
           </a:xfrm>
           <a:prstGeom prst="rect">
             <a:avLst/>
@@ -9949,9 +9335,9 @@
           <a:bodyPr vert="horz" lIns="91440" tIns="45720" rIns="91440" bIns="45720" rtlCol="0" anchor="ctr"/>
           <a:lstStyle>
             <a:lvl1pPr algn="r">
-              <a:defRPr sz="1200">
+              <a:defRPr sz="3600">
                 <a:solidFill>
-                  <a:schemeClr val="tx2"/>
+                  <a:schemeClr val="bg1"/>
                 </a:solidFill>
               </a:defRPr>
             </a:lvl1pPr>
@@ -9970,30 +9356,31 @@
   </p:cSld>
   <p:clrMap bg1="lt1" tx1="dk1" bg2="lt2" tx2="dk2" accent1="accent1" accent2="accent2" accent3="accent3" accent4="accent4" accent5="accent5" accent6="accent6" hlink="hlink" folHlink="folHlink"/>
   <p:sldLayoutIdLst>
-    <p:sldLayoutId id="2147483775" r:id="rId1"/>
-    <p:sldLayoutId id="2147483776" r:id="rId2"/>
-    <p:sldLayoutId id="2147483777" r:id="rId3"/>
-    <p:sldLayoutId id="2147483778" r:id="rId4"/>
-    <p:sldLayoutId id="2147483779" r:id="rId5"/>
-    <p:sldLayoutId id="2147483780" r:id="rId6"/>
-    <p:sldLayoutId id="2147483781" r:id="rId7"/>
-    <p:sldLayoutId id="2147483782" r:id="rId8"/>
-    <p:sldLayoutId id="2147483783" r:id="rId9"/>
-    <p:sldLayoutId id="2147483784" r:id="rId10"/>
-    <p:sldLayoutId id="2147483785" r:id="rId11"/>
-    <p:sldLayoutId id="2147483786" r:id="rId12"/>
-    <p:sldLayoutId id="2147483787" r:id="rId13"/>
-    <p:sldLayoutId id="2147483792" r:id="rId14"/>
-    <p:sldLayoutId id="2147483649" r:id="rId15"/>
-    <p:sldLayoutId id="2147483705" r:id="rId16"/>
-    <p:sldLayoutId id="2147483651" r:id="rId17"/>
-    <p:sldLayoutId id="2147483713" r:id="rId18"/>
-    <p:sldLayoutId id="2147483716" r:id="rId19"/>
-    <p:sldLayoutId id="2147483687" r:id="rId20"/>
-    <p:sldLayoutId id="2147483688" r:id="rId21"/>
-    <p:sldLayoutId id="2147483654" r:id="rId22"/>
-    <p:sldLayoutId id="2147483658" r:id="rId23"/>
-    <p:sldLayoutId id="2147483659" r:id="rId24"/>
+    <p:sldLayoutId id="2147483908" r:id="rId1"/>
+    <p:sldLayoutId id="2147483909" r:id="rId2"/>
+    <p:sldLayoutId id="2147483910" r:id="rId3"/>
+    <p:sldLayoutId id="2147483911" r:id="rId4"/>
+    <p:sldLayoutId id="2147483912" r:id="rId5"/>
+    <p:sldLayoutId id="2147483913" r:id="rId6"/>
+    <p:sldLayoutId id="2147483914" r:id="rId7"/>
+    <p:sldLayoutId id="2147483915" r:id="rId8"/>
+    <p:sldLayoutId id="2147483916" r:id="rId9"/>
+    <p:sldLayoutId id="2147483917" r:id="rId10"/>
+    <p:sldLayoutId id="2147483918" r:id="rId11"/>
+    <p:sldLayoutId id="2147483919" r:id="rId12"/>
+    <p:sldLayoutId id="2147483920" r:id="rId13"/>
+    <p:sldLayoutId id="2147483921" r:id="rId14"/>
+    <p:sldLayoutId id="2147483922" r:id="rId15"/>
+    <p:sldLayoutId id="2147483649" r:id="rId16"/>
+    <p:sldLayoutId id="2147483705" r:id="rId17"/>
+    <p:sldLayoutId id="2147483651" r:id="rId18"/>
+    <p:sldLayoutId id="2147483713" r:id="rId19"/>
+    <p:sldLayoutId id="2147483716" r:id="rId20"/>
+    <p:sldLayoutId id="2147483687" r:id="rId21"/>
+    <p:sldLayoutId id="2147483688" r:id="rId22"/>
+    <p:sldLayoutId id="2147483654" r:id="rId23"/>
+    <p:sldLayoutId id="2147483658" r:id="rId24"/>
+    <p:sldLayoutId id="2147483659" r:id="rId25"/>
   </p:sldLayoutIdLst>
   <p:hf hdr="0" dt="0"/>
   <p:txStyles>
@@ -10003,87 +9390,35 @@
           <a:spcPct val="0"/>
         </a:spcBef>
         <a:buNone/>
-        <a:defRPr sz="5400" kern="1200">
+        <a:defRPr sz="4600" kern="1200">
           <a:solidFill>
-            <a:schemeClr val="tx2"/>
+            <a:schemeClr val="accent1"/>
           </a:solidFill>
           <a:latin typeface="+mj-lt"/>
           <a:ea typeface="+mj-ea"/>
           <a:cs typeface="+mj-cs"/>
         </a:defRPr>
       </a:lvl1pPr>
-      <a:lvl2pPr eaLnBrk="1" hangingPunct="1">
-        <a:defRPr>
-          <a:solidFill>
-            <a:schemeClr val="tx2"/>
-          </a:solidFill>
-        </a:defRPr>
-      </a:lvl2pPr>
-      <a:lvl3pPr eaLnBrk="1" hangingPunct="1">
-        <a:defRPr>
-          <a:solidFill>
-            <a:schemeClr val="tx2"/>
-          </a:solidFill>
-        </a:defRPr>
-      </a:lvl3pPr>
-      <a:lvl4pPr eaLnBrk="1" hangingPunct="1">
-        <a:defRPr>
-          <a:solidFill>
-            <a:schemeClr val="tx2"/>
-          </a:solidFill>
-        </a:defRPr>
-      </a:lvl4pPr>
-      <a:lvl5pPr eaLnBrk="1" hangingPunct="1">
-        <a:defRPr>
-          <a:solidFill>
-            <a:schemeClr val="tx2"/>
-          </a:solidFill>
-        </a:defRPr>
-      </a:lvl5pPr>
-      <a:lvl6pPr eaLnBrk="1" hangingPunct="1">
-        <a:defRPr>
-          <a:solidFill>
-            <a:schemeClr val="tx2"/>
-          </a:solidFill>
-        </a:defRPr>
-      </a:lvl6pPr>
-      <a:lvl7pPr eaLnBrk="1" hangingPunct="1">
-        <a:defRPr>
-          <a:solidFill>
-            <a:schemeClr val="tx2"/>
-          </a:solidFill>
-        </a:defRPr>
-      </a:lvl7pPr>
-      <a:lvl8pPr eaLnBrk="1" hangingPunct="1">
-        <a:defRPr>
-          <a:solidFill>
-            <a:schemeClr val="tx2"/>
-          </a:solidFill>
-        </a:defRPr>
-      </a:lvl8pPr>
-      <a:lvl9pPr eaLnBrk="1" hangingPunct="1">
-        <a:defRPr>
-          <a:solidFill>
-            <a:schemeClr val="tx2"/>
-          </a:solidFill>
-        </a:defRPr>
-      </a:lvl9pPr>
     </p:titleStyle>
     <p:bodyStyle>
-      <a:lvl1pPr marL="365760" indent="-365760" algn="l" defTabSz="914400" rtl="0" eaLnBrk="1" latinLnBrk="0" hangingPunct="1">
+      <a:lvl1pPr marL="349250" indent="-349250" algn="l" defTabSz="914400" rtl="0" eaLnBrk="1" latinLnBrk="0" hangingPunct="1">
         <a:spcBef>
-          <a:spcPct val="20000"/>
+          <a:spcPts val="2000"/>
         </a:spcBef>
         <a:buClr>
-          <a:schemeClr val="accent1"/>
+          <a:schemeClr val="accent1">
+            <a:lumMod val="60000"/>
+            <a:lumOff val="40000"/>
+          </a:schemeClr>
         </a:buClr>
-        <a:buFont typeface="Wingdings" pitchFamily="2" charset="2"/>
-        <a:buChar char=""/>
+        <a:buSzPct val="110000"/>
+        <a:buFont typeface="Wingdings 2" pitchFamily="18" charset="2"/>
+        <a:buChar char=""/>
         <a:defRPr sz="2400" kern="1200">
           <a:solidFill>
             <a:schemeClr val="tx1">
-              <a:lumMod val="85000"/>
-              <a:lumOff val="15000"/>
+              <a:lumMod val="65000"/>
+              <a:lumOff val="35000"/>
             </a:schemeClr>
           </a:solidFill>
           <a:latin typeface="+mn-lt"/>
@@ -10091,20 +9426,23 @@
           <a:cs typeface="+mn-cs"/>
         </a:defRPr>
       </a:lvl1pPr>
-      <a:lvl2pPr marL="777240" indent="-365760" algn="l" defTabSz="914400" rtl="0" eaLnBrk="1" latinLnBrk="0" hangingPunct="1">
+      <a:lvl2pPr marL="685800" indent="-336550" algn="l" defTabSz="914400" rtl="0" eaLnBrk="1" latinLnBrk="0" hangingPunct="1">
         <a:spcBef>
-          <a:spcPct val="20000"/>
+          <a:spcPts val="600"/>
         </a:spcBef>
         <a:buClr>
-          <a:schemeClr val="accent1"/>
+          <a:schemeClr val="accent1">
+            <a:lumMod val="75000"/>
+          </a:schemeClr>
         </a:buClr>
-        <a:buFont typeface="Wingdings" pitchFamily="2" charset="2"/>
-        <a:buChar char=""/>
+        <a:buSzPct val="110000"/>
+        <a:buFont typeface="Wingdings 2" pitchFamily="18" charset="2"/>
+        <a:buChar char=""/>
         <a:defRPr sz="2200" kern="1200">
           <a:solidFill>
             <a:schemeClr val="tx1">
-              <a:lumMod val="85000"/>
-              <a:lumOff val="15000"/>
+              <a:lumMod val="65000"/>
+              <a:lumOff val="35000"/>
             </a:schemeClr>
           </a:solidFill>
           <a:latin typeface="+mn-lt"/>
@@ -10112,20 +9450,24 @@
           <a:cs typeface="+mn-cs"/>
         </a:defRPr>
       </a:lvl2pPr>
-      <a:lvl3pPr marL="1143000" indent="-365760" algn="l" defTabSz="914400" rtl="0" eaLnBrk="1" latinLnBrk="0" hangingPunct="1">
+      <a:lvl3pPr marL="968375" indent="-282575" algn="l" defTabSz="914400" rtl="0" eaLnBrk="1" latinLnBrk="0" hangingPunct="1">
         <a:spcBef>
-          <a:spcPct val="20000"/>
+          <a:spcPts val="600"/>
         </a:spcBef>
         <a:buClr>
-          <a:schemeClr val="accent1"/>
+          <a:schemeClr val="accent1">
+            <a:lumMod val="60000"/>
+            <a:lumOff val="40000"/>
+          </a:schemeClr>
         </a:buClr>
-        <a:buFont typeface="Wingdings" pitchFamily="2" charset="2"/>
-        <a:buChar char=""/>
+        <a:buSzPct val="110000"/>
+        <a:buFont typeface="Wingdings 2" pitchFamily="18" charset="2"/>
+        <a:buChar char=""/>
         <a:defRPr sz="2000" kern="1200">
           <a:solidFill>
             <a:schemeClr val="tx1">
-              <a:lumMod val="85000"/>
-              <a:lumOff val="15000"/>
+              <a:lumMod val="65000"/>
+              <a:lumOff val="35000"/>
             </a:schemeClr>
           </a:solidFill>
           <a:latin typeface="+mn-lt"/>
@@ -10133,20 +9475,23 @@
           <a:cs typeface="+mn-cs"/>
         </a:defRPr>
       </a:lvl3pPr>
-      <a:lvl4pPr marL="1508760" indent="-320040" algn="l" defTabSz="914400" rtl="0" eaLnBrk="1" latinLnBrk="0" hangingPunct="1">
+      <a:lvl4pPr marL="1263650" indent="-295275" algn="l" defTabSz="914400" rtl="0" eaLnBrk="1" latinLnBrk="0" hangingPunct="1">
         <a:spcBef>
-          <a:spcPct val="20000"/>
+          <a:spcPts val="600"/>
         </a:spcBef>
         <a:buClr>
-          <a:schemeClr val="accent1"/>
+          <a:schemeClr val="accent1">
+            <a:lumMod val="75000"/>
+          </a:schemeClr>
         </a:buClr>
-        <a:buFont typeface="Wingdings" pitchFamily="2" charset="2"/>
-        <a:buChar char=""/>
+        <a:buSzPct val="110000"/>
+        <a:buFont typeface="Wingdings 2" pitchFamily="18" charset="2"/>
+        <a:buChar char=""/>
         <a:defRPr sz="1800" kern="1200">
           <a:solidFill>
             <a:schemeClr val="tx1">
-              <a:lumMod val="85000"/>
-              <a:lumOff val="15000"/>
+              <a:lumMod val="65000"/>
+              <a:lumOff val="35000"/>
             </a:schemeClr>
           </a:solidFill>
           <a:latin typeface="+mn-lt"/>
@@ -10154,20 +9499,24 @@
           <a:cs typeface="+mn-cs"/>
         </a:defRPr>
       </a:lvl4pPr>
-      <a:lvl5pPr marL="1828800" indent="-320040" algn="l" defTabSz="914400" rtl="0" eaLnBrk="1" latinLnBrk="0" hangingPunct="1">
+      <a:lvl5pPr marL="1546225" indent="-282575" algn="l" defTabSz="914400" rtl="0" eaLnBrk="1" latinLnBrk="0" hangingPunct="1">
         <a:spcBef>
-          <a:spcPct val="20000"/>
+          <a:spcPts val="600"/>
         </a:spcBef>
         <a:buClr>
-          <a:schemeClr val="accent1"/>
+          <a:schemeClr val="accent1">
+            <a:lumMod val="60000"/>
+            <a:lumOff val="40000"/>
+          </a:schemeClr>
         </a:buClr>
-        <a:buFont typeface="Wingdings" pitchFamily="2" charset="2"/>
-        <a:buChar char=""/>
-        <a:defRPr sz="1600" kern="1200">
+        <a:buSzPct val="110000"/>
+        <a:buFont typeface="Wingdings 2" pitchFamily="18" charset="2"/>
+        <a:buChar char=""/>
+        <a:defRPr sz="1800" kern="1200">
           <a:solidFill>
             <a:schemeClr val="tx1">
-              <a:lumMod val="85000"/>
-              <a:lumOff val="15000"/>
+              <a:lumMod val="65000"/>
+              <a:lumOff val="35000"/>
             </a:schemeClr>
           </a:solidFill>
           <a:latin typeface="+mn-lt"/>
@@ -10175,72 +9524,94 @@
           <a:cs typeface="+mn-cs"/>
         </a:defRPr>
       </a:lvl5pPr>
-      <a:lvl6pPr marL="2148840" indent="-274320" algn="l" defTabSz="914400" rtl="0" eaLnBrk="1" latinLnBrk="0" hangingPunct="1">
+      <a:lvl6pPr marL="1828800" indent="-282575" algn="l" defTabSz="914400" rtl="0" eaLnBrk="1" latinLnBrk="0" hangingPunct="1">
         <a:spcBef>
-          <a:spcPts val="400"/>
+          <a:spcPct val="20000"/>
         </a:spcBef>
         <a:buClr>
-          <a:schemeClr val="accent1"/>
+          <a:schemeClr val="accent2"/>
         </a:buClr>
-        <a:buFont typeface="Wingdings" pitchFamily="2" charset="2"/>
-        <a:buChar char=""/>
-        <a:defRPr sz="1400" kern="1200">
+        <a:buSzPct val="110000"/>
+        <a:buFont typeface="Wingdings 2" pitchFamily="18" charset="2"/>
+        <a:buChar char=""/>
+        <a:defRPr lang="en-US" sz="1800" kern="1200" dirty="0" smtClean="0">
           <a:solidFill>
-            <a:schemeClr val="tx1"/>
+            <a:schemeClr val="tx1">
+              <a:lumMod val="65000"/>
+              <a:lumOff val="35000"/>
+            </a:schemeClr>
           </a:solidFill>
           <a:latin typeface="+mn-lt"/>
           <a:ea typeface="+mn-ea"/>
           <a:cs typeface="+mn-cs"/>
         </a:defRPr>
       </a:lvl6pPr>
-      <a:lvl7pPr marL="2468880" indent="-274320" algn="l" defTabSz="914400" rtl="0" eaLnBrk="1" latinLnBrk="0" hangingPunct="1">
+      <a:lvl7pPr marL="2117725" indent="-282575" algn="l" defTabSz="914400" rtl="0" eaLnBrk="1" latinLnBrk="0" hangingPunct="1">
         <a:spcBef>
-          <a:spcPts val="400"/>
+          <a:spcPct val="20000"/>
         </a:spcBef>
         <a:buClr>
-          <a:schemeClr val="accent1"/>
+          <a:schemeClr val="accent1">
+            <a:lumMod val="60000"/>
+            <a:lumOff val="40000"/>
+          </a:schemeClr>
         </a:buClr>
-        <a:buFont typeface="Wingdings" pitchFamily="2" charset="2"/>
-        <a:buChar char=""/>
-        <a:defRPr sz="1400" kern="1200">
+        <a:buSzPct val="110000"/>
+        <a:buFont typeface="Wingdings 2" pitchFamily="18" charset="2"/>
+        <a:buChar char=""/>
+        <a:defRPr lang="en-US" sz="1800" kern="1200" dirty="0" smtClean="0">
           <a:solidFill>
-            <a:schemeClr val="tx1"/>
+            <a:schemeClr val="tx1">
+              <a:lumMod val="65000"/>
+              <a:lumOff val="35000"/>
+            </a:schemeClr>
           </a:solidFill>
           <a:latin typeface="+mn-lt"/>
           <a:ea typeface="+mn-ea"/>
           <a:cs typeface="+mn-cs"/>
         </a:defRPr>
       </a:lvl7pPr>
-      <a:lvl8pPr marL="2788920" indent="-274320" algn="l" defTabSz="914400" rtl="0" eaLnBrk="1" latinLnBrk="0" hangingPunct="1">
+      <a:lvl8pPr marL="2398713" indent="-282575" algn="l" defTabSz="914400" rtl="0" eaLnBrk="1" latinLnBrk="0" hangingPunct="1">
         <a:spcBef>
-          <a:spcPts val="400"/>
+          <a:spcPct val="20000"/>
         </a:spcBef>
         <a:buClr>
-          <a:schemeClr val="accent1"/>
+          <a:schemeClr val="accent2"/>
         </a:buClr>
-        <a:buFont typeface="Wingdings" pitchFamily="2" charset="2"/>
-        <a:buChar char=""/>
-        <a:defRPr sz="1400" kern="1200">
+        <a:buSzPct val="110000"/>
+        <a:buFont typeface="Wingdings 2" pitchFamily="18" charset="2"/>
+        <a:buChar char=""/>
+        <a:defRPr lang="en-US" sz="1800" kern="1200" dirty="0" smtClean="0">
           <a:solidFill>
-            <a:schemeClr val="tx1"/>
+            <a:schemeClr val="tx1">
+              <a:lumMod val="65000"/>
+              <a:lumOff val="35000"/>
+            </a:schemeClr>
           </a:solidFill>
           <a:latin typeface="+mn-lt"/>
           <a:ea typeface="+mn-ea"/>
           <a:cs typeface="+mn-cs"/>
         </a:defRPr>
       </a:lvl8pPr>
-      <a:lvl9pPr marL="3108960" indent="-274320" algn="l" defTabSz="914400" rtl="0" eaLnBrk="1" latinLnBrk="0" hangingPunct="1">
+      <a:lvl9pPr marL="2689225" indent="-282575" algn="l" defTabSz="914400" rtl="0" eaLnBrk="1" latinLnBrk="0" hangingPunct="1">
         <a:spcBef>
-          <a:spcPts val="400"/>
+          <a:spcPct val="20000"/>
         </a:spcBef>
         <a:buClr>
-          <a:schemeClr val="accent1"/>
+          <a:schemeClr val="accent1">
+            <a:lumMod val="60000"/>
+            <a:lumOff val="40000"/>
+          </a:schemeClr>
         </a:buClr>
-        <a:buFont typeface="Wingdings" pitchFamily="2" charset="2"/>
-        <a:buChar char=""/>
-        <a:defRPr sz="1400" kern="1200">
+        <a:buSzPct val="110000"/>
+        <a:buFont typeface="Wingdings 2" pitchFamily="18" charset="2"/>
+        <a:buChar char=""/>
+        <a:defRPr lang="en-US" sz="1800" kern="1200" dirty="0">
           <a:solidFill>
-            <a:schemeClr val="tx1"/>
+            <a:schemeClr val="tx1">
+              <a:lumMod val="65000"/>
+              <a:lumOff val="35000"/>
+            </a:schemeClr>
           </a:solidFill>
           <a:latin typeface="+mn-lt"/>
           <a:ea typeface="+mn-ea"/>
@@ -10250,7 +9621,7 @@
     </p:bodyStyle>
     <p:otherStyle>
       <a:defPPr>
-        <a:defRPr lang="en-US"/>
+        <a:defRPr/>
       </a:defPPr>
       <a:lvl1pPr marL="0" algn="l" defTabSz="914400" rtl="0" eaLnBrk="1" latinLnBrk="0" hangingPunct="1">
         <a:defRPr sz="1800" kern="1200">
@@ -10348,7 +9719,7 @@
 </file>
 
 <file path=ppt/slides/slide1.xml><?xml version="1.0" encoding="utf-8"?>
-<p:sld xmlns:a="http://schemas.openxmlformats.org/drawingml/2006/main" xmlns:r="http://schemas.openxmlformats.org/officeDocument/2006/relationships" xmlns:p="http://schemas.openxmlformats.org/presentationml/2006/main">
+<p:sld xmlns:a="http://schemas.openxmlformats.org/drawingml/2006/main" xmlns:r="http://schemas.openxmlformats.org/officeDocument/2006/relationships" xmlns:p="http://schemas.openxmlformats.org/presentationml/2006/main" showMasterSp="0">
   <p:cSld>
     <p:spTree>
       <p:nvGrpSpPr>
@@ -10380,11 +9751,11 @@
           <a:lstStyle/>
           <a:p>
             <a:fld id="{EF789A81-9B9B-445C-8A60-F916862B4649}" type="slidenum">
-              <a:rPr lang="en-GB" smtClean="0"/>
+              <a:rPr lang="en-GB" sz="2800" smtClean="0"/>
               <a:pPr/>
               <a:t>1</a:t>
             </a:fld>
-            <a:endParaRPr lang="en-GB" dirty="0"/>
+            <a:endParaRPr lang="en-GB" sz="2800" dirty="0"/>
           </a:p>
         </p:txBody>
       </p:sp>
@@ -10405,7 +9776,9 @@
           </a:xfrm>
         </p:spPr>
         <p:txBody>
-          <a:bodyPr/>
+          <a:bodyPr>
+            <a:normAutofit/>
+          </a:bodyPr>
           <a:lstStyle/>
           <a:p>
             <a:pPr>
@@ -10414,13 +9787,32 @@
             <a:endParaRPr lang="en-GB" dirty="0" smtClean="0"/>
           </a:p>
           <a:p>
-            <a:pPr>
+            <a:pPr marL="0" indent="0">
               <a:buNone/>
             </a:pPr>
-            <a:endParaRPr lang="en-GB" dirty="0" smtClean="0"/>
-          </a:p>
-          <a:p>
             <a:endParaRPr lang="en-GB" dirty="0"/>
+          </a:p>
+          <a:p>
+            <a:r>
+              <a:rPr lang="en-GB" sz="1600" dirty="0"/>
+              <a:t>Marcos Davila</a:t>
+            </a:r>
+          </a:p>
+          <a:p>
+            <a:endParaRPr lang="en-GB" sz="1600" dirty="0" smtClean="0"/>
+          </a:p>
+          <a:p>
+            <a:r>
+              <a:rPr lang="en-GB" sz="1600" dirty="0" smtClean="0"/>
+              <a:t>Marcus </a:t>
+            </a:r>
+            <a:r>
+              <a:rPr lang="en-GB" sz="1600" dirty="0" smtClean="0"/>
+              <a:t>Silveira</a:t>
+            </a:r>
+          </a:p>
+          <a:p>
+            <a:endParaRPr lang="en-GB" sz="1600" dirty="0" smtClean="0"/>
           </a:p>
           <a:p>
             <a:r>
@@ -10428,34 +9820,16 @@
               <a:t>Prince </a:t>
             </a:r>
             <a:r>
-              <a:rPr lang="en-GB" sz="1600" dirty="0" err="1" smtClean="0"/>
+              <a:rPr lang="en-GB" sz="1600" dirty="0" err="1"/>
               <a:t>Oladimeji</a:t>
             </a:r>
+            <a:endParaRPr lang="en-GB" sz="1600" dirty="0"/>
+          </a:p>
+          <a:p>
             <a:endParaRPr lang="en-GB" sz="1600" dirty="0" smtClean="0"/>
           </a:p>
           <a:p>
             <a:endParaRPr lang="en-GB" sz="1600" dirty="0" smtClean="0"/>
-          </a:p>
-          <a:p>
-            <a:r>
-              <a:rPr lang="en-GB" sz="1600" dirty="0" smtClean="0"/>
-              <a:t>Marcus </a:t>
-            </a:r>
-            <a:r>
-              <a:rPr lang="en-GB" sz="1600" dirty="0" err="1" smtClean="0"/>
-              <a:t>Silveira</a:t>
-            </a:r>
-            <a:endParaRPr lang="en-GB" sz="1600" dirty="0" smtClean="0"/>
-          </a:p>
-          <a:p>
-            <a:endParaRPr lang="en-GB" sz="1600" dirty="0" smtClean="0"/>
-          </a:p>
-          <a:p>
-            <a:r>
-              <a:rPr lang="en-GB" sz="1600" dirty="0" smtClean="0"/>
-              <a:t>Marcus Davila</a:t>
-            </a:r>
-            <a:endParaRPr lang="en-GB" sz="1600" dirty="0"/>
           </a:p>
         </p:txBody>
       </p:sp>
@@ -10485,14 +9859,28 @@
             <a:r>
               <a:rPr lang="en-GB" b="1" dirty="0" smtClean="0">
                 <a:solidFill>
-                  <a:schemeClr val="accent4"/>
+                  <a:schemeClr val="accent3">
+                    <a:lumMod val="50000"/>
+                  </a:schemeClr>
                 </a:solidFill>
               </a:rPr>
-              <a:t>Team_1 members are:</a:t>
+              <a:t>M</a:t>
+            </a:r>
+            <a:r>
+              <a:rPr lang="en-GB" b="1" dirty="0" smtClean="0">
+                <a:solidFill>
+                  <a:schemeClr val="accent3">
+                    <a:lumMod val="50000"/>
+                  </a:schemeClr>
+                </a:solidFill>
+              </a:rPr>
+              <a:t>embers:</a:t>
             </a:r>
             <a:endParaRPr lang="en-GB" b="1" dirty="0">
               <a:solidFill>
-                <a:schemeClr val="accent4"/>
+                <a:schemeClr val="accent3">
+                  <a:lumMod val="50000"/>
+                </a:schemeClr>
               </a:solidFill>
             </a:endParaRPr>
           </a:p>
@@ -10500,139 +9888,45 @@
       </p:sp>
       <p:sp>
         <p:nvSpPr>
-          <p:cNvPr id="6" name="Title 6"/>
-          <p:cNvSpPr txBox="1">
-            <a:spLocks/>
-          </p:cNvSpPr>
-          <p:nvPr/>
+          <p:cNvPr id="7" name="Title 6"/>
+          <p:cNvSpPr>
+            <a:spLocks noGrp="1"/>
+          </p:cNvSpPr>
+          <p:nvPr>
+            <p:ph type="title"/>
+          </p:nvPr>
         </p:nvSpPr>
         <p:spPr>
           <a:xfrm>
-            <a:off x="539750" y="685800"/>
-            <a:ext cx="8064500" cy="762000"/>
+            <a:off x="539750" y="990600"/>
+            <a:ext cx="8064500" cy="609600"/>
           </a:xfrm>
-          <a:prstGeom prst="rect">
-            <a:avLst/>
-          </a:prstGeom>
         </p:spPr>
         <p:txBody>
-          <a:bodyPr vert="horz" lIns="91440" tIns="45720" rIns="91440" bIns="45720" rtlCol="0" anchor="ctr">
+          <a:bodyPr>
             <a:noAutofit/>
           </a:bodyPr>
           <a:lstStyle/>
           <a:p>
-            <a:pPr marL="0" marR="0" lvl="0" indent="0" algn="ctr" defTabSz="914400" rtl="0" eaLnBrk="1" fontAlgn="auto" latinLnBrk="0" hangingPunct="1">
-              <a:lnSpc>
-                <a:spcPct val="100000"/>
-              </a:lnSpc>
-              <a:spcBef>
-                <a:spcPct val="0"/>
-              </a:spcBef>
-              <a:spcAft>
-                <a:spcPts val="0"/>
-              </a:spcAft>
-              <a:buClrTx/>
-              <a:buSzTx/>
-              <a:buFontTx/>
-              <a:buNone/>
-              <a:tabLst/>
-              <a:defRPr/>
-            </a:pPr>
-            <a:r>
-              <a:rPr kumimoji="0" lang="en-GB" sz="2800" b="1" i="0" u="sng" strike="noStrike" kern="1200" cap="none" spc="0" normalizeH="0" baseline="0" noProof="0" dirty="0" smtClean="0">
-                <a:ln>
-                  <a:noFill/>
-                </a:ln>
-                <a:solidFill>
-                  <a:schemeClr val="tx2"/>
-                </a:solidFill>
-                <a:effectLst/>
-                <a:uLnTx/>
-                <a:uFillTx/>
-                <a:latin typeface="+mj-lt"/>
-                <a:ea typeface="+mj-ea"/>
-                <a:cs typeface="+mj-cs"/>
-              </a:rPr>
-              <a:t/>
+            <a:r>
+              <a:rPr lang="en-GB" sz="2800" b="1" dirty="0" smtClean="0"/>
+              <a:t>Android Programming Class:</a:t>
             </a:r>
             <a:br>
-              <a:rPr kumimoji="0" lang="en-GB" sz="2800" b="1" i="0" u="sng" strike="noStrike" kern="1200" cap="none" spc="0" normalizeH="0" baseline="0" noProof="0" dirty="0" smtClean="0">
-                <a:ln>
-                  <a:noFill/>
-                </a:ln>
-                <a:solidFill>
-                  <a:schemeClr val="tx2"/>
-                </a:solidFill>
-                <a:effectLst/>
-                <a:uLnTx/>
-                <a:uFillTx/>
-                <a:latin typeface="+mj-lt"/>
-                <a:ea typeface="+mj-ea"/>
-                <a:cs typeface="+mj-cs"/>
-              </a:rPr>
+              <a:rPr lang="en-GB" sz="2800" b="1" dirty="0" smtClean="0"/>
             </a:br>
             <a:r>
-              <a:rPr lang="en-GB" sz="2800" b="1" u="sng" dirty="0" smtClean="0">
-                <a:solidFill>
-                  <a:schemeClr val="tx2"/>
-                </a:solidFill>
-                <a:latin typeface="+mj-lt"/>
-                <a:ea typeface="+mj-ea"/>
-                <a:cs typeface="+mj-cs"/>
-              </a:rPr>
-              <a:t>Android Programming Class: </a:t>
-            </a:r>
-          </a:p>
-          <a:p>
-            <a:pPr marL="0" marR="0" lvl="0" indent="0" algn="ctr" defTabSz="914400" rtl="0" eaLnBrk="1" fontAlgn="auto" latinLnBrk="0" hangingPunct="1">
-              <a:lnSpc>
-                <a:spcPct val="100000"/>
-              </a:lnSpc>
-              <a:spcBef>
-                <a:spcPct val="0"/>
-              </a:spcBef>
-              <a:spcAft>
-                <a:spcPts val="0"/>
-              </a:spcAft>
-              <a:buClrTx/>
-              <a:buSzTx/>
-              <a:buFontTx/>
-              <a:buNone/>
-              <a:tabLst/>
-              <a:defRPr/>
-            </a:pPr>
-            <a:r>
-              <a:rPr lang="en-GB" sz="2800" b="1" u="sng" dirty="0" smtClean="0">
-                <a:solidFill>
-                  <a:schemeClr val="tx2"/>
-                </a:solidFill>
-                <a:latin typeface="+mj-lt"/>
-                <a:ea typeface="+mj-ea"/>
-                <a:cs typeface="+mj-cs"/>
-              </a:rPr>
+              <a:rPr lang="en-GB" sz="2800" b="1" dirty="0" smtClean="0"/>
               <a:t>Graduate Term Project – Team 1</a:t>
             </a:r>
-            <a:endParaRPr kumimoji="0" lang="en-GB" sz="2800" b="1" i="0" u="sng" strike="noStrike" kern="1200" cap="none" spc="0" normalizeH="0" baseline="0" noProof="0" dirty="0">
-              <a:ln>
-                <a:noFill/>
-              </a:ln>
-              <a:solidFill>
-                <a:schemeClr val="tx2"/>
-              </a:solidFill>
-              <a:effectLst/>
-              <a:uLnTx/>
-              <a:uFillTx/>
-              <a:latin typeface="+mj-lt"/>
-              <a:ea typeface="+mj-ea"/>
-              <a:cs typeface="+mj-cs"/>
-            </a:endParaRPr>
+            <a:endParaRPr lang="en-GB" sz="2800" b="1" dirty="0"/>
           </a:p>
         </p:txBody>
       </p:sp>
     </p:spTree>
     <p:extLst>
       <p:ext uri="{BB962C8B-B14F-4D97-AF65-F5344CB8AC3E}">
-        <p14:creationId xmlns="" xmlns:p14="http://schemas.microsoft.com/office/powerpoint/2010/main" val="828821643"/>
+        <p14:creationId xmlns:p14="http://schemas.microsoft.com/office/powerpoint/2010/main" val="828821643"/>
       </p:ext>
     </p:extLst>
   </p:cSld>
@@ -10642,7 +9936,7 @@
   <p:timing>
     <p:tnLst>
       <p:par>
-        <p:cTn id="1" dur="indefinite" restart="never" nodeType="tmRoot"/>
+        <p:cTn xmlns:p14="http://schemas.microsoft.com/office/powerpoint/2010/main" id="1" dur="indefinite" restart="never" nodeType="tmRoot"/>
       </p:par>
     </p:tnLst>
   </p:timing>
@@ -10650,7 +9944,7 @@
 </file>
 
 <file path=ppt/slides/slide10.xml><?xml version="1.0" encoding="utf-8"?>
-<p:sld xmlns:a="http://schemas.openxmlformats.org/drawingml/2006/main" xmlns:r="http://schemas.openxmlformats.org/officeDocument/2006/relationships" xmlns:p="http://schemas.openxmlformats.org/presentationml/2006/main">
+<p:sld xmlns:a="http://schemas.openxmlformats.org/drawingml/2006/main" xmlns:r="http://schemas.openxmlformats.org/officeDocument/2006/relationships" xmlns:p="http://schemas.openxmlformats.org/presentationml/2006/main" showMasterSp="0">
   <p:cSld>
     <p:spTree>
       <p:nvGrpSpPr>
@@ -10689,10 +9983,10 @@
           <a:lstStyle/>
           <a:p>
             <a:r>
-              <a:rPr lang="en-GB" sz="2800" b="1" u="sng" dirty="0" smtClean="0"/>
+              <a:rPr lang="en-GB" sz="2800" b="1" dirty="0" smtClean="0"/>
               <a:t>Project Design and Navigation</a:t>
             </a:r>
-            <a:endParaRPr lang="en-GB" sz="2800" b="1" u="sng" dirty="0"/>
+            <a:endParaRPr lang="en-GB" sz="2800" b="1" dirty="0"/>
           </a:p>
         </p:txBody>
       </p:sp>
@@ -10712,11 +10006,134 @@
           <a:lstStyle/>
           <a:p>
             <a:fld id="{EF789A81-9B9B-445C-8A60-F916862B4649}" type="slidenum">
-              <a:rPr lang="en-GB" smtClean="0"/>
+              <a:rPr lang="en-GB" sz="2800" smtClean="0"/>
               <a:pPr/>
               <a:t>10</a:t>
             </a:fld>
-            <a:endParaRPr lang="en-GB" dirty="0"/>
+            <a:endParaRPr lang="en-GB" sz="2800" dirty="0"/>
+          </a:p>
+        </p:txBody>
+      </p:sp>
+      <p:pic>
+        <p:nvPicPr>
+          <p:cNvPr id="2050" name="Picture 2"/>
+          <p:cNvPicPr>
+            <a:picLocks noChangeAspect="1" noChangeArrowheads="1"/>
+          </p:cNvPicPr>
+          <p:nvPr/>
+        </p:nvPicPr>
+        <p:blipFill>
+          <a:blip r:embed="rId3" cstate="print"/>
+          <a:srcRect/>
+          <a:stretch>
+            <a:fillRect/>
+          </a:stretch>
+        </p:blipFill>
+        <p:spPr bwMode="auto">
+          <a:xfrm>
+            <a:off x="2538413" y="2057400"/>
+            <a:ext cx="4067175" cy="3609975"/>
+          </a:xfrm>
+          <a:prstGeom prst="rect">
+            <a:avLst/>
+          </a:prstGeom>
+          <a:noFill/>
+          <a:ln w="9525">
+            <a:noFill/>
+            <a:miter lim="800000"/>
+            <a:headEnd/>
+            <a:tailEnd/>
+          </a:ln>
+        </p:spPr>
+      </p:pic>
+    </p:spTree>
+    <p:extLst>
+      <p:ext uri="{BB962C8B-B14F-4D97-AF65-F5344CB8AC3E}">
+        <p14:creationId xmlns:p14="http://schemas.microsoft.com/office/powerpoint/2010/main" val="4290846282"/>
+      </p:ext>
+    </p:extLst>
+  </p:cSld>
+  <p:clrMapOvr>
+    <a:masterClrMapping/>
+  </p:clrMapOvr>
+  <p:timing>
+    <p:tnLst>
+      <p:par>
+        <p:cTn xmlns:p14="http://schemas.microsoft.com/office/powerpoint/2010/main" id="1" dur="indefinite" restart="never" nodeType="tmRoot"/>
+      </p:par>
+    </p:tnLst>
+  </p:timing>
+</p:sld>
+</file>
+
+<file path=ppt/slides/slide11.xml><?xml version="1.0" encoding="utf-8"?>
+<p:sld xmlns:a="http://schemas.openxmlformats.org/drawingml/2006/main" xmlns:r="http://schemas.openxmlformats.org/officeDocument/2006/relationships" xmlns:p="http://schemas.openxmlformats.org/presentationml/2006/main" showMasterSp="0">
+  <p:cSld>
+    <p:spTree>
+      <p:nvGrpSpPr>
+        <p:cNvPr id="1" name=""/>
+        <p:cNvGrpSpPr/>
+        <p:nvPr/>
+      </p:nvGrpSpPr>
+      <p:grpSpPr>
+        <a:xfrm>
+          <a:off x="0" y="0"/>
+          <a:ext cx="0" cy="0"/>
+          <a:chOff x="0" y="0"/>
+          <a:chExt cx="0" cy="0"/>
+        </a:xfrm>
+      </p:grpSpPr>
+      <p:sp>
+        <p:nvSpPr>
+          <p:cNvPr id="7" name="Title 6"/>
+          <p:cNvSpPr>
+            <a:spLocks noGrp="1"/>
+          </p:cNvSpPr>
+          <p:nvPr>
+            <p:ph type="title"/>
+          </p:nvPr>
+        </p:nvSpPr>
+        <p:spPr>
+          <a:xfrm>
+            <a:off x="539750" y="838200"/>
+            <a:ext cx="8064500" cy="609600"/>
+          </a:xfrm>
+        </p:spPr>
+        <p:txBody>
+          <a:bodyPr>
+            <a:noAutofit/>
+          </a:bodyPr>
+          <a:lstStyle/>
+          <a:p>
+            <a:r>
+              <a:rPr lang="en-GB" sz="2800" b="1" dirty="0" smtClean="0"/>
+              <a:t>Project Design and Navigation</a:t>
+            </a:r>
+            <a:endParaRPr lang="en-GB" sz="2800" b="1" dirty="0"/>
+          </a:p>
+        </p:txBody>
+      </p:sp>
+      <p:sp>
+        <p:nvSpPr>
+          <p:cNvPr id="4" name="Slide Number Placeholder 3"/>
+          <p:cNvSpPr>
+            <a:spLocks noGrp="1"/>
+          </p:cNvSpPr>
+          <p:nvPr>
+            <p:ph type="sldNum" sz="quarter" idx="11"/>
+          </p:nvPr>
+        </p:nvSpPr>
+        <p:spPr/>
+        <p:txBody>
+          <a:bodyPr/>
+          <a:lstStyle/>
+          <a:p>
+            <a:fld id="{EF789A81-9B9B-445C-8A60-F916862B4649}" type="slidenum">
+              <a:rPr lang="en-GB" sz="2800" smtClean="0"/>
+              <a:pPr/>
+              <a:t>11</a:t>
+            </a:fld>
+            <a:endParaRPr lang="en-GB" sz="2800" dirty="0"/>
           </a:p>
         </p:txBody>
       </p:sp>
@@ -10755,7 +10172,7 @@
     </p:spTree>
     <p:extLst>
       <p:ext uri="{BB962C8B-B14F-4D97-AF65-F5344CB8AC3E}">
-        <p14:creationId xmlns="" xmlns:p14="http://schemas.microsoft.com/office/powerpoint/2010/main" val="4290846282"/>
+        <p14:creationId xmlns:p14="http://schemas.microsoft.com/office/powerpoint/2010/main" val="4290846282"/>
       </p:ext>
     </p:extLst>
   </p:cSld>
@@ -10765,15 +10182,15 @@
   <p:timing>
     <p:tnLst>
       <p:par>
-        <p:cTn id="1" dur="indefinite" restart="never" nodeType="tmRoot"/>
+        <p:cTn xmlns:p14="http://schemas.microsoft.com/office/powerpoint/2010/main" id="1" dur="indefinite" restart="never" nodeType="tmRoot"/>
       </p:par>
     </p:tnLst>
   </p:timing>
 </p:sld>
 </file>
 
-<file path=ppt/slides/slide11.xml><?xml version="1.0" encoding="utf-8"?>
-<p:sld xmlns:a="http://schemas.openxmlformats.org/drawingml/2006/main" xmlns:r="http://schemas.openxmlformats.org/officeDocument/2006/relationships" xmlns:p="http://schemas.openxmlformats.org/presentationml/2006/main">
+<file path=ppt/slides/slide12.xml><?xml version="1.0" encoding="utf-8"?>
+<p:sld xmlns:a="http://schemas.openxmlformats.org/drawingml/2006/main" xmlns:r="http://schemas.openxmlformats.org/officeDocument/2006/relationships" xmlns:p="http://schemas.openxmlformats.org/presentationml/2006/main" showMasterSp="0">
   <p:cSld>
     <p:spTree>
       <p:nvGrpSpPr>
@@ -10812,10 +10229,10 @@
           <a:lstStyle/>
           <a:p>
             <a:r>
-              <a:rPr lang="en-GB" sz="2800" b="1" u="sng" dirty="0" smtClean="0"/>
+              <a:rPr lang="en-GB" sz="2800" b="1" dirty="0" smtClean="0"/>
               <a:t>Project Schedule</a:t>
             </a:r>
-            <a:endParaRPr lang="en-GB" sz="2800" b="1" u="sng" dirty="0"/>
+            <a:endParaRPr lang="en-GB" sz="2800" b="1" dirty="0"/>
           </a:p>
         </p:txBody>
       </p:sp>
@@ -10835,11 +10252,11 @@
           <a:lstStyle/>
           <a:p>
             <a:fld id="{EF789A81-9B9B-445C-8A60-F916862B4649}" type="slidenum">
-              <a:rPr lang="en-GB" smtClean="0"/>
+              <a:rPr lang="en-GB" sz="2800" smtClean="0"/>
               <a:pPr/>
-              <a:t>11</a:t>
+              <a:t>12</a:t>
             </a:fld>
-            <a:endParaRPr lang="en-GB" dirty="0"/>
+            <a:endParaRPr lang="en-GB" sz="2800" dirty="0"/>
           </a:p>
         </p:txBody>
       </p:sp>
@@ -10861,7 +10278,7 @@
         </p:spPr>
         <p:txBody>
           <a:bodyPr>
-            <a:normAutofit fontScale="92500" lnSpcReduction="10000"/>
+            <a:normAutofit fontScale="85000" lnSpcReduction="20000"/>
           </a:bodyPr>
           <a:lstStyle/>
           <a:p>
@@ -10881,7 +10298,9 @@
             <a:r>
               <a:rPr lang="en-GB" sz="1900" b="1" dirty="0" smtClean="0">
                 <a:solidFill>
-                  <a:schemeClr val="accent4"/>
+                  <a:schemeClr val="accent3">
+                    <a:lumMod val="50000"/>
+                  </a:schemeClr>
                 </a:solidFill>
               </a:rPr>
               <a:t>Week of Feb 18</a:t>
@@ -10889,7 +10308,9 @@
             <a:r>
               <a:rPr lang="en-GB" sz="1900" b="1" baseline="30000" dirty="0" smtClean="0">
                 <a:solidFill>
-                  <a:schemeClr val="accent4"/>
+                  <a:schemeClr val="accent3">
+                    <a:lumMod val="50000"/>
+                  </a:schemeClr>
                 </a:solidFill>
               </a:rPr>
               <a:t>th</a:t>
@@ -10897,12 +10318,20 @@
             <a:r>
               <a:rPr lang="en-GB" sz="1900" b="1" dirty="0" smtClean="0">
                 <a:solidFill>
-                  <a:schemeClr val="accent4"/>
+                  <a:schemeClr val="accent3">
+                    <a:lumMod val="50000"/>
+                  </a:schemeClr>
                 </a:solidFill>
               </a:rPr>
               <a:t> </a:t>
             </a:r>
-            <a:endParaRPr lang="en-GB" sz="1900" dirty="0" smtClean="0"/>
+            <a:endParaRPr lang="en-GB" sz="1900" dirty="0" smtClean="0">
+              <a:solidFill>
+                <a:schemeClr val="accent3">
+                  <a:lumMod val="50000"/>
+                </a:schemeClr>
+              </a:solidFill>
+            </a:endParaRPr>
           </a:p>
           <a:p>
             <a:pPr marL="777240" lvl="2" indent="0">
@@ -10919,11 +10348,7 @@
             </a:r>
             <a:r>
               <a:rPr lang="en-GB" sz="1600" dirty="0" smtClean="0"/>
-              <a:t>Define </a:t>
-            </a:r>
-            <a:r>
-              <a:rPr lang="en-GB" sz="1600" dirty="0" smtClean="0"/>
-              <a:t>requirements</a:t>
+              <a:t>Define requirements</a:t>
             </a:r>
           </a:p>
           <a:p>
@@ -10933,15 +10358,7 @@
             </a:pPr>
             <a:r>
               <a:rPr lang="en-GB" sz="1600" dirty="0" smtClean="0"/>
-              <a:t>     </a:t>
-            </a:r>
-            <a:r>
-              <a:rPr lang="en-GB" sz="1600" dirty="0" smtClean="0"/>
-              <a:t>Create </a:t>
-            </a:r>
-            <a:r>
-              <a:rPr lang="en-GB" sz="1600" dirty="0" smtClean="0"/>
-              <a:t>a Use Case diagram</a:t>
+              <a:t>     Create a Use Case diagram</a:t>
             </a:r>
           </a:p>
           <a:p>
@@ -10951,15 +10368,7 @@
             </a:pPr>
             <a:r>
               <a:rPr lang="en-GB" sz="1600" dirty="0" smtClean="0"/>
-              <a:t>     </a:t>
-            </a:r>
-            <a:r>
-              <a:rPr lang="en-GB" sz="1600" dirty="0" smtClean="0"/>
-              <a:t>Create </a:t>
-            </a:r>
-            <a:r>
-              <a:rPr lang="en-GB" sz="1600" dirty="0" smtClean="0"/>
-              <a:t>basic Design and navigation process</a:t>
+              <a:t>     Create basic Design and navigation process</a:t>
             </a:r>
           </a:p>
           <a:p>
@@ -10969,15 +10378,7 @@
             </a:pPr>
             <a:r>
               <a:rPr lang="en-GB" sz="1600" dirty="0" smtClean="0"/>
-              <a:t>     </a:t>
-            </a:r>
-            <a:r>
-              <a:rPr lang="en-GB" sz="1600" dirty="0" smtClean="0"/>
-              <a:t>Create </a:t>
-            </a:r>
-            <a:r>
-              <a:rPr lang="en-GB" sz="1600" dirty="0" smtClean="0"/>
-              <a:t>an initial presentation</a:t>
+              <a:t>     Create an initial presentation</a:t>
             </a:r>
           </a:p>
           <a:p>
@@ -10987,15 +10388,7 @@
             </a:pPr>
             <a:r>
               <a:rPr lang="en-GB" sz="1600" dirty="0" smtClean="0"/>
-              <a:t>     </a:t>
-            </a:r>
-            <a:r>
-              <a:rPr lang="en-GB" sz="1600" dirty="0" smtClean="0"/>
-              <a:t>Determine </a:t>
-            </a:r>
-            <a:r>
-              <a:rPr lang="en-GB" sz="1600" dirty="0" smtClean="0"/>
-              <a:t>the classes, methods and attributes</a:t>
+              <a:t>     Determine the classes, methods and attributes</a:t>
             </a:r>
           </a:p>
           <a:p>
@@ -11005,15 +10398,7 @@
             </a:pPr>
             <a:r>
               <a:rPr lang="en-GB" sz="1600" dirty="0" smtClean="0"/>
-              <a:t>     </a:t>
-            </a:r>
-            <a:r>
-              <a:rPr lang="en-GB" sz="1600" dirty="0" smtClean="0"/>
-              <a:t>Create </a:t>
-            </a:r>
-            <a:r>
-              <a:rPr lang="en-GB" sz="1600" dirty="0" smtClean="0"/>
-              <a:t>activity diagram</a:t>
+              <a:t>     Create activity diagram</a:t>
             </a:r>
           </a:p>
           <a:p>
@@ -11023,15 +10408,7 @@
             </a:pPr>
             <a:r>
               <a:rPr lang="en-GB" sz="1600" dirty="0" smtClean="0"/>
-              <a:t>     </a:t>
-            </a:r>
-            <a:r>
-              <a:rPr lang="en-GB" sz="1600" dirty="0" smtClean="0"/>
-              <a:t>Start </a:t>
-            </a:r>
-            <a:r>
-              <a:rPr lang="en-GB" sz="1600" dirty="0" smtClean="0"/>
-              <a:t>with Proof of concept (POC)</a:t>
+              <a:t>     Start with Proof of concept (POC)</a:t>
             </a:r>
           </a:p>
           <a:p>
@@ -11051,28 +10428,24 @@
             <a:r>
               <a:rPr lang="en-GB" sz="1900" b="1" dirty="0" smtClean="0">
                 <a:solidFill>
-                  <a:schemeClr val="accent4"/>
+                  <a:srgbClr val="713B0E"/>
                 </a:solidFill>
               </a:rPr>
-              <a:t>Week </a:t>
-            </a:r>
-            <a:r>
-              <a:rPr lang="en-GB" sz="1900" b="1" dirty="0" smtClean="0">
-                <a:solidFill>
-                  <a:schemeClr val="accent4"/>
-                </a:solidFill>
-              </a:rPr>
-              <a:t>of March 4</a:t>
+              <a:t>Week of March 4</a:t>
             </a:r>
             <a:r>
               <a:rPr lang="en-GB" sz="1900" b="1" baseline="30000" dirty="0" smtClean="0">
                 <a:solidFill>
-                  <a:schemeClr val="accent4"/>
+                  <a:srgbClr val="713B0E"/>
                 </a:solidFill>
               </a:rPr>
               <a:t>th</a:t>
             </a:r>
-            <a:endParaRPr lang="en-GB" sz="1900" dirty="0" smtClean="0"/>
+            <a:endParaRPr lang="en-GB" sz="1900" dirty="0" smtClean="0">
+              <a:solidFill>
+                <a:srgbClr val="713B0E"/>
+              </a:solidFill>
+            </a:endParaRPr>
           </a:p>
           <a:p>
             <a:pPr marL="777240" lvl="2" indent="0">
@@ -11089,11 +10462,7 @@
             </a:r>
             <a:r>
               <a:rPr lang="en-GB" sz="1600" dirty="0" smtClean="0"/>
-              <a:t>Finish </a:t>
-            </a:r>
-            <a:r>
-              <a:rPr lang="en-GB" sz="1600" dirty="0" smtClean="0"/>
-              <a:t>auxiliary screens (settings and main)</a:t>
+              <a:t>Finish auxiliary screens (settings and main)</a:t>
             </a:r>
           </a:p>
           <a:p>
@@ -11103,19 +10472,7 @@
             </a:pPr>
             <a:r>
               <a:rPr lang="en-GB" sz="1600" dirty="0" smtClean="0"/>
-              <a:t>     </a:t>
-            </a:r>
-            <a:r>
-              <a:rPr lang="en-GB" sz="1600" dirty="0" smtClean="0"/>
-              <a:t>Unit </a:t>
-            </a:r>
-            <a:r>
-              <a:rPr lang="en-GB" sz="1600" dirty="0" smtClean="0"/>
-              <a:t>and integration testing on these </a:t>
-            </a:r>
-            <a:r>
-              <a:rPr lang="en-GB" sz="1600" dirty="0" smtClean="0"/>
-              <a:t>screens</a:t>
+              <a:t>     Unit and integration testing on these screens</a:t>
             </a:r>
           </a:p>
           <a:p>
@@ -11132,7 +10489,7 @@
             <a:r>
               <a:rPr lang="en-GB" sz="1900" b="1" dirty="0" smtClean="0">
                 <a:solidFill>
-                  <a:schemeClr val="accent4"/>
+                  <a:srgbClr val="713B0E"/>
                 </a:solidFill>
               </a:rPr>
               <a:t>Week of March 18</a:t>
@@ -11140,12 +10497,16 @@
             <a:r>
               <a:rPr lang="en-GB" sz="1900" b="1" baseline="30000" dirty="0" smtClean="0">
                 <a:solidFill>
-                  <a:schemeClr val="accent4"/>
+                  <a:srgbClr val="713B0E"/>
                 </a:solidFill>
               </a:rPr>
               <a:t>th</a:t>
             </a:r>
-            <a:endParaRPr lang="en-GB" sz="1900" baseline="30000" dirty="0" smtClean="0"/>
+            <a:endParaRPr lang="en-GB" sz="1900" baseline="30000" dirty="0" smtClean="0">
+              <a:solidFill>
+                <a:srgbClr val="713B0E"/>
+              </a:solidFill>
+            </a:endParaRPr>
           </a:p>
           <a:p>
             <a:pPr marL="777240" lvl="2" indent="0">
@@ -11162,11 +10523,7 @@
             </a:r>
             <a:r>
               <a:rPr lang="en-GB" sz="1600" dirty="0" smtClean="0"/>
-              <a:t>Start </a:t>
-            </a:r>
-            <a:r>
-              <a:rPr lang="en-GB" sz="1600" dirty="0" smtClean="0"/>
-              <a:t>work on the game screen (control and render the dog)</a:t>
+              <a:t>Start work on the game screen (control and render the dog)</a:t>
             </a:r>
           </a:p>
           <a:p>
@@ -11180,7 +10537,7 @@
     </p:spTree>
     <p:extLst>
       <p:ext uri="{BB962C8B-B14F-4D97-AF65-F5344CB8AC3E}">
-        <p14:creationId xmlns="" xmlns:p14="http://schemas.microsoft.com/office/powerpoint/2010/main" val="4290846282"/>
+        <p14:creationId xmlns:p14="http://schemas.microsoft.com/office/powerpoint/2010/main" val="4290846282"/>
       </p:ext>
     </p:extLst>
   </p:cSld>
@@ -11190,15 +10547,15 @@
   <p:timing>
     <p:tnLst>
       <p:par>
-        <p:cTn id="1" dur="indefinite" restart="never" nodeType="tmRoot"/>
+        <p:cTn xmlns:p14="http://schemas.microsoft.com/office/powerpoint/2010/main" id="1" dur="indefinite" restart="never" nodeType="tmRoot"/>
       </p:par>
     </p:tnLst>
   </p:timing>
 </p:sld>
 </file>
 
-<file path=ppt/slides/slide12.xml><?xml version="1.0" encoding="utf-8"?>
-<p:sld xmlns:a="http://schemas.openxmlformats.org/drawingml/2006/main" xmlns:r="http://schemas.openxmlformats.org/officeDocument/2006/relationships" xmlns:p="http://schemas.openxmlformats.org/presentationml/2006/main">
+<file path=ppt/slides/slide13.xml><?xml version="1.0" encoding="utf-8"?>
+<p:sld xmlns:a="http://schemas.openxmlformats.org/drawingml/2006/main" xmlns:r="http://schemas.openxmlformats.org/officeDocument/2006/relationships" xmlns:p="http://schemas.openxmlformats.org/presentationml/2006/main" showMasterSp="0">
   <p:cSld>
     <p:spTree>
       <p:nvGrpSpPr>
@@ -11237,10 +10594,10 @@
           <a:lstStyle/>
           <a:p>
             <a:r>
-              <a:rPr lang="en-GB" sz="2800" b="1" u="sng" dirty="0" smtClean="0"/>
+              <a:rPr lang="en-GB" sz="2800" b="1" dirty="0" smtClean="0"/>
               <a:t>Project Schedule</a:t>
             </a:r>
-            <a:endParaRPr lang="en-GB" sz="2800" b="1" u="sng" dirty="0"/>
+            <a:endParaRPr lang="en-GB" sz="2800" b="1" dirty="0"/>
           </a:p>
         </p:txBody>
       </p:sp>
@@ -11260,11 +10617,11 @@
           <a:lstStyle/>
           <a:p>
             <a:fld id="{EF789A81-9B9B-445C-8A60-F916862B4649}" type="slidenum">
-              <a:rPr lang="en-GB" smtClean="0"/>
+              <a:rPr lang="en-GB" sz="2800" smtClean="0"/>
               <a:pPr/>
-              <a:t>12</a:t>
+              <a:t>13</a:t>
             </a:fld>
-            <a:endParaRPr lang="en-GB" dirty="0"/>
+            <a:endParaRPr lang="en-GB" sz="2800" dirty="0"/>
           </a:p>
         </p:txBody>
       </p:sp>
@@ -11296,7 +10653,7 @@
             <a:r>
               <a:rPr lang="en-GB" sz="1700" b="1" dirty="0" smtClean="0">
                 <a:solidFill>
-                  <a:schemeClr val="accent4"/>
+                  <a:srgbClr val="713B0E"/>
                 </a:solidFill>
               </a:rPr>
               <a:t>Week of April 1</a:t>
@@ -11304,12 +10661,16 @@
             <a:r>
               <a:rPr lang="en-GB" sz="1700" b="1" baseline="30000" dirty="0" smtClean="0">
                 <a:solidFill>
-                  <a:schemeClr val="accent4"/>
+                  <a:srgbClr val="713B0E"/>
                 </a:solidFill>
               </a:rPr>
               <a:t>st</a:t>
             </a:r>
-            <a:endParaRPr lang="en-GB" sz="1600" baseline="30000" dirty="0" smtClean="0"/>
+            <a:endParaRPr lang="en-GB" sz="1600" baseline="30000" dirty="0" smtClean="0">
+              <a:solidFill>
+                <a:srgbClr val="713B0E"/>
+              </a:solidFill>
+            </a:endParaRPr>
           </a:p>
           <a:p>
             <a:pPr marL="777240" lvl="2" indent="0">
@@ -11322,11 +10683,7 @@
             </a:r>
             <a:r>
               <a:rPr lang="en-GB" sz="1500" dirty="0" smtClean="0"/>
-              <a:t>Continue </a:t>
-            </a:r>
-            <a:r>
-              <a:rPr lang="en-GB" sz="1500" dirty="0" smtClean="0"/>
-              <a:t>work on the game screen (fox and sheep)</a:t>
+              <a:t>Continue work on the game screen (fox and sheep)</a:t>
             </a:r>
           </a:p>
           <a:p>
@@ -11346,7 +10703,7 @@
             <a:r>
               <a:rPr lang="en-GB" sz="1700" b="1" dirty="0" smtClean="0">
                 <a:solidFill>
-                  <a:schemeClr val="accent4"/>
+                  <a:srgbClr val="713B0E"/>
                 </a:solidFill>
               </a:rPr>
               <a:t>Week of April 15</a:t>
@@ -11354,7 +10711,7 @@
             <a:r>
               <a:rPr lang="en-GB" sz="1700" b="1" baseline="30000" dirty="0" smtClean="0">
                 <a:solidFill>
-                  <a:schemeClr val="accent4"/>
+                  <a:srgbClr val="713B0E"/>
                 </a:solidFill>
               </a:rPr>
               <a:t>th</a:t>
@@ -11367,15 +10724,7 @@
             </a:pPr>
             <a:r>
               <a:rPr lang="en-GB" sz="1500" dirty="0" smtClean="0"/>
-              <a:t>     </a:t>
-            </a:r>
-            <a:r>
-              <a:rPr lang="en-GB" sz="1500" dirty="0" smtClean="0"/>
-              <a:t>Continue </a:t>
-            </a:r>
-            <a:r>
-              <a:rPr lang="en-GB" sz="1500" dirty="0" smtClean="0"/>
-              <a:t>work on the game screen (fox and sheep)</a:t>
+              <a:t>     Continue work on the game screen (fox and sheep)</a:t>
             </a:r>
           </a:p>
           <a:p>
@@ -11393,11 +10742,7 @@
             </a:r>
             <a:r>
               <a:rPr lang="en-GB" sz="1500" dirty="0" smtClean="0"/>
-              <a:t>Final </a:t>
-            </a:r>
-            <a:r>
-              <a:rPr lang="en-GB" sz="1500" dirty="0" smtClean="0"/>
-              <a:t>touches</a:t>
+              <a:t>Final touches</a:t>
             </a:r>
           </a:p>
           <a:p>
@@ -11415,11 +10760,7 @@
             </a:r>
             <a:r>
               <a:rPr lang="en-GB" sz="1500" dirty="0" smtClean="0"/>
-              <a:t>Submit </a:t>
-            </a:r>
-            <a:r>
-              <a:rPr lang="en-GB" sz="1500" dirty="0" smtClean="0"/>
-              <a:t>code to professor</a:t>
+              <a:t>Submit code to professor</a:t>
             </a:r>
           </a:p>
           <a:p>
@@ -11435,7 +10776,7 @@
             <a:r>
               <a:rPr lang="en-GB" sz="1700" b="1" dirty="0" smtClean="0">
                 <a:solidFill>
-                  <a:schemeClr val="accent4"/>
+                  <a:srgbClr val="713B0E"/>
                 </a:solidFill>
               </a:rPr>
               <a:t>Week of April 29</a:t>
@@ -11443,12 +10784,16 @@
             <a:r>
               <a:rPr lang="en-GB" sz="1700" b="1" baseline="30000" dirty="0" smtClean="0">
                 <a:solidFill>
-                  <a:schemeClr val="accent4"/>
+                  <a:srgbClr val="713B0E"/>
                 </a:solidFill>
               </a:rPr>
               <a:t>th</a:t>
             </a:r>
-            <a:endParaRPr lang="en-GB" sz="1700" dirty="0" smtClean="0"/>
+            <a:endParaRPr lang="en-GB" sz="1700" dirty="0" smtClean="0">
+              <a:solidFill>
+                <a:srgbClr val="713B0E"/>
+              </a:solidFill>
+            </a:endParaRPr>
           </a:p>
           <a:p>
             <a:pPr marL="777240" lvl="2" indent="0">
@@ -11465,11 +10810,7 @@
             </a:r>
             <a:r>
               <a:rPr lang="en-GB" sz="1500" dirty="0" smtClean="0"/>
-              <a:t>Presenting </a:t>
-            </a:r>
-            <a:r>
-              <a:rPr lang="en-GB" sz="1500" dirty="0" smtClean="0"/>
-              <a:t>the program in class</a:t>
+              <a:t>Presenting the program in class</a:t>
             </a:r>
           </a:p>
           <a:p>
@@ -11487,11 +10828,7 @@
             </a:r>
             <a:r>
               <a:rPr lang="en-GB" sz="1500" dirty="0" smtClean="0"/>
-              <a:t>Preparing </a:t>
-            </a:r>
-            <a:r>
-              <a:rPr lang="en-GB" sz="1500" dirty="0" smtClean="0"/>
-              <a:t>to package / release</a:t>
+              <a:t>Preparing to package / release</a:t>
             </a:r>
           </a:p>
           <a:p>
@@ -11507,7 +10844,7 @@
             <a:r>
               <a:rPr lang="en-GB" sz="1700" b="1" dirty="0" smtClean="0">
                 <a:solidFill>
-                  <a:schemeClr val="accent4"/>
+                  <a:srgbClr val="713B0E"/>
                 </a:solidFill>
               </a:rPr>
               <a:t>Week of May 13</a:t>
@@ -11515,7 +10852,7 @@
             <a:r>
               <a:rPr lang="en-GB" sz="1700" b="1" baseline="30000" dirty="0" smtClean="0">
                 <a:solidFill>
-                  <a:schemeClr val="accent4"/>
+                  <a:srgbClr val="713B0E"/>
                 </a:solidFill>
               </a:rPr>
               <a:t>th</a:t>
@@ -11536,11 +10873,7 @@
             </a:r>
             <a:r>
               <a:rPr lang="en-GB" sz="1500" dirty="0" smtClean="0"/>
-              <a:t>Publishing </a:t>
-            </a:r>
-            <a:r>
-              <a:rPr lang="en-GB" sz="1500" dirty="0" smtClean="0"/>
-              <a:t>to the store</a:t>
+              <a:t>Publishing to the store</a:t>
             </a:r>
             <a:endParaRPr lang="en-GB" sz="1700" dirty="0" smtClean="0"/>
           </a:p>
@@ -11555,7 +10888,7 @@
     </p:spTree>
     <p:extLst>
       <p:ext uri="{BB962C8B-B14F-4D97-AF65-F5344CB8AC3E}">
-        <p14:creationId xmlns="" xmlns:p14="http://schemas.microsoft.com/office/powerpoint/2010/main" val="4290846282"/>
+        <p14:creationId xmlns:p14="http://schemas.microsoft.com/office/powerpoint/2010/main" val="4290846282"/>
       </p:ext>
     </p:extLst>
   </p:cSld>
@@ -11565,15 +10898,15 @@
   <p:timing>
     <p:tnLst>
       <p:par>
-        <p:cTn id="1" dur="indefinite" restart="never" nodeType="tmRoot"/>
+        <p:cTn xmlns:p14="http://schemas.microsoft.com/office/powerpoint/2010/main" id="1" dur="indefinite" restart="never" nodeType="tmRoot"/>
       </p:par>
     </p:tnLst>
   </p:timing>
 </p:sld>
 </file>
 
-<file path=ppt/slides/slide13.xml><?xml version="1.0" encoding="utf-8"?>
-<p:sld xmlns:a="http://schemas.openxmlformats.org/drawingml/2006/main" xmlns:r="http://schemas.openxmlformats.org/officeDocument/2006/relationships" xmlns:p="http://schemas.openxmlformats.org/presentationml/2006/main">
+<file path=ppt/slides/slide14.xml><?xml version="1.0" encoding="utf-8"?>
+<p:sld xmlns:a="http://schemas.openxmlformats.org/drawingml/2006/main" xmlns:r="http://schemas.openxmlformats.org/officeDocument/2006/relationships" xmlns:p="http://schemas.openxmlformats.org/presentationml/2006/main" showMasterSp="0">
   <p:cSld>
     <p:spTree>
       <p:nvGrpSpPr>
@@ -11605,11 +10938,11 @@
           <a:lstStyle/>
           <a:p>
             <a:fld id="{EF789A81-9B9B-445C-8A60-F916862B4649}" type="slidenum">
-              <a:rPr lang="en-GB" smtClean="0"/>
+              <a:rPr lang="en-GB" sz="2800" smtClean="0"/>
               <a:pPr/>
-              <a:t>13</a:t>
+              <a:t>14</a:t>
             </a:fld>
-            <a:endParaRPr lang="en-GB" dirty="0"/>
+            <a:endParaRPr lang="en-GB" sz="2800" dirty="0"/>
           </a:p>
         </p:txBody>
       </p:sp>
@@ -11625,8 +10958,8 @@
         </p:nvSpPr>
         <p:spPr>
           <a:xfrm>
-            <a:off x="539750" y="1905000"/>
-            <a:ext cx="8064500" cy="3971925"/>
+            <a:off x="539750" y="990600"/>
+            <a:ext cx="8064500" cy="4886325"/>
           </a:xfrm>
         </p:spPr>
         <p:txBody>
@@ -11663,16 +10996,20 @@
               <a:buNone/>
             </a:pPr>
             <a:r>
-              <a:rPr lang="en-GB" sz="2400" b="1" dirty="0" smtClean="0">
+              <a:rPr lang="en-GB" sz="2800" b="1" dirty="0" smtClean="0">
                 <a:solidFill>
-                  <a:srgbClr val="FF0000"/>
+                  <a:schemeClr val="accent3">
+                    <a:lumMod val="50000"/>
+                  </a:schemeClr>
                 </a:solidFill>
               </a:rPr>
               <a:t>QA</a:t>
             </a:r>
-            <a:endParaRPr lang="en-GB" sz="2400" b="1" dirty="0">
+            <a:endParaRPr lang="en-GB" sz="2800" b="1" dirty="0">
               <a:solidFill>
-                <a:srgbClr val="FF0000"/>
+                <a:schemeClr val="accent3">
+                  <a:lumMod val="50000"/>
+                </a:schemeClr>
               </a:solidFill>
             </a:endParaRPr>
           </a:p>
@@ -11681,7 +11018,7 @@
     </p:spTree>
     <p:extLst>
       <p:ext uri="{BB962C8B-B14F-4D97-AF65-F5344CB8AC3E}">
-        <p14:creationId xmlns="" xmlns:p14="http://schemas.microsoft.com/office/powerpoint/2010/main" val="538637548"/>
+        <p14:creationId xmlns:p14="http://schemas.microsoft.com/office/powerpoint/2010/main" val="538637548"/>
       </p:ext>
     </p:extLst>
   </p:cSld>
@@ -11691,15 +11028,15 @@
   <p:timing>
     <p:tnLst>
       <p:par>
-        <p:cTn id="1" dur="indefinite" restart="never" nodeType="tmRoot"/>
+        <p:cTn xmlns:p14="http://schemas.microsoft.com/office/powerpoint/2010/main" id="1" dur="indefinite" restart="never" nodeType="tmRoot"/>
       </p:par>
     </p:tnLst>
   </p:timing>
 </p:sld>
 </file>
 
-<file path=ppt/slides/slide14.xml><?xml version="1.0" encoding="utf-8"?>
-<p:sld xmlns:a="http://schemas.openxmlformats.org/drawingml/2006/main" xmlns:r="http://schemas.openxmlformats.org/officeDocument/2006/relationships" xmlns:p="http://schemas.openxmlformats.org/presentationml/2006/main">
+<file path=ppt/slides/slide15.xml><?xml version="1.0" encoding="utf-8"?>
+<p:sld xmlns:a="http://schemas.openxmlformats.org/drawingml/2006/main" xmlns:r="http://schemas.openxmlformats.org/officeDocument/2006/relationships" xmlns:p="http://schemas.openxmlformats.org/presentationml/2006/main" showMasterSp="0">
   <p:cSld>
     <p:spTree>
       <p:nvGrpSpPr>
@@ -11731,11 +11068,11 @@
           <a:lstStyle/>
           <a:p>
             <a:fld id="{EF789A81-9B9B-445C-8A60-F916862B4649}" type="slidenum">
-              <a:rPr lang="en-GB" smtClean="0"/>
+              <a:rPr lang="en-GB" sz="2800" smtClean="0"/>
               <a:pPr/>
-              <a:t>14</a:t>
+              <a:t>15</a:t>
             </a:fld>
-            <a:endParaRPr lang="en-GB" dirty="0"/>
+            <a:endParaRPr lang="en-GB" sz="2800" dirty="0"/>
           </a:p>
         </p:txBody>
       </p:sp>
@@ -11751,8 +11088,8 @@
         </p:nvSpPr>
         <p:spPr>
           <a:xfrm>
-            <a:off x="539750" y="1905000"/>
-            <a:ext cx="8064500" cy="3971925"/>
+            <a:off x="539750" y="990600"/>
+            <a:ext cx="8064500" cy="4886325"/>
           </a:xfrm>
         </p:spPr>
         <p:txBody>
@@ -11775,30 +11112,64 @@
             </a:endParaRPr>
           </a:p>
           <a:p>
-            <a:pPr marL="137160" indent="0">
+            <a:pPr marL="137160" indent="0" algn="ctr">
               <a:buNone/>
             </a:pPr>
-            <a:endParaRPr lang="en-GB" sz="2400" b="1" dirty="0">
+            <a:endParaRPr lang="en-GB" sz="2400" b="1" dirty="0" smtClean="0">
               <a:solidFill>
                 <a:srgbClr val="FF0000"/>
               </a:solidFill>
             </a:endParaRPr>
           </a:p>
           <a:p>
-            <a:pPr marL="137160" indent="0">
+            <a:pPr marL="137160" indent="0" algn="ctr">
               <a:buNone/>
             </a:pPr>
             <a:r>
-              <a:rPr lang="en-GB" sz="2400" b="1" dirty="0" smtClean="0">
+              <a:rPr lang="en-GB" sz="2800" b="1" dirty="0">
                 <a:solidFill>
-                  <a:srgbClr val="FF0000"/>
+                  <a:schemeClr val="accent3">
+                    <a:lumMod val="50000"/>
+                  </a:schemeClr>
                 </a:solidFill>
               </a:rPr>
-              <a:t>                        Thank you all for listening!!</a:t>
-            </a:r>
-            <a:endParaRPr lang="en-GB" sz="2400" b="1" dirty="0">
+              <a:t>Thank you </a:t>
+            </a:r>
+            <a:r>
+              <a:rPr lang="en-GB" sz="2800" b="1" dirty="0" smtClean="0">
+                <a:solidFill>
+                  <a:schemeClr val="accent3">
+                    <a:lumMod val="50000"/>
+                  </a:schemeClr>
+                </a:solidFill>
+              </a:rPr>
+              <a:t>for </a:t>
+            </a:r>
+            <a:r>
+              <a:rPr lang="en-GB" sz="2800" b="1" dirty="0">
+                <a:solidFill>
+                  <a:schemeClr val="accent3">
+                    <a:lumMod val="50000"/>
+                  </a:schemeClr>
+                </a:solidFill>
+              </a:rPr>
+              <a:t>listening</a:t>
+            </a:r>
+            <a:r>
+              <a:rPr lang="en-GB" sz="2800" b="1" dirty="0" smtClean="0">
+                <a:solidFill>
+                  <a:schemeClr val="accent3">
+                    <a:lumMod val="50000"/>
+                  </a:schemeClr>
+                </a:solidFill>
+              </a:rPr>
+              <a:t>!</a:t>
+            </a:r>
+            <a:endParaRPr lang="en-GB" sz="2800" b="1" dirty="0">
               <a:solidFill>
-                <a:srgbClr val="FF0000"/>
+                <a:schemeClr val="accent3">
+                  <a:lumMod val="50000"/>
+                </a:schemeClr>
               </a:solidFill>
             </a:endParaRPr>
           </a:p>
@@ -11807,7 +11178,7 @@
     </p:spTree>
     <p:extLst>
       <p:ext uri="{BB962C8B-B14F-4D97-AF65-F5344CB8AC3E}">
-        <p14:creationId xmlns="" xmlns:p14="http://schemas.microsoft.com/office/powerpoint/2010/main" val="538637548"/>
+        <p14:creationId xmlns:p14="http://schemas.microsoft.com/office/powerpoint/2010/main" val="1010402895"/>
       </p:ext>
     </p:extLst>
   </p:cSld>
@@ -11817,7 +11188,7 @@
   <p:timing>
     <p:tnLst>
       <p:par>
-        <p:cTn id="1" dur="indefinite" restart="never" nodeType="tmRoot"/>
+        <p:cTn xmlns:p14="http://schemas.microsoft.com/office/powerpoint/2010/main" id="1" dur="indefinite" restart="never" nodeType="tmRoot"/>
       </p:par>
     </p:tnLst>
   </p:timing>
@@ -11825,7 +11196,7 @@
 </file>
 
 <file path=ppt/slides/slide2.xml><?xml version="1.0" encoding="utf-8"?>
-<p:sld xmlns:a="http://schemas.openxmlformats.org/drawingml/2006/main" xmlns:r="http://schemas.openxmlformats.org/officeDocument/2006/relationships" xmlns:p="http://schemas.openxmlformats.org/presentationml/2006/main">
+<p:sld xmlns:a="http://schemas.openxmlformats.org/drawingml/2006/main" xmlns:r="http://schemas.openxmlformats.org/officeDocument/2006/relationships" xmlns:p="http://schemas.openxmlformats.org/presentationml/2006/main" showMasterSp="0">
   <p:cSld>
     <p:spTree>
       <p:nvGrpSpPr>
@@ -11853,7 +11224,7 @@
         </p:nvSpPr>
         <p:spPr>
           <a:xfrm>
-            <a:off x="539750" y="838200"/>
+            <a:off x="539750" y="609600"/>
             <a:ext cx="8064500" cy="609600"/>
           </a:xfrm>
         </p:spPr>
@@ -11864,10 +11235,10 @@
           <a:lstStyle/>
           <a:p>
             <a:r>
-              <a:rPr lang="en-GB" sz="2800" b="1" u="sng" dirty="0" smtClean="0"/>
+              <a:rPr lang="en-GB" sz="2800" b="1" dirty="0" smtClean="0"/>
               <a:t>Project Overview</a:t>
             </a:r>
-            <a:endParaRPr lang="en-GB" sz="2800" b="1" u="sng" dirty="0"/>
+            <a:endParaRPr lang="en-GB" sz="2800" b="1" dirty="0"/>
           </a:p>
         </p:txBody>
       </p:sp>
@@ -11887,11 +11258,11 @@
           <a:lstStyle/>
           <a:p>
             <a:fld id="{EF789A81-9B9B-445C-8A60-F916862B4649}" type="slidenum">
-              <a:rPr lang="en-GB" smtClean="0"/>
+              <a:rPr lang="en-GB" sz="2800" smtClean="0"/>
               <a:pPr/>
               <a:t>2</a:t>
             </a:fld>
-            <a:endParaRPr lang="en-GB" dirty="0"/>
+            <a:endParaRPr lang="en-GB" sz="2800" dirty="0"/>
           </a:p>
         </p:txBody>
       </p:sp>
@@ -11928,26 +11299,26 @@
           </a:p>
           <a:p>
             <a:r>
-              <a:rPr lang="en-GB" dirty="0" smtClean="0"/>
-              <a:t> </a:t>
-            </a:r>
-            <a:r>
-              <a:rPr lang="en-GB" sz="1800" b="1" u="sng" dirty="0" smtClean="0">
+              <a:rPr lang="en-GB" dirty="0" smtClean="0">
                 <a:solidFill>
-                  <a:srgbClr val="FF0000"/>
+                  <a:srgbClr val="713B0E"/>
                 </a:solidFill>
               </a:rPr>
-              <a:t>Project Name</a:t>
+              <a:t> </a:t>
             </a:r>
             <a:r>
               <a:rPr lang="en-GB" sz="1800" b="1" dirty="0" smtClean="0">
                 <a:solidFill>
-                  <a:srgbClr val="FF0000"/>
+                  <a:srgbClr val="713B0E"/>
                 </a:solidFill>
               </a:rPr>
-              <a:t>: Sheep Herder</a:t>
-            </a:r>
-            <a:endParaRPr lang="en-GB" sz="1800" dirty="0" smtClean="0"/>
+              <a:t>Project Name: Sheep Herder</a:t>
+            </a:r>
+            <a:endParaRPr lang="en-GB" sz="1800" dirty="0" smtClean="0">
+              <a:solidFill>
+                <a:srgbClr val="713B0E"/>
+              </a:solidFill>
+            </a:endParaRPr>
           </a:p>
           <a:p>
             <a:pPr marL="411480" lvl="1" indent="0">
@@ -11981,7 +11352,7 @@
     </p:spTree>
     <p:extLst>
       <p:ext uri="{BB962C8B-B14F-4D97-AF65-F5344CB8AC3E}">
-        <p14:creationId xmlns="" xmlns:p14="http://schemas.microsoft.com/office/powerpoint/2010/main" val="4290846282"/>
+        <p14:creationId xmlns:p14="http://schemas.microsoft.com/office/powerpoint/2010/main" val="4290846282"/>
       </p:ext>
     </p:extLst>
   </p:cSld>
@@ -11991,7 +11362,7 @@
   <p:timing>
     <p:tnLst>
       <p:par>
-        <p:cTn id="1" dur="indefinite" restart="never" nodeType="tmRoot"/>
+        <p:cTn xmlns:p14="http://schemas.microsoft.com/office/powerpoint/2010/main" id="1" dur="indefinite" restart="never" nodeType="tmRoot"/>
       </p:par>
     </p:tnLst>
   </p:timing>
@@ -11999,7 +11370,7 @@
 </file>
 
 <file path=ppt/slides/slide3.xml><?xml version="1.0" encoding="utf-8"?>
-<p:sld xmlns:a="http://schemas.openxmlformats.org/drawingml/2006/main" xmlns:r="http://schemas.openxmlformats.org/officeDocument/2006/relationships" xmlns:p="http://schemas.openxmlformats.org/presentationml/2006/main">
+<p:sld xmlns:a="http://schemas.openxmlformats.org/drawingml/2006/main" xmlns:r="http://schemas.openxmlformats.org/officeDocument/2006/relationships" xmlns:p="http://schemas.openxmlformats.org/presentationml/2006/main" showMasterSp="0">
   <p:cSld>
     <p:spTree>
       <p:nvGrpSpPr>
@@ -12027,7 +11398,7 @@
         </p:nvSpPr>
         <p:spPr>
           <a:xfrm>
-            <a:off x="539750" y="838200"/>
+            <a:off x="539750" y="609600"/>
             <a:ext cx="8064500" cy="609600"/>
           </a:xfrm>
         </p:spPr>
@@ -12038,10 +11409,10 @@
           <a:lstStyle/>
           <a:p>
             <a:r>
-              <a:rPr lang="en-GB" sz="2800" b="1" u="sng" dirty="0" smtClean="0"/>
+              <a:rPr lang="en-GB" sz="2800" b="1" dirty="0" smtClean="0"/>
               <a:t>Description of the Project</a:t>
             </a:r>
-            <a:endParaRPr lang="en-GB" sz="2800" b="1" u="sng" dirty="0"/>
+            <a:endParaRPr lang="en-GB" sz="2800" b="1" dirty="0"/>
           </a:p>
         </p:txBody>
       </p:sp>
@@ -12061,11 +11432,11 @@
           <a:lstStyle/>
           <a:p>
             <a:fld id="{EF789A81-9B9B-445C-8A60-F916862B4649}" type="slidenum">
-              <a:rPr lang="en-GB" smtClean="0"/>
+              <a:rPr lang="en-GB" sz="2800" smtClean="0"/>
               <a:pPr/>
               <a:t>3</a:t>
             </a:fld>
-            <a:endParaRPr lang="en-GB" dirty="0"/>
+            <a:endParaRPr lang="en-GB" sz="2800" dirty="0"/>
           </a:p>
         </p:txBody>
       </p:sp>
@@ -12087,14 +11458,14 @@
         </p:spPr>
         <p:txBody>
           <a:bodyPr>
-            <a:normAutofit/>
+            <a:normAutofit lnSpcReduction="10000"/>
           </a:bodyPr>
           <a:lstStyle/>
           <a:p>
             <a:r>
-              <a:rPr lang="en-GB" sz="1800" b="1" u="sng" dirty="0" smtClean="0">
+              <a:rPr lang="en-GB" sz="1800" b="1" dirty="0" smtClean="0">
                 <a:solidFill>
-                  <a:srgbClr val="FF0000"/>
+                  <a:srgbClr val="713B0E"/>
                 </a:solidFill>
               </a:rPr>
               <a:t>Characters Definition</a:t>
@@ -12115,13 +11486,18 @@
               <a:buNone/>
             </a:pPr>
             <a:r>
-              <a:rPr lang="en-GB" sz="1600" b="1" u="sng" dirty="0" smtClean="0">
+              <a:rPr lang="en-GB" sz="1600" b="1" dirty="0" smtClean="0">
                 <a:solidFill>
-                  <a:schemeClr val="accent4"/>
+                  <a:srgbClr val="713B0E"/>
                 </a:solidFill>
               </a:rPr>
               <a:t>Sheep</a:t>
             </a:r>
+            <a:endParaRPr lang="en-GB" sz="1600" b="1" dirty="0" smtClean="0">
+              <a:solidFill>
+                <a:srgbClr val="713B0E"/>
+              </a:solidFill>
+            </a:endParaRPr>
           </a:p>
           <a:p>
             <a:pPr marL="777240" lvl="2" indent="0">
@@ -12140,23 +11516,7 @@
             </a:pPr>
             <a:r>
               <a:rPr lang="en-GB" sz="1600" dirty="0" smtClean="0"/>
-              <a:t>  </a:t>
-            </a:r>
-            <a:r>
-              <a:rPr lang="en-GB" sz="1600" dirty="0" smtClean="0"/>
-              <a:t>   They </a:t>
-            </a:r>
-            <a:r>
-              <a:rPr lang="en-GB" sz="1600" dirty="0" smtClean="0"/>
-              <a:t>can go </a:t>
-            </a:r>
-            <a:r>
-              <a:rPr lang="en-GB" sz="1600" dirty="0" smtClean="0"/>
-              <a:t>in</a:t>
-            </a:r>
-            <a:r>
-              <a:rPr lang="en-GB" sz="1600" dirty="0" smtClean="0"/>
-              <a:t> any direction, and move by reaction to dog’s or fox’s    	    proximity</a:t>
+              <a:t>     They can go in any direction, and move by reaction to dog’s or fox’s    	    proximity</a:t>
             </a:r>
           </a:p>
           <a:p>
@@ -12168,19 +11528,48 @@
               <a:rPr lang="en-GB" sz="1600" dirty="0" smtClean="0"/>
               <a:t>     They are slower than the other animals</a:t>
             </a:r>
-            <a:endParaRPr lang="en-GB" sz="1600" dirty="0" smtClean="0"/>
           </a:p>
           <a:p>
             <a:pPr marL="868680" lvl="1" indent="-457200">
               <a:buNone/>
             </a:pPr>
             <a:r>
-              <a:rPr lang="en-US" sz="1600" b="1" u="sng" dirty="0" smtClean="0">
+              <a:rPr lang="en-US" sz="1600" b="1" dirty="0" smtClean="0">
                 <a:solidFill>
-                  <a:schemeClr val="accent4"/>
+                  <a:srgbClr val="713B0E"/>
                 </a:solidFill>
               </a:rPr>
               <a:t>Dog</a:t>
+            </a:r>
+          </a:p>
+          <a:p>
+            <a:pPr marL="777240" lvl="2" indent="0">
+              <a:buFont typeface="Wingdings" pitchFamily="2" charset="2"/>
+              <a:buChar char="§"/>
+            </a:pPr>
+            <a:r>
+              <a:rPr lang="en-US" sz="1600" dirty="0" smtClean="0"/>
+              <a:t>     Keeps the sheep safe</a:t>
+            </a:r>
+          </a:p>
+          <a:p>
+            <a:pPr marL="777240" lvl="2" indent="0">
+              <a:buFont typeface="Wingdings" pitchFamily="2" charset="2"/>
+              <a:buChar char="§"/>
+            </a:pPr>
+            <a:r>
+              <a:rPr lang="en-US" sz="1600" dirty="0" smtClean="0"/>
+              <a:t>     Chases the predator away (fox)</a:t>
+            </a:r>
+          </a:p>
+          <a:p>
+            <a:pPr marL="777240" lvl="2" indent="0">
+              <a:buFont typeface="Wingdings" pitchFamily="2" charset="2"/>
+              <a:buChar char="§"/>
+            </a:pPr>
+            <a:r>
+              <a:rPr lang="en-US" sz="1600" dirty="0" smtClean="0"/>
+              <a:t>     Controlled by the user</a:t>
             </a:r>
             <a:endParaRPr lang="en-US" sz="1600" b="1" u="sng" dirty="0" smtClean="0">
               <a:solidFill>
@@ -12189,21 +11578,26 @@
             </a:endParaRPr>
           </a:p>
           <a:p>
+            <a:pPr marL="411480" lvl="1" indent="0">
+              <a:buNone/>
+            </a:pPr>
+            <a:r>
+              <a:rPr lang="en-US" sz="1600" b="1" dirty="0" smtClean="0">
+                <a:solidFill>
+                  <a:srgbClr val="713B0E"/>
+                </a:solidFill>
+              </a:rPr>
+              <a:t>Fox</a:t>
+            </a:r>
+          </a:p>
+          <a:p>
             <a:pPr marL="777240" lvl="2" indent="0">
               <a:buFont typeface="Wingdings" pitchFamily="2" charset="2"/>
               <a:buChar char="§"/>
             </a:pPr>
             <a:r>
               <a:rPr lang="en-US" sz="1600" dirty="0" smtClean="0"/>
-              <a:t> </a:t>
-            </a:r>
-            <a:r>
-              <a:rPr lang="en-US" sz="1600" dirty="0" smtClean="0"/>
-              <a:t>    Keeps </a:t>
-            </a:r>
-            <a:r>
-              <a:rPr lang="en-US" sz="1600" dirty="0" smtClean="0"/>
-              <a:t>the sheep safe</a:t>
+              <a:t>     Chases sheep to eat them</a:t>
             </a:r>
           </a:p>
           <a:p>
@@ -12213,15 +11607,7 @@
             </a:pPr>
             <a:r>
               <a:rPr lang="en-US" sz="1600" dirty="0" smtClean="0"/>
-              <a:t> </a:t>
-            </a:r>
-            <a:r>
-              <a:rPr lang="en-US" sz="1600" dirty="0" smtClean="0"/>
-              <a:t>    Chases </a:t>
-            </a:r>
-            <a:r>
-              <a:rPr lang="en-US" sz="1600" dirty="0" smtClean="0"/>
-              <a:t>the predator away (fox)</a:t>
+              <a:t>     Runs away from the dog</a:t>
             </a:r>
           </a:p>
           <a:p>
@@ -12231,91 +11617,7 @@
             </a:pPr>
             <a:r>
               <a:rPr lang="en-US" sz="1600" dirty="0" smtClean="0"/>
-              <a:t> </a:t>
-            </a:r>
-            <a:r>
-              <a:rPr lang="en-US" sz="1600" dirty="0" smtClean="0"/>
-              <a:t>    Controlled </a:t>
-            </a:r>
-            <a:r>
-              <a:rPr lang="en-US" sz="1600" dirty="0" smtClean="0"/>
-              <a:t>by the </a:t>
-            </a:r>
-            <a:r>
-              <a:rPr lang="en-US" sz="1600" dirty="0" smtClean="0"/>
-              <a:t>user</a:t>
-            </a:r>
-            <a:endParaRPr lang="en-US" sz="1600" b="1" u="sng" dirty="0" smtClean="0">
-              <a:solidFill>
-                <a:schemeClr val="accent4"/>
-              </a:solidFill>
-            </a:endParaRPr>
-          </a:p>
-          <a:p>
-            <a:pPr marL="411480" lvl="1" indent="0">
-              <a:buNone/>
-            </a:pPr>
-            <a:r>
-              <a:rPr lang="en-US" sz="1600" b="1" u="sng" dirty="0" smtClean="0">
-                <a:solidFill>
-                  <a:schemeClr val="accent4"/>
-                </a:solidFill>
-              </a:rPr>
-              <a:t>Fox</a:t>
-            </a:r>
-          </a:p>
-          <a:p>
-            <a:pPr marL="777240" lvl="2" indent="0">
-              <a:buFont typeface="Wingdings" pitchFamily="2" charset="2"/>
-              <a:buChar char="§"/>
-            </a:pPr>
-            <a:r>
-              <a:rPr lang="en-US" sz="1600" dirty="0" smtClean="0"/>
-              <a:t> </a:t>
-            </a:r>
-            <a:r>
-              <a:rPr lang="en-US" sz="1600" dirty="0" smtClean="0"/>
-              <a:t>    Chases </a:t>
-            </a:r>
-            <a:r>
-              <a:rPr lang="en-US" sz="1600" dirty="0" smtClean="0"/>
-              <a:t>sheep to eat them</a:t>
-            </a:r>
-          </a:p>
-          <a:p>
-            <a:pPr marL="777240" lvl="2" indent="0">
-              <a:buFont typeface="Wingdings" pitchFamily="2" charset="2"/>
-              <a:buChar char="§"/>
-            </a:pPr>
-            <a:r>
-              <a:rPr lang="en-US" sz="1600" dirty="0" smtClean="0"/>
-              <a:t> </a:t>
-            </a:r>
-            <a:r>
-              <a:rPr lang="en-US" sz="1600" dirty="0" smtClean="0"/>
-              <a:t>    Runs </a:t>
-            </a:r>
-            <a:r>
-              <a:rPr lang="en-US" sz="1600" dirty="0" smtClean="0"/>
-              <a:t>away from the dog</a:t>
-            </a:r>
-          </a:p>
-          <a:p>
-            <a:pPr marL="777240" lvl="2" indent="0">
-              <a:buFont typeface="Wingdings" pitchFamily="2" charset="2"/>
-              <a:buChar char="§"/>
-            </a:pPr>
-            <a:r>
-              <a:rPr lang="en-US" sz="1600" dirty="0" smtClean="0"/>
-              <a:t> </a:t>
-            </a:r>
-            <a:r>
-              <a:rPr lang="en-US" sz="1600" dirty="0" smtClean="0"/>
-              <a:t>    Appears </a:t>
-            </a:r>
-            <a:r>
-              <a:rPr lang="en-US" sz="1600" dirty="0" smtClean="0"/>
-              <a:t>on the game at random</a:t>
+              <a:t>     Appears on the game at random</a:t>
             </a:r>
           </a:p>
           <a:p>
@@ -12329,7 +11631,7 @@
     </p:spTree>
     <p:extLst>
       <p:ext uri="{BB962C8B-B14F-4D97-AF65-F5344CB8AC3E}">
-        <p14:creationId xmlns="" xmlns:p14="http://schemas.microsoft.com/office/powerpoint/2010/main" val="4290846282"/>
+        <p14:creationId xmlns:p14="http://schemas.microsoft.com/office/powerpoint/2010/main" val="4290846282"/>
       </p:ext>
     </p:extLst>
   </p:cSld>
@@ -12339,7 +11641,7 @@
   <p:timing>
     <p:tnLst>
       <p:par>
-        <p:cTn id="1" dur="indefinite" restart="never" nodeType="tmRoot"/>
+        <p:cTn xmlns:p14="http://schemas.microsoft.com/office/powerpoint/2010/main" id="1" dur="indefinite" restart="never" nodeType="tmRoot"/>
       </p:par>
     </p:tnLst>
   </p:timing>
@@ -12347,7 +11649,7 @@
 </file>
 
 <file path=ppt/slides/slide4.xml><?xml version="1.0" encoding="utf-8"?>
-<p:sld xmlns:a="http://schemas.openxmlformats.org/drawingml/2006/main" xmlns:r="http://schemas.openxmlformats.org/officeDocument/2006/relationships" xmlns:p="http://schemas.openxmlformats.org/presentationml/2006/main">
+<p:sld xmlns:a="http://schemas.openxmlformats.org/drawingml/2006/main" xmlns:r="http://schemas.openxmlformats.org/officeDocument/2006/relationships" xmlns:p="http://schemas.openxmlformats.org/presentationml/2006/main" showMasterSp="0">
   <p:cSld>
     <p:spTree>
       <p:nvGrpSpPr>
@@ -12375,7 +11677,7 @@
         </p:nvSpPr>
         <p:spPr>
           <a:xfrm>
-            <a:off x="539750" y="838200"/>
+            <a:off x="539750" y="609600"/>
             <a:ext cx="8064500" cy="609600"/>
           </a:xfrm>
         </p:spPr>
@@ -12386,10 +11688,10 @@
           <a:lstStyle/>
           <a:p>
             <a:r>
-              <a:rPr lang="en-GB" sz="2800" b="1" u="sng" dirty="0" smtClean="0"/>
+              <a:rPr lang="en-GB" sz="2800" b="1" dirty="0" smtClean="0"/>
               <a:t>Description of the Project</a:t>
             </a:r>
-            <a:endParaRPr lang="en-GB" sz="2800" b="1" u="sng" dirty="0"/>
+            <a:endParaRPr lang="en-GB" sz="2800" b="1" dirty="0"/>
           </a:p>
         </p:txBody>
       </p:sp>
@@ -12409,11 +11711,11 @@
           <a:lstStyle/>
           <a:p>
             <a:fld id="{EF789A81-9B9B-445C-8A60-F916862B4649}" type="slidenum">
-              <a:rPr lang="en-GB" smtClean="0"/>
+              <a:rPr lang="en-GB" sz="2800" smtClean="0"/>
               <a:pPr/>
               <a:t>4</a:t>
             </a:fld>
-            <a:endParaRPr lang="en-GB" dirty="0"/>
+            <a:endParaRPr lang="en-GB" sz="2800" dirty="0"/>
           </a:p>
         </p:txBody>
       </p:sp>
@@ -12435,55 +11737,37 @@
         </p:spPr>
         <p:txBody>
           <a:bodyPr>
-            <a:normAutofit fontScale="47500" lnSpcReduction="20000"/>
+            <a:noAutofit/>
           </a:bodyPr>
           <a:lstStyle/>
           <a:p>
             <a:r>
-              <a:rPr lang="en-GB" sz="3600" b="1" u="sng" dirty="0" smtClean="0">
+              <a:rPr lang="en-GB" sz="1800" b="1" dirty="0" smtClean="0">
                 <a:solidFill>
-                  <a:srgbClr val="FF0000"/>
+                  <a:srgbClr val="713B0E"/>
                 </a:solidFill>
               </a:rPr>
               <a:t>Project Features</a:t>
             </a:r>
           </a:p>
           <a:p>
-            <a:pPr marL="411480" lvl="1" indent="0">
-              <a:buNone/>
-            </a:pPr>
-            <a:r>
-              <a:rPr lang="en-GB" sz="3600" b="1" u="sng" dirty="0" smtClean="0">
-                <a:solidFill>
-                  <a:srgbClr val="FF0000"/>
-                </a:solidFill>
-              </a:rPr>
-              <a:t> </a:t>
-            </a:r>
-          </a:p>
-          <a:p>
-            <a:pPr marL="411480" lvl="1" indent="0">
-              <a:buFont typeface="Wingdings" pitchFamily="2" charset="2"/>
+            <a:pPr marL="697230" lvl="1" indent="-285750">
+              <a:buFont typeface="Wingdings" charset="2"/>
               <a:buChar char="§"/>
             </a:pPr>
-            <a:r>
-              <a:rPr lang="en-GB" sz="2900" dirty="0" smtClean="0">
-                <a:solidFill>
-                  <a:schemeClr val="tx1"/>
-                </a:solidFill>
-              </a:rPr>
-              <a:t>  </a:t>
-            </a:r>
-            <a:r>
-              <a:rPr lang="en-GB" sz="2900" dirty="0" smtClean="0">
-                <a:solidFill>
-                  <a:schemeClr val="tx1"/>
-                </a:solidFill>
-              </a:rPr>
-              <a:t>   </a:t>
-            </a:r>
-            <a:r>
-              <a:rPr lang="en-GB" sz="2700" dirty="0" smtClean="0">
+            <a:endParaRPr lang="en-GB" sz="1600" dirty="0" smtClean="0">
+              <a:solidFill>
+                <a:schemeClr val="tx1"/>
+              </a:solidFill>
+            </a:endParaRPr>
+          </a:p>
+          <a:p>
+            <a:pPr marL="697230" lvl="1" indent="-285750">
+              <a:buFont typeface="Wingdings" charset="2"/>
+              <a:buChar char="§"/>
+            </a:pPr>
+            <a:r>
+              <a:rPr lang="en-GB" sz="1600" dirty="0" smtClean="0">
                 <a:solidFill>
                   <a:schemeClr val="tx1"/>
                 </a:solidFill>
@@ -12491,157 +11775,157 @@
               <a:t>Representation </a:t>
             </a:r>
             <a:r>
-              <a:rPr lang="en-GB" sz="2700" dirty="0" smtClean="0">
+              <a:rPr lang="en-GB" sz="1600" dirty="0" smtClean="0">
                 <a:solidFill>
                   <a:schemeClr val="tx1"/>
                 </a:solidFill>
               </a:rPr>
-              <a:t>of each animal and its characteristics</a:t>
-            </a:r>
-          </a:p>
-          <a:p>
-            <a:pPr marL="411480" lvl="1" indent="0">
-              <a:buFont typeface="Wingdings" pitchFamily="2" charset="2"/>
-              <a:buChar char="§"/>
-            </a:pPr>
-            <a:r>
-              <a:rPr lang="en-GB" sz="2900" dirty="0" smtClean="0">
+              <a:t>of each animal and its </a:t>
+            </a:r>
+            <a:r>
+              <a:rPr lang="en-GB" sz="1600" dirty="0" smtClean="0">
                 <a:solidFill>
                   <a:schemeClr val="tx1"/>
                 </a:solidFill>
               </a:rPr>
-              <a:t> </a:t>
-            </a:r>
-            <a:r>
-              <a:rPr lang="en-GB" sz="2900" dirty="0" smtClean="0">
+              <a:t>characteristics</a:t>
+            </a:r>
+          </a:p>
+          <a:p>
+            <a:pPr marL="697230" lvl="1" indent="-285750">
+              <a:buFont typeface="Wingdings" charset="2"/>
+              <a:buChar char="§"/>
+            </a:pPr>
+            <a:r>
+              <a:rPr lang="en-GB" sz="1600" dirty="0" smtClean="0">
                 <a:solidFill>
                   <a:schemeClr val="tx1"/>
                 </a:solidFill>
               </a:rPr>
-              <a:t>    Full </a:t>
-            </a:r>
-            <a:r>
-              <a:rPr lang="en-GB" sz="2900" dirty="0" smtClean="0">
+              <a:t>Full </a:t>
+            </a:r>
+            <a:r>
+              <a:rPr lang="en-GB" sz="1600" dirty="0" smtClean="0">
                 <a:solidFill>
                   <a:schemeClr val="tx1"/>
                 </a:solidFill>
               </a:rPr>
-              <a:t>screen game with independent rendering (for each set of animals)</a:t>
-            </a:r>
-          </a:p>
-          <a:p>
-            <a:pPr marL="411480" lvl="1" indent="0">
-              <a:buFont typeface="Wingdings" pitchFamily="2" charset="2"/>
-              <a:buChar char="§"/>
-            </a:pPr>
-            <a:r>
-              <a:rPr lang="en-GB" sz="2900" dirty="0" smtClean="0">
+              <a:t>screen game with independent rendering (for each set of animals</a:t>
+            </a:r>
+            <a:r>
+              <a:rPr lang="en-GB" sz="1600" dirty="0" smtClean="0">
                 <a:solidFill>
                   <a:schemeClr val="tx1"/>
                 </a:solidFill>
               </a:rPr>
-              <a:t> </a:t>
-            </a:r>
-            <a:r>
-              <a:rPr lang="en-GB" sz="2900" dirty="0" smtClean="0">
+              <a:t>)</a:t>
+            </a:r>
+          </a:p>
+          <a:p>
+            <a:pPr marL="697230" lvl="1" indent="-285750">
+              <a:buFont typeface="Wingdings" charset="2"/>
+              <a:buChar char="§"/>
+            </a:pPr>
+            <a:r>
+              <a:rPr lang="en-GB" sz="1600" dirty="0" smtClean="0">
                 <a:solidFill>
                   <a:schemeClr val="tx1"/>
                 </a:solidFill>
               </a:rPr>
-              <a:t>    User </a:t>
-            </a:r>
-            <a:r>
-              <a:rPr lang="en-GB" sz="2900" dirty="0" smtClean="0">
+              <a:t>User </a:t>
+            </a:r>
+            <a:r>
+              <a:rPr lang="en-GB" sz="1600" dirty="0" smtClean="0">
                 <a:solidFill>
                   <a:schemeClr val="tx1"/>
                 </a:solidFill>
               </a:rPr>
-              <a:t>has full control over the dog</a:t>
-            </a:r>
-          </a:p>
-          <a:p>
-            <a:pPr marL="411480" lvl="1" indent="0">
-              <a:buFont typeface="Wingdings" pitchFamily="2" charset="2"/>
-              <a:buChar char="§"/>
-            </a:pPr>
-            <a:r>
-              <a:rPr lang="en-GB" sz="2900" dirty="0" smtClean="0">
+              <a:t>has full control over the </a:t>
+            </a:r>
+            <a:r>
+              <a:rPr lang="en-GB" sz="1600" dirty="0" smtClean="0">
                 <a:solidFill>
                   <a:schemeClr val="tx1"/>
                 </a:solidFill>
               </a:rPr>
-              <a:t> </a:t>
-            </a:r>
-            <a:r>
-              <a:rPr lang="en-GB" sz="2900" dirty="0" smtClean="0">
+              <a:t>dog</a:t>
+            </a:r>
+          </a:p>
+          <a:p>
+            <a:pPr marL="697230" lvl="1" indent="-285750">
+              <a:buFont typeface="Wingdings" charset="2"/>
+              <a:buChar char="§"/>
+            </a:pPr>
+            <a:r>
+              <a:rPr lang="en-GB" sz="1600" dirty="0" smtClean="0">
                 <a:solidFill>
                   <a:schemeClr val="tx1"/>
                 </a:solidFill>
               </a:rPr>
-              <a:t>    Artificial </a:t>
-            </a:r>
-            <a:r>
-              <a:rPr lang="en-GB" sz="2900" dirty="0" smtClean="0">
+              <a:t>Artificial </a:t>
+            </a:r>
+            <a:r>
+              <a:rPr lang="en-GB" sz="1600" dirty="0" smtClean="0">
                 <a:solidFill>
                   <a:schemeClr val="tx1"/>
                 </a:solidFill>
               </a:rPr>
-              <a:t>Intelligence for Fox and Sheep to move and react</a:t>
-            </a:r>
-          </a:p>
-          <a:p>
-            <a:pPr marL="411480" lvl="1" indent="0">
-              <a:buFont typeface="Wingdings" pitchFamily="2" charset="2"/>
-              <a:buChar char="§"/>
-            </a:pPr>
-            <a:r>
-              <a:rPr lang="en-GB" sz="2900" dirty="0" smtClean="0">
+              <a:t>Intelligence for Fox and Sheep to move and </a:t>
+            </a:r>
+            <a:r>
+              <a:rPr lang="en-GB" sz="1600" dirty="0" smtClean="0">
                 <a:solidFill>
                   <a:schemeClr val="tx1"/>
                 </a:solidFill>
               </a:rPr>
-              <a:t>  </a:t>
-            </a:r>
-            <a:r>
-              <a:rPr lang="en-GB" sz="2900" dirty="0" smtClean="0">
+              <a:t>react</a:t>
+            </a:r>
+          </a:p>
+          <a:p>
+            <a:pPr marL="697230" lvl="1" indent="-285750">
+              <a:buFont typeface="Wingdings" charset="2"/>
+              <a:buChar char="§"/>
+            </a:pPr>
+            <a:r>
+              <a:rPr lang="en-GB" sz="1600" dirty="0" smtClean="0">
                 <a:solidFill>
                   <a:schemeClr val="tx1"/>
                 </a:solidFill>
               </a:rPr>
-              <a:t>   Three </a:t>
-            </a:r>
-            <a:r>
-              <a:rPr lang="en-GB" sz="2900" dirty="0" smtClean="0">
+              <a:t>Three </a:t>
+            </a:r>
+            <a:r>
+              <a:rPr lang="en-GB" sz="1600" dirty="0" smtClean="0">
                 <a:solidFill>
                   <a:schemeClr val="tx1"/>
                 </a:solidFill>
               </a:rPr>
-              <a:t>main screens: home screen, settings, and game screen</a:t>
-            </a:r>
-          </a:p>
-          <a:p>
-            <a:pPr marL="411480" lvl="1" indent="0">
-              <a:buFont typeface="Wingdings" pitchFamily="2" charset="2"/>
-              <a:buChar char="§"/>
-            </a:pPr>
-            <a:r>
-              <a:rPr lang="en-GB" sz="2900" dirty="0" smtClean="0">
+              <a:t>main screens: home screen, settings, and game </a:t>
+            </a:r>
+            <a:r>
+              <a:rPr lang="en-GB" sz="1600" dirty="0" smtClean="0">
                 <a:solidFill>
                   <a:schemeClr val="tx1"/>
                 </a:solidFill>
               </a:rPr>
-              <a:t>  </a:t>
-            </a:r>
-            <a:r>
-              <a:rPr lang="en-GB" sz="2900" dirty="0" smtClean="0">
+              <a:t>screen</a:t>
+            </a:r>
+          </a:p>
+          <a:p>
+            <a:pPr marL="697230" lvl="1" indent="-285750">
+              <a:buFont typeface="Wingdings" charset="2"/>
+              <a:buChar char="§"/>
+            </a:pPr>
+            <a:r>
+              <a:rPr lang="en-GB" sz="1600" dirty="0" smtClean="0">
                 <a:solidFill>
                   <a:schemeClr val="tx1"/>
                 </a:solidFill>
               </a:rPr>
-              <a:t>   Ability </a:t>
-            </a:r>
-            <a:r>
-              <a:rPr lang="en-GB" sz="2900" dirty="0" smtClean="0">
+              <a:t>Ability </a:t>
+            </a:r>
+            <a:r>
+              <a:rPr lang="en-GB" sz="1600" dirty="0" smtClean="0">
                 <a:solidFill>
                   <a:schemeClr val="tx1"/>
                 </a:solidFill>
@@ -12649,165 +11933,25 @@
               <a:t>to control speed of animals (by default:  fox’s speed &gt; dog’s &gt; sheep’s</a:t>
             </a:r>
             <a:r>
-              <a:rPr lang="en-GB" sz="2900" dirty="0" smtClean="0">
+              <a:rPr lang="en-GB" sz="1600" dirty="0" smtClean="0">
                 <a:solidFill>
                   <a:schemeClr val="tx1"/>
                 </a:solidFill>
               </a:rPr>
               <a:t>)</a:t>
             </a:r>
-          </a:p>
-          <a:p>
-            <a:pPr marL="411480" lvl="1" indent="0">
-              <a:buFont typeface="Wingdings" pitchFamily="2" charset="2"/>
-              <a:buChar char="§"/>
-            </a:pPr>
-            <a:endParaRPr lang="en-GB" sz="3600" b="1" u="sng" dirty="0" smtClean="0">
+            <a:endParaRPr lang="en-GB" sz="1600" dirty="0" smtClean="0">
               <a:solidFill>
                 <a:schemeClr val="tx1"/>
               </a:solidFill>
             </a:endParaRPr>
           </a:p>
-          <a:p>
-            <a:r>
-              <a:rPr lang="en-GB" sz="3600" b="1" u="sng" dirty="0" smtClean="0">
-                <a:solidFill>
-                  <a:srgbClr val="FF0000"/>
-                </a:solidFill>
-              </a:rPr>
-              <a:t>Technical Details</a:t>
-            </a:r>
-          </a:p>
-          <a:p>
-            <a:pPr>
-              <a:buNone/>
-            </a:pPr>
-            <a:endParaRPr lang="en-GB" sz="3600" b="1" u="sng" dirty="0" smtClean="0">
-              <a:solidFill>
-                <a:srgbClr val="FF0000"/>
-              </a:solidFill>
-            </a:endParaRPr>
-          </a:p>
-          <a:p>
-            <a:pPr lvl="1">
-              <a:buFont typeface="Wingdings" pitchFamily="2" charset="2"/>
-              <a:buChar char="§"/>
-            </a:pPr>
-            <a:r>
-              <a:rPr lang="en-GB" sz="2900" dirty="0" smtClean="0"/>
-              <a:t>Android application that doesn’t need to contact any external service</a:t>
-            </a:r>
-          </a:p>
-          <a:p>
-            <a:pPr lvl="1">
-              <a:buFont typeface="Wingdings" pitchFamily="2" charset="2"/>
-              <a:buChar char="§"/>
-            </a:pPr>
-            <a:r>
-              <a:rPr lang="en-GB" sz="2900" dirty="0" smtClean="0"/>
-              <a:t>Implementation of </a:t>
-            </a:r>
-            <a:r>
-              <a:rPr lang="en-GB" sz="2900" dirty="0" err="1" smtClean="0"/>
-              <a:t>SurfaceView</a:t>
-            </a:r>
-            <a:r>
-              <a:rPr lang="en-GB" sz="2900" dirty="0" smtClean="0"/>
-              <a:t> to render in full screen mode</a:t>
-            </a:r>
-          </a:p>
-          <a:p>
-            <a:pPr lvl="1">
-              <a:buFont typeface="Wingdings" pitchFamily="2" charset="2"/>
-              <a:buChar char="§"/>
-            </a:pPr>
-            <a:r>
-              <a:rPr lang="en-GB" sz="2900" dirty="0" smtClean="0"/>
-              <a:t>Use of fragments to render top bar with “Back” option</a:t>
-            </a:r>
-          </a:p>
-          <a:p>
-            <a:pPr lvl="1">
-              <a:buFont typeface="Wingdings" pitchFamily="2" charset="2"/>
-              <a:buChar char="§"/>
-            </a:pPr>
-            <a:r>
-              <a:rPr lang="en-GB" sz="2900" dirty="0" smtClean="0"/>
-              <a:t>Use of multiple types of UI widgets, including buttons, images, seek bars, and </a:t>
-            </a:r>
-            <a:r>
-              <a:rPr lang="en-GB" sz="2900" dirty="0" err="1" smtClean="0"/>
-              <a:t>textViews</a:t>
-            </a:r>
-            <a:endParaRPr lang="en-GB" sz="2900" dirty="0" smtClean="0"/>
-          </a:p>
-          <a:p>
-            <a:pPr lvl="1">
-              <a:buFont typeface="Wingdings" pitchFamily="2" charset="2"/>
-              <a:buChar char="§"/>
-            </a:pPr>
-            <a:r>
-              <a:rPr lang="en-GB" sz="2900" dirty="0" smtClean="0"/>
-              <a:t>Use of </a:t>
-            </a:r>
-            <a:r>
-              <a:rPr lang="en-GB" sz="2900" dirty="0" err="1" smtClean="0"/>
-              <a:t>SharedPreferences</a:t>
-            </a:r>
-            <a:r>
-              <a:rPr lang="en-GB" sz="2900" dirty="0" smtClean="0"/>
-              <a:t> to store information among screens</a:t>
-            </a:r>
-          </a:p>
-          <a:p>
-            <a:pPr lvl="1">
-              <a:buFont typeface="Wingdings" pitchFamily="2" charset="2"/>
-              <a:buChar char="§"/>
-            </a:pPr>
-            <a:r>
-              <a:rPr lang="en-GB" sz="2900" dirty="0" smtClean="0"/>
-              <a:t>Internationalization (support for Spanish</a:t>
-            </a:r>
-            <a:r>
-              <a:rPr lang="en-GB" sz="2900" dirty="0" smtClean="0"/>
-              <a:t>)</a:t>
-            </a:r>
-          </a:p>
-          <a:p>
-            <a:pPr lvl="1">
-              <a:buFont typeface="Wingdings" pitchFamily="2" charset="2"/>
-              <a:buChar char="§"/>
-            </a:pPr>
-            <a:r>
-              <a:rPr lang="en-GB" sz="2900" dirty="0" smtClean="0"/>
-              <a:t>Unit and integration tests will use Android </a:t>
-            </a:r>
-            <a:r>
-              <a:rPr lang="en-GB" sz="2900" dirty="0" err="1" smtClean="0"/>
-              <a:t>Junit</a:t>
-            </a:r>
-            <a:r>
-              <a:rPr lang="en-GB" sz="2900" smtClean="0"/>
-              <a:t> Tests / Robotium</a:t>
-            </a:r>
-            <a:endParaRPr lang="en-GB" sz="2900" b="1" u="sng" dirty="0" smtClean="0">
-              <a:solidFill>
-                <a:srgbClr val="FF0000"/>
-              </a:solidFill>
-            </a:endParaRPr>
-          </a:p>
-          <a:p>
-            <a:pPr marL="777240" lvl="2" indent="0">
-              <a:buNone/>
-            </a:pPr>
-            <a:endParaRPr lang="en-GB" sz="1600" dirty="0" smtClean="0"/>
-          </a:p>
         </p:txBody>
       </p:sp>
     </p:spTree>
     <p:extLst>
       <p:ext uri="{BB962C8B-B14F-4D97-AF65-F5344CB8AC3E}">
-        <p14:creationId xmlns="" xmlns:p14="http://schemas.microsoft.com/office/powerpoint/2010/main" val="4290846282"/>
+        <p14:creationId xmlns:p14="http://schemas.microsoft.com/office/powerpoint/2010/main" val="4290846282"/>
       </p:ext>
     </p:extLst>
   </p:cSld>
@@ -12817,7 +11961,7 @@
   <p:timing>
     <p:tnLst>
       <p:par>
-        <p:cTn id="1" dur="indefinite" restart="never" nodeType="tmRoot"/>
+        <p:cTn xmlns:p14="http://schemas.microsoft.com/office/powerpoint/2010/main" id="1" dur="indefinite" restart="never" nodeType="tmRoot"/>
       </p:par>
     </p:tnLst>
   </p:timing>
@@ -12825,7 +11969,7 @@
 </file>
 
 <file path=ppt/slides/slide5.xml><?xml version="1.0" encoding="utf-8"?>
-<p:sld xmlns:a="http://schemas.openxmlformats.org/drawingml/2006/main" xmlns:r="http://schemas.openxmlformats.org/officeDocument/2006/relationships" xmlns:p="http://schemas.openxmlformats.org/presentationml/2006/main">
+<p:sld xmlns:a="http://schemas.openxmlformats.org/drawingml/2006/main" xmlns:r="http://schemas.openxmlformats.org/officeDocument/2006/relationships" xmlns:p="http://schemas.openxmlformats.org/presentationml/2006/main" showMasterSp="0">
   <p:cSld>
     <p:spTree>
       <p:nvGrpSpPr>
@@ -12853,7 +11997,7 @@
         </p:nvSpPr>
         <p:spPr>
           <a:xfrm>
-            <a:off x="539750" y="838200"/>
+            <a:off x="539750" y="609600"/>
             <a:ext cx="8064500" cy="609600"/>
           </a:xfrm>
         </p:spPr>
@@ -12864,10 +12008,10 @@
           <a:lstStyle/>
           <a:p>
             <a:r>
-              <a:rPr lang="en-GB" sz="2800" b="1" u="sng" dirty="0" smtClean="0"/>
-              <a:t>Project Design and Navigation</a:t>
-            </a:r>
-            <a:endParaRPr lang="en-GB" sz="2800" b="1" u="sng" dirty="0"/>
+              <a:rPr lang="en-GB" sz="2800" b="1" dirty="0" smtClean="0"/>
+              <a:t>Description of the Project</a:t>
+            </a:r>
+            <a:endParaRPr lang="en-GB" sz="2800" b="1" dirty="0"/>
           </a:p>
         </p:txBody>
       </p:sp>
@@ -12887,11 +12031,11 @@
           <a:lstStyle/>
           <a:p>
             <a:fld id="{EF789A81-9B9B-445C-8A60-F916862B4649}" type="slidenum">
-              <a:rPr lang="en-GB" smtClean="0"/>
+              <a:rPr lang="en-GB" sz="2800" smtClean="0"/>
               <a:pPr/>
               <a:t>5</a:t>
             </a:fld>
-            <a:endParaRPr lang="en-GB" dirty="0"/>
+            <a:endParaRPr lang="en-GB" sz="2800" dirty="0"/>
           </a:p>
         </p:txBody>
       </p:sp>
@@ -12913,24 +12057,34 @@
         </p:spPr>
         <p:txBody>
           <a:bodyPr>
-            <a:normAutofit/>
+            <a:noAutofit/>
           </a:bodyPr>
           <a:lstStyle/>
           <a:p>
-            <a:pPr lvl="1">
-              <a:buNone/>
-            </a:pPr>
-            <a:endParaRPr lang="en-GB" dirty="0" smtClean="0"/>
+            <a:r>
+              <a:rPr lang="en-GB" sz="1800" b="1" dirty="0" smtClean="0">
+                <a:solidFill>
+                  <a:srgbClr val="713B0E"/>
+                </a:solidFill>
+              </a:rPr>
+              <a:t>Technical Details</a:t>
+            </a:r>
+            <a:endParaRPr lang="en-GB" sz="1600" b="1" u="sng" dirty="0" smtClean="0">
+              <a:solidFill>
+                <a:srgbClr val="FF0000"/>
+              </a:solidFill>
+            </a:endParaRPr>
           </a:p>
           <a:p>
             <a:pPr lvl="1">
               <a:buFont typeface="Wingdings" pitchFamily="2" charset="2"/>
               <a:buChar char="§"/>
             </a:pPr>
-            <a:r>
-              <a:rPr lang="en-GB" sz="1600" dirty="0" smtClean="0"/>
-              <a:t>A white round figure will represent a sheep</a:t>
-            </a:r>
+            <a:endParaRPr lang="en-GB" sz="1600" dirty="0" smtClean="0">
+              <a:solidFill>
+                <a:srgbClr val="000000"/>
+              </a:solidFill>
+            </a:endParaRPr>
           </a:p>
           <a:p>
             <a:pPr lvl="1">
@@ -12938,8 +12092,20 @@
               <a:buChar char="§"/>
             </a:pPr>
             <a:r>
-              <a:rPr lang="en-GB" sz="1600" dirty="0" smtClean="0"/>
-              <a:t>A green square figure will represent the dog</a:t>
+              <a:rPr lang="en-GB" sz="1600" dirty="0" smtClean="0">
+                <a:solidFill>
+                  <a:srgbClr val="000000"/>
+                </a:solidFill>
+              </a:rPr>
+              <a:t>Android </a:t>
+            </a:r>
+            <a:r>
+              <a:rPr lang="en-GB" sz="1600" dirty="0" smtClean="0">
+                <a:solidFill>
+                  <a:srgbClr val="000000"/>
+                </a:solidFill>
+              </a:rPr>
+              <a:t>application that doesn’t need to contact any external service</a:t>
             </a:r>
           </a:p>
           <a:p>
@@ -12948,57 +12114,170 @@
               <a:buChar char="§"/>
             </a:pPr>
             <a:r>
-              <a:rPr lang="en-GB" sz="1600" dirty="0" smtClean="0"/>
-              <a:t>A red triangular figure would represent a fox</a:t>
-            </a:r>
-          </a:p>
-          <a:p>
-            <a:pPr marL="0" indent="0">
-              <a:buNone/>
+              <a:rPr lang="en-GB" sz="1600" dirty="0" smtClean="0">
+                <a:solidFill>
+                  <a:srgbClr val="000000"/>
+                </a:solidFill>
+              </a:rPr>
+              <a:t>Implementation of </a:t>
+            </a:r>
+            <a:r>
+              <a:rPr lang="en-GB" sz="1600" dirty="0" err="1" smtClean="0">
+                <a:solidFill>
+                  <a:srgbClr val="000000"/>
+                </a:solidFill>
+              </a:rPr>
+              <a:t>SurfaceView</a:t>
+            </a:r>
+            <a:r>
+              <a:rPr lang="en-GB" sz="1600" dirty="0" smtClean="0">
+                <a:solidFill>
+                  <a:srgbClr val="000000"/>
+                </a:solidFill>
+              </a:rPr>
+              <a:t> to render in full screen mode</a:t>
+            </a:r>
+          </a:p>
+          <a:p>
+            <a:pPr lvl="1">
+              <a:buFont typeface="Wingdings" pitchFamily="2" charset="2"/>
+              <a:buChar char="§"/>
             </a:pPr>
-            <a:endParaRPr lang="en-GB" dirty="0" smtClean="0"/>
-          </a:p>
-          <a:p>
-            <a:pPr marL="0" indent="0">
+            <a:r>
+              <a:rPr lang="en-GB" sz="1600" dirty="0" smtClean="0">
+                <a:solidFill>
+                  <a:srgbClr val="000000"/>
+                </a:solidFill>
+              </a:rPr>
+              <a:t>Use of fragments to render top bar with “Back” option</a:t>
+            </a:r>
+          </a:p>
+          <a:p>
+            <a:pPr lvl="1">
+              <a:buFont typeface="Wingdings" pitchFamily="2" charset="2"/>
+              <a:buChar char="§"/>
+            </a:pPr>
+            <a:r>
+              <a:rPr lang="en-GB" sz="1600" dirty="0" smtClean="0">
+                <a:solidFill>
+                  <a:srgbClr val="000000"/>
+                </a:solidFill>
+              </a:rPr>
+              <a:t>Use of multiple types of UI widgets, including buttons, images, seek bars, and </a:t>
+            </a:r>
+            <a:r>
+              <a:rPr lang="en-GB" sz="1600" dirty="0" err="1" smtClean="0">
+                <a:solidFill>
+                  <a:srgbClr val="000000"/>
+                </a:solidFill>
+              </a:rPr>
+              <a:t>textViews</a:t>
+            </a:r>
+            <a:endParaRPr lang="en-GB" sz="1600" dirty="0" smtClean="0">
+              <a:solidFill>
+                <a:srgbClr val="000000"/>
+              </a:solidFill>
+            </a:endParaRPr>
+          </a:p>
+          <a:p>
+            <a:pPr lvl="1">
+              <a:buFont typeface="Wingdings" pitchFamily="2" charset="2"/>
+              <a:buChar char="§"/>
+            </a:pPr>
+            <a:r>
+              <a:rPr lang="en-GB" sz="1600" dirty="0" smtClean="0">
+                <a:solidFill>
+                  <a:srgbClr val="000000"/>
+                </a:solidFill>
+              </a:rPr>
+              <a:t>Use of </a:t>
+            </a:r>
+            <a:r>
+              <a:rPr lang="en-GB" sz="1600" dirty="0" err="1" smtClean="0">
+                <a:solidFill>
+                  <a:srgbClr val="000000"/>
+                </a:solidFill>
+              </a:rPr>
+              <a:t>SharedPreferences</a:t>
+            </a:r>
+            <a:r>
+              <a:rPr lang="en-GB" sz="1600" dirty="0" smtClean="0">
+                <a:solidFill>
+                  <a:srgbClr val="000000"/>
+                </a:solidFill>
+              </a:rPr>
+              <a:t> to store information among screens</a:t>
+            </a:r>
+          </a:p>
+          <a:p>
+            <a:pPr lvl="1">
+              <a:buFont typeface="Wingdings" pitchFamily="2" charset="2"/>
+              <a:buChar char="§"/>
+            </a:pPr>
+            <a:r>
+              <a:rPr lang="en-GB" sz="1600" dirty="0" smtClean="0">
+                <a:solidFill>
+                  <a:srgbClr val="000000"/>
+                </a:solidFill>
+              </a:rPr>
+              <a:t>Internationalization (support for Spanish)</a:t>
+            </a:r>
+          </a:p>
+          <a:p>
+            <a:pPr lvl="1">
+              <a:buFont typeface="Wingdings" pitchFamily="2" charset="2"/>
+              <a:buChar char="§"/>
+            </a:pPr>
+            <a:r>
+              <a:rPr lang="en-GB" sz="1600" dirty="0" smtClean="0">
+                <a:solidFill>
+                  <a:srgbClr val="000000"/>
+                </a:solidFill>
+              </a:rPr>
+              <a:t>Unit and integration tests will use Android </a:t>
+            </a:r>
+            <a:r>
+              <a:rPr lang="en-GB" sz="1600" dirty="0" err="1" smtClean="0">
+                <a:solidFill>
+                  <a:srgbClr val="000000"/>
+                </a:solidFill>
+              </a:rPr>
+              <a:t>Junit</a:t>
+            </a:r>
+            <a:r>
+              <a:rPr lang="en-GB" sz="1600" dirty="0" smtClean="0">
+                <a:solidFill>
+                  <a:srgbClr val="000000"/>
+                </a:solidFill>
+              </a:rPr>
+              <a:t> Tests / </a:t>
+            </a:r>
+            <a:r>
+              <a:rPr lang="en-GB" sz="1600" dirty="0" err="1" smtClean="0">
+                <a:solidFill>
+                  <a:srgbClr val="000000"/>
+                </a:solidFill>
+              </a:rPr>
+              <a:t>Robotium</a:t>
+            </a:r>
+            <a:endParaRPr lang="en-GB" sz="1600" b="1" u="sng" dirty="0" smtClean="0">
+              <a:solidFill>
+                <a:srgbClr val="000000"/>
+              </a:solidFill>
+            </a:endParaRPr>
+          </a:p>
+          <a:p>
+            <a:pPr marL="777240" lvl="2" indent="0">
               <a:buNone/>
             </a:pPr>
             <a:endParaRPr lang="en-GB" sz="1600" dirty="0" smtClean="0"/>
-          </a:p>
-          <a:p>
-            <a:pPr marL="0" indent="0">
-              <a:buNone/>
-            </a:pPr>
-            <a:r>
-              <a:rPr lang="en-GB" sz="1600" dirty="0" smtClean="0"/>
-              <a:t>Users </a:t>
-            </a:r>
-            <a:r>
-              <a:rPr lang="en-GB" sz="1600" dirty="0" smtClean="0"/>
-              <a:t>can touch the screen on the </a:t>
-            </a:r>
-            <a:r>
-              <a:rPr lang="en-GB" sz="1600" dirty="0" smtClean="0"/>
-              <a:t>corners to </a:t>
-            </a:r>
-            <a:r>
-              <a:rPr lang="en-GB" sz="1600" dirty="0" smtClean="0"/>
-              <a:t>represent where they want the dog to move (for example, </a:t>
-            </a:r>
-            <a:r>
-              <a:rPr lang="en-GB" sz="1600" dirty="0" smtClean="0"/>
-              <a:t>tap anywhere </a:t>
-            </a:r>
-            <a:r>
-              <a:rPr lang="en-GB" sz="1600" dirty="0" smtClean="0"/>
-              <a:t>up to move the dog upwards). </a:t>
-            </a:r>
           </a:p>
         </p:txBody>
       </p:sp>
     </p:spTree>
     <p:extLst>
       <p:ext uri="{BB962C8B-B14F-4D97-AF65-F5344CB8AC3E}">
-        <p14:creationId xmlns="" xmlns:p14="http://schemas.microsoft.com/office/powerpoint/2010/main" val="4290846282"/>
+        <p14:creationId xmlns:p14="http://schemas.microsoft.com/office/powerpoint/2010/main" val="3725726106"/>
       </p:ext>
     </p:extLst>
   </p:cSld>
@@ -13008,7 +12287,7 @@
   <p:timing>
     <p:tnLst>
       <p:par>
-        <p:cTn id="1" dur="indefinite" restart="never" nodeType="tmRoot"/>
+        <p:cTn xmlns:p14="http://schemas.microsoft.com/office/powerpoint/2010/main" id="1" dur="indefinite" restart="never" nodeType="tmRoot"/>
       </p:par>
     </p:tnLst>
   </p:timing>
@@ -13016,7 +12295,7 @@
 </file>
 
 <file path=ppt/slides/slide6.xml><?xml version="1.0" encoding="utf-8"?>
-<p:sld xmlns:a="http://schemas.openxmlformats.org/drawingml/2006/main" xmlns:r="http://schemas.openxmlformats.org/officeDocument/2006/relationships" xmlns:p="http://schemas.openxmlformats.org/presentationml/2006/main">
+<p:sld xmlns:a="http://schemas.openxmlformats.org/drawingml/2006/main" xmlns:r="http://schemas.openxmlformats.org/officeDocument/2006/relationships" xmlns:p="http://schemas.openxmlformats.org/presentationml/2006/main" showMasterSp="0">
   <p:cSld>
     <p:spTree>
       <p:nvGrpSpPr>
@@ -13055,10 +12334,10 @@
           <a:lstStyle/>
           <a:p>
             <a:r>
-              <a:rPr lang="en-GB" sz="2800" b="1" u="sng" dirty="0" smtClean="0"/>
+              <a:rPr lang="en-GB" sz="2800" b="1" dirty="0" smtClean="0"/>
               <a:t>Project Design and Navigation</a:t>
             </a:r>
-            <a:endParaRPr lang="en-GB" sz="2800" b="1" u="sng" dirty="0"/>
+            <a:endParaRPr lang="en-GB" sz="2800" b="1" dirty="0"/>
           </a:p>
         </p:txBody>
       </p:sp>
@@ -13078,11 +12357,182 @@
           <a:lstStyle/>
           <a:p>
             <a:fld id="{EF789A81-9B9B-445C-8A60-F916862B4649}" type="slidenum">
-              <a:rPr lang="en-GB" smtClean="0"/>
+              <a:rPr lang="en-GB" sz="2800" smtClean="0"/>
               <a:pPr/>
               <a:t>6</a:t>
             </a:fld>
-            <a:endParaRPr lang="en-GB" dirty="0"/>
+            <a:endParaRPr lang="en-GB" sz="2800" dirty="0"/>
+          </a:p>
+        </p:txBody>
+      </p:sp>
+      <p:sp>
+        <p:nvSpPr>
+          <p:cNvPr id="8" name="Text Placeholder 7"/>
+          <p:cNvSpPr>
+            <a:spLocks noGrp="1"/>
+          </p:cNvSpPr>
+          <p:nvPr>
+            <p:ph type="body" sz="quarter" idx="12"/>
+          </p:nvPr>
+        </p:nvSpPr>
+        <p:spPr>
+          <a:xfrm>
+            <a:off x="539750" y="1524000"/>
+            <a:ext cx="8064500" cy="4800600"/>
+          </a:xfrm>
+        </p:spPr>
+        <p:txBody>
+          <a:bodyPr>
+            <a:normAutofit/>
+          </a:bodyPr>
+          <a:lstStyle/>
+          <a:p>
+            <a:pPr lvl="1">
+              <a:buNone/>
+            </a:pPr>
+            <a:endParaRPr lang="en-GB" dirty="0" smtClean="0"/>
+          </a:p>
+          <a:p>
+            <a:pPr lvl="1">
+              <a:buFont typeface="Wingdings" pitchFamily="2" charset="2"/>
+              <a:buChar char="§"/>
+            </a:pPr>
+            <a:r>
+              <a:rPr lang="en-GB" sz="1600" dirty="0" smtClean="0"/>
+              <a:t>A white round figure will represent a sheep</a:t>
+            </a:r>
+          </a:p>
+          <a:p>
+            <a:pPr lvl="1">
+              <a:buFont typeface="Wingdings" pitchFamily="2" charset="2"/>
+              <a:buChar char="§"/>
+            </a:pPr>
+            <a:r>
+              <a:rPr lang="en-GB" sz="1600" dirty="0" smtClean="0"/>
+              <a:t>A green square figure will represent the dog</a:t>
+            </a:r>
+          </a:p>
+          <a:p>
+            <a:pPr lvl="1">
+              <a:buFont typeface="Wingdings" pitchFamily="2" charset="2"/>
+              <a:buChar char="§"/>
+            </a:pPr>
+            <a:r>
+              <a:rPr lang="en-GB" sz="1600" dirty="0" smtClean="0"/>
+              <a:t>A red triangular figure would represent a fox</a:t>
+            </a:r>
+          </a:p>
+          <a:p>
+            <a:pPr marL="0" indent="0">
+              <a:buNone/>
+            </a:pPr>
+            <a:endParaRPr lang="en-GB" dirty="0" smtClean="0"/>
+          </a:p>
+          <a:p>
+            <a:pPr marL="0" indent="0">
+              <a:buNone/>
+            </a:pPr>
+            <a:endParaRPr lang="en-GB" sz="1600" dirty="0" smtClean="0"/>
+          </a:p>
+          <a:p>
+            <a:pPr marL="0" indent="0">
+              <a:buNone/>
+            </a:pPr>
+            <a:r>
+              <a:rPr lang="en-GB" sz="1600" dirty="0" smtClean="0"/>
+              <a:t>Users can touch the screen on the corners to represent where they want the dog to move (for example, tap anywhere up to move the dog upwards). </a:t>
+            </a:r>
+          </a:p>
+        </p:txBody>
+      </p:sp>
+    </p:spTree>
+    <p:extLst>
+      <p:ext uri="{BB962C8B-B14F-4D97-AF65-F5344CB8AC3E}">
+        <p14:creationId xmlns:p14="http://schemas.microsoft.com/office/powerpoint/2010/main" val="4290846282"/>
+      </p:ext>
+    </p:extLst>
+  </p:cSld>
+  <p:clrMapOvr>
+    <a:masterClrMapping/>
+  </p:clrMapOvr>
+  <p:timing>
+    <p:tnLst>
+      <p:par>
+        <p:cTn xmlns:p14="http://schemas.microsoft.com/office/powerpoint/2010/main" id="1" dur="indefinite" restart="never" nodeType="tmRoot"/>
+      </p:par>
+    </p:tnLst>
+  </p:timing>
+</p:sld>
+</file>
+
+<file path=ppt/slides/slide7.xml><?xml version="1.0" encoding="utf-8"?>
+<p:sld xmlns:a="http://schemas.openxmlformats.org/drawingml/2006/main" xmlns:r="http://schemas.openxmlformats.org/officeDocument/2006/relationships" xmlns:p="http://schemas.openxmlformats.org/presentationml/2006/main" showMasterSp="0">
+  <p:cSld>
+    <p:spTree>
+      <p:nvGrpSpPr>
+        <p:cNvPr id="1" name=""/>
+        <p:cNvGrpSpPr/>
+        <p:nvPr/>
+      </p:nvGrpSpPr>
+      <p:grpSpPr>
+        <a:xfrm>
+          <a:off x="0" y="0"/>
+          <a:ext cx="0" cy="0"/>
+          <a:chOff x="0" y="0"/>
+          <a:chExt cx="0" cy="0"/>
+        </a:xfrm>
+      </p:grpSpPr>
+      <p:sp>
+        <p:nvSpPr>
+          <p:cNvPr id="7" name="Title 6"/>
+          <p:cNvSpPr>
+            <a:spLocks noGrp="1"/>
+          </p:cNvSpPr>
+          <p:nvPr>
+            <p:ph type="title"/>
+          </p:nvPr>
+        </p:nvSpPr>
+        <p:spPr>
+          <a:xfrm>
+            <a:off x="539750" y="838200"/>
+            <a:ext cx="8064500" cy="609600"/>
+          </a:xfrm>
+        </p:spPr>
+        <p:txBody>
+          <a:bodyPr>
+            <a:noAutofit/>
+          </a:bodyPr>
+          <a:lstStyle/>
+          <a:p>
+            <a:r>
+              <a:rPr lang="en-GB" sz="2800" b="1" dirty="0" smtClean="0"/>
+              <a:t>Project Design and Navigation</a:t>
+            </a:r>
+            <a:endParaRPr lang="en-GB" sz="2800" b="1" dirty="0"/>
+          </a:p>
+        </p:txBody>
+      </p:sp>
+      <p:sp>
+        <p:nvSpPr>
+          <p:cNvPr id="4" name="Slide Number Placeholder 3"/>
+          <p:cNvSpPr>
+            <a:spLocks noGrp="1"/>
+          </p:cNvSpPr>
+          <p:nvPr>
+            <p:ph type="sldNum" sz="quarter" idx="11"/>
+          </p:nvPr>
+        </p:nvSpPr>
+        <p:spPr/>
+        <p:txBody>
+          <a:bodyPr/>
+          <a:lstStyle/>
+          <a:p>
+            <a:fld id="{EF789A81-9B9B-445C-8A60-F916862B4649}" type="slidenum">
+              <a:rPr lang="en-GB" sz="2800" smtClean="0"/>
+              <a:pPr/>
+              <a:t>7</a:t>
+            </a:fld>
+            <a:endParaRPr lang="en-GB" sz="2800" dirty="0"/>
           </a:p>
         </p:txBody>
       </p:sp>
@@ -13113,7 +12563,7 @@
     </p:spTree>
     <p:extLst>
       <p:ext uri="{BB962C8B-B14F-4D97-AF65-F5344CB8AC3E}">
-        <p14:creationId xmlns="" xmlns:p14="http://schemas.microsoft.com/office/powerpoint/2010/main" val="4290846282"/>
+        <p14:creationId xmlns:p14="http://schemas.microsoft.com/office/powerpoint/2010/main" val="4290846282"/>
       </p:ext>
     </p:extLst>
   </p:cSld>
@@ -13123,15 +12573,15 @@
   <p:timing>
     <p:tnLst>
       <p:par>
-        <p:cTn id="1" dur="indefinite" restart="never" nodeType="tmRoot"/>
+        <p:cTn xmlns:p14="http://schemas.microsoft.com/office/powerpoint/2010/main" id="1" dur="indefinite" restart="never" nodeType="tmRoot"/>
       </p:par>
     </p:tnLst>
   </p:timing>
 </p:sld>
 </file>
 
-<file path=ppt/slides/slide7.xml><?xml version="1.0" encoding="utf-8"?>
-<p:sld xmlns:a="http://schemas.openxmlformats.org/drawingml/2006/main" xmlns:r="http://schemas.openxmlformats.org/officeDocument/2006/relationships" xmlns:p="http://schemas.openxmlformats.org/presentationml/2006/main">
+<file path=ppt/slides/slide8.xml><?xml version="1.0" encoding="utf-8"?>
+<p:sld xmlns:a="http://schemas.openxmlformats.org/drawingml/2006/main" xmlns:r="http://schemas.openxmlformats.org/officeDocument/2006/relationships" xmlns:p="http://schemas.openxmlformats.org/presentationml/2006/main" showMasterSp="0">
   <p:cSld>
     <p:spTree>
       <p:nvGrpSpPr>
@@ -13170,10 +12620,10 @@
           <a:lstStyle/>
           <a:p>
             <a:r>
-              <a:rPr lang="en-GB" sz="2800" b="1" u="sng" dirty="0" smtClean="0"/>
+              <a:rPr lang="en-GB" sz="2800" b="1" dirty="0" smtClean="0"/>
               <a:t>Project Design and Navigation</a:t>
             </a:r>
-            <a:endParaRPr lang="en-GB" sz="2800" b="1" u="sng" dirty="0"/>
+            <a:endParaRPr lang="en-GB" sz="2800" b="1" dirty="0"/>
           </a:p>
         </p:txBody>
       </p:sp>
@@ -13193,11 +12643,11 @@
           <a:lstStyle/>
           <a:p>
             <a:fld id="{EF789A81-9B9B-445C-8A60-F916862B4649}" type="slidenum">
-              <a:rPr lang="en-GB" smtClean="0"/>
+              <a:rPr lang="en-GB" sz="2800" smtClean="0"/>
               <a:pPr/>
-              <a:t>7</a:t>
+              <a:t>8</a:t>
             </a:fld>
-            <a:endParaRPr lang="en-GB" dirty="0"/>
+            <a:endParaRPr lang="en-GB" sz="2800" dirty="0"/>
           </a:p>
         </p:txBody>
       </p:sp>
@@ -13236,7 +12686,7 @@
     </p:spTree>
     <p:extLst>
       <p:ext uri="{BB962C8B-B14F-4D97-AF65-F5344CB8AC3E}">
-        <p14:creationId xmlns="" xmlns:p14="http://schemas.microsoft.com/office/powerpoint/2010/main" val="4290846282"/>
+        <p14:creationId xmlns:p14="http://schemas.microsoft.com/office/powerpoint/2010/main" val="4290846282"/>
       </p:ext>
     </p:extLst>
   </p:cSld>
@@ -13246,15 +12696,15 @@
   <p:timing>
     <p:tnLst>
       <p:par>
-        <p:cTn id="1" dur="indefinite" restart="never" nodeType="tmRoot"/>
+        <p:cTn xmlns:p14="http://schemas.microsoft.com/office/powerpoint/2010/main" id="1" dur="indefinite" restart="never" nodeType="tmRoot"/>
       </p:par>
     </p:tnLst>
   </p:timing>
 </p:sld>
 </file>
 
-<file path=ppt/slides/slide8.xml><?xml version="1.0" encoding="utf-8"?>
-<p:sld xmlns:a="http://schemas.openxmlformats.org/drawingml/2006/main" xmlns:r="http://schemas.openxmlformats.org/officeDocument/2006/relationships" xmlns:p="http://schemas.openxmlformats.org/presentationml/2006/main">
+<file path=ppt/slides/slide9.xml><?xml version="1.0" encoding="utf-8"?>
+<p:sld xmlns:a="http://schemas.openxmlformats.org/drawingml/2006/main" xmlns:r="http://schemas.openxmlformats.org/officeDocument/2006/relationships" xmlns:p="http://schemas.openxmlformats.org/presentationml/2006/main" showMasterSp="0">
   <p:cSld>
     <p:spTree>
       <p:nvGrpSpPr>
@@ -13293,10 +12743,10 @@
           <a:lstStyle/>
           <a:p>
             <a:r>
-              <a:rPr lang="en-GB" sz="2800" b="1" u="sng" dirty="0" smtClean="0"/>
+              <a:rPr lang="en-GB" sz="2800" b="1" dirty="0" smtClean="0"/>
               <a:t>Project Design and Navigation</a:t>
             </a:r>
-            <a:endParaRPr lang="en-GB" sz="2800" b="1" u="sng" dirty="0"/>
+            <a:endParaRPr lang="en-GB" sz="2800" b="1" dirty="0"/>
           </a:p>
         </p:txBody>
       </p:sp>
@@ -13316,11 +12766,11 @@
           <a:lstStyle/>
           <a:p>
             <a:fld id="{EF789A81-9B9B-445C-8A60-F916862B4649}" type="slidenum">
-              <a:rPr lang="en-GB" smtClean="0"/>
+              <a:rPr lang="en-GB" sz="2800" smtClean="0"/>
               <a:pPr/>
-              <a:t>8</a:t>
+              <a:t>9</a:t>
             </a:fld>
-            <a:endParaRPr lang="en-GB" dirty="0"/>
+            <a:endParaRPr lang="en-GB" sz="2800" dirty="0"/>
           </a:p>
         </p:txBody>
       </p:sp>
@@ -13359,7 +12809,7 @@
     </p:spTree>
     <p:extLst>
       <p:ext uri="{BB962C8B-B14F-4D97-AF65-F5344CB8AC3E}">
-        <p14:creationId xmlns="" xmlns:p14="http://schemas.microsoft.com/office/powerpoint/2010/main" val="4290846282"/>
+        <p14:creationId xmlns:p14="http://schemas.microsoft.com/office/powerpoint/2010/main" val="4290846282"/>
       </p:ext>
     </p:extLst>
   </p:cSld>
@@ -13369,130 +12819,7 @@
   <p:timing>
     <p:tnLst>
       <p:par>
-        <p:cTn id="1" dur="indefinite" restart="never" nodeType="tmRoot"/>
-      </p:par>
-    </p:tnLst>
-  </p:timing>
-</p:sld>
-</file>
-
-<file path=ppt/slides/slide9.xml><?xml version="1.0" encoding="utf-8"?>
-<p:sld xmlns:a="http://schemas.openxmlformats.org/drawingml/2006/main" xmlns:r="http://schemas.openxmlformats.org/officeDocument/2006/relationships" xmlns:p="http://schemas.openxmlformats.org/presentationml/2006/main">
-  <p:cSld>
-    <p:spTree>
-      <p:nvGrpSpPr>
-        <p:cNvPr id="1" name=""/>
-        <p:cNvGrpSpPr/>
-        <p:nvPr/>
-      </p:nvGrpSpPr>
-      <p:grpSpPr>
-        <a:xfrm>
-          <a:off x="0" y="0"/>
-          <a:ext cx="0" cy="0"/>
-          <a:chOff x="0" y="0"/>
-          <a:chExt cx="0" cy="0"/>
-        </a:xfrm>
-      </p:grpSpPr>
-      <p:sp>
-        <p:nvSpPr>
-          <p:cNvPr id="7" name="Title 6"/>
-          <p:cNvSpPr>
-            <a:spLocks noGrp="1"/>
-          </p:cNvSpPr>
-          <p:nvPr>
-            <p:ph type="title"/>
-          </p:nvPr>
-        </p:nvSpPr>
-        <p:spPr>
-          <a:xfrm>
-            <a:off x="539750" y="838200"/>
-            <a:ext cx="8064500" cy="609600"/>
-          </a:xfrm>
-        </p:spPr>
-        <p:txBody>
-          <a:bodyPr>
-            <a:noAutofit/>
-          </a:bodyPr>
-          <a:lstStyle/>
-          <a:p>
-            <a:r>
-              <a:rPr lang="en-GB" sz="2800" b="1" u="sng" dirty="0" smtClean="0"/>
-              <a:t>Project Design and Navigation</a:t>
-            </a:r>
-            <a:endParaRPr lang="en-GB" sz="2800" b="1" u="sng" dirty="0"/>
-          </a:p>
-        </p:txBody>
-      </p:sp>
-      <p:sp>
-        <p:nvSpPr>
-          <p:cNvPr id="4" name="Slide Number Placeholder 3"/>
-          <p:cNvSpPr>
-            <a:spLocks noGrp="1"/>
-          </p:cNvSpPr>
-          <p:nvPr>
-            <p:ph type="sldNum" sz="quarter" idx="11"/>
-          </p:nvPr>
-        </p:nvSpPr>
-        <p:spPr/>
-        <p:txBody>
-          <a:bodyPr/>
-          <a:lstStyle/>
-          <a:p>
-            <a:fld id="{EF789A81-9B9B-445C-8A60-F916862B4649}" type="slidenum">
-              <a:rPr lang="en-GB" smtClean="0"/>
-              <a:pPr/>
-              <a:t>9</a:t>
-            </a:fld>
-            <a:endParaRPr lang="en-GB" dirty="0"/>
-          </a:p>
-        </p:txBody>
-      </p:sp>
-      <p:pic>
-        <p:nvPicPr>
-          <p:cNvPr id="2050" name="Picture 2"/>
-          <p:cNvPicPr>
-            <a:picLocks noChangeAspect="1" noChangeArrowheads="1"/>
-          </p:cNvPicPr>
-          <p:nvPr/>
-        </p:nvPicPr>
-        <p:blipFill>
-          <a:blip r:embed="rId3" cstate="print"/>
-          <a:srcRect/>
-          <a:stretch>
-            <a:fillRect/>
-          </a:stretch>
-        </p:blipFill>
-        <p:spPr bwMode="auto">
-          <a:xfrm>
-            <a:off x="2538413" y="2057400"/>
-            <a:ext cx="4067175" cy="3609975"/>
-          </a:xfrm>
-          <a:prstGeom prst="rect">
-            <a:avLst/>
-          </a:prstGeom>
-          <a:noFill/>
-          <a:ln w="9525">
-            <a:noFill/>
-            <a:miter lim="800000"/>
-            <a:headEnd/>
-            <a:tailEnd/>
-          </a:ln>
-        </p:spPr>
-      </p:pic>
-    </p:spTree>
-    <p:extLst>
-      <p:ext uri="{BB962C8B-B14F-4D97-AF65-F5344CB8AC3E}">
-        <p14:creationId xmlns="" xmlns:p14="http://schemas.microsoft.com/office/powerpoint/2010/main" val="4290846282"/>
-      </p:ext>
-    </p:extLst>
-  </p:cSld>
-  <p:clrMapOvr>
-    <a:masterClrMapping/>
-  </p:clrMapOvr>
-  <p:timing>
-    <p:tnLst>
-      <p:par>
-        <p:cTn id="1" dur="indefinite" restart="never" nodeType="tmRoot"/>
+        <p:cTn xmlns:p14="http://schemas.microsoft.com/office/powerpoint/2010/main" id="1" dur="indefinite" restart="never" nodeType="tmRoot"/>
       </p:par>
     </p:tnLst>
   </p:timing>
@@ -13500,9 +12827,9 @@
 </file>
 
 <file path=ppt/theme/theme1.xml><?xml version="1.0" encoding="utf-8"?>
-<a:theme xmlns:a="http://schemas.openxmlformats.org/drawingml/2006/main" name="Hardcover">
+<a:theme xmlns:a="http://schemas.openxmlformats.org/drawingml/2006/main" name="Breeze">
   <a:themeElements>
-    <a:clrScheme name="Hardcover">
+    <a:clrScheme name="Breeze">
       <a:dk1>
         <a:sysClr val="windowText" lastClr="000000"/>
       </a:dk1>
@@ -13510,163 +12837,122 @@
         <a:sysClr val="window" lastClr="FFFFFF"/>
       </a:lt1>
       <a:dk2>
-        <a:srgbClr val="895D1D"/>
+        <a:srgbClr val="09213B"/>
       </a:dk2>
       <a:lt2>
-        <a:srgbClr val="ECE9C6"/>
+        <a:srgbClr val="D5EDF4"/>
       </a:lt2>
       <a:accent1>
-        <a:srgbClr val="873624"/>
+        <a:srgbClr val="2C7C9F"/>
       </a:accent1>
       <a:accent2>
-        <a:srgbClr val="D6862D"/>
+        <a:srgbClr val="244A58"/>
       </a:accent2>
       <a:accent3>
-        <a:srgbClr val="D0BE40"/>
+        <a:srgbClr val="E2751D"/>
       </a:accent3>
       <a:accent4>
-        <a:srgbClr val="877F6C"/>
+        <a:srgbClr val="FFB400"/>
       </a:accent4>
       <a:accent5>
-        <a:srgbClr val="972109"/>
+        <a:srgbClr val="7EB606"/>
       </a:accent5>
       <a:accent6>
-        <a:srgbClr val="AEB795"/>
+        <a:srgbClr val="C00000"/>
       </a:accent6>
       <a:hlink>
-        <a:srgbClr val="CC9900"/>
+        <a:srgbClr val="7030A0"/>
       </a:hlink>
       <a:folHlink>
-        <a:srgbClr val="B2B2B2"/>
+        <a:srgbClr val="00B0F0"/>
       </a:folHlink>
     </a:clrScheme>
-    <a:fontScheme name="Hardcover">
+    <a:fontScheme name="Breeze">
       <a:majorFont>
-        <a:latin typeface="Book Antiqua"/>
+        <a:latin typeface="News Gothic MT"/>
         <a:ea typeface=""/>
         <a:cs typeface=""/>
-        <a:font script="Grek" typeface="Times New Roman"/>
-        <a:font script="Cyrl" typeface="Times New Roman"/>
-        <a:font script="Jpan" typeface="HGS明朝E"/>
-        <a:font script="Hang" typeface="궁서"/>
+        <a:font script="Jpan" typeface="ＭＳ Ｐゴシック"/>
         <a:font script="Hans" typeface="宋体"/>
         <a:font script="Hant" typeface="新細明體"/>
-        <a:font script="Arab" typeface="Times New Roman"/>
-        <a:font script="Hebr" typeface="Times New Roman"/>
-        <a:font script="Thai" typeface="Angsana New"/>
-        <a:font script="Ethi" typeface="Nyala"/>
-        <a:font script="Beng" typeface="Vrinda"/>
-        <a:font script="Gujr" typeface="Shruti"/>
-        <a:font script="Khmr" typeface="DaunPenh"/>
-        <a:font script="Knda" typeface="Tunga"/>
-        <a:font script="Guru" typeface="Raavi"/>
-        <a:font script="Cans" typeface="Euphemia"/>
-        <a:font script="Cher" typeface="Plantagenet Cherokee"/>
-        <a:font script="Yiii" typeface="Microsoft Yi Baiti"/>
-        <a:font script="Tibt" typeface="Microsoft Himalaya"/>
-        <a:font script="Thaa" typeface="MV Boli"/>
-        <a:font script="Deva" typeface="Mangal"/>
-        <a:font script="Telu" typeface="Gautami"/>
-        <a:font script="Taml" typeface="Latha"/>
-        <a:font script="Syrc" typeface="Estrangelo Edessa"/>
-        <a:font script="Orya" typeface="Kalinga"/>
-        <a:font script="Mlym" typeface="Kartika"/>
-        <a:font script="Laoo" typeface="DokChampa"/>
-        <a:font script="Sinh" typeface="Iskoola Pota"/>
-        <a:font script="Mong" typeface="Mongolian Baiti"/>
-        <a:font script="Viet" typeface="Times New Roman"/>
-        <a:font script="Uigh" typeface="Microsoft Uighur"/>
-        <a:font script="Geor" typeface="Sylfaen"/>
       </a:majorFont>
       <a:minorFont>
-        <a:latin typeface="Book Antiqua"/>
+        <a:latin typeface="News Gothic MT"/>
         <a:ea typeface=""/>
         <a:cs typeface=""/>
-        <a:font script="Grek" typeface="Times New Roman"/>
-        <a:font script="Cyrl" typeface="Times New Roman"/>
-        <a:font script="Jpan" typeface="HGS明朝E"/>
-        <a:font script="Hang" typeface="돋움"/>
+        <a:font script="Jpan" typeface="ＭＳ Ｐゴシック"/>
         <a:font script="Hans" typeface="宋体"/>
         <a:font script="Hant" typeface="新細明體"/>
-        <a:font script="Arab" typeface="Times New Roman"/>
-        <a:font script="Hebr" typeface="David"/>
-        <a:font script="Thai" typeface="EucrosiaUPC"/>
-        <a:font script="Ethi" typeface="Nyala"/>
-        <a:font script="Beng" typeface="Vrinda"/>
-        <a:font script="Gujr" typeface="Shruti"/>
-        <a:font script="Khmr" typeface="MoolBoran"/>
-        <a:font script="Knda" typeface="Tunga"/>
-        <a:font script="Guru" typeface="Raavi"/>
-        <a:font script="Cans" typeface="Euphemia"/>
-        <a:font script="Cher" typeface="Plantagenet Cherokee"/>
-        <a:font script="Yiii" typeface="Microsoft Yi Baiti"/>
-        <a:font script="Tibt" typeface="Microsoft Himalaya"/>
-        <a:font script="Thaa" typeface="MV Boli"/>
-        <a:font script="Deva" typeface="Mangal"/>
-        <a:font script="Telu" typeface="Gautami"/>
-        <a:font script="Taml" typeface="Latha"/>
-        <a:font script="Syrc" typeface="Estrangelo Edessa"/>
-        <a:font script="Orya" typeface="Kalinga"/>
-        <a:font script="Mlym" typeface="Kartika"/>
-        <a:font script="Laoo" typeface="DokChampa"/>
-        <a:font script="Sinh" typeface="Iskoola Pota"/>
-        <a:font script="Mong" typeface="Mongolian Baiti"/>
-        <a:font script="Viet" typeface="Times New Roman"/>
-        <a:font script="Uigh" typeface="Microsoft Uighur"/>
-        <a:font script="Geor" typeface="Sylfaen"/>
       </a:minorFont>
     </a:fontScheme>
-    <a:fmtScheme name="Hardcover">
+    <a:fmtScheme name="Breeze">
       <a:fillStyleLst>
         <a:solidFill>
           <a:schemeClr val="phClr"/>
         </a:solidFill>
-        <a:solidFill>
-          <a:schemeClr val="phClr">
-            <a:tint val="68000"/>
-            <a:shade val="94000"/>
-            <a:satMod val="300000"/>
-            <a:lumMod val="110000"/>
-          </a:schemeClr>
-        </a:solidFill>
+        <a:gradFill rotWithShape="1">
+          <a:gsLst>
+            <a:gs pos="31000">
+              <a:schemeClr val="phClr">
+                <a:tint val="100000"/>
+                <a:shade val="100000"/>
+                <a:satMod val="120000"/>
+              </a:schemeClr>
+            </a:gs>
+            <a:gs pos="100000">
+              <a:schemeClr val="phClr">
+                <a:tint val="50000"/>
+                <a:satMod val="150000"/>
+              </a:schemeClr>
+            </a:gs>
+          </a:gsLst>
+          <a:lin ang="5400000" scaled="1"/>
+        </a:gradFill>
         <a:gradFill rotWithShape="1">
           <a:gsLst>
             <a:gs pos="0">
               <a:schemeClr val="phClr">
-                <a:tint val="94000"/>
-                <a:satMod val="180000"/>
-                <a:lumMod val="98000"/>
+                <a:shade val="100000"/>
+                <a:satMod val="120000"/>
+              </a:schemeClr>
+            </a:gs>
+            <a:gs pos="69000">
+              <a:schemeClr val="phClr">
+                <a:tint val="80000"/>
+                <a:shade val="100000"/>
+                <a:satMod val="150000"/>
               </a:schemeClr>
             </a:gs>
             <a:gs pos="100000">
               <a:schemeClr val="phClr">
-                <a:satMod val="130000"/>
+                <a:tint val="50000"/>
+                <a:shade val="100000"/>
+                <a:satMod val="150000"/>
               </a:schemeClr>
             </a:gs>
           </a:gsLst>
-          <a:lin ang="5160000" scaled="0"/>
+          <a:path path="circle">
+            <a:fillToRect l="100000" t="100000" r="100000" b="100000"/>
+          </a:path>
         </a:gradFill>
       </a:fillStyleLst>
       <a:lnStyleLst>
         <a:ln w="12700" cap="flat" cmpd="sng" algn="ctr">
           <a:solidFill>
             <a:schemeClr val="phClr">
-              <a:shade val="90000"/>
-              <a:lumMod val="90000"/>
+              <a:shade val="95000"/>
+              <a:satMod val="105000"/>
             </a:schemeClr>
           </a:solidFill>
           <a:prstDash val="solid"/>
         </a:ln>
-        <a:ln w="19050" cap="flat" cmpd="sng" algn="ctr">
+        <a:ln w="25400" cap="flat" cmpd="dbl" algn="ctr">
           <a:solidFill>
-            <a:schemeClr val="phClr">
-              <a:shade val="75000"/>
-              <a:lumMod val="90000"/>
-            </a:schemeClr>
+            <a:schemeClr val="phClr"/>
           </a:solidFill>
           <a:prstDash val="solid"/>
         </a:ln>
-        <a:ln w="25400" cap="flat" cmpd="sng" algn="ctr">
+        <a:ln w="31750" cap="flat" cmpd="dbl" algn="ctr">
           <a:solidFill>
             <a:schemeClr val="phClr"/>
           </a:solidFill>
@@ -13675,81 +12961,81 @@
       </a:lnStyleLst>
       <a:effectStyleLst>
         <a:effectStyle>
+          <a:effectLst/>
+        </a:effectStyle>
+        <a:effectStyle>
           <a:effectLst>
-            <a:outerShdw blurRad="38100" dist="12700" dir="5400000" rotWithShape="0">
+            <a:outerShdw blurRad="63500" dist="25400" dir="5400000" sx="101000" sy="101000" rotWithShape="0">
               <a:srgbClr val="000000">
-                <a:alpha val="15000"/>
+                <a:alpha val="40000"/>
               </a:srgbClr>
             </a:outerShdw>
           </a:effectLst>
         </a:effectStyle>
         <a:effectStyle>
           <a:effectLst>
-            <a:outerShdw blurRad="50800" dist="25400" dir="5400000" rotWithShape="0">
-              <a:srgbClr val="000000">
-                <a:alpha val="46000"/>
+            <a:innerShdw blurRad="127000" dist="25400" dir="13500000">
+              <a:srgbClr val="C0C0C0">
+                <a:alpha val="75000"/>
               </a:srgbClr>
-            </a:outerShdw>
-          </a:effectLst>
-        </a:effectStyle>
-        <a:effectStyle>
-          <a:effectLst>
-            <a:outerShdw blurRad="50800" dist="25400" dir="5400000" rotWithShape="0">
-              <a:srgbClr val="000000">
-                <a:alpha val="48000"/>
+            </a:innerShdw>
+            <a:outerShdw blurRad="88900" dist="25400" dir="5400000" sx="102000" sy="102000" algn="ctr" rotWithShape="0">
+              <a:srgbClr val="C0C0C0">
+                <a:alpha val="40000"/>
               </a:srgbClr>
             </a:outerShdw>
           </a:effectLst>
           <a:scene3d>
-            <a:camera prst="orthographicFront">
-              <a:rot lat="0" lon="0" rev="0"/>
-            </a:camera>
-            <a:lightRig rig="threePt" dir="tl">
-              <a:rot lat="0" lon="0" rev="2400000"/>
+            <a:camera prst="perspectiveLeft" fov="300000"/>
+            <a:lightRig rig="soft" dir="l">
+              <a:rot lat="0" lon="0" rev="4200000"/>
             </a:lightRig>
           </a:scene3d>
-          <a:sp3d>
-            <a:bevelT w="25400" h="25400"/>
+          <a:sp3d extrusionH="38100" prstMaterial="powder">
+            <a:bevelT w="50800" h="88900" prst="convex"/>
           </a:sp3d>
         </a:effectStyle>
       </a:effectStyleLst>
       <a:bgFillStyleLst>
         <a:solidFill>
-          <a:schemeClr val="phClr">
-            <a:tint val="96000"/>
-            <a:lumMod val="110000"/>
-          </a:schemeClr>
+          <a:schemeClr val="phClr"/>
         </a:solidFill>
+        <a:gradFill rotWithShape="1">
+          <a:gsLst>
+            <a:gs pos="0">
+              <a:schemeClr val="phClr">
+                <a:tint val="40000"/>
+                <a:satMod val="350000"/>
+              </a:schemeClr>
+            </a:gs>
+            <a:gs pos="40000">
+              <a:schemeClr val="phClr">
+                <a:tint val="45000"/>
+                <a:shade val="99000"/>
+                <a:satMod val="350000"/>
+              </a:schemeClr>
+            </a:gs>
+            <a:gs pos="100000">
+              <a:schemeClr val="phClr">
+                <a:shade val="20000"/>
+                <a:satMod val="255000"/>
+              </a:schemeClr>
+            </a:gs>
+          </a:gsLst>
+          <a:path path="circle">
+            <a:fillToRect l="50000" t="-80000" r="50000" b="180000"/>
+          </a:path>
+        </a:gradFill>
         <a:blipFill rotWithShape="1">
           <a:blip xmlns:r="http://schemas.openxmlformats.org/officeDocument/2006/relationships" r:embed="rId1">
             <a:duotone>
               <a:schemeClr val="phClr">
-                <a:tint val="93000"/>
-                <a:shade val="20000"/>
+                <a:shade val="40000"/>
+                <a:satMod val="400000"/>
               </a:schemeClr>
               <a:schemeClr val="phClr">
-                <a:tint val="90000"/>
-                <a:shade val="85000"/>
-                <a:satMod val="115000"/>
-              </a:schemeClr>
-            </a:duotone>
-          </a:blip>
-          <a:tile tx="0" ty="0" sx="60000" sy="60000" flip="none" algn="tl"/>
-        </a:blipFill>
-        <a:blipFill rotWithShape="1">
-          <a:blip xmlns:r="http://schemas.openxmlformats.org/officeDocument/2006/relationships" r:embed="rId2">
-            <a:duotone>
-              <a:schemeClr val="phClr">
-                <a:shade val="50000"/>
-                <a:satMod val="340000"/>
-                <a:lumMod val="40000"/>
-              </a:schemeClr>
-              <a:schemeClr val="phClr">
-                <a:tint val="92000"/>
-                <a:shade val="94000"/>
-                <a:hueMod val="110000"/>
-                <a:satMod val="236000"/>
-                <a:lumMod val="120000"/>
+                <a:tint val="10000"/>
+                <a:satMod val="200000"/>
               </a:schemeClr>
             </a:duotone>
           </a:blip>
@@ -13758,7 +13044,50 @@
       </a:bgFillStyleLst>
     </a:fmtScheme>
   </a:themeElements>
-  <a:objectDefaults/>
+  <a:objectDefaults>
+    <a:spDef>
+      <a:spPr/>
+      <a:bodyPr rtlCol="0" anchor="ctr"/>
+      <a:lstStyle>
+        <a:defPPr algn="ctr">
+          <a:defRPr/>
+        </a:defPPr>
+      </a:lstStyle>
+      <a:style>
+        <a:lnRef idx="1">
+          <a:schemeClr val="accent1"/>
+        </a:lnRef>
+        <a:fillRef idx="3">
+          <a:schemeClr val="accent1"/>
+        </a:fillRef>
+        <a:effectRef idx="2">
+          <a:schemeClr val="accent1"/>
+        </a:effectRef>
+        <a:fontRef idx="minor">
+          <a:schemeClr val="lt1"/>
+        </a:fontRef>
+      </a:style>
+    </a:spDef>
+    <a:lnDef>
+      <a:spPr/>
+      <a:bodyPr/>
+      <a:lstStyle/>
+      <a:style>
+        <a:lnRef idx="2">
+          <a:schemeClr val="accent1"/>
+        </a:lnRef>
+        <a:fillRef idx="0">
+          <a:schemeClr val="accent1"/>
+        </a:fillRef>
+        <a:effectRef idx="1">
+          <a:schemeClr val="accent1"/>
+        </a:effectRef>
+        <a:fontRef idx="minor">
+          <a:schemeClr val="tx1"/>
+        </a:fontRef>
+      </a:style>
+    </a:lnDef>
+  </a:objectDefaults>
   <a:extraClrSchemeLst/>
 </a:theme>
 </file>
